--- a/Diving into C++ linker.pptx
+++ b/Diving into C++ linker.pptx
@@ -7,10 +7,10 @@
     <p:sldMasterId id="2147483812" r:id="rId3"/>
   </p:sldMasterIdLst>
   <p:notesMasterIdLst>
-    <p:notesMasterId r:id="rId26"/>
+    <p:notesMasterId r:id="rId30"/>
   </p:notesMasterIdLst>
   <p:handoutMasterIdLst>
-    <p:handoutMasterId r:id="rId27"/>
+    <p:handoutMasterId r:id="rId31"/>
   </p:handoutMasterIdLst>
   <p:sldIdLst>
     <p:sldId id="311" r:id="rId4"/>
@@ -23,23 +23,27 @@
     <p:sldId id="388" r:id="rId11"/>
     <p:sldId id="372" r:id="rId12"/>
     <p:sldId id="373" r:id="rId13"/>
-    <p:sldId id="374" r:id="rId14"/>
-    <p:sldId id="375" r:id="rId15"/>
+    <p:sldId id="389" r:id="rId14"/>
+    <p:sldId id="390" r:id="rId15"/>
     <p:sldId id="376" r:id="rId16"/>
-    <p:sldId id="377" r:id="rId17"/>
-    <p:sldId id="378" r:id="rId18"/>
-    <p:sldId id="383" r:id="rId19"/>
-    <p:sldId id="379" r:id="rId20"/>
-    <p:sldId id="380" r:id="rId21"/>
-    <p:sldId id="381" r:id="rId22"/>
-    <p:sldId id="382" r:id="rId23"/>
-    <p:sldId id="352" r:id="rId24"/>
-    <p:sldId id="364" r:id="rId25"/>
+    <p:sldId id="393" r:id="rId17"/>
+    <p:sldId id="395" r:id="rId18"/>
+    <p:sldId id="394" r:id="rId19"/>
+    <p:sldId id="391" r:id="rId20"/>
+    <p:sldId id="377" r:id="rId21"/>
+    <p:sldId id="378" r:id="rId22"/>
+    <p:sldId id="383" r:id="rId23"/>
+    <p:sldId id="379" r:id="rId24"/>
+    <p:sldId id="380" r:id="rId25"/>
+    <p:sldId id="381" r:id="rId26"/>
+    <p:sldId id="382" r:id="rId27"/>
+    <p:sldId id="352" r:id="rId28"/>
+    <p:sldId id="364" r:id="rId29"/>
   </p:sldIdLst>
   <p:sldSz cx="9144000" cy="5143500" type="screen16x9"/>
   <p:notesSz cx="6858000" cy="9144000"/>
   <p:custDataLst>
-    <p:tags r:id="rId28"/>
+    <p:tags r:id="rId32"/>
   </p:custDataLst>
   <p:defaultTextStyle>
     <a:defPPr>
@@ -310,7 +314,7 @@
               <a:pPr>
                 <a:defRPr/>
               </a:pPr>
-              <a:t>16-Jul-15</a:t>
+              <a:t>20-Jul-15</a:t>
             </a:fld>
             <a:endParaRPr lang="en-US"/>
           </a:p>
@@ -534,7 +538,7 @@
               <a:pPr>
                 <a:defRPr/>
               </a:pPr>
-              <a:t>16-Jul-15</a:t>
+              <a:t>20-Jul-15</a:t>
             </a:fld>
             <a:endParaRPr lang="en-US"/>
           </a:p>
@@ -4275,7 +4279,7 @@
               <a:pPr>
                 <a:defRPr/>
               </a:pPr>
-              <a:t>16/07/2015</a:t>
+              <a:t>20/07/2015</a:t>
             </a:fld>
             <a:endParaRPr lang="en-GB" sz="800" dirty="0">
               <a:solidFill>
@@ -6479,7 +6483,7 @@
               <a:pPr>
                 <a:defRPr/>
               </a:pPr>
-              <a:t>16/07/2015</a:t>
+              <a:t>20/07/2015</a:t>
             </a:fld>
             <a:endParaRPr lang="en-GB" sz="800" dirty="0">
               <a:latin typeface="+mn-lt"/>
@@ -7427,7 +7431,7 @@
         </p:nvSpPr>
         <p:spPr>
           <a:xfrm>
-            <a:off x="416169" y="435143"/>
+            <a:off x="395536" y="267494"/>
             <a:ext cx="8229600" cy="480423"/>
           </a:xfrm>
         </p:spPr>
@@ -7441,36 +7445,6 @@
               <a:t>Linking</a:t>
             </a:r>
             <a:endParaRPr lang="en-US" sz="3200" dirty="0"/>
-          </a:p>
-        </p:txBody>
-      </p:sp>
-      <p:sp>
-        <p:nvSpPr>
-          <p:cNvPr id="3" name="Content Placeholder 2"/>
-          <p:cNvSpPr>
-            <a:spLocks noGrp="1"/>
-          </p:cNvSpPr>
-          <p:nvPr>
-            <p:ph sz="quarter" idx="13"/>
-          </p:nvPr>
-        </p:nvSpPr>
-        <p:spPr>
-          <a:xfrm>
-            <a:off x="418120" y="1203598"/>
-            <a:ext cx="8227649" cy="2952328"/>
-          </a:xfrm>
-        </p:spPr>
-        <p:txBody>
-          <a:bodyPr/>
-          <a:lstStyle/>
-          <a:p>
-            <a:pPr lvl="1">
-              <a:buNone/>
-            </a:pPr>
-            <a:r>
-              <a:rPr lang="en-US" sz="2400" dirty="0" smtClean="0"/>
-              <a:t> </a:t>
-            </a:r>
           </a:p>
         </p:txBody>
       </p:sp>
@@ -7512,7 +7486,7 @@
         </p:nvSpPr>
         <p:spPr bwMode="auto">
           <a:xfrm>
-            <a:off x="570520" y="1203598"/>
+            <a:off x="179512" y="195486"/>
             <a:ext cx="8227649" cy="2952328"/>
           </a:xfrm>
           <a:prstGeom prst="rect">
@@ -7551,33 +7525,448 @@
               <a:tabLst/>
               <a:defRPr/>
             </a:pPr>
-            <a:r>
-              <a:rPr lang="en-US" sz="2400" dirty="0" smtClean="0">
-                <a:solidFill>
-                  <a:schemeClr val="bg2"/>
-                </a:solidFill>
-                <a:latin typeface="+mn-lt"/>
-                <a:ea typeface="ヒラギノ角ゴ Pro W3" charset="0"/>
-              </a:rPr>
-              <a:t>Nice picture of compilation steps</a:t>
-            </a:r>
-            <a:r>
-              <a:rPr kumimoji="0" lang="en-US" sz="2400" b="0" i="0" u="none" strike="noStrike" kern="1200" cap="none" spc="0" normalizeH="0" baseline="0" noProof="0" dirty="0" smtClean="0">
-                <a:ln>
-                  <a:noFill/>
-                </a:ln>
-                <a:solidFill>
-                  <a:schemeClr val="bg2"/>
-                </a:solidFill>
-                <a:effectLst/>
-                <a:uLnTx/>
-                <a:uFillTx/>
-                <a:latin typeface="+mn-lt"/>
-                <a:ea typeface="ヒラギノ角ゴ Pro W3" charset="0"/>
-                <a:cs typeface="ヒラギノ角ゴ Pro W3"/>
-              </a:rPr>
-              <a:t> </a:t>
-            </a:r>
+            <a:endParaRPr kumimoji="0" lang="en-US" sz="2400" b="0" i="0" u="none" strike="noStrike" kern="1200" cap="none" spc="0" normalizeH="0" baseline="0" noProof="0" dirty="0" smtClean="0">
+              <a:ln>
+                <a:noFill/>
+              </a:ln>
+              <a:solidFill>
+                <a:schemeClr val="bg2"/>
+              </a:solidFill>
+              <a:effectLst/>
+              <a:uLnTx/>
+              <a:uFillTx/>
+              <a:latin typeface="+mn-lt"/>
+              <a:ea typeface="ヒラギノ角ゴ Pro W3" charset="0"/>
+              <a:cs typeface="ヒラギノ角ゴ Pro W3"/>
+            </a:endParaRPr>
+          </a:p>
+        </p:txBody>
+      </p:sp>
+      <p:sp>
+        <p:nvSpPr>
+          <p:cNvPr id="8" name="Rectangle 7"/>
+          <p:cNvSpPr/>
+          <p:nvPr/>
+        </p:nvSpPr>
+        <p:spPr>
+          <a:xfrm>
+            <a:off x="864096" y="1131590"/>
+            <a:ext cx="3059832" cy="3385542"/>
+          </a:xfrm>
+          <a:prstGeom prst="rect">
+            <a:avLst/>
+          </a:prstGeom>
+        </p:spPr>
+        <p:txBody>
+          <a:bodyPr wrap="square">
+            <a:spAutoFit/>
+          </a:bodyPr>
+          <a:lstStyle/>
+          <a:p>
+            <a:pPr marL="458788" lvl="1" indent="-228600">
+              <a:spcAft>
+                <a:spcPts val="0"/>
+              </a:spcAft>
+              <a:defRPr/>
+            </a:pPr>
+            <a:r>
+              <a:rPr lang="en-US" sz="1400" dirty="0" smtClean="0">
+                <a:solidFill>
+                  <a:schemeClr val="bg2"/>
+                </a:solidFill>
+                <a:latin typeface="Consolas" pitchFamily="49" charset="0"/>
+                <a:ea typeface="ヒラギノ角ゴ Pro W3" charset="0"/>
+                <a:cs typeface="Consolas" pitchFamily="49" charset="0"/>
+              </a:rPr>
+              <a:t>// </a:t>
+            </a:r>
+            <a:r>
+              <a:rPr lang="en-US" sz="1400" dirty="0" smtClean="0">
+                <a:solidFill>
+                  <a:schemeClr val="bg2"/>
+                </a:solidFill>
+                <a:latin typeface="Consolas" pitchFamily="49" charset="0"/>
+                <a:ea typeface="ヒラギノ角ゴ Pro W3" charset="0"/>
+                <a:cs typeface="Consolas" pitchFamily="49" charset="0"/>
+              </a:rPr>
+              <a:t>A.cpp</a:t>
+            </a:r>
+          </a:p>
+          <a:p>
+            <a:pPr marL="458788" lvl="1" indent="-228600">
+              <a:spcAft>
+                <a:spcPts val="0"/>
+              </a:spcAft>
+              <a:defRPr/>
+            </a:pPr>
+            <a:endParaRPr lang="en-US" sz="1400" dirty="0" smtClean="0">
+              <a:solidFill>
+                <a:schemeClr val="bg2"/>
+              </a:solidFill>
+              <a:latin typeface="Consolas" pitchFamily="49" charset="0"/>
+              <a:ea typeface="ヒラギノ角ゴ Pro W3" charset="0"/>
+              <a:cs typeface="Consolas" pitchFamily="49" charset="0"/>
+            </a:endParaRPr>
+          </a:p>
+          <a:p>
+            <a:pPr marL="458788" lvl="1" indent="-228600">
+              <a:spcAft>
+                <a:spcPts val="0"/>
+              </a:spcAft>
+              <a:defRPr/>
+            </a:pPr>
+            <a:r>
+              <a:rPr lang="en-US" sz="1400" dirty="0" smtClean="0">
+                <a:solidFill>
+                  <a:schemeClr val="bg2"/>
+                </a:solidFill>
+                <a:latin typeface="Consolas" pitchFamily="49" charset="0"/>
+                <a:ea typeface="ヒラギノ角ゴ Pro W3" charset="0"/>
+                <a:cs typeface="Consolas" pitchFamily="49" charset="0"/>
+              </a:rPr>
+              <a:t>void A()</a:t>
+            </a:r>
+          </a:p>
+          <a:p>
+            <a:pPr marL="458788" lvl="1" indent="-228600">
+              <a:spcAft>
+                <a:spcPts val="0"/>
+              </a:spcAft>
+              <a:defRPr/>
+            </a:pPr>
+            <a:r>
+              <a:rPr lang="en-US" sz="1400" dirty="0" smtClean="0">
+                <a:solidFill>
+                  <a:schemeClr val="bg2"/>
+                </a:solidFill>
+                <a:latin typeface="Consolas" pitchFamily="49" charset="0"/>
+                <a:ea typeface="ヒラギノ角ゴ Pro W3" charset="0"/>
+                <a:cs typeface="Consolas" pitchFamily="49" charset="0"/>
+              </a:rPr>
+              <a:t>{</a:t>
+            </a:r>
+          </a:p>
+          <a:p>
+            <a:pPr marL="458788" lvl="1" indent="-228600">
+              <a:spcAft>
+                <a:spcPts val="0"/>
+              </a:spcAft>
+              <a:defRPr/>
+            </a:pPr>
+            <a:r>
+              <a:rPr lang="en-US" sz="1400" dirty="0" smtClean="0">
+                <a:solidFill>
+                  <a:schemeClr val="bg2"/>
+                </a:solidFill>
+                <a:latin typeface="Consolas" pitchFamily="49" charset="0"/>
+                <a:ea typeface="ヒラギノ角ゴ Pro W3" charset="0"/>
+                <a:cs typeface="Consolas" pitchFamily="49" charset="0"/>
+              </a:rPr>
+              <a:t>}</a:t>
+            </a:r>
+          </a:p>
+          <a:p>
+            <a:pPr marL="458788" lvl="1" indent="-228600">
+              <a:spcAft>
+                <a:spcPts val="0"/>
+              </a:spcAft>
+              <a:defRPr/>
+            </a:pPr>
+            <a:endParaRPr lang="en-US" sz="1400" dirty="0" smtClean="0">
+              <a:solidFill>
+                <a:schemeClr val="bg2"/>
+              </a:solidFill>
+              <a:latin typeface="Consolas" pitchFamily="49" charset="0"/>
+              <a:ea typeface="ヒラギノ角ゴ Pro W3" charset="0"/>
+              <a:cs typeface="Consolas" pitchFamily="49" charset="0"/>
+            </a:endParaRPr>
+          </a:p>
+          <a:p>
+            <a:pPr marL="458788" lvl="1" indent="-228600">
+              <a:spcAft>
+                <a:spcPts val="0"/>
+              </a:spcAft>
+              <a:defRPr/>
+            </a:pPr>
+            <a:r>
+              <a:rPr lang="en-US" sz="1400" dirty="0" smtClean="0">
+                <a:solidFill>
+                  <a:schemeClr val="bg2"/>
+                </a:solidFill>
+                <a:latin typeface="Consolas" pitchFamily="49" charset="0"/>
+                <a:ea typeface="ヒラギノ角ゴ Pro W3" charset="0"/>
+                <a:cs typeface="Consolas" pitchFamily="49" charset="0"/>
+              </a:rPr>
+              <a:t>// main.cpp</a:t>
+            </a:r>
+          </a:p>
+          <a:p>
+            <a:pPr marL="458788" lvl="1" indent="-228600">
+              <a:spcAft>
+                <a:spcPts val="0"/>
+              </a:spcAft>
+              <a:defRPr/>
+            </a:pPr>
+            <a:endParaRPr lang="en-US" sz="1400" dirty="0" smtClean="0">
+              <a:solidFill>
+                <a:schemeClr val="bg2"/>
+              </a:solidFill>
+              <a:latin typeface="Consolas" pitchFamily="49" charset="0"/>
+              <a:ea typeface="ヒラギノ角ゴ Pro W3" charset="0"/>
+              <a:cs typeface="Consolas" pitchFamily="49" charset="0"/>
+            </a:endParaRPr>
+          </a:p>
+          <a:p>
+            <a:pPr marL="458788" lvl="1" indent="-228600">
+              <a:spcAft>
+                <a:spcPts val="0"/>
+              </a:spcAft>
+              <a:defRPr/>
+            </a:pPr>
+            <a:r>
+              <a:rPr lang="en-US" sz="1400" dirty="0" smtClean="0">
+                <a:solidFill>
+                  <a:schemeClr val="bg2"/>
+                </a:solidFill>
+                <a:latin typeface="Consolas" pitchFamily="49" charset="0"/>
+                <a:ea typeface="ヒラギノ角ゴ Pro W3" charset="0"/>
+                <a:cs typeface="Consolas" pitchFamily="49" charset="0"/>
+              </a:rPr>
+              <a:t>void A();</a:t>
+            </a:r>
+          </a:p>
+          <a:p>
+            <a:pPr marL="458788" lvl="1" indent="-228600">
+              <a:spcAft>
+                <a:spcPts val="0"/>
+              </a:spcAft>
+              <a:defRPr/>
+            </a:pPr>
+            <a:endParaRPr lang="en-US" sz="1400" dirty="0" smtClean="0">
+              <a:solidFill>
+                <a:schemeClr val="bg2"/>
+              </a:solidFill>
+              <a:latin typeface="Consolas" pitchFamily="49" charset="0"/>
+              <a:ea typeface="ヒラギノ角ゴ Pro W3" charset="0"/>
+              <a:cs typeface="Consolas" pitchFamily="49" charset="0"/>
+            </a:endParaRPr>
+          </a:p>
+          <a:p>
+            <a:pPr marL="458788" lvl="1" indent="-228600">
+              <a:spcAft>
+                <a:spcPts val="0"/>
+              </a:spcAft>
+              <a:defRPr/>
+            </a:pPr>
+            <a:r>
+              <a:rPr lang="en-US" sz="1400" dirty="0" err="1" smtClean="0">
+                <a:solidFill>
+                  <a:schemeClr val="bg2"/>
+                </a:solidFill>
+                <a:latin typeface="Consolas" pitchFamily="49" charset="0"/>
+                <a:ea typeface="ヒラギノ角ゴ Pro W3" charset="0"/>
+                <a:cs typeface="Consolas" pitchFamily="49" charset="0"/>
+              </a:rPr>
+              <a:t>int</a:t>
+            </a:r>
+            <a:r>
+              <a:rPr lang="en-US" sz="1400" dirty="0" smtClean="0">
+                <a:solidFill>
+                  <a:schemeClr val="bg2"/>
+                </a:solidFill>
+                <a:latin typeface="Consolas" pitchFamily="49" charset="0"/>
+                <a:ea typeface="ヒラギノ角ゴ Pro W3" charset="0"/>
+                <a:cs typeface="Consolas" pitchFamily="49" charset="0"/>
+              </a:rPr>
+              <a:t> main()</a:t>
+            </a:r>
+          </a:p>
+          <a:p>
+            <a:pPr marL="458788" lvl="1" indent="-228600">
+              <a:spcAft>
+                <a:spcPts val="0"/>
+              </a:spcAft>
+              <a:defRPr/>
+            </a:pPr>
+            <a:r>
+              <a:rPr lang="en-US" sz="1400" dirty="0" smtClean="0">
+                <a:solidFill>
+                  <a:schemeClr val="bg2"/>
+                </a:solidFill>
+                <a:latin typeface="Consolas" pitchFamily="49" charset="0"/>
+                <a:ea typeface="ヒラギノ角ゴ Pro W3" charset="0"/>
+                <a:cs typeface="Consolas" pitchFamily="49" charset="0"/>
+              </a:rPr>
+              <a:t>{</a:t>
+            </a:r>
+          </a:p>
+          <a:p>
+            <a:pPr marL="458788" lvl="1" indent="-228600">
+              <a:spcAft>
+                <a:spcPts val="0"/>
+              </a:spcAft>
+              <a:defRPr/>
+            </a:pPr>
+            <a:r>
+              <a:rPr lang="en-US" sz="1400" dirty="0" smtClean="0">
+                <a:solidFill>
+                  <a:schemeClr val="bg2"/>
+                </a:solidFill>
+                <a:latin typeface="Consolas" pitchFamily="49" charset="0"/>
+                <a:ea typeface="ヒラギノ角ゴ Pro W3" charset="0"/>
+                <a:cs typeface="Consolas" pitchFamily="49" charset="0"/>
+              </a:rPr>
+              <a:t>    A();</a:t>
+            </a:r>
+          </a:p>
+          <a:p>
+            <a:pPr marL="458788" lvl="1" indent="-228600">
+              <a:spcAft>
+                <a:spcPts val="0"/>
+              </a:spcAft>
+              <a:defRPr/>
+            </a:pPr>
+            <a:r>
+              <a:rPr lang="en-US" sz="1400" dirty="0" smtClean="0">
+                <a:solidFill>
+                  <a:schemeClr val="bg2"/>
+                </a:solidFill>
+                <a:latin typeface="Consolas" pitchFamily="49" charset="0"/>
+                <a:ea typeface="ヒラギノ角ゴ Pro W3" charset="0"/>
+                <a:cs typeface="Consolas" pitchFamily="49" charset="0"/>
+              </a:rPr>
+              <a:t>}</a:t>
+            </a:r>
+          </a:p>
+          <a:p>
+            <a:endParaRPr lang="en-US" dirty="0"/>
+          </a:p>
+        </p:txBody>
+      </p:sp>
+      <p:pic>
+        <p:nvPicPr>
+          <p:cNvPr id="3074" name="Picture 2" descr="D:\userdata\bakhvalo\My Documents\GitHub\Linker\Pictures\LinkingFunction.jpg"/>
+          <p:cNvPicPr>
+            <a:picLocks noChangeAspect="1" noChangeArrowheads="1"/>
+          </p:cNvPicPr>
+          <p:nvPr/>
+        </p:nvPicPr>
+        <p:blipFill>
+          <a:blip r:embed="rId2"/>
+          <a:srcRect/>
+          <a:stretch>
+            <a:fillRect/>
+          </a:stretch>
+        </p:blipFill>
+        <p:spPr bwMode="auto">
+          <a:xfrm>
+            <a:off x="5511105" y="1347614"/>
+            <a:ext cx="3381375" cy="2286000"/>
+          </a:xfrm>
+          <a:prstGeom prst="rect">
+            <a:avLst/>
+          </a:prstGeom>
+          <a:noFill/>
+        </p:spPr>
+      </p:pic>
+      <p:sp>
+        <p:nvSpPr>
+          <p:cNvPr id="12" name="Rectangle 11"/>
+          <p:cNvSpPr/>
+          <p:nvPr/>
+        </p:nvSpPr>
+        <p:spPr>
+          <a:xfrm>
+            <a:off x="4716016" y="1851670"/>
+            <a:ext cx="1212511" cy="307777"/>
+          </a:xfrm>
+          <a:prstGeom prst="rect">
+            <a:avLst/>
+          </a:prstGeom>
+        </p:spPr>
+        <p:txBody>
+          <a:bodyPr wrap="none">
+            <a:spAutoFit/>
+          </a:bodyPr>
+          <a:lstStyle/>
+          <a:p>
+            <a:pPr marL="458788" lvl="1" indent="-228600">
+              <a:spcAft>
+                <a:spcPts val="0"/>
+              </a:spcAft>
+              <a:defRPr/>
+            </a:pPr>
+            <a:r>
+              <a:rPr lang="en-US" sz="1400" dirty="0" smtClean="0">
+                <a:solidFill>
+                  <a:schemeClr val="bg2"/>
+                </a:solidFill>
+                <a:latin typeface="Consolas" pitchFamily="49" charset="0"/>
+                <a:ea typeface="ヒラギノ角ゴ Pro W3" charset="0"/>
+                <a:cs typeface="Consolas" pitchFamily="49" charset="0"/>
+              </a:rPr>
+              <a:t>// A.cpp</a:t>
+            </a:r>
+          </a:p>
+        </p:txBody>
+      </p:sp>
+      <p:sp>
+        <p:nvSpPr>
+          <p:cNvPr id="13" name="Rectangle 12"/>
+          <p:cNvSpPr/>
+          <p:nvPr/>
+        </p:nvSpPr>
+        <p:spPr>
+          <a:xfrm>
+            <a:off x="4427984" y="3147814"/>
+            <a:ext cx="1510670" cy="307777"/>
+          </a:xfrm>
+          <a:prstGeom prst="rect">
+            <a:avLst/>
+          </a:prstGeom>
+        </p:spPr>
+        <p:txBody>
+          <a:bodyPr wrap="none">
+            <a:spAutoFit/>
+          </a:bodyPr>
+          <a:lstStyle/>
+          <a:p>
+            <a:pPr marL="458788" lvl="1" indent="-228600">
+              <a:spcAft>
+                <a:spcPts val="0"/>
+              </a:spcAft>
+              <a:defRPr/>
+            </a:pPr>
+            <a:r>
+              <a:rPr lang="en-US" sz="1400" dirty="0" smtClean="0">
+                <a:solidFill>
+                  <a:schemeClr val="bg2"/>
+                </a:solidFill>
+                <a:latin typeface="Consolas" pitchFamily="49" charset="0"/>
+                <a:ea typeface="ヒラギノ角ゴ Pro W3" charset="0"/>
+                <a:cs typeface="Consolas" pitchFamily="49" charset="0"/>
+              </a:rPr>
+              <a:t>// </a:t>
+            </a:r>
+            <a:r>
+              <a:rPr lang="en-US" sz="1400" dirty="0" smtClean="0">
+                <a:solidFill>
+                  <a:schemeClr val="bg2"/>
+                </a:solidFill>
+                <a:latin typeface="Consolas" pitchFamily="49" charset="0"/>
+                <a:ea typeface="ヒラギノ角ゴ Pro W3" charset="0"/>
+                <a:cs typeface="Consolas" pitchFamily="49" charset="0"/>
+              </a:rPr>
+              <a:t>main.cpp</a:t>
+            </a:r>
+            <a:endParaRPr lang="en-US" sz="1400" dirty="0" smtClean="0">
+              <a:solidFill>
+                <a:schemeClr val="bg2"/>
+              </a:solidFill>
+              <a:latin typeface="Consolas" pitchFamily="49" charset="0"/>
+              <a:ea typeface="ヒラギノ角ゴ Pro W3" charset="0"/>
+              <a:cs typeface="Consolas" pitchFamily="49" charset="0"/>
+            </a:endParaRPr>
           </a:p>
         </p:txBody>
       </p:sp>
@@ -7618,7 +8007,7 @@
         </p:nvSpPr>
         <p:spPr>
           <a:xfrm>
-            <a:off x="416169" y="435143"/>
+            <a:off x="395536" y="267494"/>
             <a:ext cx="8229600" cy="480423"/>
           </a:xfrm>
         </p:spPr>
@@ -7629,39 +8018,9 @@
             <a:pPr algn="ctr"/>
             <a:r>
               <a:rPr lang="en-US" sz="3200" dirty="0" smtClean="0"/>
-              <a:t>Example of linker work</a:t>
+              <a:t>Analysis using nm tool</a:t>
             </a:r>
             <a:endParaRPr lang="en-US" sz="3200" dirty="0"/>
-          </a:p>
-        </p:txBody>
-      </p:sp>
-      <p:sp>
-        <p:nvSpPr>
-          <p:cNvPr id="3" name="Content Placeholder 2"/>
-          <p:cNvSpPr>
-            <a:spLocks noGrp="1"/>
-          </p:cNvSpPr>
-          <p:nvPr>
-            <p:ph sz="quarter" idx="13"/>
-          </p:nvPr>
-        </p:nvSpPr>
-        <p:spPr>
-          <a:xfrm>
-            <a:off x="418120" y="1203598"/>
-            <a:ext cx="8227649" cy="2952328"/>
-          </a:xfrm>
-        </p:spPr>
-        <p:txBody>
-          <a:bodyPr/>
-          <a:lstStyle/>
-          <a:p>
-            <a:pPr lvl="1">
-              <a:buNone/>
-            </a:pPr>
-            <a:r>
-              <a:rPr lang="en-US" sz="2400" dirty="0" smtClean="0"/>
-              <a:t> </a:t>
-            </a:r>
           </a:p>
         </p:txBody>
       </p:sp>
@@ -7703,7 +8062,7 @@
         </p:nvSpPr>
         <p:spPr bwMode="auto">
           <a:xfrm>
-            <a:off x="570520" y="1203598"/>
+            <a:off x="179512" y="195486"/>
             <a:ext cx="8227649" cy="2952328"/>
           </a:xfrm>
           <a:prstGeom prst="rect">
@@ -7742,16 +8101,6 @@
               <a:tabLst/>
               <a:defRPr/>
             </a:pPr>
-            <a:r>
-              <a:rPr lang="en-US" sz="2400" dirty="0" smtClean="0">
-                <a:solidFill>
-                  <a:schemeClr val="bg2"/>
-                </a:solidFill>
-                <a:latin typeface="+mn-lt"/>
-                <a:ea typeface="ヒラギノ角ゴ Pro W3" charset="0"/>
-              </a:rPr>
-              <a:t>Example</a:t>
-            </a:r>
             <a:endParaRPr kumimoji="0" lang="en-US" sz="2400" b="0" i="0" u="none" strike="noStrike" kern="1200" cap="none" spc="0" normalizeH="0" baseline="0" noProof="0" dirty="0" smtClean="0">
               <a:ln>
                 <a:noFill/>
@@ -7766,6 +8115,721 @@
               <a:ea typeface="ヒラギノ角ゴ Pro W3" charset="0"/>
               <a:cs typeface="ヒラギノ角ゴ Pro W3"/>
             </a:endParaRPr>
+          </a:p>
+        </p:txBody>
+      </p:sp>
+      <p:sp>
+        <p:nvSpPr>
+          <p:cNvPr id="8" name="Rectangle 7"/>
+          <p:cNvSpPr/>
+          <p:nvPr/>
+        </p:nvSpPr>
+        <p:spPr>
+          <a:xfrm>
+            <a:off x="864096" y="1347614"/>
+            <a:ext cx="3059832" cy="3385542"/>
+          </a:xfrm>
+          <a:prstGeom prst="rect">
+            <a:avLst/>
+          </a:prstGeom>
+        </p:spPr>
+        <p:txBody>
+          <a:bodyPr wrap="square">
+            <a:spAutoFit/>
+          </a:bodyPr>
+          <a:lstStyle/>
+          <a:p>
+            <a:pPr marL="458788" lvl="1" indent="-228600">
+              <a:spcAft>
+                <a:spcPts val="0"/>
+              </a:spcAft>
+              <a:defRPr/>
+            </a:pPr>
+            <a:r>
+              <a:rPr lang="en-US" sz="1400" dirty="0" smtClean="0">
+                <a:solidFill>
+                  <a:schemeClr val="bg2"/>
+                </a:solidFill>
+                <a:latin typeface="Consolas" pitchFamily="49" charset="0"/>
+                <a:ea typeface="ヒラギノ角ゴ Pro W3" charset="0"/>
+                <a:cs typeface="Consolas" pitchFamily="49" charset="0"/>
+              </a:rPr>
+              <a:t>// </a:t>
+            </a:r>
+            <a:r>
+              <a:rPr lang="en-US" sz="1400" dirty="0" smtClean="0">
+                <a:solidFill>
+                  <a:schemeClr val="bg2"/>
+                </a:solidFill>
+                <a:latin typeface="Consolas" pitchFamily="49" charset="0"/>
+                <a:ea typeface="ヒラギノ角ゴ Pro W3" charset="0"/>
+                <a:cs typeface="Consolas" pitchFamily="49" charset="0"/>
+              </a:rPr>
+              <a:t>A.cpp</a:t>
+            </a:r>
+          </a:p>
+          <a:p>
+            <a:pPr marL="458788" lvl="1" indent="-228600">
+              <a:spcAft>
+                <a:spcPts val="0"/>
+              </a:spcAft>
+              <a:defRPr/>
+            </a:pPr>
+            <a:endParaRPr lang="en-US" sz="1400" dirty="0" smtClean="0">
+              <a:solidFill>
+                <a:schemeClr val="bg2"/>
+              </a:solidFill>
+              <a:latin typeface="Consolas" pitchFamily="49" charset="0"/>
+              <a:ea typeface="ヒラギノ角ゴ Pro W3" charset="0"/>
+              <a:cs typeface="Consolas" pitchFamily="49" charset="0"/>
+            </a:endParaRPr>
+          </a:p>
+          <a:p>
+            <a:pPr marL="458788" lvl="1" indent="-228600">
+              <a:spcAft>
+                <a:spcPts val="0"/>
+              </a:spcAft>
+              <a:defRPr/>
+            </a:pPr>
+            <a:r>
+              <a:rPr lang="en-US" sz="1400" dirty="0" smtClean="0">
+                <a:solidFill>
+                  <a:schemeClr val="bg2"/>
+                </a:solidFill>
+                <a:latin typeface="Consolas" pitchFamily="49" charset="0"/>
+                <a:ea typeface="ヒラギノ角ゴ Pro W3" charset="0"/>
+                <a:cs typeface="Consolas" pitchFamily="49" charset="0"/>
+              </a:rPr>
+              <a:t>void A()</a:t>
+            </a:r>
+          </a:p>
+          <a:p>
+            <a:pPr marL="458788" lvl="1" indent="-228600">
+              <a:spcAft>
+                <a:spcPts val="0"/>
+              </a:spcAft>
+              <a:defRPr/>
+            </a:pPr>
+            <a:r>
+              <a:rPr lang="en-US" sz="1400" dirty="0" smtClean="0">
+                <a:solidFill>
+                  <a:schemeClr val="bg2"/>
+                </a:solidFill>
+                <a:latin typeface="Consolas" pitchFamily="49" charset="0"/>
+                <a:ea typeface="ヒラギノ角ゴ Pro W3" charset="0"/>
+                <a:cs typeface="Consolas" pitchFamily="49" charset="0"/>
+              </a:rPr>
+              <a:t>{</a:t>
+            </a:r>
+          </a:p>
+          <a:p>
+            <a:pPr marL="458788" lvl="1" indent="-228600">
+              <a:spcAft>
+                <a:spcPts val="0"/>
+              </a:spcAft>
+              <a:defRPr/>
+            </a:pPr>
+            <a:r>
+              <a:rPr lang="en-US" sz="1400" dirty="0" smtClean="0">
+                <a:solidFill>
+                  <a:schemeClr val="bg2"/>
+                </a:solidFill>
+                <a:latin typeface="Consolas" pitchFamily="49" charset="0"/>
+                <a:ea typeface="ヒラギノ角ゴ Pro W3" charset="0"/>
+                <a:cs typeface="Consolas" pitchFamily="49" charset="0"/>
+              </a:rPr>
+              <a:t>}</a:t>
+            </a:r>
+          </a:p>
+          <a:p>
+            <a:pPr marL="458788" lvl="1" indent="-228600">
+              <a:spcAft>
+                <a:spcPts val="0"/>
+              </a:spcAft>
+              <a:defRPr/>
+            </a:pPr>
+            <a:endParaRPr lang="en-US" sz="1400" dirty="0" smtClean="0">
+              <a:solidFill>
+                <a:schemeClr val="bg2"/>
+              </a:solidFill>
+              <a:latin typeface="Consolas" pitchFamily="49" charset="0"/>
+              <a:ea typeface="ヒラギノ角ゴ Pro W3" charset="0"/>
+              <a:cs typeface="Consolas" pitchFamily="49" charset="0"/>
+            </a:endParaRPr>
+          </a:p>
+          <a:p>
+            <a:pPr marL="458788" lvl="1" indent="-228600">
+              <a:spcAft>
+                <a:spcPts val="0"/>
+              </a:spcAft>
+              <a:defRPr/>
+            </a:pPr>
+            <a:r>
+              <a:rPr lang="en-US" sz="1400" dirty="0" smtClean="0">
+                <a:solidFill>
+                  <a:schemeClr val="bg2"/>
+                </a:solidFill>
+                <a:latin typeface="Consolas" pitchFamily="49" charset="0"/>
+                <a:ea typeface="ヒラギノ角ゴ Pro W3" charset="0"/>
+                <a:cs typeface="Consolas" pitchFamily="49" charset="0"/>
+              </a:rPr>
+              <a:t>// main.cpp</a:t>
+            </a:r>
+          </a:p>
+          <a:p>
+            <a:pPr marL="458788" lvl="1" indent="-228600">
+              <a:spcAft>
+                <a:spcPts val="0"/>
+              </a:spcAft>
+              <a:defRPr/>
+            </a:pPr>
+            <a:endParaRPr lang="en-US" sz="1400" dirty="0" smtClean="0">
+              <a:solidFill>
+                <a:schemeClr val="bg2"/>
+              </a:solidFill>
+              <a:latin typeface="Consolas" pitchFamily="49" charset="0"/>
+              <a:ea typeface="ヒラギノ角ゴ Pro W3" charset="0"/>
+              <a:cs typeface="Consolas" pitchFamily="49" charset="0"/>
+            </a:endParaRPr>
+          </a:p>
+          <a:p>
+            <a:pPr marL="458788" lvl="1" indent="-228600">
+              <a:spcAft>
+                <a:spcPts val="0"/>
+              </a:spcAft>
+              <a:defRPr/>
+            </a:pPr>
+            <a:r>
+              <a:rPr lang="en-US" sz="1400" dirty="0" smtClean="0">
+                <a:solidFill>
+                  <a:schemeClr val="bg2"/>
+                </a:solidFill>
+                <a:latin typeface="Consolas" pitchFamily="49" charset="0"/>
+                <a:ea typeface="ヒラギノ角ゴ Pro W3" charset="0"/>
+                <a:cs typeface="Consolas" pitchFamily="49" charset="0"/>
+              </a:rPr>
+              <a:t>void A();</a:t>
+            </a:r>
+          </a:p>
+          <a:p>
+            <a:pPr marL="458788" lvl="1" indent="-228600">
+              <a:spcAft>
+                <a:spcPts val="0"/>
+              </a:spcAft>
+              <a:defRPr/>
+            </a:pPr>
+            <a:endParaRPr lang="en-US" sz="1400" dirty="0" smtClean="0">
+              <a:solidFill>
+                <a:schemeClr val="bg2"/>
+              </a:solidFill>
+              <a:latin typeface="Consolas" pitchFamily="49" charset="0"/>
+              <a:ea typeface="ヒラギノ角ゴ Pro W3" charset="0"/>
+              <a:cs typeface="Consolas" pitchFamily="49" charset="0"/>
+            </a:endParaRPr>
+          </a:p>
+          <a:p>
+            <a:pPr marL="458788" lvl="1" indent="-228600">
+              <a:spcAft>
+                <a:spcPts val="0"/>
+              </a:spcAft>
+              <a:defRPr/>
+            </a:pPr>
+            <a:r>
+              <a:rPr lang="en-US" sz="1400" dirty="0" err="1" smtClean="0">
+                <a:solidFill>
+                  <a:schemeClr val="bg2"/>
+                </a:solidFill>
+                <a:latin typeface="Consolas" pitchFamily="49" charset="0"/>
+                <a:ea typeface="ヒラギノ角ゴ Pro W3" charset="0"/>
+                <a:cs typeface="Consolas" pitchFamily="49" charset="0"/>
+              </a:rPr>
+              <a:t>int</a:t>
+            </a:r>
+            <a:r>
+              <a:rPr lang="en-US" sz="1400" dirty="0" smtClean="0">
+                <a:solidFill>
+                  <a:schemeClr val="bg2"/>
+                </a:solidFill>
+                <a:latin typeface="Consolas" pitchFamily="49" charset="0"/>
+                <a:ea typeface="ヒラギノ角ゴ Pro W3" charset="0"/>
+                <a:cs typeface="Consolas" pitchFamily="49" charset="0"/>
+              </a:rPr>
+              <a:t> main()</a:t>
+            </a:r>
+          </a:p>
+          <a:p>
+            <a:pPr marL="458788" lvl="1" indent="-228600">
+              <a:spcAft>
+                <a:spcPts val="0"/>
+              </a:spcAft>
+              <a:defRPr/>
+            </a:pPr>
+            <a:r>
+              <a:rPr lang="en-US" sz="1400" dirty="0" smtClean="0">
+                <a:solidFill>
+                  <a:schemeClr val="bg2"/>
+                </a:solidFill>
+                <a:latin typeface="Consolas" pitchFamily="49" charset="0"/>
+                <a:ea typeface="ヒラギノ角ゴ Pro W3" charset="0"/>
+                <a:cs typeface="Consolas" pitchFamily="49" charset="0"/>
+              </a:rPr>
+              <a:t>{</a:t>
+            </a:r>
+          </a:p>
+          <a:p>
+            <a:pPr marL="458788" lvl="1" indent="-228600">
+              <a:spcAft>
+                <a:spcPts val="0"/>
+              </a:spcAft>
+              <a:defRPr/>
+            </a:pPr>
+            <a:r>
+              <a:rPr lang="en-US" sz="1400" dirty="0" smtClean="0">
+                <a:solidFill>
+                  <a:schemeClr val="bg2"/>
+                </a:solidFill>
+                <a:latin typeface="Consolas" pitchFamily="49" charset="0"/>
+                <a:ea typeface="ヒラギノ角ゴ Pro W3" charset="0"/>
+                <a:cs typeface="Consolas" pitchFamily="49" charset="0"/>
+              </a:rPr>
+              <a:t>    A();</a:t>
+            </a:r>
+          </a:p>
+          <a:p>
+            <a:pPr marL="458788" lvl="1" indent="-228600">
+              <a:spcAft>
+                <a:spcPts val="0"/>
+              </a:spcAft>
+              <a:defRPr/>
+            </a:pPr>
+            <a:r>
+              <a:rPr lang="en-US" sz="1400" dirty="0" smtClean="0">
+                <a:solidFill>
+                  <a:schemeClr val="bg2"/>
+                </a:solidFill>
+                <a:latin typeface="Consolas" pitchFamily="49" charset="0"/>
+                <a:ea typeface="ヒラギノ角ゴ Pro W3" charset="0"/>
+                <a:cs typeface="Consolas" pitchFamily="49" charset="0"/>
+              </a:rPr>
+              <a:t>}</a:t>
+            </a:r>
+          </a:p>
+          <a:p>
+            <a:endParaRPr lang="en-US" dirty="0"/>
+          </a:p>
+        </p:txBody>
+      </p:sp>
+      <p:sp>
+        <p:nvSpPr>
+          <p:cNvPr id="9" name="Rectangle 8"/>
+          <p:cNvSpPr/>
+          <p:nvPr/>
+        </p:nvSpPr>
+        <p:spPr>
+          <a:xfrm>
+            <a:off x="827584" y="680378"/>
+            <a:ext cx="1579278" cy="523220"/>
+          </a:xfrm>
+          <a:prstGeom prst="rect">
+            <a:avLst/>
+          </a:prstGeom>
+        </p:spPr>
+        <p:txBody>
+          <a:bodyPr wrap="none">
+            <a:spAutoFit/>
+          </a:bodyPr>
+          <a:lstStyle/>
+          <a:p>
+            <a:pPr lvl="1">
+              <a:buNone/>
+            </a:pPr>
+            <a:r>
+              <a:rPr lang="en-US" sz="2800" u="sng" dirty="0" smtClean="0">
+                <a:solidFill>
+                  <a:schemeClr val="bg2"/>
+                </a:solidFill>
+                <a:latin typeface="+mn-lt"/>
+                <a:ea typeface="ヒラギノ角ゴ Pro W3" charset="0"/>
+              </a:rPr>
+              <a:t>Input:</a:t>
+            </a:r>
+          </a:p>
+        </p:txBody>
+      </p:sp>
+      <p:sp>
+        <p:nvSpPr>
+          <p:cNvPr id="10" name="Rectangle 9"/>
+          <p:cNvSpPr/>
+          <p:nvPr/>
+        </p:nvSpPr>
+        <p:spPr>
+          <a:xfrm>
+            <a:off x="3995936" y="1275606"/>
+            <a:ext cx="5153888" cy="3385542"/>
+          </a:xfrm>
+          <a:prstGeom prst="rect">
+            <a:avLst/>
+          </a:prstGeom>
+        </p:spPr>
+        <p:txBody>
+          <a:bodyPr wrap="square">
+            <a:spAutoFit/>
+          </a:bodyPr>
+          <a:lstStyle/>
+          <a:p>
+            <a:pPr marL="458788" lvl="1" indent="-228600">
+              <a:spcAft>
+                <a:spcPts val="0"/>
+              </a:spcAft>
+              <a:defRPr/>
+            </a:pPr>
+            <a:r>
+              <a:rPr lang="en-US" sz="1400" dirty="0" smtClean="0">
+                <a:solidFill>
+                  <a:schemeClr val="bg2"/>
+                </a:solidFill>
+                <a:latin typeface="Consolas" pitchFamily="49" charset="0"/>
+                <a:ea typeface="ヒラギノ角ゴ Pro W3" charset="0"/>
+                <a:cs typeface="Consolas" pitchFamily="49" charset="0"/>
+              </a:rPr>
+              <a:t>$ nm -C -S </a:t>
+            </a:r>
+            <a:r>
+              <a:rPr lang="en-US" sz="1400" dirty="0" err="1" smtClean="0">
+                <a:solidFill>
+                  <a:schemeClr val="bg2"/>
+                </a:solidFill>
+                <a:latin typeface="Consolas" pitchFamily="49" charset="0"/>
+                <a:ea typeface="ヒラギノ角ゴ Pro W3" charset="0"/>
+                <a:cs typeface="Consolas" pitchFamily="49" charset="0"/>
+              </a:rPr>
+              <a:t>main.o</a:t>
+            </a:r>
+            <a:endParaRPr lang="en-US" sz="1400" dirty="0" smtClean="0">
+              <a:solidFill>
+                <a:schemeClr val="bg2"/>
+              </a:solidFill>
+              <a:latin typeface="Consolas" pitchFamily="49" charset="0"/>
+              <a:ea typeface="ヒラギノ角ゴ Pro W3" charset="0"/>
+              <a:cs typeface="Consolas" pitchFamily="49" charset="0"/>
+            </a:endParaRPr>
+          </a:p>
+          <a:p>
+            <a:pPr marL="458788" lvl="1" indent="-228600">
+              <a:spcAft>
+                <a:spcPts val="0"/>
+              </a:spcAft>
+              <a:defRPr/>
+            </a:pPr>
+            <a:r>
+              <a:rPr lang="en-US" sz="1400" dirty="0" smtClean="0">
+                <a:solidFill>
+                  <a:schemeClr val="bg2"/>
+                </a:solidFill>
+                <a:latin typeface="Consolas" pitchFamily="49" charset="0"/>
+                <a:ea typeface="ヒラギノ角ゴ Pro W3" charset="0"/>
+                <a:cs typeface="Consolas" pitchFamily="49" charset="0"/>
+              </a:rPr>
+              <a:t>                 U A()</a:t>
+            </a:r>
+          </a:p>
+          <a:p>
+            <a:pPr marL="458788" lvl="1" indent="-228600">
+              <a:spcAft>
+                <a:spcPts val="0"/>
+              </a:spcAft>
+              <a:defRPr/>
+            </a:pPr>
+            <a:r>
+              <a:rPr lang="en-US" sz="1400" dirty="0" smtClean="0">
+                <a:solidFill>
+                  <a:schemeClr val="bg2"/>
+                </a:solidFill>
+                <a:latin typeface="Consolas" pitchFamily="49" charset="0"/>
+                <a:ea typeface="ヒラギノ角ゴ Pro W3" charset="0"/>
+                <a:cs typeface="Consolas" pitchFamily="49" charset="0"/>
+              </a:rPr>
+              <a:t>                 U __gxx_personality_v0</a:t>
+            </a:r>
+          </a:p>
+          <a:p>
+            <a:pPr marL="458788" lvl="1" indent="-228600">
+              <a:spcAft>
+                <a:spcPts val="0"/>
+              </a:spcAft>
+              <a:defRPr/>
+            </a:pPr>
+            <a:r>
+              <a:rPr lang="en-US" sz="1400" dirty="0" smtClean="0">
+                <a:solidFill>
+                  <a:schemeClr val="bg2"/>
+                </a:solidFill>
+                <a:latin typeface="Consolas" pitchFamily="49" charset="0"/>
+                <a:ea typeface="ヒラギノ角ゴ Pro W3" charset="0"/>
+                <a:cs typeface="Consolas" pitchFamily="49" charset="0"/>
+              </a:rPr>
+              <a:t>0000000000000000 0000000000000010 T main</a:t>
+            </a:r>
+          </a:p>
+          <a:p>
+            <a:pPr marL="458788" lvl="1" indent="-228600">
+              <a:spcAft>
+                <a:spcPts val="0"/>
+              </a:spcAft>
+              <a:defRPr/>
+            </a:pPr>
+            <a:endParaRPr lang="en-US" sz="1400" dirty="0" smtClean="0">
+              <a:solidFill>
+                <a:schemeClr val="bg2"/>
+              </a:solidFill>
+              <a:latin typeface="Consolas" pitchFamily="49" charset="0"/>
+              <a:ea typeface="ヒラギノ角ゴ Pro W3" charset="0"/>
+              <a:cs typeface="Consolas" pitchFamily="49" charset="0"/>
+            </a:endParaRPr>
+          </a:p>
+          <a:p>
+            <a:pPr marL="458788" lvl="1" indent="-228600">
+              <a:spcAft>
+                <a:spcPts val="0"/>
+              </a:spcAft>
+              <a:defRPr/>
+            </a:pPr>
+            <a:r>
+              <a:rPr lang="en-US" sz="1400" dirty="0" smtClean="0">
+                <a:solidFill>
+                  <a:schemeClr val="bg2"/>
+                </a:solidFill>
+                <a:latin typeface="Consolas" pitchFamily="49" charset="0"/>
+                <a:ea typeface="ヒラギノ角ゴ Pro W3" charset="0"/>
+                <a:cs typeface="Consolas" pitchFamily="49" charset="0"/>
+              </a:rPr>
+              <a:t>$ nm -C -S </a:t>
+            </a:r>
+            <a:r>
+              <a:rPr lang="en-US" sz="1400" dirty="0" err="1" smtClean="0">
+                <a:solidFill>
+                  <a:schemeClr val="bg2"/>
+                </a:solidFill>
+                <a:latin typeface="Consolas" pitchFamily="49" charset="0"/>
+                <a:ea typeface="ヒラギノ角ゴ Pro W3" charset="0"/>
+                <a:cs typeface="Consolas" pitchFamily="49" charset="0"/>
+              </a:rPr>
+              <a:t>A.o</a:t>
+            </a:r>
+            <a:endParaRPr lang="en-US" sz="1400" dirty="0" smtClean="0">
+              <a:solidFill>
+                <a:schemeClr val="bg2"/>
+              </a:solidFill>
+              <a:latin typeface="Consolas" pitchFamily="49" charset="0"/>
+              <a:ea typeface="ヒラギノ角ゴ Pro W3" charset="0"/>
+              <a:cs typeface="Consolas" pitchFamily="49" charset="0"/>
+            </a:endParaRPr>
+          </a:p>
+          <a:p>
+            <a:pPr marL="458788" lvl="1" indent="-228600">
+              <a:spcAft>
+                <a:spcPts val="0"/>
+              </a:spcAft>
+              <a:defRPr/>
+            </a:pPr>
+            <a:r>
+              <a:rPr lang="en-US" sz="1400" dirty="0" smtClean="0">
+                <a:solidFill>
+                  <a:schemeClr val="bg2"/>
+                </a:solidFill>
+                <a:latin typeface="Consolas" pitchFamily="49" charset="0"/>
+                <a:ea typeface="ヒラギノ角ゴ Pro W3" charset="0"/>
+                <a:cs typeface="Consolas" pitchFamily="49" charset="0"/>
+              </a:rPr>
+              <a:t>0000000000000000 0000000000000006 T A()</a:t>
+            </a:r>
+          </a:p>
+          <a:p>
+            <a:pPr marL="458788" lvl="1" indent="-228600">
+              <a:spcAft>
+                <a:spcPts val="0"/>
+              </a:spcAft>
+              <a:defRPr/>
+            </a:pPr>
+            <a:r>
+              <a:rPr lang="en-US" sz="1400" dirty="0" smtClean="0">
+                <a:solidFill>
+                  <a:schemeClr val="bg2"/>
+                </a:solidFill>
+                <a:latin typeface="Consolas" pitchFamily="49" charset="0"/>
+                <a:ea typeface="ヒラギノ角ゴ Pro W3" charset="0"/>
+                <a:cs typeface="Consolas" pitchFamily="49" charset="0"/>
+              </a:rPr>
+              <a:t>                 U __gxx_personality_v0</a:t>
+            </a:r>
+          </a:p>
+          <a:p>
+            <a:pPr marL="458788" lvl="1" indent="-228600">
+              <a:spcAft>
+                <a:spcPts val="0"/>
+              </a:spcAft>
+              <a:defRPr/>
+            </a:pPr>
+            <a:endParaRPr lang="en-US" sz="1400" dirty="0" smtClean="0">
+              <a:solidFill>
+                <a:schemeClr val="bg2"/>
+              </a:solidFill>
+              <a:latin typeface="Consolas" pitchFamily="49" charset="0"/>
+              <a:ea typeface="ヒラギノ角ゴ Pro W3" charset="0"/>
+              <a:cs typeface="Consolas" pitchFamily="49" charset="0"/>
+            </a:endParaRPr>
+          </a:p>
+          <a:p>
+            <a:pPr marL="458788" lvl="1" indent="-228600">
+              <a:spcAft>
+                <a:spcPts val="0"/>
+              </a:spcAft>
+              <a:defRPr/>
+            </a:pPr>
+            <a:r>
+              <a:rPr lang="en-US" sz="1400" dirty="0" smtClean="0">
+                <a:solidFill>
+                  <a:schemeClr val="bg2"/>
+                </a:solidFill>
+                <a:latin typeface="Consolas" pitchFamily="49" charset="0"/>
+                <a:ea typeface="ヒラギノ角ゴ Pro W3" charset="0"/>
+                <a:cs typeface="Consolas" pitchFamily="49" charset="0"/>
+              </a:rPr>
+              <a:t>$ nm -C -S executable</a:t>
+            </a:r>
+          </a:p>
+          <a:p>
+            <a:pPr marL="458788" lvl="1" indent="-228600">
+              <a:spcAft>
+                <a:spcPts val="0"/>
+              </a:spcAft>
+              <a:defRPr/>
+            </a:pPr>
+            <a:r>
+              <a:rPr lang="en-US" sz="1400" dirty="0" smtClean="0">
+                <a:solidFill>
+                  <a:schemeClr val="bg2"/>
+                </a:solidFill>
+                <a:latin typeface="Consolas" pitchFamily="49" charset="0"/>
+                <a:ea typeface="ヒラギノ角ゴ Pro W3" charset="0"/>
+                <a:cs typeface="Consolas" pitchFamily="49" charset="0"/>
+              </a:rPr>
+              <a:t>...</a:t>
+            </a:r>
+          </a:p>
+          <a:p>
+            <a:pPr marL="458788" lvl="1" indent="-228600">
+              <a:spcAft>
+                <a:spcPts val="0"/>
+              </a:spcAft>
+              <a:defRPr/>
+            </a:pPr>
+            <a:r>
+              <a:rPr lang="en-US" sz="1400" dirty="0" smtClean="0">
+                <a:solidFill>
+                  <a:schemeClr val="bg2"/>
+                </a:solidFill>
+                <a:latin typeface="Consolas" pitchFamily="49" charset="0"/>
+                <a:ea typeface="ヒラギノ角ゴ Pro W3" charset="0"/>
+                <a:cs typeface="Consolas" pitchFamily="49" charset="0"/>
+              </a:rPr>
+              <a:t>0000000000400528 0000000000000006 T A()</a:t>
+            </a:r>
+          </a:p>
+          <a:p>
+            <a:pPr marL="458788" lvl="1" indent="-228600">
+              <a:spcAft>
+                <a:spcPts val="0"/>
+              </a:spcAft>
+              <a:defRPr/>
+            </a:pPr>
+            <a:r>
+              <a:rPr lang="en-US" sz="1400" dirty="0" smtClean="0">
+                <a:solidFill>
+                  <a:schemeClr val="bg2"/>
+                </a:solidFill>
+                <a:latin typeface="Consolas" pitchFamily="49" charset="0"/>
+                <a:ea typeface="ヒラギノ角ゴ Pro W3" charset="0"/>
+                <a:cs typeface="Consolas" pitchFamily="49" charset="0"/>
+              </a:rPr>
+              <a:t>...</a:t>
+            </a:r>
+          </a:p>
+          <a:p>
+            <a:pPr marL="458788" lvl="1" indent="-228600">
+              <a:spcAft>
+                <a:spcPts val="0"/>
+              </a:spcAft>
+              <a:defRPr/>
+            </a:pPr>
+            <a:r>
+              <a:rPr lang="en-US" sz="1400" dirty="0" smtClean="0">
+                <a:solidFill>
+                  <a:schemeClr val="bg2"/>
+                </a:solidFill>
+                <a:latin typeface="Consolas" pitchFamily="49" charset="0"/>
+                <a:ea typeface="ヒラギノ角ゴ Pro W3" charset="0"/>
+                <a:cs typeface="Consolas" pitchFamily="49" charset="0"/>
+              </a:rPr>
+              <a:t>0000000000400530 0000000000000010 T main</a:t>
+            </a:r>
+          </a:p>
+          <a:p>
+            <a:pPr marL="458788" lvl="1" indent="-228600">
+              <a:spcAft>
+                <a:spcPts val="0"/>
+              </a:spcAft>
+              <a:defRPr/>
+            </a:pPr>
+            <a:r>
+              <a:rPr lang="en-US" sz="1400" dirty="0" smtClean="0">
+                <a:solidFill>
+                  <a:schemeClr val="bg2"/>
+                </a:solidFill>
+                <a:latin typeface="Consolas" pitchFamily="49" charset="0"/>
+                <a:ea typeface="ヒラギノ角ゴ Pro W3" charset="0"/>
+                <a:cs typeface="Consolas" pitchFamily="49" charset="0"/>
+              </a:rPr>
+              <a:t>...</a:t>
+            </a:r>
+            <a:endParaRPr lang="en-US" dirty="0"/>
+          </a:p>
+        </p:txBody>
+      </p:sp>
+      <p:sp>
+        <p:nvSpPr>
+          <p:cNvPr id="11" name="Rectangle 10"/>
+          <p:cNvSpPr/>
+          <p:nvPr/>
+        </p:nvSpPr>
+        <p:spPr>
+          <a:xfrm>
+            <a:off x="5292080" y="699542"/>
+            <a:ext cx="1896673" cy="523220"/>
+          </a:xfrm>
+          <a:prstGeom prst="rect">
+            <a:avLst/>
+          </a:prstGeom>
+        </p:spPr>
+        <p:txBody>
+          <a:bodyPr wrap="none">
+            <a:spAutoFit/>
+          </a:bodyPr>
+          <a:lstStyle/>
+          <a:p>
+            <a:pPr lvl="1">
+              <a:buNone/>
+            </a:pPr>
+            <a:r>
+              <a:rPr lang="en-US" sz="2800" u="sng" dirty="0" smtClean="0">
+                <a:solidFill>
+                  <a:schemeClr val="bg2"/>
+                </a:solidFill>
+                <a:latin typeface="+mn-lt"/>
+                <a:ea typeface="ヒラギノ角ゴ Pro W3" charset="0"/>
+              </a:rPr>
+              <a:t>Output:</a:t>
+            </a:r>
           </a:p>
         </p:txBody>
       </p:sp>
@@ -7806,7 +8870,7 @@
         </p:nvSpPr>
         <p:spPr>
           <a:xfrm>
-            <a:off x="416169" y="435143"/>
+            <a:off x="395536" y="267494"/>
             <a:ext cx="8229600" cy="480423"/>
           </a:xfrm>
         </p:spPr>
@@ -7817,39 +8881,9 @@
             <a:pPr algn="ctr"/>
             <a:r>
               <a:rPr lang="en-US" sz="3200" dirty="0" smtClean="0"/>
-              <a:t>Know your tools</a:t>
+              <a:t>One more example…</a:t>
             </a:r>
             <a:endParaRPr lang="en-US" sz="3200" dirty="0"/>
-          </a:p>
-        </p:txBody>
-      </p:sp>
-      <p:sp>
-        <p:nvSpPr>
-          <p:cNvPr id="3" name="Content Placeholder 2"/>
-          <p:cNvSpPr>
-            <a:spLocks noGrp="1"/>
-          </p:cNvSpPr>
-          <p:nvPr>
-            <p:ph sz="quarter" idx="13"/>
-          </p:nvPr>
-        </p:nvSpPr>
-        <p:spPr>
-          <a:xfrm>
-            <a:off x="418120" y="1203598"/>
-            <a:ext cx="8227649" cy="2952328"/>
-          </a:xfrm>
-        </p:spPr>
-        <p:txBody>
-          <a:bodyPr/>
-          <a:lstStyle/>
-          <a:p>
-            <a:pPr lvl="1">
-              <a:buNone/>
-            </a:pPr>
-            <a:r>
-              <a:rPr lang="en-US" sz="2400" dirty="0" smtClean="0"/>
-              <a:t> </a:t>
-            </a:r>
           </a:p>
         </p:txBody>
       </p:sp>
@@ -7891,7 +8925,7 @@
         </p:nvSpPr>
         <p:spPr bwMode="auto">
           <a:xfrm>
-            <a:off x="570520" y="1203598"/>
+            <a:off x="179512" y="195486"/>
             <a:ext cx="8227649" cy="2952328"/>
           </a:xfrm>
           <a:prstGeom prst="rect">
@@ -7930,26 +8964,6 @@
               <a:tabLst/>
               <a:defRPr/>
             </a:pPr>
-            <a:r>
-              <a:rPr lang="en-US" sz="2400" dirty="0" smtClean="0">
-                <a:solidFill>
-                  <a:schemeClr val="bg2"/>
-                </a:solidFill>
-                <a:latin typeface="+mn-lt"/>
-                <a:ea typeface="ヒラギノ角ゴ Pro W3" charset="0"/>
-              </a:rPr>
-              <a:t>Outputs of nm and </a:t>
-            </a:r>
-            <a:r>
-              <a:rPr lang="en-US" sz="2400" dirty="0" err="1" smtClean="0">
-                <a:solidFill>
-                  <a:schemeClr val="bg2"/>
-                </a:solidFill>
-                <a:latin typeface="+mn-lt"/>
-                <a:ea typeface="ヒラギノ角ゴ Pro W3" charset="0"/>
-              </a:rPr>
-              <a:t>objdump</a:t>
-            </a:r>
             <a:endParaRPr kumimoji="0" lang="en-US" sz="2400" b="0" i="0" u="none" strike="noStrike" kern="1200" cap="none" spc="0" normalizeH="0" baseline="0" noProof="0" dirty="0" smtClean="0">
               <a:ln>
                 <a:noFill/>
@@ -7964,6 +8978,624 @@
               <a:ea typeface="ヒラギノ角ゴ Pro W3" charset="0"/>
               <a:cs typeface="ヒラギノ角ゴ Pro W3"/>
             </a:endParaRPr>
+          </a:p>
+        </p:txBody>
+      </p:sp>
+      <p:sp>
+        <p:nvSpPr>
+          <p:cNvPr id="8" name="Rectangle 7"/>
+          <p:cNvSpPr/>
+          <p:nvPr/>
+        </p:nvSpPr>
+        <p:spPr>
+          <a:xfrm>
+            <a:off x="144016" y="1549117"/>
+            <a:ext cx="3995936" cy="2246769"/>
+          </a:xfrm>
+          <a:prstGeom prst="rect">
+            <a:avLst/>
+          </a:prstGeom>
+        </p:spPr>
+        <p:txBody>
+          <a:bodyPr wrap="square">
+            <a:spAutoFit/>
+          </a:bodyPr>
+          <a:lstStyle/>
+          <a:p>
+            <a:pPr marL="458788" lvl="1" indent="-228600">
+              <a:spcAft>
+                <a:spcPts val="0"/>
+              </a:spcAft>
+              <a:defRPr/>
+            </a:pPr>
+            <a:r>
+              <a:rPr lang="en-US" sz="1400" dirty="0" smtClean="0">
+                <a:solidFill>
+                  <a:schemeClr val="bg2"/>
+                </a:solidFill>
+                <a:latin typeface="Consolas" pitchFamily="49" charset="0"/>
+                <a:ea typeface="ヒラギノ角ゴ Pro W3" charset="0"/>
+                <a:cs typeface="Consolas" pitchFamily="49" charset="0"/>
+              </a:rPr>
+              <a:t>// A.cpp</a:t>
+            </a:r>
+          </a:p>
+          <a:p>
+            <a:pPr marL="458788" lvl="1" indent="-228600">
+              <a:spcAft>
+                <a:spcPts val="0"/>
+              </a:spcAft>
+              <a:defRPr/>
+            </a:pPr>
+            <a:endParaRPr lang="en-US" sz="1400" dirty="0" smtClean="0">
+              <a:solidFill>
+                <a:schemeClr val="bg2"/>
+              </a:solidFill>
+              <a:latin typeface="Consolas" pitchFamily="49" charset="0"/>
+              <a:ea typeface="ヒラギノ角ゴ Pro W3" charset="0"/>
+              <a:cs typeface="Consolas" pitchFamily="49" charset="0"/>
+            </a:endParaRPr>
+          </a:p>
+          <a:p>
+            <a:pPr marL="458788" lvl="1" indent="-228600">
+              <a:spcAft>
+                <a:spcPts val="0"/>
+              </a:spcAft>
+              <a:defRPr/>
+            </a:pPr>
+            <a:r>
+              <a:rPr lang="en-US" sz="1400" dirty="0" smtClean="0">
+                <a:solidFill>
+                  <a:schemeClr val="bg2"/>
+                </a:solidFill>
+                <a:latin typeface="Consolas" pitchFamily="49" charset="0"/>
+                <a:ea typeface="ヒラギノ角ゴ Pro W3" charset="0"/>
+                <a:cs typeface="Consolas" pitchFamily="49" charset="0"/>
+              </a:rPr>
+              <a:t>static </a:t>
+            </a:r>
+            <a:r>
+              <a:rPr lang="en-US" sz="1400" dirty="0" err="1" smtClean="0">
+                <a:solidFill>
+                  <a:schemeClr val="bg2"/>
+                </a:solidFill>
+                <a:latin typeface="Consolas" pitchFamily="49" charset="0"/>
+                <a:ea typeface="ヒラギノ角ゴ Pro W3" charset="0"/>
+                <a:cs typeface="Consolas" pitchFamily="49" charset="0"/>
+              </a:rPr>
+              <a:t>int</a:t>
+            </a:r>
+            <a:r>
+              <a:rPr lang="en-US" sz="1400" dirty="0" smtClean="0">
+                <a:solidFill>
+                  <a:schemeClr val="bg2"/>
+                </a:solidFill>
+                <a:latin typeface="Consolas" pitchFamily="49" charset="0"/>
+                <a:ea typeface="ヒラギノ角ゴ Pro W3" charset="0"/>
+                <a:cs typeface="Consolas" pitchFamily="49" charset="0"/>
+              </a:rPr>
+              <a:t> </a:t>
+            </a:r>
+            <a:r>
+              <a:rPr lang="en-US" sz="1400" dirty="0" err="1" smtClean="0">
+                <a:solidFill>
+                  <a:schemeClr val="bg2"/>
+                </a:solidFill>
+                <a:latin typeface="Consolas" pitchFamily="49" charset="0"/>
+                <a:ea typeface="ヒラギノ角ゴ Pro W3" charset="0"/>
+                <a:cs typeface="Consolas" pitchFamily="49" charset="0"/>
+              </a:rPr>
+              <a:t>statInt</a:t>
+            </a:r>
+            <a:r>
+              <a:rPr lang="en-US" sz="1400" dirty="0" smtClean="0">
+                <a:solidFill>
+                  <a:schemeClr val="bg2"/>
+                </a:solidFill>
+                <a:latin typeface="Consolas" pitchFamily="49" charset="0"/>
+                <a:ea typeface="ヒラギノ角ゴ Pro W3" charset="0"/>
+                <a:cs typeface="Consolas" pitchFamily="49" charset="0"/>
+              </a:rPr>
+              <a:t> = 1234;</a:t>
+            </a:r>
+          </a:p>
+          <a:p>
+            <a:pPr marL="458788" lvl="1" indent="-228600">
+              <a:spcAft>
+                <a:spcPts val="0"/>
+              </a:spcAft>
+              <a:defRPr/>
+            </a:pPr>
+            <a:r>
+              <a:rPr lang="en-US" sz="1400" dirty="0" smtClean="0">
+                <a:solidFill>
+                  <a:schemeClr val="bg2"/>
+                </a:solidFill>
+                <a:latin typeface="Consolas" pitchFamily="49" charset="0"/>
+                <a:ea typeface="ヒラギノ角ゴ Pro W3" charset="0"/>
+                <a:cs typeface="Consolas" pitchFamily="49" charset="0"/>
+              </a:rPr>
+              <a:t>static double </a:t>
+            </a:r>
+            <a:r>
+              <a:rPr lang="en-US" sz="1400" dirty="0" err="1" smtClean="0">
+                <a:solidFill>
+                  <a:schemeClr val="bg2"/>
+                </a:solidFill>
+                <a:latin typeface="Consolas" pitchFamily="49" charset="0"/>
+                <a:ea typeface="ヒラギノ角ゴ Pro W3" charset="0"/>
+                <a:cs typeface="Consolas" pitchFamily="49" charset="0"/>
+              </a:rPr>
+              <a:t>statDNotInit</a:t>
+            </a:r>
+            <a:r>
+              <a:rPr lang="en-US" sz="1400" dirty="0" smtClean="0">
+                <a:solidFill>
+                  <a:schemeClr val="bg2"/>
+                </a:solidFill>
+                <a:latin typeface="Consolas" pitchFamily="49" charset="0"/>
+                <a:ea typeface="ヒラギノ角ゴ Pro W3" charset="0"/>
+                <a:cs typeface="Consolas" pitchFamily="49" charset="0"/>
+              </a:rPr>
+              <a:t>;</a:t>
+            </a:r>
+          </a:p>
+          <a:p>
+            <a:pPr marL="458788" lvl="1" indent="-228600">
+              <a:spcAft>
+                <a:spcPts val="0"/>
+              </a:spcAft>
+              <a:defRPr/>
+            </a:pPr>
+            <a:r>
+              <a:rPr lang="en-US" sz="1400" dirty="0" smtClean="0">
+                <a:solidFill>
+                  <a:schemeClr val="bg2"/>
+                </a:solidFill>
+                <a:latin typeface="Consolas" pitchFamily="49" charset="0"/>
+                <a:ea typeface="ヒラギノ角ゴ Pro W3" charset="0"/>
+                <a:cs typeface="Consolas" pitchFamily="49" charset="0"/>
+              </a:rPr>
+              <a:t>char </a:t>
+            </a:r>
+            <a:r>
+              <a:rPr lang="en-US" sz="1400" dirty="0" err="1" smtClean="0">
+                <a:solidFill>
+                  <a:schemeClr val="bg2"/>
+                </a:solidFill>
+                <a:latin typeface="Consolas" pitchFamily="49" charset="0"/>
+                <a:ea typeface="ヒラギノ角ゴ Pro W3" charset="0"/>
+                <a:cs typeface="Consolas" pitchFamily="49" charset="0"/>
+              </a:rPr>
+              <a:t>globChar</a:t>
+            </a:r>
+            <a:r>
+              <a:rPr lang="en-US" sz="1400" dirty="0" smtClean="0">
+                <a:solidFill>
+                  <a:schemeClr val="bg2"/>
+                </a:solidFill>
+                <a:latin typeface="Consolas" pitchFamily="49" charset="0"/>
+                <a:ea typeface="ヒラギノ角ゴ Pro W3" charset="0"/>
+                <a:cs typeface="Consolas" pitchFamily="49" charset="0"/>
+              </a:rPr>
+              <a:t>;</a:t>
+            </a:r>
+          </a:p>
+          <a:p>
+            <a:pPr marL="458788" lvl="1" indent="-228600">
+              <a:spcAft>
+                <a:spcPts val="0"/>
+              </a:spcAft>
+              <a:defRPr/>
+            </a:pPr>
+            <a:endParaRPr lang="en-US" sz="1400" dirty="0" smtClean="0">
+              <a:solidFill>
+                <a:schemeClr val="bg2"/>
+              </a:solidFill>
+              <a:latin typeface="Consolas" pitchFamily="49" charset="0"/>
+              <a:ea typeface="ヒラギノ角ゴ Pro W3" charset="0"/>
+              <a:cs typeface="Consolas" pitchFamily="49" charset="0"/>
+            </a:endParaRPr>
+          </a:p>
+          <a:p>
+            <a:pPr marL="458788" lvl="1" indent="-228600">
+              <a:spcAft>
+                <a:spcPts val="0"/>
+              </a:spcAft>
+              <a:defRPr/>
+            </a:pPr>
+            <a:r>
+              <a:rPr lang="en-US" sz="1400" dirty="0" smtClean="0">
+                <a:solidFill>
+                  <a:schemeClr val="bg2"/>
+                </a:solidFill>
+                <a:latin typeface="Consolas" pitchFamily="49" charset="0"/>
+                <a:ea typeface="ヒラギノ角ゴ Pro W3" charset="0"/>
+                <a:cs typeface="Consolas" pitchFamily="49" charset="0"/>
+              </a:rPr>
+              <a:t>void A()</a:t>
+            </a:r>
+          </a:p>
+          <a:p>
+            <a:pPr marL="458788" lvl="1" indent="-228600">
+              <a:spcAft>
+                <a:spcPts val="0"/>
+              </a:spcAft>
+              <a:defRPr/>
+            </a:pPr>
+            <a:r>
+              <a:rPr lang="en-US" sz="1400" dirty="0" smtClean="0">
+                <a:solidFill>
+                  <a:schemeClr val="bg2"/>
+                </a:solidFill>
+                <a:latin typeface="Consolas" pitchFamily="49" charset="0"/>
+                <a:ea typeface="ヒラギノ角ゴ Pro W3" charset="0"/>
+                <a:cs typeface="Consolas" pitchFamily="49" charset="0"/>
+              </a:rPr>
+              <a:t>{</a:t>
+            </a:r>
+          </a:p>
+          <a:p>
+            <a:pPr marL="458788" lvl="1" indent="-228600">
+              <a:spcAft>
+                <a:spcPts val="0"/>
+              </a:spcAft>
+              <a:defRPr/>
+            </a:pPr>
+            <a:r>
+              <a:rPr lang="en-US" sz="1400" dirty="0" smtClean="0">
+                <a:solidFill>
+                  <a:schemeClr val="bg2"/>
+                </a:solidFill>
+                <a:latin typeface="Consolas" pitchFamily="49" charset="0"/>
+                <a:ea typeface="ヒラギノ角ゴ Pro W3" charset="0"/>
+                <a:cs typeface="Consolas" pitchFamily="49" charset="0"/>
+              </a:rPr>
+              <a:t>    </a:t>
+            </a:r>
+            <a:r>
+              <a:rPr lang="en-US" sz="1400" dirty="0" err="1" smtClean="0">
+                <a:solidFill>
+                  <a:schemeClr val="bg2"/>
+                </a:solidFill>
+                <a:latin typeface="Consolas" pitchFamily="49" charset="0"/>
+                <a:ea typeface="ヒラギノ角ゴ Pro W3" charset="0"/>
+                <a:cs typeface="Consolas" pitchFamily="49" charset="0"/>
+              </a:rPr>
+              <a:t>int</a:t>
+            </a:r>
+            <a:r>
+              <a:rPr lang="en-US" sz="1400" dirty="0" smtClean="0">
+                <a:solidFill>
+                  <a:schemeClr val="bg2"/>
+                </a:solidFill>
+                <a:latin typeface="Consolas" pitchFamily="49" charset="0"/>
+                <a:ea typeface="ヒラギノ角ゴ Pro W3" charset="0"/>
+                <a:cs typeface="Consolas" pitchFamily="49" charset="0"/>
+              </a:rPr>
+              <a:t> </a:t>
+            </a:r>
+            <a:r>
+              <a:rPr lang="en-US" sz="1400" dirty="0" err="1" smtClean="0">
+                <a:solidFill>
+                  <a:schemeClr val="bg2"/>
+                </a:solidFill>
+                <a:latin typeface="Consolas" pitchFamily="49" charset="0"/>
+                <a:ea typeface="ヒラギノ角ゴ Pro W3" charset="0"/>
+                <a:cs typeface="Consolas" pitchFamily="49" charset="0"/>
+              </a:rPr>
+              <a:t>localInt</a:t>
+            </a:r>
+            <a:r>
+              <a:rPr lang="en-US" sz="1400" dirty="0" smtClean="0">
+                <a:solidFill>
+                  <a:schemeClr val="bg2"/>
+                </a:solidFill>
+                <a:latin typeface="Consolas" pitchFamily="49" charset="0"/>
+                <a:ea typeface="ヒラギノ角ゴ Pro W3" charset="0"/>
+                <a:cs typeface="Consolas" pitchFamily="49" charset="0"/>
+              </a:rPr>
+              <a:t> = 0;</a:t>
+            </a:r>
+          </a:p>
+          <a:p>
+            <a:pPr marL="458788" lvl="1" indent="-228600">
+              <a:spcAft>
+                <a:spcPts val="0"/>
+              </a:spcAft>
+              <a:defRPr/>
+            </a:pPr>
+            <a:r>
+              <a:rPr lang="en-US" sz="1400" dirty="0" smtClean="0">
+                <a:solidFill>
+                  <a:schemeClr val="bg2"/>
+                </a:solidFill>
+                <a:latin typeface="Consolas" pitchFamily="49" charset="0"/>
+                <a:ea typeface="ヒラギノ角ゴ Pro W3" charset="0"/>
+                <a:cs typeface="Consolas" pitchFamily="49" charset="0"/>
+              </a:rPr>
+              <a:t>}</a:t>
+            </a:r>
+            <a:endParaRPr lang="en-US" dirty="0"/>
+          </a:p>
+        </p:txBody>
+      </p:sp>
+      <p:sp>
+        <p:nvSpPr>
+          <p:cNvPr id="9" name="Rectangle 8"/>
+          <p:cNvSpPr/>
+          <p:nvPr/>
+        </p:nvSpPr>
+        <p:spPr>
+          <a:xfrm>
+            <a:off x="683568" y="824394"/>
+            <a:ext cx="1579278" cy="523220"/>
+          </a:xfrm>
+          <a:prstGeom prst="rect">
+            <a:avLst/>
+          </a:prstGeom>
+        </p:spPr>
+        <p:txBody>
+          <a:bodyPr wrap="none">
+            <a:spAutoFit/>
+          </a:bodyPr>
+          <a:lstStyle/>
+          <a:p>
+            <a:pPr lvl="1">
+              <a:buNone/>
+            </a:pPr>
+            <a:r>
+              <a:rPr lang="en-US" sz="2800" u="sng" dirty="0" smtClean="0">
+                <a:solidFill>
+                  <a:schemeClr val="bg2"/>
+                </a:solidFill>
+                <a:latin typeface="+mn-lt"/>
+                <a:ea typeface="ヒラギノ角ゴ Pro W3" charset="0"/>
+              </a:rPr>
+              <a:t>Input:</a:t>
+            </a:r>
+          </a:p>
+        </p:txBody>
+      </p:sp>
+      <p:sp>
+        <p:nvSpPr>
+          <p:cNvPr id="10" name="Rectangle 9"/>
+          <p:cNvSpPr/>
+          <p:nvPr/>
+        </p:nvSpPr>
+        <p:spPr>
+          <a:xfrm>
+            <a:off x="3707904" y="1618803"/>
+            <a:ext cx="5153888" cy="1384995"/>
+          </a:xfrm>
+          <a:prstGeom prst="rect">
+            <a:avLst/>
+          </a:prstGeom>
+        </p:spPr>
+        <p:txBody>
+          <a:bodyPr wrap="square">
+            <a:spAutoFit/>
+          </a:bodyPr>
+          <a:lstStyle/>
+          <a:p>
+            <a:pPr marL="458788" lvl="1" indent="-228600">
+              <a:spcAft>
+                <a:spcPts val="0"/>
+              </a:spcAft>
+              <a:defRPr/>
+            </a:pPr>
+            <a:r>
+              <a:rPr lang="en-US" sz="1400" dirty="0" smtClean="0">
+                <a:solidFill>
+                  <a:schemeClr val="bg2"/>
+                </a:solidFill>
+                <a:latin typeface="Consolas" pitchFamily="49" charset="0"/>
+                <a:ea typeface="ヒラギノ角ゴ Pro W3" charset="0"/>
+                <a:cs typeface="Consolas" pitchFamily="49" charset="0"/>
+              </a:rPr>
+              <a:t>$ nm -C -S </a:t>
+            </a:r>
+            <a:r>
+              <a:rPr lang="en-US" sz="1400" dirty="0" err="1" smtClean="0">
+                <a:solidFill>
+                  <a:schemeClr val="bg2"/>
+                </a:solidFill>
+                <a:latin typeface="Consolas" pitchFamily="49" charset="0"/>
+                <a:ea typeface="ヒラギノ角ゴ Pro W3" charset="0"/>
+                <a:cs typeface="Consolas" pitchFamily="49" charset="0"/>
+              </a:rPr>
+              <a:t>A.o</a:t>
+            </a:r>
+            <a:endParaRPr lang="en-US" sz="1400" dirty="0" smtClean="0">
+              <a:solidFill>
+                <a:schemeClr val="bg2"/>
+              </a:solidFill>
+              <a:latin typeface="Consolas" pitchFamily="49" charset="0"/>
+              <a:ea typeface="ヒラギノ角ゴ Pro W3" charset="0"/>
+              <a:cs typeface="Consolas" pitchFamily="49" charset="0"/>
+            </a:endParaRPr>
+          </a:p>
+          <a:p>
+            <a:pPr marL="458788" lvl="1" indent="-228600">
+              <a:spcAft>
+                <a:spcPts val="0"/>
+              </a:spcAft>
+              <a:defRPr/>
+            </a:pPr>
+            <a:r>
+              <a:rPr lang="en-US" sz="1400" dirty="0" smtClean="0">
+                <a:solidFill>
+                  <a:schemeClr val="bg2"/>
+                </a:solidFill>
+                <a:latin typeface="Consolas" pitchFamily="49" charset="0"/>
+                <a:ea typeface="ヒラギノ角ゴ Pro W3" charset="0"/>
+                <a:cs typeface="Consolas" pitchFamily="49" charset="0"/>
+              </a:rPr>
+              <a:t>0000000000000000 0000000000000021 T A()</a:t>
+            </a:r>
+          </a:p>
+          <a:p>
+            <a:pPr marL="458788" lvl="1" indent="-228600">
+              <a:spcAft>
+                <a:spcPts val="0"/>
+              </a:spcAft>
+              <a:defRPr/>
+            </a:pPr>
+            <a:r>
+              <a:rPr lang="en-US" sz="1400" dirty="0" smtClean="0">
+                <a:solidFill>
+                  <a:schemeClr val="bg2"/>
+                </a:solidFill>
+                <a:latin typeface="Consolas" pitchFamily="49" charset="0"/>
+                <a:ea typeface="ヒラギノ角ゴ Pro W3" charset="0"/>
+                <a:cs typeface="Consolas" pitchFamily="49" charset="0"/>
+              </a:rPr>
+              <a:t>                 U __gxx_personality_v0</a:t>
+            </a:r>
+          </a:p>
+          <a:p>
+            <a:pPr marL="458788" lvl="1" indent="-228600">
+              <a:spcAft>
+                <a:spcPts val="0"/>
+              </a:spcAft>
+              <a:defRPr/>
+            </a:pPr>
+            <a:r>
+              <a:rPr lang="en-US" sz="1400" dirty="0" smtClean="0">
+                <a:solidFill>
+                  <a:schemeClr val="bg2"/>
+                </a:solidFill>
+                <a:latin typeface="Consolas" pitchFamily="49" charset="0"/>
+                <a:ea typeface="ヒラギノ角ゴ Pro W3" charset="0"/>
+                <a:cs typeface="Consolas" pitchFamily="49" charset="0"/>
+              </a:rPr>
+              <a:t>0000000000000000 0000000000000001 B </a:t>
+            </a:r>
+            <a:r>
+              <a:rPr lang="en-US" sz="1400" dirty="0" err="1" smtClean="0">
+                <a:solidFill>
+                  <a:schemeClr val="bg2"/>
+                </a:solidFill>
+                <a:latin typeface="Consolas" pitchFamily="49" charset="0"/>
+                <a:ea typeface="ヒラギノ角ゴ Pro W3" charset="0"/>
+                <a:cs typeface="Consolas" pitchFamily="49" charset="0"/>
+              </a:rPr>
+              <a:t>globChar</a:t>
+            </a:r>
+            <a:endParaRPr lang="en-US" sz="1400" dirty="0" smtClean="0">
+              <a:solidFill>
+                <a:schemeClr val="bg2"/>
+              </a:solidFill>
+              <a:latin typeface="Consolas" pitchFamily="49" charset="0"/>
+              <a:ea typeface="ヒラギノ角ゴ Pro W3" charset="0"/>
+              <a:cs typeface="Consolas" pitchFamily="49" charset="0"/>
+            </a:endParaRPr>
+          </a:p>
+          <a:p>
+            <a:pPr marL="458788" lvl="1" indent="-228600">
+              <a:spcAft>
+                <a:spcPts val="0"/>
+              </a:spcAft>
+              <a:defRPr/>
+            </a:pPr>
+            <a:r>
+              <a:rPr lang="en-US" sz="1400" dirty="0" smtClean="0">
+                <a:solidFill>
+                  <a:schemeClr val="bg2"/>
+                </a:solidFill>
+                <a:latin typeface="Consolas" pitchFamily="49" charset="0"/>
+                <a:ea typeface="ヒラギノ角ゴ Pro W3" charset="0"/>
+                <a:cs typeface="Consolas" pitchFamily="49" charset="0"/>
+              </a:rPr>
+              <a:t>0000000000000008 0000000000000008 b </a:t>
+            </a:r>
+            <a:r>
+              <a:rPr lang="en-US" sz="1400" dirty="0" err="1" smtClean="0">
+                <a:solidFill>
+                  <a:schemeClr val="bg2"/>
+                </a:solidFill>
+                <a:latin typeface="Consolas" pitchFamily="49" charset="0"/>
+                <a:ea typeface="ヒラギノ角ゴ Pro W3" charset="0"/>
+                <a:cs typeface="Consolas" pitchFamily="49" charset="0"/>
+              </a:rPr>
+              <a:t>statDNotInit</a:t>
+            </a:r>
+            <a:endParaRPr lang="en-US" sz="1400" dirty="0" smtClean="0">
+              <a:solidFill>
+                <a:schemeClr val="bg2"/>
+              </a:solidFill>
+              <a:latin typeface="Consolas" pitchFamily="49" charset="0"/>
+              <a:ea typeface="ヒラギノ角ゴ Pro W3" charset="0"/>
+              <a:cs typeface="Consolas" pitchFamily="49" charset="0"/>
+            </a:endParaRPr>
+          </a:p>
+          <a:p>
+            <a:pPr marL="458788" lvl="1" indent="-228600">
+              <a:spcAft>
+                <a:spcPts val="0"/>
+              </a:spcAft>
+              <a:defRPr/>
+            </a:pPr>
+            <a:r>
+              <a:rPr lang="en-US" sz="1400" dirty="0" smtClean="0">
+                <a:solidFill>
+                  <a:schemeClr val="bg2"/>
+                </a:solidFill>
+                <a:latin typeface="Consolas" pitchFamily="49" charset="0"/>
+                <a:ea typeface="ヒラギノ角ゴ Pro W3" charset="0"/>
+                <a:cs typeface="Consolas" pitchFamily="49" charset="0"/>
+              </a:rPr>
+              <a:t>0000000000000000 0000000000000004 d </a:t>
+            </a:r>
+            <a:r>
+              <a:rPr lang="en-US" sz="1400" dirty="0" err="1" smtClean="0">
+                <a:solidFill>
+                  <a:schemeClr val="bg2"/>
+                </a:solidFill>
+                <a:latin typeface="Consolas" pitchFamily="49" charset="0"/>
+                <a:ea typeface="ヒラギノ角ゴ Pro W3" charset="0"/>
+                <a:cs typeface="Consolas" pitchFamily="49" charset="0"/>
+              </a:rPr>
+              <a:t>statInt</a:t>
+            </a:r>
+            <a:endParaRPr lang="en-US" dirty="0"/>
+          </a:p>
+        </p:txBody>
+      </p:sp>
+      <p:sp>
+        <p:nvSpPr>
+          <p:cNvPr id="11" name="Rectangle 10"/>
+          <p:cNvSpPr/>
+          <p:nvPr/>
+        </p:nvSpPr>
+        <p:spPr>
+          <a:xfrm>
+            <a:off x="5148064" y="824394"/>
+            <a:ext cx="1896673" cy="523220"/>
+          </a:xfrm>
+          <a:prstGeom prst="rect">
+            <a:avLst/>
+          </a:prstGeom>
+        </p:spPr>
+        <p:txBody>
+          <a:bodyPr wrap="none">
+            <a:spAutoFit/>
+          </a:bodyPr>
+          <a:lstStyle/>
+          <a:p>
+            <a:pPr lvl="1">
+              <a:buNone/>
+            </a:pPr>
+            <a:r>
+              <a:rPr lang="en-US" sz="2800" u="sng" dirty="0" smtClean="0">
+                <a:solidFill>
+                  <a:schemeClr val="bg2"/>
+                </a:solidFill>
+                <a:latin typeface="+mn-lt"/>
+                <a:ea typeface="ヒラギノ角ゴ Pro W3" charset="0"/>
+              </a:rPr>
+              <a:t>Output:</a:t>
+            </a:r>
           </a:p>
         </p:txBody>
       </p:sp>
@@ -8004,7 +9636,7 @@
         </p:nvSpPr>
         <p:spPr>
           <a:xfrm>
-            <a:off x="416169" y="435143"/>
+            <a:off x="416169" y="219119"/>
             <a:ext cx="8229600" cy="480423"/>
           </a:xfrm>
         </p:spPr>
@@ -8015,7 +9647,11 @@
             <a:pPr algn="ctr"/>
             <a:r>
               <a:rPr lang="en-US" sz="3200" dirty="0" smtClean="0"/>
-              <a:t>One def rule in C++</a:t>
+              <a:t>Hereditary </a:t>
+            </a:r>
+            <a:r>
+              <a:rPr lang="en-US" sz="3200" dirty="0" err="1" smtClean="0"/>
+              <a:t>desease</a:t>
             </a:r>
             <a:endParaRPr lang="en-US" sz="3200" dirty="0"/>
           </a:p>
@@ -8048,6 +9684,7 @@
               <a:rPr lang="en-US" sz="2400" dirty="0" smtClean="0"/>
               <a:t> </a:t>
             </a:r>
+            <a:endParaRPr lang="en-US" sz="2400" dirty="0" smtClean="0"/>
           </a:p>
         </p:txBody>
       </p:sp>
@@ -8081,94 +9718,1393 @@
       </p:sp>
       <p:sp>
         <p:nvSpPr>
-          <p:cNvPr id="5" name="Content Placeholder 2"/>
-          <p:cNvSpPr txBox="1">
-            <a:spLocks/>
-          </p:cNvSpPr>
+          <p:cNvPr id="8" name="Rectangle 7"/>
+          <p:cNvSpPr/>
           <p:nvPr/>
         </p:nvSpPr>
-        <p:spPr bwMode="auto">
+        <p:spPr>
           <a:xfrm>
-            <a:off x="570520" y="1203598"/>
-            <a:ext cx="8227649" cy="2952328"/>
+            <a:off x="432048" y="902786"/>
+            <a:ext cx="3995936" cy="3539430"/>
           </a:xfrm>
           <a:prstGeom prst="rect">
             <a:avLst/>
           </a:prstGeom>
-          <a:noFill/>
-          <a:ln w="9525">
-            <a:noFill/>
-            <a:miter lim="800000"/>
-            <a:headEnd/>
-            <a:tailEnd/>
-          </a:ln>
         </p:spPr>
         <p:txBody>
-          <a:bodyPr vert="horz" wrap="square" lIns="0" tIns="0" rIns="0" bIns="0" numCol="1" anchor="t" anchorCtr="0" compatLnSpc="1">
-            <a:prstTxWarp prst="textNoShape">
-              <a:avLst/>
-            </a:prstTxWarp>
+          <a:bodyPr wrap="square">
+            <a:spAutoFit/>
           </a:bodyPr>
           <a:lstStyle/>
           <a:p>
-            <a:pPr marL="458788" marR="0" lvl="1" indent="-228600" algn="l" defTabSz="457200" rtl="0" eaLnBrk="1" fontAlgn="base" latinLnBrk="0" hangingPunct="1">
-              <a:lnSpc>
-                <a:spcPct val="100000"/>
-              </a:lnSpc>
-              <a:spcBef>
-                <a:spcPct val="0"/>
-              </a:spcBef>
-              <a:spcAft>
-                <a:spcPts val="600"/>
-              </a:spcAft>
-              <a:buClrTx/>
-              <a:buSzTx/>
-              <a:buFont typeface="Arial" pitchFamily="34" charset="0"/>
-              <a:buChar char="•"/>
-              <a:tabLst/>
-              <a:defRPr/>
-            </a:pPr>
-            <a:r>
-              <a:rPr lang="en-US" sz="2400" dirty="0" smtClean="0">
-                <a:solidFill>
-                  <a:schemeClr val="bg2"/>
-                </a:solidFill>
-                <a:latin typeface="+mn-lt"/>
-                <a:ea typeface="ヒラギノ角ゴ Pro W3" charset="0"/>
-              </a:rPr>
-              <a:t>Prepare example of UB with two classes with the same name</a:t>
-            </a:r>
-          </a:p>
-          <a:p>
-            <a:pPr marL="458788" marR="0" lvl="1" indent="-228600" algn="l" defTabSz="457200" rtl="0" eaLnBrk="1" fontAlgn="base" latinLnBrk="0" hangingPunct="1">
-              <a:lnSpc>
-                <a:spcPct val="100000"/>
-              </a:lnSpc>
-              <a:spcBef>
-                <a:spcPct val="0"/>
-              </a:spcBef>
-              <a:spcAft>
-                <a:spcPts val="600"/>
-              </a:spcAft>
-              <a:buClrTx/>
-              <a:buSzTx/>
-              <a:tabLst/>
-              <a:defRPr/>
-            </a:pPr>
-            <a:endParaRPr kumimoji="0" lang="en-US" sz="2400" b="0" i="0" u="none" strike="noStrike" kern="1200" cap="none" spc="0" normalizeH="0" baseline="0" noProof="0" dirty="0" smtClean="0">
-              <a:ln>
-                <a:noFill/>
-              </a:ln>
+            <a:pPr marL="458788" lvl="1" indent="-228600">
+              <a:spcAft>
+                <a:spcPts val="0"/>
+              </a:spcAft>
+              <a:defRPr/>
+            </a:pPr>
+            <a:r>
+              <a:rPr lang="en-US" sz="1400" dirty="0" smtClean="0">
+                <a:solidFill>
+                  <a:schemeClr val="bg2"/>
+                </a:solidFill>
+                <a:latin typeface="Consolas" pitchFamily="49" charset="0"/>
+                <a:ea typeface="ヒラギノ角ゴ Pro W3" charset="0"/>
+                <a:cs typeface="Consolas" pitchFamily="49" charset="0"/>
+              </a:rPr>
+              <a:t>// A.cpp</a:t>
+            </a:r>
+          </a:p>
+          <a:p>
+            <a:pPr marL="458788" lvl="1" indent="-228600">
+              <a:spcAft>
+                <a:spcPts val="0"/>
+              </a:spcAft>
+              <a:defRPr/>
+            </a:pPr>
+            <a:endParaRPr lang="en-US" sz="1400" dirty="0" smtClean="0">
               <a:solidFill>
                 <a:schemeClr val="bg2"/>
               </a:solidFill>
-              <a:effectLst/>
-              <a:uLnTx/>
-              <a:uFillTx/>
-              <a:latin typeface="+mn-lt"/>
+              <a:latin typeface="Consolas" pitchFamily="49" charset="0"/>
               <a:ea typeface="ヒラギノ角ゴ Pro W3" charset="0"/>
-              <a:cs typeface="ヒラギノ角ゴ Pro W3"/>
+              <a:cs typeface="Consolas" pitchFamily="49" charset="0"/>
             </a:endParaRPr>
+          </a:p>
+          <a:p>
+            <a:pPr marL="458788" lvl="1" indent="-228600">
+              <a:spcAft>
+                <a:spcPts val="0"/>
+              </a:spcAft>
+              <a:defRPr/>
+            </a:pPr>
+            <a:r>
+              <a:rPr lang="en-US" sz="1400" dirty="0" smtClean="0">
+                <a:solidFill>
+                  <a:schemeClr val="bg2"/>
+                </a:solidFill>
+                <a:latin typeface="Consolas" pitchFamily="49" charset="0"/>
+                <a:ea typeface="ヒラギノ角ゴ Pro W3" charset="0"/>
+                <a:cs typeface="Consolas" pitchFamily="49" charset="0"/>
+              </a:rPr>
+              <a:t>#include &lt;</a:t>
+            </a:r>
+            <a:r>
+              <a:rPr lang="en-US" sz="1400" dirty="0" err="1" smtClean="0">
+                <a:solidFill>
+                  <a:schemeClr val="bg2"/>
+                </a:solidFill>
+                <a:latin typeface="Consolas" pitchFamily="49" charset="0"/>
+                <a:ea typeface="ヒラギノ角ゴ Pro W3" charset="0"/>
+                <a:cs typeface="Consolas" pitchFamily="49" charset="0"/>
+              </a:rPr>
+              <a:t>stdio.h</a:t>
+            </a:r>
+            <a:r>
+              <a:rPr lang="en-US" sz="1400" dirty="0" smtClean="0">
+                <a:solidFill>
+                  <a:schemeClr val="bg2"/>
+                </a:solidFill>
+                <a:latin typeface="Consolas" pitchFamily="49" charset="0"/>
+                <a:ea typeface="ヒラギノ角ゴ Pro W3" charset="0"/>
+                <a:cs typeface="Consolas" pitchFamily="49" charset="0"/>
+              </a:rPr>
+              <a:t>&gt;</a:t>
+            </a:r>
+          </a:p>
+          <a:p>
+            <a:pPr marL="458788" lvl="1" indent="-228600">
+              <a:spcAft>
+                <a:spcPts val="0"/>
+              </a:spcAft>
+              <a:defRPr/>
+            </a:pPr>
+            <a:r>
+              <a:rPr lang="en-US" sz="1400" dirty="0" err="1" smtClean="0">
+                <a:solidFill>
+                  <a:schemeClr val="bg2"/>
+                </a:solidFill>
+                <a:latin typeface="Consolas" pitchFamily="49" charset="0"/>
+                <a:ea typeface="ヒラギノ角ゴ Pro W3" charset="0"/>
+                <a:cs typeface="Consolas" pitchFamily="49" charset="0"/>
+              </a:rPr>
+              <a:t>struct</a:t>
+            </a:r>
+            <a:r>
+              <a:rPr lang="en-US" sz="1400" dirty="0" smtClean="0">
+                <a:solidFill>
+                  <a:schemeClr val="bg2"/>
+                </a:solidFill>
+                <a:latin typeface="Consolas" pitchFamily="49" charset="0"/>
+                <a:ea typeface="ヒラギノ角ゴ Pro W3" charset="0"/>
+                <a:cs typeface="Consolas" pitchFamily="49" charset="0"/>
+              </a:rPr>
+              <a:t> S</a:t>
+            </a:r>
+          </a:p>
+          <a:p>
+            <a:pPr marL="458788" lvl="1" indent="-228600">
+              <a:spcAft>
+                <a:spcPts val="0"/>
+              </a:spcAft>
+              <a:defRPr/>
+            </a:pPr>
+            <a:r>
+              <a:rPr lang="en-US" sz="1400" dirty="0" smtClean="0">
+                <a:solidFill>
+                  <a:schemeClr val="bg2"/>
+                </a:solidFill>
+                <a:latin typeface="Consolas" pitchFamily="49" charset="0"/>
+                <a:ea typeface="ヒラギノ角ゴ Pro W3" charset="0"/>
+                <a:cs typeface="Consolas" pitchFamily="49" charset="0"/>
+              </a:rPr>
+              <a:t>{</a:t>
+            </a:r>
+          </a:p>
+          <a:p>
+            <a:pPr marL="458788" lvl="1" indent="-228600">
+              <a:spcAft>
+                <a:spcPts val="0"/>
+              </a:spcAft>
+              <a:defRPr/>
+            </a:pPr>
+            <a:r>
+              <a:rPr lang="en-US" sz="1400" dirty="0" smtClean="0">
+                <a:solidFill>
+                  <a:schemeClr val="bg2"/>
+                </a:solidFill>
+                <a:latin typeface="Consolas" pitchFamily="49" charset="0"/>
+                <a:ea typeface="ヒラギノ角ゴ Pro W3" charset="0"/>
+                <a:cs typeface="Consolas" pitchFamily="49" charset="0"/>
+              </a:rPr>
+              <a:t>   void </a:t>
+            </a:r>
+            <a:r>
+              <a:rPr lang="en-US" sz="1400" dirty="0" err="1" smtClean="0">
+                <a:solidFill>
+                  <a:schemeClr val="bg2"/>
+                </a:solidFill>
+                <a:latin typeface="Consolas" pitchFamily="49" charset="0"/>
+                <a:ea typeface="ヒラギノ角ゴ Pro W3" charset="0"/>
+                <a:cs typeface="Consolas" pitchFamily="49" charset="0"/>
+              </a:rPr>
+              <a:t>foo</a:t>
+            </a:r>
+            <a:r>
+              <a:rPr lang="en-US" sz="1400" dirty="0" smtClean="0">
+                <a:solidFill>
+                  <a:schemeClr val="bg2"/>
+                </a:solidFill>
+                <a:latin typeface="Consolas" pitchFamily="49" charset="0"/>
+                <a:ea typeface="ヒラギノ角ゴ Pro W3" charset="0"/>
+                <a:cs typeface="Consolas" pitchFamily="49" charset="0"/>
+              </a:rPr>
+              <a:t>() </a:t>
+            </a:r>
+            <a:endParaRPr lang="en-US" sz="1400" dirty="0" smtClean="0">
+              <a:solidFill>
+                <a:schemeClr val="bg2"/>
+              </a:solidFill>
+              <a:latin typeface="Consolas" pitchFamily="49" charset="0"/>
+              <a:ea typeface="ヒラギノ角ゴ Pro W3" charset="0"/>
+              <a:cs typeface="Consolas" pitchFamily="49" charset="0"/>
+            </a:endParaRPr>
+          </a:p>
+          <a:p>
+            <a:pPr marL="458788" lvl="1" indent="-228600">
+              <a:spcAft>
+                <a:spcPts val="0"/>
+              </a:spcAft>
+              <a:defRPr/>
+            </a:pPr>
+            <a:r>
+              <a:rPr lang="en-US" sz="1400" dirty="0" smtClean="0">
+                <a:solidFill>
+                  <a:schemeClr val="bg2"/>
+                </a:solidFill>
+                <a:latin typeface="Consolas" pitchFamily="49" charset="0"/>
+                <a:ea typeface="ヒラギノ角ゴ Pro W3" charset="0"/>
+                <a:cs typeface="Consolas" pitchFamily="49" charset="0"/>
+              </a:rPr>
+              <a:t>   { </a:t>
+            </a:r>
+          </a:p>
+          <a:p>
+            <a:pPr marL="458788" lvl="1" indent="-228600">
+              <a:spcAft>
+                <a:spcPts val="0"/>
+              </a:spcAft>
+              <a:defRPr/>
+            </a:pPr>
+            <a:r>
+              <a:rPr lang="en-US" sz="1400" dirty="0" smtClean="0">
+                <a:solidFill>
+                  <a:schemeClr val="bg2"/>
+                </a:solidFill>
+                <a:latin typeface="Consolas" pitchFamily="49" charset="0"/>
+                <a:ea typeface="ヒラギノ角ゴ Pro W3" charset="0"/>
+                <a:cs typeface="Consolas" pitchFamily="49" charset="0"/>
+              </a:rPr>
+              <a:t> </a:t>
+            </a:r>
+            <a:r>
+              <a:rPr lang="en-US" sz="1400" dirty="0" smtClean="0">
+                <a:solidFill>
+                  <a:schemeClr val="bg2"/>
+                </a:solidFill>
+                <a:latin typeface="Consolas" pitchFamily="49" charset="0"/>
+                <a:ea typeface="ヒラギノ角ゴ Pro W3" charset="0"/>
+                <a:cs typeface="Consolas" pitchFamily="49" charset="0"/>
+              </a:rPr>
+              <a:t>     </a:t>
+            </a:r>
+            <a:r>
+              <a:rPr lang="en-US" sz="1400" dirty="0" err="1" smtClean="0">
+                <a:solidFill>
+                  <a:schemeClr val="bg2"/>
+                </a:solidFill>
+                <a:latin typeface="Consolas" pitchFamily="49" charset="0"/>
+                <a:ea typeface="ヒラギノ角ゴ Pro W3" charset="0"/>
+                <a:cs typeface="Consolas" pitchFamily="49" charset="0"/>
+              </a:rPr>
+              <a:t>printf</a:t>
+            </a:r>
+            <a:r>
+              <a:rPr lang="en-US" sz="1400" dirty="0" smtClean="0">
+                <a:solidFill>
+                  <a:schemeClr val="bg2"/>
+                </a:solidFill>
+                <a:latin typeface="Consolas" pitchFamily="49" charset="0"/>
+                <a:ea typeface="ヒラギノ角ゴ Pro W3" charset="0"/>
+                <a:cs typeface="Consolas" pitchFamily="49" charset="0"/>
+              </a:rPr>
+              <a:t>("</a:t>
+            </a:r>
+            <a:r>
+              <a:rPr lang="en-US" sz="1400" dirty="0" smtClean="0">
+                <a:solidFill>
+                  <a:srgbClr val="00B050"/>
+                </a:solidFill>
+                <a:latin typeface="Consolas" pitchFamily="49" charset="0"/>
+                <a:ea typeface="ヒラギノ角ゴ Pro W3" charset="0"/>
+                <a:cs typeface="Consolas" pitchFamily="49" charset="0"/>
+              </a:rPr>
+              <a:t>A</a:t>
+            </a:r>
+            <a:r>
+              <a:rPr lang="en-US" sz="1400" dirty="0" smtClean="0">
+                <a:solidFill>
+                  <a:schemeClr val="bg2"/>
+                </a:solidFill>
+                <a:latin typeface="Consolas" pitchFamily="49" charset="0"/>
+                <a:ea typeface="ヒラギノ角ゴ Pro W3" charset="0"/>
+                <a:cs typeface="Consolas" pitchFamily="49" charset="0"/>
+              </a:rPr>
+              <a:t>.cpp\n"); </a:t>
+            </a:r>
+            <a:endParaRPr lang="en-US" sz="1400" dirty="0" smtClean="0">
+              <a:solidFill>
+                <a:schemeClr val="bg2"/>
+              </a:solidFill>
+              <a:latin typeface="Consolas" pitchFamily="49" charset="0"/>
+              <a:ea typeface="ヒラギノ角ゴ Pro W3" charset="0"/>
+              <a:cs typeface="Consolas" pitchFamily="49" charset="0"/>
+            </a:endParaRPr>
+          </a:p>
+          <a:p>
+            <a:pPr marL="458788" lvl="1" indent="-228600">
+              <a:spcAft>
+                <a:spcPts val="0"/>
+              </a:spcAft>
+              <a:defRPr/>
+            </a:pPr>
+            <a:r>
+              <a:rPr lang="en-US" sz="1400" dirty="0" smtClean="0">
+                <a:solidFill>
+                  <a:schemeClr val="bg2"/>
+                </a:solidFill>
+                <a:latin typeface="Consolas" pitchFamily="49" charset="0"/>
+                <a:ea typeface="ヒラギノ角ゴ Pro W3" charset="0"/>
+                <a:cs typeface="Consolas" pitchFamily="49" charset="0"/>
+              </a:rPr>
+              <a:t> </a:t>
+            </a:r>
+            <a:r>
+              <a:rPr lang="en-US" sz="1400" dirty="0" smtClean="0">
+                <a:solidFill>
+                  <a:schemeClr val="bg2"/>
+                </a:solidFill>
+                <a:latin typeface="Consolas" pitchFamily="49" charset="0"/>
+                <a:ea typeface="ヒラギノ角ゴ Pro W3" charset="0"/>
+                <a:cs typeface="Consolas" pitchFamily="49" charset="0"/>
+              </a:rPr>
+              <a:t>  }</a:t>
+            </a:r>
+            <a:endParaRPr lang="en-US" sz="1400" dirty="0" smtClean="0">
+              <a:solidFill>
+                <a:schemeClr val="bg2"/>
+              </a:solidFill>
+              <a:latin typeface="Consolas" pitchFamily="49" charset="0"/>
+              <a:ea typeface="ヒラギノ角ゴ Pro W3" charset="0"/>
+              <a:cs typeface="Consolas" pitchFamily="49" charset="0"/>
+            </a:endParaRPr>
+          </a:p>
+          <a:p>
+            <a:pPr marL="458788" lvl="1" indent="-228600">
+              <a:spcAft>
+                <a:spcPts val="0"/>
+              </a:spcAft>
+              <a:defRPr/>
+            </a:pPr>
+            <a:r>
+              <a:rPr lang="en-US" sz="1400" dirty="0" smtClean="0">
+                <a:solidFill>
+                  <a:schemeClr val="bg2"/>
+                </a:solidFill>
+                <a:latin typeface="Consolas" pitchFamily="49" charset="0"/>
+                <a:ea typeface="ヒラギノ角ゴ Pro W3" charset="0"/>
+                <a:cs typeface="Consolas" pitchFamily="49" charset="0"/>
+              </a:rPr>
+              <a:t>};</a:t>
+            </a:r>
+          </a:p>
+          <a:p>
+            <a:pPr marL="458788" lvl="1" indent="-228600">
+              <a:spcAft>
+                <a:spcPts val="0"/>
+              </a:spcAft>
+              <a:defRPr/>
+            </a:pPr>
+            <a:endParaRPr lang="en-US" sz="1400" dirty="0" smtClean="0">
+              <a:solidFill>
+                <a:schemeClr val="bg2"/>
+              </a:solidFill>
+              <a:latin typeface="Consolas" pitchFamily="49" charset="0"/>
+              <a:ea typeface="ヒラギノ角ゴ Pro W3" charset="0"/>
+              <a:cs typeface="Consolas" pitchFamily="49" charset="0"/>
+            </a:endParaRPr>
+          </a:p>
+          <a:p>
+            <a:pPr marL="458788" lvl="1" indent="-228600">
+              <a:spcAft>
+                <a:spcPts val="0"/>
+              </a:spcAft>
+              <a:defRPr/>
+            </a:pPr>
+            <a:r>
+              <a:rPr lang="en-US" sz="1400" dirty="0" smtClean="0">
+                <a:solidFill>
+                  <a:schemeClr val="bg2"/>
+                </a:solidFill>
+                <a:latin typeface="Consolas" pitchFamily="49" charset="0"/>
+                <a:ea typeface="ヒラギノ角ゴ Pro W3" charset="0"/>
+                <a:cs typeface="Consolas" pitchFamily="49" charset="0"/>
+              </a:rPr>
+              <a:t>void </a:t>
+            </a:r>
+            <a:r>
+              <a:rPr lang="en-US" sz="1400" dirty="0" err="1" smtClean="0">
+                <a:solidFill>
+                  <a:schemeClr val="bg2"/>
+                </a:solidFill>
+                <a:latin typeface="Consolas" pitchFamily="49" charset="0"/>
+                <a:ea typeface="ヒラギノ角ゴ Pro W3" charset="0"/>
+                <a:cs typeface="Consolas" pitchFamily="49" charset="0"/>
+              </a:rPr>
+              <a:t>foo</a:t>
+            </a:r>
+            <a:r>
+              <a:rPr lang="en-US" sz="1400" dirty="0" err="1" smtClean="0">
+                <a:solidFill>
+                  <a:srgbClr val="00B050"/>
+                </a:solidFill>
+                <a:latin typeface="Consolas" pitchFamily="49" charset="0"/>
+                <a:ea typeface="ヒラギノ角ゴ Pro W3" charset="0"/>
+                <a:cs typeface="Consolas" pitchFamily="49" charset="0"/>
+              </a:rPr>
+              <a:t>A</a:t>
+            </a:r>
+            <a:r>
+              <a:rPr lang="en-US" sz="1400" dirty="0" smtClean="0">
+                <a:solidFill>
+                  <a:schemeClr val="bg2"/>
+                </a:solidFill>
+                <a:latin typeface="Consolas" pitchFamily="49" charset="0"/>
+                <a:ea typeface="ヒラギノ角ゴ Pro W3" charset="0"/>
+                <a:cs typeface="Consolas" pitchFamily="49" charset="0"/>
+              </a:rPr>
+              <a:t>() </a:t>
+            </a:r>
+          </a:p>
+          <a:p>
+            <a:pPr marL="458788" lvl="1" indent="-228600">
+              <a:spcAft>
+                <a:spcPts val="0"/>
+              </a:spcAft>
+              <a:defRPr/>
+            </a:pPr>
+            <a:r>
+              <a:rPr lang="en-US" sz="1400" dirty="0" smtClean="0">
+                <a:solidFill>
+                  <a:schemeClr val="bg2"/>
+                </a:solidFill>
+                <a:latin typeface="Consolas" pitchFamily="49" charset="0"/>
+                <a:ea typeface="ヒラギノ角ゴ Pro W3" charset="0"/>
+                <a:cs typeface="Consolas" pitchFamily="49" charset="0"/>
+              </a:rPr>
+              <a:t>{</a:t>
+            </a:r>
+          </a:p>
+          <a:p>
+            <a:pPr marL="458788" lvl="1" indent="-228600">
+              <a:spcAft>
+                <a:spcPts val="0"/>
+              </a:spcAft>
+              <a:defRPr/>
+            </a:pPr>
+            <a:r>
+              <a:rPr lang="en-US" sz="1400" dirty="0" smtClean="0">
+                <a:solidFill>
+                  <a:schemeClr val="bg2"/>
+                </a:solidFill>
+                <a:latin typeface="Consolas" pitchFamily="49" charset="0"/>
+                <a:ea typeface="ヒラギノ角ゴ Pro W3" charset="0"/>
+                <a:cs typeface="Consolas" pitchFamily="49" charset="0"/>
+              </a:rPr>
+              <a:t>   </a:t>
+            </a:r>
+            <a:r>
+              <a:rPr lang="en-US" sz="1400" dirty="0" smtClean="0">
+                <a:solidFill>
+                  <a:schemeClr val="bg2"/>
+                </a:solidFill>
+                <a:latin typeface="Consolas" pitchFamily="49" charset="0"/>
+                <a:ea typeface="ヒラギノ角ゴ Pro W3" charset="0"/>
+                <a:cs typeface="Consolas" pitchFamily="49" charset="0"/>
+              </a:rPr>
+              <a:t>S </a:t>
+            </a:r>
+            <a:r>
+              <a:rPr lang="en-US" sz="1400" dirty="0" err="1" smtClean="0">
+                <a:solidFill>
+                  <a:schemeClr val="bg2"/>
+                </a:solidFill>
+                <a:latin typeface="Consolas" pitchFamily="49" charset="0"/>
+                <a:ea typeface="ヒラギノ角ゴ Pro W3" charset="0"/>
+                <a:cs typeface="Consolas" pitchFamily="49" charset="0"/>
+              </a:rPr>
+              <a:t>s</a:t>
+            </a:r>
+            <a:r>
+              <a:rPr lang="en-US" sz="1400" dirty="0" smtClean="0">
+                <a:solidFill>
+                  <a:schemeClr val="bg2"/>
+                </a:solidFill>
+                <a:latin typeface="Consolas" pitchFamily="49" charset="0"/>
+                <a:ea typeface="ヒラギノ角ゴ Pro W3" charset="0"/>
+                <a:cs typeface="Consolas" pitchFamily="49" charset="0"/>
+              </a:rPr>
+              <a:t>;</a:t>
+            </a:r>
+          </a:p>
+          <a:p>
+            <a:pPr marL="458788" lvl="1" indent="-228600">
+              <a:spcAft>
+                <a:spcPts val="0"/>
+              </a:spcAft>
+              <a:defRPr/>
+            </a:pPr>
+            <a:r>
+              <a:rPr lang="en-US" sz="1400" dirty="0" smtClean="0">
+                <a:solidFill>
+                  <a:schemeClr val="bg2"/>
+                </a:solidFill>
+                <a:latin typeface="Consolas" pitchFamily="49" charset="0"/>
+                <a:ea typeface="ヒラギノ角ゴ Pro W3" charset="0"/>
+                <a:cs typeface="Consolas" pitchFamily="49" charset="0"/>
+              </a:rPr>
+              <a:t>   </a:t>
+            </a:r>
+            <a:r>
+              <a:rPr lang="en-US" sz="1400" dirty="0" smtClean="0">
+                <a:solidFill>
+                  <a:schemeClr val="bg2"/>
+                </a:solidFill>
+                <a:latin typeface="Consolas" pitchFamily="49" charset="0"/>
+                <a:ea typeface="ヒラギノ角ゴ Pro W3" charset="0"/>
+                <a:cs typeface="Consolas" pitchFamily="49" charset="0"/>
+              </a:rPr>
+              <a:t>s.foo</a:t>
+            </a:r>
+            <a:r>
+              <a:rPr lang="en-US" sz="1400" dirty="0" smtClean="0">
+                <a:solidFill>
+                  <a:schemeClr val="bg2"/>
+                </a:solidFill>
+                <a:latin typeface="Consolas" pitchFamily="49" charset="0"/>
+                <a:ea typeface="ヒラギノ角ゴ Pro W3" charset="0"/>
+                <a:cs typeface="Consolas" pitchFamily="49" charset="0"/>
+              </a:rPr>
+              <a:t>();</a:t>
+            </a:r>
+          </a:p>
+          <a:p>
+            <a:pPr marL="458788" lvl="1" indent="-228600">
+              <a:spcAft>
+                <a:spcPts val="0"/>
+              </a:spcAft>
+              <a:defRPr/>
+            </a:pPr>
+            <a:r>
+              <a:rPr lang="en-US" sz="1400" dirty="0" smtClean="0">
+                <a:solidFill>
+                  <a:schemeClr val="bg2"/>
+                </a:solidFill>
+                <a:latin typeface="Consolas" pitchFamily="49" charset="0"/>
+                <a:ea typeface="ヒラギノ角ゴ Pro W3" charset="0"/>
+                <a:cs typeface="Consolas" pitchFamily="49" charset="0"/>
+              </a:rPr>
+              <a:t>}</a:t>
+            </a:r>
+            <a:endParaRPr lang="en-US" sz="1400" dirty="0"/>
+          </a:p>
+        </p:txBody>
+      </p:sp>
+      <p:sp>
+        <p:nvSpPr>
+          <p:cNvPr id="10" name="Rectangle 9"/>
+          <p:cNvSpPr/>
+          <p:nvPr/>
+        </p:nvSpPr>
+        <p:spPr>
+          <a:xfrm>
+            <a:off x="3378552" y="915566"/>
+            <a:ext cx="5153888" cy="3539430"/>
+          </a:xfrm>
+          <a:prstGeom prst="rect">
+            <a:avLst/>
+          </a:prstGeom>
+        </p:spPr>
+        <p:txBody>
+          <a:bodyPr wrap="square">
+            <a:spAutoFit/>
+          </a:bodyPr>
+          <a:lstStyle/>
+          <a:p>
+            <a:pPr marL="458788" lvl="1" indent="-228600">
+              <a:spcAft>
+                <a:spcPts val="0"/>
+              </a:spcAft>
+              <a:defRPr/>
+            </a:pPr>
+            <a:r>
+              <a:rPr lang="en-US" sz="1400" dirty="0" smtClean="0">
+                <a:solidFill>
+                  <a:schemeClr val="bg2"/>
+                </a:solidFill>
+                <a:latin typeface="Consolas" pitchFamily="49" charset="0"/>
+                <a:ea typeface="ヒラギノ角ゴ Pro W3" charset="0"/>
+                <a:cs typeface="Consolas" pitchFamily="49" charset="0"/>
+              </a:rPr>
+              <a:t>// B.cpp</a:t>
+            </a:r>
+          </a:p>
+          <a:p>
+            <a:pPr marL="458788" lvl="1" indent="-228600">
+              <a:spcAft>
+                <a:spcPts val="0"/>
+              </a:spcAft>
+              <a:defRPr/>
+            </a:pPr>
+            <a:endParaRPr lang="en-US" sz="1400" dirty="0" smtClean="0">
+              <a:solidFill>
+                <a:schemeClr val="bg2"/>
+              </a:solidFill>
+              <a:latin typeface="Consolas" pitchFamily="49" charset="0"/>
+              <a:ea typeface="ヒラギノ角ゴ Pro W3" charset="0"/>
+              <a:cs typeface="Consolas" pitchFamily="49" charset="0"/>
+            </a:endParaRPr>
+          </a:p>
+          <a:p>
+            <a:pPr marL="458788" lvl="1" indent="-228600">
+              <a:spcAft>
+                <a:spcPts val="0"/>
+              </a:spcAft>
+              <a:defRPr/>
+            </a:pPr>
+            <a:r>
+              <a:rPr lang="en-US" sz="1400" dirty="0" smtClean="0">
+                <a:solidFill>
+                  <a:schemeClr val="bg2"/>
+                </a:solidFill>
+                <a:latin typeface="Consolas" pitchFamily="49" charset="0"/>
+                <a:ea typeface="ヒラギノ角ゴ Pro W3" charset="0"/>
+                <a:cs typeface="Consolas" pitchFamily="49" charset="0"/>
+              </a:rPr>
+              <a:t>#include &lt;</a:t>
+            </a:r>
+            <a:r>
+              <a:rPr lang="en-US" sz="1400" dirty="0" err="1" smtClean="0">
+                <a:solidFill>
+                  <a:schemeClr val="bg2"/>
+                </a:solidFill>
+                <a:latin typeface="Consolas" pitchFamily="49" charset="0"/>
+                <a:ea typeface="ヒラギノ角ゴ Pro W3" charset="0"/>
+                <a:cs typeface="Consolas" pitchFamily="49" charset="0"/>
+              </a:rPr>
+              <a:t>stdio.h</a:t>
+            </a:r>
+            <a:r>
+              <a:rPr lang="en-US" sz="1400" dirty="0" smtClean="0">
+                <a:solidFill>
+                  <a:schemeClr val="bg2"/>
+                </a:solidFill>
+                <a:latin typeface="Consolas" pitchFamily="49" charset="0"/>
+                <a:ea typeface="ヒラギノ角ゴ Pro W3" charset="0"/>
+                <a:cs typeface="Consolas" pitchFamily="49" charset="0"/>
+              </a:rPr>
+              <a:t>&gt;</a:t>
+            </a:r>
+          </a:p>
+          <a:p>
+            <a:pPr marL="458788" lvl="1" indent="-228600">
+              <a:spcAft>
+                <a:spcPts val="0"/>
+              </a:spcAft>
+              <a:defRPr/>
+            </a:pPr>
+            <a:r>
+              <a:rPr lang="en-US" sz="1400" dirty="0" err="1" smtClean="0">
+                <a:solidFill>
+                  <a:schemeClr val="bg2"/>
+                </a:solidFill>
+                <a:latin typeface="Consolas" pitchFamily="49" charset="0"/>
+                <a:ea typeface="ヒラギノ角ゴ Pro W3" charset="0"/>
+                <a:cs typeface="Consolas" pitchFamily="49" charset="0"/>
+              </a:rPr>
+              <a:t>struct</a:t>
+            </a:r>
+            <a:r>
+              <a:rPr lang="en-US" sz="1400" dirty="0" smtClean="0">
+                <a:solidFill>
+                  <a:schemeClr val="bg2"/>
+                </a:solidFill>
+                <a:latin typeface="Consolas" pitchFamily="49" charset="0"/>
+                <a:ea typeface="ヒラギノ角ゴ Pro W3" charset="0"/>
+                <a:cs typeface="Consolas" pitchFamily="49" charset="0"/>
+              </a:rPr>
+              <a:t> S</a:t>
+            </a:r>
+          </a:p>
+          <a:p>
+            <a:pPr marL="458788" lvl="1" indent="-228600">
+              <a:spcAft>
+                <a:spcPts val="0"/>
+              </a:spcAft>
+              <a:defRPr/>
+            </a:pPr>
+            <a:r>
+              <a:rPr lang="en-US" sz="1400" dirty="0" smtClean="0">
+                <a:solidFill>
+                  <a:schemeClr val="bg2"/>
+                </a:solidFill>
+                <a:latin typeface="Consolas" pitchFamily="49" charset="0"/>
+                <a:ea typeface="ヒラギノ角ゴ Pro W3" charset="0"/>
+                <a:cs typeface="Consolas" pitchFamily="49" charset="0"/>
+              </a:rPr>
+              <a:t>{</a:t>
+            </a:r>
+          </a:p>
+          <a:p>
+            <a:pPr marL="458788" lvl="1" indent="-228600">
+              <a:spcAft>
+                <a:spcPts val="0"/>
+              </a:spcAft>
+              <a:defRPr/>
+            </a:pPr>
+            <a:r>
+              <a:rPr lang="en-US" sz="1400" dirty="0" smtClean="0">
+                <a:solidFill>
+                  <a:schemeClr val="bg2"/>
+                </a:solidFill>
+                <a:latin typeface="Consolas" pitchFamily="49" charset="0"/>
+                <a:ea typeface="ヒラギノ角ゴ Pro W3" charset="0"/>
+                <a:cs typeface="Consolas" pitchFamily="49" charset="0"/>
+              </a:rPr>
+              <a:t>   void </a:t>
+            </a:r>
+            <a:r>
+              <a:rPr lang="en-US" sz="1400" dirty="0" err="1" smtClean="0">
+                <a:solidFill>
+                  <a:schemeClr val="bg2"/>
+                </a:solidFill>
+                <a:latin typeface="Consolas" pitchFamily="49" charset="0"/>
+                <a:ea typeface="ヒラギノ角ゴ Pro W3" charset="0"/>
+                <a:cs typeface="Consolas" pitchFamily="49" charset="0"/>
+              </a:rPr>
+              <a:t>foo</a:t>
+            </a:r>
+            <a:r>
+              <a:rPr lang="en-US" sz="1400" dirty="0" smtClean="0">
+                <a:solidFill>
+                  <a:schemeClr val="bg2"/>
+                </a:solidFill>
+                <a:latin typeface="Consolas" pitchFamily="49" charset="0"/>
+                <a:ea typeface="ヒラギノ角ゴ Pro W3" charset="0"/>
+                <a:cs typeface="Consolas" pitchFamily="49" charset="0"/>
+              </a:rPr>
+              <a:t>() </a:t>
+            </a:r>
+          </a:p>
+          <a:p>
+            <a:pPr marL="458788" lvl="1" indent="-228600">
+              <a:spcAft>
+                <a:spcPts val="0"/>
+              </a:spcAft>
+              <a:defRPr/>
+            </a:pPr>
+            <a:r>
+              <a:rPr lang="en-US" sz="1400" dirty="0" smtClean="0">
+                <a:solidFill>
+                  <a:schemeClr val="bg2"/>
+                </a:solidFill>
+                <a:latin typeface="Consolas" pitchFamily="49" charset="0"/>
+                <a:ea typeface="ヒラギノ角ゴ Pro W3" charset="0"/>
+                <a:cs typeface="Consolas" pitchFamily="49" charset="0"/>
+              </a:rPr>
+              <a:t>   { </a:t>
+            </a:r>
+          </a:p>
+          <a:p>
+            <a:pPr marL="458788" lvl="1" indent="-228600">
+              <a:spcAft>
+                <a:spcPts val="0"/>
+              </a:spcAft>
+              <a:defRPr/>
+            </a:pPr>
+            <a:r>
+              <a:rPr lang="en-US" sz="1400" dirty="0" smtClean="0">
+                <a:solidFill>
+                  <a:schemeClr val="bg2"/>
+                </a:solidFill>
+                <a:latin typeface="Consolas" pitchFamily="49" charset="0"/>
+                <a:ea typeface="ヒラギノ角ゴ Pro W3" charset="0"/>
+                <a:cs typeface="Consolas" pitchFamily="49" charset="0"/>
+              </a:rPr>
+              <a:t>      </a:t>
+            </a:r>
+            <a:r>
+              <a:rPr lang="en-US" sz="1400" dirty="0" err="1" smtClean="0">
+                <a:solidFill>
+                  <a:schemeClr val="bg2"/>
+                </a:solidFill>
+                <a:latin typeface="Consolas" pitchFamily="49" charset="0"/>
+                <a:ea typeface="ヒラギノ角ゴ Pro W3" charset="0"/>
+                <a:cs typeface="Consolas" pitchFamily="49" charset="0"/>
+              </a:rPr>
+              <a:t>printf</a:t>
+            </a:r>
+            <a:r>
+              <a:rPr lang="en-US" sz="1400" dirty="0" smtClean="0">
+                <a:solidFill>
+                  <a:schemeClr val="bg2"/>
+                </a:solidFill>
+                <a:latin typeface="Consolas" pitchFamily="49" charset="0"/>
+                <a:ea typeface="ヒラギノ角ゴ Pro W3" charset="0"/>
+                <a:cs typeface="Consolas" pitchFamily="49" charset="0"/>
+              </a:rPr>
+              <a:t>(“</a:t>
+            </a:r>
+            <a:r>
+              <a:rPr lang="en-US" sz="1400" dirty="0" smtClean="0">
+                <a:solidFill>
+                  <a:srgbClr val="00B050"/>
+                </a:solidFill>
+                <a:latin typeface="Consolas" pitchFamily="49" charset="0"/>
+                <a:ea typeface="ヒラギノ角ゴ Pro W3" charset="0"/>
+                <a:cs typeface="Consolas" pitchFamily="49" charset="0"/>
+              </a:rPr>
+              <a:t>B</a:t>
+            </a:r>
+            <a:r>
+              <a:rPr lang="en-US" sz="1400" dirty="0" smtClean="0">
+                <a:solidFill>
+                  <a:schemeClr val="bg2"/>
+                </a:solidFill>
+                <a:latin typeface="Consolas" pitchFamily="49" charset="0"/>
+                <a:ea typeface="ヒラギノ角ゴ Pro W3" charset="0"/>
+                <a:cs typeface="Consolas" pitchFamily="49" charset="0"/>
+              </a:rPr>
+              <a:t>.cpp\n</a:t>
+            </a:r>
+            <a:r>
+              <a:rPr lang="en-US" sz="1400" dirty="0" smtClean="0">
+                <a:solidFill>
+                  <a:schemeClr val="bg2"/>
+                </a:solidFill>
+                <a:latin typeface="Consolas" pitchFamily="49" charset="0"/>
+                <a:ea typeface="ヒラギノ角ゴ Pro W3" charset="0"/>
+                <a:cs typeface="Consolas" pitchFamily="49" charset="0"/>
+              </a:rPr>
+              <a:t>"); </a:t>
+            </a:r>
+          </a:p>
+          <a:p>
+            <a:pPr marL="458788" lvl="1" indent="-228600">
+              <a:spcAft>
+                <a:spcPts val="0"/>
+              </a:spcAft>
+              <a:defRPr/>
+            </a:pPr>
+            <a:r>
+              <a:rPr lang="en-US" sz="1400" dirty="0" smtClean="0">
+                <a:solidFill>
+                  <a:schemeClr val="bg2"/>
+                </a:solidFill>
+                <a:latin typeface="Consolas" pitchFamily="49" charset="0"/>
+                <a:ea typeface="ヒラギノ角ゴ Pro W3" charset="0"/>
+                <a:cs typeface="Consolas" pitchFamily="49" charset="0"/>
+              </a:rPr>
+              <a:t>   }</a:t>
+            </a:r>
+          </a:p>
+          <a:p>
+            <a:pPr marL="458788" lvl="1" indent="-228600">
+              <a:spcAft>
+                <a:spcPts val="0"/>
+              </a:spcAft>
+              <a:defRPr/>
+            </a:pPr>
+            <a:r>
+              <a:rPr lang="en-US" sz="1400" dirty="0" smtClean="0">
+                <a:solidFill>
+                  <a:schemeClr val="bg2"/>
+                </a:solidFill>
+                <a:latin typeface="Consolas" pitchFamily="49" charset="0"/>
+                <a:ea typeface="ヒラギノ角ゴ Pro W3" charset="0"/>
+                <a:cs typeface="Consolas" pitchFamily="49" charset="0"/>
+              </a:rPr>
+              <a:t>};</a:t>
+            </a:r>
+          </a:p>
+          <a:p>
+            <a:pPr marL="458788" lvl="1" indent="-228600">
+              <a:spcAft>
+                <a:spcPts val="0"/>
+              </a:spcAft>
+              <a:defRPr/>
+            </a:pPr>
+            <a:endParaRPr lang="en-US" sz="1400" dirty="0" smtClean="0">
+              <a:solidFill>
+                <a:schemeClr val="bg2"/>
+              </a:solidFill>
+              <a:latin typeface="Consolas" pitchFamily="49" charset="0"/>
+              <a:ea typeface="ヒラギノ角ゴ Pro W3" charset="0"/>
+              <a:cs typeface="Consolas" pitchFamily="49" charset="0"/>
+            </a:endParaRPr>
+          </a:p>
+          <a:p>
+            <a:pPr marL="458788" lvl="1" indent="-228600">
+              <a:spcAft>
+                <a:spcPts val="0"/>
+              </a:spcAft>
+              <a:defRPr/>
+            </a:pPr>
+            <a:r>
+              <a:rPr lang="en-US" sz="1400" dirty="0" smtClean="0">
+                <a:solidFill>
+                  <a:schemeClr val="bg2"/>
+                </a:solidFill>
+                <a:latin typeface="Consolas" pitchFamily="49" charset="0"/>
+                <a:ea typeface="ヒラギノ角ゴ Pro W3" charset="0"/>
+                <a:cs typeface="Consolas" pitchFamily="49" charset="0"/>
+              </a:rPr>
+              <a:t>void </a:t>
+            </a:r>
+            <a:r>
+              <a:rPr lang="en-US" sz="1400" dirty="0" err="1" smtClean="0">
+                <a:solidFill>
+                  <a:schemeClr val="bg2"/>
+                </a:solidFill>
+                <a:latin typeface="Consolas" pitchFamily="49" charset="0"/>
+                <a:ea typeface="ヒラギノ角ゴ Pro W3" charset="0"/>
+                <a:cs typeface="Consolas" pitchFamily="49" charset="0"/>
+              </a:rPr>
+              <a:t>foo</a:t>
+            </a:r>
+            <a:r>
+              <a:rPr lang="en-US" sz="1400" dirty="0" err="1" smtClean="0">
+                <a:solidFill>
+                  <a:srgbClr val="00B050"/>
+                </a:solidFill>
+                <a:latin typeface="Consolas" pitchFamily="49" charset="0"/>
+                <a:ea typeface="ヒラギノ角ゴ Pro W3" charset="0"/>
+                <a:cs typeface="Consolas" pitchFamily="49" charset="0"/>
+              </a:rPr>
+              <a:t>B</a:t>
+            </a:r>
+            <a:r>
+              <a:rPr lang="en-US" sz="1400" dirty="0" smtClean="0">
+                <a:solidFill>
+                  <a:schemeClr val="bg2"/>
+                </a:solidFill>
+                <a:latin typeface="Consolas" pitchFamily="49" charset="0"/>
+                <a:ea typeface="ヒラギノ角ゴ Pro W3" charset="0"/>
+                <a:cs typeface="Consolas" pitchFamily="49" charset="0"/>
+              </a:rPr>
+              <a:t>() </a:t>
+            </a:r>
+            <a:endParaRPr lang="en-US" sz="1400" dirty="0" smtClean="0">
+              <a:solidFill>
+                <a:schemeClr val="bg2"/>
+              </a:solidFill>
+              <a:latin typeface="Consolas" pitchFamily="49" charset="0"/>
+              <a:ea typeface="ヒラギノ角ゴ Pro W3" charset="0"/>
+              <a:cs typeface="Consolas" pitchFamily="49" charset="0"/>
+            </a:endParaRPr>
+          </a:p>
+          <a:p>
+            <a:pPr marL="458788" lvl="1" indent="-228600">
+              <a:spcAft>
+                <a:spcPts val="0"/>
+              </a:spcAft>
+              <a:defRPr/>
+            </a:pPr>
+            <a:r>
+              <a:rPr lang="en-US" sz="1400" dirty="0" smtClean="0">
+                <a:solidFill>
+                  <a:schemeClr val="bg2"/>
+                </a:solidFill>
+                <a:latin typeface="Consolas" pitchFamily="49" charset="0"/>
+                <a:ea typeface="ヒラギノ角ゴ Pro W3" charset="0"/>
+                <a:cs typeface="Consolas" pitchFamily="49" charset="0"/>
+              </a:rPr>
+              <a:t>{</a:t>
+            </a:r>
+          </a:p>
+          <a:p>
+            <a:pPr marL="458788" lvl="1" indent="-228600">
+              <a:spcAft>
+                <a:spcPts val="0"/>
+              </a:spcAft>
+              <a:defRPr/>
+            </a:pPr>
+            <a:r>
+              <a:rPr lang="en-US" sz="1400" dirty="0" smtClean="0">
+                <a:solidFill>
+                  <a:schemeClr val="bg2"/>
+                </a:solidFill>
+                <a:latin typeface="Consolas" pitchFamily="49" charset="0"/>
+                <a:ea typeface="ヒラギノ角ゴ Pro W3" charset="0"/>
+                <a:cs typeface="Consolas" pitchFamily="49" charset="0"/>
+              </a:rPr>
+              <a:t>   S </a:t>
+            </a:r>
+            <a:r>
+              <a:rPr lang="en-US" sz="1400" dirty="0" err="1" smtClean="0">
+                <a:solidFill>
+                  <a:schemeClr val="bg2"/>
+                </a:solidFill>
+                <a:latin typeface="Consolas" pitchFamily="49" charset="0"/>
+                <a:ea typeface="ヒラギノ角ゴ Pro W3" charset="0"/>
+                <a:cs typeface="Consolas" pitchFamily="49" charset="0"/>
+              </a:rPr>
+              <a:t>s</a:t>
+            </a:r>
+            <a:r>
+              <a:rPr lang="en-US" sz="1400" dirty="0" smtClean="0">
+                <a:solidFill>
+                  <a:schemeClr val="bg2"/>
+                </a:solidFill>
+                <a:latin typeface="Consolas" pitchFamily="49" charset="0"/>
+                <a:ea typeface="ヒラギノ角ゴ Pro W3" charset="0"/>
+                <a:cs typeface="Consolas" pitchFamily="49" charset="0"/>
+              </a:rPr>
+              <a:t>;</a:t>
+            </a:r>
+          </a:p>
+          <a:p>
+            <a:pPr marL="458788" lvl="1" indent="-228600">
+              <a:spcAft>
+                <a:spcPts val="0"/>
+              </a:spcAft>
+              <a:defRPr/>
+            </a:pPr>
+            <a:r>
+              <a:rPr lang="en-US" sz="1400" dirty="0" smtClean="0">
+                <a:solidFill>
+                  <a:schemeClr val="bg2"/>
+                </a:solidFill>
+                <a:latin typeface="Consolas" pitchFamily="49" charset="0"/>
+                <a:ea typeface="ヒラギノ角ゴ Pro W3" charset="0"/>
+                <a:cs typeface="Consolas" pitchFamily="49" charset="0"/>
+              </a:rPr>
+              <a:t>   s.foo</a:t>
+            </a:r>
+            <a:r>
+              <a:rPr lang="en-US" sz="1400" dirty="0" smtClean="0">
+                <a:solidFill>
+                  <a:schemeClr val="bg2"/>
+                </a:solidFill>
+                <a:latin typeface="Consolas" pitchFamily="49" charset="0"/>
+                <a:ea typeface="ヒラギノ角ゴ Pro W3" charset="0"/>
+                <a:cs typeface="Consolas" pitchFamily="49" charset="0"/>
+              </a:rPr>
+              <a:t>();</a:t>
+            </a:r>
+            <a:endParaRPr lang="en-US" sz="1400" dirty="0" smtClean="0">
+              <a:solidFill>
+                <a:schemeClr val="bg2"/>
+              </a:solidFill>
+              <a:latin typeface="Consolas" pitchFamily="49" charset="0"/>
+              <a:ea typeface="ヒラギノ角ゴ Pro W3" charset="0"/>
+              <a:cs typeface="Consolas" pitchFamily="49" charset="0"/>
+            </a:endParaRPr>
+          </a:p>
+          <a:p>
+            <a:pPr marL="458788" lvl="1" indent="-228600">
+              <a:spcAft>
+                <a:spcPts val="0"/>
+              </a:spcAft>
+              <a:defRPr/>
+            </a:pPr>
+            <a:r>
+              <a:rPr lang="en-US" sz="1400" dirty="0" smtClean="0">
+                <a:solidFill>
+                  <a:schemeClr val="bg2"/>
+                </a:solidFill>
+                <a:latin typeface="Consolas" pitchFamily="49" charset="0"/>
+                <a:ea typeface="ヒラギノ角ゴ Pro W3" charset="0"/>
+                <a:cs typeface="Consolas" pitchFamily="49" charset="0"/>
+              </a:rPr>
+              <a:t>}</a:t>
+            </a:r>
+            <a:endParaRPr lang="en-US" sz="1400" dirty="0"/>
+          </a:p>
+        </p:txBody>
+      </p:sp>
+      <p:sp>
+        <p:nvSpPr>
+          <p:cNvPr id="12" name="Rectangle 11"/>
+          <p:cNvSpPr/>
+          <p:nvPr/>
+        </p:nvSpPr>
+        <p:spPr>
+          <a:xfrm>
+            <a:off x="6408712" y="901045"/>
+            <a:ext cx="4572000" cy="2246769"/>
+          </a:xfrm>
+          <a:prstGeom prst="rect">
+            <a:avLst/>
+          </a:prstGeom>
+        </p:spPr>
+        <p:txBody>
+          <a:bodyPr>
+            <a:spAutoFit/>
+          </a:bodyPr>
+          <a:lstStyle/>
+          <a:p>
+            <a:pPr marL="458788" lvl="1" indent="-228600">
+              <a:spcAft>
+                <a:spcPts val="0"/>
+              </a:spcAft>
+              <a:defRPr/>
+            </a:pPr>
+            <a:r>
+              <a:rPr lang="en-US" sz="1400" dirty="0" smtClean="0">
+                <a:solidFill>
+                  <a:schemeClr val="bg2"/>
+                </a:solidFill>
+                <a:latin typeface="Consolas" pitchFamily="49" charset="0"/>
+                <a:ea typeface="ヒラギノ角ゴ Pro W3" charset="0"/>
+                <a:cs typeface="Consolas" pitchFamily="49" charset="0"/>
+              </a:rPr>
+              <a:t>// </a:t>
+            </a:r>
+            <a:r>
+              <a:rPr lang="en-US" sz="1400" dirty="0" smtClean="0">
+                <a:solidFill>
+                  <a:schemeClr val="bg2"/>
+                </a:solidFill>
+                <a:latin typeface="Consolas" pitchFamily="49" charset="0"/>
+                <a:ea typeface="ヒラギノ角ゴ Pro W3" charset="0"/>
+                <a:cs typeface="Consolas" pitchFamily="49" charset="0"/>
+              </a:rPr>
+              <a:t>main.cpp</a:t>
+            </a:r>
+            <a:endParaRPr lang="en-US" sz="1400" dirty="0" smtClean="0">
+              <a:solidFill>
+                <a:schemeClr val="bg2"/>
+              </a:solidFill>
+              <a:latin typeface="Consolas" pitchFamily="49" charset="0"/>
+              <a:ea typeface="ヒラギノ角ゴ Pro W3" charset="0"/>
+              <a:cs typeface="Consolas" pitchFamily="49" charset="0"/>
+            </a:endParaRPr>
+          </a:p>
+          <a:p>
+            <a:pPr marL="458788" lvl="1" indent="-228600">
+              <a:spcAft>
+                <a:spcPts val="0"/>
+              </a:spcAft>
+              <a:defRPr/>
+            </a:pPr>
+            <a:endParaRPr lang="en-US" sz="1400" dirty="0" smtClean="0">
+              <a:solidFill>
+                <a:schemeClr val="bg2"/>
+              </a:solidFill>
+              <a:latin typeface="Consolas" pitchFamily="49" charset="0"/>
+              <a:ea typeface="ヒラギノ角ゴ Pro W3" charset="0"/>
+              <a:cs typeface="Consolas" pitchFamily="49" charset="0"/>
+            </a:endParaRPr>
+          </a:p>
+          <a:p>
+            <a:pPr marL="458788" lvl="1" indent="-228600">
+              <a:spcAft>
+                <a:spcPts val="0"/>
+              </a:spcAft>
+              <a:defRPr/>
+            </a:pPr>
+            <a:r>
+              <a:rPr lang="en-US" sz="1400" dirty="0" smtClean="0">
+                <a:solidFill>
+                  <a:schemeClr val="bg2"/>
+                </a:solidFill>
+                <a:latin typeface="Consolas" pitchFamily="49" charset="0"/>
+                <a:ea typeface="ヒラギノ角ゴ Pro W3" charset="0"/>
+                <a:cs typeface="Consolas" pitchFamily="49" charset="0"/>
+              </a:rPr>
+              <a:t>void </a:t>
+            </a:r>
+            <a:r>
+              <a:rPr lang="en-US" sz="1400" dirty="0" err="1" smtClean="0">
+                <a:solidFill>
+                  <a:schemeClr val="bg2"/>
+                </a:solidFill>
+                <a:latin typeface="Consolas" pitchFamily="49" charset="0"/>
+                <a:ea typeface="ヒラギノ角ゴ Pro W3" charset="0"/>
+                <a:cs typeface="Consolas" pitchFamily="49" charset="0"/>
+              </a:rPr>
+              <a:t>fooA</a:t>
+            </a:r>
+            <a:r>
+              <a:rPr lang="en-US" sz="1400" dirty="0" smtClean="0">
+                <a:solidFill>
+                  <a:schemeClr val="bg2"/>
+                </a:solidFill>
+                <a:latin typeface="Consolas" pitchFamily="49" charset="0"/>
+                <a:ea typeface="ヒラギノ角ゴ Pro W3" charset="0"/>
+                <a:cs typeface="Consolas" pitchFamily="49" charset="0"/>
+              </a:rPr>
+              <a:t>();</a:t>
+            </a:r>
+          </a:p>
+          <a:p>
+            <a:pPr marL="458788" lvl="1" indent="-228600">
+              <a:spcAft>
+                <a:spcPts val="0"/>
+              </a:spcAft>
+              <a:defRPr/>
+            </a:pPr>
+            <a:r>
+              <a:rPr lang="en-US" sz="1400" dirty="0" smtClean="0">
+                <a:solidFill>
+                  <a:schemeClr val="bg2"/>
+                </a:solidFill>
+                <a:latin typeface="Consolas" pitchFamily="49" charset="0"/>
+                <a:ea typeface="ヒラギノ角ゴ Pro W3" charset="0"/>
+                <a:cs typeface="Consolas" pitchFamily="49" charset="0"/>
+              </a:rPr>
+              <a:t>void </a:t>
+            </a:r>
+            <a:r>
+              <a:rPr lang="en-US" sz="1400" dirty="0" err="1" smtClean="0">
+                <a:solidFill>
+                  <a:schemeClr val="bg2"/>
+                </a:solidFill>
+                <a:latin typeface="Consolas" pitchFamily="49" charset="0"/>
+                <a:ea typeface="ヒラギノ角ゴ Pro W3" charset="0"/>
+                <a:cs typeface="Consolas" pitchFamily="49" charset="0"/>
+              </a:rPr>
+              <a:t>fooB</a:t>
+            </a:r>
+            <a:r>
+              <a:rPr lang="en-US" sz="1400" dirty="0" smtClean="0">
+                <a:solidFill>
+                  <a:schemeClr val="bg2"/>
+                </a:solidFill>
+                <a:latin typeface="Consolas" pitchFamily="49" charset="0"/>
+                <a:ea typeface="ヒラギノ角ゴ Pro W3" charset="0"/>
+                <a:cs typeface="Consolas" pitchFamily="49" charset="0"/>
+              </a:rPr>
+              <a:t>();</a:t>
+            </a:r>
+          </a:p>
+          <a:p>
+            <a:pPr marL="458788" lvl="1" indent="-228600">
+              <a:spcAft>
+                <a:spcPts val="0"/>
+              </a:spcAft>
+              <a:defRPr/>
+            </a:pPr>
+            <a:endParaRPr lang="en-US" sz="1400" dirty="0" smtClean="0">
+              <a:solidFill>
+                <a:schemeClr val="bg2"/>
+              </a:solidFill>
+              <a:latin typeface="Consolas" pitchFamily="49" charset="0"/>
+              <a:ea typeface="ヒラギノ角ゴ Pro W3" charset="0"/>
+              <a:cs typeface="Consolas" pitchFamily="49" charset="0"/>
+            </a:endParaRPr>
+          </a:p>
+          <a:p>
+            <a:pPr marL="458788" lvl="1" indent="-228600">
+              <a:spcAft>
+                <a:spcPts val="0"/>
+              </a:spcAft>
+              <a:defRPr/>
+            </a:pPr>
+            <a:r>
+              <a:rPr lang="en-US" sz="1400" dirty="0" err="1" smtClean="0">
+                <a:solidFill>
+                  <a:schemeClr val="bg2"/>
+                </a:solidFill>
+                <a:latin typeface="Consolas" pitchFamily="49" charset="0"/>
+                <a:ea typeface="ヒラギノ角ゴ Pro W3" charset="0"/>
+                <a:cs typeface="Consolas" pitchFamily="49" charset="0"/>
+              </a:rPr>
+              <a:t>int</a:t>
+            </a:r>
+            <a:r>
+              <a:rPr lang="en-US" sz="1400" dirty="0" smtClean="0">
+                <a:solidFill>
+                  <a:schemeClr val="bg2"/>
+                </a:solidFill>
+                <a:latin typeface="Consolas" pitchFamily="49" charset="0"/>
+                <a:ea typeface="ヒラギノ角ゴ Pro W3" charset="0"/>
+                <a:cs typeface="Consolas" pitchFamily="49" charset="0"/>
+              </a:rPr>
+              <a:t> main()</a:t>
+            </a:r>
+          </a:p>
+          <a:p>
+            <a:pPr marL="458788" lvl="1" indent="-228600">
+              <a:spcAft>
+                <a:spcPts val="0"/>
+              </a:spcAft>
+              <a:defRPr/>
+            </a:pPr>
+            <a:r>
+              <a:rPr lang="en-US" sz="1400" dirty="0" smtClean="0">
+                <a:solidFill>
+                  <a:schemeClr val="bg2"/>
+                </a:solidFill>
+                <a:latin typeface="Consolas" pitchFamily="49" charset="0"/>
+                <a:ea typeface="ヒラギノ角ゴ Pro W3" charset="0"/>
+                <a:cs typeface="Consolas" pitchFamily="49" charset="0"/>
+              </a:rPr>
+              <a:t>{</a:t>
+            </a:r>
+          </a:p>
+          <a:p>
+            <a:pPr marL="458788" lvl="1" indent="-228600">
+              <a:spcAft>
+                <a:spcPts val="0"/>
+              </a:spcAft>
+              <a:defRPr/>
+            </a:pPr>
+            <a:r>
+              <a:rPr lang="en-US" sz="1400" dirty="0" smtClean="0">
+                <a:solidFill>
+                  <a:schemeClr val="bg2"/>
+                </a:solidFill>
+                <a:latin typeface="Consolas" pitchFamily="49" charset="0"/>
+                <a:ea typeface="ヒラギノ角ゴ Pro W3" charset="0"/>
+                <a:cs typeface="Consolas" pitchFamily="49" charset="0"/>
+              </a:rPr>
+              <a:t>    </a:t>
+            </a:r>
+            <a:r>
+              <a:rPr lang="en-US" sz="1400" dirty="0" err="1" smtClean="0">
+                <a:solidFill>
+                  <a:schemeClr val="bg2"/>
+                </a:solidFill>
+                <a:latin typeface="Consolas" pitchFamily="49" charset="0"/>
+                <a:ea typeface="ヒラギノ角ゴ Pro W3" charset="0"/>
+                <a:cs typeface="Consolas" pitchFamily="49" charset="0"/>
+              </a:rPr>
+              <a:t>fooA</a:t>
+            </a:r>
+            <a:r>
+              <a:rPr lang="en-US" sz="1400" dirty="0" smtClean="0">
+                <a:solidFill>
+                  <a:schemeClr val="bg2"/>
+                </a:solidFill>
+                <a:latin typeface="Consolas" pitchFamily="49" charset="0"/>
+                <a:ea typeface="ヒラギノ角ゴ Pro W3" charset="0"/>
+                <a:cs typeface="Consolas" pitchFamily="49" charset="0"/>
+              </a:rPr>
+              <a:t>();</a:t>
+            </a:r>
+          </a:p>
+          <a:p>
+            <a:pPr marL="458788" lvl="1" indent="-228600">
+              <a:spcAft>
+                <a:spcPts val="0"/>
+              </a:spcAft>
+              <a:defRPr/>
+            </a:pPr>
+            <a:r>
+              <a:rPr lang="en-US" sz="1400" dirty="0" smtClean="0">
+                <a:solidFill>
+                  <a:schemeClr val="bg2"/>
+                </a:solidFill>
+                <a:latin typeface="Consolas" pitchFamily="49" charset="0"/>
+                <a:ea typeface="ヒラギノ角ゴ Pro W3" charset="0"/>
+                <a:cs typeface="Consolas" pitchFamily="49" charset="0"/>
+              </a:rPr>
+              <a:t>    </a:t>
+            </a:r>
+            <a:r>
+              <a:rPr lang="en-US" sz="1400" dirty="0" err="1" smtClean="0">
+                <a:solidFill>
+                  <a:schemeClr val="bg2"/>
+                </a:solidFill>
+                <a:latin typeface="Consolas" pitchFamily="49" charset="0"/>
+                <a:ea typeface="ヒラギノ角ゴ Pro W3" charset="0"/>
+                <a:cs typeface="Consolas" pitchFamily="49" charset="0"/>
+              </a:rPr>
+              <a:t>fooB</a:t>
+            </a:r>
+            <a:r>
+              <a:rPr lang="en-US" sz="1400" dirty="0" smtClean="0">
+                <a:solidFill>
+                  <a:schemeClr val="bg2"/>
+                </a:solidFill>
+                <a:latin typeface="Consolas" pitchFamily="49" charset="0"/>
+                <a:ea typeface="ヒラギノ角ゴ Pro W3" charset="0"/>
+                <a:cs typeface="Consolas" pitchFamily="49" charset="0"/>
+              </a:rPr>
+              <a:t>();</a:t>
+            </a:r>
+          </a:p>
+          <a:p>
+            <a:pPr marL="458788" lvl="1" indent="-228600">
+              <a:spcAft>
+                <a:spcPts val="0"/>
+              </a:spcAft>
+              <a:defRPr/>
+            </a:pPr>
+            <a:r>
+              <a:rPr lang="en-US" sz="1400" dirty="0" smtClean="0">
+                <a:solidFill>
+                  <a:schemeClr val="bg2"/>
+                </a:solidFill>
+                <a:latin typeface="Consolas" pitchFamily="49" charset="0"/>
+                <a:ea typeface="ヒラギノ角ゴ Pro W3" charset="0"/>
+                <a:cs typeface="Consolas" pitchFamily="49" charset="0"/>
+              </a:rPr>
+              <a:t>}</a:t>
+            </a:r>
+            <a:endParaRPr lang="en-US" sz="1400" dirty="0"/>
           </a:p>
         </p:txBody>
       </p:sp>
@@ -8209,7 +11145,7 @@
         </p:nvSpPr>
         <p:spPr>
           <a:xfrm>
-            <a:off x="416169" y="435143"/>
+            <a:off x="416169" y="219119"/>
             <a:ext cx="8229600" cy="480423"/>
           </a:xfrm>
         </p:spPr>
@@ -8220,7 +11156,11 @@
             <a:pPr algn="ctr"/>
             <a:r>
               <a:rPr lang="en-US" sz="3200" dirty="0" smtClean="0"/>
-              <a:t>Do linker throws away unused code?</a:t>
+              <a:t>Hereditary </a:t>
+            </a:r>
+            <a:r>
+              <a:rPr lang="en-US" sz="3200" dirty="0" err="1" smtClean="0"/>
+              <a:t>desease</a:t>
             </a:r>
             <a:endParaRPr lang="en-US" sz="3200" dirty="0"/>
           </a:p>
@@ -8253,6 +11193,7 @@
               <a:rPr lang="en-US" sz="2400" dirty="0" smtClean="0"/>
               <a:t> </a:t>
             </a:r>
+            <a:endParaRPr lang="en-US" sz="2400" dirty="0" smtClean="0"/>
           </a:p>
         </p:txBody>
       </p:sp>
@@ -8286,76 +11227,491 @@
       </p:sp>
       <p:sp>
         <p:nvSpPr>
-          <p:cNvPr id="5" name="Content Placeholder 2"/>
-          <p:cNvSpPr txBox="1">
-            <a:spLocks/>
-          </p:cNvSpPr>
+          <p:cNvPr id="11" name="Rectangle 10"/>
+          <p:cNvSpPr/>
           <p:nvPr/>
         </p:nvSpPr>
-        <p:spPr bwMode="auto">
+        <p:spPr>
           <a:xfrm>
-            <a:off x="570520" y="1203598"/>
-            <a:ext cx="8227649" cy="2952328"/>
+            <a:off x="755576" y="915566"/>
+            <a:ext cx="4259499" cy="1600438"/>
           </a:xfrm>
           <a:prstGeom prst="rect">
             <a:avLst/>
           </a:prstGeom>
-          <a:noFill/>
-          <a:ln w="9525">
-            <a:noFill/>
-            <a:miter lim="800000"/>
-            <a:headEnd/>
-            <a:tailEnd/>
-          </a:ln>
         </p:spPr>
         <p:txBody>
-          <a:bodyPr vert="horz" wrap="square" lIns="0" tIns="0" rIns="0" bIns="0" numCol="1" anchor="t" anchorCtr="0" compatLnSpc="1">
-            <a:prstTxWarp prst="textNoShape">
-              <a:avLst/>
-            </a:prstTxWarp>
+          <a:bodyPr wrap="none">
+            <a:spAutoFit/>
           </a:bodyPr>
           <a:lstStyle/>
           <a:p>
-            <a:pPr marL="458788" marR="0" lvl="1" indent="-228600" algn="l" defTabSz="457200" rtl="0" eaLnBrk="1" fontAlgn="base" latinLnBrk="0" hangingPunct="1">
-              <a:lnSpc>
-                <a:spcPct val="100000"/>
-              </a:lnSpc>
-              <a:spcBef>
-                <a:spcPct val="0"/>
-              </a:spcBef>
-              <a:spcAft>
-                <a:spcPts val="600"/>
-              </a:spcAft>
-              <a:buClrTx/>
-              <a:buSzTx/>
-              <a:buFont typeface="Arial" pitchFamily="34" charset="0"/>
-              <a:buChar char="•"/>
-              <a:tabLst/>
-              <a:defRPr/>
-            </a:pPr>
-            <a:r>
-              <a:rPr lang="en-US" sz="2400" dirty="0" smtClean="0">
-                <a:solidFill>
-                  <a:schemeClr val="bg2"/>
-                </a:solidFill>
-                <a:latin typeface="+mn-lt"/>
-                <a:ea typeface="ヒラギノ角ゴ Pro W3" charset="0"/>
-              </a:rPr>
-              <a:t>Prepare example of another mistake with unused code.</a:t>
-            </a:r>
-            <a:endParaRPr kumimoji="0" lang="en-US" sz="2400" b="0" i="0" u="none" strike="noStrike" kern="1200" cap="none" spc="0" normalizeH="0" baseline="0" noProof="0" dirty="0" smtClean="0">
-              <a:ln>
-                <a:noFill/>
-              </a:ln>
+            <a:r>
+              <a:rPr lang="en-US" sz="1400" dirty="0" smtClean="0">
+                <a:solidFill>
+                  <a:schemeClr val="bg2"/>
+                </a:solidFill>
+                <a:latin typeface="Consolas" pitchFamily="49" charset="0"/>
+                <a:ea typeface="ヒラギノ角ゴ Pro W3" charset="0"/>
+                <a:cs typeface="Consolas" pitchFamily="49" charset="0"/>
+              </a:rPr>
+              <a:t>$ </a:t>
+            </a:r>
+            <a:r>
+              <a:rPr lang="en-US" sz="1400" dirty="0" smtClean="0">
+                <a:solidFill>
+                  <a:schemeClr val="bg2"/>
+                </a:solidFill>
+                <a:latin typeface="Consolas" pitchFamily="49" charset="0"/>
+                <a:ea typeface="ヒラギノ角ゴ Pro W3" charset="0"/>
+                <a:cs typeface="Consolas" pitchFamily="49" charset="0"/>
+              </a:rPr>
+              <a:t>g</a:t>
+            </a:r>
+            <a:r>
+              <a:rPr lang="en-US" sz="1400" dirty="0" smtClean="0">
+                <a:solidFill>
+                  <a:schemeClr val="bg2"/>
+                </a:solidFill>
+                <a:latin typeface="Consolas" pitchFamily="49" charset="0"/>
+                <a:ea typeface="ヒラギノ角ゴ Pro W3" charset="0"/>
+                <a:cs typeface="Consolas" pitchFamily="49" charset="0"/>
+              </a:rPr>
+              <a:t>++ -c -Wall -</a:t>
+            </a:r>
+            <a:r>
+              <a:rPr lang="en-US" sz="1400" dirty="0" err="1" smtClean="0">
+                <a:solidFill>
+                  <a:schemeClr val="bg2"/>
+                </a:solidFill>
+                <a:latin typeface="Consolas" pitchFamily="49" charset="0"/>
+                <a:ea typeface="ヒラギノ角ゴ Pro W3" charset="0"/>
+                <a:cs typeface="Consolas" pitchFamily="49" charset="0"/>
+              </a:rPr>
+              <a:t>Werror</a:t>
+            </a:r>
+            <a:r>
+              <a:rPr lang="en-US" sz="1400" dirty="0" smtClean="0">
+                <a:solidFill>
+                  <a:schemeClr val="bg2"/>
+                </a:solidFill>
+                <a:latin typeface="Consolas" pitchFamily="49" charset="0"/>
+                <a:ea typeface="ヒラギノ角ゴ Pro W3" charset="0"/>
+                <a:cs typeface="Consolas" pitchFamily="49" charset="0"/>
+              </a:rPr>
+              <a:t> </a:t>
+            </a:r>
+            <a:r>
+              <a:rPr lang="en-US" sz="1400" dirty="0" smtClean="0">
+                <a:solidFill>
+                  <a:schemeClr val="bg2"/>
+                </a:solidFill>
+                <a:latin typeface="Consolas" pitchFamily="49" charset="0"/>
+                <a:ea typeface="ヒラギノ角ゴ Pro W3" charset="0"/>
+                <a:cs typeface="Consolas" pitchFamily="49" charset="0"/>
+              </a:rPr>
+              <a:t>–o </a:t>
+            </a:r>
+            <a:r>
+              <a:rPr lang="en-US" sz="1400" dirty="0" err="1" smtClean="0">
+                <a:solidFill>
+                  <a:schemeClr val="bg2"/>
+                </a:solidFill>
+                <a:latin typeface="Consolas" pitchFamily="49" charset="0"/>
+                <a:ea typeface="ヒラギノ角ゴ Pro W3" charset="0"/>
+                <a:cs typeface="Consolas" pitchFamily="49" charset="0"/>
+              </a:rPr>
+              <a:t>A.o</a:t>
+            </a:r>
+            <a:r>
+              <a:rPr lang="en-US" sz="1400" dirty="0" smtClean="0">
+                <a:solidFill>
+                  <a:schemeClr val="bg2"/>
+                </a:solidFill>
+                <a:latin typeface="Consolas" pitchFamily="49" charset="0"/>
+                <a:ea typeface="ヒラギノ角ゴ Pro W3" charset="0"/>
+                <a:cs typeface="Consolas" pitchFamily="49" charset="0"/>
+              </a:rPr>
+              <a:t> A.cpp</a:t>
+            </a:r>
+            <a:endParaRPr lang="en-US" sz="1400" dirty="0" smtClean="0">
               <a:solidFill>
                 <a:schemeClr val="bg2"/>
               </a:solidFill>
-              <a:effectLst/>
-              <a:uLnTx/>
-              <a:uFillTx/>
-              <a:latin typeface="+mn-lt"/>
+              <a:latin typeface="Consolas" pitchFamily="49" charset="0"/>
               <a:ea typeface="ヒラギノ角ゴ Pro W3" charset="0"/>
-              <a:cs typeface="ヒラギノ角ゴ Pro W3"/>
+              <a:cs typeface="Consolas" pitchFamily="49" charset="0"/>
+            </a:endParaRPr>
+          </a:p>
+          <a:p>
+            <a:r>
+              <a:rPr lang="en-US" sz="1400" dirty="0" smtClean="0">
+                <a:solidFill>
+                  <a:schemeClr val="bg2"/>
+                </a:solidFill>
+                <a:latin typeface="Consolas" pitchFamily="49" charset="0"/>
+                <a:ea typeface="ヒラギノ角ゴ Pro W3" charset="0"/>
+                <a:cs typeface="Consolas" pitchFamily="49" charset="0"/>
+              </a:rPr>
+              <a:t>$ </a:t>
+            </a:r>
+            <a:r>
+              <a:rPr lang="en-US" sz="1400" dirty="0" smtClean="0">
+                <a:solidFill>
+                  <a:schemeClr val="bg2"/>
+                </a:solidFill>
+                <a:latin typeface="Consolas" pitchFamily="49" charset="0"/>
+                <a:ea typeface="ヒラギノ角ゴ Pro W3" charset="0"/>
+                <a:cs typeface="Consolas" pitchFamily="49" charset="0"/>
+              </a:rPr>
+              <a:t>g</a:t>
+            </a:r>
+            <a:r>
+              <a:rPr lang="en-US" sz="1400" dirty="0" smtClean="0">
+                <a:solidFill>
+                  <a:schemeClr val="bg2"/>
+                </a:solidFill>
+                <a:latin typeface="Consolas" pitchFamily="49" charset="0"/>
+                <a:ea typeface="ヒラギノ角ゴ Pro W3" charset="0"/>
+                <a:cs typeface="Consolas" pitchFamily="49" charset="0"/>
+              </a:rPr>
+              <a:t>++ -c -Wall -</a:t>
+            </a:r>
+            <a:r>
+              <a:rPr lang="en-US" sz="1400" dirty="0" err="1" smtClean="0">
+                <a:solidFill>
+                  <a:schemeClr val="bg2"/>
+                </a:solidFill>
+                <a:latin typeface="Consolas" pitchFamily="49" charset="0"/>
+                <a:ea typeface="ヒラギノ角ゴ Pro W3" charset="0"/>
+                <a:cs typeface="Consolas" pitchFamily="49" charset="0"/>
+              </a:rPr>
+              <a:t>Werror</a:t>
+            </a:r>
+            <a:r>
+              <a:rPr lang="en-US" sz="1400" dirty="0" smtClean="0">
+                <a:solidFill>
+                  <a:schemeClr val="bg2"/>
+                </a:solidFill>
+                <a:latin typeface="Consolas" pitchFamily="49" charset="0"/>
+                <a:ea typeface="ヒラギノ角ゴ Pro W3" charset="0"/>
+                <a:cs typeface="Consolas" pitchFamily="49" charset="0"/>
+              </a:rPr>
+              <a:t> </a:t>
+            </a:r>
+            <a:r>
+              <a:rPr lang="en-US" sz="1400" dirty="0" smtClean="0">
+                <a:solidFill>
+                  <a:schemeClr val="bg2"/>
+                </a:solidFill>
+                <a:latin typeface="Consolas" pitchFamily="49" charset="0"/>
+                <a:ea typeface="ヒラギノ角ゴ Pro W3" charset="0"/>
+                <a:cs typeface="Consolas" pitchFamily="49" charset="0"/>
+              </a:rPr>
+              <a:t>–o </a:t>
+            </a:r>
+            <a:r>
+              <a:rPr lang="en-US" sz="1400" dirty="0" err="1" smtClean="0">
+                <a:solidFill>
+                  <a:schemeClr val="bg2"/>
+                </a:solidFill>
+                <a:latin typeface="Consolas" pitchFamily="49" charset="0"/>
+                <a:ea typeface="ヒラギノ角ゴ Pro W3" charset="0"/>
+                <a:cs typeface="Consolas" pitchFamily="49" charset="0"/>
+              </a:rPr>
+              <a:t>B.o</a:t>
+            </a:r>
+            <a:r>
+              <a:rPr lang="en-US" sz="1400" dirty="0" smtClean="0">
+                <a:solidFill>
+                  <a:schemeClr val="bg2"/>
+                </a:solidFill>
+                <a:latin typeface="Consolas" pitchFamily="49" charset="0"/>
+                <a:ea typeface="ヒラギノ角ゴ Pro W3" charset="0"/>
+                <a:cs typeface="Consolas" pitchFamily="49" charset="0"/>
+              </a:rPr>
+              <a:t> B.cpp</a:t>
+            </a:r>
+            <a:endParaRPr lang="en-US" sz="1400" dirty="0" smtClean="0">
+              <a:solidFill>
+                <a:schemeClr val="bg2"/>
+              </a:solidFill>
+              <a:latin typeface="Consolas" pitchFamily="49" charset="0"/>
+              <a:ea typeface="ヒラギノ角ゴ Pro W3" charset="0"/>
+              <a:cs typeface="Consolas" pitchFamily="49" charset="0"/>
+            </a:endParaRPr>
+          </a:p>
+          <a:p>
+            <a:r>
+              <a:rPr lang="en-US" sz="1400" dirty="0" smtClean="0">
+                <a:solidFill>
+                  <a:schemeClr val="bg2"/>
+                </a:solidFill>
+                <a:latin typeface="Consolas" pitchFamily="49" charset="0"/>
+                <a:ea typeface="ヒラギノ角ゴ Pro W3" charset="0"/>
+                <a:cs typeface="Consolas" pitchFamily="49" charset="0"/>
+              </a:rPr>
+              <a:t>$ </a:t>
+            </a:r>
+            <a:r>
+              <a:rPr lang="en-US" sz="1400" dirty="0" smtClean="0">
+                <a:solidFill>
+                  <a:schemeClr val="bg2"/>
+                </a:solidFill>
+                <a:latin typeface="Consolas" pitchFamily="49" charset="0"/>
+                <a:ea typeface="ヒラギノ角ゴ Pro W3" charset="0"/>
+                <a:cs typeface="Consolas" pitchFamily="49" charset="0"/>
+              </a:rPr>
+              <a:t>g</a:t>
+            </a:r>
+            <a:r>
+              <a:rPr lang="en-US" sz="1400" dirty="0" smtClean="0">
+                <a:solidFill>
+                  <a:schemeClr val="bg2"/>
+                </a:solidFill>
+                <a:latin typeface="Consolas" pitchFamily="49" charset="0"/>
+                <a:ea typeface="ヒラギノ角ゴ Pro W3" charset="0"/>
+                <a:cs typeface="Consolas" pitchFamily="49" charset="0"/>
+              </a:rPr>
+              <a:t>++ -c -Wall -</a:t>
+            </a:r>
+            <a:r>
+              <a:rPr lang="en-US" sz="1400" dirty="0" err="1" smtClean="0">
+                <a:solidFill>
+                  <a:schemeClr val="bg2"/>
+                </a:solidFill>
+                <a:latin typeface="Consolas" pitchFamily="49" charset="0"/>
+                <a:ea typeface="ヒラギノ角ゴ Pro W3" charset="0"/>
+                <a:cs typeface="Consolas" pitchFamily="49" charset="0"/>
+              </a:rPr>
+              <a:t>Werror</a:t>
+            </a:r>
+            <a:r>
+              <a:rPr lang="en-US" sz="1400" dirty="0" smtClean="0">
+                <a:solidFill>
+                  <a:schemeClr val="bg2"/>
+                </a:solidFill>
+                <a:latin typeface="Consolas" pitchFamily="49" charset="0"/>
+                <a:ea typeface="ヒラギノ角ゴ Pro W3" charset="0"/>
+                <a:cs typeface="Consolas" pitchFamily="49" charset="0"/>
+              </a:rPr>
+              <a:t> -o </a:t>
+            </a:r>
+            <a:r>
+              <a:rPr lang="en-US" sz="1400" dirty="0" err="1" smtClean="0">
+                <a:solidFill>
+                  <a:schemeClr val="bg2"/>
+                </a:solidFill>
+                <a:latin typeface="Consolas" pitchFamily="49" charset="0"/>
+                <a:ea typeface="ヒラギノ角ゴ Pro W3" charset="0"/>
+                <a:cs typeface="Consolas" pitchFamily="49" charset="0"/>
+              </a:rPr>
+              <a:t>main.o</a:t>
+            </a:r>
+            <a:r>
+              <a:rPr lang="en-US" sz="1400" dirty="0" smtClean="0">
+                <a:solidFill>
+                  <a:schemeClr val="bg2"/>
+                </a:solidFill>
+                <a:latin typeface="Consolas" pitchFamily="49" charset="0"/>
+                <a:ea typeface="ヒラギノ角ゴ Pro W3" charset="0"/>
+                <a:cs typeface="Consolas" pitchFamily="49" charset="0"/>
+              </a:rPr>
+              <a:t> main.cpp</a:t>
+            </a:r>
+            <a:endParaRPr lang="en-US" sz="1400" dirty="0" smtClean="0">
+              <a:solidFill>
+                <a:schemeClr val="bg2"/>
+              </a:solidFill>
+              <a:latin typeface="Consolas" pitchFamily="49" charset="0"/>
+              <a:ea typeface="ヒラギノ角ゴ Pro W3" charset="0"/>
+              <a:cs typeface="Consolas" pitchFamily="49" charset="0"/>
+            </a:endParaRPr>
+          </a:p>
+          <a:p>
+            <a:r>
+              <a:rPr lang="en-US" sz="1400" dirty="0" smtClean="0">
+                <a:solidFill>
+                  <a:schemeClr val="bg2"/>
+                </a:solidFill>
+                <a:latin typeface="Consolas" pitchFamily="49" charset="0"/>
+                <a:ea typeface="ヒラギノ角ゴ Pro W3" charset="0"/>
+                <a:cs typeface="Consolas" pitchFamily="49" charset="0"/>
+              </a:rPr>
+              <a:t>$ </a:t>
+            </a:r>
+            <a:r>
+              <a:rPr lang="en-US" sz="1400" dirty="0" smtClean="0">
+                <a:solidFill>
+                  <a:schemeClr val="bg2"/>
+                </a:solidFill>
+                <a:latin typeface="Consolas" pitchFamily="49" charset="0"/>
+                <a:ea typeface="ヒラギノ角ゴ Pro W3" charset="0"/>
+                <a:cs typeface="Consolas" pitchFamily="49" charset="0"/>
+              </a:rPr>
+              <a:t>g</a:t>
+            </a:r>
+            <a:r>
+              <a:rPr lang="en-US" sz="1400" dirty="0" smtClean="0">
+                <a:solidFill>
+                  <a:schemeClr val="bg2"/>
+                </a:solidFill>
+                <a:latin typeface="Consolas" pitchFamily="49" charset="0"/>
+                <a:ea typeface="ヒラギノ角ゴ Pro W3" charset="0"/>
+                <a:cs typeface="Consolas" pitchFamily="49" charset="0"/>
+              </a:rPr>
+              <a:t>++ -o </a:t>
+            </a:r>
+            <a:r>
+              <a:rPr lang="en-US" sz="1400" dirty="0" err="1" smtClean="0">
+                <a:solidFill>
+                  <a:schemeClr val="bg2"/>
+                </a:solidFill>
+                <a:latin typeface="Consolas" pitchFamily="49" charset="0"/>
+                <a:ea typeface="ヒラギノ角ゴ Pro W3" charset="0"/>
+                <a:cs typeface="Consolas" pitchFamily="49" charset="0"/>
+              </a:rPr>
+              <a:t>simpleExample</a:t>
+            </a:r>
+            <a:r>
+              <a:rPr lang="en-US" sz="1400" dirty="0" smtClean="0">
+                <a:solidFill>
+                  <a:schemeClr val="bg2"/>
+                </a:solidFill>
+                <a:latin typeface="Consolas" pitchFamily="49" charset="0"/>
+                <a:ea typeface="ヒラギノ角ゴ Pro W3" charset="0"/>
+                <a:cs typeface="Consolas" pitchFamily="49" charset="0"/>
+              </a:rPr>
+              <a:t> </a:t>
+            </a:r>
+            <a:r>
+              <a:rPr lang="en-US" sz="1400" dirty="0" err="1" smtClean="0">
+                <a:solidFill>
+                  <a:schemeClr val="bg2"/>
+                </a:solidFill>
+                <a:latin typeface="Consolas" pitchFamily="49" charset="0"/>
+                <a:ea typeface="ヒラギノ角ゴ Pro W3" charset="0"/>
+                <a:cs typeface="Consolas" pitchFamily="49" charset="0"/>
+              </a:rPr>
+              <a:t>A.o</a:t>
+            </a:r>
+            <a:r>
+              <a:rPr lang="en-US" sz="1400" dirty="0" smtClean="0">
+                <a:solidFill>
+                  <a:schemeClr val="bg2"/>
+                </a:solidFill>
+                <a:latin typeface="Consolas" pitchFamily="49" charset="0"/>
+                <a:ea typeface="ヒラギノ角ゴ Pro W3" charset="0"/>
+                <a:cs typeface="Consolas" pitchFamily="49" charset="0"/>
+              </a:rPr>
+              <a:t> </a:t>
+            </a:r>
+            <a:r>
+              <a:rPr lang="en-US" sz="1400" dirty="0" err="1" smtClean="0">
+                <a:solidFill>
+                  <a:schemeClr val="bg2"/>
+                </a:solidFill>
+                <a:latin typeface="Consolas" pitchFamily="49" charset="0"/>
+                <a:ea typeface="ヒラギノ角ゴ Pro W3" charset="0"/>
+                <a:cs typeface="Consolas" pitchFamily="49" charset="0"/>
+              </a:rPr>
+              <a:t>B.o</a:t>
+            </a:r>
+            <a:r>
+              <a:rPr lang="en-US" sz="1400" dirty="0" smtClean="0">
+                <a:solidFill>
+                  <a:schemeClr val="bg2"/>
+                </a:solidFill>
+                <a:latin typeface="Consolas" pitchFamily="49" charset="0"/>
+                <a:ea typeface="ヒラギノ角ゴ Pro W3" charset="0"/>
+                <a:cs typeface="Consolas" pitchFamily="49" charset="0"/>
+              </a:rPr>
+              <a:t> </a:t>
+            </a:r>
+            <a:r>
+              <a:rPr lang="en-US" sz="1400" dirty="0" err="1" smtClean="0">
+                <a:solidFill>
+                  <a:schemeClr val="bg2"/>
+                </a:solidFill>
+                <a:latin typeface="Consolas" pitchFamily="49" charset="0"/>
+                <a:ea typeface="ヒラギノ角ゴ Pro W3" charset="0"/>
+                <a:cs typeface="Consolas" pitchFamily="49" charset="0"/>
+              </a:rPr>
+              <a:t>main.o</a:t>
+            </a:r>
+            <a:endParaRPr lang="en-US" sz="1400" dirty="0" smtClean="0">
+              <a:solidFill>
+                <a:schemeClr val="bg2"/>
+              </a:solidFill>
+              <a:latin typeface="Consolas" pitchFamily="49" charset="0"/>
+              <a:ea typeface="ヒラギノ角ゴ Pro W3" charset="0"/>
+              <a:cs typeface="Consolas" pitchFamily="49" charset="0"/>
+            </a:endParaRPr>
+          </a:p>
+          <a:p>
+            <a:r>
+              <a:rPr lang="en-US" sz="1400" dirty="0" smtClean="0">
+                <a:solidFill>
+                  <a:schemeClr val="bg2"/>
+                </a:solidFill>
+                <a:latin typeface="Consolas" pitchFamily="49" charset="0"/>
+                <a:ea typeface="ヒラギノ角ゴ Pro W3" charset="0"/>
+                <a:cs typeface="Consolas" pitchFamily="49" charset="0"/>
+              </a:rPr>
+              <a:t>$ ./</a:t>
+            </a:r>
+            <a:r>
+              <a:rPr lang="en-US" sz="1400" dirty="0" err="1" smtClean="0">
+                <a:solidFill>
+                  <a:schemeClr val="bg2"/>
+                </a:solidFill>
+                <a:latin typeface="Consolas" pitchFamily="49" charset="0"/>
+                <a:ea typeface="ヒラギノ角ゴ Pro W3" charset="0"/>
+                <a:cs typeface="Consolas" pitchFamily="49" charset="0"/>
+              </a:rPr>
+              <a:t>simpleExample</a:t>
+            </a:r>
+            <a:endParaRPr lang="en-US" sz="1400" dirty="0" smtClean="0">
+              <a:solidFill>
+                <a:schemeClr val="bg2"/>
+              </a:solidFill>
+              <a:latin typeface="Consolas" pitchFamily="49" charset="0"/>
+              <a:ea typeface="ヒラギノ角ゴ Pro W3" charset="0"/>
+              <a:cs typeface="Consolas" pitchFamily="49" charset="0"/>
+            </a:endParaRPr>
+          </a:p>
+          <a:p>
+            <a:r>
+              <a:rPr lang="en-US" sz="1400" dirty="0" err="1" smtClean="0">
+                <a:solidFill>
+                  <a:schemeClr val="bg2"/>
+                </a:solidFill>
+                <a:latin typeface="Consolas" pitchFamily="49" charset="0"/>
+                <a:ea typeface="ヒラギノ角ゴ Pro W3" charset="0"/>
+                <a:cs typeface="Consolas" pitchFamily="49" charset="0"/>
+              </a:rPr>
+              <a:t>A.cpp</a:t>
+            </a:r>
+          </a:p>
+          <a:p>
+            <a:r>
+              <a:rPr lang="en-US" sz="1400" dirty="0" smtClean="0">
+                <a:solidFill>
+                  <a:schemeClr val="bg2"/>
+                </a:solidFill>
+                <a:latin typeface="Consolas" pitchFamily="49" charset="0"/>
+                <a:ea typeface="ヒラギノ角ゴ Pro W3" charset="0"/>
+                <a:cs typeface="Consolas" pitchFamily="49" charset="0"/>
+              </a:rPr>
+              <a:t>A.cpp</a:t>
+            </a:r>
+            <a:endParaRPr lang="en-US" sz="1400" dirty="0" smtClean="0">
+              <a:solidFill>
+                <a:schemeClr val="bg2"/>
+              </a:solidFill>
+              <a:latin typeface="Consolas" pitchFamily="49" charset="0"/>
+              <a:ea typeface="ヒラギノ角ゴ Pro W3" charset="0"/>
+              <a:cs typeface="Consolas" pitchFamily="49" charset="0"/>
             </a:endParaRPr>
           </a:p>
         </p:txBody>
@@ -8397,7 +11753,7 @@
         </p:nvSpPr>
         <p:spPr>
           <a:xfrm>
-            <a:off x="416169" y="435143"/>
+            <a:off x="416169" y="219119"/>
             <a:ext cx="8229600" cy="480423"/>
           </a:xfrm>
         </p:spPr>
@@ -8408,7 +11764,11 @@
             <a:pPr algn="ctr"/>
             <a:r>
               <a:rPr lang="en-US" sz="3200" dirty="0" smtClean="0"/>
-              <a:t>Static libraries</a:t>
+              <a:t>Hereditary </a:t>
+            </a:r>
+            <a:r>
+              <a:rPr lang="en-US" sz="3200" dirty="0" err="1" smtClean="0"/>
+              <a:t>desease</a:t>
             </a:r>
             <a:endParaRPr lang="en-US" sz="3200" dirty="0"/>
           </a:p>
@@ -8441,6 +11801,7 @@
               <a:rPr lang="en-US" sz="2400" dirty="0" smtClean="0"/>
               <a:t> </a:t>
             </a:r>
+            <a:endParaRPr lang="en-US" sz="2400" dirty="0" smtClean="0"/>
           </a:p>
         </p:txBody>
       </p:sp>
@@ -8474,142 +11835,815 @@
       </p:sp>
       <p:sp>
         <p:nvSpPr>
-          <p:cNvPr id="5" name="Content Placeholder 2"/>
-          <p:cNvSpPr txBox="1">
-            <a:spLocks/>
-          </p:cNvSpPr>
+          <p:cNvPr id="11" name="Rectangle 10"/>
+          <p:cNvSpPr/>
           <p:nvPr/>
         </p:nvSpPr>
-        <p:spPr bwMode="auto">
+        <p:spPr>
           <a:xfrm>
-            <a:off x="570520" y="1203598"/>
-            <a:ext cx="8227649" cy="2952328"/>
+            <a:off x="755576" y="915566"/>
+            <a:ext cx="4259499" cy="3108543"/>
           </a:xfrm>
           <a:prstGeom prst="rect">
             <a:avLst/>
           </a:prstGeom>
-          <a:noFill/>
-          <a:ln w="9525">
-            <a:noFill/>
-            <a:miter lim="800000"/>
-            <a:headEnd/>
-            <a:tailEnd/>
-          </a:ln>
         </p:spPr>
         <p:txBody>
-          <a:bodyPr vert="horz" wrap="square" lIns="0" tIns="0" rIns="0" bIns="0" numCol="1" anchor="t" anchorCtr="0" compatLnSpc="1">
-            <a:prstTxWarp prst="textNoShape">
-              <a:avLst/>
-            </a:prstTxWarp>
+          <a:bodyPr wrap="none">
+            <a:spAutoFit/>
           </a:bodyPr>
           <a:lstStyle/>
           <a:p>
-            <a:pPr marL="458788" marR="0" lvl="1" indent="-228600" algn="l" defTabSz="457200" rtl="0" eaLnBrk="1" fontAlgn="base" latinLnBrk="0" hangingPunct="1">
-              <a:lnSpc>
-                <a:spcPct val="100000"/>
-              </a:lnSpc>
-              <a:spcBef>
-                <a:spcPct val="0"/>
-              </a:spcBef>
-              <a:spcAft>
-                <a:spcPts val="600"/>
-              </a:spcAft>
-              <a:buClrTx/>
-              <a:buSzTx/>
-              <a:buFont typeface="Arial" pitchFamily="34" charset="0"/>
-              <a:buChar char="•"/>
-              <a:tabLst/>
-              <a:defRPr/>
-            </a:pPr>
-            <a:endParaRPr kumimoji="0" lang="en-US" sz="2400" b="0" i="0" u="none" strike="noStrike" kern="1200" cap="none" spc="0" normalizeH="0" baseline="0" noProof="0" dirty="0" smtClean="0">
-              <a:ln>
-                <a:noFill/>
-              </a:ln>
+            <a:r>
+              <a:rPr lang="en-US" sz="1400" dirty="0" smtClean="0">
+                <a:solidFill>
+                  <a:schemeClr val="bg2"/>
+                </a:solidFill>
+                <a:latin typeface="Consolas" pitchFamily="49" charset="0"/>
+                <a:ea typeface="ヒラギノ角ゴ Pro W3" charset="0"/>
+                <a:cs typeface="Consolas" pitchFamily="49" charset="0"/>
+              </a:rPr>
+              <a:t>$ </a:t>
+            </a:r>
+            <a:r>
+              <a:rPr lang="en-US" sz="1400" dirty="0" smtClean="0">
+                <a:solidFill>
+                  <a:schemeClr val="bg2"/>
+                </a:solidFill>
+                <a:latin typeface="Consolas" pitchFamily="49" charset="0"/>
+                <a:ea typeface="ヒラギノ角ゴ Pro W3" charset="0"/>
+                <a:cs typeface="Consolas" pitchFamily="49" charset="0"/>
+              </a:rPr>
+              <a:t>g</a:t>
+            </a:r>
+            <a:r>
+              <a:rPr lang="en-US" sz="1400" dirty="0" smtClean="0">
+                <a:solidFill>
+                  <a:schemeClr val="bg2"/>
+                </a:solidFill>
+                <a:latin typeface="Consolas" pitchFamily="49" charset="0"/>
+                <a:ea typeface="ヒラギノ角ゴ Pro W3" charset="0"/>
+                <a:cs typeface="Consolas" pitchFamily="49" charset="0"/>
+              </a:rPr>
+              <a:t>++ -c -Wall -</a:t>
+            </a:r>
+            <a:r>
+              <a:rPr lang="en-US" sz="1400" dirty="0" err="1" smtClean="0">
+                <a:solidFill>
+                  <a:schemeClr val="bg2"/>
+                </a:solidFill>
+                <a:latin typeface="Consolas" pitchFamily="49" charset="0"/>
+                <a:ea typeface="ヒラギノ角ゴ Pro W3" charset="0"/>
+                <a:cs typeface="Consolas" pitchFamily="49" charset="0"/>
+              </a:rPr>
+              <a:t>Werror</a:t>
+            </a:r>
+            <a:r>
+              <a:rPr lang="en-US" sz="1400" dirty="0" smtClean="0">
+                <a:solidFill>
+                  <a:schemeClr val="bg2"/>
+                </a:solidFill>
+                <a:latin typeface="Consolas" pitchFamily="49" charset="0"/>
+                <a:ea typeface="ヒラギノ角ゴ Pro W3" charset="0"/>
+                <a:cs typeface="Consolas" pitchFamily="49" charset="0"/>
+              </a:rPr>
+              <a:t> </a:t>
+            </a:r>
+            <a:r>
+              <a:rPr lang="en-US" sz="1400" dirty="0" smtClean="0">
+                <a:solidFill>
+                  <a:schemeClr val="bg2"/>
+                </a:solidFill>
+                <a:latin typeface="Consolas" pitchFamily="49" charset="0"/>
+                <a:ea typeface="ヒラギノ角ゴ Pro W3" charset="0"/>
+                <a:cs typeface="Consolas" pitchFamily="49" charset="0"/>
+              </a:rPr>
+              <a:t>–o </a:t>
+            </a:r>
+            <a:r>
+              <a:rPr lang="en-US" sz="1400" dirty="0" err="1" smtClean="0">
+                <a:solidFill>
+                  <a:schemeClr val="bg2"/>
+                </a:solidFill>
+                <a:latin typeface="Consolas" pitchFamily="49" charset="0"/>
+                <a:ea typeface="ヒラギノ角ゴ Pro W3" charset="0"/>
+                <a:cs typeface="Consolas" pitchFamily="49" charset="0"/>
+              </a:rPr>
+              <a:t>A.o</a:t>
+            </a:r>
+            <a:r>
+              <a:rPr lang="en-US" sz="1400" dirty="0" smtClean="0">
+                <a:solidFill>
+                  <a:schemeClr val="bg2"/>
+                </a:solidFill>
+                <a:latin typeface="Consolas" pitchFamily="49" charset="0"/>
+                <a:ea typeface="ヒラギノ角ゴ Pro W3" charset="0"/>
+                <a:cs typeface="Consolas" pitchFamily="49" charset="0"/>
+              </a:rPr>
+              <a:t> A.cpp</a:t>
+            </a:r>
+            <a:endParaRPr lang="en-US" sz="1400" dirty="0" smtClean="0">
               <a:solidFill>
                 <a:schemeClr val="bg2"/>
               </a:solidFill>
-              <a:effectLst/>
-              <a:uLnTx/>
-              <a:uFillTx/>
-              <a:latin typeface="+mn-lt"/>
+              <a:latin typeface="Consolas" pitchFamily="49" charset="0"/>
               <a:ea typeface="ヒラギノ角ゴ Pro W3" charset="0"/>
-              <a:cs typeface="ヒラギノ角ゴ Pro W3"/>
+              <a:cs typeface="Consolas" pitchFamily="49" charset="0"/>
             </a:endParaRPr>
           </a:p>
-        </p:txBody>
-      </p:sp>
-      <p:sp>
-        <p:nvSpPr>
-          <p:cNvPr id="7" name="Content Placeholder 2"/>
-          <p:cNvSpPr txBox="1">
-            <a:spLocks/>
-          </p:cNvSpPr>
-          <p:nvPr/>
-        </p:nvSpPr>
-        <p:spPr bwMode="auto">
-          <a:xfrm>
-            <a:off x="722920" y="1355998"/>
-            <a:ext cx="8227649" cy="2952328"/>
-          </a:xfrm>
-          <a:prstGeom prst="rect">
-            <a:avLst/>
-          </a:prstGeom>
-          <a:noFill/>
-          <a:ln w="9525">
-            <a:noFill/>
-            <a:miter lim="800000"/>
-            <a:headEnd/>
-            <a:tailEnd/>
-          </a:ln>
-        </p:spPr>
-        <p:txBody>
-          <a:bodyPr vert="horz" wrap="square" lIns="0" tIns="0" rIns="0" bIns="0" numCol="1" anchor="t" anchorCtr="0" compatLnSpc="1">
-            <a:prstTxWarp prst="textNoShape">
-              <a:avLst/>
-            </a:prstTxWarp>
-          </a:bodyPr>
-          <a:lstStyle/>
-          <a:p>
-            <a:pPr marL="458788" marR="0" lvl="1" indent="-228600" algn="l" defTabSz="457200" rtl="0" eaLnBrk="1" fontAlgn="base" latinLnBrk="0" hangingPunct="1">
-              <a:lnSpc>
-                <a:spcPct val="100000"/>
-              </a:lnSpc>
-              <a:spcBef>
-                <a:spcPct val="0"/>
-              </a:spcBef>
-              <a:spcAft>
-                <a:spcPts val="600"/>
-              </a:spcAft>
-              <a:buClrTx/>
-              <a:buSzTx/>
-              <a:buFont typeface="Arial" pitchFamily="34" charset="0"/>
-              <a:buChar char="•"/>
-              <a:tabLst/>
-              <a:defRPr/>
-            </a:pPr>
-            <a:r>
-              <a:rPr lang="en-US" sz="2400" dirty="0" smtClean="0">
-                <a:solidFill>
-                  <a:schemeClr val="bg2"/>
-                </a:solidFill>
-                <a:latin typeface="+mn-lt"/>
-                <a:ea typeface="ヒラギノ角ゴ Pro W3" charset="0"/>
-              </a:rPr>
-              <a:t>Static library is just a collection of object files.</a:t>
-            </a:r>
-            <a:endParaRPr kumimoji="0" lang="en-US" sz="2400" b="0" i="0" u="none" strike="noStrike" kern="1200" cap="none" spc="0" normalizeH="0" baseline="0" noProof="0" dirty="0" smtClean="0">
-              <a:ln>
-                <a:noFill/>
-              </a:ln>
+          <a:p>
+            <a:r>
+              <a:rPr lang="en-US" sz="1400" dirty="0" smtClean="0">
+                <a:solidFill>
+                  <a:schemeClr val="bg2"/>
+                </a:solidFill>
+                <a:latin typeface="Consolas" pitchFamily="49" charset="0"/>
+                <a:ea typeface="ヒラギノ角ゴ Pro W3" charset="0"/>
+                <a:cs typeface="Consolas" pitchFamily="49" charset="0"/>
+              </a:rPr>
+              <a:t>$ </a:t>
+            </a:r>
+            <a:r>
+              <a:rPr lang="en-US" sz="1400" dirty="0" smtClean="0">
+                <a:solidFill>
+                  <a:schemeClr val="bg2"/>
+                </a:solidFill>
+                <a:latin typeface="Consolas" pitchFamily="49" charset="0"/>
+                <a:ea typeface="ヒラギノ角ゴ Pro W3" charset="0"/>
+                <a:cs typeface="Consolas" pitchFamily="49" charset="0"/>
+              </a:rPr>
+              <a:t>g</a:t>
+            </a:r>
+            <a:r>
+              <a:rPr lang="en-US" sz="1400" dirty="0" smtClean="0">
+                <a:solidFill>
+                  <a:schemeClr val="bg2"/>
+                </a:solidFill>
+                <a:latin typeface="Consolas" pitchFamily="49" charset="0"/>
+                <a:ea typeface="ヒラギノ角ゴ Pro W3" charset="0"/>
+                <a:cs typeface="Consolas" pitchFamily="49" charset="0"/>
+              </a:rPr>
+              <a:t>++ -c -Wall -</a:t>
+            </a:r>
+            <a:r>
+              <a:rPr lang="en-US" sz="1400" dirty="0" err="1" smtClean="0">
+                <a:solidFill>
+                  <a:schemeClr val="bg2"/>
+                </a:solidFill>
+                <a:latin typeface="Consolas" pitchFamily="49" charset="0"/>
+                <a:ea typeface="ヒラギノ角ゴ Pro W3" charset="0"/>
+                <a:cs typeface="Consolas" pitchFamily="49" charset="0"/>
+              </a:rPr>
+              <a:t>Werror</a:t>
+            </a:r>
+            <a:r>
+              <a:rPr lang="en-US" sz="1400" dirty="0" smtClean="0">
+                <a:solidFill>
+                  <a:schemeClr val="bg2"/>
+                </a:solidFill>
+                <a:latin typeface="Consolas" pitchFamily="49" charset="0"/>
+                <a:ea typeface="ヒラギノ角ゴ Pro W3" charset="0"/>
+                <a:cs typeface="Consolas" pitchFamily="49" charset="0"/>
+              </a:rPr>
+              <a:t> </a:t>
+            </a:r>
+            <a:r>
+              <a:rPr lang="en-US" sz="1400" dirty="0" smtClean="0">
+                <a:solidFill>
+                  <a:schemeClr val="bg2"/>
+                </a:solidFill>
+                <a:latin typeface="Consolas" pitchFamily="49" charset="0"/>
+                <a:ea typeface="ヒラギノ角ゴ Pro W3" charset="0"/>
+                <a:cs typeface="Consolas" pitchFamily="49" charset="0"/>
+              </a:rPr>
+              <a:t>–o </a:t>
+            </a:r>
+            <a:r>
+              <a:rPr lang="en-US" sz="1400" dirty="0" err="1" smtClean="0">
+                <a:solidFill>
+                  <a:schemeClr val="bg2"/>
+                </a:solidFill>
+                <a:latin typeface="Consolas" pitchFamily="49" charset="0"/>
+                <a:ea typeface="ヒラギノ角ゴ Pro W3" charset="0"/>
+                <a:cs typeface="Consolas" pitchFamily="49" charset="0"/>
+              </a:rPr>
+              <a:t>B.o</a:t>
+            </a:r>
+            <a:r>
+              <a:rPr lang="en-US" sz="1400" dirty="0" smtClean="0">
+                <a:solidFill>
+                  <a:schemeClr val="bg2"/>
+                </a:solidFill>
+                <a:latin typeface="Consolas" pitchFamily="49" charset="0"/>
+                <a:ea typeface="ヒラギノ角ゴ Pro W3" charset="0"/>
+                <a:cs typeface="Consolas" pitchFamily="49" charset="0"/>
+              </a:rPr>
+              <a:t> B.cpp</a:t>
+            </a:r>
+            <a:endParaRPr lang="en-US" sz="1400" dirty="0" smtClean="0">
               <a:solidFill>
                 <a:schemeClr val="bg2"/>
               </a:solidFill>
-              <a:effectLst/>
-              <a:uLnTx/>
-              <a:uFillTx/>
-              <a:latin typeface="+mn-lt"/>
+              <a:latin typeface="Consolas" pitchFamily="49" charset="0"/>
               <a:ea typeface="ヒラギノ角ゴ Pro W3" charset="0"/>
-              <a:cs typeface="ヒラギノ角ゴ Pro W3"/>
+              <a:cs typeface="Consolas" pitchFamily="49" charset="0"/>
+            </a:endParaRPr>
+          </a:p>
+          <a:p>
+            <a:r>
+              <a:rPr lang="en-US" sz="1400" dirty="0" smtClean="0">
+                <a:solidFill>
+                  <a:schemeClr val="bg2"/>
+                </a:solidFill>
+                <a:latin typeface="Consolas" pitchFamily="49" charset="0"/>
+                <a:ea typeface="ヒラギノ角ゴ Pro W3" charset="0"/>
+                <a:cs typeface="Consolas" pitchFamily="49" charset="0"/>
+              </a:rPr>
+              <a:t>$ </a:t>
+            </a:r>
+            <a:r>
+              <a:rPr lang="en-US" sz="1400" dirty="0" smtClean="0">
+                <a:solidFill>
+                  <a:schemeClr val="bg2"/>
+                </a:solidFill>
+                <a:latin typeface="Consolas" pitchFamily="49" charset="0"/>
+                <a:ea typeface="ヒラギノ角ゴ Pro W3" charset="0"/>
+                <a:cs typeface="Consolas" pitchFamily="49" charset="0"/>
+              </a:rPr>
+              <a:t>g</a:t>
+            </a:r>
+            <a:r>
+              <a:rPr lang="en-US" sz="1400" dirty="0" smtClean="0">
+                <a:solidFill>
+                  <a:schemeClr val="bg2"/>
+                </a:solidFill>
+                <a:latin typeface="Consolas" pitchFamily="49" charset="0"/>
+                <a:ea typeface="ヒラギノ角ゴ Pro W3" charset="0"/>
+                <a:cs typeface="Consolas" pitchFamily="49" charset="0"/>
+              </a:rPr>
+              <a:t>++ -c -Wall -</a:t>
+            </a:r>
+            <a:r>
+              <a:rPr lang="en-US" sz="1400" dirty="0" err="1" smtClean="0">
+                <a:solidFill>
+                  <a:schemeClr val="bg2"/>
+                </a:solidFill>
+                <a:latin typeface="Consolas" pitchFamily="49" charset="0"/>
+                <a:ea typeface="ヒラギノ角ゴ Pro W3" charset="0"/>
+                <a:cs typeface="Consolas" pitchFamily="49" charset="0"/>
+              </a:rPr>
+              <a:t>Werror</a:t>
+            </a:r>
+            <a:r>
+              <a:rPr lang="en-US" sz="1400" dirty="0" smtClean="0">
+                <a:solidFill>
+                  <a:schemeClr val="bg2"/>
+                </a:solidFill>
+                <a:latin typeface="Consolas" pitchFamily="49" charset="0"/>
+                <a:ea typeface="ヒラギノ角ゴ Pro W3" charset="0"/>
+                <a:cs typeface="Consolas" pitchFamily="49" charset="0"/>
+              </a:rPr>
+              <a:t> -o </a:t>
+            </a:r>
+            <a:r>
+              <a:rPr lang="en-US" sz="1400" dirty="0" err="1" smtClean="0">
+                <a:solidFill>
+                  <a:schemeClr val="bg2"/>
+                </a:solidFill>
+                <a:latin typeface="Consolas" pitchFamily="49" charset="0"/>
+                <a:ea typeface="ヒラギノ角ゴ Pro W3" charset="0"/>
+                <a:cs typeface="Consolas" pitchFamily="49" charset="0"/>
+              </a:rPr>
+              <a:t>main.o</a:t>
+            </a:r>
+            <a:r>
+              <a:rPr lang="en-US" sz="1400" dirty="0" smtClean="0">
+                <a:solidFill>
+                  <a:schemeClr val="bg2"/>
+                </a:solidFill>
+                <a:latin typeface="Consolas" pitchFamily="49" charset="0"/>
+                <a:ea typeface="ヒラギノ角ゴ Pro W3" charset="0"/>
+                <a:cs typeface="Consolas" pitchFamily="49" charset="0"/>
+              </a:rPr>
+              <a:t> main.cpp</a:t>
+            </a:r>
+            <a:endParaRPr lang="en-US" sz="1400" dirty="0" smtClean="0">
+              <a:solidFill>
+                <a:schemeClr val="bg2"/>
+              </a:solidFill>
+              <a:latin typeface="Consolas" pitchFamily="49" charset="0"/>
+              <a:ea typeface="ヒラギノ角ゴ Pro W3" charset="0"/>
+              <a:cs typeface="Consolas" pitchFamily="49" charset="0"/>
+            </a:endParaRPr>
+          </a:p>
+          <a:p>
+            <a:r>
+              <a:rPr lang="en-US" sz="1400" dirty="0" smtClean="0">
+                <a:solidFill>
+                  <a:schemeClr val="bg2"/>
+                </a:solidFill>
+                <a:latin typeface="Consolas" pitchFamily="49" charset="0"/>
+                <a:ea typeface="ヒラギノ角ゴ Pro W3" charset="0"/>
+                <a:cs typeface="Consolas" pitchFamily="49" charset="0"/>
+              </a:rPr>
+              <a:t>$ </a:t>
+            </a:r>
+            <a:r>
+              <a:rPr lang="en-US" sz="1400" dirty="0" smtClean="0">
+                <a:solidFill>
+                  <a:schemeClr val="bg2"/>
+                </a:solidFill>
+                <a:latin typeface="Consolas" pitchFamily="49" charset="0"/>
+                <a:ea typeface="ヒラギノ角ゴ Pro W3" charset="0"/>
+                <a:cs typeface="Consolas" pitchFamily="49" charset="0"/>
+              </a:rPr>
+              <a:t>g</a:t>
+            </a:r>
+            <a:r>
+              <a:rPr lang="en-US" sz="1400" dirty="0" smtClean="0">
+                <a:solidFill>
+                  <a:schemeClr val="bg2"/>
+                </a:solidFill>
+                <a:latin typeface="Consolas" pitchFamily="49" charset="0"/>
+                <a:ea typeface="ヒラギノ角ゴ Pro W3" charset="0"/>
+                <a:cs typeface="Consolas" pitchFamily="49" charset="0"/>
+              </a:rPr>
+              <a:t>++ -o </a:t>
+            </a:r>
+            <a:r>
+              <a:rPr lang="en-US" sz="1400" dirty="0" err="1" smtClean="0">
+                <a:solidFill>
+                  <a:schemeClr val="bg2"/>
+                </a:solidFill>
+                <a:latin typeface="Consolas" pitchFamily="49" charset="0"/>
+                <a:ea typeface="ヒラギノ角ゴ Pro W3" charset="0"/>
+                <a:cs typeface="Consolas" pitchFamily="49" charset="0"/>
+              </a:rPr>
+              <a:t>simpleExample</a:t>
+            </a:r>
+            <a:r>
+              <a:rPr lang="en-US" sz="1400" dirty="0" smtClean="0">
+                <a:solidFill>
+                  <a:schemeClr val="bg2"/>
+                </a:solidFill>
+                <a:latin typeface="Consolas" pitchFamily="49" charset="0"/>
+                <a:ea typeface="ヒラギノ角ゴ Pro W3" charset="0"/>
+                <a:cs typeface="Consolas" pitchFamily="49" charset="0"/>
+              </a:rPr>
+              <a:t> </a:t>
+            </a:r>
+            <a:r>
+              <a:rPr lang="en-US" sz="1400" dirty="0" err="1" smtClean="0">
+                <a:solidFill>
+                  <a:srgbClr val="00B050"/>
+                </a:solidFill>
+                <a:latin typeface="Consolas" pitchFamily="49" charset="0"/>
+                <a:ea typeface="ヒラギノ角ゴ Pro W3" charset="0"/>
+                <a:cs typeface="Consolas" pitchFamily="49" charset="0"/>
+              </a:rPr>
+              <a:t>A.o</a:t>
+            </a:r>
+            <a:r>
+              <a:rPr lang="en-US" sz="1400" dirty="0" smtClean="0">
+                <a:solidFill>
+                  <a:srgbClr val="00B050"/>
+                </a:solidFill>
+                <a:latin typeface="Consolas" pitchFamily="49" charset="0"/>
+                <a:ea typeface="ヒラギノ角ゴ Pro W3" charset="0"/>
+                <a:cs typeface="Consolas" pitchFamily="49" charset="0"/>
+              </a:rPr>
+              <a:t> </a:t>
+            </a:r>
+            <a:r>
+              <a:rPr lang="en-US" sz="1400" dirty="0" err="1" smtClean="0">
+                <a:solidFill>
+                  <a:srgbClr val="00B050"/>
+                </a:solidFill>
+                <a:latin typeface="Consolas" pitchFamily="49" charset="0"/>
+                <a:ea typeface="ヒラギノ角ゴ Pro W3" charset="0"/>
+                <a:cs typeface="Consolas" pitchFamily="49" charset="0"/>
+              </a:rPr>
+              <a:t>B.o</a:t>
+            </a:r>
+            <a:r>
+              <a:rPr lang="en-US" sz="1400" dirty="0" smtClean="0">
+                <a:solidFill>
+                  <a:srgbClr val="00B050"/>
+                </a:solidFill>
+                <a:latin typeface="Consolas" pitchFamily="49" charset="0"/>
+                <a:ea typeface="ヒラギノ角ゴ Pro W3" charset="0"/>
+                <a:cs typeface="Consolas" pitchFamily="49" charset="0"/>
+              </a:rPr>
+              <a:t> </a:t>
+            </a:r>
+            <a:r>
+              <a:rPr lang="en-US" sz="1400" dirty="0" err="1" smtClean="0">
+                <a:solidFill>
+                  <a:schemeClr val="bg2"/>
+                </a:solidFill>
+                <a:latin typeface="Consolas" pitchFamily="49" charset="0"/>
+                <a:ea typeface="ヒラギノ角ゴ Pro W3" charset="0"/>
+                <a:cs typeface="Consolas" pitchFamily="49" charset="0"/>
+              </a:rPr>
+              <a:t>main.o</a:t>
+            </a:r>
+            <a:endParaRPr lang="en-US" sz="1400" dirty="0" smtClean="0">
+              <a:solidFill>
+                <a:schemeClr val="bg2"/>
+              </a:solidFill>
+              <a:latin typeface="Consolas" pitchFamily="49" charset="0"/>
+              <a:ea typeface="ヒラギノ角ゴ Pro W3" charset="0"/>
+              <a:cs typeface="Consolas" pitchFamily="49" charset="0"/>
+            </a:endParaRPr>
+          </a:p>
+          <a:p>
+            <a:r>
+              <a:rPr lang="en-US" sz="1400" dirty="0" smtClean="0">
+                <a:solidFill>
+                  <a:schemeClr val="bg2"/>
+                </a:solidFill>
+                <a:latin typeface="Consolas" pitchFamily="49" charset="0"/>
+                <a:ea typeface="ヒラギノ角ゴ Pro W3" charset="0"/>
+                <a:cs typeface="Consolas" pitchFamily="49" charset="0"/>
+              </a:rPr>
+              <a:t>$ ./</a:t>
+            </a:r>
+            <a:r>
+              <a:rPr lang="en-US" sz="1400" dirty="0" err="1" smtClean="0">
+                <a:solidFill>
+                  <a:schemeClr val="bg2"/>
+                </a:solidFill>
+                <a:latin typeface="Consolas" pitchFamily="49" charset="0"/>
+                <a:ea typeface="ヒラギノ角ゴ Pro W3" charset="0"/>
+                <a:cs typeface="Consolas" pitchFamily="49" charset="0"/>
+              </a:rPr>
+              <a:t>simpleExample</a:t>
+            </a:r>
+            <a:endParaRPr lang="en-US" sz="1400" dirty="0" smtClean="0">
+              <a:solidFill>
+                <a:schemeClr val="bg2"/>
+              </a:solidFill>
+              <a:latin typeface="Consolas" pitchFamily="49" charset="0"/>
+              <a:ea typeface="ヒラギノ角ゴ Pro W3" charset="0"/>
+              <a:cs typeface="Consolas" pitchFamily="49" charset="0"/>
+            </a:endParaRPr>
+          </a:p>
+          <a:p>
+            <a:r>
+              <a:rPr lang="en-US" sz="1400" dirty="0" err="1" smtClean="0">
+                <a:solidFill>
+                  <a:schemeClr val="bg2"/>
+                </a:solidFill>
+                <a:latin typeface="Consolas" pitchFamily="49" charset="0"/>
+                <a:ea typeface="ヒラギノ角ゴ Pro W3" charset="0"/>
+                <a:cs typeface="Consolas" pitchFamily="49" charset="0"/>
+              </a:rPr>
+              <a:t>A.cpp</a:t>
+            </a:r>
+          </a:p>
+          <a:p>
+            <a:r>
+              <a:rPr lang="en-US" sz="1400" dirty="0" smtClean="0">
+                <a:solidFill>
+                  <a:schemeClr val="bg2"/>
+                </a:solidFill>
+                <a:latin typeface="Consolas" pitchFamily="49" charset="0"/>
+                <a:ea typeface="ヒラギノ角ゴ Pro W3" charset="0"/>
+                <a:cs typeface="Consolas" pitchFamily="49" charset="0"/>
+              </a:rPr>
+              <a:t>A.cpp</a:t>
+            </a:r>
+          </a:p>
+          <a:p>
+            <a:endParaRPr lang="en-US" sz="1400" dirty="0" smtClean="0">
+              <a:solidFill>
+                <a:schemeClr val="bg2"/>
+              </a:solidFill>
+              <a:latin typeface="Consolas" pitchFamily="49" charset="0"/>
+              <a:ea typeface="ヒラギノ角ゴ Pro W3" charset="0"/>
+              <a:cs typeface="Consolas" pitchFamily="49" charset="0"/>
+            </a:endParaRPr>
+          </a:p>
+          <a:p>
+            <a:r>
+              <a:rPr lang="en-US" sz="1400" dirty="0" smtClean="0">
+                <a:solidFill>
+                  <a:schemeClr val="bg2"/>
+                </a:solidFill>
+                <a:latin typeface="Consolas" pitchFamily="49" charset="0"/>
+                <a:ea typeface="ヒラギノ角ゴ Pro W3" charset="0"/>
+                <a:cs typeface="Consolas" pitchFamily="49" charset="0"/>
+              </a:rPr>
+              <a:t>$ </a:t>
+            </a:r>
+            <a:r>
+              <a:rPr lang="en-US" sz="1400" dirty="0" smtClean="0">
+                <a:solidFill>
+                  <a:schemeClr val="bg2"/>
+                </a:solidFill>
+                <a:latin typeface="Consolas" pitchFamily="49" charset="0"/>
+                <a:ea typeface="ヒラギノ角ゴ Pro W3" charset="0"/>
+                <a:cs typeface="Consolas" pitchFamily="49" charset="0"/>
+              </a:rPr>
+              <a:t>g++ -c -Wall -</a:t>
+            </a:r>
+            <a:r>
+              <a:rPr lang="en-US" sz="1400" dirty="0" err="1" smtClean="0">
+                <a:solidFill>
+                  <a:schemeClr val="bg2"/>
+                </a:solidFill>
+                <a:latin typeface="Consolas" pitchFamily="49" charset="0"/>
+                <a:ea typeface="ヒラギノ角ゴ Pro W3" charset="0"/>
+                <a:cs typeface="Consolas" pitchFamily="49" charset="0"/>
+              </a:rPr>
+              <a:t>Werror</a:t>
+            </a:r>
+            <a:r>
+              <a:rPr lang="en-US" sz="1400" dirty="0" smtClean="0">
+                <a:solidFill>
+                  <a:schemeClr val="bg2"/>
+                </a:solidFill>
+                <a:latin typeface="Consolas" pitchFamily="49" charset="0"/>
+                <a:ea typeface="ヒラギノ角ゴ Pro W3" charset="0"/>
+                <a:cs typeface="Consolas" pitchFamily="49" charset="0"/>
+              </a:rPr>
+              <a:t> –o </a:t>
+            </a:r>
+            <a:r>
+              <a:rPr lang="en-US" sz="1400" dirty="0" err="1" smtClean="0">
+                <a:solidFill>
+                  <a:schemeClr val="bg2"/>
+                </a:solidFill>
+                <a:latin typeface="Consolas" pitchFamily="49" charset="0"/>
+                <a:ea typeface="ヒラギノ角ゴ Pro W3" charset="0"/>
+                <a:cs typeface="Consolas" pitchFamily="49" charset="0"/>
+              </a:rPr>
+              <a:t>A.o</a:t>
+            </a:r>
+            <a:r>
+              <a:rPr lang="en-US" sz="1400" dirty="0" smtClean="0">
+                <a:solidFill>
+                  <a:schemeClr val="bg2"/>
+                </a:solidFill>
+                <a:latin typeface="Consolas" pitchFamily="49" charset="0"/>
+                <a:ea typeface="ヒラギノ角ゴ Pro W3" charset="0"/>
+                <a:cs typeface="Consolas" pitchFamily="49" charset="0"/>
+              </a:rPr>
+              <a:t> A.cpp</a:t>
+            </a:r>
+          </a:p>
+          <a:p>
+            <a:r>
+              <a:rPr lang="en-US" sz="1400" dirty="0" smtClean="0">
+                <a:solidFill>
+                  <a:schemeClr val="bg2"/>
+                </a:solidFill>
+                <a:latin typeface="Consolas" pitchFamily="49" charset="0"/>
+                <a:ea typeface="ヒラギノ角ゴ Pro W3" charset="0"/>
+                <a:cs typeface="Consolas" pitchFamily="49" charset="0"/>
+              </a:rPr>
+              <a:t>$ g++ -c -Wall -</a:t>
+            </a:r>
+            <a:r>
+              <a:rPr lang="en-US" sz="1400" dirty="0" err="1" smtClean="0">
+                <a:solidFill>
+                  <a:schemeClr val="bg2"/>
+                </a:solidFill>
+                <a:latin typeface="Consolas" pitchFamily="49" charset="0"/>
+                <a:ea typeface="ヒラギノ角ゴ Pro W3" charset="0"/>
+                <a:cs typeface="Consolas" pitchFamily="49" charset="0"/>
+              </a:rPr>
+              <a:t>Werror</a:t>
+            </a:r>
+            <a:r>
+              <a:rPr lang="en-US" sz="1400" dirty="0" smtClean="0">
+                <a:solidFill>
+                  <a:schemeClr val="bg2"/>
+                </a:solidFill>
+                <a:latin typeface="Consolas" pitchFamily="49" charset="0"/>
+                <a:ea typeface="ヒラギノ角ゴ Pro W3" charset="0"/>
+                <a:cs typeface="Consolas" pitchFamily="49" charset="0"/>
+              </a:rPr>
+              <a:t> –o </a:t>
+            </a:r>
+            <a:r>
+              <a:rPr lang="en-US" sz="1400" dirty="0" err="1" smtClean="0">
+                <a:solidFill>
+                  <a:schemeClr val="bg2"/>
+                </a:solidFill>
+                <a:latin typeface="Consolas" pitchFamily="49" charset="0"/>
+                <a:ea typeface="ヒラギノ角ゴ Pro W3" charset="0"/>
+                <a:cs typeface="Consolas" pitchFamily="49" charset="0"/>
+              </a:rPr>
+              <a:t>B.o</a:t>
+            </a:r>
+            <a:r>
+              <a:rPr lang="en-US" sz="1400" dirty="0" smtClean="0">
+                <a:solidFill>
+                  <a:schemeClr val="bg2"/>
+                </a:solidFill>
+                <a:latin typeface="Consolas" pitchFamily="49" charset="0"/>
+                <a:ea typeface="ヒラギノ角ゴ Pro W3" charset="0"/>
+                <a:cs typeface="Consolas" pitchFamily="49" charset="0"/>
+              </a:rPr>
+              <a:t> B.cpp</a:t>
+            </a:r>
+          </a:p>
+          <a:p>
+            <a:r>
+              <a:rPr lang="en-US" sz="1400" dirty="0" smtClean="0">
+                <a:solidFill>
+                  <a:schemeClr val="bg2"/>
+                </a:solidFill>
+                <a:latin typeface="Consolas" pitchFamily="49" charset="0"/>
+                <a:ea typeface="ヒラギノ角ゴ Pro W3" charset="0"/>
+                <a:cs typeface="Consolas" pitchFamily="49" charset="0"/>
+              </a:rPr>
+              <a:t>$ g++ -c -Wall -</a:t>
+            </a:r>
+            <a:r>
+              <a:rPr lang="en-US" sz="1400" dirty="0" err="1" smtClean="0">
+                <a:solidFill>
+                  <a:schemeClr val="bg2"/>
+                </a:solidFill>
+                <a:latin typeface="Consolas" pitchFamily="49" charset="0"/>
+                <a:ea typeface="ヒラギノ角ゴ Pro W3" charset="0"/>
+                <a:cs typeface="Consolas" pitchFamily="49" charset="0"/>
+              </a:rPr>
+              <a:t>Werror</a:t>
+            </a:r>
+            <a:r>
+              <a:rPr lang="en-US" sz="1400" dirty="0" smtClean="0">
+                <a:solidFill>
+                  <a:schemeClr val="bg2"/>
+                </a:solidFill>
+                <a:latin typeface="Consolas" pitchFamily="49" charset="0"/>
+                <a:ea typeface="ヒラギノ角ゴ Pro W3" charset="0"/>
+                <a:cs typeface="Consolas" pitchFamily="49" charset="0"/>
+              </a:rPr>
+              <a:t> -o </a:t>
+            </a:r>
+            <a:r>
+              <a:rPr lang="en-US" sz="1400" dirty="0" err="1" smtClean="0">
+                <a:solidFill>
+                  <a:schemeClr val="bg2"/>
+                </a:solidFill>
+                <a:latin typeface="Consolas" pitchFamily="49" charset="0"/>
+                <a:ea typeface="ヒラギノ角ゴ Pro W3" charset="0"/>
+                <a:cs typeface="Consolas" pitchFamily="49" charset="0"/>
+              </a:rPr>
+              <a:t>main.o</a:t>
+            </a:r>
+            <a:r>
+              <a:rPr lang="en-US" sz="1400" dirty="0" smtClean="0">
+                <a:solidFill>
+                  <a:schemeClr val="bg2"/>
+                </a:solidFill>
+                <a:latin typeface="Consolas" pitchFamily="49" charset="0"/>
+                <a:ea typeface="ヒラギノ角ゴ Pro W3" charset="0"/>
+                <a:cs typeface="Consolas" pitchFamily="49" charset="0"/>
+              </a:rPr>
+              <a:t> main.cpp</a:t>
+            </a:r>
+          </a:p>
+          <a:p>
+            <a:r>
+              <a:rPr lang="en-US" sz="1400" dirty="0" smtClean="0">
+                <a:solidFill>
+                  <a:schemeClr val="bg2"/>
+                </a:solidFill>
+                <a:latin typeface="Consolas" pitchFamily="49" charset="0"/>
+                <a:ea typeface="ヒラギノ角ゴ Pro W3" charset="0"/>
+                <a:cs typeface="Consolas" pitchFamily="49" charset="0"/>
+              </a:rPr>
+              <a:t>$ g++ -o </a:t>
+            </a:r>
+            <a:r>
+              <a:rPr lang="en-US" sz="1400" dirty="0" err="1" smtClean="0">
+                <a:solidFill>
+                  <a:schemeClr val="bg2"/>
+                </a:solidFill>
+                <a:latin typeface="Consolas" pitchFamily="49" charset="0"/>
+                <a:ea typeface="ヒラギノ角ゴ Pro W3" charset="0"/>
+                <a:cs typeface="Consolas" pitchFamily="49" charset="0"/>
+              </a:rPr>
+              <a:t>simpleExample</a:t>
+            </a:r>
+            <a:r>
+              <a:rPr lang="en-US" sz="1400" dirty="0" smtClean="0">
+                <a:solidFill>
+                  <a:schemeClr val="bg2"/>
+                </a:solidFill>
+                <a:latin typeface="Consolas" pitchFamily="49" charset="0"/>
+                <a:ea typeface="ヒラギノ角ゴ Pro W3" charset="0"/>
+                <a:cs typeface="Consolas" pitchFamily="49" charset="0"/>
+              </a:rPr>
+              <a:t> </a:t>
+            </a:r>
+            <a:r>
+              <a:rPr lang="en-US" sz="1400" dirty="0" err="1" smtClean="0">
+                <a:solidFill>
+                  <a:srgbClr val="00B050"/>
+                </a:solidFill>
+                <a:latin typeface="Consolas" pitchFamily="49" charset="0"/>
+                <a:ea typeface="ヒラギノ角ゴ Pro W3" charset="0"/>
+                <a:cs typeface="Consolas" pitchFamily="49" charset="0"/>
+              </a:rPr>
+              <a:t>B.o</a:t>
+            </a:r>
+            <a:r>
+              <a:rPr lang="en-US" sz="1400" dirty="0" smtClean="0">
+                <a:solidFill>
+                  <a:srgbClr val="00B050"/>
+                </a:solidFill>
+                <a:latin typeface="Consolas" pitchFamily="49" charset="0"/>
+                <a:ea typeface="ヒラギノ角ゴ Pro W3" charset="0"/>
+                <a:cs typeface="Consolas" pitchFamily="49" charset="0"/>
+              </a:rPr>
+              <a:t> </a:t>
+            </a:r>
+            <a:r>
+              <a:rPr lang="en-US" sz="1400" dirty="0" err="1" smtClean="0">
+                <a:solidFill>
+                  <a:srgbClr val="00B050"/>
+                </a:solidFill>
+                <a:latin typeface="Consolas" pitchFamily="49" charset="0"/>
+                <a:ea typeface="ヒラギノ角ゴ Pro W3" charset="0"/>
+                <a:cs typeface="Consolas" pitchFamily="49" charset="0"/>
+              </a:rPr>
+              <a:t>A.o</a:t>
+            </a:r>
+            <a:r>
+              <a:rPr lang="en-US" sz="1400" dirty="0" smtClean="0">
+                <a:solidFill>
+                  <a:srgbClr val="00B050"/>
+                </a:solidFill>
+                <a:latin typeface="Consolas" pitchFamily="49" charset="0"/>
+                <a:ea typeface="ヒラギノ角ゴ Pro W3" charset="0"/>
+                <a:cs typeface="Consolas" pitchFamily="49" charset="0"/>
+              </a:rPr>
+              <a:t> </a:t>
+            </a:r>
+            <a:r>
+              <a:rPr lang="en-US" sz="1400" dirty="0" err="1" smtClean="0">
+                <a:solidFill>
+                  <a:schemeClr val="bg2"/>
+                </a:solidFill>
+                <a:latin typeface="Consolas" pitchFamily="49" charset="0"/>
+                <a:ea typeface="ヒラギノ角ゴ Pro W3" charset="0"/>
+                <a:cs typeface="Consolas" pitchFamily="49" charset="0"/>
+              </a:rPr>
+              <a:t>main.o</a:t>
+            </a:r>
+            <a:endParaRPr lang="en-US" sz="1400" dirty="0" smtClean="0">
+              <a:solidFill>
+                <a:schemeClr val="bg2"/>
+              </a:solidFill>
+              <a:latin typeface="Consolas" pitchFamily="49" charset="0"/>
+              <a:ea typeface="ヒラギノ角ゴ Pro W3" charset="0"/>
+              <a:cs typeface="Consolas" pitchFamily="49" charset="0"/>
+            </a:endParaRPr>
+          </a:p>
+          <a:p>
+            <a:r>
+              <a:rPr lang="en-US" sz="1400" dirty="0" smtClean="0">
+                <a:solidFill>
+                  <a:schemeClr val="bg2"/>
+                </a:solidFill>
+                <a:latin typeface="Consolas" pitchFamily="49" charset="0"/>
+                <a:ea typeface="ヒラギノ角ゴ Pro W3" charset="0"/>
+                <a:cs typeface="Consolas" pitchFamily="49" charset="0"/>
+              </a:rPr>
+              <a:t>$ ./</a:t>
+            </a:r>
+            <a:r>
+              <a:rPr lang="en-US" sz="1400" dirty="0" err="1" smtClean="0">
+                <a:solidFill>
+                  <a:schemeClr val="bg2"/>
+                </a:solidFill>
+                <a:latin typeface="Consolas" pitchFamily="49" charset="0"/>
+                <a:ea typeface="ヒラギノ角ゴ Pro W3" charset="0"/>
+                <a:cs typeface="Consolas" pitchFamily="49" charset="0"/>
+              </a:rPr>
+              <a:t>simpleExample</a:t>
+            </a:r>
+            <a:endParaRPr lang="en-US" sz="1400" dirty="0" smtClean="0">
+              <a:solidFill>
+                <a:schemeClr val="bg2"/>
+              </a:solidFill>
+              <a:latin typeface="Consolas" pitchFamily="49" charset="0"/>
+              <a:ea typeface="ヒラギノ角ゴ Pro W3" charset="0"/>
+              <a:cs typeface="Consolas" pitchFamily="49" charset="0"/>
+            </a:endParaRPr>
+          </a:p>
+          <a:p>
+            <a:endParaRPr lang="en-US" sz="1400" dirty="0" smtClean="0">
+              <a:solidFill>
+                <a:schemeClr val="bg2"/>
+              </a:solidFill>
+              <a:latin typeface="Consolas" pitchFamily="49" charset="0"/>
+              <a:ea typeface="ヒラギノ角ゴ Pro W3" charset="0"/>
+              <a:cs typeface="Consolas" pitchFamily="49" charset="0"/>
             </a:endParaRPr>
           </a:p>
         </p:txBody>
@@ -8651,7 +12685,7 @@
         </p:nvSpPr>
         <p:spPr>
           <a:xfrm>
-            <a:off x="416169" y="435143"/>
+            <a:off x="416169" y="219119"/>
             <a:ext cx="8229600" cy="480423"/>
           </a:xfrm>
         </p:spPr>
@@ -8662,7 +12696,11 @@
             <a:pPr algn="ctr"/>
             <a:r>
               <a:rPr lang="en-US" sz="3200" dirty="0" smtClean="0"/>
-              <a:t>Shared libraries</a:t>
+              <a:t>Hereditary </a:t>
+            </a:r>
+            <a:r>
+              <a:rPr lang="en-US" sz="3200" dirty="0" err="1" smtClean="0"/>
+              <a:t>desease</a:t>
             </a:r>
             <a:endParaRPr lang="en-US" sz="3200" dirty="0"/>
           </a:p>
@@ -8695,6 +12733,7 @@
               <a:rPr lang="en-US" sz="2400" dirty="0" smtClean="0"/>
               <a:t> </a:t>
             </a:r>
+            <a:endParaRPr lang="en-US" sz="2400" dirty="0" smtClean="0"/>
           </a:p>
         </p:txBody>
       </p:sp>
@@ -8728,162 +12767,836 @@
       </p:sp>
       <p:sp>
         <p:nvSpPr>
-          <p:cNvPr id="5" name="Content Placeholder 2"/>
-          <p:cNvSpPr txBox="1">
-            <a:spLocks/>
-          </p:cNvSpPr>
+          <p:cNvPr id="11" name="Rectangle 10"/>
+          <p:cNvSpPr/>
           <p:nvPr/>
         </p:nvSpPr>
-        <p:spPr bwMode="auto">
+        <p:spPr>
           <a:xfrm>
-            <a:off x="570520" y="1203598"/>
-            <a:ext cx="8227649" cy="2952328"/>
+            <a:off x="755576" y="915566"/>
+            <a:ext cx="4259499" cy="3323987"/>
           </a:xfrm>
           <a:prstGeom prst="rect">
             <a:avLst/>
           </a:prstGeom>
-          <a:noFill/>
-          <a:ln w="9525">
-            <a:noFill/>
-            <a:miter lim="800000"/>
-            <a:headEnd/>
-            <a:tailEnd/>
-          </a:ln>
         </p:spPr>
         <p:txBody>
-          <a:bodyPr vert="horz" wrap="square" lIns="0" tIns="0" rIns="0" bIns="0" numCol="1" anchor="t" anchorCtr="0" compatLnSpc="1">
-            <a:prstTxWarp prst="textNoShape">
-              <a:avLst/>
-            </a:prstTxWarp>
+          <a:bodyPr wrap="none">
+            <a:spAutoFit/>
           </a:bodyPr>
           <a:lstStyle/>
           <a:p>
-            <a:pPr marL="458788" marR="0" lvl="1" indent="-228600" algn="l" defTabSz="457200" rtl="0" eaLnBrk="1" fontAlgn="base" latinLnBrk="0" hangingPunct="1">
-              <a:lnSpc>
-                <a:spcPct val="100000"/>
-              </a:lnSpc>
-              <a:spcBef>
-                <a:spcPct val="0"/>
-              </a:spcBef>
-              <a:spcAft>
-                <a:spcPts val="600"/>
-              </a:spcAft>
-              <a:buClrTx/>
-              <a:buSzTx/>
-              <a:buFont typeface="Arial" pitchFamily="34" charset="0"/>
-              <a:buChar char="•"/>
-              <a:tabLst/>
-              <a:defRPr/>
-            </a:pPr>
-            <a:endParaRPr kumimoji="0" lang="en-US" sz="2400" b="0" i="0" u="none" strike="noStrike" kern="1200" cap="none" spc="0" normalizeH="0" baseline="0" noProof="0" dirty="0" smtClean="0">
-              <a:ln>
-                <a:noFill/>
-              </a:ln>
+            <a:r>
+              <a:rPr lang="en-US" sz="1400" dirty="0" smtClean="0">
+                <a:solidFill>
+                  <a:schemeClr val="bg2"/>
+                </a:solidFill>
+                <a:latin typeface="Consolas" pitchFamily="49" charset="0"/>
+                <a:ea typeface="ヒラギノ角ゴ Pro W3" charset="0"/>
+                <a:cs typeface="Consolas" pitchFamily="49" charset="0"/>
+              </a:rPr>
+              <a:t>$ </a:t>
+            </a:r>
+            <a:r>
+              <a:rPr lang="en-US" sz="1400" dirty="0" smtClean="0">
+                <a:solidFill>
+                  <a:schemeClr val="bg2"/>
+                </a:solidFill>
+                <a:latin typeface="Consolas" pitchFamily="49" charset="0"/>
+                <a:ea typeface="ヒラギノ角ゴ Pro W3" charset="0"/>
+                <a:cs typeface="Consolas" pitchFamily="49" charset="0"/>
+              </a:rPr>
+              <a:t>g</a:t>
+            </a:r>
+            <a:r>
+              <a:rPr lang="en-US" sz="1400" dirty="0" smtClean="0">
+                <a:solidFill>
+                  <a:schemeClr val="bg2"/>
+                </a:solidFill>
+                <a:latin typeface="Consolas" pitchFamily="49" charset="0"/>
+                <a:ea typeface="ヒラギノ角ゴ Pro W3" charset="0"/>
+                <a:cs typeface="Consolas" pitchFamily="49" charset="0"/>
+              </a:rPr>
+              <a:t>++ -c -Wall -</a:t>
+            </a:r>
+            <a:r>
+              <a:rPr lang="en-US" sz="1400" dirty="0" err="1" smtClean="0">
+                <a:solidFill>
+                  <a:schemeClr val="bg2"/>
+                </a:solidFill>
+                <a:latin typeface="Consolas" pitchFamily="49" charset="0"/>
+                <a:ea typeface="ヒラギノ角ゴ Pro W3" charset="0"/>
+                <a:cs typeface="Consolas" pitchFamily="49" charset="0"/>
+              </a:rPr>
+              <a:t>Werror</a:t>
+            </a:r>
+            <a:r>
+              <a:rPr lang="en-US" sz="1400" dirty="0" smtClean="0">
+                <a:solidFill>
+                  <a:schemeClr val="bg2"/>
+                </a:solidFill>
+                <a:latin typeface="Consolas" pitchFamily="49" charset="0"/>
+                <a:ea typeface="ヒラギノ角ゴ Pro W3" charset="0"/>
+                <a:cs typeface="Consolas" pitchFamily="49" charset="0"/>
+              </a:rPr>
+              <a:t> </a:t>
+            </a:r>
+            <a:r>
+              <a:rPr lang="en-US" sz="1400" dirty="0" smtClean="0">
+                <a:solidFill>
+                  <a:schemeClr val="bg2"/>
+                </a:solidFill>
+                <a:latin typeface="Consolas" pitchFamily="49" charset="0"/>
+                <a:ea typeface="ヒラギノ角ゴ Pro W3" charset="0"/>
+                <a:cs typeface="Consolas" pitchFamily="49" charset="0"/>
+              </a:rPr>
+              <a:t>–o </a:t>
+            </a:r>
+            <a:r>
+              <a:rPr lang="en-US" sz="1400" dirty="0" err="1" smtClean="0">
+                <a:solidFill>
+                  <a:schemeClr val="bg2"/>
+                </a:solidFill>
+                <a:latin typeface="Consolas" pitchFamily="49" charset="0"/>
+                <a:ea typeface="ヒラギノ角ゴ Pro W3" charset="0"/>
+                <a:cs typeface="Consolas" pitchFamily="49" charset="0"/>
+              </a:rPr>
+              <a:t>A.o</a:t>
+            </a:r>
+            <a:r>
+              <a:rPr lang="en-US" sz="1400" dirty="0" smtClean="0">
+                <a:solidFill>
+                  <a:schemeClr val="bg2"/>
+                </a:solidFill>
+                <a:latin typeface="Consolas" pitchFamily="49" charset="0"/>
+                <a:ea typeface="ヒラギノ角ゴ Pro W3" charset="0"/>
+                <a:cs typeface="Consolas" pitchFamily="49" charset="0"/>
+              </a:rPr>
+              <a:t> A.cpp</a:t>
+            </a:r>
+            <a:endParaRPr lang="en-US" sz="1400" dirty="0" smtClean="0">
               <a:solidFill>
                 <a:schemeClr val="bg2"/>
               </a:solidFill>
-              <a:effectLst/>
-              <a:uLnTx/>
-              <a:uFillTx/>
-              <a:latin typeface="+mn-lt"/>
+              <a:latin typeface="Consolas" pitchFamily="49" charset="0"/>
               <a:ea typeface="ヒラギノ角ゴ Pro W3" charset="0"/>
-              <a:cs typeface="ヒラギノ角ゴ Pro W3"/>
+              <a:cs typeface="Consolas" pitchFamily="49" charset="0"/>
             </a:endParaRPr>
           </a:p>
-        </p:txBody>
-      </p:sp>
-      <p:sp>
-        <p:nvSpPr>
-          <p:cNvPr id="7" name="Content Placeholder 2"/>
-          <p:cNvSpPr txBox="1">
-            <a:spLocks/>
-          </p:cNvSpPr>
-          <p:nvPr/>
-        </p:nvSpPr>
-        <p:spPr bwMode="auto">
-          <a:xfrm>
-            <a:off x="722920" y="1355998"/>
-            <a:ext cx="8227649" cy="2952328"/>
-          </a:xfrm>
-          <a:prstGeom prst="rect">
-            <a:avLst/>
-          </a:prstGeom>
-          <a:noFill/>
-          <a:ln w="9525">
-            <a:noFill/>
-            <a:miter lim="800000"/>
-            <a:headEnd/>
-            <a:tailEnd/>
-          </a:ln>
-        </p:spPr>
-        <p:txBody>
-          <a:bodyPr vert="horz" wrap="square" lIns="0" tIns="0" rIns="0" bIns="0" numCol="1" anchor="t" anchorCtr="0" compatLnSpc="1">
-            <a:prstTxWarp prst="textNoShape">
-              <a:avLst/>
-            </a:prstTxWarp>
-          </a:bodyPr>
-          <a:lstStyle/>
-          <a:p>
-            <a:pPr marL="458788" marR="0" lvl="1" indent="-228600" algn="l" defTabSz="457200" rtl="0" eaLnBrk="1" fontAlgn="base" latinLnBrk="0" hangingPunct="1">
-              <a:lnSpc>
-                <a:spcPct val="100000"/>
-              </a:lnSpc>
-              <a:spcBef>
-                <a:spcPct val="0"/>
-              </a:spcBef>
-              <a:spcAft>
-                <a:spcPts val="600"/>
-              </a:spcAft>
-              <a:buClrTx/>
-              <a:buSzTx/>
-              <a:buFont typeface="Arial" pitchFamily="34" charset="0"/>
-              <a:buChar char="•"/>
-              <a:tabLst/>
-              <a:defRPr/>
-            </a:pPr>
-            <a:r>
-              <a:rPr lang="en-US" sz="2400" dirty="0" smtClean="0">
-                <a:solidFill>
-                  <a:schemeClr val="bg2"/>
-                </a:solidFill>
-                <a:latin typeface="+mn-lt"/>
-                <a:ea typeface="ヒラギノ角ゴ Pro W3" charset="0"/>
-              </a:rPr>
-              <a:t>It would be a best approach to have the same copy of </a:t>
-            </a:r>
-            <a:r>
-              <a:rPr lang="en-US" sz="2400" dirty="0" err="1" smtClean="0">
-                <a:solidFill>
-                  <a:schemeClr val="bg2"/>
-                </a:solidFill>
-                <a:latin typeface="+mn-lt"/>
-                <a:ea typeface="ヒラギノ角ゴ Pro W3" charset="0"/>
-              </a:rPr>
-              <a:t>printf</a:t>
-            </a:r>
-            <a:r>
-              <a:rPr lang="en-US" sz="2400" dirty="0" smtClean="0">
-                <a:solidFill>
-                  <a:schemeClr val="bg2"/>
-                </a:solidFill>
-                <a:latin typeface="+mn-lt"/>
-                <a:ea typeface="ヒラギノ角ゴ Pro W3" charset="0"/>
-              </a:rPr>
-              <a:t>() in every executable file in our system. That’s why shared library were invented.</a:t>
-            </a:r>
-            <a:endParaRPr kumimoji="0" lang="en-US" sz="2400" b="0" i="0" u="none" strike="noStrike" kern="1200" cap="none" spc="0" normalizeH="0" baseline="0" noProof="0" dirty="0" smtClean="0">
-              <a:ln>
-                <a:noFill/>
-              </a:ln>
+          <a:p>
+            <a:r>
+              <a:rPr lang="en-US" sz="1400" dirty="0" smtClean="0">
+                <a:solidFill>
+                  <a:schemeClr val="bg2"/>
+                </a:solidFill>
+                <a:latin typeface="Consolas" pitchFamily="49" charset="0"/>
+                <a:ea typeface="ヒラギノ角ゴ Pro W3" charset="0"/>
+                <a:cs typeface="Consolas" pitchFamily="49" charset="0"/>
+              </a:rPr>
+              <a:t>$ </a:t>
+            </a:r>
+            <a:r>
+              <a:rPr lang="en-US" sz="1400" dirty="0" smtClean="0">
+                <a:solidFill>
+                  <a:schemeClr val="bg2"/>
+                </a:solidFill>
+                <a:latin typeface="Consolas" pitchFamily="49" charset="0"/>
+                <a:ea typeface="ヒラギノ角ゴ Pro W3" charset="0"/>
+                <a:cs typeface="Consolas" pitchFamily="49" charset="0"/>
+              </a:rPr>
+              <a:t>g</a:t>
+            </a:r>
+            <a:r>
+              <a:rPr lang="en-US" sz="1400" dirty="0" smtClean="0">
+                <a:solidFill>
+                  <a:schemeClr val="bg2"/>
+                </a:solidFill>
+                <a:latin typeface="Consolas" pitchFamily="49" charset="0"/>
+                <a:ea typeface="ヒラギノ角ゴ Pro W3" charset="0"/>
+                <a:cs typeface="Consolas" pitchFamily="49" charset="0"/>
+              </a:rPr>
+              <a:t>++ -c -Wall -</a:t>
+            </a:r>
+            <a:r>
+              <a:rPr lang="en-US" sz="1400" dirty="0" err="1" smtClean="0">
+                <a:solidFill>
+                  <a:schemeClr val="bg2"/>
+                </a:solidFill>
+                <a:latin typeface="Consolas" pitchFamily="49" charset="0"/>
+                <a:ea typeface="ヒラギノ角ゴ Pro W3" charset="0"/>
+                <a:cs typeface="Consolas" pitchFamily="49" charset="0"/>
+              </a:rPr>
+              <a:t>Werror</a:t>
+            </a:r>
+            <a:r>
+              <a:rPr lang="en-US" sz="1400" dirty="0" smtClean="0">
+                <a:solidFill>
+                  <a:schemeClr val="bg2"/>
+                </a:solidFill>
+                <a:latin typeface="Consolas" pitchFamily="49" charset="0"/>
+                <a:ea typeface="ヒラギノ角ゴ Pro W3" charset="0"/>
+                <a:cs typeface="Consolas" pitchFamily="49" charset="0"/>
+              </a:rPr>
+              <a:t> </a:t>
+            </a:r>
+            <a:r>
+              <a:rPr lang="en-US" sz="1400" dirty="0" smtClean="0">
+                <a:solidFill>
+                  <a:schemeClr val="bg2"/>
+                </a:solidFill>
+                <a:latin typeface="Consolas" pitchFamily="49" charset="0"/>
+                <a:ea typeface="ヒラギノ角ゴ Pro W3" charset="0"/>
+                <a:cs typeface="Consolas" pitchFamily="49" charset="0"/>
+              </a:rPr>
+              <a:t>–o </a:t>
+            </a:r>
+            <a:r>
+              <a:rPr lang="en-US" sz="1400" dirty="0" err="1" smtClean="0">
+                <a:solidFill>
+                  <a:schemeClr val="bg2"/>
+                </a:solidFill>
+                <a:latin typeface="Consolas" pitchFamily="49" charset="0"/>
+                <a:ea typeface="ヒラギノ角ゴ Pro W3" charset="0"/>
+                <a:cs typeface="Consolas" pitchFamily="49" charset="0"/>
+              </a:rPr>
+              <a:t>B.o</a:t>
+            </a:r>
+            <a:r>
+              <a:rPr lang="en-US" sz="1400" dirty="0" smtClean="0">
+                <a:solidFill>
+                  <a:schemeClr val="bg2"/>
+                </a:solidFill>
+                <a:latin typeface="Consolas" pitchFamily="49" charset="0"/>
+                <a:ea typeface="ヒラギノ角ゴ Pro W3" charset="0"/>
+                <a:cs typeface="Consolas" pitchFamily="49" charset="0"/>
+              </a:rPr>
+              <a:t> B.cpp</a:t>
+            </a:r>
+            <a:endParaRPr lang="en-US" sz="1400" dirty="0" smtClean="0">
               <a:solidFill>
                 <a:schemeClr val="bg2"/>
               </a:solidFill>
-              <a:effectLst/>
-              <a:uLnTx/>
-              <a:uFillTx/>
-              <a:latin typeface="+mn-lt"/>
+              <a:latin typeface="Consolas" pitchFamily="49" charset="0"/>
               <a:ea typeface="ヒラギノ角ゴ Pro W3" charset="0"/>
-              <a:cs typeface="ヒラギノ角ゴ Pro W3"/>
+              <a:cs typeface="Consolas" pitchFamily="49" charset="0"/>
+            </a:endParaRPr>
+          </a:p>
+          <a:p>
+            <a:r>
+              <a:rPr lang="en-US" sz="1400" dirty="0" smtClean="0">
+                <a:solidFill>
+                  <a:schemeClr val="bg2"/>
+                </a:solidFill>
+                <a:latin typeface="Consolas" pitchFamily="49" charset="0"/>
+                <a:ea typeface="ヒラギノ角ゴ Pro W3" charset="0"/>
+                <a:cs typeface="Consolas" pitchFamily="49" charset="0"/>
+              </a:rPr>
+              <a:t>$ </a:t>
+            </a:r>
+            <a:r>
+              <a:rPr lang="en-US" sz="1400" dirty="0" smtClean="0">
+                <a:solidFill>
+                  <a:schemeClr val="bg2"/>
+                </a:solidFill>
+                <a:latin typeface="Consolas" pitchFamily="49" charset="0"/>
+                <a:ea typeface="ヒラギノ角ゴ Pro W3" charset="0"/>
+                <a:cs typeface="Consolas" pitchFamily="49" charset="0"/>
+              </a:rPr>
+              <a:t>g</a:t>
+            </a:r>
+            <a:r>
+              <a:rPr lang="en-US" sz="1400" dirty="0" smtClean="0">
+                <a:solidFill>
+                  <a:schemeClr val="bg2"/>
+                </a:solidFill>
+                <a:latin typeface="Consolas" pitchFamily="49" charset="0"/>
+                <a:ea typeface="ヒラギノ角ゴ Pro W3" charset="0"/>
+                <a:cs typeface="Consolas" pitchFamily="49" charset="0"/>
+              </a:rPr>
+              <a:t>++ -c -Wall -</a:t>
+            </a:r>
+            <a:r>
+              <a:rPr lang="en-US" sz="1400" dirty="0" err="1" smtClean="0">
+                <a:solidFill>
+                  <a:schemeClr val="bg2"/>
+                </a:solidFill>
+                <a:latin typeface="Consolas" pitchFamily="49" charset="0"/>
+                <a:ea typeface="ヒラギノ角ゴ Pro W3" charset="0"/>
+                <a:cs typeface="Consolas" pitchFamily="49" charset="0"/>
+              </a:rPr>
+              <a:t>Werror</a:t>
+            </a:r>
+            <a:r>
+              <a:rPr lang="en-US" sz="1400" dirty="0" smtClean="0">
+                <a:solidFill>
+                  <a:schemeClr val="bg2"/>
+                </a:solidFill>
+                <a:latin typeface="Consolas" pitchFamily="49" charset="0"/>
+                <a:ea typeface="ヒラギノ角ゴ Pro W3" charset="0"/>
+                <a:cs typeface="Consolas" pitchFamily="49" charset="0"/>
+              </a:rPr>
+              <a:t> -o </a:t>
+            </a:r>
+            <a:r>
+              <a:rPr lang="en-US" sz="1400" dirty="0" err="1" smtClean="0">
+                <a:solidFill>
+                  <a:schemeClr val="bg2"/>
+                </a:solidFill>
+                <a:latin typeface="Consolas" pitchFamily="49" charset="0"/>
+                <a:ea typeface="ヒラギノ角ゴ Pro W3" charset="0"/>
+                <a:cs typeface="Consolas" pitchFamily="49" charset="0"/>
+              </a:rPr>
+              <a:t>main.o</a:t>
+            </a:r>
+            <a:r>
+              <a:rPr lang="en-US" sz="1400" dirty="0" smtClean="0">
+                <a:solidFill>
+                  <a:schemeClr val="bg2"/>
+                </a:solidFill>
+                <a:latin typeface="Consolas" pitchFamily="49" charset="0"/>
+                <a:ea typeface="ヒラギノ角ゴ Pro W3" charset="0"/>
+                <a:cs typeface="Consolas" pitchFamily="49" charset="0"/>
+              </a:rPr>
+              <a:t> main.cpp</a:t>
+            </a:r>
+            <a:endParaRPr lang="en-US" sz="1400" dirty="0" smtClean="0">
+              <a:solidFill>
+                <a:schemeClr val="bg2"/>
+              </a:solidFill>
+              <a:latin typeface="Consolas" pitchFamily="49" charset="0"/>
+              <a:ea typeface="ヒラギノ角ゴ Pro W3" charset="0"/>
+              <a:cs typeface="Consolas" pitchFamily="49" charset="0"/>
+            </a:endParaRPr>
+          </a:p>
+          <a:p>
+            <a:r>
+              <a:rPr lang="en-US" sz="1400" dirty="0" smtClean="0">
+                <a:solidFill>
+                  <a:schemeClr val="bg2"/>
+                </a:solidFill>
+                <a:latin typeface="Consolas" pitchFamily="49" charset="0"/>
+                <a:ea typeface="ヒラギノ角ゴ Pro W3" charset="0"/>
+                <a:cs typeface="Consolas" pitchFamily="49" charset="0"/>
+              </a:rPr>
+              <a:t>$ </a:t>
+            </a:r>
+            <a:r>
+              <a:rPr lang="en-US" sz="1400" dirty="0" smtClean="0">
+                <a:solidFill>
+                  <a:schemeClr val="bg2"/>
+                </a:solidFill>
+                <a:latin typeface="Consolas" pitchFamily="49" charset="0"/>
+                <a:ea typeface="ヒラギノ角ゴ Pro W3" charset="0"/>
+                <a:cs typeface="Consolas" pitchFamily="49" charset="0"/>
+              </a:rPr>
+              <a:t>g</a:t>
+            </a:r>
+            <a:r>
+              <a:rPr lang="en-US" sz="1400" dirty="0" smtClean="0">
+                <a:solidFill>
+                  <a:schemeClr val="bg2"/>
+                </a:solidFill>
+                <a:latin typeface="Consolas" pitchFamily="49" charset="0"/>
+                <a:ea typeface="ヒラギノ角ゴ Pro W3" charset="0"/>
+                <a:cs typeface="Consolas" pitchFamily="49" charset="0"/>
+              </a:rPr>
+              <a:t>++ -o </a:t>
+            </a:r>
+            <a:r>
+              <a:rPr lang="en-US" sz="1400" dirty="0" err="1" smtClean="0">
+                <a:solidFill>
+                  <a:schemeClr val="bg2"/>
+                </a:solidFill>
+                <a:latin typeface="Consolas" pitchFamily="49" charset="0"/>
+                <a:ea typeface="ヒラギノ角ゴ Pro W3" charset="0"/>
+                <a:cs typeface="Consolas" pitchFamily="49" charset="0"/>
+              </a:rPr>
+              <a:t>simpleExample</a:t>
+            </a:r>
+            <a:r>
+              <a:rPr lang="en-US" sz="1400" dirty="0" smtClean="0">
+                <a:solidFill>
+                  <a:schemeClr val="bg2"/>
+                </a:solidFill>
+                <a:latin typeface="Consolas" pitchFamily="49" charset="0"/>
+                <a:ea typeface="ヒラギノ角ゴ Pro W3" charset="0"/>
+                <a:cs typeface="Consolas" pitchFamily="49" charset="0"/>
+              </a:rPr>
+              <a:t> </a:t>
+            </a:r>
+            <a:r>
+              <a:rPr lang="en-US" sz="1400" dirty="0" err="1" smtClean="0">
+                <a:solidFill>
+                  <a:srgbClr val="00B050"/>
+                </a:solidFill>
+                <a:latin typeface="Consolas" pitchFamily="49" charset="0"/>
+                <a:ea typeface="ヒラギノ角ゴ Pro W3" charset="0"/>
+                <a:cs typeface="Consolas" pitchFamily="49" charset="0"/>
+              </a:rPr>
+              <a:t>A.o</a:t>
+            </a:r>
+            <a:r>
+              <a:rPr lang="en-US" sz="1400" dirty="0" smtClean="0">
+                <a:solidFill>
+                  <a:srgbClr val="00B050"/>
+                </a:solidFill>
+                <a:latin typeface="Consolas" pitchFamily="49" charset="0"/>
+                <a:ea typeface="ヒラギノ角ゴ Pro W3" charset="0"/>
+                <a:cs typeface="Consolas" pitchFamily="49" charset="0"/>
+              </a:rPr>
+              <a:t> </a:t>
+            </a:r>
+            <a:r>
+              <a:rPr lang="en-US" sz="1400" dirty="0" err="1" smtClean="0">
+                <a:solidFill>
+                  <a:srgbClr val="00B050"/>
+                </a:solidFill>
+                <a:latin typeface="Consolas" pitchFamily="49" charset="0"/>
+                <a:ea typeface="ヒラギノ角ゴ Pro W3" charset="0"/>
+                <a:cs typeface="Consolas" pitchFamily="49" charset="0"/>
+              </a:rPr>
+              <a:t>B.o</a:t>
+            </a:r>
+            <a:r>
+              <a:rPr lang="en-US" sz="1400" dirty="0" smtClean="0">
+                <a:solidFill>
+                  <a:srgbClr val="00B050"/>
+                </a:solidFill>
+                <a:latin typeface="Consolas" pitchFamily="49" charset="0"/>
+                <a:ea typeface="ヒラギノ角ゴ Pro W3" charset="0"/>
+                <a:cs typeface="Consolas" pitchFamily="49" charset="0"/>
+              </a:rPr>
+              <a:t> </a:t>
+            </a:r>
+            <a:r>
+              <a:rPr lang="en-US" sz="1400" dirty="0" err="1" smtClean="0">
+                <a:solidFill>
+                  <a:schemeClr val="bg2"/>
+                </a:solidFill>
+                <a:latin typeface="Consolas" pitchFamily="49" charset="0"/>
+                <a:ea typeface="ヒラギノ角ゴ Pro W3" charset="0"/>
+                <a:cs typeface="Consolas" pitchFamily="49" charset="0"/>
+              </a:rPr>
+              <a:t>main.o</a:t>
+            </a:r>
+            <a:endParaRPr lang="en-US" sz="1400" dirty="0" smtClean="0">
+              <a:solidFill>
+                <a:schemeClr val="bg2"/>
+              </a:solidFill>
+              <a:latin typeface="Consolas" pitchFamily="49" charset="0"/>
+              <a:ea typeface="ヒラギノ角ゴ Pro W3" charset="0"/>
+              <a:cs typeface="Consolas" pitchFamily="49" charset="0"/>
+            </a:endParaRPr>
+          </a:p>
+          <a:p>
+            <a:r>
+              <a:rPr lang="en-US" sz="1400" dirty="0" smtClean="0">
+                <a:solidFill>
+                  <a:schemeClr val="bg2"/>
+                </a:solidFill>
+                <a:latin typeface="Consolas" pitchFamily="49" charset="0"/>
+                <a:ea typeface="ヒラギノ角ゴ Pro W3" charset="0"/>
+                <a:cs typeface="Consolas" pitchFamily="49" charset="0"/>
+              </a:rPr>
+              <a:t>$ ./</a:t>
+            </a:r>
+            <a:r>
+              <a:rPr lang="en-US" sz="1400" dirty="0" err="1" smtClean="0">
+                <a:solidFill>
+                  <a:schemeClr val="bg2"/>
+                </a:solidFill>
+                <a:latin typeface="Consolas" pitchFamily="49" charset="0"/>
+                <a:ea typeface="ヒラギノ角ゴ Pro W3" charset="0"/>
+                <a:cs typeface="Consolas" pitchFamily="49" charset="0"/>
+              </a:rPr>
+              <a:t>simpleExample</a:t>
+            </a:r>
+            <a:endParaRPr lang="en-US" sz="1400" dirty="0" smtClean="0">
+              <a:solidFill>
+                <a:schemeClr val="bg2"/>
+              </a:solidFill>
+              <a:latin typeface="Consolas" pitchFamily="49" charset="0"/>
+              <a:ea typeface="ヒラギノ角ゴ Pro W3" charset="0"/>
+              <a:cs typeface="Consolas" pitchFamily="49" charset="0"/>
+            </a:endParaRPr>
+          </a:p>
+          <a:p>
+            <a:r>
+              <a:rPr lang="en-US" sz="1400" dirty="0" smtClean="0">
+                <a:solidFill>
+                  <a:srgbClr val="00B050"/>
+                </a:solidFill>
+                <a:latin typeface="Consolas" pitchFamily="49" charset="0"/>
+                <a:ea typeface="ヒラギノ角ゴ Pro W3" charset="0"/>
+                <a:cs typeface="Consolas" pitchFamily="49" charset="0"/>
+              </a:rPr>
+              <a:t>A.cpp</a:t>
+            </a:r>
+          </a:p>
+          <a:p>
+            <a:r>
+              <a:rPr lang="en-US" sz="1400" dirty="0" smtClean="0">
+                <a:solidFill>
+                  <a:srgbClr val="00B050"/>
+                </a:solidFill>
+                <a:latin typeface="Consolas" pitchFamily="49" charset="0"/>
+                <a:ea typeface="ヒラギノ角ゴ Pro W3" charset="0"/>
+                <a:cs typeface="Consolas" pitchFamily="49" charset="0"/>
+              </a:rPr>
+              <a:t>A.cpp</a:t>
+            </a:r>
+          </a:p>
+          <a:p>
+            <a:endParaRPr lang="en-US" sz="1400" dirty="0" smtClean="0">
+              <a:solidFill>
+                <a:schemeClr val="bg2"/>
+              </a:solidFill>
+              <a:latin typeface="Consolas" pitchFamily="49" charset="0"/>
+              <a:ea typeface="ヒラギノ角ゴ Pro W3" charset="0"/>
+              <a:cs typeface="Consolas" pitchFamily="49" charset="0"/>
+            </a:endParaRPr>
+          </a:p>
+          <a:p>
+            <a:r>
+              <a:rPr lang="en-US" sz="1400" dirty="0" smtClean="0">
+                <a:solidFill>
+                  <a:schemeClr val="bg2"/>
+                </a:solidFill>
+                <a:latin typeface="Consolas" pitchFamily="49" charset="0"/>
+                <a:ea typeface="ヒラギノ角ゴ Pro W3" charset="0"/>
+                <a:cs typeface="Consolas" pitchFamily="49" charset="0"/>
+              </a:rPr>
+              <a:t>$ g++ -c -Wall -</a:t>
+            </a:r>
+            <a:r>
+              <a:rPr lang="en-US" sz="1400" dirty="0" err="1" smtClean="0">
+                <a:solidFill>
+                  <a:schemeClr val="bg2"/>
+                </a:solidFill>
+                <a:latin typeface="Consolas" pitchFamily="49" charset="0"/>
+                <a:ea typeface="ヒラギノ角ゴ Pro W3" charset="0"/>
+                <a:cs typeface="Consolas" pitchFamily="49" charset="0"/>
+              </a:rPr>
+              <a:t>Werror</a:t>
+            </a:r>
+            <a:r>
+              <a:rPr lang="en-US" sz="1400" dirty="0" smtClean="0">
+                <a:solidFill>
+                  <a:schemeClr val="bg2"/>
+                </a:solidFill>
+                <a:latin typeface="Consolas" pitchFamily="49" charset="0"/>
+                <a:ea typeface="ヒラギノ角ゴ Pro W3" charset="0"/>
+                <a:cs typeface="Consolas" pitchFamily="49" charset="0"/>
+              </a:rPr>
+              <a:t> –o </a:t>
+            </a:r>
+            <a:r>
+              <a:rPr lang="en-US" sz="1400" dirty="0" err="1" smtClean="0">
+                <a:solidFill>
+                  <a:schemeClr val="bg2"/>
+                </a:solidFill>
+                <a:latin typeface="Consolas" pitchFamily="49" charset="0"/>
+                <a:ea typeface="ヒラギノ角ゴ Pro W3" charset="0"/>
+                <a:cs typeface="Consolas" pitchFamily="49" charset="0"/>
+              </a:rPr>
+              <a:t>A.o</a:t>
+            </a:r>
+            <a:r>
+              <a:rPr lang="en-US" sz="1400" dirty="0" smtClean="0">
+                <a:solidFill>
+                  <a:schemeClr val="bg2"/>
+                </a:solidFill>
+                <a:latin typeface="Consolas" pitchFamily="49" charset="0"/>
+                <a:ea typeface="ヒラギノ角ゴ Pro W3" charset="0"/>
+                <a:cs typeface="Consolas" pitchFamily="49" charset="0"/>
+              </a:rPr>
+              <a:t> A.cpp</a:t>
+            </a:r>
+          </a:p>
+          <a:p>
+            <a:r>
+              <a:rPr lang="en-US" sz="1400" dirty="0" smtClean="0">
+                <a:solidFill>
+                  <a:schemeClr val="bg2"/>
+                </a:solidFill>
+                <a:latin typeface="Consolas" pitchFamily="49" charset="0"/>
+                <a:ea typeface="ヒラギノ角ゴ Pro W3" charset="0"/>
+                <a:cs typeface="Consolas" pitchFamily="49" charset="0"/>
+              </a:rPr>
+              <a:t>$ g++ -c -Wall -</a:t>
+            </a:r>
+            <a:r>
+              <a:rPr lang="en-US" sz="1400" dirty="0" err="1" smtClean="0">
+                <a:solidFill>
+                  <a:schemeClr val="bg2"/>
+                </a:solidFill>
+                <a:latin typeface="Consolas" pitchFamily="49" charset="0"/>
+                <a:ea typeface="ヒラギノ角ゴ Pro W3" charset="0"/>
+                <a:cs typeface="Consolas" pitchFamily="49" charset="0"/>
+              </a:rPr>
+              <a:t>Werror</a:t>
+            </a:r>
+            <a:r>
+              <a:rPr lang="en-US" sz="1400" dirty="0" smtClean="0">
+                <a:solidFill>
+                  <a:schemeClr val="bg2"/>
+                </a:solidFill>
+                <a:latin typeface="Consolas" pitchFamily="49" charset="0"/>
+                <a:ea typeface="ヒラギノ角ゴ Pro W3" charset="0"/>
+                <a:cs typeface="Consolas" pitchFamily="49" charset="0"/>
+              </a:rPr>
+              <a:t> –o </a:t>
+            </a:r>
+            <a:r>
+              <a:rPr lang="en-US" sz="1400" dirty="0" err="1" smtClean="0">
+                <a:solidFill>
+                  <a:schemeClr val="bg2"/>
+                </a:solidFill>
+                <a:latin typeface="Consolas" pitchFamily="49" charset="0"/>
+                <a:ea typeface="ヒラギノ角ゴ Pro W3" charset="0"/>
+                <a:cs typeface="Consolas" pitchFamily="49" charset="0"/>
+              </a:rPr>
+              <a:t>B.o</a:t>
+            </a:r>
+            <a:r>
+              <a:rPr lang="en-US" sz="1400" dirty="0" smtClean="0">
+                <a:solidFill>
+                  <a:schemeClr val="bg2"/>
+                </a:solidFill>
+                <a:latin typeface="Consolas" pitchFamily="49" charset="0"/>
+                <a:ea typeface="ヒラギノ角ゴ Pro W3" charset="0"/>
+                <a:cs typeface="Consolas" pitchFamily="49" charset="0"/>
+              </a:rPr>
+              <a:t> B.cpp</a:t>
+            </a:r>
+          </a:p>
+          <a:p>
+            <a:r>
+              <a:rPr lang="en-US" sz="1400" dirty="0" smtClean="0">
+                <a:solidFill>
+                  <a:schemeClr val="bg2"/>
+                </a:solidFill>
+                <a:latin typeface="Consolas" pitchFamily="49" charset="0"/>
+                <a:ea typeface="ヒラギノ角ゴ Pro W3" charset="0"/>
+                <a:cs typeface="Consolas" pitchFamily="49" charset="0"/>
+              </a:rPr>
+              <a:t>$ g++ -c -Wall -</a:t>
+            </a:r>
+            <a:r>
+              <a:rPr lang="en-US" sz="1400" dirty="0" err="1" smtClean="0">
+                <a:solidFill>
+                  <a:schemeClr val="bg2"/>
+                </a:solidFill>
+                <a:latin typeface="Consolas" pitchFamily="49" charset="0"/>
+                <a:ea typeface="ヒラギノ角ゴ Pro W3" charset="0"/>
+                <a:cs typeface="Consolas" pitchFamily="49" charset="0"/>
+              </a:rPr>
+              <a:t>Werror</a:t>
+            </a:r>
+            <a:r>
+              <a:rPr lang="en-US" sz="1400" dirty="0" smtClean="0">
+                <a:solidFill>
+                  <a:schemeClr val="bg2"/>
+                </a:solidFill>
+                <a:latin typeface="Consolas" pitchFamily="49" charset="0"/>
+                <a:ea typeface="ヒラギノ角ゴ Pro W3" charset="0"/>
+                <a:cs typeface="Consolas" pitchFamily="49" charset="0"/>
+              </a:rPr>
+              <a:t> -o </a:t>
+            </a:r>
+            <a:r>
+              <a:rPr lang="en-US" sz="1400" dirty="0" err="1" smtClean="0">
+                <a:solidFill>
+                  <a:schemeClr val="bg2"/>
+                </a:solidFill>
+                <a:latin typeface="Consolas" pitchFamily="49" charset="0"/>
+                <a:ea typeface="ヒラギノ角ゴ Pro W3" charset="0"/>
+                <a:cs typeface="Consolas" pitchFamily="49" charset="0"/>
+              </a:rPr>
+              <a:t>main.o</a:t>
+            </a:r>
+            <a:r>
+              <a:rPr lang="en-US" sz="1400" dirty="0" smtClean="0">
+                <a:solidFill>
+                  <a:schemeClr val="bg2"/>
+                </a:solidFill>
+                <a:latin typeface="Consolas" pitchFamily="49" charset="0"/>
+                <a:ea typeface="ヒラギノ角ゴ Pro W3" charset="0"/>
+                <a:cs typeface="Consolas" pitchFamily="49" charset="0"/>
+              </a:rPr>
+              <a:t> main.cpp</a:t>
+            </a:r>
+          </a:p>
+          <a:p>
+            <a:r>
+              <a:rPr lang="en-US" sz="1400" dirty="0" smtClean="0">
+                <a:solidFill>
+                  <a:schemeClr val="bg2"/>
+                </a:solidFill>
+                <a:latin typeface="Consolas" pitchFamily="49" charset="0"/>
+                <a:ea typeface="ヒラギノ角ゴ Pro W3" charset="0"/>
+                <a:cs typeface="Consolas" pitchFamily="49" charset="0"/>
+              </a:rPr>
+              <a:t>$ g++ -o </a:t>
+            </a:r>
+            <a:r>
+              <a:rPr lang="en-US" sz="1400" dirty="0" err="1" smtClean="0">
+                <a:solidFill>
+                  <a:schemeClr val="bg2"/>
+                </a:solidFill>
+                <a:latin typeface="Consolas" pitchFamily="49" charset="0"/>
+                <a:ea typeface="ヒラギノ角ゴ Pro W3" charset="0"/>
+                <a:cs typeface="Consolas" pitchFamily="49" charset="0"/>
+              </a:rPr>
+              <a:t>simpleExample</a:t>
+            </a:r>
+            <a:r>
+              <a:rPr lang="en-US" sz="1400" dirty="0" smtClean="0">
+                <a:solidFill>
+                  <a:schemeClr val="bg2"/>
+                </a:solidFill>
+                <a:latin typeface="Consolas" pitchFamily="49" charset="0"/>
+                <a:ea typeface="ヒラギノ角ゴ Pro W3" charset="0"/>
+                <a:cs typeface="Consolas" pitchFamily="49" charset="0"/>
+              </a:rPr>
+              <a:t> </a:t>
+            </a:r>
+            <a:r>
+              <a:rPr lang="en-US" sz="1400" dirty="0" err="1" smtClean="0">
+                <a:solidFill>
+                  <a:srgbClr val="00B050"/>
+                </a:solidFill>
+                <a:latin typeface="Consolas" pitchFamily="49" charset="0"/>
+                <a:ea typeface="ヒラギノ角ゴ Pro W3" charset="0"/>
+                <a:cs typeface="Consolas" pitchFamily="49" charset="0"/>
+              </a:rPr>
+              <a:t>B.o</a:t>
+            </a:r>
+            <a:r>
+              <a:rPr lang="en-US" sz="1400" dirty="0" smtClean="0">
+                <a:solidFill>
+                  <a:srgbClr val="00B050"/>
+                </a:solidFill>
+                <a:latin typeface="Consolas" pitchFamily="49" charset="0"/>
+                <a:ea typeface="ヒラギノ角ゴ Pro W3" charset="0"/>
+                <a:cs typeface="Consolas" pitchFamily="49" charset="0"/>
+              </a:rPr>
+              <a:t> </a:t>
+            </a:r>
+            <a:r>
+              <a:rPr lang="en-US" sz="1400" dirty="0" err="1" smtClean="0">
+                <a:solidFill>
+                  <a:srgbClr val="00B050"/>
+                </a:solidFill>
+                <a:latin typeface="Consolas" pitchFamily="49" charset="0"/>
+                <a:ea typeface="ヒラギノ角ゴ Pro W3" charset="0"/>
+                <a:cs typeface="Consolas" pitchFamily="49" charset="0"/>
+              </a:rPr>
+              <a:t>A.o</a:t>
+            </a:r>
+            <a:r>
+              <a:rPr lang="en-US" sz="1400" dirty="0" smtClean="0">
+                <a:solidFill>
+                  <a:srgbClr val="00B050"/>
+                </a:solidFill>
+                <a:latin typeface="Consolas" pitchFamily="49" charset="0"/>
+                <a:ea typeface="ヒラギノ角ゴ Pro W3" charset="0"/>
+                <a:cs typeface="Consolas" pitchFamily="49" charset="0"/>
+              </a:rPr>
+              <a:t> </a:t>
+            </a:r>
+            <a:r>
+              <a:rPr lang="en-US" sz="1400" dirty="0" err="1" smtClean="0">
+                <a:solidFill>
+                  <a:schemeClr val="bg2"/>
+                </a:solidFill>
+                <a:latin typeface="Consolas" pitchFamily="49" charset="0"/>
+                <a:ea typeface="ヒラギノ角ゴ Pro W3" charset="0"/>
+                <a:cs typeface="Consolas" pitchFamily="49" charset="0"/>
+              </a:rPr>
+              <a:t>main.o</a:t>
+            </a:r>
+            <a:endParaRPr lang="en-US" sz="1400" dirty="0" smtClean="0">
+              <a:solidFill>
+                <a:schemeClr val="bg2"/>
+              </a:solidFill>
+              <a:latin typeface="Consolas" pitchFamily="49" charset="0"/>
+              <a:ea typeface="ヒラギノ角ゴ Pro W3" charset="0"/>
+              <a:cs typeface="Consolas" pitchFamily="49" charset="0"/>
+            </a:endParaRPr>
+          </a:p>
+          <a:p>
+            <a:r>
+              <a:rPr lang="en-US" sz="1400" dirty="0" smtClean="0">
+                <a:solidFill>
+                  <a:schemeClr val="bg2"/>
+                </a:solidFill>
+                <a:latin typeface="Consolas" pitchFamily="49" charset="0"/>
+                <a:ea typeface="ヒラギノ角ゴ Pro W3" charset="0"/>
+                <a:cs typeface="Consolas" pitchFamily="49" charset="0"/>
+              </a:rPr>
+              <a:t>$ ./</a:t>
+            </a:r>
+            <a:r>
+              <a:rPr lang="en-US" sz="1400" dirty="0" err="1" smtClean="0">
+                <a:solidFill>
+                  <a:schemeClr val="bg2"/>
+                </a:solidFill>
+                <a:latin typeface="Consolas" pitchFamily="49" charset="0"/>
+                <a:ea typeface="ヒラギノ角ゴ Pro W3" charset="0"/>
+                <a:cs typeface="Consolas" pitchFamily="49" charset="0"/>
+              </a:rPr>
+              <a:t>simpleExample</a:t>
+            </a:r>
+            <a:endParaRPr lang="en-US" sz="1400" dirty="0" smtClean="0">
+              <a:solidFill>
+                <a:schemeClr val="bg2"/>
+              </a:solidFill>
+              <a:latin typeface="Consolas" pitchFamily="49" charset="0"/>
+              <a:ea typeface="ヒラギノ角ゴ Pro W3" charset="0"/>
+              <a:cs typeface="Consolas" pitchFamily="49" charset="0"/>
+            </a:endParaRPr>
+          </a:p>
+          <a:p>
+            <a:r>
+              <a:rPr lang="en-US" sz="1400" dirty="0" smtClean="0">
+                <a:solidFill>
+                  <a:srgbClr val="00B050"/>
+                </a:solidFill>
+                <a:latin typeface="Consolas" pitchFamily="49" charset="0"/>
+                <a:ea typeface="ヒラギノ角ゴ Pro W3" charset="0"/>
+                <a:cs typeface="Consolas" pitchFamily="49" charset="0"/>
+              </a:rPr>
+              <a:t>B.cpp</a:t>
+            </a:r>
+            <a:endParaRPr lang="en-US" sz="1400" dirty="0" smtClean="0">
+              <a:solidFill>
+                <a:srgbClr val="00B050"/>
+              </a:solidFill>
+              <a:latin typeface="Consolas" pitchFamily="49" charset="0"/>
+              <a:ea typeface="ヒラギノ角ゴ Pro W3" charset="0"/>
+              <a:cs typeface="Consolas" pitchFamily="49" charset="0"/>
+            </a:endParaRPr>
+          </a:p>
+          <a:p>
+            <a:r>
+              <a:rPr lang="en-US" sz="1400" dirty="0" smtClean="0">
+                <a:solidFill>
+                  <a:srgbClr val="00B050"/>
+                </a:solidFill>
+                <a:latin typeface="Consolas" pitchFamily="49" charset="0"/>
+                <a:ea typeface="ヒラギノ角ゴ Pro W3" charset="0"/>
+                <a:cs typeface="Consolas" pitchFamily="49" charset="0"/>
+              </a:rPr>
+              <a:t>B.cpp</a:t>
+            </a:r>
+            <a:endParaRPr lang="en-US" sz="1400" dirty="0" smtClean="0">
+              <a:solidFill>
+                <a:srgbClr val="00B050"/>
+              </a:solidFill>
+              <a:latin typeface="Consolas" pitchFamily="49" charset="0"/>
+              <a:ea typeface="ヒラギノ角ゴ Pro W3" charset="0"/>
+              <a:cs typeface="Consolas" pitchFamily="49" charset="0"/>
             </a:endParaRPr>
           </a:p>
         </p:txBody>
@@ -8925,7 +13638,7 @@
         </p:nvSpPr>
         <p:spPr>
           <a:xfrm>
-            <a:off x="416169" y="435143"/>
+            <a:off x="416169" y="219119"/>
             <a:ext cx="8229600" cy="480423"/>
           </a:xfrm>
         </p:spPr>
@@ -8936,7 +13649,7 @@
             <a:pPr algn="ctr"/>
             <a:r>
               <a:rPr lang="en-US" sz="3200" dirty="0" smtClean="0"/>
-              <a:t>Export from shared library</a:t>
+              <a:t>One def rule in C++</a:t>
             </a:r>
             <a:endParaRPr lang="en-US" sz="3200" dirty="0"/>
           </a:p>
@@ -9002,143 +13715,782 @@
       </p:sp>
       <p:sp>
         <p:nvSpPr>
-          <p:cNvPr id="5" name="Content Placeholder 2"/>
-          <p:cNvSpPr txBox="1">
-            <a:spLocks/>
-          </p:cNvSpPr>
+          <p:cNvPr id="8" name="Rectangle 7"/>
+          <p:cNvSpPr/>
           <p:nvPr/>
         </p:nvSpPr>
-        <p:spPr bwMode="auto">
+        <p:spPr>
           <a:xfrm>
-            <a:off x="570520" y="1203598"/>
-            <a:ext cx="8227649" cy="2952328"/>
+            <a:off x="432048" y="902786"/>
+            <a:ext cx="3995936" cy="2893100"/>
           </a:xfrm>
           <a:prstGeom prst="rect">
             <a:avLst/>
           </a:prstGeom>
-          <a:noFill/>
-          <a:ln w="9525">
-            <a:noFill/>
-            <a:miter lim="800000"/>
-            <a:headEnd/>
-            <a:tailEnd/>
-          </a:ln>
         </p:spPr>
         <p:txBody>
-          <a:bodyPr vert="horz" wrap="square" lIns="0" tIns="0" rIns="0" bIns="0" numCol="1" anchor="t" anchorCtr="0" compatLnSpc="1">
-            <a:prstTxWarp prst="textNoShape">
-              <a:avLst/>
-            </a:prstTxWarp>
+          <a:bodyPr wrap="square">
+            <a:spAutoFit/>
           </a:bodyPr>
           <a:lstStyle/>
           <a:p>
-            <a:pPr marL="458788" marR="0" lvl="1" indent="-228600" algn="l" defTabSz="457200" rtl="0" eaLnBrk="1" fontAlgn="base" latinLnBrk="0" hangingPunct="1">
-              <a:lnSpc>
-                <a:spcPct val="100000"/>
-              </a:lnSpc>
-              <a:spcBef>
-                <a:spcPct val="0"/>
-              </a:spcBef>
-              <a:spcAft>
-                <a:spcPts val="600"/>
-              </a:spcAft>
-              <a:buClrTx/>
-              <a:buSzTx/>
-              <a:buFont typeface="Arial" pitchFamily="34" charset="0"/>
-              <a:buChar char="•"/>
-              <a:tabLst/>
-              <a:defRPr/>
-            </a:pPr>
-            <a:endParaRPr kumimoji="0" lang="en-US" sz="2400" b="0" i="0" u="none" strike="noStrike" kern="1200" cap="none" spc="0" normalizeH="0" baseline="0" noProof="0" dirty="0" smtClean="0">
-              <a:ln>
-                <a:noFill/>
-              </a:ln>
+            <a:pPr marL="458788" lvl="1" indent="-228600">
+              <a:spcAft>
+                <a:spcPts val="0"/>
+              </a:spcAft>
+              <a:defRPr/>
+            </a:pPr>
+            <a:r>
+              <a:rPr lang="en-US" sz="1400" dirty="0" smtClean="0">
+                <a:solidFill>
+                  <a:schemeClr val="bg2"/>
+                </a:solidFill>
+                <a:latin typeface="Consolas" pitchFamily="49" charset="0"/>
+                <a:ea typeface="ヒラギノ角ゴ Pro W3" charset="0"/>
+                <a:cs typeface="Consolas" pitchFamily="49" charset="0"/>
+              </a:rPr>
+              <a:t>// A.cpp</a:t>
+            </a:r>
+          </a:p>
+          <a:p>
+            <a:pPr marL="458788" lvl="1" indent="-228600">
+              <a:spcAft>
+                <a:spcPts val="0"/>
+              </a:spcAft>
+              <a:defRPr/>
+            </a:pPr>
+            <a:endParaRPr lang="en-US" sz="1400" dirty="0" smtClean="0">
               <a:solidFill>
                 <a:schemeClr val="bg2"/>
               </a:solidFill>
-              <a:effectLst/>
-              <a:uLnTx/>
-              <a:uFillTx/>
-              <a:latin typeface="+mn-lt"/>
+              <a:latin typeface="Consolas" pitchFamily="49" charset="0"/>
               <a:ea typeface="ヒラギノ角ゴ Pro W3" charset="0"/>
-              <a:cs typeface="ヒラギノ角ゴ Pro W3"/>
+              <a:cs typeface="Consolas" pitchFamily="49" charset="0"/>
             </a:endParaRPr>
+          </a:p>
+          <a:p>
+            <a:pPr marL="458788" lvl="1" indent="-228600">
+              <a:spcAft>
+                <a:spcPts val="0"/>
+              </a:spcAft>
+              <a:defRPr/>
+            </a:pPr>
+            <a:r>
+              <a:rPr lang="en-US" sz="1400" dirty="0" smtClean="0">
+                <a:solidFill>
+                  <a:schemeClr val="bg2"/>
+                </a:solidFill>
+                <a:latin typeface="Consolas" pitchFamily="49" charset="0"/>
+                <a:ea typeface="ヒラギノ角ゴ Pro W3" charset="0"/>
+                <a:cs typeface="Consolas" pitchFamily="49" charset="0"/>
+              </a:rPr>
+              <a:t>#include &lt;</a:t>
+            </a:r>
+            <a:r>
+              <a:rPr lang="en-US" sz="1400" dirty="0" err="1" smtClean="0">
+                <a:solidFill>
+                  <a:schemeClr val="bg2"/>
+                </a:solidFill>
+                <a:latin typeface="Consolas" pitchFamily="49" charset="0"/>
+                <a:ea typeface="ヒラギノ角ゴ Pro W3" charset="0"/>
+                <a:cs typeface="Consolas" pitchFamily="49" charset="0"/>
+              </a:rPr>
+              <a:t>stdio.h</a:t>
+            </a:r>
+            <a:r>
+              <a:rPr lang="en-US" sz="1400" dirty="0" smtClean="0">
+                <a:solidFill>
+                  <a:schemeClr val="bg2"/>
+                </a:solidFill>
+                <a:latin typeface="Consolas" pitchFamily="49" charset="0"/>
+                <a:ea typeface="ヒラギノ角ゴ Pro W3" charset="0"/>
+                <a:cs typeface="Consolas" pitchFamily="49" charset="0"/>
+              </a:rPr>
+              <a:t>&gt;</a:t>
+            </a:r>
+          </a:p>
+          <a:p>
+            <a:pPr marL="458788" lvl="1" indent="-228600">
+              <a:spcAft>
+                <a:spcPts val="0"/>
+              </a:spcAft>
+              <a:defRPr/>
+            </a:pPr>
+            <a:r>
+              <a:rPr lang="en-US" sz="1400" dirty="0" err="1" smtClean="0">
+                <a:solidFill>
+                  <a:schemeClr val="bg2"/>
+                </a:solidFill>
+                <a:latin typeface="Consolas" pitchFamily="49" charset="0"/>
+                <a:ea typeface="ヒラギノ角ゴ Pro W3" charset="0"/>
+                <a:cs typeface="Consolas" pitchFamily="49" charset="0"/>
+              </a:rPr>
+              <a:t>struct</a:t>
+            </a:r>
+            <a:r>
+              <a:rPr lang="en-US" sz="1400" dirty="0" smtClean="0">
+                <a:solidFill>
+                  <a:schemeClr val="bg2"/>
+                </a:solidFill>
+                <a:latin typeface="Consolas" pitchFamily="49" charset="0"/>
+                <a:ea typeface="ヒラギノ角ゴ Pro W3" charset="0"/>
+                <a:cs typeface="Consolas" pitchFamily="49" charset="0"/>
+              </a:rPr>
+              <a:t> S</a:t>
+            </a:r>
+          </a:p>
+          <a:p>
+            <a:pPr marL="458788" lvl="1" indent="-228600">
+              <a:spcAft>
+                <a:spcPts val="0"/>
+              </a:spcAft>
+              <a:defRPr/>
+            </a:pPr>
+            <a:r>
+              <a:rPr lang="en-US" sz="1400" dirty="0" smtClean="0">
+                <a:solidFill>
+                  <a:schemeClr val="bg2"/>
+                </a:solidFill>
+                <a:latin typeface="Consolas" pitchFamily="49" charset="0"/>
+                <a:ea typeface="ヒラギノ角ゴ Pro W3" charset="0"/>
+                <a:cs typeface="Consolas" pitchFamily="49" charset="0"/>
+              </a:rPr>
+              <a:t>{</a:t>
+            </a:r>
+          </a:p>
+          <a:p>
+            <a:pPr marL="458788" lvl="1" indent="-228600">
+              <a:spcAft>
+                <a:spcPts val="0"/>
+              </a:spcAft>
+              <a:defRPr/>
+            </a:pPr>
+            <a:r>
+              <a:rPr lang="en-US" sz="1400" dirty="0" smtClean="0">
+                <a:solidFill>
+                  <a:schemeClr val="bg2"/>
+                </a:solidFill>
+                <a:latin typeface="Consolas" pitchFamily="49" charset="0"/>
+                <a:ea typeface="ヒラギノ角ゴ Pro W3" charset="0"/>
+                <a:cs typeface="Consolas" pitchFamily="49" charset="0"/>
+              </a:rPr>
+              <a:t>   void </a:t>
+            </a:r>
+            <a:r>
+              <a:rPr lang="en-US" sz="1400" dirty="0" err="1" smtClean="0">
+                <a:solidFill>
+                  <a:schemeClr val="bg2"/>
+                </a:solidFill>
+                <a:latin typeface="Consolas" pitchFamily="49" charset="0"/>
+                <a:ea typeface="ヒラギノ角ゴ Pro W3" charset="0"/>
+                <a:cs typeface="Consolas" pitchFamily="49" charset="0"/>
+              </a:rPr>
+              <a:t>foo</a:t>
+            </a:r>
+            <a:r>
+              <a:rPr lang="en-US" sz="1400" dirty="0" smtClean="0">
+                <a:solidFill>
+                  <a:schemeClr val="bg2"/>
+                </a:solidFill>
+                <a:latin typeface="Consolas" pitchFamily="49" charset="0"/>
+                <a:ea typeface="ヒラギノ角ゴ Pro W3" charset="0"/>
+                <a:cs typeface="Consolas" pitchFamily="49" charset="0"/>
+              </a:rPr>
+              <a:t>() { </a:t>
+            </a:r>
+            <a:r>
+              <a:rPr lang="en-US" sz="1400" dirty="0" err="1" smtClean="0">
+                <a:solidFill>
+                  <a:schemeClr val="bg2"/>
+                </a:solidFill>
+                <a:latin typeface="Consolas" pitchFamily="49" charset="0"/>
+                <a:ea typeface="ヒラギノ角ゴ Pro W3" charset="0"/>
+                <a:cs typeface="Consolas" pitchFamily="49" charset="0"/>
+              </a:rPr>
+              <a:t>printf</a:t>
+            </a:r>
+            <a:r>
+              <a:rPr lang="en-US" sz="1400" dirty="0" smtClean="0">
+                <a:solidFill>
+                  <a:schemeClr val="bg2"/>
+                </a:solidFill>
+                <a:latin typeface="Consolas" pitchFamily="49" charset="0"/>
+                <a:ea typeface="ヒラギノ角ゴ Pro W3" charset="0"/>
+                <a:cs typeface="Consolas" pitchFamily="49" charset="0"/>
+              </a:rPr>
+              <a:t>("A.cpp\n"); }</a:t>
+            </a:r>
+          </a:p>
+          <a:p>
+            <a:pPr marL="458788" lvl="1" indent="-228600">
+              <a:spcAft>
+                <a:spcPts val="0"/>
+              </a:spcAft>
+              <a:defRPr/>
+            </a:pPr>
+            <a:r>
+              <a:rPr lang="en-US" sz="1400" dirty="0" smtClean="0">
+                <a:solidFill>
+                  <a:schemeClr val="bg2"/>
+                </a:solidFill>
+                <a:latin typeface="Consolas" pitchFamily="49" charset="0"/>
+                <a:ea typeface="ヒラギノ角ゴ Pro W3" charset="0"/>
+                <a:cs typeface="Consolas" pitchFamily="49" charset="0"/>
+              </a:rPr>
+              <a:t>};</a:t>
+            </a:r>
+          </a:p>
+          <a:p>
+            <a:pPr marL="458788" lvl="1" indent="-228600">
+              <a:spcAft>
+                <a:spcPts val="0"/>
+              </a:spcAft>
+              <a:defRPr/>
+            </a:pPr>
+            <a:endParaRPr lang="en-US" sz="1400" dirty="0" smtClean="0">
+              <a:solidFill>
+                <a:schemeClr val="bg2"/>
+              </a:solidFill>
+              <a:latin typeface="Consolas" pitchFamily="49" charset="0"/>
+              <a:ea typeface="ヒラギノ角ゴ Pro W3" charset="0"/>
+              <a:cs typeface="Consolas" pitchFamily="49" charset="0"/>
+            </a:endParaRPr>
+          </a:p>
+          <a:p>
+            <a:pPr marL="458788" lvl="1" indent="-228600">
+              <a:spcAft>
+                <a:spcPts val="0"/>
+              </a:spcAft>
+              <a:defRPr/>
+            </a:pPr>
+            <a:r>
+              <a:rPr lang="en-US" sz="1400" dirty="0" smtClean="0">
+                <a:solidFill>
+                  <a:schemeClr val="bg2"/>
+                </a:solidFill>
+                <a:latin typeface="Consolas" pitchFamily="49" charset="0"/>
+                <a:ea typeface="ヒラギノ角ゴ Pro W3" charset="0"/>
+                <a:cs typeface="Consolas" pitchFamily="49" charset="0"/>
+              </a:rPr>
+              <a:t>void </a:t>
+            </a:r>
+            <a:r>
+              <a:rPr lang="en-US" sz="1400" dirty="0" err="1" smtClean="0">
+                <a:solidFill>
+                  <a:schemeClr val="bg2"/>
+                </a:solidFill>
+                <a:latin typeface="Consolas" pitchFamily="49" charset="0"/>
+                <a:ea typeface="ヒラギノ角ゴ Pro W3" charset="0"/>
+                <a:cs typeface="Consolas" pitchFamily="49" charset="0"/>
+              </a:rPr>
+              <a:t>fooA</a:t>
+            </a:r>
+            <a:r>
+              <a:rPr lang="en-US" sz="1400" dirty="0" smtClean="0">
+                <a:solidFill>
+                  <a:schemeClr val="bg2"/>
+                </a:solidFill>
+                <a:latin typeface="Consolas" pitchFamily="49" charset="0"/>
+                <a:ea typeface="ヒラギノ角ゴ Pro W3" charset="0"/>
+                <a:cs typeface="Consolas" pitchFamily="49" charset="0"/>
+              </a:rPr>
+              <a:t>() </a:t>
+            </a:r>
+          </a:p>
+          <a:p>
+            <a:pPr marL="458788" lvl="1" indent="-228600">
+              <a:spcAft>
+                <a:spcPts val="0"/>
+              </a:spcAft>
+              <a:defRPr/>
+            </a:pPr>
+            <a:r>
+              <a:rPr lang="en-US" sz="1400" dirty="0" smtClean="0">
+                <a:solidFill>
+                  <a:schemeClr val="bg2"/>
+                </a:solidFill>
+                <a:latin typeface="Consolas" pitchFamily="49" charset="0"/>
+                <a:ea typeface="ヒラギノ角ゴ Pro W3" charset="0"/>
+                <a:cs typeface="Consolas" pitchFamily="49" charset="0"/>
+              </a:rPr>
+              <a:t>{</a:t>
+            </a:r>
+          </a:p>
+          <a:p>
+            <a:pPr marL="458788" lvl="1" indent="-228600">
+              <a:spcAft>
+                <a:spcPts val="0"/>
+              </a:spcAft>
+              <a:defRPr/>
+            </a:pPr>
+            <a:r>
+              <a:rPr lang="en-US" sz="1400" dirty="0" smtClean="0">
+                <a:solidFill>
+                  <a:schemeClr val="bg2"/>
+                </a:solidFill>
+                <a:latin typeface="Consolas" pitchFamily="49" charset="0"/>
+                <a:ea typeface="ヒラギノ角ゴ Pro W3" charset="0"/>
+                <a:cs typeface="Consolas" pitchFamily="49" charset="0"/>
+              </a:rPr>
+              <a:t>    S </a:t>
+            </a:r>
+            <a:r>
+              <a:rPr lang="en-US" sz="1400" dirty="0" err="1" smtClean="0">
+                <a:solidFill>
+                  <a:schemeClr val="bg2"/>
+                </a:solidFill>
+                <a:latin typeface="Consolas" pitchFamily="49" charset="0"/>
+                <a:ea typeface="ヒラギノ角ゴ Pro W3" charset="0"/>
+                <a:cs typeface="Consolas" pitchFamily="49" charset="0"/>
+              </a:rPr>
+              <a:t>s</a:t>
+            </a:r>
+            <a:r>
+              <a:rPr lang="en-US" sz="1400" dirty="0" smtClean="0">
+                <a:solidFill>
+                  <a:schemeClr val="bg2"/>
+                </a:solidFill>
+                <a:latin typeface="Consolas" pitchFamily="49" charset="0"/>
+                <a:ea typeface="ヒラギノ角ゴ Pro W3" charset="0"/>
+                <a:cs typeface="Consolas" pitchFamily="49" charset="0"/>
+              </a:rPr>
+              <a:t>;</a:t>
+            </a:r>
+          </a:p>
+          <a:p>
+            <a:pPr marL="458788" lvl="1" indent="-228600">
+              <a:spcAft>
+                <a:spcPts val="0"/>
+              </a:spcAft>
+              <a:defRPr/>
+            </a:pPr>
+            <a:r>
+              <a:rPr lang="en-US" sz="1400" dirty="0" smtClean="0">
+                <a:solidFill>
+                  <a:schemeClr val="bg2"/>
+                </a:solidFill>
+                <a:latin typeface="Consolas" pitchFamily="49" charset="0"/>
+                <a:ea typeface="ヒラギノ角ゴ Pro W3" charset="0"/>
+                <a:cs typeface="Consolas" pitchFamily="49" charset="0"/>
+              </a:rPr>
+              <a:t>    s.foo();</a:t>
+            </a:r>
+          </a:p>
+          <a:p>
+            <a:pPr marL="458788" lvl="1" indent="-228600">
+              <a:spcAft>
+                <a:spcPts val="0"/>
+              </a:spcAft>
+              <a:defRPr/>
+            </a:pPr>
+            <a:r>
+              <a:rPr lang="en-US" sz="1400" dirty="0" smtClean="0">
+                <a:solidFill>
+                  <a:schemeClr val="bg2"/>
+                </a:solidFill>
+                <a:latin typeface="Consolas" pitchFamily="49" charset="0"/>
+                <a:ea typeface="ヒラギノ角ゴ Pro W3" charset="0"/>
+                <a:cs typeface="Consolas" pitchFamily="49" charset="0"/>
+              </a:rPr>
+              <a:t>}</a:t>
+            </a:r>
+            <a:endParaRPr lang="en-US" sz="1400" dirty="0"/>
           </a:p>
         </p:txBody>
       </p:sp>
       <p:sp>
         <p:nvSpPr>
-          <p:cNvPr id="7" name="Content Placeholder 2"/>
-          <p:cNvSpPr txBox="1">
-            <a:spLocks/>
-          </p:cNvSpPr>
+          <p:cNvPr id="10" name="Rectangle 9"/>
+          <p:cNvSpPr/>
           <p:nvPr/>
         </p:nvSpPr>
-        <p:spPr bwMode="auto">
+        <p:spPr>
           <a:xfrm>
-            <a:off x="722920" y="1355998"/>
-            <a:ext cx="8227649" cy="2952328"/>
+            <a:off x="4427984" y="902786"/>
+            <a:ext cx="5153888" cy="2893100"/>
           </a:xfrm>
           <a:prstGeom prst="rect">
             <a:avLst/>
           </a:prstGeom>
-          <a:noFill/>
-          <a:ln w="9525">
-            <a:noFill/>
-            <a:miter lim="800000"/>
-            <a:headEnd/>
-            <a:tailEnd/>
-          </a:ln>
         </p:spPr>
         <p:txBody>
-          <a:bodyPr vert="horz" wrap="square" lIns="0" tIns="0" rIns="0" bIns="0" numCol="1" anchor="t" anchorCtr="0" compatLnSpc="1">
-            <a:prstTxWarp prst="textNoShape">
-              <a:avLst/>
-            </a:prstTxWarp>
+          <a:bodyPr wrap="square">
+            <a:spAutoFit/>
           </a:bodyPr>
           <a:lstStyle/>
           <a:p>
-            <a:pPr marL="458788" marR="0" lvl="1" indent="-228600" algn="l" defTabSz="457200" rtl="0" eaLnBrk="1" fontAlgn="base" latinLnBrk="0" hangingPunct="1">
-              <a:lnSpc>
-                <a:spcPct val="100000"/>
-              </a:lnSpc>
-              <a:spcBef>
-                <a:spcPct val="0"/>
-              </a:spcBef>
-              <a:spcAft>
-                <a:spcPts val="600"/>
-              </a:spcAft>
-              <a:buClrTx/>
-              <a:buSzTx/>
-              <a:buFont typeface="Arial" pitchFamily="34" charset="0"/>
-              <a:buChar char="•"/>
-              <a:tabLst/>
-              <a:defRPr/>
-            </a:pPr>
-            <a:r>
-              <a:rPr lang="en-US" sz="2400" dirty="0" smtClean="0">
-                <a:solidFill>
-                  <a:schemeClr val="bg2"/>
-                </a:solidFill>
-                <a:latin typeface="+mn-lt"/>
-                <a:ea typeface="ヒラギノ角ゴ Pro W3" charset="0"/>
-              </a:rPr>
-              <a:t>Name mangling</a:t>
-            </a:r>
-            <a:endParaRPr kumimoji="0" lang="en-US" sz="2400" b="0" i="0" u="none" strike="noStrike" kern="1200" cap="none" spc="0" normalizeH="0" baseline="0" noProof="0" dirty="0" smtClean="0">
-              <a:ln>
-                <a:noFill/>
-              </a:ln>
+            <a:pPr marL="458788" lvl="1" indent="-228600">
+              <a:spcAft>
+                <a:spcPts val="0"/>
+              </a:spcAft>
+              <a:defRPr/>
+            </a:pPr>
+            <a:r>
+              <a:rPr lang="en-US" sz="1400" dirty="0" smtClean="0">
+                <a:solidFill>
+                  <a:schemeClr val="bg2"/>
+                </a:solidFill>
+                <a:latin typeface="Consolas" pitchFamily="49" charset="0"/>
+                <a:ea typeface="ヒラギノ角ゴ Pro W3" charset="0"/>
+                <a:cs typeface="Consolas" pitchFamily="49" charset="0"/>
+              </a:rPr>
+              <a:t>// B.cpp</a:t>
+            </a:r>
+          </a:p>
+          <a:p>
+            <a:pPr marL="458788" lvl="1" indent="-228600">
+              <a:spcAft>
+                <a:spcPts val="0"/>
+              </a:spcAft>
+              <a:defRPr/>
+            </a:pPr>
+            <a:endParaRPr lang="en-US" sz="1400" dirty="0" smtClean="0">
               <a:solidFill>
                 <a:schemeClr val="bg2"/>
               </a:solidFill>
-              <a:effectLst/>
-              <a:uLnTx/>
-              <a:uFillTx/>
-              <a:latin typeface="+mn-lt"/>
+              <a:latin typeface="Consolas" pitchFamily="49" charset="0"/>
               <a:ea typeface="ヒラギノ角ゴ Pro W3" charset="0"/>
-              <a:cs typeface="ヒラギノ角ゴ Pro W3"/>
+              <a:cs typeface="Consolas" pitchFamily="49" charset="0"/>
             </a:endParaRPr>
+          </a:p>
+          <a:p>
+            <a:pPr marL="458788" lvl="1" indent="-228600">
+              <a:spcAft>
+                <a:spcPts val="0"/>
+              </a:spcAft>
+              <a:defRPr/>
+            </a:pPr>
+            <a:r>
+              <a:rPr lang="en-US" sz="1400" dirty="0" smtClean="0">
+                <a:solidFill>
+                  <a:schemeClr val="bg2"/>
+                </a:solidFill>
+                <a:latin typeface="Consolas" pitchFamily="49" charset="0"/>
+                <a:ea typeface="ヒラギノ角ゴ Pro W3" charset="0"/>
+                <a:cs typeface="Consolas" pitchFamily="49" charset="0"/>
+              </a:rPr>
+              <a:t>#include </a:t>
+            </a:r>
+            <a:r>
+              <a:rPr lang="en-US" sz="1400" dirty="0" smtClean="0">
+                <a:solidFill>
+                  <a:schemeClr val="bg2"/>
+                </a:solidFill>
+                <a:latin typeface="Consolas" pitchFamily="49" charset="0"/>
+                <a:ea typeface="ヒラギノ角ゴ Pro W3" charset="0"/>
+                <a:cs typeface="Consolas" pitchFamily="49" charset="0"/>
+              </a:rPr>
+              <a:t>&lt;</a:t>
+            </a:r>
+            <a:r>
+              <a:rPr lang="en-US" sz="1400" dirty="0" err="1" smtClean="0">
+                <a:solidFill>
+                  <a:schemeClr val="bg2"/>
+                </a:solidFill>
+                <a:latin typeface="Consolas" pitchFamily="49" charset="0"/>
+                <a:ea typeface="ヒラギノ角ゴ Pro W3" charset="0"/>
+                <a:cs typeface="Consolas" pitchFamily="49" charset="0"/>
+              </a:rPr>
+              <a:t>stdio.h</a:t>
+            </a:r>
+            <a:r>
+              <a:rPr lang="en-US" sz="1400" dirty="0" smtClean="0">
+                <a:solidFill>
+                  <a:schemeClr val="bg2"/>
+                </a:solidFill>
+                <a:latin typeface="Consolas" pitchFamily="49" charset="0"/>
+                <a:ea typeface="ヒラギノ角ゴ Pro W3" charset="0"/>
+                <a:cs typeface="Consolas" pitchFamily="49" charset="0"/>
+              </a:rPr>
+              <a:t>&gt;</a:t>
+            </a:r>
+          </a:p>
+          <a:p>
+            <a:pPr marL="458788" lvl="1" indent="-228600">
+              <a:spcAft>
+                <a:spcPts val="0"/>
+              </a:spcAft>
+              <a:defRPr/>
+            </a:pPr>
+            <a:r>
+              <a:rPr lang="en-US" sz="1400" dirty="0" err="1" smtClean="0">
+                <a:solidFill>
+                  <a:schemeClr val="bg2"/>
+                </a:solidFill>
+                <a:latin typeface="Consolas" pitchFamily="49" charset="0"/>
+                <a:ea typeface="ヒラギノ角ゴ Pro W3" charset="0"/>
+                <a:cs typeface="Consolas" pitchFamily="49" charset="0"/>
+              </a:rPr>
+              <a:t>struct</a:t>
+            </a:r>
+            <a:r>
+              <a:rPr lang="en-US" sz="1400" dirty="0" smtClean="0">
+                <a:solidFill>
+                  <a:schemeClr val="bg2"/>
+                </a:solidFill>
+                <a:latin typeface="Consolas" pitchFamily="49" charset="0"/>
+                <a:ea typeface="ヒラギノ角ゴ Pro W3" charset="0"/>
+                <a:cs typeface="Consolas" pitchFamily="49" charset="0"/>
+              </a:rPr>
+              <a:t> S</a:t>
+            </a:r>
+          </a:p>
+          <a:p>
+            <a:pPr marL="458788" lvl="1" indent="-228600">
+              <a:spcAft>
+                <a:spcPts val="0"/>
+              </a:spcAft>
+              <a:defRPr/>
+            </a:pPr>
+            <a:r>
+              <a:rPr lang="en-US" sz="1400" dirty="0" smtClean="0">
+                <a:solidFill>
+                  <a:schemeClr val="bg2"/>
+                </a:solidFill>
+                <a:latin typeface="Consolas" pitchFamily="49" charset="0"/>
+                <a:ea typeface="ヒラギノ角ゴ Pro W3" charset="0"/>
+                <a:cs typeface="Consolas" pitchFamily="49" charset="0"/>
+              </a:rPr>
+              <a:t>{</a:t>
+            </a:r>
+          </a:p>
+          <a:p>
+            <a:pPr marL="458788" lvl="1" indent="-228600">
+              <a:spcAft>
+                <a:spcPts val="0"/>
+              </a:spcAft>
+              <a:defRPr/>
+            </a:pPr>
+            <a:r>
+              <a:rPr lang="en-US" sz="1400" dirty="0" smtClean="0">
+                <a:solidFill>
+                  <a:schemeClr val="bg2"/>
+                </a:solidFill>
+                <a:latin typeface="Consolas" pitchFamily="49" charset="0"/>
+                <a:ea typeface="ヒラギノ角ゴ Pro W3" charset="0"/>
+                <a:cs typeface="Consolas" pitchFamily="49" charset="0"/>
+              </a:rPr>
+              <a:t>   void </a:t>
+            </a:r>
+            <a:r>
+              <a:rPr lang="en-US" sz="1400" dirty="0" err="1" smtClean="0">
+                <a:solidFill>
+                  <a:schemeClr val="bg2"/>
+                </a:solidFill>
+                <a:latin typeface="Consolas" pitchFamily="49" charset="0"/>
+                <a:ea typeface="ヒラギノ角ゴ Pro W3" charset="0"/>
+                <a:cs typeface="Consolas" pitchFamily="49" charset="0"/>
+              </a:rPr>
+              <a:t>foo</a:t>
+            </a:r>
+            <a:r>
+              <a:rPr lang="en-US" sz="1400" dirty="0" smtClean="0">
+                <a:solidFill>
+                  <a:schemeClr val="bg2"/>
+                </a:solidFill>
+                <a:latin typeface="Consolas" pitchFamily="49" charset="0"/>
+                <a:ea typeface="ヒラギノ角ゴ Pro W3" charset="0"/>
+                <a:cs typeface="Consolas" pitchFamily="49" charset="0"/>
+              </a:rPr>
+              <a:t>() { </a:t>
+            </a:r>
+            <a:r>
+              <a:rPr lang="en-US" sz="1400" dirty="0" err="1" smtClean="0">
+                <a:solidFill>
+                  <a:schemeClr val="bg2"/>
+                </a:solidFill>
+                <a:latin typeface="Consolas" pitchFamily="49" charset="0"/>
+                <a:ea typeface="ヒラギノ角ゴ Pro W3" charset="0"/>
+                <a:cs typeface="Consolas" pitchFamily="49" charset="0"/>
+              </a:rPr>
+              <a:t>printf</a:t>
+            </a:r>
+            <a:r>
+              <a:rPr lang="en-US" sz="1400" dirty="0" smtClean="0">
+                <a:solidFill>
+                  <a:schemeClr val="bg2"/>
+                </a:solidFill>
+                <a:latin typeface="Consolas" pitchFamily="49" charset="0"/>
+                <a:ea typeface="ヒラギノ角ゴ Pro W3" charset="0"/>
+                <a:cs typeface="Consolas" pitchFamily="49" charset="0"/>
+              </a:rPr>
+              <a:t>("B.cpp\n"); }</a:t>
+            </a:r>
+          </a:p>
+          <a:p>
+            <a:pPr marL="458788" lvl="1" indent="-228600">
+              <a:spcAft>
+                <a:spcPts val="0"/>
+              </a:spcAft>
+              <a:defRPr/>
+            </a:pPr>
+            <a:r>
+              <a:rPr lang="en-US" sz="1400" dirty="0" smtClean="0">
+                <a:solidFill>
+                  <a:schemeClr val="bg2"/>
+                </a:solidFill>
+                <a:latin typeface="Consolas" pitchFamily="49" charset="0"/>
+                <a:ea typeface="ヒラギノ角ゴ Pro W3" charset="0"/>
+                <a:cs typeface="Consolas" pitchFamily="49" charset="0"/>
+              </a:rPr>
+              <a:t>};</a:t>
+            </a:r>
+          </a:p>
+          <a:p>
+            <a:pPr marL="458788" lvl="1" indent="-228600">
+              <a:spcAft>
+                <a:spcPts val="0"/>
+              </a:spcAft>
+              <a:defRPr/>
+            </a:pPr>
+            <a:endParaRPr lang="en-US" sz="1400" dirty="0" smtClean="0">
+              <a:solidFill>
+                <a:schemeClr val="bg2"/>
+              </a:solidFill>
+              <a:latin typeface="Consolas" pitchFamily="49" charset="0"/>
+              <a:ea typeface="ヒラギノ角ゴ Pro W3" charset="0"/>
+              <a:cs typeface="Consolas" pitchFamily="49" charset="0"/>
+            </a:endParaRPr>
+          </a:p>
+          <a:p>
+            <a:pPr marL="458788" lvl="1" indent="-228600">
+              <a:spcAft>
+                <a:spcPts val="0"/>
+              </a:spcAft>
+              <a:defRPr/>
+            </a:pPr>
+            <a:r>
+              <a:rPr lang="en-US" sz="1400" dirty="0" smtClean="0">
+                <a:solidFill>
+                  <a:schemeClr val="bg2"/>
+                </a:solidFill>
+                <a:latin typeface="Consolas" pitchFamily="49" charset="0"/>
+                <a:ea typeface="ヒラギノ角ゴ Pro W3" charset="0"/>
+                <a:cs typeface="Consolas" pitchFamily="49" charset="0"/>
+              </a:rPr>
+              <a:t>void </a:t>
+            </a:r>
+            <a:r>
+              <a:rPr lang="en-US" sz="1400" dirty="0" err="1" smtClean="0">
+                <a:solidFill>
+                  <a:schemeClr val="bg2"/>
+                </a:solidFill>
+                <a:latin typeface="Consolas" pitchFamily="49" charset="0"/>
+                <a:ea typeface="ヒラギノ角ゴ Pro W3" charset="0"/>
+                <a:cs typeface="Consolas" pitchFamily="49" charset="0"/>
+              </a:rPr>
+              <a:t>fooB</a:t>
+            </a:r>
+            <a:r>
+              <a:rPr lang="en-US" sz="1400" dirty="0" smtClean="0">
+                <a:solidFill>
+                  <a:schemeClr val="bg2"/>
+                </a:solidFill>
+                <a:latin typeface="Consolas" pitchFamily="49" charset="0"/>
+                <a:ea typeface="ヒラギノ角ゴ Pro W3" charset="0"/>
+                <a:cs typeface="Consolas" pitchFamily="49" charset="0"/>
+              </a:rPr>
+              <a:t>() </a:t>
+            </a:r>
+          </a:p>
+          <a:p>
+            <a:pPr marL="458788" lvl="1" indent="-228600">
+              <a:spcAft>
+                <a:spcPts val="0"/>
+              </a:spcAft>
+              <a:defRPr/>
+            </a:pPr>
+            <a:r>
+              <a:rPr lang="en-US" sz="1400" dirty="0" smtClean="0">
+                <a:solidFill>
+                  <a:schemeClr val="bg2"/>
+                </a:solidFill>
+                <a:latin typeface="Consolas" pitchFamily="49" charset="0"/>
+                <a:ea typeface="ヒラギノ角ゴ Pro W3" charset="0"/>
+                <a:cs typeface="Consolas" pitchFamily="49" charset="0"/>
+              </a:rPr>
+              <a:t>{</a:t>
+            </a:r>
+          </a:p>
+          <a:p>
+            <a:pPr marL="458788" lvl="1" indent="-228600">
+              <a:spcAft>
+                <a:spcPts val="0"/>
+              </a:spcAft>
+              <a:defRPr/>
+            </a:pPr>
+            <a:r>
+              <a:rPr lang="en-US" sz="1400" dirty="0" smtClean="0">
+                <a:solidFill>
+                  <a:schemeClr val="bg2"/>
+                </a:solidFill>
+                <a:latin typeface="Consolas" pitchFamily="49" charset="0"/>
+                <a:ea typeface="ヒラギノ角ゴ Pro W3" charset="0"/>
+                <a:cs typeface="Consolas" pitchFamily="49" charset="0"/>
+              </a:rPr>
+              <a:t>    S </a:t>
+            </a:r>
+            <a:r>
+              <a:rPr lang="en-US" sz="1400" dirty="0" err="1" smtClean="0">
+                <a:solidFill>
+                  <a:schemeClr val="bg2"/>
+                </a:solidFill>
+                <a:latin typeface="Consolas" pitchFamily="49" charset="0"/>
+                <a:ea typeface="ヒラギノ角ゴ Pro W3" charset="0"/>
+                <a:cs typeface="Consolas" pitchFamily="49" charset="0"/>
+              </a:rPr>
+              <a:t>s</a:t>
+            </a:r>
+            <a:r>
+              <a:rPr lang="en-US" sz="1400" dirty="0" smtClean="0">
+                <a:solidFill>
+                  <a:schemeClr val="bg2"/>
+                </a:solidFill>
+                <a:latin typeface="Consolas" pitchFamily="49" charset="0"/>
+                <a:ea typeface="ヒラギノ角ゴ Pro W3" charset="0"/>
+                <a:cs typeface="Consolas" pitchFamily="49" charset="0"/>
+              </a:rPr>
+              <a:t>;</a:t>
+            </a:r>
+          </a:p>
+          <a:p>
+            <a:pPr marL="458788" lvl="1" indent="-228600">
+              <a:spcAft>
+                <a:spcPts val="0"/>
+              </a:spcAft>
+              <a:defRPr/>
+            </a:pPr>
+            <a:r>
+              <a:rPr lang="en-US" sz="1400" dirty="0" smtClean="0">
+                <a:solidFill>
+                  <a:schemeClr val="bg2"/>
+                </a:solidFill>
+                <a:latin typeface="Consolas" pitchFamily="49" charset="0"/>
+                <a:ea typeface="ヒラギノ角ゴ Pro W3" charset="0"/>
+                <a:cs typeface="Consolas" pitchFamily="49" charset="0"/>
+              </a:rPr>
+              <a:t>    s.foo();</a:t>
+            </a:r>
+          </a:p>
+          <a:p>
+            <a:pPr marL="458788" lvl="1" indent="-228600">
+              <a:spcAft>
+                <a:spcPts val="0"/>
+              </a:spcAft>
+              <a:defRPr/>
+            </a:pPr>
+            <a:r>
+              <a:rPr lang="en-US" sz="1400" dirty="0" smtClean="0">
+                <a:solidFill>
+                  <a:schemeClr val="bg2"/>
+                </a:solidFill>
+                <a:latin typeface="Consolas" pitchFamily="49" charset="0"/>
+                <a:ea typeface="ヒラギノ角ゴ Pro W3" charset="0"/>
+                <a:cs typeface="Consolas" pitchFamily="49" charset="0"/>
+              </a:rPr>
+              <a:t>}</a:t>
+            </a:r>
+            <a:endParaRPr lang="en-US" sz="1400" dirty="0"/>
           </a:p>
         </p:txBody>
       </p:sp>
@@ -9190,7 +14542,7 @@
             <a:pPr algn="ctr"/>
             <a:r>
               <a:rPr lang="en-US" sz="3200" dirty="0" smtClean="0"/>
-              <a:t>Static linking of dynamic libraries</a:t>
+              <a:t>Do linker throws away unused code?</a:t>
             </a:r>
             <a:endParaRPr lang="en-US" sz="3200" dirty="0"/>
           </a:p>
@@ -9303,6 +14655,16 @@
               <a:tabLst/>
               <a:defRPr/>
             </a:pPr>
+            <a:r>
+              <a:rPr lang="en-US" sz="2400" dirty="0" smtClean="0">
+                <a:solidFill>
+                  <a:schemeClr val="bg2"/>
+                </a:solidFill>
+                <a:latin typeface="+mn-lt"/>
+                <a:ea typeface="ヒラギノ角ゴ Pro W3" charset="0"/>
+              </a:rPr>
+              <a:t>Prepare example of another mistake with unused code.</a:t>
+            </a:r>
             <a:endParaRPr kumimoji="0" lang="en-US" sz="2400" b="0" i="0" u="none" strike="noStrike" kern="1200" cap="none" spc="0" normalizeH="0" baseline="0" noProof="0" dirty="0" smtClean="0">
               <a:ln>
                 <a:noFill/>
@@ -9368,7 +14730,7 @@
             <a:pPr algn="ctr"/>
             <a:r>
               <a:rPr lang="en-US" sz="3200" dirty="0" smtClean="0"/>
-              <a:t>Static member mess up</a:t>
+              <a:t>Static libraries</a:t>
             </a:r>
             <a:endParaRPr lang="en-US" sz="3200" dirty="0"/>
           </a:p>
@@ -9481,6 +14843,82 @@
               <a:tabLst/>
               <a:defRPr/>
             </a:pPr>
+            <a:endParaRPr kumimoji="0" lang="en-US" sz="2400" b="0" i="0" u="none" strike="noStrike" kern="1200" cap="none" spc="0" normalizeH="0" baseline="0" noProof="0" dirty="0" smtClean="0">
+              <a:ln>
+                <a:noFill/>
+              </a:ln>
+              <a:solidFill>
+                <a:schemeClr val="bg2"/>
+              </a:solidFill>
+              <a:effectLst/>
+              <a:uLnTx/>
+              <a:uFillTx/>
+              <a:latin typeface="+mn-lt"/>
+              <a:ea typeface="ヒラギノ角ゴ Pro W3" charset="0"/>
+              <a:cs typeface="ヒラギノ角ゴ Pro W3"/>
+            </a:endParaRPr>
+          </a:p>
+        </p:txBody>
+      </p:sp>
+      <p:sp>
+        <p:nvSpPr>
+          <p:cNvPr id="7" name="Content Placeholder 2"/>
+          <p:cNvSpPr txBox="1">
+            <a:spLocks/>
+          </p:cNvSpPr>
+          <p:nvPr/>
+        </p:nvSpPr>
+        <p:spPr bwMode="auto">
+          <a:xfrm>
+            <a:off x="722920" y="1355998"/>
+            <a:ext cx="8227649" cy="2952328"/>
+          </a:xfrm>
+          <a:prstGeom prst="rect">
+            <a:avLst/>
+          </a:prstGeom>
+          <a:noFill/>
+          <a:ln w="9525">
+            <a:noFill/>
+            <a:miter lim="800000"/>
+            <a:headEnd/>
+            <a:tailEnd/>
+          </a:ln>
+        </p:spPr>
+        <p:txBody>
+          <a:bodyPr vert="horz" wrap="square" lIns="0" tIns="0" rIns="0" bIns="0" numCol="1" anchor="t" anchorCtr="0" compatLnSpc="1">
+            <a:prstTxWarp prst="textNoShape">
+              <a:avLst/>
+            </a:prstTxWarp>
+          </a:bodyPr>
+          <a:lstStyle/>
+          <a:p>
+            <a:pPr marL="458788" marR="0" lvl="1" indent="-228600" algn="l" defTabSz="457200" rtl="0" eaLnBrk="1" fontAlgn="base" latinLnBrk="0" hangingPunct="1">
+              <a:lnSpc>
+                <a:spcPct val="100000"/>
+              </a:lnSpc>
+              <a:spcBef>
+                <a:spcPct val="0"/>
+              </a:spcBef>
+              <a:spcAft>
+                <a:spcPts val="600"/>
+              </a:spcAft>
+              <a:buClrTx/>
+              <a:buSzTx/>
+              <a:buFont typeface="Arial" pitchFamily="34" charset="0"/>
+              <a:buChar char="•"/>
+              <a:tabLst/>
+              <a:defRPr/>
+            </a:pPr>
+            <a:r>
+              <a:rPr lang="en-US" sz="2400" dirty="0" smtClean="0">
+                <a:solidFill>
+                  <a:schemeClr val="bg2"/>
+                </a:solidFill>
+                <a:latin typeface="+mn-lt"/>
+                <a:ea typeface="ヒラギノ角ゴ Pro W3" charset="0"/>
+              </a:rPr>
+              <a:t>Static library is just a collection of object files.</a:t>
+            </a:r>
             <a:endParaRPr kumimoji="0" lang="en-US" sz="2400" b="0" i="0" u="none" strike="noStrike" kern="1200" cap="none" spc="0" normalizeH="0" baseline="0" noProof="0" dirty="0" smtClean="0">
               <a:ln>
                 <a:noFill/>
@@ -9681,7 +15119,6 @@
               <a:rPr lang="en-US" dirty="0" smtClean="0"/>
               <a:t>Linking </a:t>
             </a:r>
-            <a:endParaRPr lang="en-US" dirty="0" smtClean="0"/>
           </a:p>
         </p:txBody>
       </p:sp>
@@ -9761,7 +15198,7 @@
             <a:pPr algn="ctr"/>
             <a:r>
               <a:rPr lang="en-US" sz="3200" dirty="0" smtClean="0"/>
-              <a:t>My preferable project structure</a:t>
+              <a:t>Shared libraries</a:t>
             </a:r>
             <a:endParaRPr lang="en-US" sz="3200" dirty="0"/>
           </a:p>
@@ -9891,6 +15328,102 @@
           </a:p>
         </p:txBody>
       </p:sp>
+      <p:sp>
+        <p:nvSpPr>
+          <p:cNvPr id="7" name="Content Placeholder 2"/>
+          <p:cNvSpPr txBox="1">
+            <a:spLocks/>
+          </p:cNvSpPr>
+          <p:nvPr/>
+        </p:nvSpPr>
+        <p:spPr bwMode="auto">
+          <a:xfrm>
+            <a:off x="722920" y="1355998"/>
+            <a:ext cx="8227649" cy="2952328"/>
+          </a:xfrm>
+          <a:prstGeom prst="rect">
+            <a:avLst/>
+          </a:prstGeom>
+          <a:noFill/>
+          <a:ln w="9525">
+            <a:noFill/>
+            <a:miter lim="800000"/>
+            <a:headEnd/>
+            <a:tailEnd/>
+          </a:ln>
+        </p:spPr>
+        <p:txBody>
+          <a:bodyPr vert="horz" wrap="square" lIns="0" tIns="0" rIns="0" bIns="0" numCol="1" anchor="t" anchorCtr="0" compatLnSpc="1">
+            <a:prstTxWarp prst="textNoShape">
+              <a:avLst/>
+            </a:prstTxWarp>
+          </a:bodyPr>
+          <a:lstStyle/>
+          <a:p>
+            <a:pPr marL="458788" marR="0" lvl="1" indent="-228600" algn="l" defTabSz="457200" rtl="0" eaLnBrk="1" fontAlgn="base" latinLnBrk="0" hangingPunct="1">
+              <a:lnSpc>
+                <a:spcPct val="100000"/>
+              </a:lnSpc>
+              <a:spcBef>
+                <a:spcPct val="0"/>
+              </a:spcBef>
+              <a:spcAft>
+                <a:spcPts val="600"/>
+              </a:spcAft>
+              <a:buClrTx/>
+              <a:buSzTx/>
+              <a:buFont typeface="Arial" pitchFamily="34" charset="0"/>
+              <a:buChar char="•"/>
+              <a:tabLst/>
+              <a:defRPr/>
+            </a:pPr>
+            <a:r>
+              <a:rPr lang="en-US" sz="2400" dirty="0" smtClean="0">
+                <a:solidFill>
+                  <a:schemeClr val="bg2"/>
+                </a:solidFill>
+                <a:latin typeface="+mn-lt"/>
+                <a:ea typeface="ヒラギノ角ゴ Pro W3" charset="0"/>
+              </a:rPr>
+              <a:t>It would be a best approach to have the same copy of </a:t>
+            </a:r>
+            <a:r>
+              <a:rPr lang="en-US" sz="2400" dirty="0" err="1" smtClean="0">
+                <a:solidFill>
+                  <a:schemeClr val="bg2"/>
+                </a:solidFill>
+                <a:latin typeface="+mn-lt"/>
+                <a:ea typeface="ヒラギノ角ゴ Pro W3" charset="0"/>
+              </a:rPr>
+              <a:t>printf</a:t>
+            </a:r>
+            <a:r>
+              <a:rPr lang="en-US" sz="2400" dirty="0" smtClean="0">
+                <a:solidFill>
+                  <a:schemeClr val="bg2"/>
+                </a:solidFill>
+                <a:latin typeface="+mn-lt"/>
+                <a:ea typeface="ヒラギノ角ゴ Pro W3" charset="0"/>
+              </a:rPr>
+              <a:t>() in every executable file in our system. That’s why shared library were invented.</a:t>
+            </a:r>
+            <a:endParaRPr kumimoji="0" lang="en-US" sz="2400" b="0" i="0" u="none" strike="noStrike" kern="1200" cap="none" spc="0" normalizeH="0" baseline="0" noProof="0" dirty="0" smtClean="0">
+              <a:ln>
+                <a:noFill/>
+              </a:ln>
+              <a:solidFill>
+                <a:schemeClr val="bg2"/>
+              </a:solidFill>
+              <a:effectLst/>
+              <a:uLnTx/>
+              <a:uFillTx/>
+              <a:latin typeface="+mn-lt"/>
+              <a:ea typeface="ヒラギノ角ゴ Pro W3" charset="0"/>
+              <a:cs typeface="ヒラギノ角ゴ Pro W3"/>
+            </a:endParaRPr>
+          </a:p>
+        </p:txBody>
+      </p:sp>
     </p:spTree>
   </p:cSld>
   <p:clrMapOvr>
@@ -9900,6 +15433,794 @@
 </file>
 
 <file path=ppt/slides/slide21.xml><?xml version="1.0" encoding="utf-8"?>
+<p:sld xmlns:a="http://schemas.openxmlformats.org/drawingml/2006/main" xmlns:r="http://schemas.openxmlformats.org/officeDocument/2006/relationships" xmlns:p="http://schemas.openxmlformats.org/presentationml/2006/main">
+  <p:cSld>
+    <p:spTree>
+      <p:nvGrpSpPr>
+        <p:cNvPr id="1" name=""/>
+        <p:cNvGrpSpPr/>
+        <p:nvPr/>
+      </p:nvGrpSpPr>
+      <p:grpSpPr>
+        <a:xfrm>
+          <a:off x="0" y="0"/>
+          <a:ext cx="0" cy="0"/>
+          <a:chOff x="0" y="0"/>
+          <a:chExt cx="0" cy="0"/>
+        </a:xfrm>
+      </p:grpSpPr>
+      <p:sp>
+        <p:nvSpPr>
+          <p:cNvPr id="2" name="Title 1"/>
+          <p:cNvSpPr>
+            <a:spLocks noGrp="1"/>
+          </p:cNvSpPr>
+          <p:nvPr>
+            <p:ph type="title"/>
+          </p:nvPr>
+        </p:nvSpPr>
+        <p:spPr>
+          <a:xfrm>
+            <a:off x="416169" y="435143"/>
+            <a:ext cx="8229600" cy="480423"/>
+          </a:xfrm>
+        </p:spPr>
+        <p:txBody>
+          <a:bodyPr/>
+          <a:lstStyle/>
+          <a:p>
+            <a:pPr algn="ctr"/>
+            <a:r>
+              <a:rPr lang="en-US" sz="3200" dirty="0" smtClean="0"/>
+              <a:t>Export from shared library</a:t>
+            </a:r>
+            <a:endParaRPr lang="en-US" sz="3200" dirty="0"/>
+          </a:p>
+        </p:txBody>
+      </p:sp>
+      <p:sp>
+        <p:nvSpPr>
+          <p:cNvPr id="3" name="Content Placeholder 2"/>
+          <p:cNvSpPr>
+            <a:spLocks noGrp="1"/>
+          </p:cNvSpPr>
+          <p:nvPr>
+            <p:ph sz="quarter" idx="13"/>
+          </p:nvPr>
+        </p:nvSpPr>
+        <p:spPr>
+          <a:xfrm>
+            <a:off x="418120" y="1203598"/>
+            <a:ext cx="8227649" cy="2952328"/>
+          </a:xfrm>
+        </p:spPr>
+        <p:txBody>
+          <a:bodyPr/>
+          <a:lstStyle/>
+          <a:p>
+            <a:pPr lvl="1">
+              <a:buNone/>
+            </a:pPr>
+            <a:r>
+              <a:rPr lang="en-US" sz="2400" dirty="0" smtClean="0"/>
+              <a:t> </a:t>
+            </a:r>
+          </a:p>
+        </p:txBody>
+      </p:sp>
+      <p:sp>
+        <p:nvSpPr>
+          <p:cNvPr id="6" name="Footer Placeholder 5"/>
+          <p:cNvSpPr>
+            <a:spLocks noGrp="1"/>
+          </p:cNvSpPr>
+          <p:nvPr>
+            <p:ph type="ftr" sz="quarter" idx="18"/>
+          </p:nvPr>
+        </p:nvSpPr>
+        <p:spPr/>
+        <p:txBody>
+          <a:bodyPr/>
+          <a:lstStyle/>
+          <a:p>
+            <a:pPr algn="l"/>
+            <a:r>
+              <a:rPr lang="en-GB" dirty="0" smtClean="0">
+                <a:solidFill>
+                  <a:schemeClr val="bg2"/>
+                </a:solidFill>
+                <a:cs typeface="Arial" charset="0"/>
+              </a:rPr>
+              <a:t>&lt;Change information classification in footer&gt;</a:t>
+            </a:r>
+          </a:p>
+        </p:txBody>
+      </p:sp>
+      <p:sp>
+        <p:nvSpPr>
+          <p:cNvPr id="5" name="Content Placeholder 2"/>
+          <p:cNvSpPr txBox="1">
+            <a:spLocks/>
+          </p:cNvSpPr>
+          <p:nvPr/>
+        </p:nvSpPr>
+        <p:spPr bwMode="auto">
+          <a:xfrm>
+            <a:off x="570520" y="1203598"/>
+            <a:ext cx="8227649" cy="2952328"/>
+          </a:xfrm>
+          <a:prstGeom prst="rect">
+            <a:avLst/>
+          </a:prstGeom>
+          <a:noFill/>
+          <a:ln w="9525">
+            <a:noFill/>
+            <a:miter lim="800000"/>
+            <a:headEnd/>
+            <a:tailEnd/>
+          </a:ln>
+        </p:spPr>
+        <p:txBody>
+          <a:bodyPr vert="horz" wrap="square" lIns="0" tIns="0" rIns="0" bIns="0" numCol="1" anchor="t" anchorCtr="0" compatLnSpc="1">
+            <a:prstTxWarp prst="textNoShape">
+              <a:avLst/>
+            </a:prstTxWarp>
+          </a:bodyPr>
+          <a:lstStyle/>
+          <a:p>
+            <a:pPr marL="458788" marR="0" lvl="1" indent="-228600" algn="l" defTabSz="457200" rtl="0" eaLnBrk="1" fontAlgn="base" latinLnBrk="0" hangingPunct="1">
+              <a:lnSpc>
+                <a:spcPct val="100000"/>
+              </a:lnSpc>
+              <a:spcBef>
+                <a:spcPct val="0"/>
+              </a:spcBef>
+              <a:spcAft>
+                <a:spcPts val="600"/>
+              </a:spcAft>
+              <a:buClrTx/>
+              <a:buSzTx/>
+              <a:buFont typeface="Arial" pitchFamily="34" charset="0"/>
+              <a:buChar char="•"/>
+              <a:tabLst/>
+              <a:defRPr/>
+            </a:pPr>
+            <a:endParaRPr kumimoji="0" lang="en-US" sz="2400" b="0" i="0" u="none" strike="noStrike" kern="1200" cap="none" spc="0" normalizeH="0" baseline="0" noProof="0" dirty="0" smtClean="0">
+              <a:ln>
+                <a:noFill/>
+              </a:ln>
+              <a:solidFill>
+                <a:schemeClr val="bg2"/>
+              </a:solidFill>
+              <a:effectLst/>
+              <a:uLnTx/>
+              <a:uFillTx/>
+              <a:latin typeface="+mn-lt"/>
+              <a:ea typeface="ヒラギノ角ゴ Pro W3" charset="0"/>
+              <a:cs typeface="ヒラギノ角ゴ Pro W3"/>
+            </a:endParaRPr>
+          </a:p>
+        </p:txBody>
+      </p:sp>
+      <p:sp>
+        <p:nvSpPr>
+          <p:cNvPr id="7" name="Content Placeholder 2"/>
+          <p:cNvSpPr txBox="1">
+            <a:spLocks/>
+          </p:cNvSpPr>
+          <p:nvPr/>
+        </p:nvSpPr>
+        <p:spPr bwMode="auto">
+          <a:xfrm>
+            <a:off x="722920" y="1355998"/>
+            <a:ext cx="8227649" cy="2952328"/>
+          </a:xfrm>
+          <a:prstGeom prst="rect">
+            <a:avLst/>
+          </a:prstGeom>
+          <a:noFill/>
+          <a:ln w="9525">
+            <a:noFill/>
+            <a:miter lim="800000"/>
+            <a:headEnd/>
+            <a:tailEnd/>
+          </a:ln>
+        </p:spPr>
+        <p:txBody>
+          <a:bodyPr vert="horz" wrap="square" lIns="0" tIns="0" rIns="0" bIns="0" numCol="1" anchor="t" anchorCtr="0" compatLnSpc="1">
+            <a:prstTxWarp prst="textNoShape">
+              <a:avLst/>
+            </a:prstTxWarp>
+          </a:bodyPr>
+          <a:lstStyle/>
+          <a:p>
+            <a:pPr marL="458788" marR="0" lvl="1" indent="-228600" algn="l" defTabSz="457200" rtl="0" eaLnBrk="1" fontAlgn="base" latinLnBrk="0" hangingPunct="1">
+              <a:lnSpc>
+                <a:spcPct val="100000"/>
+              </a:lnSpc>
+              <a:spcBef>
+                <a:spcPct val="0"/>
+              </a:spcBef>
+              <a:spcAft>
+                <a:spcPts val="600"/>
+              </a:spcAft>
+              <a:buClrTx/>
+              <a:buSzTx/>
+              <a:buFont typeface="Arial" pitchFamily="34" charset="0"/>
+              <a:buChar char="•"/>
+              <a:tabLst/>
+              <a:defRPr/>
+            </a:pPr>
+            <a:r>
+              <a:rPr lang="en-US" sz="2400" dirty="0" smtClean="0">
+                <a:solidFill>
+                  <a:schemeClr val="bg2"/>
+                </a:solidFill>
+                <a:latin typeface="+mn-lt"/>
+                <a:ea typeface="ヒラギノ角ゴ Pro W3" charset="0"/>
+              </a:rPr>
+              <a:t>Name mangling</a:t>
+            </a:r>
+            <a:endParaRPr kumimoji="0" lang="en-US" sz="2400" b="0" i="0" u="none" strike="noStrike" kern="1200" cap="none" spc="0" normalizeH="0" baseline="0" noProof="0" dirty="0" smtClean="0">
+              <a:ln>
+                <a:noFill/>
+              </a:ln>
+              <a:solidFill>
+                <a:schemeClr val="bg2"/>
+              </a:solidFill>
+              <a:effectLst/>
+              <a:uLnTx/>
+              <a:uFillTx/>
+              <a:latin typeface="+mn-lt"/>
+              <a:ea typeface="ヒラギノ角ゴ Pro W3" charset="0"/>
+              <a:cs typeface="ヒラギノ角ゴ Pro W3"/>
+            </a:endParaRPr>
+          </a:p>
+        </p:txBody>
+      </p:sp>
+    </p:spTree>
+  </p:cSld>
+  <p:clrMapOvr>
+    <a:masterClrMapping/>
+  </p:clrMapOvr>
+</p:sld>
+</file>
+
+<file path=ppt/slides/slide22.xml><?xml version="1.0" encoding="utf-8"?>
+<p:sld xmlns:a="http://schemas.openxmlformats.org/drawingml/2006/main" xmlns:r="http://schemas.openxmlformats.org/officeDocument/2006/relationships" xmlns:p="http://schemas.openxmlformats.org/presentationml/2006/main">
+  <p:cSld>
+    <p:spTree>
+      <p:nvGrpSpPr>
+        <p:cNvPr id="1" name=""/>
+        <p:cNvGrpSpPr/>
+        <p:nvPr/>
+      </p:nvGrpSpPr>
+      <p:grpSpPr>
+        <a:xfrm>
+          <a:off x="0" y="0"/>
+          <a:ext cx="0" cy="0"/>
+          <a:chOff x="0" y="0"/>
+          <a:chExt cx="0" cy="0"/>
+        </a:xfrm>
+      </p:grpSpPr>
+      <p:sp>
+        <p:nvSpPr>
+          <p:cNvPr id="2" name="Title 1"/>
+          <p:cNvSpPr>
+            <a:spLocks noGrp="1"/>
+          </p:cNvSpPr>
+          <p:nvPr>
+            <p:ph type="title"/>
+          </p:nvPr>
+        </p:nvSpPr>
+        <p:spPr>
+          <a:xfrm>
+            <a:off x="416169" y="435143"/>
+            <a:ext cx="8229600" cy="480423"/>
+          </a:xfrm>
+        </p:spPr>
+        <p:txBody>
+          <a:bodyPr/>
+          <a:lstStyle/>
+          <a:p>
+            <a:pPr algn="ctr"/>
+            <a:r>
+              <a:rPr lang="en-US" sz="3200" dirty="0" smtClean="0"/>
+              <a:t>Static linking of dynamic libraries</a:t>
+            </a:r>
+            <a:endParaRPr lang="en-US" sz="3200" dirty="0"/>
+          </a:p>
+        </p:txBody>
+      </p:sp>
+      <p:sp>
+        <p:nvSpPr>
+          <p:cNvPr id="3" name="Content Placeholder 2"/>
+          <p:cNvSpPr>
+            <a:spLocks noGrp="1"/>
+          </p:cNvSpPr>
+          <p:nvPr>
+            <p:ph sz="quarter" idx="13"/>
+          </p:nvPr>
+        </p:nvSpPr>
+        <p:spPr>
+          <a:xfrm>
+            <a:off x="418120" y="1203598"/>
+            <a:ext cx="8227649" cy="2952328"/>
+          </a:xfrm>
+        </p:spPr>
+        <p:txBody>
+          <a:bodyPr/>
+          <a:lstStyle/>
+          <a:p>
+            <a:pPr lvl="1">
+              <a:buNone/>
+            </a:pPr>
+            <a:r>
+              <a:rPr lang="en-US" sz="2400" dirty="0" smtClean="0"/>
+              <a:t> </a:t>
+            </a:r>
+          </a:p>
+        </p:txBody>
+      </p:sp>
+      <p:sp>
+        <p:nvSpPr>
+          <p:cNvPr id="6" name="Footer Placeholder 5"/>
+          <p:cNvSpPr>
+            <a:spLocks noGrp="1"/>
+          </p:cNvSpPr>
+          <p:nvPr>
+            <p:ph type="ftr" sz="quarter" idx="18"/>
+          </p:nvPr>
+        </p:nvSpPr>
+        <p:spPr/>
+        <p:txBody>
+          <a:bodyPr/>
+          <a:lstStyle/>
+          <a:p>
+            <a:pPr algn="l"/>
+            <a:r>
+              <a:rPr lang="en-GB" dirty="0" smtClean="0">
+                <a:solidFill>
+                  <a:schemeClr val="bg2"/>
+                </a:solidFill>
+                <a:cs typeface="Arial" charset="0"/>
+              </a:rPr>
+              <a:t>&lt;Change information classification in footer&gt;</a:t>
+            </a:r>
+          </a:p>
+        </p:txBody>
+      </p:sp>
+      <p:sp>
+        <p:nvSpPr>
+          <p:cNvPr id="5" name="Content Placeholder 2"/>
+          <p:cNvSpPr txBox="1">
+            <a:spLocks/>
+          </p:cNvSpPr>
+          <p:nvPr/>
+        </p:nvSpPr>
+        <p:spPr bwMode="auto">
+          <a:xfrm>
+            <a:off x="570520" y="1203598"/>
+            <a:ext cx="8227649" cy="2952328"/>
+          </a:xfrm>
+          <a:prstGeom prst="rect">
+            <a:avLst/>
+          </a:prstGeom>
+          <a:noFill/>
+          <a:ln w="9525">
+            <a:noFill/>
+            <a:miter lim="800000"/>
+            <a:headEnd/>
+            <a:tailEnd/>
+          </a:ln>
+        </p:spPr>
+        <p:txBody>
+          <a:bodyPr vert="horz" wrap="square" lIns="0" tIns="0" rIns="0" bIns="0" numCol="1" anchor="t" anchorCtr="0" compatLnSpc="1">
+            <a:prstTxWarp prst="textNoShape">
+              <a:avLst/>
+            </a:prstTxWarp>
+          </a:bodyPr>
+          <a:lstStyle/>
+          <a:p>
+            <a:pPr marL="458788" marR="0" lvl="1" indent="-228600" algn="l" defTabSz="457200" rtl="0" eaLnBrk="1" fontAlgn="base" latinLnBrk="0" hangingPunct="1">
+              <a:lnSpc>
+                <a:spcPct val="100000"/>
+              </a:lnSpc>
+              <a:spcBef>
+                <a:spcPct val="0"/>
+              </a:spcBef>
+              <a:spcAft>
+                <a:spcPts val="600"/>
+              </a:spcAft>
+              <a:buClrTx/>
+              <a:buSzTx/>
+              <a:buFont typeface="Arial" pitchFamily="34" charset="0"/>
+              <a:buChar char="•"/>
+              <a:tabLst/>
+              <a:defRPr/>
+            </a:pPr>
+            <a:endParaRPr kumimoji="0" lang="en-US" sz="2400" b="0" i="0" u="none" strike="noStrike" kern="1200" cap="none" spc="0" normalizeH="0" baseline="0" noProof="0" dirty="0" smtClean="0">
+              <a:ln>
+                <a:noFill/>
+              </a:ln>
+              <a:solidFill>
+                <a:schemeClr val="bg2"/>
+              </a:solidFill>
+              <a:effectLst/>
+              <a:uLnTx/>
+              <a:uFillTx/>
+              <a:latin typeface="+mn-lt"/>
+              <a:ea typeface="ヒラギノ角ゴ Pro W3" charset="0"/>
+              <a:cs typeface="ヒラギノ角ゴ Pro W3"/>
+            </a:endParaRPr>
+          </a:p>
+        </p:txBody>
+      </p:sp>
+    </p:spTree>
+  </p:cSld>
+  <p:clrMapOvr>
+    <a:masterClrMapping/>
+  </p:clrMapOvr>
+</p:sld>
+</file>
+
+<file path=ppt/slides/slide23.xml><?xml version="1.0" encoding="utf-8"?>
+<p:sld xmlns:a="http://schemas.openxmlformats.org/drawingml/2006/main" xmlns:r="http://schemas.openxmlformats.org/officeDocument/2006/relationships" xmlns:p="http://schemas.openxmlformats.org/presentationml/2006/main">
+  <p:cSld>
+    <p:spTree>
+      <p:nvGrpSpPr>
+        <p:cNvPr id="1" name=""/>
+        <p:cNvGrpSpPr/>
+        <p:nvPr/>
+      </p:nvGrpSpPr>
+      <p:grpSpPr>
+        <a:xfrm>
+          <a:off x="0" y="0"/>
+          <a:ext cx="0" cy="0"/>
+          <a:chOff x="0" y="0"/>
+          <a:chExt cx="0" cy="0"/>
+        </a:xfrm>
+      </p:grpSpPr>
+      <p:sp>
+        <p:nvSpPr>
+          <p:cNvPr id="2" name="Title 1"/>
+          <p:cNvSpPr>
+            <a:spLocks noGrp="1"/>
+          </p:cNvSpPr>
+          <p:nvPr>
+            <p:ph type="title"/>
+          </p:nvPr>
+        </p:nvSpPr>
+        <p:spPr>
+          <a:xfrm>
+            <a:off x="416169" y="435143"/>
+            <a:ext cx="8229600" cy="480423"/>
+          </a:xfrm>
+        </p:spPr>
+        <p:txBody>
+          <a:bodyPr/>
+          <a:lstStyle/>
+          <a:p>
+            <a:pPr algn="ctr"/>
+            <a:r>
+              <a:rPr lang="en-US" sz="3200" dirty="0" smtClean="0"/>
+              <a:t>Static member mess up</a:t>
+            </a:r>
+            <a:endParaRPr lang="en-US" sz="3200" dirty="0"/>
+          </a:p>
+        </p:txBody>
+      </p:sp>
+      <p:sp>
+        <p:nvSpPr>
+          <p:cNvPr id="3" name="Content Placeholder 2"/>
+          <p:cNvSpPr>
+            <a:spLocks noGrp="1"/>
+          </p:cNvSpPr>
+          <p:nvPr>
+            <p:ph sz="quarter" idx="13"/>
+          </p:nvPr>
+        </p:nvSpPr>
+        <p:spPr>
+          <a:xfrm>
+            <a:off x="418120" y="1203598"/>
+            <a:ext cx="8227649" cy="2952328"/>
+          </a:xfrm>
+        </p:spPr>
+        <p:txBody>
+          <a:bodyPr/>
+          <a:lstStyle/>
+          <a:p>
+            <a:pPr lvl="1">
+              <a:buNone/>
+            </a:pPr>
+            <a:r>
+              <a:rPr lang="en-US" sz="2400" dirty="0" smtClean="0"/>
+              <a:t> </a:t>
+            </a:r>
+          </a:p>
+        </p:txBody>
+      </p:sp>
+      <p:sp>
+        <p:nvSpPr>
+          <p:cNvPr id="6" name="Footer Placeholder 5"/>
+          <p:cNvSpPr>
+            <a:spLocks noGrp="1"/>
+          </p:cNvSpPr>
+          <p:nvPr>
+            <p:ph type="ftr" sz="quarter" idx="18"/>
+          </p:nvPr>
+        </p:nvSpPr>
+        <p:spPr/>
+        <p:txBody>
+          <a:bodyPr/>
+          <a:lstStyle/>
+          <a:p>
+            <a:pPr algn="l"/>
+            <a:r>
+              <a:rPr lang="en-GB" dirty="0" smtClean="0">
+                <a:solidFill>
+                  <a:schemeClr val="bg2"/>
+                </a:solidFill>
+                <a:cs typeface="Arial" charset="0"/>
+              </a:rPr>
+              <a:t>&lt;Change information classification in footer&gt;</a:t>
+            </a:r>
+          </a:p>
+        </p:txBody>
+      </p:sp>
+      <p:sp>
+        <p:nvSpPr>
+          <p:cNvPr id="5" name="Content Placeholder 2"/>
+          <p:cNvSpPr txBox="1">
+            <a:spLocks/>
+          </p:cNvSpPr>
+          <p:nvPr/>
+        </p:nvSpPr>
+        <p:spPr bwMode="auto">
+          <a:xfrm>
+            <a:off x="570520" y="1203598"/>
+            <a:ext cx="8227649" cy="2952328"/>
+          </a:xfrm>
+          <a:prstGeom prst="rect">
+            <a:avLst/>
+          </a:prstGeom>
+          <a:noFill/>
+          <a:ln w="9525">
+            <a:noFill/>
+            <a:miter lim="800000"/>
+            <a:headEnd/>
+            <a:tailEnd/>
+          </a:ln>
+        </p:spPr>
+        <p:txBody>
+          <a:bodyPr vert="horz" wrap="square" lIns="0" tIns="0" rIns="0" bIns="0" numCol="1" anchor="t" anchorCtr="0" compatLnSpc="1">
+            <a:prstTxWarp prst="textNoShape">
+              <a:avLst/>
+            </a:prstTxWarp>
+          </a:bodyPr>
+          <a:lstStyle/>
+          <a:p>
+            <a:pPr marL="458788" marR="0" lvl="1" indent="-228600" algn="l" defTabSz="457200" rtl="0" eaLnBrk="1" fontAlgn="base" latinLnBrk="0" hangingPunct="1">
+              <a:lnSpc>
+                <a:spcPct val="100000"/>
+              </a:lnSpc>
+              <a:spcBef>
+                <a:spcPct val="0"/>
+              </a:spcBef>
+              <a:spcAft>
+                <a:spcPts val="600"/>
+              </a:spcAft>
+              <a:buClrTx/>
+              <a:buSzTx/>
+              <a:buFont typeface="Arial" pitchFamily="34" charset="0"/>
+              <a:buChar char="•"/>
+              <a:tabLst/>
+              <a:defRPr/>
+            </a:pPr>
+            <a:endParaRPr kumimoji="0" lang="en-US" sz="2400" b="0" i="0" u="none" strike="noStrike" kern="1200" cap="none" spc="0" normalizeH="0" baseline="0" noProof="0" dirty="0" smtClean="0">
+              <a:ln>
+                <a:noFill/>
+              </a:ln>
+              <a:solidFill>
+                <a:schemeClr val="bg2"/>
+              </a:solidFill>
+              <a:effectLst/>
+              <a:uLnTx/>
+              <a:uFillTx/>
+              <a:latin typeface="+mn-lt"/>
+              <a:ea typeface="ヒラギノ角ゴ Pro W3" charset="0"/>
+              <a:cs typeface="ヒラギノ角ゴ Pro W3"/>
+            </a:endParaRPr>
+          </a:p>
+        </p:txBody>
+      </p:sp>
+    </p:spTree>
+  </p:cSld>
+  <p:clrMapOvr>
+    <a:masterClrMapping/>
+  </p:clrMapOvr>
+</p:sld>
+</file>
+
+<file path=ppt/slides/slide24.xml><?xml version="1.0" encoding="utf-8"?>
+<p:sld xmlns:a="http://schemas.openxmlformats.org/drawingml/2006/main" xmlns:r="http://schemas.openxmlformats.org/officeDocument/2006/relationships" xmlns:p="http://schemas.openxmlformats.org/presentationml/2006/main">
+  <p:cSld>
+    <p:spTree>
+      <p:nvGrpSpPr>
+        <p:cNvPr id="1" name=""/>
+        <p:cNvGrpSpPr/>
+        <p:nvPr/>
+      </p:nvGrpSpPr>
+      <p:grpSpPr>
+        <a:xfrm>
+          <a:off x="0" y="0"/>
+          <a:ext cx="0" cy="0"/>
+          <a:chOff x="0" y="0"/>
+          <a:chExt cx="0" cy="0"/>
+        </a:xfrm>
+      </p:grpSpPr>
+      <p:sp>
+        <p:nvSpPr>
+          <p:cNvPr id="2" name="Title 1"/>
+          <p:cNvSpPr>
+            <a:spLocks noGrp="1"/>
+          </p:cNvSpPr>
+          <p:nvPr>
+            <p:ph type="title"/>
+          </p:nvPr>
+        </p:nvSpPr>
+        <p:spPr>
+          <a:xfrm>
+            <a:off x="416169" y="435143"/>
+            <a:ext cx="8229600" cy="480423"/>
+          </a:xfrm>
+        </p:spPr>
+        <p:txBody>
+          <a:bodyPr/>
+          <a:lstStyle/>
+          <a:p>
+            <a:pPr algn="ctr"/>
+            <a:r>
+              <a:rPr lang="en-US" sz="3200" dirty="0" smtClean="0"/>
+              <a:t>My preferable project structure</a:t>
+            </a:r>
+            <a:endParaRPr lang="en-US" sz="3200" dirty="0"/>
+          </a:p>
+        </p:txBody>
+      </p:sp>
+      <p:sp>
+        <p:nvSpPr>
+          <p:cNvPr id="3" name="Content Placeholder 2"/>
+          <p:cNvSpPr>
+            <a:spLocks noGrp="1"/>
+          </p:cNvSpPr>
+          <p:nvPr>
+            <p:ph sz="quarter" idx="13"/>
+          </p:nvPr>
+        </p:nvSpPr>
+        <p:spPr>
+          <a:xfrm>
+            <a:off x="418120" y="1203598"/>
+            <a:ext cx="8227649" cy="2952328"/>
+          </a:xfrm>
+        </p:spPr>
+        <p:txBody>
+          <a:bodyPr/>
+          <a:lstStyle/>
+          <a:p>
+            <a:pPr lvl="1">
+              <a:buNone/>
+            </a:pPr>
+            <a:r>
+              <a:rPr lang="en-US" sz="2400" dirty="0" smtClean="0"/>
+              <a:t> </a:t>
+            </a:r>
+          </a:p>
+        </p:txBody>
+      </p:sp>
+      <p:sp>
+        <p:nvSpPr>
+          <p:cNvPr id="6" name="Footer Placeholder 5"/>
+          <p:cNvSpPr>
+            <a:spLocks noGrp="1"/>
+          </p:cNvSpPr>
+          <p:nvPr>
+            <p:ph type="ftr" sz="quarter" idx="18"/>
+          </p:nvPr>
+        </p:nvSpPr>
+        <p:spPr/>
+        <p:txBody>
+          <a:bodyPr/>
+          <a:lstStyle/>
+          <a:p>
+            <a:pPr algn="l"/>
+            <a:r>
+              <a:rPr lang="en-GB" dirty="0" smtClean="0">
+                <a:solidFill>
+                  <a:schemeClr val="bg2"/>
+                </a:solidFill>
+                <a:cs typeface="Arial" charset="0"/>
+              </a:rPr>
+              <a:t>&lt;Change information classification in footer&gt;</a:t>
+            </a:r>
+          </a:p>
+        </p:txBody>
+      </p:sp>
+      <p:sp>
+        <p:nvSpPr>
+          <p:cNvPr id="5" name="Content Placeholder 2"/>
+          <p:cNvSpPr txBox="1">
+            <a:spLocks/>
+          </p:cNvSpPr>
+          <p:nvPr/>
+        </p:nvSpPr>
+        <p:spPr bwMode="auto">
+          <a:xfrm>
+            <a:off x="570520" y="1203598"/>
+            <a:ext cx="8227649" cy="2952328"/>
+          </a:xfrm>
+          <a:prstGeom prst="rect">
+            <a:avLst/>
+          </a:prstGeom>
+          <a:noFill/>
+          <a:ln w="9525">
+            <a:noFill/>
+            <a:miter lim="800000"/>
+            <a:headEnd/>
+            <a:tailEnd/>
+          </a:ln>
+        </p:spPr>
+        <p:txBody>
+          <a:bodyPr vert="horz" wrap="square" lIns="0" tIns="0" rIns="0" bIns="0" numCol="1" anchor="t" anchorCtr="0" compatLnSpc="1">
+            <a:prstTxWarp prst="textNoShape">
+              <a:avLst/>
+            </a:prstTxWarp>
+          </a:bodyPr>
+          <a:lstStyle/>
+          <a:p>
+            <a:pPr marL="458788" marR="0" lvl="1" indent="-228600" algn="l" defTabSz="457200" rtl="0" eaLnBrk="1" fontAlgn="base" latinLnBrk="0" hangingPunct="1">
+              <a:lnSpc>
+                <a:spcPct val="100000"/>
+              </a:lnSpc>
+              <a:spcBef>
+                <a:spcPct val="0"/>
+              </a:spcBef>
+              <a:spcAft>
+                <a:spcPts val="600"/>
+              </a:spcAft>
+              <a:buClrTx/>
+              <a:buSzTx/>
+              <a:buFont typeface="Arial" pitchFamily="34" charset="0"/>
+              <a:buChar char="•"/>
+              <a:tabLst/>
+              <a:defRPr/>
+            </a:pPr>
+            <a:endParaRPr kumimoji="0" lang="en-US" sz="2400" b="0" i="0" u="none" strike="noStrike" kern="1200" cap="none" spc="0" normalizeH="0" baseline="0" noProof="0" dirty="0" smtClean="0">
+              <a:ln>
+                <a:noFill/>
+              </a:ln>
+              <a:solidFill>
+                <a:schemeClr val="bg2"/>
+              </a:solidFill>
+              <a:effectLst/>
+              <a:uLnTx/>
+              <a:uFillTx/>
+              <a:latin typeface="+mn-lt"/>
+              <a:ea typeface="ヒラギノ角ゴ Pro W3" charset="0"/>
+              <a:cs typeface="ヒラギノ角ゴ Pro W3"/>
+            </a:endParaRPr>
+          </a:p>
+        </p:txBody>
+      </p:sp>
+    </p:spTree>
+  </p:cSld>
+  <p:clrMapOvr>
+    <a:masterClrMapping/>
+  </p:clrMapOvr>
+</p:sld>
+</file>
+
+<file path=ppt/slides/slide25.xml><?xml version="1.0" encoding="utf-8"?>
 <p:sld xmlns:a="http://schemas.openxmlformats.org/drawingml/2006/main" xmlns:r="http://schemas.openxmlformats.org/officeDocument/2006/relationships" xmlns:p="http://schemas.openxmlformats.org/presentationml/2006/main">
   <p:cSld>
     <p:spTree>
@@ -9964,7 +16285,7 @@
 </p:sld>
 </file>
 
-<file path=ppt/slides/slide22.xml><?xml version="1.0" encoding="utf-8"?>
+<file path=ppt/slides/slide26.xml><?xml version="1.0" encoding="utf-8"?>
 <p:sld xmlns:a="http://schemas.openxmlformats.org/drawingml/2006/main" xmlns:r="http://schemas.openxmlformats.org/officeDocument/2006/relationships" xmlns:p="http://schemas.openxmlformats.org/presentationml/2006/main" show="0">
   <p:cSld>
     <p:spTree>
@@ -10724,7 +17045,7 @@
               <a:buNone/>
             </a:pPr>
             <a:r>
-              <a:rPr lang="en-US" sz="2800" dirty="0" smtClean="0">
+              <a:rPr lang="en-US" sz="2800" u="sng" dirty="0" smtClean="0">
                 <a:solidFill>
                   <a:schemeClr val="bg2"/>
                 </a:solidFill>
@@ -10733,13 +17054,6 @@
               </a:rPr>
               <a:t>Input:</a:t>
             </a:r>
-            <a:endParaRPr lang="en-US" sz="2800" dirty="0" smtClean="0">
-              <a:solidFill>
-                <a:schemeClr val="bg2"/>
-              </a:solidFill>
-              <a:latin typeface="+mn-lt"/>
-              <a:ea typeface="ヒラギノ角ゴ Pro W3" charset="0"/>
-            </a:endParaRPr>
           </a:p>
         </p:txBody>
       </p:sp>
@@ -10945,7 +17259,7 @@
               <a:buNone/>
             </a:pPr>
             <a:r>
-              <a:rPr lang="en-US" sz="2800" dirty="0" smtClean="0">
+              <a:rPr lang="en-US" sz="2800" u="sng" dirty="0" smtClean="0">
                 <a:solidFill>
                   <a:schemeClr val="bg2"/>
                 </a:solidFill>
@@ -10954,13 +17268,6 @@
               </a:rPr>
               <a:t>Output:</a:t>
             </a:r>
-            <a:endParaRPr lang="en-US" sz="2800" dirty="0" smtClean="0">
-              <a:solidFill>
-                <a:schemeClr val="bg2"/>
-              </a:solidFill>
-              <a:latin typeface="+mn-lt"/>
-              <a:ea typeface="ヒラギノ角ゴ Pro W3" charset="0"/>
-            </a:endParaRPr>
           </a:p>
         </p:txBody>
       </p:sp>
@@ -11439,7 +17746,7 @@
               <a:buNone/>
             </a:pPr>
             <a:r>
-              <a:rPr lang="en-US" sz="2800" dirty="0" smtClean="0">
+              <a:rPr lang="en-US" sz="2800" u="sng" dirty="0" smtClean="0">
                 <a:solidFill>
                   <a:schemeClr val="bg2"/>
                 </a:solidFill>
@@ -11448,13 +17755,6 @@
               </a:rPr>
               <a:t>Input:</a:t>
             </a:r>
-            <a:endParaRPr lang="en-US" sz="2800" dirty="0" smtClean="0">
-              <a:solidFill>
-                <a:schemeClr val="bg2"/>
-              </a:solidFill>
-              <a:latin typeface="+mn-lt"/>
-              <a:ea typeface="ヒラギノ角ゴ Pro W3" charset="0"/>
-            </a:endParaRPr>
           </a:p>
         </p:txBody>
       </p:sp>
@@ -11494,29 +17794,7 @@
                 <a:ea typeface="ヒラギノ角ゴ Pro W3" charset="0"/>
                 <a:cs typeface="Consolas" pitchFamily="49" charset="0"/>
               </a:rPr>
-              <a:t>$ g++ -Wall </a:t>
-            </a:r>
-            <a:r>
-              <a:rPr lang="en-US" sz="1100" dirty="0" smtClean="0">
-                <a:solidFill>
-                  <a:schemeClr val="bg2"/>
-                </a:solidFill>
-                <a:latin typeface="Consolas" pitchFamily="49" charset="0"/>
-                <a:ea typeface="ヒラギノ角ゴ Pro W3" charset="0"/>
-                <a:cs typeface="Consolas" pitchFamily="49" charset="0"/>
-              </a:rPr>
-              <a:t>-S </a:t>
-            </a:r>
-            <a:r>
-              <a:rPr lang="en-US" sz="1100" dirty="0" smtClean="0">
-                <a:solidFill>
-                  <a:schemeClr val="bg2"/>
-                </a:solidFill>
-                <a:latin typeface="Consolas" pitchFamily="49" charset="0"/>
-                <a:ea typeface="ヒラギノ角ゴ Pro W3" charset="0"/>
-                <a:cs typeface="Consolas" pitchFamily="49" charset="0"/>
-              </a:rPr>
-              <a:t>A.cpp</a:t>
+              <a:t>$ g++ -Wall -S A.cpp</a:t>
             </a:r>
           </a:p>
           <a:p>
@@ -12253,7 +18531,7 @@
               <a:buNone/>
             </a:pPr>
             <a:r>
-              <a:rPr lang="en-US" sz="2800" dirty="0" smtClean="0">
+              <a:rPr lang="en-US" sz="2800" u="sng" dirty="0" smtClean="0">
                 <a:solidFill>
                   <a:schemeClr val="bg2"/>
                 </a:solidFill>
@@ -12262,13 +18540,6 @@
               </a:rPr>
               <a:t>Output:</a:t>
             </a:r>
-            <a:endParaRPr lang="en-US" sz="2800" dirty="0" smtClean="0">
-              <a:solidFill>
-                <a:schemeClr val="bg2"/>
-              </a:solidFill>
-              <a:latin typeface="+mn-lt"/>
-              <a:ea typeface="ヒラギノ角ゴ Pro W3" charset="0"/>
-            </a:endParaRPr>
           </a:p>
         </p:txBody>
       </p:sp>
@@ -12321,14 +18592,6 @@
               </a:rPr>
               <a:t>.data</a:t>
             </a:r>
-            <a:endParaRPr lang="en-US" sz="1100" b="1" dirty="0" smtClean="0">
-              <a:solidFill>
-                <a:schemeClr val="bg2"/>
-              </a:solidFill>
-              <a:latin typeface="Consolas" pitchFamily="49" charset="0"/>
-              <a:ea typeface="ヒラギノ角ゴ Pro W3" charset="0"/>
-              <a:cs typeface="Consolas" pitchFamily="49" charset="0"/>
-            </a:endParaRPr>
           </a:p>
           <a:p>
             <a:pPr marL="458788" lvl="1" indent="-228600">
@@ -12968,7 +19231,7 @@
               <a:buNone/>
             </a:pPr>
             <a:r>
-              <a:rPr lang="en-US" sz="2800" dirty="0" smtClean="0">
+              <a:rPr lang="en-US" sz="2800" u="sng" dirty="0" smtClean="0">
                 <a:solidFill>
                   <a:schemeClr val="bg2"/>
                 </a:solidFill>
@@ -12977,13 +19240,6 @@
               </a:rPr>
               <a:t>Input:</a:t>
             </a:r>
-            <a:endParaRPr lang="en-US" sz="2800" dirty="0" smtClean="0">
-              <a:solidFill>
-                <a:schemeClr val="bg2"/>
-              </a:solidFill>
-              <a:latin typeface="+mn-lt"/>
-              <a:ea typeface="ヒラギノ角ゴ Pro W3" charset="0"/>
-            </a:endParaRPr>
           </a:p>
         </p:txBody>
       </p:sp>
@@ -13023,18 +19279,7 @@
                 <a:ea typeface="ヒラギノ角ゴ Pro W3" charset="0"/>
                 <a:cs typeface="Consolas" pitchFamily="49" charset="0"/>
               </a:rPr>
-              <a:t>$ </a:t>
-            </a:r>
-            <a:r>
-              <a:rPr lang="en-US" sz="1400" dirty="0" smtClean="0">
-                <a:solidFill>
-                  <a:schemeClr val="bg2"/>
-                </a:solidFill>
-                <a:latin typeface="Consolas" pitchFamily="49" charset="0"/>
-                <a:ea typeface="ヒラギノ角ゴ Pro W3" charset="0"/>
-                <a:cs typeface="Consolas" pitchFamily="49" charset="0"/>
-              </a:rPr>
-              <a:t>g++ -Wall –c A.cpp</a:t>
+              <a:t>$ g++ -Wall –c A.cpp</a:t>
             </a:r>
           </a:p>
           <a:p>
@@ -13210,7 +19455,7 @@
               <a:buNone/>
             </a:pPr>
             <a:r>
-              <a:rPr lang="en-US" sz="2800" dirty="0" smtClean="0">
+              <a:rPr lang="en-US" sz="2800" u="sng" dirty="0" smtClean="0">
                 <a:solidFill>
                   <a:schemeClr val="bg2"/>
                 </a:solidFill>
@@ -13219,13 +19464,6 @@
               </a:rPr>
               <a:t>Output:</a:t>
             </a:r>
-            <a:endParaRPr lang="en-US" sz="2800" dirty="0" smtClean="0">
-              <a:solidFill>
-                <a:schemeClr val="bg2"/>
-              </a:solidFill>
-              <a:latin typeface="+mn-lt"/>
-              <a:ea typeface="ヒラギノ角ゴ Pro W3" charset="0"/>
-            </a:endParaRPr>
           </a:p>
         </p:txBody>
       </p:sp>
@@ -13345,10 +19583,6 @@
               </a:rPr>
               <a:t> </a:t>
             </a:r>
-            <a:endParaRPr lang="en-US" sz="1100" dirty="0" smtClean="0">
-              <a:latin typeface="Consolas" pitchFamily="49" charset="0"/>
-              <a:cs typeface="Consolas" pitchFamily="49" charset="0"/>
-            </a:endParaRPr>
           </a:p>
           <a:p>
             <a:pPr lvl="1">
@@ -13359,14 +19593,7 @@
                 <a:latin typeface="Consolas" pitchFamily="49" charset="0"/>
                 <a:cs typeface="Consolas" pitchFamily="49" charset="0"/>
               </a:rPr>
-              <a:t>Sections</a:t>
-            </a:r>
-            <a:r>
-              <a:rPr lang="en-US" sz="1100" dirty="0" smtClean="0">
-                <a:latin typeface="Consolas" pitchFamily="49" charset="0"/>
-                <a:cs typeface="Consolas" pitchFamily="49" charset="0"/>
-              </a:rPr>
-              <a:t>:</a:t>
+              <a:t>Sections:</a:t>
             </a:r>
           </a:p>
           <a:p>
@@ -13805,14 +20032,7 @@
                 <a:latin typeface="Consolas" pitchFamily="49" charset="0"/>
                 <a:cs typeface="Consolas" pitchFamily="49" charset="0"/>
               </a:rPr>
-              <a:t>Contents </a:t>
-            </a:r>
-            <a:r>
-              <a:rPr lang="en-US" sz="1050" dirty="0" smtClean="0">
-                <a:latin typeface="Consolas" pitchFamily="49" charset="0"/>
-                <a:cs typeface="Consolas" pitchFamily="49" charset="0"/>
-              </a:rPr>
-              <a:t>of section .text:</a:t>
+              <a:t>Contents of section .text:</a:t>
             </a:r>
           </a:p>
           <a:p>
@@ -14219,14 +20439,7 @@
                 <a:latin typeface="Consolas" pitchFamily="49" charset="0"/>
                 <a:cs typeface="Consolas" pitchFamily="49" charset="0"/>
               </a:rPr>
-              <a:t>SYMBOL </a:t>
-            </a:r>
-            <a:r>
-              <a:rPr lang="en-US" sz="1050" dirty="0" smtClean="0">
-                <a:latin typeface="Consolas" pitchFamily="49" charset="0"/>
-                <a:cs typeface="Consolas" pitchFamily="49" charset="0"/>
-              </a:rPr>
-              <a:t>TABLE:</a:t>
+              <a:t>SYMBOL TABLE:</a:t>
             </a:r>
           </a:p>
           <a:p>
@@ -14449,19 +20662,8 @@
                 <a:latin typeface="Consolas" pitchFamily="49" charset="0"/>
                 <a:cs typeface="Consolas" pitchFamily="49" charset="0"/>
               </a:rPr>
-              <a:t>0000000000000000         *UND*  0000000000000000 __</a:t>
-            </a:r>
-            <a:r>
-              <a:rPr lang="en-US" sz="1050" dirty="0" smtClean="0">
-                <a:latin typeface="Consolas" pitchFamily="49" charset="0"/>
-                <a:cs typeface="Consolas" pitchFamily="49" charset="0"/>
-              </a:rPr>
-              <a:t>gxx_personality_v0</a:t>
-            </a:r>
-            <a:endParaRPr lang="en-US" sz="1050" dirty="0" smtClean="0">
-              <a:latin typeface="Consolas" pitchFamily="49" charset="0"/>
-              <a:cs typeface="Consolas" pitchFamily="49" charset="0"/>
-            </a:endParaRPr>
+              <a:t>0000000000000000         *UND*  0000000000000000 __gxx_personality_v0</a:t>
+            </a:r>
           </a:p>
           <a:p>
             <a:pPr lvl="1">
@@ -14588,7 +20790,7 @@
         </p:nvSpPr>
         <p:spPr>
           <a:xfrm>
-            <a:off x="416169" y="435143"/>
+            <a:off x="416169" y="339502"/>
             <a:ext cx="8229600" cy="480423"/>
           </a:xfrm>
         </p:spPr>
@@ -14599,11 +20801,7 @@
             <a:pPr algn="ctr"/>
             <a:r>
               <a:rPr lang="en-US" sz="3200" dirty="0" smtClean="0"/>
-              <a:t>Compilation steps </a:t>
-            </a:r>
-            <a:r>
-              <a:rPr lang="en-US" sz="3200" dirty="0" smtClean="0"/>
-              <a:t>scheme</a:t>
+              <a:t>Compilation steps scheme</a:t>
             </a:r>
             <a:endParaRPr lang="en-US" sz="3200" dirty="0"/>
           </a:p>
@@ -14667,85 +20865,32 @@
           </a:p>
         </p:txBody>
       </p:sp>
-      <p:sp>
-        <p:nvSpPr>
-          <p:cNvPr id="5" name="Content Placeholder 2"/>
-          <p:cNvSpPr txBox="1">
-            <a:spLocks/>
-          </p:cNvSpPr>
+      <p:pic>
+        <p:nvPicPr>
+          <p:cNvPr id="3074" name="Picture 2" descr="D:\Diving into C++ linker\Pictures\Compilation steps.jpg"/>
+          <p:cNvPicPr>
+            <a:picLocks noChangeAspect="1" noChangeArrowheads="1"/>
+          </p:cNvPicPr>
           <p:nvPr/>
-        </p:nvSpPr>
+        </p:nvPicPr>
+        <p:blipFill>
+          <a:blip r:embed="rId2"/>
+          <a:srcRect/>
+          <a:stretch>
+            <a:fillRect/>
+          </a:stretch>
+        </p:blipFill>
         <p:spPr bwMode="auto">
           <a:xfrm>
-            <a:off x="570520" y="1203598"/>
-            <a:ext cx="8227649" cy="2952328"/>
+            <a:off x="1043608" y="819925"/>
+            <a:ext cx="7127131" cy="3779383"/>
           </a:xfrm>
           <a:prstGeom prst="rect">
             <a:avLst/>
           </a:prstGeom>
           <a:noFill/>
-          <a:ln w="9525">
-            <a:noFill/>
-            <a:miter lim="800000"/>
-            <a:headEnd/>
-            <a:tailEnd/>
-          </a:ln>
         </p:spPr>
-        <p:txBody>
-          <a:bodyPr vert="horz" wrap="square" lIns="0" tIns="0" rIns="0" bIns="0" numCol="1" anchor="t" anchorCtr="0" compatLnSpc="1">
-            <a:prstTxWarp prst="textNoShape">
-              <a:avLst/>
-            </a:prstTxWarp>
-          </a:bodyPr>
-          <a:lstStyle/>
-          <a:p>
-            <a:pPr marL="458788" marR="0" lvl="1" indent="-228600" algn="l" defTabSz="457200" rtl="0" eaLnBrk="1" fontAlgn="base" latinLnBrk="0" hangingPunct="1">
-              <a:lnSpc>
-                <a:spcPct val="100000"/>
-              </a:lnSpc>
-              <a:spcBef>
-                <a:spcPct val="0"/>
-              </a:spcBef>
-              <a:spcAft>
-                <a:spcPts val="600"/>
-              </a:spcAft>
-              <a:buClrTx/>
-              <a:buSzTx/>
-              <a:buFont typeface="Arial" pitchFamily="34" charset="0"/>
-              <a:buChar char="•"/>
-              <a:tabLst/>
-              <a:defRPr/>
-            </a:pPr>
-            <a:r>
-              <a:rPr lang="en-US" sz="2400" dirty="0" smtClean="0">
-                <a:solidFill>
-                  <a:schemeClr val="bg2"/>
-                </a:solidFill>
-                <a:latin typeface="+mn-lt"/>
-                <a:ea typeface="ヒラギノ角ゴ Pro W3" charset="0"/>
-              </a:rPr>
-              <a:t>Nice picture of compilation steps</a:t>
-            </a:r>
-            <a:r>
-              <a:rPr kumimoji="0" lang="en-US" sz="2400" b="0" i="0" u="none" strike="noStrike" kern="1200" cap="none" spc="0" normalizeH="0" baseline="0" noProof="0" dirty="0" smtClean="0">
-                <a:ln>
-                  <a:noFill/>
-                </a:ln>
-                <a:solidFill>
-                  <a:schemeClr val="bg2"/>
-                </a:solidFill>
-                <a:effectLst/>
-                <a:uLnTx/>
-                <a:uFillTx/>
-                <a:latin typeface="+mn-lt"/>
-                <a:ea typeface="ヒラギノ角ゴ Pro W3" charset="0"/>
-                <a:cs typeface="ヒラギノ角ゴ Pro W3"/>
-              </a:rPr>
-              <a:t> </a:t>
-            </a:r>
-          </a:p>
-        </p:txBody>
-      </p:sp>
+      </p:pic>
     </p:spTree>
   </p:cSld>
   <p:clrMapOvr>

--- a/Diving into C++ linker.pptx
+++ b/Diving into C++ linker.pptx
@@ -7,10 +7,10 @@
     <p:sldMasterId id="2147483812" r:id="rId3"/>
   </p:sldMasterIdLst>
   <p:notesMasterIdLst>
-    <p:notesMasterId r:id="rId30"/>
+    <p:notesMasterId r:id="rId31"/>
   </p:notesMasterIdLst>
   <p:handoutMasterIdLst>
-    <p:handoutMasterId r:id="rId31"/>
+    <p:handoutMasterId r:id="rId32"/>
   </p:handoutMasterIdLst>
   <p:sldIdLst>
     <p:sldId id="311" r:id="rId4"/>
@@ -29,21 +29,22 @@
     <p:sldId id="393" r:id="rId17"/>
     <p:sldId id="395" r:id="rId18"/>
     <p:sldId id="394" r:id="rId19"/>
-    <p:sldId id="391" r:id="rId20"/>
-    <p:sldId id="377" r:id="rId21"/>
-    <p:sldId id="378" r:id="rId22"/>
-    <p:sldId id="383" r:id="rId23"/>
-    <p:sldId id="379" r:id="rId24"/>
-    <p:sldId id="380" r:id="rId25"/>
-    <p:sldId id="381" r:id="rId26"/>
-    <p:sldId id="382" r:id="rId27"/>
-    <p:sldId id="352" r:id="rId28"/>
-    <p:sldId id="364" r:id="rId29"/>
+    <p:sldId id="396" r:id="rId20"/>
+    <p:sldId id="397" r:id="rId21"/>
+    <p:sldId id="377" r:id="rId22"/>
+    <p:sldId id="378" r:id="rId23"/>
+    <p:sldId id="383" r:id="rId24"/>
+    <p:sldId id="379" r:id="rId25"/>
+    <p:sldId id="380" r:id="rId26"/>
+    <p:sldId id="381" r:id="rId27"/>
+    <p:sldId id="382" r:id="rId28"/>
+    <p:sldId id="352" r:id="rId29"/>
+    <p:sldId id="364" r:id="rId30"/>
   </p:sldIdLst>
   <p:sldSz cx="9144000" cy="5143500" type="screen16x9"/>
   <p:notesSz cx="6858000" cy="9144000"/>
   <p:custDataLst>
-    <p:tags r:id="rId32"/>
+    <p:tags r:id="rId33"/>
   </p:custDataLst>
   <p:defaultTextStyle>
     <a:defPPr>
@@ -172,7 +173,7 @@
   </p:defaultTextStyle>
   <p:extLst>
     <p:ext uri="{EFAFB233-063F-42B5-8137-9DF3F51BA10A}">
-      <p15:sldGuideLst xmlns="" xmlns:p15="http://schemas.microsoft.com/office/powerpoint/2012/main">
+      <p15:sldGuideLst xmlns:p15="http://schemas.microsoft.com/office/powerpoint/2012/main" xmlns="">
         <p15:guide id="1" orient="horz" pos="1620">
           <p15:clr>
             <a:srgbClr val="A4A3A4"/>
@@ -186,7 +187,7 @@
       </p15:sldGuideLst>
     </p:ext>
     <p:ext uri="{2D200454-40CA-4A62-9FC3-DE9A4176ACB9}">
-      <p15:notesGuideLst xmlns="" xmlns:p15="http://schemas.microsoft.com/office/powerpoint/2012/main">
+      <p15:notesGuideLst xmlns:p15="http://schemas.microsoft.com/office/powerpoint/2012/main" xmlns="">
         <p15:guide id="1" orient="horz" pos="2880">
           <p15:clr>
             <a:srgbClr val="A4A3A4"/>
@@ -314,7 +315,7 @@
               <a:pPr>
                 <a:defRPr/>
               </a:pPr>
-              <a:t>20-Jul-15</a:t>
+              <a:t>21-Jul-15</a:t>
             </a:fld>
             <a:endParaRPr lang="en-US"/>
           </a:p>
@@ -418,7 +419,7 @@
     </p:spTree>
     <p:extLst>
       <p:ext uri="{BB962C8B-B14F-4D97-AF65-F5344CB8AC3E}">
-        <p14:creationId xmlns="" xmlns:p14="http://schemas.microsoft.com/office/powerpoint/2010/main" val="3867598621"/>
+        <p14:creationId xmlns:p14="http://schemas.microsoft.com/office/powerpoint/2010/main" xmlns="" val="3867598621"/>
       </p:ext>
     </p:extLst>
   </p:cSld>
@@ -538,7 +539,7 @@
               <a:pPr>
                 <a:defRPr/>
               </a:pPr>
-              <a:t>20-Jul-15</a:t>
+              <a:t>21-Jul-15</a:t>
             </a:fld>
             <a:endParaRPr lang="en-US"/>
           </a:p>
@@ -739,7 +740,7 @@
     </p:spTree>
     <p:extLst>
       <p:ext uri="{BB962C8B-B14F-4D97-AF65-F5344CB8AC3E}">
-        <p14:creationId xmlns="" xmlns:p14="http://schemas.microsoft.com/office/powerpoint/2010/main" val="977992471"/>
+        <p14:creationId xmlns:p14="http://schemas.microsoft.com/office/powerpoint/2010/main" xmlns="" val="977992471"/>
       </p:ext>
     </p:extLst>
   </p:cSld>
@@ -965,7 +966,7 @@
     </p:spTree>
     <p:extLst>
       <p:ext uri="{BB962C8B-B14F-4D97-AF65-F5344CB8AC3E}">
-        <p14:creationId xmlns="" xmlns:p14="http://schemas.microsoft.com/office/powerpoint/2010/main" val="3180054805"/>
+        <p14:creationId xmlns:p14="http://schemas.microsoft.com/office/powerpoint/2010/main" xmlns="" val="3180054805"/>
       </p:ext>
     </p:extLst>
   </p:cSld>
@@ -1855,7 +1856,7 @@
           <a:blip r:embed="rId3">
             <a:extLst>
               <a:ext uri="{28A0092B-C50C-407E-A947-70E740481C1C}">
-                <a14:useLocalDpi xmlns:a14="http://schemas.microsoft.com/office/drawing/2010/main" xmlns="" val="0"/>
+                <a14:useLocalDpi xmlns="" xmlns:a14="http://schemas.microsoft.com/office/drawing/2010/main" val="0"/>
               </a:ext>
             </a:extLst>
           </a:blip>
@@ -4279,7 +4280,7 @@
               <a:pPr>
                 <a:defRPr/>
               </a:pPr>
-              <a:t>20/07/2015</a:t>
+              <a:t>21/07/2015</a:t>
             </a:fld>
             <a:endParaRPr lang="en-GB" sz="800" dirty="0">
               <a:solidFill>
@@ -6483,7 +6484,7 @@
               <a:pPr>
                 <a:defRPr/>
               </a:pPr>
-              <a:t>20/07/2015</a:t>
+              <a:t>21/07/2015</a:t>
             </a:fld>
             <a:endParaRPr lang="en-GB" sz="800" dirty="0">
               <a:latin typeface="+mn-lt"/>
@@ -7578,18 +7579,7 @@
                 <a:ea typeface="ヒラギノ角ゴ Pro W3" charset="0"/>
                 <a:cs typeface="Consolas" pitchFamily="49" charset="0"/>
               </a:rPr>
-              <a:t>// </a:t>
-            </a:r>
-            <a:r>
-              <a:rPr lang="en-US" sz="1400" dirty="0" smtClean="0">
-                <a:solidFill>
-                  <a:schemeClr val="bg2"/>
-                </a:solidFill>
-                <a:latin typeface="Consolas" pitchFamily="49" charset="0"/>
-                <a:ea typeface="ヒラギノ角ゴ Pro W3" charset="0"/>
-                <a:cs typeface="Consolas" pitchFamily="49" charset="0"/>
-              </a:rPr>
-              <a:t>A.cpp</a:t>
+              <a:t>// A.cpp</a:t>
             </a:r>
           </a:p>
           <a:p>
@@ -7946,27 +7936,8 @@
                 <a:ea typeface="ヒラギノ角ゴ Pro W3" charset="0"/>
                 <a:cs typeface="Consolas" pitchFamily="49" charset="0"/>
               </a:rPr>
-              <a:t>// </a:t>
-            </a:r>
-            <a:r>
-              <a:rPr lang="en-US" sz="1400" dirty="0" smtClean="0">
-                <a:solidFill>
-                  <a:schemeClr val="bg2"/>
-                </a:solidFill>
-                <a:latin typeface="Consolas" pitchFamily="49" charset="0"/>
-                <a:ea typeface="ヒラギノ角ゴ Pro W3" charset="0"/>
-                <a:cs typeface="Consolas" pitchFamily="49" charset="0"/>
-              </a:rPr>
-              <a:t>main.cpp</a:t>
-            </a:r>
-            <a:endParaRPr lang="en-US" sz="1400" dirty="0" smtClean="0">
-              <a:solidFill>
-                <a:schemeClr val="bg2"/>
-              </a:solidFill>
-              <a:latin typeface="Consolas" pitchFamily="49" charset="0"/>
-              <a:ea typeface="ヒラギノ角ゴ Pro W3" charset="0"/>
-              <a:cs typeface="Consolas" pitchFamily="49" charset="0"/>
-            </a:endParaRPr>
+              <a:t>// main.cpp</a:t>
+            </a:r>
           </a:p>
         </p:txBody>
       </p:sp>
@@ -8154,18 +8125,7 @@
                 <a:ea typeface="ヒラギノ角ゴ Pro W3" charset="0"/>
                 <a:cs typeface="Consolas" pitchFamily="49" charset="0"/>
               </a:rPr>
-              <a:t>// </a:t>
-            </a:r>
-            <a:r>
-              <a:rPr lang="en-US" sz="1400" dirty="0" smtClean="0">
-                <a:solidFill>
-                  <a:schemeClr val="bg2"/>
-                </a:solidFill>
-                <a:latin typeface="Consolas" pitchFamily="49" charset="0"/>
-                <a:ea typeface="ヒラギノ角ゴ Pro W3" charset="0"/>
-                <a:cs typeface="Consolas" pitchFamily="49" charset="0"/>
-              </a:rPr>
-              <a:t>A.cpp</a:t>
+              <a:t>// A.cpp</a:t>
             </a:r>
           </a:p>
           <a:p>
@@ -9599,6 +9559,58 @@
           </a:p>
         </p:txBody>
       </p:sp>
+      <p:sp>
+        <p:nvSpPr>
+          <p:cNvPr id="12" name="Rectangle 11"/>
+          <p:cNvSpPr/>
+          <p:nvPr/>
+        </p:nvSpPr>
+        <p:spPr>
+          <a:xfrm>
+            <a:off x="107504" y="4155926"/>
+            <a:ext cx="8155641" cy="307777"/>
+          </a:xfrm>
+          <a:prstGeom prst="rect">
+            <a:avLst/>
+          </a:prstGeom>
+        </p:spPr>
+        <p:txBody>
+          <a:bodyPr wrap="square">
+            <a:spAutoFit/>
+          </a:bodyPr>
+          <a:lstStyle/>
+          <a:p>
+            <a:pPr marL="458788" lvl="1" indent="-228600">
+              <a:spcAft>
+                <a:spcPts val="0"/>
+              </a:spcAft>
+              <a:defRPr/>
+            </a:pPr>
+            <a:r>
+              <a:rPr lang="en-US" sz="1400" i="1" dirty="0" smtClean="0">
+                <a:solidFill>
+                  <a:schemeClr val="bg2"/>
+                </a:solidFill>
+                <a:latin typeface="+mn-lt"/>
+                <a:ea typeface="ヒラギノ角ゴ Pro W3" charset="0"/>
+                <a:cs typeface="Consolas" pitchFamily="49" charset="0"/>
+              </a:rPr>
+              <a:t>Note: Full description can be found here </a:t>
+            </a:r>
+            <a:r>
+              <a:rPr lang="en-US" sz="1400" i="1" dirty="0" smtClean="0">
+                <a:solidFill>
+                  <a:schemeClr val="bg2"/>
+                </a:solidFill>
+                <a:latin typeface="+mn-lt"/>
+                <a:ea typeface="ヒラギノ角ゴ Pro W3" charset="0"/>
+                <a:cs typeface="Consolas" pitchFamily="49" charset="0"/>
+              </a:rPr>
+              <a:t>https://sourceware.org/binutils/docs/binutils/nm.html</a:t>
+            </a:r>
+          </a:p>
+        </p:txBody>
+      </p:sp>
     </p:spTree>
   </p:cSld>
   <p:clrMapOvr>
@@ -9647,11 +9659,7 @@
             <a:pPr algn="ctr"/>
             <a:r>
               <a:rPr lang="en-US" sz="3200" dirty="0" smtClean="0"/>
-              <a:t>Hereditary </a:t>
-            </a:r>
-            <a:r>
-              <a:rPr lang="en-US" sz="3200" dirty="0" err="1" smtClean="0"/>
-              <a:t>desease</a:t>
+              <a:t>Hereditary disease</a:t>
             </a:r>
             <a:endParaRPr lang="en-US" sz="3200" dirty="0"/>
           </a:p>
@@ -9684,7 +9692,6 @@
               <a:rPr lang="en-US" sz="2400" dirty="0" smtClean="0"/>
               <a:t> </a:t>
             </a:r>
-            <a:endParaRPr lang="en-US" sz="2400" dirty="0" smtClean="0"/>
           </a:p>
         </p:txBody>
       </p:sp>
@@ -9901,6 +9908,134 @@
               </a:rPr>
               <a:t>() </a:t>
             </a:r>
+          </a:p>
+          <a:p>
+            <a:pPr marL="458788" lvl="1" indent="-228600">
+              <a:spcAft>
+                <a:spcPts val="0"/>
+              </a:spcAft>
+              <a:defRPr/>
+            </a:pPr>
+            <a:r>
+              <a:rPr lang="en-US" sz="1400" dirty="0" smtClean="0">
+                <a:solidFill>
+                  <a:schemeClr val="bg2"/>
+                </a:solidFill>
+                <a:latin typeface="Consolas" pitchFamily="49" charset="0"/>
+                <a:ea typeface="ヒラギノ角ゴ Pro W3" charset="0"/>
+                <a:cs typeface="Consolas" pitchFamily="49" charset="0"/>
+              </a:rPr>
+              <a:t>   { </a:t>
+            </a:r>
+          </a:p>
+          <a:p>
+            <a:pPr marL="458788" lvl="1" indent="-228600">
+              <a:spcAft>
+                <a:spcPts val="0"/>
+              </a:spcAft>
+              <a:defRPr/>
+            </a:pPr>
+            <a:r>
+              <a:rPr lang="en-US" sz="1400" dirty="0" smtClean="0">
+                <a:solidFill>
+                  <a:schemeClr val="bg2"/>
+                </a:solidFill>
+                <a:latin typeface="Consolas" pitchFamily="49" charset="0"/>
+                <a:ea typeface="ヒラギノ角ゴ Pro W3" charset="0"/>
+                <a:cs typeface="Consolas" pitchFamily="49" charset="0"/>
+              </a:rPr>
+              <a:t>      </a:t>
+            </a:r>
+            <a:r>
+              <a:rPr lang="en-US" sz="1400" dirty="0" err="1" smtClean="0">
+                <a:solidFill>
+                  <a:schemeClr val="bg2"/>
+                </a:solidFill>
+                <a:latin typeface="Consolas" pitchFamily="49" charset="0"/>
+                <a:ea typeface="ヒラギノ角ゴ Pro W3" charset="0"/>
+                <a:cs typeface="Consolas" pitchFamily="49" charset="0"/>
+              </a:rPr>
+              <a:t>printf</a:t>
+            </a:r>
+            <a:r>
+              <a:rPr lang="en-US" sz="1400" dirty="0" smtClean="0">
+                <a:solidFill>
+                  <a:schemeClr val="bg2"/>
+                </a:solidFill>
+                <a:latin typeface="Consolas" pitchFamily="49" charset="0"/>
+                <a:ea typeface="ヒラギノ角ゴ Pro W3" charset="0"/>
+                <a:cs typeface="Consolas" pitchFamily="49" charset="0"/>
+              </a:rPr>
+              <a:t>("</a:t>
+            </a:r>
+            <a:r>
+              <a:rPr lang="en-US" sz="1400" dirty="0" smtClean="0">
+                <a:solidFill>
+                  <a:srgbClr val="00B050"/>
+                </a:solidFill>
+                <a:latin typeface="Consolas" pitchFamily="49" charset="0"/>
+                <a:ea typeface="ヒラギノ角ゴ Pro W3" charset="0"/>
+                <a:cs typeface="Consolas" pitchFamily="49" charset="0"/>
+              </a:rPr>
+              <a:t>A</a:t>
+            </a:r>
+            <a:r>
+              <a:rPr lang="en-US" sz="1400" dirty="0" smtClean="0">
+                <a:solidFill>
+                  <a:schemeClr val="bg2"/>
+                </a:solidFill>
+                <a:latin typeface="Consolas" pitchFamily="49" charset="0"/>
+                <a:ea typeface="ヒラギノ角ゴ Pro W3" charset="0"/>
+                <a:cs typeface="Consolas" pitchFamily="49" charset="0"/>
+              </a:rPr>
+              <a:t>.cpp\n"); </a:t>
+            </a:r>
+          </a:p>
+          <a:p>
+            <a:pPr marL="458788" lvl="1" indent="-228600">
+              <a:spcAft>
+                <a:spcPts val="0"/>
+              </a:spcAft>
+              <a:defRPr/>
+            </a:pPr>
+            <a:r>
+              <a:rPr lang="en-US" sz="1400" dirty="0" smtClean="0">
+                <a:solidFill>
+                  <a:schemeClr val="bg2"/>
+                </a:solidFill>
+                <a:latin typeface="Consolas" pitchFamily="49" charset="0"/>
+                <a:ea typeface="ヒラギノ角ゴ Pro W3" charset="0"/>
+                <a:cs typeface="Consolas" pitchFamily="49" charset="0"/>
+              </a:rPr>
+              <a:t>   }</a:t>
+            </a:r>
+          </a:p>
+          <a:p>
+            <a:pPr marL="458788" lvl="1" indent="-228600">
+              <a:spcAft>
+                <a:spcPts val="0"/>
+              </a:spcAft>
+              <a:defRPr/>
+            </a:pPr>
+            <a:r>
+              <a:rPr lang="en-US" sz="1400" dirty="0" smtClean="0">
+                <a:solidFill>
+                  <a:schemeClr val="bg2"/>
+                </a:solidFill>
+                <a:latin typeface="Consolas" pitchFamily="49" charset="0"/>
+                <a:ea typeface="ヒラギノ角ゴ Pro W3" charset="0"/>
+                <a:cs typeface="Consolas" pitchFamily="49" charset="0"/>
+              </a:rPr>
+              <a:t>};</a:t>
+            </a:r>
+          </a:p>
+          <a:p>
+            <a:pPr marL="458788" lvl="1" indent="-228600">
+              <a:spcAft>
+                <a:spcPts val="0"/>
+              </a:spcAft>
+              <a:defRPr/>
+            </a:pPr>
             <a:endParaRPr lang="en-US" sz="1400" dirty="0" smtClean="0">
               <a:solidFill>
                 <a:schemeClr val="bg2"/>
@@ -9926,7 +10061,40 @@
                 <a:ea typeface="ヒラギノ角ゴ Pro W3" charset="0"/>
                 <a:cs typeface="Consolas" pitchFamily="49" charset="0"/>
               </a:rPr>
-              <a:t>   { </a:t>
+              <a:t>void </a:t>
+            </a:r>
+            <a:r>
+              <a:rPr lang="en-US" sz="1400" dirty="0" err="1" smtClean="0">
+                <a:solidFill>
+                  <a:schemeClr val="bg2"/>
+                </a:solidFill>
+                <a:latin typeface="Consolas" pitchFamily="49" charset="0"/>
+                <a:ea typeface="ヒラギノ角ゴ Pro W3" charset="0"/>
+                <a:cs typeface="Consolas" pitchFamily="49" charset="0"/>
+              </a:rPr>
+              <a:t>foo</a:t>
+            </a:r>
+            <a:r>
+              <a:rPr lang="en-US" sz="1400" dirty="0" err="1" smtClean="0">
+                <a:solidFill>
+                  <a:srgbClr val="00B050"/>
+                </a:solidFill>
+                <a:latin typeface="Consolas" pitchFamily="49" charset="0"/>
+                <a:ea typeface="ヒラギノ角ゴ Pro W3" charset="0"/>
+                <a:cs typeface="Consolas" pitchFamily="49" charset="0"/>
+              </a:rPr>
+              <a:t>A</a:t>
+            </a:r>
+            <a:r>
+              <a:rPr lang="en-US" sz="1400" dirty="0" smtClean="0">
+                <a:solidFill>
+                  <a:schemeClr val="bg2"/>
+                </a:solidFill>
+                <a:latin typeface="Consolas" pitchFamily="49" charset="0"/>
+                <a:ea typeface="ヒラギノ角ゴ Pro W3" charset="0"/>
+                <a:cs typeface="Consolas" pitchFamily="49" charset="0"/>
+              </a:rPr>
+              <a:t>() </a:t>
             </a:r>
           </a:p>
           <a:p>
@@ -9945,71 +10113,8 @@
                 <a:ea typeface="ヒラギノ角ゴ Pro W3" charset="0"/>
                 <a:cs typeface="Consolas" pitchFamily="49" charset="0"/>
               </a:rPr>
-              <a:t> </a:t>
-            </a:r>
-            <a:r>
-              <a:rPr lang="en-US" sz="1400" dirty="0" smtClean="0">
-                <a:solidFill>
-                  <a:schemeClr val="bg2"/>
-                </a:solidFill>
-                <a:latin typeface="Consolas" pitchFamily="49" charset="0"/>
-                <a:ea typeface="ヒラギノ角ゴ Pro W3" charset="0"/>
-                <a:cs typeface="Consolas" pitchFamily="49" charset="0"/>
-              </a:rPr>
-              <a:t>     </a:t>
-            </a:r>
-            <a:r>
-              <a:rPr lang="en-US" sz="1400" dirty="0" err="1" smtClean="0">
-                <a:solidFill>
-                  <a:schemeClr val="bg2"/>
-                </a:solidFill>
-                <a:latin typeface="Consolas" pitchFamily="49" charset="0"/>
-                <a:ea typeface="ヒラギノ角ゴ Pro W3" charset="0"/>
-                <a:cs typeface="Consolas" pitchFamily="49" charset="0"/>
-              </a:rPr>
-              <a:t>printf</a:t>
-            </a:r>
-            <a:r>
-              <a:rPr lang="en-US" sz="1400" dirty="0" smtClean="0">
-                <a:solidFill>
-                  <a:schemeClr val="bg2"/>
-                </a:solidFill>
-                <a:latin typeface="Consolas" pitchFamily="49" charset="0"/>
-                <a:ea typeface="ヒラギノ角ゴ Pro W3" charset="0"/>
-                <a:cs typeface="Consolas" pitchFamily="49" charset="0"/>
-              </a:rPr>
-              <a:t>("</a:t>
-            </a:r>
-            <a:r>
-              <a:rPr lang="en-US" sz="1400" dirty="0" smtClean="0">
-                <a:solidFill>
-                  <a:srgbClr val="00B050"/>
-                </a:solidFill>
-                <a:latin typeface="Consolas" pitchFamily="49" charset="0"/>
-                <a:ea typeface="ヒラギノ角ゴ Pro W3" charset="0"/>
-                <a:cs typeface="Consolas" pitchFamily="49" charset="0"/>
-              </a:rPr>
-              <a:t>A</a:t>
-            </a:r>
-            <a:r>
-              <a:rPr lang="en-US" sz="1400" dirty="0" smtClean="0">
-                <a:solidFill>
-                  <a:schemeClr val="bg2"/>
-                </a:solidFill>
-                <a:latin typeface="Consolas" pitchFamily="49" charset="0"/>
-                <a:ea typeface="ヒラギノ角ゴ Pro W3" charset="0"/>
-                <a:cs typeface="Consolas" pitchFamily="49" charset="0"/>
-              </a:rPr>
-              <a:t>.cpp\n"); </a:t>
-            </a:r>
-            <a:endParaRPr lang="en-US" sz="1400" dirty="0" smtClean="0">
-              <a:solidFill>
-                <a:schemeClr val="bg2"/>
-              </a:solidFill>
-              <a:latin typeface="Consolas" pitchFamily="49" charset="0"/>
-              <a:ea typeface="ヒラギノ角ゴ Pro W3" charset="0"/>
-              <a:cs typeface="Consolas" pitchFamily="49" charset="0"/>
-            </a:endParaRPr>
+              <a:t>{</a:t>
+            </a:r>
           </a:p>
           <a:p>
             <a:pPr marL="458788" lvl="1" indent="-228600">
@@ -10027,27 +10132,30 @@
                 <a:ea typeface="ヒラギノ角ゴ Pro W3" charset="0"/>
                 <a:cs typeface="Consolas" pitchFamily="49" charset="0"/>
               </a:rPr>
-              <a:t> </a:t>
-            </a:r>
-            <a:r>
-              <a:rPr lang="en-US" sz="1400" dirty="0" smtClean="0">
-                <a:solidFill>
-                  <a:schemeClr val="bg2"/>
-                </a:solidFill>
-                <a:latin typeface="Consolas" pitchFamily="49" charset="0"/>
-                <a:ea typeface="ヒラギノ角ゴ Pro W3" charset="0"/>
-                <a:cs typeface="Consolas" pitchFamily="49" charset="0"/>
-              </a:rPr>
-              <a:t>  }</a:t>
-            </a:r>
-            <a:endParaRPr lang="en-US" sz="1400" dirty="0" smtClean="0">
-              <a:solidFill>
-                <a:schemeClr val="bg2"/>
-              </a:solidFill>
-              <a:latin typeface="Consolas" pitchFamily="49" charset="0"/>
-              <a:ea typeface="ヒラギノ角ゴ Pro W3" charset="0"/>
-              <a:cs typeface="Consolas" pitchFamily="49" charset="0"/>
-            </a:endParaRPr>
+              <a:t>   S </a:t>
+            </a:r>
+            <a:r>
+              <a:rPr lang="en-US" sz="1400" dirty="0" err="1" smtClean="0">
+                <a:solidFill>
+                  <a:schemeClr val="bg2"/>
+                </a:solidFill>
+                <a:latin typeface="Consolas" pitchFamily="49" charset="0"/>
+                <a:ea typeface="ヒラギノ角ゴ Pro W3" charset="0"/>
+                <a:cs typeface="Consolas" pitchFamily="49" charset="0"/>
+              </a:rPr>
+              <a:t>s</a:t>
+            </a:r>
+            <a:r>
+              <a:rPr lang="en-US" sz="1400" dirty="0" smtClean="0">
+                <a:solidFill>
+                  <a:schemeClr val="bg2"/>
+                </a:solidFill>
+                <a:latin typeface="Consolas" pitchFamily="49" charset="0"/>
+                <a:ea typeface="ヒラギノ角ゴ Pro W3" charset="0"/>
+                <a:cs typeface="Consolas" pitchFamily="49" charset="0"/>
+              </a:rPr>
+              <a:t>;</a:t>
+            </a:r>
           </a:p>
           <a:p>
             <a:pPr marL="458788" lvl="1" indent="-228600">
@@ -10065,187 +10173,7 @@
                 <a:ea typeface="ヒラギノ角ゴ Pro W3" charset="0"/>
                 <a:cs typeface="Consolas" pitchFamily="49" charset="0"/>
               </a:rPr>
-              <a:t>};</a:t>
-            </a:r>
-          </a:p>
-          <a:p>
-            <a:pPr marL="458788" lvl="1" indent="-228600">
-              <a:spcAft>
-                <a:spcPts val="0"/>
-              </a:spcAft>
-              <a:defRPr/>
-            </a:pPr>
-            <a:endParaRPr lang="en-US" sz="1400" dirty="0" smtClean="0">
-              <a:solidFill>
-                <a:schemeClr val="bg2"/>
-              </a:solidFill>
-              <a:latin typeface="Consolas" pitchFamily="49" charset="0"/>
-              <a:ea typeface="ヒラギノ角ゴ Pro W3" charset="0"/>
-              <a:cs typeface="Consolas" pitchFamily="49" charset="0"/>
-            </a:endParaRPr>
-          </a:p>
-          <a:p>
-            <a:pPr marL="458788" lvl="1" indent="-228600">
-              <a:spcAft>
-                <a:spcPts val="0"/>
-              </a:spcAft>
-              <a:defRPr/>
-            </a:pPr>
-            <a:r>
-              <a:rPr lang="en-US" sz="1400" dirty="0" smtClean="0">
-                <a:solidFill>
-                  <a:schemeClr val="bg2"/>
-                </a:solidFill>
-                <a:latin typeface="Consolas" pitchFamily="49" charset="0"/>
-                <a:ea typeface="ヒラギノ角ゴ Pro W3" charset="0"/>
-                <a:cs typeface="Consolas" pitchFamily="49" charset="0"/>
-              </a:rPr>
-              <a:t>void </a:t>
-            </a:r>
-            <a:r>
-              <a:rPr lang="en-US" sz="1400" dirty="0" err="1" smtClean="0">
-                <a:solidFill>
-                  <a:schemeClr val="bg2"/>
-                </a:solidFill>
-                <a:latin typeface="Consolas" pitchFamily="49" charset="0"/>
-                <a:ea typeface="ヒラギノ角ゴ Pro W3" charset="0"/>
-                <a:cs typeface="Consolas" pitchFamily="49" charset="0"/>
-              </a:rPr>
-              <a:t>foo</a:t>
-            </a:r>
-            <a:r>
-              <a:rPr lang="en-US" sz="1400" dirty="0" err="1" smtClean="0">
-                <a:solidFill>
-                  <a:srgbClr val="00B050"/>
-                </a:solidFill>
-                <a:latin typeface="Consolas" pitchFamily="49" charset="0"/>
-                <a:ea typeface="ヒラギノ角ゴ Pro W3" charset="0"/>
-                <a:cs typeface="Consolas" pitchFamily="49" charset="0"/>
-              </a:rPr>
-              <a:t>A</a:t>
-            </a:r>
-            <a:r>
-              <a:rPr lang="en-US" sz="1400" dirty="0" smtClean="0">
-                <a:solidFill>
-                  <a:schemeClr val="bg2"/>
-                </a:solidFill>
-                <a:latin typeface="Consolas" pitchFamily="49" charset="0"/>
-                <a:ea typeface="ヒラギノ角ゴ Pro W3" charset="0"/>
-                <a:cs typeface="Consolas" pitchFamily="49" charset="0"/>
-              </a:rPr>
-              <a:t>() </a:t>
-            </a:r>
-          </a:p>
-          <a:p>
-            <a:pPr marL="458788" lvl="1" indent="-228600">
-              <a:spcAft>
-                <a:spcPts val="0"/>
-              </a:spcAft>
-              <a:defRPr/>
-            </a:pPr>
-            <a:r>
-              <a:rPr lang="en-US" sz="1400" dirty="0" smtClean="0">
-                <a:solidFill>
-                  <a:schemeClr val="bg2"/>
-                </a:solidFill>
-                <a:latin typeface="Consolas" pitchFamily="49" charset="0"/>
-                <a:ea typeface="ヒラギノ角ゴ Pro W3" charset="0"/>
-                <a:cs typeface="Consolas" pitchFamily="49" charset="0"/>
-              </a:rPr>
-              <a:t>{</a:t>
-            </a:r>
-          </a:p>
-          <a:p>
-            <a:pPr marL="458788" lvl="1" indent="-228600">
-              <a:spcAft>
-                <a:spcPts val="0"/>
-              </a:spcAft>
-              <a:defRPr/>
-            </a:pPr>
-            <a:r>
-              <a:rPr lang="en-US" sz="1400" dirty="0" smtClean="0">
-                <a:solidFill>
-                  <a:schemeClr val="bg2"/>
-                </a:solidFill>
-                <a:latin typeface="Consolas" pitchFamily="49" charset="0"/>
-                <a:ea typeface="ヒラギノ角ゴ Pro W3" charset="0"/>
-                <a:cs typeface="Consolas" pitchFamily="49" charset="0"/>
-              </a:rPr>
-              <a:t>   </a:t>
-            </a:r>
-            <a:r>
-              <a:rPr lang="en-US" sz="1400" dirty="0" smtClean="0">
-                <a:solidFill>
-                  <a:schemeClr val="bg2"/>
-                </a:solidFill>
-                <a:latin typeface="Consolas" pitchFamily="49" charset="0"/>
-                <a:ea typeface="ヒラギノ角ゴ Pro W3" charset="0"/>
-                <a:cs typeface="Consolas" pitchFamily="49" charset="0"/>
-              </a:rPr>
-              <a:t>S </a:t>
-            </a:r>
-            <a:r>
-              <a:rPr lang="en-US" sz="1400" dirty="0" err="1" smtClean="0">
-                <a:solidFill>
-                  <a:schemeClr val="bg2"/>
-                </a:solidFill>
-                <a:latin typeface="Consolas" pitchFamily="49" charset="0"/>
-                <a:ea typeface="ヒラギノ角ゴ Pro W3" charset="0"/>
-                <a:cs typeface="Consolas" pitchFamily="49" charset="0"/>
-              </a:rPr>
-              <a:t>s</a:t>
-            </a:r>
-            <a:r>
-              <a:rPr lang="en-US" sz="1400" dirty="0" smtClean="0">
-                <a:solidFill>
-                  <a:schemeClr val="bg2"/>
-                </a:solidFill>
-                <a:latin typeface="Consolas" pitchFamily="49" charset="0"/>
-                <a:ea typeface="ヒラギノ角ゴ Pro W3" charset="0"/>
-                <a:cs typeface="Consolas" pitchFamily="49" charset="0"/>
-              </a:rPr>
-              <a:t>;</a:t>
-            </a:r>
-          </a:p>
-          <a:p>
-            <a:pPr marL="458788" lvl="1" indent="-228600">
-              <a:spcAft>
-                <a:spcPts val="0"/>
-              </a:spcAft>
-              <a:defRPr/>
-            </a:pPr>
-            <a:r>
-              <a:rPr lang="en-US" sz="1400" dirty="0" smtClean="0">
-                <a:solidFill>
-                  <a:schemeClr val="bg2"/>
-                </a:solidFill>
-                <a:latin typeface="Consolas" pitchFamily="49" charset="0"/>
-                <a:ea typeface="ヒラギノ角ゴ Pro W3" charset="0"/>
-                <a:cs typeface="Consolas" pitchFamily="49" charset="0"/>
-              </a:rPr>
-              <a:t>   </a:t>
-            </a:r>
-            <a:r>
-              <a:rPr lang="en-US" sz="1400" dirty="0" smtClean="0">
-                <a:solidFill>
-                  <a:schemeClr val="bg2"/>
-                </a:solidFill>
-                <a:latin typeface="Consolas" pitchFamily="49" charset="0"/>
-                <a:ea typeface="ヒラギノ角ゴ Pro W3" charset="0"/>
-                <a:cs typeface="Consolas" pitchFamily="49" charset="0"/>
-              </a:rPr>
-              <a:t>s.foo</a:t>
-            </a:r>
-            <a:r>
-              <a:rPr lang="en-US" sz="1400" dirty="0" smtClean="0">
-                <a:solidFill>
-                  <a:schemeClr val="bg2"/>
-                </a:solidFill>
-                <a:latin typeface="Consolas" pitchFamily="49" charset="0"/>
-                <a:ea typeface="ヒラギノ角ゴ Pro W3" charset="0"/>
-                <a:cs typeface="Consolas" pitchFamily="49" charset="0"/>
-              </a:rPr>
-              <a:t>();</a:t>
+              <a:t>   s.foo();</a:t>
             </a:r>
           </a:p>
           <a:p>
@@ -10535,18 +10463,7 @@
                 <a:ea typeface="ヒラギノ角ゴ Pro W3" charset="0"/>
                 <a:cs typeface="Consolas" pitchFamily="49" charset="0"/>
               </a:rPr>
-              <a:t>.cpp\n</a:t>
-            </a:r>
-            <a:r>
-              <a:rPr lang="en-US" sz="1400" dirty="0" smtClean="0">
-                <a:solidFill>
-                  <a:schemeClr val="bg2"/>
-                </a:solidFill>
-                <a:latin typeface="Consolas" pitchFamily="49" charset="0"/>
-                <a:ea typeface="ヒラギノ角ゴ Pro W3" charset="0"/>
-                <a:cs typeface="Consolas" pitchFamily="49" charset="0"/>
-              </a:rPr>
-              <a:t>"); </a:t>
+              <a:t>.cpp\n"); </a:t>
             </a:r>
           </a:p>
           <a:p>
@@ -10654,14 +10571,6 @@
               </a:rPr>
               <a:t>() </a:t>
             </a:r>
-            <a:endParaRPr lang="en-US" sz="1400" dirty="0" smtClean="0">
-              <a:solidFill>
-                <a:schemeClr val="bg2"/>
-              </a:solidFill>
-              <a:latin typeface="Consolas" pitchFamily="49" charset="0"/>
-              <a:ea typeface="ヒラギノ角ゴ Pro W3" charset="0"/>
-              <a:cs typeface="Consolas" pitchFamily="49" charset="0"/>
-            </a:endParaRPr>
           </a:p>
           <a:p>
             <a:pPr marL="458788" lvl="1" indent="-228600">
@@ -10739,27 +10648,8 @@
                 <a:ea typeface="ヒラギノ角ゴ Pro W3" charset="0"/>
                 <a:cs typeface="Consolas" pitchFamily="49" charset="0"/>
               </a:rPr>
-              <a:t>   s.foo</a:t>
-            </a:r>
-            <a:r>
-              <a:rPr lang="en-US" sz="1400" dirty="0" smtClean="0">
-                <a:solidFill>
-                  <a:schemeClr val="bg2"/>
-                </a:solidFill>
-                <a:latin typeface="Consolas" pitchFamily="49" charset="0"/>
-                <a:ea typeface="ヒラギノ角ゴ Pro W3" charset="0"/>
-                <a:cs typeface="Consolas" pitchFamily="49" charset="0"/>
-              </a:rPr>
-              <a:t>();</a:t>
-            </a:r>
-            <a:endParaRPr lang="en-US" sz="1400" dirty="0" smtClean="0">
-              <a:solidFill>
-                <a:schemeClr val="bg2"/>
-              </a:solidFill>
-              <a:latin typeface="Consolas" pitchFamily="49" charset="0"/>
-              <a:ea typeface="ヒラギノ角ゴ Pro W3" charset="0"/>
-              <a:cs typeface="Consolas" pitchFamily="49" charset="0"/>
-            </a:endParaRPr>
+              <a:t>   s.foo();</a:t>
+            </a:r>
           </a:p>
           <a:p>
             <a:pPr marL="458788" lvl="1" indent="-228600">
@@ -10819,27 +10709,8 @@
                 <a:ea typeface="ヒラギノ角ゴ Pro W3" charset="0"/>
                 <a:cs typeface="Consolas" pitchFamily="49" charset="0"/>
               </a:rPr>
-              <a:t>// </a:t>
-            </a:r>
-            <a:r>
-              <a:rPr lang="en-US" sz="1400" dirty="0" smtClean="0">
-                <a:solidFill>
-                  <a:schemeClr val="bg2"/>
-                </a:solidFill>
-                <a:latin typeface="Consolas" pitchFamily="49" charset="0"/>
-                <a:ea typeface="ヒラギノ角ゴ Pro W3" charset="0"/>
-                <a:cs typeface="Consolas" pitchFamily="49" charset="0"/>
-              </a:rPr>
-              <a:t>main.cpp</a:t>
-            </a:r>
-            <a:endParaRPr lang="en-US" sz="1400" dirty="0" smtClean="0">
-              <a:solidFill>
-                <a:schemeClr val="bg2"/>
-              </a:solidFill>
-              <a:latin typeface="Consolas" pitchFamily="49" charset="0"/>
-              <a:ea typeface="ヒラギノ角ゴ Pro W3" charset="0"/>
-              <a:cs typeface="Consolas" pitchFamily="49" charset="0"/>
-            </a:endParaRPr>
+              <a:t>// main.cpp</a:t>
+            </a:r>
           </a:p>
           <a:p>
             <a:pPr marL="458788" lvl="1" indent="-228600">
@@ -11156,11 +11027,7 @@
             <a:pPr algn="ctr"/>
             <a:r>
               <a:rPr lang="en-US" sz="3200" dirty="0" smtClean="0"/>
-              <a:t>Hereditary </a:t>
-            </a:r>
-            <a:r>
-              <a:rPr lang="en-US" sz="3200" dirty="0" err="1" smtClean="0"/>
-              <a:t>desease</a:t>
+              <a:t>Hereditary disease</a:t>
             </a:r>
             <a:endParaRPr lang="en-US" sz="3200" dirty="0"/>
           </a:p>
@@ -11193,7 +11060,6 @@
               <a:rPr lang="en-US" sz="2400" dirty="0" smtClean="0"/>
               <a:t> </a:t>
             </a:r>
-            <a:endParaRPr lang="en-US" sz="2400" dirty="0" smtClean="0"/>
           </a:p>
         </p:txBody>
       </p:sp>
@@ -11255,29 +11121,7 @@
                 <a:ea typeface="ヒラギノ角ゴ Pro W3" charset="0"/>
                 <a:cs typeface="Consolas" pitchFamily="49" charset="0"/>
               </a:rPr>
-              <a:t>$ </a:t>
-            </a:r>
-            <a:r>
-              <a:rPr lang="en-US" sz="1400" dirty="0" smtClean="0">
-                <a:solidFill>
-                  <a:schemeClr val="bg2"/>
-                </a:solidFill>
-                <a:latin typeface="Consolas" pitchFamily="49" charset="0"/>
-                <a:ea typeface="ヒラギノ角ゴ Pro W3" charset="0"/>
-                <a:cs typeface="Consolas" pitchFamily="49" charset="0"/>
-              </a:rPr>
-              <a:t>g</a:t>
-            </a:r>
-            <a:r>
-              <a:rPr lang="en-US" sz="1400" dirty="0" smtClean="0">
-                <a:solidFill>
-                  <a:schemeClr val="bg2"/>
-                </a:solidFill>
-                <a:latin typeface="Consolas" pitchFamily="49" charset="0"/>
-                <a:ea typeface="ヒラギノ角ゴ Pro W3" charset="0"/>
-                <a:cs typeface="Consolas" pitchFamily="49" charset="0"/>
-              </a:rPr>
-              <a:t>++ -c -Wall -</a:t>
+              <a:t>$ g++ -c -Wall -</a:t>
             </a:r>
             <a:r>
               <a:rPr lang="en-US" sz="1400" dirty="0" err="1" smtClean="0">
@@ -11299,20 +11143,180 @@
                 <a:ea typeface="ヒラギノ角ゴ Pro W3" charset="0"/>
                 <a:cs typeface="Consolas" pitchFamily="49" charset="0"/>
               </a:rPr>
+              <a:t> –o </a:t>
+            </a:r>
+            <a:r>
+              <a:rPr lang="en-US" sz="1400" dirty="0" err="1" smtClean="0">
+                <a:solidFill>
+                  <a:schemeClr val="bg2"/>
+                </a:solidFill>
+                <a:latin typeface="Consolas" pitchFamily="49" charset="0"/>
+                <a:ea typeface="ヒラギノ角ゴ Pro W3" charset="0"/>
+                <a:cs typeface="Consolas" pitchFamily="49" charset="0"/>
+              </a:rPr>
+              <a:t>A.o</a:t>
+            </a:r>
+            <a:r>
+              <a:rPr lang="en-US" sz="1400" dirty="0" smtClean="0">
+                <a:solidFill>
+                  <a:schemeClr val="bg2"/>
+                </a:solidFill>
+                <a:latin typeface="Consolas" pitchFamily="49" charset="0"/>
+                <a:ea typeface="ヒラギノ角ゴ Pro W3" charset="0"/>
+                <a:cs typeface="Consolas" pitchFamily="49" charset="0"/>
+              </a:rPr>
+              <a:t> A.cpp</a:t>
+            </a:r>
+          </a:p>
+          <a:p>
+            <a:r>
+              <a:rPr lang="en-US" sz="1400" dirty="0" smtClean="0">
+                <a:solidFill>
+                  <a:schemeClr val="bg2"/>
+                </a:solidFill>
+                <a:latin typeface="Consolas" pitchFamily="49" charset="0"/>
+                <a:ea typeface="ヒラギノ角ゴ Pro W3" charset="0"/>
+                <a:cs typeface="Consolas" pitchFamily="49" charset="0"/>
+              </a:rPr>
+              <a:t>$ g++ -c -Wall -</a:t>
+            </a:r>
+            <a:r>
+              <a:rPr lang="en-US" sz="1400" dirty="0" err="1" smtClean="0">
+                <a:solidFill>
+                  <a:schemeClr val="bg2"/>
+                </a:solidFill>
+                <a:latin typeface="Consolas" pitchFamily="49" charset="0"/>
+                <a:ea typeface="ヒラギノ角ゴ Pro W3" charset="0"/>
+                <a:cs typeface="Consolas" pitchFamily="49" charset="0"/>
+              </a:rPr>
+              <a:t>Werror</a:t>
+            </a:r>
+            <a:r>
+              <a:rPr lang="en-US" sz="1400" dirty="0" smtClean="0">
+                <a:solidFill>
+                  <a:schemeClr val="bg2"/>
+                </a:solidFill>
+                <a:latin typeface="Consolas" pitchFamily="49" charset="0"/>
+                <a:ea typeface="ヒラギノ角ゴ Pro W3" charset="0"/>
+                <a:cs typeface="Consolas" pitchFamily="49" charset="0"/>
+              </a:rPr>
+              <a:t> –o </a:t>
+            </a:r>
+            <a:r>
+              <a:rPr lang="en-US" sz="1400" dirty="0" err="1" smtClean="0">
+                <a:solidFill>
+                  <a:schemeClr val="bg2"/>
+                </a:solidFill>
+                <a:latin typeface="Consolas" pitchFamily="49" charset="0"/>
+                <a:ea typeface="ヒラギノ角ゴ Pro W3" charset="0"/>
+                <a:cs typeface="Consolas" pitchFamily="49" charset="0"/>
+              </a:rPr>
+              <a:t>B.o</a:t>
+            </a:r>
+            <a:r>
+              <a:rPr lang="en-US" sz="1400" dirty="0" smtClean="0">
+                <a:solidFill>
+                  <a:schemeClr val="bg2"/>
+                </a:solidFill>
+                <a:latin typeface="Consolas" pitchFamily="49" charset="0"/>
+                <a:ea typeface="ヒラギノ角ゴ Pro W3" charset="0"/>
+                <a:cs typeface="Consolas" pitchFamily="49" charset="0"/>
+              </a:rPr>
+              <a:t> B.cpp</a:t>
+            </a:r>
+          </a:p>
+          <a:p>
+            <a:r>
+              <a:rPr lang="en-US" sz="1400" dirty="0" smtClean="0">
+                <a:solidFill>
+                  <a:schemeClr val="bg2"/>
+                </a:solidFill>
+                <a:latin typeface="Consolas" pitchFamily="49" charset="0"/>
+                <a:ea typeface="ヒラギノ角ゴ Pro W3" charset="0"/>
+                <a:cs typeface="Consolas" pitchFamily="49" charset="0"/>
+              </a:rPr>
+              <a:t>$ g++ -c -Wall -</a:t>
+            </a:r>
+            <a:r>
+              <a:rPr lang="en-US" sz="1400" dirty="0" err="1" smtClean="0">
+                <a:solidFill>
+                  <a:schemeClr val="bg2"/>
+                </a:solidFill>
+                <a:latin typeface="Consolas" pitchFamily="49" charset="0"/>
+                <a:ea typeface="ヒラギノ角ゴ Pro W3" charset="0"/>
+                <a:cs typeface="Consolas" pitchFamily="49" charset="0"/>
+              </a:rPr>
+              <a:t>Werror</a:t>
+            </a:r>
+            <a:r>
+              <a:rPr lang="en-US" sz="1400" dirty="0" smtClean="0">
+                <a:solidFill>
+                  <a:schemeClr val="bg2"/>
+                </a:solidFill>
+                <a:latin typeface="Consolas" pitchFamily="49" charset="0"/>
+                <a:ea typeface="ヒラギノ角ゴ Pro W3" charset="0"/>
+                <a:cs typeface="Consolas" pitchFamily="49" charset="0"/>
+              </a:rPr>
+              <a:t> -o </a:t>
+            </a:r>
+            <a:r>
+              <a:rPr lang="en-US" sz="1400" dirty="0" err="1" smtClean="0">
+                <a:solidFill>
+                  <a:schemeClr val="bg2"/>
+                </a:solidFill>
+                <a:latin typeface="Consolas" pitchFamily="49" charset="0"/>
+                <a:ea typeface="ヒラギノ角ゴ Pro W3" charset="0"/>
+                <a:cs typeface="Consolas" pitchFamily="49" charset="0"/>
+              </a:rPr>
+              <a:t>main.o</a:t>
+            </a:r>
+            <a:r>
+              <a:rPr lang="en-US" sz="1400" dirty="0" smtClean="0">
+                <a:solidFill>
+                  <a:schemeClr val="bg2"/>
+                </a:solidFill>
+                <a:latin typeface="Consolas" pitchFamily="49" charset="0"/>
+                <a:ea typeface="ヒラギノ角ゴ Pro W3" charset="0"/>
+                <a:cs typeface="Consolas" pitchFamily="49" charset="0"/>
+              </a:rPr>
+              <a:t> main.cpp</a:t>
+            </a:r>
+          </a:p>
+          <a:p>
+            <a:r>
+              <a:rPr lang="en-US" sz="1400" dirty="0" smtClean="0">
+                <a:solidFill>
+                  <a:schemeClr val="bg2"/>
+                </a:solidFill>
+                <a:latin typeface="Consolas" pitchFamily="49" charset="0"/>
+                <a:ea typeface="ヒラギノ角ゴ Pro W3" charset="0"/>
+                <a:cs typeface="Consolas" pitchFamily="49" charset="0"/>
+              </a:rPr>
+              <a:t>$ g++ -o </a:t>
+            </a:r>
+            <a:r>
+              <a:rPr lang="en-US" sz="1400" dirty="0" err="1" smtClean="0">
+                <a:solidFill>
+                  <a:schemeClr val="bg2"/>
+                </a:solidFill>
+                <a:latin typeface="Consolas" pitchFamily="49" charset="0"/>
+                <a:ea typeface="ヒラギノ角ゴ Pro W3" charset="0"/>
+                <a:cs typeface="Consolas" pitchFamily="49" charset="0"/>
+              </a:rPr>
+              <a:t>simpleExample</a:t>
+            </a:r>
+            <a:r>
+              <a:rPr lang="en-US" sz="1400" dirty="0" smtClean="0">
+                <a:solidFill>
+                  <a:schemeClr val="bg2"/>
+                </a:solidFill>
+                <a:latin typeface="Consolas" pitchFamily="49" charset="0"/>
+                <a:ea typeface="ヒラギノ角ゴ Pro W3" charset="0"/>
+                <a:cs typeface="Consolas" pitchFamily="49" charset="0"/>
+              </a:rPr>
               <a:t> </a:t>
             </a:r>
             <a:r>
-              <a:rPr lang="en-US" sz="1400" dirty="0" smtClean="0">
-                <a:solidFill>
-                  <a:schemeClr val="bg2"/>
-                </a:solidFill>
-                <a:latin typeface="Consolas" pitchFamily="49" charset="0"/>
-                <a:ea typeface="ヒラギノ角ゴ Pro W3" charset="0"/>
-                <a:cs typeface="Consolas" pitchFamily="49" charset="0"/>
-              </a:rPr>
-              <a:t>–o </a:t>
-            </a:r>
-            <a:r>
               <a:rPr lang="en-US" sz="1400" dirty="0" err="1" smtClean="0">
                 <a:solidFill>
                   <a:schemeClr val="bg2"/>
@@ -11332,7 +11336,40 @@
                 <a:ea typeface="ヒラギノ角ゴ Pro W3" charset="0"/>
                 <a:cs typeface="Consolas" pitchFamily="49" charset="0"/>
               </a:rPr>
-              <a:t> A.cpp</a:t>
+              <a:t> </a:t>
+            </a:r>
+            <a:r>
+              <a:rPr lang="en-US" sz="1400" dirty="0" err="1" smtClean="0">
+                <a:solidFill>
+                  <a:schemeClr val="bg2"/>
+                </a:solidFill>
+                <a:latin typeface="Consolas" pitchFamily="49" charset="0"/>
+                <a:ea typeface="ヒラギノ角ゴ Pro W3" charset="0"/>
+                <a:cs typeface="Consolas" pitchFamily="49" charset="0"/>
+              </a:rPr>
+              <a:t>B.o</a:t>
+            </a:r>
+            <a:r>
+              <a:rPr lang="en-US" sz="1400" dirty="0" smtClean="0">
+                <a:solidFill>
+                  <a:schemeClr val="bg2"/>
+                </a:solidFill>
+                <a:latin typeface="Consolas" pitchFamily="49" charset="0"/>
+                <a:ea typeface="ヒラギノ角ゴ Pro W3" charset="0"/>
+                <a:cs typeface="Consolas" pitchFamily="49" charset="0"/>
+              </a:rPr>
+              <a:t> </a:t>
+            </a:r>
+            <a:r>
+              <a:rPr lang="en-US" sz="1400" dirty="0" err="1" smtClean="0">
+                <a:solidFill>
+                  <a:schemeClr val="bg2"/>
+                </a:solidFill>
+                <a:latin typeface="Consolas" pitchFamily="49" charset="0"/>
+                <a:ea typeface="ヒラギノ角ゴ Pro W3" charset="0"/>
+                <a:cs typeface="Consolas" pitchFamily="49" charset="0"/>
+              </a:rPr>
+              <a:t>main.o</a:t>
             </a:r>
             <a:endParaRPr lang="en-US" sz="1400" dirty="0" smtClean="0">
               <a:solidFill>
@@ -11353,29 +11390,7 @@
                 <a:ea typeface="ヒラギノ角ゴ Pro W3" charset="0"/>
                 <a:cs typeface="Consolas" pitchFamily="49" charset="0"/>
               </a:rPr>
-              <a:t>$ </a:t>
-            </a:r>
-            <a:r>
-              <a:rPr lang="en-US" sz="1400" dirty="0" smtClean="0">
-                <a:solidFill>
-                  <a:schemeClr val="bg2"/>
-                </a:solidFill>
-                <a:latin typeface="Consolas" pitchFamily="49" charset="0"/>
-                <a:ea typeface="ヒラギノ角ゴ Pro W3" charset="0"/>
-                <a:cs typeface="Consolas" pitchFamily="49" charset="0"/>
-              </a:rPr>
-              <a:t>g</a:t>
-            </a:r>
-            <a:r>
-              <a:rPr lang="en-US" sz="1400" dirty="0" smtClean="0">
-                <a:solidFill>
-                  <a:schemeClr val="bg2"/>
-                </a:solidFill>
-                <a:latin typeface="Consolas" pitchFamily="49" charset="0"/>
-                <a:ea typeface="ヒラギノ角ゴ Pro W3" charset="0"/>
-                <a:cs typeface="Consolas" pitchFamily="49" charset="0"/>
-              </a:rPr>
-              <a:t>++ -c -Wall -</a:t>
+              <a:t>$ ./</a:t>
             </a:r>
             <a:r>
               <a:rPr lang="en-US" sz="1400" dirty="0" err="1" smtClean="0">
@@ -11386,51 +11401,7 @@
                 <a:ea typeface="ヒラギノ角ゴ Pro W3" charset="0"/>
                 <a:cs typeface="Consolas" pitchFamily="49" charset="0"/>
               </a:rPr>
-              <a:t>Werror</a:t>
-            </a:r>
-            <a:r>
-              <a:rPr lang="en-US" sz="1400" dirty="0" smtClean="0">
-                <a:solidFill>
-                  <a:schemeClr val="bg2"/>
-                </a:solidFill>
-                <a:latin typeface="Consolas" pitchFamily="49" charset="0"/>
-                <a:ea typeface="ヒラギノ角ゴ Pro W3" charset="0"/>
-                <a:cs typeface="Consolas" pitchFamily="49" charset="0"/>
-              </a:rPr>
-              <a:t> </a:t>
-            </a:r>
-            <a:r>
-              <a:rPr lang="en-US" sz="1400" dirty="0" smtClean="0">
-                <a:solidFill>
-                  <a:schemeClr val="bg2"/>
-                </a:solidFill>
-                <a:latin typeface="Consolas" pitchFamily="49" charset="0"/>
-                <a:ea typeface="ヒラギノ角ゴ Pro W3" charset="0"/>
-                <a:cs typeface="Consolas" pitchFamily="49" charset="0"/>
-              </a:rPr>
-              <a:t>–o </a:t>
-            </a:r>
-            <a:r>
-              <a:rPr lang="en-US" sz="1400" dirty="0" err="1" smtClean="0">
-                <a:solidFill>
-                  <a:schemeClr val="bg2"/>
-                </a:solidFill>
-                <a:latin typeface="Consolas" pitchFamily="49" charset="0"/>
-                <a:ea typeface="ヒラギノ角ゴ Pro W3" charset="0"/>
-                <a:cs typeface="Consolas" pitchFamily="49" charset="0"/>
-              </a:rPr>
-              <a:t>B.o</a:t>
-            </a:r>
-            <a:r>
-              <a:rPr lang="en-US" sz="1400" dirty="0" smtClean="0">
-                <a:solidFill>
-                  <a:schemeClr val="bg2"/>
-                </a:solidFill>
-                <a:latin typeface="Consolas" pitchFamily="49" charset="0"/>
-                <a:ea typeface="ヒラギノ角ゴ Pro W3" charset="0"/>
-                <a:cs typeface="Consolas" pitchFamily="49" charset="0"/>
-              </a:rPr>
-              <a:t> B.cpp</a:t>
+              <a:t>simpleExample</a:t>
             </a:r>
             <a:endParaRPr lang="en-US" sz="1400" dirty="0" smtClean="0">
               <a:solidFill>
@@ -11443,39 +11414,6 @@
           </a:p>
           <a:p>
             <a:r>
-              <a:rPr lang="en-US" sz="1400" dirty="0" smtClean="0">
-                <a:solidFill>
-                  <a:schemeClr val="bg2"/>
-                </a:solidFill>
-                <a:latin typeface="Consolas" pitchFamily="49" charset="0"/>
-                <a:ea typeface="ヒラギノ角ゴ Pro W3" charset="0"/>
-                <a:cs typeface="Consolas" pitchFamily="49" charset="0"/>
-              </a:rPr>
-              <a:t>$ </a:t>
-            </a:r>
-            <a:r>
-              <a:rPr lang="en-US" sz="1400" dirty="0" smtClean="0">
-                <a:solidFill>
-                  <a:schemeClr val="bg2"/>
-                </a:solidFill>
-                <a:latin typeface="Consolas" pitchFamily="49" charset="0"/>
-                <a:ea typeface="ヒラギノ角ゴ Pro W3" charset="0"/>
-                <a:cs typeface="Consolas" pitchFamily="49" charset="0"/>
-              </a:rPr>
-              <a:t>g</a:t>
-            </a:r>
-            <a:r>
-              <a:rPr lang="en-US" sz="1400" dirty="0" smtClean="0">
-                <a:solidFill>
-                  <a:schemeClr val="bg2"/>
-                </a:solidFill>
-                <a:latin typeface="Consolas" pitchFamily="49" charset="0"/>
-                <a:ea typeface="ヒラギノ角ゴ Pro W3" charset="0"/>
-                <a:cs typeface="Consolas" pitchFamily="49" charset="0"/>
-              </a:rPr>
-              <a:t>++ -c -Wall -</a:t>
-            </a:r>
-            <a:r>
               <a:rPr lang="en-US" sz="1400" dirty="0" err="1" smtClean="0">
                 <a:solidFill>
                   <a:schemeClr val="bg2"/>
@@ -11484,232 +11422,97 @@
                 <a:ea typeface="ヒラギノ角ゴ Pro W3" charset="0"/>
                 <a:cs typeface="Consolas" pitchFamily="49" charset="0"/>
               </a:rPr>
-              <a:t>Werror</a:t>
-            </a:r>
-            <a:r>
-              <a:rPr lang="en-US" sz="1400" dirty="0" smtClean="0">
-                <a:solidFill>
-                  <a:schemeClr val="bg2"/>
-                </a:solidFill>
-                <a:latin typeface="Consolas" pitchFamily="49" charset="0"/>
-                <a:ea typeface="ヒラギノ角ゴ Pro W3" charset="0"/>
-                <a:cs typeface="Consolas" pitchFamily="49" charset="0"/>
-              </a:rPr>
-              <a:t> -o </a:t>
-            </a:r>
-            <a:r>
-              <a:rPr lang="en-US" sz="1400" dirty="0" err="1" smtClean="0">
-                <a:solidFill>
-                  <a:schemeClr val="bg2"/>
-                </a:solidFill>
-                <a:latin typeface="Consolas" pitchFamily="49" charset="0"/>
-                <a:ea typeface="ヒラギノ角ゴ Pro W3" charset="0"/>
-                <a:cs typeface="Consolas" pitchFamily="49" charset="0"/>
-              </a:rPr>
-              <a:t>main.o</a:t>
-            </a:r>
-            <a:r>
-              <a:rPr lang="en-US" sz="1400" dirty="0" smtClean="0">
-                <a:solidFill>
-                  <a:schemeClr val="bg2"/>
-                </a:solidFill>
-                <a:latin typeface="Consolas" pitchFamily="49" charset="0"/>
-                <a:ea typeface="ヒラギノ角ゴ Pro W3" charset="0"/>
-                <a:cs typeface="Consolas" pitchFamily="49" charset="0"/>
-              </a:rPr>
-              <a:t> main.cpp</a:t>
-            </a:r>
-            <a:endParaRPr lang="en-US" sz="1400" dirty="0" smtClean="0">
+              <a:t>A.cpp</a:t>
+            </a:r>
+          </a:p>
+          <a:p>
+            <a:r>
+              <a:rPr lang="en-US" sz="1400" dirty="0" smtClean="0">
+                <a:solidFill>
+                  <a:schemeClr val="bg2"/>
+                </a:solidFill>
+                <a:latin typeface="Consolas" pitchFamily="49" charset="0"/>
+                <a:ea typeface="ヒラギノ角ゴ Pro W3" charset="0"/>
+                <a:cs typeface="Consolas" pitchFamily="49" charset="0"/>
+              </a:rPr>
+              <a:t>A.cpp</a:t>
+            </a:r>
+          </a:p>
+        </p:txBody>
+      </p:sp>
+      <p:sp>
+        <p:nvSpPr>
+          <p:cNvPr id="7" name="Rectangle 6"/>
+          <p:cNvSpPr/>
+          <p:nvPr/>
+        </p:nvSpPr>
+        <p:spPr>
+          <a:xfrm>
+            <a:off x="490128" y="4083918"/>
+            <a:ext cx="8155641" cy="523220"/>
+          </a:xfrm>
+          <a:prstGeom prst="rect">
+            <a:avLst/>
+          </a:prstGeom>
+        </p:spPr>
+        <p:txBody>
+          <a:bodyPr wrap="square">
+            <a:spAutoFit/>
+          </a:bodyPr>
+          <a:lstStyle/>
+          <a:p>
+            <a:pPr marL="458788" lvl="1" indent="-228600">
+              <a:spcAft>
+                <a:spcPts val="0"/>
+              </a:spcAft>
+              <a:defRPr/>
+            </a:pPr>
+            <a:r>
+              <a:rPr lang="en-US" sz="1400" i="1" dirty="0" smtClean="0">
+                <a:solidFill>
+                  <a:schemeClr val="bg2"/>
+                </a:solidFill>
+                <a:latin typeface="+mn-lt"/>
+                <a:ea typeface="ヒラギノ角ゴ Pro W3" charset="0"/>
+                <a:cs typeface="Consolas" pitchFamily="49" charset="0"/>
+              </a:rPr>
+              <a:t>Note: Breaking one definition rule.</a:t>
+            </a:r>
+          </a:p>
+          <a:p>
+            <a:pPr marL="458788" lvl="1" indent="-228600">
+              <a:spcAft>
+                <a:spcPts val="0"/>
+              </a:spcAft>
+              <a:defRPr/>
+            </a:pPr>
+            <a:r>
+              <a:rPr lang="en-US" sz="1400" i="1" dirty="0" smtClean="0">
+                <a:solidFill>
+                  <a:schemeClr val="bg2"/>
+                </a:solidFill>
+                <a:latin typeface="+mn-lt"/>
+                <a:ea typeface="ヒラギノ角ゴ Pro W3" charset="0"/>
+                <a:cs typeface="Consolas" pitchFamily="49" charset="0"/>
+              </a:rPr>
+              <a:t> </a:t>
+            </a:r>
+            <a:r>
+              <a:rPr lang="en-US" sz="1400" i="1" dirty="0" smtClean="0">
+                <a:solidFill>
+                  <a:schemeClr val="bg2"/>
+                </a:solidFill>
+                <a:latin typeface="+mn-lt"/>
+                <a:ea typeface="ヒラギノ角ゴ Pro W3" charset="0"/>
+                <a:cs typeface="Consolas" pitchFamily="49" charset="0"/>
+              </a:rPr>
+              <a:t>          C++ $</a:t>
+            </a:r>
+            <a:endParaRPr lang="en-US" sz="1400" i="1" dirty="0" smtClean="0">
               <a:solidFill>
                 <a:schemeClr val="bg2"/>
               </a:solidFill>
-              <a:latin typeface="Consolas" pitchFamily="49" charset="0"/>
-              <a:ea typeface="ヒラギノ角ゴ Pro W3" charset="0"/>
-              <a:cs typeface="Consolas" pitchFamily="49" charset="0"/>
-            </a:endParaRPr>
-          </a:p>
-          <a:p>
-            <a:r>
-              <a:rPr lang="en-US" sz="1400" dirty="0" smtClean="0">
-                <a:solidFill>
-                  <a:schemeClr val="bg2"/>
-                </a:solidFill>
-                <a:latin typeface="Consolas" pitchFamily="49" charset="0"/>
-                <a:ea typeface="ヒラギノ角ゴ Pro W3" charset="0"/>
-                <a:cs typeface="Consolas" pitchFamily="49" charset="0"/>
-              </a:rPr>
-              <a:t>$ </a:t>
-            </a:r>
-            <a:r>
-              <a:rPr lang="en-US" sz="1400" dirty="0" smtClean="0">
-                <a:solidFill>
-                  <a:schemeClr val="bg2"/>
-                </a:solidFill>
-                <a:latin typeface="Consolas" pitchFamily="49" charset="0"/>
-                <a:ea typeface="ヒラギノ角ゴ Pro W3" charset="0"/>
-                <a:cs typeface="Consolas" pitchFamily="49" charset="0"/>
-              </a:rPr>
-              <a:t>g</a:t>
-            </a:r>
-            <a:r>
-              <a:rPr lang="en-US" sz="1400" dirty="0" smtClean="0">
-                <a:solidFill>
-                  <a:schemeClr val="bg2"/>
-                </a:solidFill>
-                <a:latin typeface="Consolas" pitchFamily="49" charset="0"/>
-                <a:ea typeface="ヒラギノ角ゴ Pro W3" charset="0"/>
-                <a:cs typeface="Consolas" pitchFamily="49" charset="0"/>
-              </a:rPr>
-              <a:t>++ -o </a:t>
-            </a:r>
-            <a:r>
-              <a:rPr lang="en-US" sz="1400" dirty="0" err="1" smtClean="0">
-                <a:solidFill>
-                  <a:schemeClr val="bg2"/>
-                </a:solidFill>
-                <a:latin typeface="Consolas" pitchFamily="49" charset="0"/>
-                <a:ea typeface="ヒラギノ角ゴ Pro W3" charset="0"/>
-                <a:cs typeface="Consolas" pitchFamily="49" charset="0"/>
-              </a:rPr>
-              <a:t>simpleExample</a:t>
-            </a:r>
-            <a:r>
-              <a:rPr lang="en-US" sz="1400" dirty="0" smtClean="0">
-                <a:solidFill>
-                  <a:schemeClr val="bg2"/>
-                </a:solidFill>
-                <a:latin typeface="Consolas" pitchFamily="49" charset="0"/>
-                <a:ea typeface="ヒラギノ角ゴ Pro W3" charset="0"/>
-                <a:cs typeface="Consolas" pitchFamily="49" charset="0"/>
-              </a:rPr>
-              <a:t> </a:t>
-            </a:r>
-            <a:r>
-              <a:rPr lang="en-US" sz="1400" dirty="0" err="1" smtClean="0">
-                <a:solidFill>
-                  <a:schemeClr val="bg2"/>
-                </a:solidFill>
-                <a:latin typeface="Consolas" pitchFamily="49" charset="0"/>
-                <a:ea typeface="ヒラギノ角ゴ Pro W3" charset="0"/>
-                <a:cs typeface="Consolas" pitchFamily="49" charset="0"/>
-              </a:rPr>
-              <a:t>A.o</a:t>
-            </a:r>
-            <a:r>
-              <a:rPr lang="en-US" sz="1400" dirty="0" smtClean="0">
-                <a:solidFill>
-                  <a:schemeClr val="bg2"/>
-                </a:solidFill>
-                <a:latin typeface="Consolas" pitchFamily="49" charset="0"/>
-                <a:ea typeface="ヒラギノ角ゴ Pro W3" charset="0"/>
-                <a:cs typeface="Consolas" pitchFamily="49" charset="0"/>
-              </a:rPr>
-              <a:t> </a:t>
-            </a:r>
-            <a:r>
-              <a:rPr lang="en-US" sz="1400" dirty="0" err="1" smtClean="0">
-                <a:solidFill>
-                  <a:schemeClr val="bg2"/>
-                </a:solidFill>
-                <a:latin typeface="Consolas" pitchFamily="49" charset="0"/>
-                <a:ea typeface="ヒラギノ角ゴ Pro W3" charset="0"/>
-                <a:cs typeface="Consolas" pitchFamily="49" charset="0"/>
-              </a:rPr>
-              <a:t>B.o</a:t>
-            </a:r>
-            <a:r>
-              <a:rPr lang="en-US" sz="1400" dirty="0" smtClean="0">
-                <a:solidFill>
-                  <a:schemeClr val="bg2"/>
-                </a:solidFill>
-                <a:latin typeface="Consolas" pitchFamily="49" charset="0"/>
-                <a:ea typeface="ヒラギノ角ゴ Pro W3" charset="0"/>
-                <a:cs typeface="Consolas" pitchFamily="49" charset="0"/>
-              </a:rPr>
-              <a:t> </a:t>
-            </a:r>
-            <a:r>
-              <a:rPr lang="en-US" sz="1400" dirty="0" err="1" smtClean="0">
-                <a:solidFill>
-                  <a:schemeClr val="bg2"/>
-                </a:solidFill>
-                <a:latin typeface="Consolas" pitchFamily="49" charset="0"/>
-                <a:ea typeface="ヒラギノ角ゴ Pro W3" charset="0"/>
-                <a:cs typeface="Consolas" pitchFamily="49" charset="0"/>
-              </a:rPr>
-              <a:t>main.o</a:t>
-            </a:r>
-            <a:endParaRPr lang="en-US" sz="1400" dirty="0" smtClean="0">
-              <a:solidFill>
-                <a:schemeClr val="bg2"/>
-              </a:solidFill>
-              <a:latin typeface="Consolas" pitchFamily="49" charset="0"/>
-              <a:ea typeface="ヒラギノ角ゴ Pro W3" charset="0"/>
-              <a:cs typeface="Consolas" pitchFamily="49" charset="0"/>
-            </a:endParaRPr>
-          </a:p>
-          <a:p>
-            <a:r>
-              <a:rPr lang="en-US" sz="1400" dirty="0" smtClean="0">
-                <a:solidFill>
-                  <a:schemeClr val="bg2"/>
-                </a:solidFill>
-                <a:latin typeface="Consolas" pitchFamily="49" charset="0"/>
-                <a:ea typeface="ヒラギノ角ゴ Pro W3" charset="0"/>
-                <a:cs typeface="Consolas" pitchFamily="49" charset="0"/>
-              </a:rPr>
-              <a:t>$ ./</a:t>
-            </a:r>
-            <a:r>
-              <a:rPr lang="en-US" sz="1400" dirty="0" err="1" smtClean="0">
-                <a:solidFill>
-                  <a:schemeClr val="bg2"/>
-                </a:solidFill>
-                <a:latin typeface="Consolas" pitchFamily="49" charset="0"/>
-                <a:ea typeface="ヒラギノ角ゴ Pro W3" charset="0"/>
-                <a:cs typeface="Consolas" pitchFamily="49" charset="0"/>
-              </a:rPr>
-              <a:t>simpleExample</a:t>
-            </a:r>
-            <a:endParaRPr lang="en-US" sz="1400" dirty="0" smtClean="0">
-              <a:solidFill>
-                <a:schemeClr val="bg2"/>
-              </a:solidFill>
-              <a:latin typeface="Consolas" pitchFamily="49" charset="0"/>
-              <a:ea typeface="ヒラギノ角ゴ Pro W3" charset="0"/>
-              <a:cs typeface="Consolas" pitchFamily="49" charset="0"/>
-            </a:endParaRPr>
-          </a:p>
-          <a:p>
-            <a:r>
-              <a:rPr lang="en-US" sz="1400" dirty="0" err="1" smtClean="0">
-                <a:solidFill>
-                  <a:schemeClr val="bg2"/>
-                </a:solidFill>
-                <a:latin typeface="Consolas" pitchFamily="49" charset="0"/>
-                <a:ea typeface="ヒラギノ角ゴ Pro W3" charset="0"/>
-                <a:cs typeface="Consolas" pitchFamily="49" charset="0"/>
-              </a:rPr>
-              <a:t>A.cpp</a:t>
-            </a:r>
-          </a:p>
-          <a:p>
-            <a:r>
-              <a:rPr lang="en-US" sz="1400" dirty="0" smtClean="0">
-                <a:solidFill>
-                  <a:schemeClr val="bg2"/>
-                </a:solidFill>
-                <a:latin typeface="Consolas" pitchFamily="49" charset="0"/>
-                <a:ea typeface="ヒラギノ角ゴ Pro W3" charset="0"/>
-                <a:cs typeface="Consolas" pitchFamily="49" charset="0"/>
-              </a:rPr>
-              <a:t>A.cpp</a:t>
-            </a:r>
-            <a:endParaRPr lang="en-US" sz="1400" dirty="0" smtClean="0">
-              <a:solidFill>
-                <a:schemeClr val="bg2"/>
-              </a:solidFill>
-              <a:latin typeface="Consolas" pitchFamily="49" charset="0"/>
+              <a:latin typeface="+mn-lt"/>
               <a:ea typeface="ヒラギノ角ゴ Pro W3" charset="0"/>
               <a:cs typeface="Consolas" pitchFamily="49" charset="0"/>
             </a:endParaRPr>
@@ -11764,11 +11567,7 @@
             <a:pPr algn="ctr"/>
             <a:r>
               <a:rPr lang="en-US" sz="3200" dirty="0" smtClean="0"/>
-              <a:t>Hereditary </a:t>
-            </a:r>
-            <a:r>
-              <a:rPr lang="en-US" sz="3200" dirty="0" err="1" smtClean="0"/>
-              <a:t>desease</a:t>
+              <a:t>Hereditary disease</a:t>
             </a:r>
             <a:endParaRPr lang="en-US" sz="3200" dirty="0"/>
           </a:p>
@@ -11801,7 +11600,6 @@
               <a:rPr lang="en-US" sz="2400" dirty="0" smtClean="0"/>
               <a:t> </a:t>
             </a:r>
-            <a:endParaRPr lang="en-US" sz="2400" dirty="0" smtClean="0"/>
           </a:p>
         </p:txBody>
       </p:sp>
@@ -11863,29 +11661,7 @@
                 <a:ea typeface="ヒラギノ角ゴ Pro W3" charset="0"/>
                 <a:cs typeface="Consolas" pitchFamily="49" charset="0"/>
               </a:rPr>
-              <a:t>$ </a:t>
-            </a:r>
-            <a:r>
-              <a:rPr lang="en-US" sz="1400" dirty="0" smtClean="0">
-                <a:solidFill>
-                  <a:schemeClr val="bg2"/>
-                </a:solidFill>
-                <a:latin typeface="Consolas" pitchFamily="49" charset="0"/>
-                <a:ea typeface="ヒラギノ角ゴ Pro W3" charset="0"/>
-                <a:cs typeface="Consolas" pitchFamily="49" charset="0"/>
-              </a:rPr>
-              <a:t>g</a:t>
-            </a:r>
-            <a:r>
-              <a:rPr lang="en-US" sz="1400" dirty="0" smtClean="0">
-                <a:solidFill>
-                  <a:schemeClr val="bg2"/>
-                </a:solidFill>
-                <a:latin typeface="Consolas" pitchFamily="49" charset="0"/>
-                <a:ea typeface="ヒラギノ角ゴ Pro W3" charset="0"/>
-                <a:cs typeface="Consolas" pitchFamily="49" charset="0"/>
-              </a:rPr>
-              <a:t>++ -c -Wall -</a:t>
+              <a:t>$ g++ -c -Wall -</a:t>
             </a:r>
             <a:r>
               <a:rPr lang="en-US" sz="1400" dirty="0" err="1" smtClean="0">
@@ -11907,23 +11683,183 @@
                 <a:ea typeface="ヒラギノ角ゴ Pro W3" charset="0"/>
                 <a:cs typeface="Consolas" pitchFamily="49" charset="0"/>
               </a:rPr>
+              <a:t> –o </a:t>
+            </a:r>
+            <a:r>
+              <a:rPr lang="en-US" sz="1400" dirty="0" err="1" smtClean="0">
+                <a:solidFill>
+                  <a:schemeClr val="bg2"/>
+                </a:solidFill>
+                <a:latin typeface="Consolas" pitchFamily="49" charset="0"/>
+                <a:ea typeface="ヒラギノ角ゴ Pro W3" charset="0"/>
+                <a:cs typeface="Consolas" pitchFamily="49" charset="0"/>
+              </a:rPr>
+              <a:t>A.o</a:t>
+            </a:r>
+            <a:r>
+              <a:rPr lang="en-US" sz="1400" dirty="0" smtClean="0">
+                <a:solidFill>
+                  <a:schemeClr val="bg2"/>
+                </a:solidFill>
+                <a:latin typeface="Consolas" pitchFamily="49" charset="0"/>
+                <a:ea typeface="ヒラギノ角ゴ Pro W3" charset="0"/>
+                <a:cs typeface="Consolas" pitchFamily="49" charset="0"/>
+              </a:rPr>
+              <a:t> A.cpp</a:t>
+            </a:r>
+          </a:p>
+          <a:p>
+            <a:r>
+              <a:rPr lang="en-US" sz="1400" dirty="0" smtClean="0">
+                <a:solidFill>
+                  <a:schemeClr val="bg2"/>
+                </a:solidFill>
+                <a:latin typeface="Consolas" pitchFamily="49" charset="0"/>
+                <a:ea typeface="ヒラギノ角ゴ Pro W3" charset="0"/>
+                <a:cs typeface="Consolas" pitchFamily="49" charset="0"/>
+              </a:rPr>
+              <a:t>$ g++ -c -Wall -</a:t>
+            </a:r>
+            <a:r>
+              <a:rPr lang="en-US" sz="1400" dirty="0" err="1" smtClean="0">
+                <a:solidFill>
+                  <a:schemeClr val="bg2"/>
+                </a:solidFill>
+                <a:latin typeface="Consolas" pitchFamily="49" charset="0"/>
+                <a:ea typeface="ヒラギノ角ゴ Pro W3" charset="0"/>
+                <a:cs typeface="Consolas" pitchFamily="49" charset="0"/>
+              </a:rPr>
+              <a:t>Werror</a:t>
+            </a:r>
+            <a:r>
+              <a:rPr lang="en-US" sz="1400" dirty="0" smtClean="0">
+                <a:solidFill>
+                  <a:schemeClr val="bg2"/>
+                </a:solidFill>
+                <a:latin typeface="Consolas" pitchFamily="49" charset="0"/>
+                <a:ea typeface="ヒラギノ角ゴ Pro W3" charset="0"/>
+                <a:cs typeface="Consolas" pitchFamily="49" charset="0"/>
+              </a:rPr>
+              <a:t> –o </a:t>
+            </a:r>
+            <a:r>
+              <a:rPr lang="en-US" sz="1400" dirty="0" err="1" smtClean="0">
+                <a:solidFill>
+                  <a:schemeClr val="bg2"/>
+                </a:solidFill>
+                <a:latin typeface="Consolas" pitchFamily="49" charset="0"/>
+                <a:ea typeface="ヒラギノ角ゴ Pro W3" charset="0"/>
+                <a:cs typeface="Consolas" pitchFamily="49" charset="0"/>
+              </a:rPr>
+              <a:t>B.o</a:t>
+            </a:r>
+            <a:r>
+              <a:rPr lang="en-US" sz="1400" dirty="0" smtClean="0">
+                <a:solidFill>
+                  <a:schemeClr val="bg2"/>
+                </a:solidFill>
+                <a:latin typeface="Consolas" pitchFamily="49" charset="0"/>
+                <a:ea typeface="ヒラギノ角ゴ Pro W3" charset="0"/>
+                <a:cs typeface="Consolas" pitchFamily="49" charset="0"/>
+              </a:rPr>
+              <a:t> B.cpp</a:t>
+            </a:r>
+          </a:p>
+          <a:p>
+            <a:r>
+              <a:rPr lang="en-US" sz="1400" dirty="0" smtClean="0">
+                <a:solidFill>
+                  <a:schemeClr val="bg2"/>
+                </a:solidFill>
+                <a:latin typeface="Consolas" pitchFamily="49" charset="0"/>
+                <a:ea typeface="ヒラギノ角ゴ Pro W3" charset="0"/>
+                <a:cs typeface="Consolas" pitchFamily="49" charset="0"/>
+              </a:rPr>
+              <a:t>$ g++ -c -Wall -</a:t>
+            </a:r>
+            <a:r>
+              <a:rPr lang="en-US" sz="1400" dirty="0" err="1" smtClean="0">
+                <a:solidFill>
+                  <a:schemeClr val="bg2"/>
+                </a:solidFill>
+                <a:latin typeface="Consolas" pitchFamily="49" charset="0"/>
+                <a:ea typeface="ヒラギノ角ゴ Pro W3" charset="0"/>
+                <a:cs typeface="Consolas" pitchFamily="49" charset="0"/>
+              </a:rPr>
+              <a:t>Werror</a:t>
+            </a:r>
+            <a:r>
+              <a:rPr lang="en-US" sz="1400" dirty="0" smtClean="0">
+                <a:solidFill>
+                  <a:schemeClr val="bg2"/>
+                </a:solidFill>
+                <a:latin typeface="Consolas" pitchFamily="49" charset="0"/>
+                <a:ea typeface="ヒラギノ角ゴ Pro W3" charset="0"/>
+                <a:cs typeface="Consolas" pitchFamily="49" charset="0"/>
+              </a:rPr>
+              <a:t> -o </a:t>
+            </a:r>
+            <a:r>
+              <a:rPr lang="en-US" sz="1400" dirty="0" err="1" smtClean="0">
+                <a:solidFill>
+                  <a:schemeClr val="bg2"/>
+                </a:solidFill>
+                <a:latin typeface="Consolas" pitchFamily="49" charset="0"/>
+                <a:ea typeface="ヒラギノ角ゴ Pro W3" charset="0"/>
+                <a:cs typeface="Consolas" pitchFamily="49" charset="0"/>
+              </a:rPr>
+              <a:t>main.o</a:t>
+            </a:r>
+            <a:r>
+              <a:rPr lang="en-US" sz="1400" dirty="0" smtClean="0">
+                <a:solidFill>
+                  <a:schemeClr val="bg2"/>
+                </a:solidFill>
+                <a:latin typeface="Consolas" pitchFamily="49" charset="0"/>
+                <a:ea typeface="ヒラギノ角ゴ Pro W3" charset="0"/>
+                <a:cs typeface="Consolas" pitchFamily="49" charset="0"/>
+              </a:rPr>
+              <a:t> main.cpp</a:t>
+            </a:r>
+          </a:p>
+          <a:p>
+            <a:r>
+              <a:rPr lang="en-US" sz="1400" dirty="0" smtClean="0">
+                <a:solidFill>
+                  <a:schemeClr val="bg2"/>
+                </a:solidFill>
+                <a:latin typeface="Consolas" pitchFamily="49" charset="0"/>
+                <a:ea typeface="ヒラギノ角ゴ Pro W3" charset="0"/>
+                <a:cs typeface="Consolas" pitchFamily="49" charset="0"/>
+              </a:rPr>
+              <a:t>$ g++ -o </a:t>
+            </a:r>
+            <a:r>
+              <a:rPr lang="en-US" sz="1400" dirty="0" err="1" smtClean="0">
+                <a:solidFill>
+                  <a:schemeClr val="bg2"/>
+                </a:solidFill>
+                <a:latin typeface="Consolas" pitchFamily="49" charset="0"/>
+                <a:ea typeface="ヒラギノ角ゴ Pro W3" charset="0"/>
+                <a:cs typeface="Consolas" pitchFamily="49" charset="0"/>
+              </a:rPr>
+              <a:t>simpleExample</a:t>
+            </a:r>
+            <a:r>
+              <a:rPr lang="en-US" sz="1400" dirty="0" smtClean="0">
+                <a:solidFill>
+                  <a:schemeClr val="bg2"/>
+                </a:solidFill>
+                <a:latin typeface="Consolas" pitchFamily="49" charset="0"/>
+                <a:ea typeface="ヒラギノ角ゴ Pro W3" charset="0"/>
+                <a:cs typeface="Consolas" pitchFamily="49" charset="0"/>
+              </a:rPr>
               <a:t> </a:t>
             </a:r>
             <a:r>
-              <a:rPr lang="en-US" sz="1400" dirty="0" smtClean="0">
-                <a:solidFill>
-                  <a:schemeClr val="bg2"/>
-                </a:solidFill>
-                <a:latin typeface="Consolas" pitchFamily="49" charset="0"/>
-                <a:ea typeface="ヒラギノ角ゴ Pro W3" charset="0"/>
-                <a:cs typeface="Consolas" pitchFamily="49" charset="0"/>
-              </a:rPr>
-              <a:t>–o </a:t>
-            </a:r>
-            <a:r>
               <a:rPr lang="en-US" sz="1400" dirty="0" err="1" smtClean="0">
                 <a:solidFill>
-                  <a:schemeClr val="bg2"/>
+                  <a:srgbClr val="00B050"/>
                 </a:solidFill>
                 <a:latin typeface="Consolas" pitchFamily="49" charset="0"/>
                 <a:ea typeface="ヒラギノ角ゴ Pro W3" charset="0"/>
@@ -11934,13 +11870,46 @@
             <a:r>
               <a:rPr lang="en-US" sz="1400" dirty="0" smtClean="0">
                 <a:solidFill>
-                  <a:schemeClr val="bg2"/>
-                </a:solidFill>
-                <a:latin typeface="Consolas" pitchFamily="49" charset="0"/>
-                <a:ea typeface="ヒラギノ角ゴ Pro W3" charset="0"/>
-                <a:cs typeface="Consolas" pitchFamily="49" charset="0"/>
-              </a:rPr>
-              <a:t> A.cpp</a:t>
+                  <a:srgbClr val="00B050"/>
+                </a:solidFill>
+                <a:latin typeface="Consolas" pitchFamily="49" charset="0"/>
+                <a:ea typeface="ヒラギノ角ゴ Pro W3" charset="0"/>
+                <a:cs typeface="Consolas" pitchFamily="49" charset="0"/>
+              </a:rPr>
+              <a:t> </a:t>
+            </a:r>
+            <a:r>
+              <a:rPr lang="en-US" sz="1400" dirty="0" err="1" smtClean="0">
+                <a:solidFill>
+                  <a:srgbClr val="00B050"/>
+                </a:solidFill>
+                <a:latin typeface="Consolas" pitchFamily="49" charset="0"/>
+                <a:ea typeface="ヒラギノ角ゴ Pro W3" charset="0"/>
+                <a:cs typeface="Consolas" pitchFamily="49" charset="0"/>
+              </a:rPr>
+              <a:t>B.o</a:t>
+            </a:r>
+            <a:r>
+              <a:rPr lang="en-US" sz="1400" dirty="0" smtClean="0">
+                <a:solidFill>
+                  <a:srgbClr val="00B050"/>
+                </a:solidFill>
+                <a:latin typeface="Consolas" pitchFamily="49" charset="0"/>
+                <a:ea typeface="ヒラギノ角ゴ Pro W3" charset="0"/>
+                <a:cs typeface="Consolas" pitchFamily="49" charset="0"/>
+              </a:rPr>
+              <a:t> </a:t>
+            </a:r>
+            <a:r>
+              <a:rPr lang="en-US" sz="1400" dirty="0" err="1" smtClean="0">
+                <a:solidFill>
+                  <a:schemeClr val="bg2"/>
+                </a:solidFill>
+                <a:latin typeface="Consolas" pitchFamily="49" charset="0"/>
+                <a:ea typeface="ヒラギノ角ゴ Pro W3" charset="0"/>
+                <a:cs typeface="Consolas" pitchFamily="49" charset="0"/>
+              </a:rPr>
+              <a:t>main.o</a:t>
             </a:r>
             <a:endParaRPr lang="en-US" sz="1400" dirty="0" smtClean="0">
               <a:solidFill>
@@ -11961,29 +11930,7 @@
                 <a:ea typeface="ヒラギノ角ゴ Pro W3" charset="0"/>
                 <a:cs typeface="Consolas" pitchFamily="49" charset="0"/>
               </a:rPr>
-              <a:t>$ </a:t>
-            </a:r>
-            <a:r>
-              <a:rPr lang="en-US" sz="1400" dirty="0" smtClean="0">
-                <a:solidFill>
-                  <a:schemeClr val="bg2"/>
-                </a:solidFill>
-                <a:latin typeface="Consolas" pitchFamily="49" charset="0"/>
-                <a:ea typeface="ヒラギノ角ゴ Pro W3" charset="0"/>
-                <a:cs typeface="Consolas" pitchFamily="49" charset="0"/>
-              </a:rPr>
-              <a:t>g</a:t>
-            </a:r>
-            <a:r>
-              <a:rPr lang="en-US" sz="1400" dirty="0" smtClean="0">
-                <a:solidFill>
-                  <a:schemeClr val="bg2"/>
-                </a:solidFill>
-                <a:latin typeface="Consolas" pitchFamily="49" charset="0"/>
-                <a:ea typeface="ヒラギノ角ゴ Pro W3" charset="0"/>
-                <a:cs typeface="Consolas" pitchFamily="49" charset="0"/>
-              </a:rPr>
-              <a:t>++ -c -Wall -</a:t>
+              <a:t>$ ./</a:t>
             </a:r>
             <a:r>
               <a:rPr lang="en-US" sz="1400" dirty="0" err="1" smtClean="0">
@@ -11994,51 +11941,7 @@
                 <a:ea typeface="ヒラギノ角ゴ Pro W3" charset="0"/>
                 <a:cs typeface="Consolas" pitchFamily="49" charset="0"/>
               </a:rPr>
-              <a:t>Werror</a:t>
-            </a:r>
-            <a:r>
-              <a:rPr lang="en-US" sz="1400" dirty="0" smtClean="0">
-                <a:solidFill>
-                  <a:schemeClr val="bg2"/>
-                </a:solidFill>
-                <a:latin typeface="Consolas" pitchFamily="49" charset="0"/>
-                <a:ea typeface="ヒラギノ角ゴ Pro W3" charset="0"/>
-                <a:cs typeface="Consolas" pitchFamily="49" charset="0"/>
-              </a:rPr>
-              <a:t> </a:t>
-            </a:r>
-            <a:r>
-              <a:rPr lang="en-US" sz="1400" dirty="0" smtClean="0">
-                <a:solidFill>
-                  <a:schemeClr val="bg2"/>
-                </a:solidFill>
-                <a:latin typeface="Consolas" pitchFamily="49" charset="0"/>
-                <a:ea typeface="ヒラギノ角ゴ Pro W3" charset="0"/>
-                <a:cs typeface="Consolas" pitchFamily="49" charset="0"/>
-              </a:rPr>
-              <a:t>–o </a:t>
-            </a:r>
-            <a:r>
-              <a:rPr lang="en-US" sz="1400" dirty="0" err="1" smtClean="0">
-                <a:solidFill>
-                  <a:schemeClr val="bg2"/>
-                </a:solidFill>
-                <a:latin typeface="Consolas" pitchFamily="49" charset="0"/>
-                <a:ea typeface="ヒラギノ角ゴ Pro W3" charset="0"/>
-                <a:cs typeface="Consolas" pitchFamily="49" charset="0"/>
-              </a:rPr>
-              <a:t>B.o</a:t>
-            </a:r>
-            <a:r>
-              <a:rPr lang="en-US" sz="1400" dirty="0" smtClean="0">
-                <a:solidFill>
-                  <a:schemeClr val="bg2"/>
-                </a:solidFill>
-                <a:latin typeface="Consolas" pitchFamily="49" charset="0"/>
-                <a:ea typeface="ヒラギノ角ゴ Pro W3" charset="0"/>
-                <a:cs typeface="Consolas" pitchFamily="49" charset="0"/>
-              </a:rPr>
-              <a:t> B.cpp</a:t>
+              <a:t>simpleExample</a:t>
             </a:r>
             <a:endParaRPr lang="en-US" sz="1400" dirty="0" smtClean="0">
               <a:solidFill>
@@ -12051,39 +11954,6 @@
           </a:p>
           <a:p>
             <a:r>
-              <a:rPr lang="en-US" sz="1400" dirty="0" smtClean="0">
-                <a:solidFill>
-                  <a:schemeClr val="bg2"/>
-                </a:solidFill>
-                <a:latin typeface="Consolas" pitchFamily="49" charset="0"/>
-                <a:ea typeface="ヒラギノ角ゴ Pro W3" charset="0"/>
-                <a:cs typeface="Consolas" pitchFamily="49" charset="0"/>
-              </a:rPr>
-              <a:t>$ </a:t>
-            </a:r>
-            <a:r>
-              <a:rPr lang="en-US" sz="1400" dirty="0" smtClean="0">
-                <a:solidFill>
-                  <a:schemeClr val="bg2"/>
-                </a:solidFill>
-                <a:latin typeface="Consolas" pitchFamily="49" charset="0"/>
-                <a:ea typeface="ヒラギノ角ゴ Pro W3" charset="0"/>
-                <a:cs typeface="Consolas" pitchFamily="49" charset="0"/>
-              </a:rPr>
-              <a:t>g</a:t>
-            </a:r>
-            <a:r>
-              <a:rPr lang="en-US" sz="1400" dirty="0" smtClean="0">
-                <a:solidFill>
-                  <a:schemeClr val="bg2"/>
-                </a:solidFill>
-                <a:latin typeface="Consolas" pitchFamily="49" charset="0"/>
-                <a:ea typeface="ヒラギノ角ゴ Pro W3" charset="0"/>
-                <a:cs typeface="Consolas" pitchFamily="49" charset="0"/>
-              </a:rPr>
-              <a:t>++ -c -Wall -</a:t>
-            </a:r>
-            <a:r>
               <a:rPr lang="en-US" sz="1400" dirty="0" err="1" smtClean="0">
                 <a:solidFill>
                   <a:schemeClr val="bg2"/>
@@ -12092,41 +11962,23 @@
                 <a:ea typeface="ヒラギノ角ゴ Pro W3" charset="0"/>
                 <a:cs typeface="Consolas" pitchFamily="49" charset="0"/>
               </a:rPr>
-              <a:t>Werror</a:t>
-            </a:r>
-            <a:r>
-              <a:rPr lang="en-US" sz="1400" dirty="0" smtClean="0">
-                <a:solidFill>
-                  <a:schemeClr val="bg2"/>
-                </a:solidFill>
-                <a:latin typeface="Consolas" pitchFamily="49" charset="0"/>
-                <a:ea typeface="ヒラギノ角ゴ Pro W3" charset="0"/>
-                <a:cs typeface="Consolas" pitchFamily="49" charset="0"/>
-              </a:rPr>
-              <a:t> -o </a:t>
-            </a:r>
-            <a:r>
-              <a:rPr lang="en-US" sz="1400" dirty="0" err="1" smtClean="0">
-                <a:solidFill>
-                  <a:schemeClr val="bg2"/>
-                </a:solidFill>
-                <a:latin typeface="Consolas" pitchFamily="49" charset="0"/>
-                <a:ea typeface="ヒラギノ角ゴ Pro W3" charset="0"/>
-                <a:cs typeface="Consolas" pitchFamily="49" charset="0"/>
-              </a:rPr>
-              <a:t>main.o</a:t>
-            </a:r>
-            <a:r>
-              <a:rPr lang="en-US" sz="1400" dirty="0" smtClean="0">
-                <a:solidFill>
-                  <a:schemeClr val="bg2"/>
-                </a:solidFill>
-                <a:latin typeface="Consolas" pitchFamily="49" charset="0"/>
-                <a:ea typeface="ヒラギノ角ゴ Pro W3" charset="0"/>
-                <a:cs typeface="Consolas" pitchFamily="49" charset="0"/>
-              </a:rPr>
-              <a:t> main.cpp</a:t>
-            </a:r>
+              <a:t>A.cpp</a:t>
+            </a:r>
+          </a:p>
+          <a:p>
+            <a:r>
+              <a:rPr lang="en-US" sz="1400" dirty="0" smtClean="0">
+                <a:solidFill>
+                  <a:schemeClr val="bg2"/>
+                </a:solidFill>
+                <a:latin typeface="Consolas" pitchFamily="49" charset="0"/>
+                <a:ea typeface="ヒラギノ角ゴ Pro W3" charset="0"/>
+                <a:cs typeface="Consolas" pitchFamily="49" charset="0"/>
+              </a:rPr>
+              <a:t>A.cpp</a:t>
+            </a:r>
+          </a:p>
+          <a:p>
             <a:endParaRPr lang="en-US" sz="1400" dirty="0" smtClean="0">
               <a:solidFill>
                 <a:schemeClr val="bg2"/>
@@ -12146,206 +11998,7 @@
                 <a:ea typeface="ヒラギノ角ゴ Pro W3" charset="0"/>
                 <a:cs typeface="Consolas" pitchFamily="49" charset="0"/>
               </a:rPr>
-              <a:t>$ </a:t>
-            </a:r>
-            <a:r>
-              <a:rPr lang="en-US" sz="1400" dirty="0" smtClean="0">
-                <a:solidFill>
-                  <a:schemeClr val="bg2"/>
-                </a:solidFill>
-                <a:latin typeface="Consolas" pitchFamily="49" charset="0"/>
-                <a:ea typeface="ヒラギノ角ゴ Pro W3" charset="0"/>
-                <a:cs typeface="Consolas" pitchFamily="49" charset="0"/>
-              </a:rPr>
-              <a:t>g</a:t>
-            </a:r>
-            <a:r>
-              <a:rPr lang="en-US" sz="1400" dirty="0" smtClean="0">
-                <a:solidFill>
-                  <a:schemeClr val="bg2"/>
-                </a:solidFill>
-                <a:latin typeface="Consolas" pitchFamily="49" charset="0"/>
-                <a:ea typeface="ヒラギノ角ゴ Pro W3" charset="0"/>
-                <a:cs typeface="Consolas" pitchFamily="49" charset="0"/>
-              </a:rPr>
-              <a:t>++ -o </a:t>
-            </a:r>
-            <a:r>
-              <a:rPr lang="en-US" sz="1400" dirty="0" err="1" smtClean="0">
-                <a:solidFill>
-                  <a:schemeClr val="bg2"/>
-                </a:solidFill>
-                <a:latin typeface="Consolas" pitchFamily="49" charset="0"/>
-                <a:ea typeface="ヒラギノ角ゴ Pro W3" charset="0"/>
-                <a:cs typeface="Consolas" pitchFamily="49" charset="0"/>
-              </a:rPr>
-              <a:t>simpleExample</a:t>
-            </a:r>
-            <a:r>
-              <a:rPr lang="en-US" sz="1400" dirty="0" smtClean="0">
-                <a:solidFill>
-                  <a:schemeClr val="bg2"/>
-                </a:solidFill>
-                <a:latin typeface="Consolas" pitchFamily="49" charset="0"/>
-                <a:ea typeface="ヒラギノ角ゴ Pro W3" charset="0"/>
-                <a:cs typeface="Consolas" pitchFamily="49" charset="0"/>
-              </a:rPr>
-              <a:t> </a:t>
-            </a:r>
-            <a:r>
-              <a:rPr lang="en-US" sz="1400" dirty="0" err="1" smtClean="0">
-                <a:solidFill>
-                  <a:srgbClr val="00B050"/>
-                </a:solidFill>
-                <a:latin typeface="Consolas" pitchFamily="49" charset="0"/>
-                <a:ea typeface="ヒラギノ角ゴ Pro W3" charset="0"/>
-                <a:cs typeface="Consolas" pitchFamily="49" charset="0"/>
-              </a:rPr>
-              <a:t>A.o</a:t>
-            </a:r>
-            <a:r>
-              <a:rPr lang="en-US" sz="1400" dirty="0" smtClean="0">
-                <a:solidFill>
-                  <a:srgbClr val="00B050"/>
-                </a:solidFill>
-                <a:latin typeface="Consolas" pitchFamily="49" charset="0"/>
-                <a:ea typeface="ヒラギノ角ゴ Pro W3" charset="0"/>
-                <a:cs typeface="Consolas" pitchFamily="49" charset="0"/>
-              </a:rPr>
-              <a:t> </a:t>
-            </a:r>
-            <a:r>
-              <a:rPr lang="en-US" sz="1400" dirty="0" err="1" smtClean="0">
-                <a:solidFill>
-                  <a:srgbClr val="00B050"/>
-                </a:solidFill>
-                <a:latin typeface="Consolas" pitchFamily="49" charset="0"/>
-                <a:ea typeface="ヒラギノ角ゴ Pro W3" charset="0"/>
-                <a:cs typeface="Consolas" pitchFamily="49" charset="0"/>
-              </a:rPr>
-              <a:t>B.o</a:t>
-            </a:r>
-            <a:r>
-              <a:rPr lang="en-US" sz="1400" dirty="0" smtClean="0">
-                <a:solidFill>
-                  <a:srgbClr val="00B050"/>
-                </a:solidFill>
-                <a:latin typeface="Consolas" pitchFamily="49" charset="0"/>
-                <a:ea typeface="ヒラギノ角ゴ Pro W3" charset="0"/>
-                <a:cs typeface="Consolas" pitchFamily="49" charset="0"/>
-              </a:rPr>
-              <a:t> </a:t>
-            </a:r>
-            <a:r>
-              <a:rPr lang="en-US" sz="1400" dirty="0" err="1" smtClean="0">
-                <a:solidFill>
-                  <a:schemeClr val="bg2"/>
-                </a:solidFill>
-                <a:latin typeface="Consolas" pitchFamily="49" charset="0"/>
-                <a:ea typeface="ヒラギノ角ゴ Pro W3" charset="0"/>
-                <a:cs typeface="Consolas" pitchFamily="49" charset="0"/>
-              </a:rPr>
-              <a:t>main.o</a:t>
-            </a:r>
-            <a:endParaRPr lang="en-US" sz="1400" dirty="0" smtClean="0">
-              <a:solidFill>
-                <a:schemeClr val="bg2"/>
-              </a:solidFill>
-              <a:latin typeface="Consolas" pitchFamily="49" charset="0"/>
-              <a:ea typeface="ヒラギノ角ゴ Pro W3" charset="0"/>
-              <a:cs typeface="Consolas" pitchFamily="49" charset="0"/>
-            </a:endParaRPr>
-          </a:p>
-          <a:p>
-            <a:r>
-              <a:rPr lang="en-US" sz="1400" dirty="0" smtClean="0">
-                <a:solidFill>
-                  <a:schemeClr val="bg2"/>
-                </a:solidFill>
-                <a:latin typeface="Consolas" pitchFamily="49" charset="0"/>
-                <a:ea typeface="ヒラギノ角ゴ Pro W3" charset="0"/>
-                <a:cs typeface="Consolas" pitchFamily="49" charset="0"/>
-              </a:rPr>
-              <a:t>$ ./</a:t>
-            </a:r>
-            <a:r>
-              <a:rPr lang="en-US" sz="1400" dirty="0" err="1" smtClean="0">
-                <a:solidFill>
-                  <a:schemeClr val="bg2"/>
-                </a:solidFill>
-                <a:latin typeface="Consolas" pitchFamily="49" charset="0"/>
-                <a:ea typeface="ヒラギノ角ゴ Pro W3" charset="0"/>
-                <a:cs typeface="Consolas" pitchFamily="49" charset="0"/>
-              </a:rPr>
-              <a:t>simpleExample</a:t>
-            </a:r>
-            <a:endParaRPr lang="en-US" sz="1400" dirty="0" smtClean="0">
-              <a:solidFill>
-                <a:schemeClr val="bg2"/>
-              </a:solidFill>
-              <a:latin typeface="Consolas" pitchFamily="49" charset="0"/>
-              <a:ea typeface="ヒラギノ角ゴ Pro W3" charset="0"/>
-              <a:cs typeface="Consolas" pitchFamily="49" charset="0"/>
-            </a:endParaRPr>
-          </a:p>
-          <a:p>
-            <a:r>
-              <a:rPr lang="en-US" sz="1400" dirty="0" err="1" smtClean="0">
-                <a:solidFill>
-                  <a:schemeClr val="bg2"/>
-                </a:solidFill>
-                <a:latin typeface="Consolas" pitchFamily="49" charset="0"/>
-                <a:ea typeface="ヒラギノ角ゴ Pro W3" charset="0"/>
-                <a:cs typeface="Consolas" pitchFamily="49" charset="0"/>
-              </a:rPr>
-              <a:t>A.cpp</a:t>
-            </a:r>
-          </a:p>
-          <a:p>
-            <a:r>
-              <a:rPr lang="en-US" sz="1400" dirty="0" smtClean="0">
-                <a:solidFill>
-                  <a:schemeClr val="bg2"/>
-                </a:solidFill>
-                <a:latin typeface="Consolas" pitchFamily="49" charset="0"/>
-                <a:ea typeface="ヒラギノ角ゴ Pro W3" charset="0"/>
-                <a:cs typeface="Consolas" pitchFamily="49" charset="0"/>
-              </a:rPr>
-              <a:t>A.cpp</a:t>
-            </a:r>
-          </a:p>
-          <a:p>
-            <a:endParaRPr lang="en-US" sz="1400" dirty="0" smtClean="0">
-              <a:solidFill>
-                <a:schemeClr val="bg2"/>
-              </a:solidFill>
-              <a:latin typeface="Consolas" pitchFamily="49" charset="0"/>
-              <a:ea typeface="ヒラギノ角ゴ Pro W3" charset="0"/>
-              <a:cs typeface="Consolas" pitchFamily="49" charset="0"/>
-            </a:endParaRPr>
-          </a:p>
-          <a:p>
-            <a:r>
-              <a:rPr lang="en-US" sz="1400" dirty="0" smtClean="0">
-                <a:solidFill>
-                  <a:schemeClr val="bg2"/>
-                </a:solidFill>
-                <a:latin typeface="Consolas" pitchFamily="49" charset="0"/>
-                <a:ea typeface="ヒラギノ角ゴ Pro W3" charset="0"/>
-                <a:cs typeface="Consolas" pitchFamily="49" charset="0"/>
-              </a:rPr>
-              <a:t>$ </a:t>
-            </a:r>
-            <a:r>
-              <a:rPr lang="en-US" sz="1400" dirty="0" smtClean="0">
-                <a:solidFill>
-                  <a:schemeClr val="bg2"/>
-                </a:solidFill>
-                <a:latin typeface="Consolas" pitchFamily="49" charset="0"/>
-                <a:ea typeface="ヒラギノ角ゴ Pro W3" charset="0"/>
-                <a:cs typeface="Consolas" pitchFamily="49" charset="0"/>
-              </a:rPr>
-              <a:t>g++ -c -Wall -</a:t>
+              <a:t>$ g++ -c -Wall -</a:t>
             </a:r>
             <a:r>
               <a:rPr lang="en-US" sz="1400" dirty="0" err="1" smtClean="0">
@@ -12699,8 +12352,8 @@
               <a:t>Hereditary </a:t>
             </a:r>
             <a:r>
-              <a:rPr lang="en-US" sz="3200" dirty="0" err="1" smtClean="0"/>
-              <a:t>desease</a:t>
+              <a:rPr lang="en-US" sz="3200" dirty="0" smtClean="0"/>
+              <a:t>disease</a:t>
             </a:r>
             <a:endParaRPr lang="en-US" sz="3200" dirty="0"/>
           </a:p>
@@ -12733,7 +12386,6 @@
               <a:rPr lang="en-US" sz="2400" dirty="0" smtClean="0"/>
               <a:t> </a:t>
             </a:r>
-            <a:endParaRPr lang="en-US" sz="2400" dirty="0" smtClean="0"/>
           </a:p>
         </p:txBody>
       </p:sp>
@@ -12795,29 +12447,7 @@
                 <a:ea typeface="ヒラギノ角ゴ Pro W3" charset="0"/>
                 <a:cs typeface="Consolas" pitchFamily="49" charset="0"/>
               </a:rPr>
-              <a:t>$ </a:t>
-            </a:r>
-            <a:r>
-              <a:rPr lang="en-US" sz="1400" dirty="0" smtClean="0">
-                <a:solidFill>
-                  <a:schemeClr val="bg2"/>
-                </a:solidFill>
-                <a:latin typeface="Consolas" pitchFamily="49" charset="0"/>
-                <a:ea typeface="ヒラギノ角ゴ Pro W3" charset="0"/>
-                <a:cs typeface="Consolas" pitchFamily="49" charset="0"/>
-              </a:rPr>
-              <a:t>g</a:t>
-            </a:r>
-            <a:r>
-              <a:rPr lang="en-US" sz="1400" dirty="0" smtClean="0">
-                <a:solidFill>
-                  <a:schemeClr val="bg2"/>
-                </a:solidFill>
-                <a:latin typeface="Consolas" pitchFamily="49" charset="0"/>
-                <a:ea typeface="ヒラギノ角ゴ Pro W3" charset="0"/>
-                <a:cs typeface="Consolas" pitchFamily="49" charset="0"/>
-              </a:rPr>
-              <a:t>++ -c -Wall -</a:t>
+              <a:t>$ g++ -c -Wall -</a:t>
             </a:r>
             <a:r>
               <a:rPr lang="en-US" sz="1400" dirty="0" err="1" smtClean="0">
@@ -12839,23 +12469,183 @@
                 <a:ea typeface="ヒラギノ角ゴ Pro W3" charset="0"/>
                 <a:cs typeface="Consolas" pitchFamily="49" charset="0"/>
               </a:rPr>
+              <a:t> –o </a:t>
+            </a:r>
+            <a:r>
+              <a:rPr lang="en-US" sz="1400" dirty="0" err="1" smtClean="0">
+                <a:solidFill>
+                  <a:schemeClr val="bg2"/>
+                </a:solidFill>
+                <a:latin typeface="Consolas" pitchFamily="49" charset="0"/>
+                <a:ea typeface="ヒラギノ角ゴ Pro W3" charset="0"/>
+                <a:cs typeface="Consolas" pitchFamily="49" charset="0"/>
+              </a:rPr>
+              <a:t>A.o</a:t>
+            </a:r>
+            <a:r>
+              <a:rPr lang="en-US" sz="1400" dirty="0" smtClean="0">
+                <a:solidFill>
+                  <a:schemeClr val="bg2"/>
+                </a:solidFill>
+                <a:latin typeface="Consolas" pitchFamily="49" charset="0"/>
+                <a:ea typeface="ヒラギノ角ゴ Pro W3" charset="0"/>
+                <a:cs typeface="Consolas" pitchFamily="49" charset="0"/>
+              </a:rPr>
+              <a:t> A.cpp</a:t>
+            </a:r>
+          </a:p>
+          <a:p>
+            <a:r>
+              <a:rPr lang="en-US" sz="1400" dirty="0" smtClean="0">
+                <a:solidFill>
+                  <a:schemeClr val="bg2"/>
+                </a:solidFill>
+                <a:latin typeface="Consolas" pitchFamily="49" charset="0"/>
+                <a:ea typeface="ヒラギノ角ゴ Pro W3" charset="0"/>
+                <a:cs typeface="Consolas" pitchFamily="49" charset="0"/>
+              </a:rPr>
+              <a:t>$ g++ -c -Wall -</a:t>
+            </a:r>
+            <a:r>
+              <a:rPr lang="en-US" sz="1400" dirty="0" err="1" smtClean="0">
+                <a:solidFill>
+                  <a:schemeClr val="bg2"/>
+                </a:solidFill>
+                <a:latin typeface="Consolas" pitchFamily="49" charset="0"/>
+                <a:ea typeface="ヒラギノ角ゴ Pro W3" charset="0"/>
+                <a:cs typeface="Consolas" pitchFamily="49" charset="0"/>
+              </a:rPr>
+              <a:t>Werror</a:t>
+            </a:r>
+            <a:r>
+              <a:rPr lang="en-US" sz="1400" dirty="0" smtClean="0">
+                <a:solidFill>
+                  <a:schemeClr val="bg2"/>
+                </a:solidFill>
+                <a:latin typeface="Consolas" pitchFamily="49" charset="0"/>
+                <a:ea typeface="ヒラギノ角ゴ Pro W3" charset="0"/>
+                <a:cs typeface="Consolas" pitchFamily="49" charset="0"/>
+              </a:rPr>
+              <a:t> –o </a:t>
+            </a:r>
+            <a:r>
+              <a:rPr lang="en-US" sz="1400" dirty="0" err="1" smtClean="0">
+                <a:solidFill>
+                  <a:schemeClr val="bg2"/>
+                </a:solidFill>
+                <a:latin typeface="Consolas" pitchFamily="49" charset="0"/>
+                <a:ea typeface="ヒラギノ角ゴ Pro W3" charset="0"/>
+                <a:cs typeface="Consolas" pitchFamily="49" charset="0"/>
+              </a:rPr>
+              <a:t>B.o</a:t>
+            </a:r>
+            <a:r>
+              <a:rPr lang="en-US" sz="1400" dirty="0" smtClean="0">
+                <a:solidFill>
+                  <a:schemeClr val="bg2"/>
+                </a:solidFill>
+                <a:latin typeface="Consolas" pitchFamily="49" charset="0"/>
+                <a:ea typeface="ヒラギノ角ゴ Pro W3" charset="0"/>
+                <a:cs typeface="Consolas" pitchFamily="49" charset="0"/>
+              </a:rPr>
+              <a:t> B.cpp</a:t>
+            </a:r>
+          </a:p>
+          <a:p>
+            <a:r>
+              <a:rPr lang="en-US" sz="1400" dirty="0" smtClean="0">
+                <a:solidFill>
+                  <a:schemeClr val="bg2"/>
+                </a:solidFill>
+                <a:latin typeface="Consolas" pitchFamily="49" charset="0"/>
+                <a:ea typeface="ヒラギノ角ゴ Pro W3" charset="0"/>
+                <a:cs typeface="Consolas" pitchFamily="49" charset="0"/>
+              </a:rPr>
+              <a:t>$ g++ -c -Wall -</a:t>
+            </a:r>
+            <a:r>
+              <a:rPr lang="en-US" sz="1400" dirty="0" err="1" smtClean="0">
+                <a:solidFill>
+                  <a:schemeClr val="bg2"/>
+                </a:solidFill>
+                <a:latin typeface="Consolas" pitchFamily="49" charset="0"/>
+                <a:ea typeface="ヒラギノ角ゴ Pro W3" charset="0"/>
+                <a:cs typeface="Consolas" pitchFamily="49" charset="0"/>
+              </a:rPr>
+              <a:t>Werror</a:t>
+            </a:r>
+            <a:r>
+              <a:rPr lang="en-US" sz="1400" dirty="0" smtClean="0">
+                <a:solidFill>
+                  <a:schemeClr val="bg2"/>
+                </a:solidFill>
+                <a:latin typeface="Consolas" pitchFamily="49" charset="0"/>
+                <a:ea typeface="ヒラギノ角ゴ Pro W3" charset="0"/>
+                <a:cs typeface="Consolas" pitchFamily="49" charset="0"/>
+              </a:rPr>
+              <a:t> -o </a:t>
+            </a:r>
+            <a:r>
+              <a:rPr lang="en-US" sz="1400" dirty="0" err="1" smtClean="0">
+                <a:solidFill>
+                  <a:schemeClr val="bg2"/>
+                </a:solidFill>
+                <a:latin typeface="Consolas" pitchFamily="49" charset="0"/>
+                <a:ea typeface="ヒラギノ角ゴ Pro W3" charset="0"/>
+                <a:cs typeface="Consolas" pitchFamily="49" charset="0"/>
+              </a:rPr>
+              <a:t>main.o</a:t>
+            </a:r>
+            <a:r>
+              <a:rPr lang="en-US" sz="1400" dirty="0" smtClean="0">
+                <a:solidFill>
+                  <a:schemeClr val="bg2"/>
+                </a:solidFill>
+                <a:latin typeface="Consolas" pitchFamily="49" charset="0"/>
+                <a:ea typeface="ヒラギノ角ゴ Pro W3" charset="0"/>
+                <a:cs typeface="Consolas" pitchFamily="49" charset="0"/>
+              </a:rPr>
+              <a:t> main.cpp</a:t>
+            </a:r>
+          </a:p>
+          <a:p>
+            <a:r>
+              <a:rPr lang="en-US" sz="1400" dirty="0" smtClean="0">
+                <a:solidFill>
+                  <a:schemeClr val="bg2"/>
+                </a:solidFill>
+                <a:latin typeface="Consolas" pitchFamily="49" charset="0"/>
+                <a:ea typeface="ヒラギノ角ゴ Pro W3" charset="0"/>
+                <a:cs typeface="Consolas" pitchFamily="49" charset="0"/>
+              </a:rPr>
+              <a:t>$ g++ -o </a:t>
+            </a:r>
+            <a:r>
+              <a:rPr lang="en-US" sz="1400" dirty="0" err="1" smtClean="0">
+                <a:solidFill>
+                  <a:schemeClr val="bg2"/>
+                </a:solidFill>
+                <a:latin typeface="Consolas" pitchFamily="49" charset="0"/>
+                <a:ea typeface="ヒラギノ角ゴ Pro W3" charset="0"/>
+                <a:cs typeface="Consolas" pitchFamily="49" charset="0"/>
+              </a:rPr>
+              <a:t>simpleExample</a:t>
+            </a:r>
+            <a:r>
+              <a:rPr lang="en-US" sz="1400" dirty="0" smtClean="0">
+                <a:solidFill>
+                  <a:schemeClr val="bg2"/>
+                </a:solidFill>
+                <a:latin typeface="Consolas" pitchFamily="49" charset="0"/>
+                <a:ea typeface="ヒラギノ角ゴ Pro W3" charset="0"/>
+                <a:cs typeface="Consolas" pitchFamily="49" charset="0"/>
+              </a:rPr>
               <a:t> </a:t>
             </a:r>
             <a:r>
-              <a:rPr lang="en-US" sz="1400" dirty="0" smtClean="0">
-                <a:solidFill>
-                  <a:schemeClr val="bg2"/>
-                </a:solidFill>
-                <a:latin typeface="Consolas" pitchFamily="49" charset="0"/>
-                <a:ea typeface="ヒラギノ角ゴ Pro W3" charset="0"/>
-                <a:cs typeface="Consolas" pitchFamily="49" charset="0"/>
-              </a:rPr>
-              <a:t>–o </a:t>
-            </a:r>
-            <a:r>
               <a:rPr lang="en-US" sz="1400" dirty="0" err="1" smtClean="0">
                 <a:solidFill>
-                  <a:schemeClr val="bg2"/>
+                  <a:srgbClr val="00B050"/>
                 </a:solidFill>
                 <a:latin typeface="Consolas" pitchFamily="49" charset="0"/>
                 <a:ea typeface="ヒラギノ角ゴ Pro W3" charset="0"/>
@@ -12866,13 +12656,46 @@
             <a:r>
               <a:rPr lang="en-US" sz="1400" dirty="0" smtClean="0">
                 <a:solidFill>
-                  <a:schemeClr val="bg2"/>
-                </a:solidFill>
-                <a:latin typeface="Consolas" pitchFamily="49" charset="0"/>
-                <a:ea typeface="ヒラギノ角ゴ Pro W3" charset="0"/>
-                <a:cs typeface="Consolas" pitchFamily="49" charset="0"/>
-              </a:rPr>
-              <a:t> A.cpp</a:t>
+                  <a:srgbClr val="00B050"/>
+                </a:solidFill>
+                <a:latin typeface="Consolas" pitchFamily="49" charset="0"/>
+                <a:ea typeface="ヒラギノ角ゴ Pro W3" charset="0"/>
+                <a:cs typeface="Consolas" pitchFamily="49" charset="0"/>
+              </a:rPr>
+              <a:t> </a:t>
+            </a:r>
+            <a:r>
+              <a:rPr lang="en-US" sz="1400" dirty="0" err="1" smtClean="0">
+                <a:solidFill>
+                  <a:srgbClr val="00B050"/>
+                </a:solidFill>
+                <a:latin typeface="Consolas" pitchFamily="49" charset="0"/>
+                <a:ea typeface="ヒラギノ角ゴ Pro W3" charset="0"/>
+                <a:cs typeface="Consolas" pitchFamily="49" charset="0"/>
+              </a:rPr>
+              <a:t>B.o</a:t>
+            </a:r>
+            <a:r>
+              <a:rPr lang="en-US" sz="1400" dirty="0" smtClean="0">
+                <a:solidFill>
+                  <a:srgbClr val="00B050"/>
+                </a:solidFill>
+                <a:latin typeface="Consolas" pitchFamily="49" charset="0"/>
+                <a:ea typeface="ヒラギノ角ゴ Pro W3" charset="0"/>
+                <a:cs typeface="Consolas" pitchFamily="49" charset="0"/>
+              </a:rPr>
+              <a:t> </a:t>
+            </a:r>
+            <a:r>
+              <a:rPr lang="en-US" sz="1400" dirty="0" err="1" smtClean="0">
+                <a:solidFill>
+                  <a:schemeClr val="bg2"/>
+                </a:solidFill>
+                <a:latin typeface="Consolas" pitchFamily="49" charset="0"/>
+                <a:ea typeface="ヒラギノ角ゴ Pro W3" charset="0"/>
+                <a:cs typeface="Consolas" pitchFamily="49" charset="0"/>
+              </a:rPr>
+              <a:t>main.o</a:t>
             </a:r>
             <a:endParaRPr lang="en-US" sz="1400" dirty="0" smtClean="0">
               <a:solidFill>
@@ -12893,29 +12716,7 @@
                 <a:ea typeface="ヒラギノ角ゴ Pro W3" charset="0"/>
                 <a:cs typeface="Consolas" pitchFamily="49" charset="0"/>
               </a:rPr>
-              <a:t>$ </a:t>
-            </a:r>
-            <a:r>
-              <a:rPr lang="en-US" sz="1400" dirty="0" smtClean="0">
-                <a:solidFill>
-                  <a:schemeClr val="bg2"/>
-                </a:solidFill>
-                <a:latin typeface="Consolas" pitchFamily="49" charset="0"/>
-                <a:ea typeface="ヒラギノ角ゴ Pro W3" charset="0"/>
-                <a:cs typeface="Consolas" pitchFamily="49" charset="0"/>
-              </a:rPr>
-              <a:t>g</a:t>
-            </a:r>
-            <a:r>
-              <a:rPr lang="en-US" sz="1400" dirty="0" smtClean="0">
-                <a:solidFill>
-                  <a:schemeClr val="bg2"/>
-                </a:solidFill>
-                <a:latin typeface="Consolas" pitchFamily="49" charset="0"/>
-                <a:ea typeface="ヒラギノ角ゴ Pro W3" charset="0"/>
-                <a:cs typeface="Consolas" pitchFamily="49" charset="0"/>
-              </a:rPr>
-              <a:t>++ -c -Wall -</a:t>
+              <a:t>$ ./</a:t>
             </a:r>
             <a:r>
               <a:rPr lang="en-US" sz="1400" dirty="0" err="1" smtClean="0">
@@ -12926,51 +12727,7 @@
                 <a:ea typeface="ヒラギノ角ゴ Pro W3" charset="0"/>
                 <a:cs typeface="Consolas" pitchFamily="49" charset="0"/>
               </a:rPr>
-              <a:t>Werror</a:t>
-            </a:r>
-            <a:r>
-              <a:rPr lang="en-US" sz="1400" dirty="0" smtClean="0">
-                <a:solidFill>
-                  <a:schemeClr val="bg2"/>
-                </a:solidFill>
-                <a:latin typeface="Consolas" pitchFamily="49" charset="0"/>
-                <a:ea typeface="ヒラギノ角ゴ Pro W3" charset="0"/>
-                <a:cs typeface="Consolas" pitchFamily="49" charset="0"/>
-              </a:rPr>
-              <a:t> </a:t>
-            </a:r>
-            <a:r>
-              <a:rPr lang="en-US" sz="1400" dirty="0" smtClean="0">
-                <a:solidFill>
-                  <a:schemeClr val="bg2"/>
-                </a:solidFill>
-                <a:latin typeface="Consolas" pitchFamily="49" charset="0"/>
-                <a:ea typeface="ヒラギノ角ゴ Pro W3" charset="0"/>
-                <a:cs typeface="Consolas" pitchFamily="49" charset="0"/>
-              </a:rPr>
-              <a:t>–o </a:t>
-            </a:r>
-            <a:r>
-              <a:rPr lang="en-US" sz="1400" dirty="0" err="1" smtClean="0">
-                <a:solidFill>
-                  <a:schemeClr val="bg2"/>
-                </a:solidFill>
-                <a:latin typeface="Consolas" pitchFamily="49" charset="0"/>
-                <a:ea typeface="ヒラギノ角ゴ Pro W3" charset="0"/>
-                <a:cs typeface="Consolas" pitchFamily="49" charset="0"/>
-              </a:rPr>
-              <a:t>B.o</a:t>
-            </a:r>
-            <a:r>
-              <a:rPr lang="en-US" sz="1400" dirty="0" smtClean="0">
-                <a:solidFill>
-                  <a:schemeClr val="bg2"/>
-                </a:solidFill>
-                <a:latin typeface="Consolas" pitchFamily="49" charset="0"/>
-                <a:ea typeface="ヒラギノ角ゴ Pro W3" charset="0"/>
-                <a:cs typeface="Consolas" pitchFamily="49" charset="0"/>
-              </a:rPr>
-              <a:t> B.cpp</a:t>
+              <a:t>simpleExample</a:t>
             </a:r>
             <a:endParaRPr lang="en-US" sz="1400" dirty="0" smtClean="0">
               <a:solidFill>
@@ -12985,80 +12742,29 @@
             <a:r>
               <a:rPr lang="en-US" sz="1400" dirty="0" smtClean="0">
                 <a:solidFill>
-                  <a:schemeClr val="bg2"/>
-                </a:solidFill>
-                <a:latin typeface="Consolas" pitchFamily="49" charset="0"/>
-                <a:ea typeface="ヒラギノ角ゴ Pro W3" charset="0"/>
-                <a:cs typeface="Consolas" pitchFamily="49" charset="0"/>
-              </a:rPr>
-              <a:t>$ </a:t>
-            </a:r>
-            <a:r>
-              <a:rPr lang="en-US" sz="1400" dirty="0" smtClean="0">
-                <a:solidFill>
-                  <a:schemeClr val="bg2"/>
-                </a:solidFill>
-                <a:latin typeface="Consolas" pitchFamily="49" charset="0"/>
-                <a:ea typeface="ヒラギノ角ゴ Pro W3" charset="0"/>
-                <a:cs typeface="Consolas" pitchFamily="49" charset="0"/>
-              </a:rPr>
-              <a:t>g</a:t>
-            </a:r>
-            <a:r>
-              <a:rPr lang="en-US" sz="1400" dirty="0" smtClean="0">
-                <a:solidFill>
-                  <a:schemeClr val="bg2"/>
-                </a:solidFill>
-                <a:latin typeface="Consolas" pitchFamily="49" charset="0"/>
-                <a:ea typeface="ヒラギノ角ゴ Pro W3" charset="0"/>
-                <a:cs typeface="Consolas" pitchFamily="49" charset="0"/>
-              </a:rPr>
-              <a:t>++ -c -Wall -</a:t>
-            </a:r>
-            <a:r>
-              <a:rPr lang="en-US" sz="1400" dirty="0" err="1" smtClean="0">
-                <a:solidFill>
-                  <a:schemeClr val="bg2"/>
-                </a:solidFill>
-                <a:latin typeface="Consolas" pitchFamily="49" charset="0"/>
-                <a:ea typeface="ヒラギノ角ゴ Pro W3" charset="0"/>
-                <a:cs typeface="Consolas" pitchFamily="49" charset="0"/>
-              </a:rPr>
-              <a:t>Werror</a:t>
-            </a:r>
-            <a:r>
-              <a:rPr lang="en-US" sz="1400" dirty="0" smtClean="0">
-                <a:solidFill>
-                  <a:schemeClr val="bg2"/>
-                </a:solidFill>
-                <a:latin typeface="Consolas" pitchFamily="49" charset="0"/>
-                <a:ea typeface="ヒラギノ角ゴ Pro W3" charset="0"/>
-                <a:cs typeface="Consolas" pitchFamily="49" charset="0"/>
-              </a:rPr>
-              <a:t> -o </a:t>
-            </a:r>
-            <a:r>
-              <a:rPr lang="en-US" sz="1400" dirty="0" err="1" smtClean="0">
-                <a:solidFill>
-                  <a:schemeClr val="bg2"/>
-                </a:solidFill>
-                <a:latin typeface="Consolas" pitchFamily="49" charset="0"/>
-                <a:ea typeface="ヒラギノ角ゴ Pro W3" charset="0"/>
-                <a:cs typeface="Consolas" pitchFamily="49" charset="0"/>
-              </a:rPr>
-              <a:t>main.o</a:t>
-            </a:r>
-            <a:r>
-              <a:rPr lang="en-US" sz="1400" dirty="0" smtClean="0">
-                <a:solidFill>
-                  <a:schemeClr val="bg2"/>
-                </a:solidFill>
-                <a:latin typeface="Consolas" pitchFamily="49" charset="0"/>
-                <a:ea typeface="ヒラギノ角ゴ Pro W3" charset="0"/>
-                <a:cs typeface="Consolas" pitchFamily="49" charset="0"/>
-              </a:rPr>
-              <a:t> main.cpp</a:t>
-            </a:r>
+                  <a:srgbClr val="00B050"/>
+                </a:solidFill>
+                <a:latin typeface="Consolas" pitchFamily="49" charset="0"/>
+                <a:ea typeface="ヒラギノ角ゴ Pro W3" charset="0"/>
+                <a:cs typeface="Consolas" pitchFamily="49" charset="0"/>
+              </a:rPr>
+              <a:t>A.cpp</a:t>
+            </a:r>
+          </a:p>
+          <a:p>
+            <a:r>
+              <a:rPr lang="en-US" sz="1400" dirty="0" smtClean="0">
+                <a:solidFill>
+                  <a:srgbClr val="00B050"/>
+                </a:solidFill>
+                <a:latin typeface="Consolas" pitchFamily="49" charset="0"/>
+                <a:ea typeface="ヒラギノ角ゴ Pro W3" charset="0"/>
+                <a:cs typeface="Consolas" pitchFamily="49" charset="0"/>
+              </a:rPr>
+              <a:t>A.cpp</a:t>
+            </a:r>
+          </a:p>
+          <a:p>
             <a:endParaRPr lang="en-US" sz="1400" dirty="0" smtClean="0">
               <a:solidFill>
                 <a:schemeClr val="bg2"/>
@@ -13078,29 +12784,7 @@
                 <a:ea typeface="ヒラギノ角ゴ Pro W3" charset="0"/>
                 <a:cs typeface="Consolas" pitchFamily="49" charset="0"/>
               </a:rPr>
-              <a:t>$ </a:t>
-            </a:r>
-            <a:r>
-              <a:rPr lang="en-US" sz="1400" dirty="0" smtClean="0">
-                <a:solidFill>
-                  <a:schemeClr val="bg2"/>
-                </a:solidFill>
-                <a:latin typeface="Consolas" pitchFamily="49" charset="0"/>
-                <a:ea typeface="ヒラギノ角ゴ Pro W3" charset="0"/>
-                <a:cs typeface="Consolas" pitchFamily="49" charset="0"/>
-              </a:rPr>
-              <a:t>g</a:t>
-            </a:r>
-            <a:r>
-              <a:rPr lang="en-US" sz="1400" dirty="0" smtClean="0">
-                <a:solidFill>
-                  <a:schemeClr val="bg2"/>
-                </a:solidFill>
-                <a:latin typeface="Consolas" pitchFamily="49" charset="0"/>
-                <a:ea typeface="ヒラギノ角ゴ Pro W3" charset="0"/>
-                <a:cs typeface="Consolas" pitchFamily="49" charset="0"/>
-              </a:rPr>
-              <a:t>++ -o </a:t>
+              <a:t>$ g++ -c -Wall -</a:t>
             </a:r>
             <a:r>
               <a:rPr lang="en-US" sz="1400" dirty="0" err="1" smtClean="0">
@@ -13111,6 +12795,177 @@
                 <a:ea typeface="ヒラギノ角ゴ Pro W3" charset="0"/>
                 <a:cs typeface="Consolas" pitchFamily="49" charset="0"/>
               </a:rPr>
+              <a:t>Werror</a:t>
+            </a:r>
+            <a:r>
+              <a:rPr lang="en-US" sz="1400" dirty="0" smtClean="0">
+                <a:solidFill>
+                  <a:schemeClr val="bg2"/>
+                </a:solidFill>
+                <a:latin typeface="Consolas" pitchFamily="49" charset="0"/>
+                <a:ea typeface="ヒラギノ角ゴ Pro W3" charset="0"/>
+                <a:cs typeface="Consolas" pitchFamily="49" charset="0"/>
+              </a:rPr>
+              <a:t> –o </a:t>
+            </a:r>
+            <a:r>
+              <a:rPr lang="en-US" sz="1400" dirty="0" err="1" smtClean="0">
+                <a:solidFill>
+                  <a:schemeClr val="bg2"/>
+                </a:solidFill>
+                <a:latin typeface="Consolas" pitchFamily="49" charset="0"/>
+                <a:ea typeface="ヒラギノ角ゴ Pro W3" charset="0"/>
+                <a:cs typeface="Consolas" pitchFamily="49" charset="0"/>
+              </a:rPr>
+              <a:t>A.o</a:t>
+            </a:r>
+            <a:r>
+              <a:rPr lang="en-US" sz="1400" dirty="0" smtClean="0">
+                <a:solidFill>
+                  <a:schemeClr val="bg2"/>
+                </a:solidFill>
+                <a:latin typeface="Consolas" pitchFamily="49" charset="0"/>
+                <a:ea typeface="ヒラギノ角ゴ Pro W3" charset="0"/>
+                <a:cs typeface="Consolas" pitchFamily="49" charset="0"/>
+              </a:rPr>
+              <a:t> A.cpp</a:t>
+            </a:r>
+          </a:p>
+          <a:p>
+            <a:r>
+              <a:rPr lang="en-US" sz="1400" dirty="0" smtClean="0">
+                <a:solidFill>
+                  <a:schemeClr val="bg2"/>
+                </a:solidFill>
+                <a:latin typeface="Consolas" pitchFamily="49" charset="0"/>
+                <a:ea typeface="ヒラギノ角ゴ Pro W3" charset="0"/>
+                <a:cs typeface="Consolas" pitchFamily="49" charset="0"/>
+              </a:rPr>
+              <a:t>$ g++ -c -Wall -</a:t>
+            </a:r>
+            <a:r>
+              <a:rPr lang="en-US" sz="1400" dirty="0" err="1" smtClean="0">
+                <a:solidFill>
+                  <a:schemeClr val="bg2"/>
+                </a:solidFill>
+                <a:latin typeface="Consolas" pitchFamily="49" charset="0"/>
+                <a:ea typeface="ヒラギノ角ゴ Pro W3" charset="0"/>
+                <a:cs typeface="Consolas" pitchFamily="49" charset="0"/>
+              </a:rPr>
+              <a:t>Werror</a:t>
+            </a:r>
+            <a:r>
+              <a:rPr lang="en-US" sz="1400" dirty="0" smtClean="0">
+                <a:solidFill>
+                  <a:schemeClr val="bg2"/>
+                </a:solidFill>
+                <a:latin typeface="Consolas" pitchFamily="49" charset="0"/>
+                <a:ea typeface="ヒラギノ角ゴ Pro W3" charset="0"/>
+                <a:cs typeface="Consolas" pitchFamily="49" charset="0"/>
+              </a:rPr>
+              <a:t> –o </a:t>
+            </a:r>
+            <a:r>
+              <a:rPr lang="en-US" sz="1400" dirty="0" err="1" smtClean="0">
+                <a:solidFill>
+                  <a:schemeClr val="bg2"/>
+                </a:solidFill>
+                <a:latin typeface="Consolas" pitchFamily="49" charset="0"/>
+                <a:ea typeface="ヒラギノ角ゴ Pro W3" charset="0"/>
+                <a:cs typeface="Consolas" pitchFamily="49" charset="0"/>
+              </a:rPr>
+              <a:t>B.o</a:t>
+            </a:r>
+            <a:r>
+              <a:rPr lang="en-US" sz="1400" dirty="0" smtClean="0">
+                <a:solidFill>
+                  <a:schemeClr val="bg2"/>
+                </a:solidFill>
+                <a:latin typeface="Consolas" pitchFamily="49" charset="0"/>
+                <a:ea typeface="ヒラギノ角ゴ Pro W3" charset="0"/>
+                <a:cs typeface="Consolas" pitchFamily="49" charset="0"/>
+              </a:rPr>
+              <a:t> B.cpp</a:t>
+            </a:r>
+          </a:p>
+          <a:p>
+            <a:r>
+              <a:rPr lang="en-US" sz="1400" dirty="0" smtClean="0">
+                <a:solidFill>
+                  <a:schemeClr val="bg2"/>
+                </a:solidFill>
+                <a:latin typeface="Consolas" pitchFamily="49" charset="0"/>
+                <a:ea typeface="ヒラギノ角ゴ Pro W3" charset="0"/>
+                <a:cs typeface="Consolas" pitchFamily="49" charset="0"/>
+              </a:rPr>
+              <a:t>$ g++ -c -Wall -</a:t>
+            </a:r>
+            <a:r>
+              <a:rPr lang="en-US" sz="1400" dirty="0" err="1" smtClean="0">
+                <a:solidFill>
+                  <a:schemeClr val="bg2"/>
+                </a:solidFill>
+                <a:latin typeface="Consolas" pitchFamily="49" charset="0"/>
+                <a:ea typeface="ヒラギノ角ゴ Pro W3" charset="0"/>
+                <a:cs typeface="Consolas" pitchFamily="49" charset="0"/>
+              </a:rPr>
+              <a:t>Werror</a:t>
+            </a:r>
+            <a:r>
+              <a:rPr lang="en-US" sz="1400" dirty="0" smtClean="0">
+                <a:solidFill>
+                  <a:schemeClr val="bg2"/>
+                </a:solidFill>
+                <a:latin typeface="Consolas" pitchFamily="49" charset="0"/>
+                <a:ea typeface="ヒラギノ角ゴ Pro W3" charset="0"/>
+                <a:cs typeface="Consolas" pitchFamily="49" charset="0"/>
+              </a:rPr>
+              <a:t> -o </a:t>
+            </a:r>
+            <a:r>
+              <a:rPr lang="en-US" sz="1400" dirty="0" err="1" smtClean="0">
+                <a:solidFill>
+                  <a:schemeClr val="bg2"/>
+                </a:solidFill>
+                <a:latin typeface="Consolas" pitchFamily="49" charset="0"/>
+                <a:ea typeface="ヒラギノ角ゴ Pro W3" charset="0"/>
+                <a:cs typeface="Consolas" pitchFamily="49" charset="0"/>
+              </a:rPr>
+              <a:t>main.o</a:t>
+            </a:r>
+            <a:r>
+              <a:rPr lang="en-US" sz="1400" dirty="0" smtClean="0">
+                <a:solidFill>
+                  <a:schemeClr val="bg2"/>
+                </a:solidFill>
+                <a:latin typeface="Consolas" pitchFamily="49" charset="0"/>
+                <a:ea typeface="ヒラギノ角ゴ Pro W3" charset="0"/>
+                <a:cs typeface="Consolas" pitchFamily="49" charset="0"/>
+              </a:rPr>
+              <a:t> main.cpp</a:t>
+            </a:r>
+          </a:p>
+          <a:p>
+            <a:r>
+              <a:rPr lang="en-US" sz="1400" dirty="0" smtClean="0">
+                <a:solidFill>
+                  <a:schemeClr val="bg2"/>
+                </a:solidFill>
+                <a:latin typeface="Consolas" pitchFamily="49" charset="0"/>
+                <a:ea typeface="ヒラギノ角ゴ Pro W3" charset="0"/>
+                <a:cs typeface="Consolas" pitchFamily="49" charset="0"/>
+              </a:rPr>
+              <a:t>$ g++ -o </a:t>
+            </a:r>
+            <a:r>
+              <a:rPr lang="en-US" sz="1400" dirty="0" err="1" smtClean="0">
+                <a:solidFill>
+                  <a:schemeClr val="bg2"/>
+                </a:solidFill>
+                <a:latin typeface="Consolas" pitchFamily="49" charset="0"/>
+                <a:ea typeface="ヒラギノ角ゴ Pro W3" charset="0"/>
+                <a:cs typeface="Consolas" pitchFamily="49" charset="0"/>
+              </a:rPr>
               <a:t>simpleExample</a:t>
             </a:r>
             <a:r>
@@ -13133,29 +12988,29 @@
                 <a:ea typeface="ヒラギノ角ゴ Pro W3" charset="0"/>
                 <a:cs typeface="Consolas" pitchFamily="49" charset="0"/>
               </a:rPr>
+              <a:t>B.o</a:t>
+            </a:r>
+            <a:r>
+              <a:rPr lang="en-US" sz="1400" dirty="0" smtClean="0">
+                <a:solidFill>
+                  <a:srgbClr val="00B050"/>
+                </a:solidFill>
+                <a:latin typeface="Consolas" pitchFamily="49" charset="0"/>
+                <a:ea typeface="ヒラギノ角ゴ Pro W3" charset="0"/>
+                <a:cs typeface="Consolas" pitchFamily="49" charset="0"/>
+              </a:rPr>
+              <a:t> </a:t>
+            </a:r>
+            <a:r>
+              <a:rPr lang="en-US" sz="1400" dirty="0" err="1" smtClean="0">
+                <a:solidFill>
+                  <a:srgbClr val="00B050"/>
+                </a:solidFill>
+                <a:latin typeface="Consolas" pitchFamily="49" charset="0"/>
+                <a:ea typeface="ヒラギノ角ゴ Pro W3" charset="0"/>
+                <a:cs typeface="Consolas" pitchFamily="49" charset="0"/>
+              </a:rPr>
               <a:t>A.o</a:t>
-            </a:r>
-            <a:r>
-              <a:rPr lang="en-US" sz="1400" dirty="0" smtClean="0">
-                <a:solidFill>
-                  <a:srgbClr val="00B050"/>
-                </a:solidFill>
-                <a:latin typeface="Consolas" pitchFamily="49" charset="0"/>
-                <a:ea typeface="ヒラギノ角ゴ Pro W3" charset="0"/>
-                <a:cs typeface="Consolas" pitchFamily="49" charset="0"/>
-              </a:rPr>
-              <a:t> </a:t>
-            </a:r>
-            <a:r>
-              <a:rPr lang="en-US" sz="1400" dirty="0" err="1" smtClean="0">
-                <a:solidFill>
-                  <a:srgbClr val="00B050"/>
-                </a:solidFill>
-                <a:latin typeface="Consolas" pitchFamily="49" charset="0"/>
-                <a:ea typeface="ヒラギノ角ゴ Pro W3" charset="0"/>
-                <a:cs typeface="Consolas" pitchFamily="49" charset="0"/>
-              </a:rPr>
-              <a:t>B.o</a:t>
             </a:r>
             <a:r>
               <a:rPr lang="en-US" sz="1400" dirty="0" smtClean="0">
@@ -13230,7 +13085,7 @@
                 <a:ea typeface="ヒラギノ角ゴ Pro W3" charset="0"/>
                 <a:cs typeface="Consolas" pitchFamily="49" charset="0"/>
               </a:rPr>
-              <a:t>A.cpp</a:t>
+              <a:t>B.cpp</a:t>
             </a:r>
           </a:p>
           <a:p>
@@ -13243,361 +13098,8 @@
                 <a:ea typeface="ヒラギノ角ゴ Pro W3" charset="0"/>
                 <a:cs typeface="Consolas" pitchFamily="49" charset="0"/>
               </a:rPr>
-              <a:t>A.cpp</a:t>
-            </a:r>
-          </a:p>
-          <a:p>
-            <a:endParaRPr lang="en-US" sz="1400" dirty="0" smtClean="0">
-              <a:solidFill>
-                <a:schemeClr val="bg2"/>
-              </a:solidFill>
-              <a:latin typeface="Consolas" pitchFamily="49" charset="0"/>
-              <a:ea typeface="ヒラギノ角ゴ Pro W3" charset="0"/>
-              <a:cs typeface="Consolas" pitchFamily="49" charset="0"/>
-            </a:endParaRPr>
-          </a:p>
-          <a:p>
-            <a:r>
-              <a:rPr lang="en-US" sz="1400" dirty="0" smtClean="0">
-                <a:solidFill>
-                  <a:schemeClr val="bg2"/>
-                </a:solidFill>
-                <a:latin typeface="Consolas" pitchFamily="49" charset="0"/>
-                <a:ea typeface="ヒラギノ角ゴ Pro W3" charset="0"/>
-                <a:cs typeface="Consolas" pitchFamily="49" charset="0"/>
-              </a:rPr>
-              <a:t>$ g++ -c -Wall -</a:t>
-            </a:r>
-            <a:r>
-              <a:rPr lang="en-US" sz="1400" dirty="0" err="1" smtClean="0">
-                <a:solidFill>
-                  <a:schemeClr val="bg2"/>
-                </a:solidFill>
-                <a:latin typeface="Consolas" pitchFamily="49" charset="0"/>
-                <a:ea typeface="ヒラギノ角ゴ Pro W3" charset="0"/>
-                <a:cs typeface="Consolas" pitchFamily="49" charset="0"/>
-              </a:rPr>
-              <a:t>Werror</a:t>
-            </a:r>
-            <a:r>
-              <a:rPr lang="en-US" sz="1400" dirty="0" smtClean="0">
-                <a:solidFill>
-                  <a:schemeClr val="bg2"/>
-                </a:solidFill>
-                <a:latin typeface="Consolas" pitchFamily="49" charset="0"/>
-                <a:ea typeface="ヒラギノ角ゴ Pro W3" charset="0"/>
-                <a:cs typeface="Consolas" pitchFamily="49" charset="0"/>
-              </a:rPr>
-              <a:t> –o </a:t>
-            </a:r>
-            <a:r>
-              <a:rPr lang="en-US" sz="1400" dirty="0" err="1" smtClean="0">
-                <a:solidFill>
-                  <a:schemeClr val="bg2"/>
-                </a:solidFill>
-                <a:latin typeface="Consolas" pitchFamily="49" charset="0"/>
-                <a:ea typeface="ヒラギノ角ゴ Pro W3" charset="0"/>
-                <a:cs typeface="Consolas" pitchFamily="49" charset="0"/>
-              </a:rPr>
-              <a:t>A.o</a:t>
-            </a:r>
-            <a:r>
-              <a:rPr lang="en-US" sz="1400" dirty="0" smtClean="0">
-                <a:solidFill>
-                  <a:schemeClr val="bg2"/>
-                </a:solidFill>
-                <a:latin typeface="Consolas" pitchFamily="49" charset="0"/>
-                <a:ea typeface="ヒラギノ角ゴ Pro W3" charset="0"/>
-                <a:cs typeface="Consolas" pitchFamily="49" charset="0"/>
-              </a:rPr>
-              <a:t> A.cpp</a:t>
-            </a:r>
-          </a:p>
-          <a:p>
-            <a:r>
-              <a:rPr lang="en-US" sz="1400" dirty="0" smtClean="0">
-                <a:solidFill>
-                  <a:schemeClr val="bg2"/>
-                </a:solidFill>
-                <a:latin typeface="Consolas" pitchFamily="49" charset="0"/>
-                <a:ea typeface="ヒラギノ角ゴ Pro W3" charset="0"/>
-                <a:cs typeface="Consolas" pitchFamily="49" charset="0"/>
-              </a:rPr>
-              <a:t>$ g++ -c -Wall -</a:t>
-            </a:r>
-            <a:r>
-              <a:rPr lang="en-US" sz="1400" dirty="0" err="1" smtClean="0">
-                <a:solidFill>
-                  <a:schemeClr val="bg2"/>
-                </a:solidFill>
-                <a:latin typeface="Consolas" pitchFamily="49" charset="0"/>
-                <a:ea typeface="ヒラギノ角ゴ Pro W3" charset="0"/>
-                <a:cs typeface="Consolas" pitchFamily="49" charset="0"/>
-              </a:rPr>
-              <a:t>Werror</a:t>
-            </a:r>
-            <a:r>
-              <a:rPr lang="en-US" sz="1400" dirty="0" smtClean="0">
-                <a:solidFill>
-                  <a:schemeClr val="bg2"/>
-                </a:solidFill>
-                <a:latin typeface="Consolas" pitchFamily="49" charset="0"/>
-                <a:ea typeface="ヒラギノ角ゴ Pro W3" charset="0"/>
-                <a:cs typeface="Consolas" pitchFamily="49" charset="0"/>
-              </a:rPr>
-              <a:t> –o </a:t>
-            </a:r>
-            <a:r>
-              <a:rPr lang="en-US" sz="1400" dirty="0" err="1" smtClean="0">
-                <a:solidFill>
-                  <a:schemeClr val="bg2"/>
-                </a:solidFill>
-                <a:latin typeface="Consolas" pitchFamily="49" charset="0"/>
-                <a:ea typeface="ヒラギノ角ゴ Pro W3" charset="0"/>
-                <a:cs typeface="Consolas" pitchFamily="49" charset="0"/>
-              </a:rPr>
-              <a:t>B.o</a:t>
-            </a:r>
-            <a:r>
-              <a:rPr lang="en-US" sz="1400" dirty="0" smtClean="0">
-                <a:solidFill>
-                  <a:schemeClr val="bg2"/>
-                </a:solidFill>
-                <a:latin typeface="Consolas" pitchFamily="49" charset="0"/>
-                <a:ea typeface="ヒラギノ角ゴ Pro W3" charset="0"/>
-                <a:cs typeface="Consolas" pitchFamily="49" charset="0"/>
-              </a:rPr>
-              <a:t> B.cpp</a:t>
-            </a:r>
-          </a:p>
-          <a:p>
-            <a:r>
-              <a:rPr lang="en-US" sz="1400" dirty="0" smtClean="0">
-                <a:solidFill>
-                  <a:schemeClr val="bg2"/>
-                </a:solidFill>
-                <a:latin typeface="Consolas" pitchFamily="49" charset="0"/>
-                <a:ea typeface="ヒラギノ角ゴ Pro W3" charset="0"/>
-                <a:cs typeface="Consolas" pitchFamily="49" charset="0"/>
-              </a:rPr>
-              <a:t>$ g++ -c -Wall -</a:t>
-            </a:r>
-            <a:r>
-              <a:rPr lang="en-US" sz="1400" dirty="0" err="1" smtClean="0">
-                <a:solidFill>
-                  <a:schemeClr val="bg2"/>
-                </a:solidFill>
-                <a:latin typeface="Consolas" pitchFamily="49" charset="0"/>
-                <a:ea typeface="ヒラギノ角ゴ Pro W3" charset="0"/>
-                <a:cs typeface="Consolas" pitchFamily="49" charset="0"/>
-              </a:rPr>
-              <a:t>Werror</a:t>
-            </a:r>
-            <a:r>
-              <a:rPr lang="en-US" sz="1400" dirty="0" smtClean="0">
-                <a:solidFill>
-                  <a:schemeClr val="bg2"/>
-                </a:solidFill>
-                <a:latin typeface="Consolas" pitchFamily="49" charset="0"/>
-                <a:ea typeface="ヒラギノ角ゴ Pro W3" charset="0"/>
-                <a:cs typeface="Consolas" pitchFamily="49" charset="0"/>
-              </a:rPr>
-              <a:t> -o </a:t>
-            </a:r>
-            <a:r>
-              <a:rPr lang="en-US" sz="1400" dirty="0" err="1" smtClean="0">
-                <a:solidFill>
-                  <a:schemeClr val="bg2"/>
-                </a:solidFill>
-                <a:latin typeface="Consolas" pitchFamily="49" charset="0"/>
-                <a:ea typeface="ヒラギノ角ゴ Pro W3" charset="0"/>
-                <a:cs typeface="Consolas" pitchFamily="49" charset="0"/>
-              </a:rPr>
-              <a:t>main.o</a:t>
-            </a:r>
-            <a:r>
-              <a:rPr lang="en-US" sz="1400" dirty="0" smtClean="0">
-                <a:solidFill>
-                  <a:schemeClr val="bg2"/>
-                </a:solidFill>
-                <a:latin typeface="Consolas" pitchFamily="49" charset="0"/>
-                <a:ea typeface="ヒラギノ角ゴ Pro W3" charset="0"/>
-                <a:cs typeface="Consolas" pitchFamily="49" charset="0"/>
-              </a:rPr>
-              <a:t> main.cpp</a:t>
-            </a:r>
-          </a:p>
-          <a:p>
-            <a:r>
-              <a:rPr lang="en-US" sz="1400" dirty="0" smtClean="0">
-                <a:solidFill>
-                  <a:schemeClr val="bg2"/>
-                </a:solidFill>
-                <a:latin typeface="Consolas" pitchFamily="49" charset="0"/>
-                <a:ea typeface="ヒラギノ角ゴ Pro W3" charset="0"/>
-                <a:cs typeface="Consolas" pitchFamily="49" charset="0"/>
-              </a:rPr>
-              <a:t>$ g++ -o </a:t>
-            </a:r>
-            <a:r>
-              <a:rPr lang="en-US" sz="1400" dirty="0" err="1" smtClean="0">
-                <a:solidFill>
-                  <a:schemeClr val="bg2"/>
-                </a:solidFill>
-                <a:latin typeface="Consolas" pitchFamily="49" charset="0"/>
-                <a:ea typeface="ヒラギノ角ゴ Pro W3" charset="0"/>
-                <a:cs typeface="Consolas" pitchFamily="49" charset="0"/>
-              </a:rPr>
-              <a:t>simpleExample</a:t>
-            </a:r>
-            <a:r>
-              <a:rPr lang="en-US" sz="1400" dirty="0" smtClean="0">
-                <a:solidFill>
-                  <a:schemeClr val="bg2"/>
-                </a:solidFill>
-                <a:latin typeface="Consolas" pitchFamily="49" charset="0"/>
-                <a:ea typeface="ヒラギノ角ゴ Pro W3" charset="0"/>
-                <a:cs typeface="Consolas" pitchFamily="49" charset="0"/>
-              </a:rPr>
-              <a:t> </a:t>
-            </a:r>
-            <a:r>
-              <a:rPr lang="en-US" sz="1400" dirty="0" err="1" smtClean="0">
-                <a:solidFill>
-                  <a:srgbClr val="00B050"/>
-                </a:solidFill>
-                <a:latin typeface="Consolas" pitchFamily="49" charset="0"/>
-                <a:ea typeface="ヒラギノ角ゴ Pro W3" charset="0"/>
-                <a:cs typeface="Consolas" pitchFamily="49" charset="0"/>
-              </a:rPr>
-              <a:t>B.o</a:t>
-            </a:r>
-            <a:r>
-              <a:rPr lang="en-US" sz="1400" dirty="0" smtClean="0">
-                <a:solidFill>
-                  <a:srgbClr val="00B050"/>
-                </a:solidFill>
-                <a:latin typeface="Consolas" pitchFamily="49" charset="0"/>
-                <a:ea typeface="ヒラギノ角ゴ Pro W3" charset="0"/>
-                <a:cs typeface="Consolas" pitchFamily="49" charset="0"/>
-              </a:rPr>
-              <a:t> </a:t>
-            </a:r>
-            <a:r>
-              <a:rPr lang="en-US" sz="1400" dirty="0" err="1" smtClean="0">
-                <a:solidFill>
-                  <a:srgbClr val="00B050"/>
-                </a:solidFill>
-                <a:latin typeface="Consolas" pitchFamily="49" charset="0"/>
-                <a:ea typeface="ヒラギノ角ゴ Pro W3" charset="0"/>
-                <a:cs typeface="Consolas" pitchFamily="49" charset="0"/>
-              </a:rPr>
-              <a:t>A.o</a:t>
-            </a:r>
-            <a:r>
-              <a:rPr lang="en-US" sz="1400" dirty="0" smtClean="0">
-                <a:solidFill>
-                  <a:srgbClr val="00B050"/>
-                </a:solidFill>
-                <a:latin typeface="Consolas" pitchFamily="49" charset="0"/>
-                <a:ea typeface="ヒラギノ角ゴ Pro W3" charset="0"/>
-                <a:cs typeface="Consolas" pitchFamily="49" charset="0"/>
-              </a:rPr>
-              <a:t> </a:t>
-            </a:r>
-            <a:r>
-              <a:rPr lang="en-US" sz="1400" dirty="0" err="1" smtClean="0">
-                <a:solidFill>
-                  <a:schemeClr val="bg2"/>
-                </a:solidFill>
-                <a:latin typeface="Consolas" pitchFamily="49" charset="0"/>
-                <a:ea typeface="ヒラギノ角ゴ Pro W3" charset="0"/>
-                <a:cs typeface="Consolas" pitchFamily="49" charset="0"/>
-              </a:rPr>
-              <a:t>main.o</a:t>
-            </a:r>
-            <a:endParaRPr lang="en-US" sz="1400" dirty="0" smtClean="0">
-              <a:solidFill>
-                <a:schemeClr val="bg2"/>
-              </a:solidFill>
-              <a:latin typeface="Consolas" pitchFamily="49" charset="0"/>
-              <a:ea typeface="ヒラギノ角ゴ Pro W3" charset="0"/>
-              <a:cs typeface="Consolas" pitchFamily="49" charset="0"/>
-            </a:endParaRPr>
-          </a:p>
-          <a:p>
-            <a:r>
-              <a:rPr lang="en-US" sz="1400" dirty="0" smtClean="0">
-                <a:solidFill>
-                  <a:schemeClr val="bg2"/>
-                </a:solidFill>
-                <a:latin typeface="Consolas" pitchFamily="49" charset="0"/>
-                <a:ea typeface="ヒラギノ角ゴ Pro W3" charset="0"/>
-                <a:cs typeface="Consolas" pitchFamily="49" charset="0"/>
-              </a:rPr>
-              <a:t>$ ./</a:t>
-            </a:r>
-            <a:r>
-              <a:rPr lang="en-US" sz="1400" dirty="0" err="1" smtClean="0">
-                <a:solidFill>
-                  <a:schemeClr val="bg2"/>
-                </a:solidFill>
-                <a:latin typeface="Consolas" pitchFamily="49" charset="0"/>
-                <a:ea typeface="ヒラギノ角ゴ Pro W3" charset="0"/>
-                <a:cs typeface="Consolas" pitchFamily="49" charset="0"/>
-              </a:rPr>
-              <a:t>simpleExample</a:t>
-            </a:r>
-            <a:endParaRPr lang="en-US" sz="1400" dirty="0" smtClean="0">
-              <a:solidFill>
-                <a:schemeClr val="bg2"/>
-              </a:solidFill>
-              <a:latin typeface="Consolas" pitchFamily="49" charset="0"/>
-              <a:ea typeface="ヒラギノ角ゴ Pro W3" charset="0"/>
-              <a:cs typeface="Consolas" pitchFamily="49" charset="0"/>
-            </a:endParaRPr>
-          </a:p>
-          <a:p>
-            <a:r>
-              <a:rPr lang="en-US" sz="1400" dirty="0" smtClean="0">
-                <a:solidFill>
-                  <a:srgbClr val="00B050"/>
-                </a:solidFill>
-                <a:latin typeface="Consolas" pitchFamily="49" charset="0"/>
-                <a:ea typeface="ヒラギノ角ゴ Pro W3" charset="0"/>
-                <a:cs typeface="Consolas" pitchFamily="49" charset="0"/>
-              </a:rPr>
               <a:t>B.cpp</a:t>
             </a:r>
-            <a:endParaRPr lang="en-US" sz="1400" dirty="0" smtClean="0">
-              <a:solidFill>
-                <a:srgbClr val="00B050"/>
-              </a:solidFill>
-              <a:latin typeface="Consolas" pitchFamily="49" charset="0"/>
-              <a:ea typeface="ヒラギノ角ゴ Pro W3" charset="0"/>
-              <a:cs typeface="Consolas" pitchFamily="49" charset="0"/>
-            </a:endParaRPr>
-          </a:p>
-          <a:p>
-            <a:r>
-              <a:rPr lang="en-US" sz="1400" dirty="0" smtClean="0">
-                <a:solidFill>
-                  <a:srgbClr val="00B050"/>
-                </a:solidFill>
-                <a:latin typeface="Consolas" pitchFamily="49" charset="0"/>
-                <a:ea typeface="ヒラギノ角ゴ Pro W3" charset="0"/>
-                <a:cs typeface="Consolas" pitchFamily="49" charset="0"/>
-              </a:rPr>
-              <a:t>B.cpp</a:t>
-            </a:r>
-            <a:endParaRPr lang="en-US" sz="1400" dirty="0" smtClean="0">
-              <a:solidFill>
-                <a:srgbClr val="00B050"/>
-              </a:solidFill>
-              <a:latin typeface="Consolas" pitchFamily="49" charset="0"/>
-              <a:ea typeface="ヒラギノ角ゴ Pro W3" charset="0"/>
-              <a:cs typeface="Consolas" pitchFamily="49" charset="0"/>
-            </a:endParaRPr>
           </a:p>
         </p:txBody>
       </p:sp>
@@ -13649,7 +13151,11 @@
             <a:pPr algn="ctr"/>
             <a:r>
               <a:rPr lang="en-US" sz="3200" dirty="0" smtClean="0"/>
-              <a:t>One def rule in C++</a:t>
+              <a:t>Hereditary </a:t>
+            </a:r>
+            <a:r>
+              <a:rPr lang="en-US" sz="3200" dirty="0" smtClean="0"/>
+              <a:t>disease</a:t>
             </a:r>
             <a:endParaRPr lang="en-US" sz="3200" dirty="0"/>
           </a:p>
@@ -13715,51 +13221,70 @@
       </p:sp>
       <p:sp>
         <p:nvSpPr>
-          <p:cNvPr id="8" name="Rectangle 7"/>
+          <p:cNvPr id="11" name="Rectangle 10"/>
           <p:cNvSpPr/>
           <p:nvPr/>
         </p:nvSpPr>
         <p:spPr>
           <a:xfrm>
-            <a:off x="432048" y="902786"/>
-            <a:ext cx="3995936" cy="2893100"/>
+            <a:off x="1475656" y="802903"/>
+            <a:ext cx="5788764" cy="3808735"/>
           </a:xfrm>
           <a:prstGeom prst="rect">
             <a:avLst/>
           </a:prstGeom>
         </p:spPr>
         <p:txBody>
-          <a:bodyPr wrap="square">
+          <a:bodyPr wrap="none">
             <a:spAutoFit/>
           </a:bodyPr>
           <a:lstStyle/>
           <a:p>
-            <a:pPr marL="458788" lvl="1" indent="-228600">
-              <a:spcAft>
-                <a:spcPts val="0"/>
-              </a:spcAft>
-              <a:defRPr/>
-            </a:pPr>
-            <a:r>
-              <a:rPr lang="en-US" sz="1400" dirty="0" smtClean="0">
-                <a:solidFill>
-                  <a:schemeClr val="bg2"/>
-                </a:solidFill>
-                <a:latin typeface="Consolas" pitchFamily="49" charset="0"/>
-                <a:ea typeface="ヒラギノ角ゴ Pro W3" charset="0"/>
-                <a:cs typeface="Consolas" pitchFamily="49" charset="0"/>
-              </a:rPr>
-              <a:t>// A.cpp</a:t>
-            </a:r>
-          </a:p>
-          <a:p>
-            <a:pPr marL="458788" lvl="1" indent="-228600">
-              <a:spcAft>
-                <a:spcPts val="0"/>
-              </a:spcAft>
-              <a:defRPr/>
-            </a:pPr>
-            <a:endParaRPr lang="en-US" sz="1400" dirty="0" smtClean="0">
+            <a:r>
+              <a:rPr lang="en-US" sz="1050" dirty="0" smtClean="0">
+                <a:solidFill>
+                  <a:schemeClr val="bg2"/>
+                </a:solidFill>
+                <a:latin typeface="Consolas" pitchFamily="49" charset="0"/>
+                <a:ea typeface="ヒラギノ角ゴ Pro W3" charset="0"/>
+                <a:cs typeface="Consolas" pitchFamily="49" charset="0"/>
+              </a:rPr>
+              <a:t>$ </a:t>
+            </a:r>
+            <a:r>
+              <a:rPr lang="en-US" sz="1050" dirty="0" err="1" smtClean="0">
+                <a:solidFill>
+                  <a:schemeClr val="bg2"/>
+                </a:solidFill>
+                <a:latin typeface="Consolas" pitchFamily="49" charset="0"/>
+                <a:ea typeface="ヒラギノ角ゴ Pro W3" charset="0"/>
+                <a:cs typeface="Consolas" pitchFamily="49" charset="0"/>
+              </a:rPr>
+              <a:t>objdump</a:t>
+            </a:r>
+            <a:r>
+              <a:rPr lang="en-US" sz="1050" dirty="0" smtClean="0">
+                <a:solidFill>
+                  <a:schemeClr val="bg2"/>
+                </a:solidFill>
+                <a:latin typeface="Consolas" pitchFamily="49" charset="0"/>
+                <a:ea typeface="ヒラギノ角ゴ Pro W3" charset="0"/>
+                <a:cs typeface="Consolas" pitchFamily="49" charset="0"/>
+              </a:rPr>
+              <a:t> -d </a:t>
+            </a:r>
+            <a:r>
+              <a:rPr lang="en-US" sz="1050" dirty="0" err="1" smtClean="0">
+                <a:solidFill>
+                  <a:schemeClr val="bg2"/>
+                </a:solidFill>
+                <a:latin typeface="Consolas" pitchFamily="49" charset="0"/>
+                <a:ea typeface="ヒラギノ角ゴ Pro W3" charset="0"/>
+                <a:cs typeface="Consolas" pitchFamily="49" charset="0"/>
+              </a:rPr>
+              <a:t>simpleExample</a:t>
+            </a:r>
+            <a:endParaRPr lang="en-US" sz="1050" dirty="0" smtClean="0">
               <a:solidFill>
                 <a:schemeClr val="bg2"/>
               </a:solidFill>
@@ -13769,185 +13294,20 @@
             </a:endParaRPr>
           </a:p>
           <a:p>
-            <a:pPr marL="458788" lvl="1" indent="-228600">
-              <a:spcAft>
-                <a:spcPts val="0"/>
-              </a:spcAft>
-              <a:defRPr/>
-            </a:pPr>
-            <a:r>
-              <a:rPr lang="en-US" sz="1400" dirty="0" smtClean="0">
-                <a:solidFill>
-                  <a:schemeClr val="bg2"/>
-                </a:solidFill>
-                <a:latin typeface="Consolas" pitchFamily="49" charset="0"/>
-                <a:ea typeface="ヒラギノ角ゴ Pro W3" charset="0"/>
-                <a:cs typeface="Consolas" pitchFamily="49" charset="0"/>
-              </a:rPr>
-              <a:t>#include &lt;</a:t>
-            </a:r>
-            <a:r>
-              <a:rPr lang="en-US" sz="1400" dirty="0" err="1" smtClean="0">
-                <a:solidFill>
-                  <a:schemeClr val="bg2"/>
-                </a:solidFill>
-                <a:latin typeface="Consolas" pitchFamily="49" charset="0"/>
-                <a:ea typeface="ヒラギノ角ゴ Pro W3" charset="0"/>
-                <a:cs typeface="Consolas" pitchFamily="49" charset="0"/>
-              </a:rPr>
-              <a:t>stdio.h</a:t>
-            </a:r>
-            <a:r>
-              <a:rPr lang="en-US" sz="1400" dirty="0" smtClean="0">
-                <a:solidFill>
-                  <a:schemeClr val="bg2"/>
-                </a:solidFill>
-                <a:latin typeface="Consolas" pitchFamily="49" charset="0"/>
-                <a:ea typeface="ヒラギノ角ゴ Pro W3" charset="0"/>
-                <a:cs typeface="Consolas" pitchFamily="49" charset="0"/>
-              </a:rPr>
-              <a:t>&gt;</a:t>
-            </a:r>
-          </a:p>
-          <a:p>
-            <a:pPr marL="458788" lvl="1" indent="-228600">
-              <a:spcAft>
-                <a:spcPts val="0"/>
-              </a:spcAft>
-              <a:defRPr/>
-            </a:pPr>
-            <a:r>
-              <a:rPr lang="en-US" sz="1400" dirty="0" err="1" smtClean="0">
-                <a:solidFill>
-                  <a:schemeClr val="bg2"/>
-                </a:solidFill>
-                <a:latin typeface="Consolas" pitchFamily="49" charset="0"/>
-                <a:ea typeface="ヒラギノ角ゴ Pro W3" charset="0"/>
-                <a:cs typeface="Consolas" pitchFamily="49" charset="0"/>
-              </a:rPr>
-              <a:t>struct</a:t>
-            </a:r>
-            <a:r>
-              <a:rPr lang="en-US" sz="1400" dirty="0" smtClean="0">
-                <a:solidFill>
-                  <a:schemeClr val="bg2"/>
-                </a:solidFill>
-                <a:latin typeface="Consolas" pitchFamily="49" charset="0"/>
-                <a:ea typeface="ヒラギノ角ゴ Pro W3" charset="0"/>
-                <a:cs typeface="Consolas" pitchFamily="49" charset="0"/>
-              </a:rPr>
-              <a:t> S</a:t>
-            </a:r>
-          </a:p>
-          <a:p>
-            <a:pPr marL="458788" lvl="1" indent="-228600">
-              <a:spcAft>
-                <a:spcPts val="0"/>
-              </a:spcAft>
-              <a:defRPr/>
-            </a:pPr>
-            <a:r>
-              <a:rPr lang="en-US" sz="1400" dirty="0" smtClean="0">
-                <a:solidFill>
-                  <a:schemeClr val="bg2"/>
-                </a:solidFill>
-                <a:latin typeface="Consolas" pitchFamily="49" charset="0"/>
-                <a:ea typeface="ヒラギノ角ゴ Pro W3" charset="0"/>
-                <a:cs typeface="Consolas" pitchFamily="49" charset="0"/>
-              </a:rPr>
-              <a:t>{</a:t>
-            </a:r>
-          </a:p>
-          <a:p>
-            <a:pPr marL="458788" lvl="1" indent="-228600">
-              <a:spcAft>
-                <a:spcPts val="0"/>
-              </a:spcAft>
-              <a:defRPr/>
-            </a:pPr>
-            <a:r>
-              <a:rPr lang="en-US" sz="1400" dirty="0" smtClean="0">
-                <a:solidFill>
-                  <a:schemeClr val="bg2"/>
-                </a:solidFill>
-                <a:latin typeface="Consolas" pitchFamily="49" charset="0"/>
-                <a:ea typeface="ヒラギノ角ゴ Pro W3" charset="0"/>
-                <a:cs typeface="Consolas" pitchFamily="49" charset="0"/>
-              </a:rPr>
-              <a:t>   void </a:t>
-            </a:r>
-            <a:r>
-              <a:rPr lang="en-US" sz="1400" dirty="0" err="1" smtClean="0">
-                <a:solidFill>
-                  <a:schemeClr val="bg2"/>
-                </a:solidFill>
-                <a:latin typeface="Consolas" pitchFamily="49" charset="0"/>
-                <a:ea typeface="ヒラギノ角ゴ Pro W3" charset="0"/>
-                <a:cs typeface="Consolas" pitchFamily="49" charset="0"/>
-              </a:rPr>
-              <a:t>foo</a:t>
-            </a:r>
-            <a:r>
-              <a:rPr lang="en-US" sz="1400" dirty="0" smtClean="0">
-                <a:solidFill>
-                  <a:schemeClr val="bg2"/>
-                </a:solidFill>
-                <a:latin typeface="Consolas" pitchFamily="49" charset="0"/>
-                <a:ea typeface="ヒラギノ角ゴ Pro W3" charset="0"/>
-                <a:cs typeface="Consolas" pitchFamily="49" charset="0"/>
-              </a:rPr>
-              <a:t>() { </a:t>
-            </a:r>
-            <a:r>
-              <a:rPr lang="en-US" sz="1400" dirty="0" err="1" smtClean="0">
-                <a:solidFill>
-                  <a:schemeClr val="bg2"/>
-                </a:solidFill>
-                <a:latin typeface="Consolas" pitchFamily="49" charset="0"/>
-                <a:ea typeface="ヒラギノ角ゴ Pro W3" charset="0"/>
-                <a:cs typeface="Consolas" pitchFamily="49" charset="0"/>
-              </a:rPr>
-              <a:t>printf</a:t>
-            </a:r>
-            <a:r>
-              <a:rPr lang="en-US" sz="1400" dirty="0" smtClean="0">
-                <a:solidFill>
-                  <a:schemeClr val="bg2"/>
-                </a:solidFill>
-                <a:latin typeface="Consolas" pitchFamily="49" charset="0"/>
-                <a:ea typeface="ヒラギノ角ゴ Pro W3" charset="0"/>
-                <a:cs typeface="Consolas" pitchFamily="49" charset="0"/>
-              </a:rPr>
-              <a:t>("A.cpp\n"); }</a:t>
-            </a:r>
-          </a:p>
-          <a:p>
-            <a:pPr marL="458788" lvl="1" indent="-228600">
-              <a:spcAft>
-                <a:spcPts val="0"/>
-              </a:spcAft>
-              <a:defRPr/>
-            </a:pPr>
-            <a:r>
-              <a:rPr lang="en-US" sz="1400" dirty="0" smtClean="0">
-                <a:solidFill>
-                  <a:schemeClr val="bg2"/>
-                </a:solidFill>
-                <a:latin typeface="Consolas" pitchFamily="49" charset="0"/>
-                <a:ea typeface="ヒラギノ角ゴ Pro W3" charset="0"/>
-                <a:cs typeface="Consolas" pitchFamily="49" charset="0"/>
-              </a:rPr>
-              <a:t>};</a:t>
-            </a:r>
-          </a:p>
-          <a:p>
-            <a:pPr marL="458788" lvl="1" indent="-228600">
-              <a:spcAft>
-                <a:spcPts val="0"/>
-              </a:spcAft>
-              <a:defRPr/>
-            </a:pPr>
-            <a:endParaRPr lang="en-US" sz="1400" dirty="0" smtClean="0">
+            <a:r>
+              <a:rPr lang="en-US" sz="1050" dirty="0" smtClean="0">
+                <a:solidFill>
+                  <a:schemeClr val="bg2"/>
+                </a:solidFill>
+                <a:latin typeface="Consolas" pitchFamily="49" charset="0"/>
+                <a:ea typeface="ヒラギノ角ゴ Pro W3" charset="0"/>
+                <a:cs typeface="Consolas" pitchFamily="49" charset="0"/>
+              </a:rPr>
+              <a:t>...</a:t>
+            </a:r>
+          </a:p>
+          <a:p>
+            <a:endParaRPr lang="en-US" sz="1050" dirty="0" smtClean="0">
               <a:solidFill>
                 <a:schemeClr val="bg2"/>
               </a:solidFill>
@@ -13957,194 +13317,42 @@
             </a:endParaRPr>
           </a:p>
           <a:p>
-            <a:pPr marL="458788" lvl="1" indent="-228600">
-              <a:spcAft>
-                <a:spcPts val="0"/>
-              </a:spcAft>
-              <a:defRPr/>
-            </a:pPr>
-            <a:r>
-              <a:rPr lang="en-US" sz="1400" dirty="0" smtClean="0">
-                <a:solidFill>
-                  <a:schemeClr val="bg2"/>
-                </a:solidFill>
-                <a:latin typeface="Consolas" pitchFamily="49" charset="0"/>
-                <a:ea typeface="ヒラギノ角ゴ Pro W3" charset="0"/>
-                <a:cs typeface="Consolas" pitchFamily="49" charset="0"/>
-              </a:rPr>
-              <a:t>void </a:t>
-            </a:r>
-            <a:r>
-              <a:rPr lang="en-US" sz="1400" dirty="0" err="1" smtClean="0">
-                <a:solidFill>
-                  <a:schemeClr val="bg2"/>
-                </a:solidFill>
-                <a:latin typeface="Consolas" pitchFamily="49" charset="0"/>
-                <a:ea typeface="ヒラギノ角ゴ Pro W3" charset="0"/>
-                <a:cs typeface="Consolas" pitchFamily="49" charset="0"/>
-              </a:rPr>
-              <a:t>fooA</a:t>
-            </a:r>
-            <a:r>
-              <a:rPr lang="en-US" sz="1400" dirty="0" smtClean="0">
-                <a:solidFill>
-                  <a:schemeClr val="bg2"/>
-                </a:solidFill>
-                <a:latin typeface="Consolas" pitchFamily="49" charset="0"/>
-                <a:ea typeface="ヒラギノ角ゴ Pro W3" charset="0"/>
-                <a:cs typeface="Consolas" pitchFamily="49" charset="0"/>
-              </a:rPr>
-              <a:t>() </a:t>
-            </a:r>
-          </a:p>
-          <a:p>
-            <a:pPr marL="458788" lvl="1" indent="-228600">
-              <a:spcAft>
-                <a:spcPts val="0"/>
-              </a:spcAft>
-              <a:defRPr/>
-            </a:pPr>
-            <a:r>
-              <a:rPr lang="en-US" sz="1400" dirty="0" smtClean="0">
-                <a:solidFill>
-                  <a:schemeClr val="bg2"/>
-                </a:solidFill>
-                <a:latin typeface="Consolas" pitchFamily="49" charset="0"/>
-                <a:ea typeface="ヒラギノ角ゴ Pro W3" charset="0"/>
-                <a:cs typeface="Consolas" pitchFamily="49" charset="0"/>
-              </a:rPr>
-              <a:t>{</a:t>
-            </a:r>
-          </a:p>
-          <a:p>
-            <a:pPr marL="458788" lvl="1" indent="-228600">
-              <a:spcAft>
-                <a:spcPts val="0"/>
-              </a:spcAft>
-              <a:defRPr/>
-            </a:pPr>
-            <a:r>
-              <a:rPr lang="en-US" sz="1400" dirty="0" smtClean="0">
-                <a:solidFill>
-                  <a:schemeClr val="bg2"/>
-                </a:solidFill>
-                <a:latin typeface="Consolas" pitchFamily="49" charset="0"/>
-                <a:ea typeface="ヒラギノ角ゴ Pro W3" charset="0"/>
-                <a:cs typeface="Consolas" pitchFamily="49" charset="0"/>
-              </a:rPr>
-              <a:t>    S </a:t>
-            </a:r>
-            <a:r>
-              <a:rPr lang="en-US" sz="1400" dirty="0" err="1" smtClean="0">
-                <a:solidFill>
-                  <a:schemeClr val="bg2"/>
-                </a:solidFill>
-                <a:latin typeface="Consolas" pitchFamily="49" charset="0"/>
-                <a:ea typeface="ヒラギノ角ゴ Pro W3" charset="0"/>
-                <a:cs typeface="Consolas" pitchFamily="49" charset="0"/>
-              </a:rPr>
-              <a:t>s</a:t>
-            </a:r>
-            <a:r>
-              <a:rPr lang="en-US" sz="1400" dirty="0" smtClean="0">
-                <a:solidFill>
-                  <a:schemeClr val="bg2"/>
-                </a:solidFill>
-                <a:latin typeface="Consolas" pitchFamily="49" charset="0"/>
-                <a:ea typeface="ヒラギノ角ゴ Pro W3" charset="0"/>
-                <a:cs typeface="Consolas" pitchFamily="49" charset="0"/>
-              </a:rPr>
-              <a:t>;</a:t>
-            </a:r>
-          </a:p>
-          <a:p>
-            <a:pPr marL="458788" lvl="1" indent="-228600">
-              <a:spcAft>
-                <a:spcPts val="0"/>
-              </a:spcAft>
-              <a:defRPr/>
-            </a:pPr>
-            <a:r>
-              <a:rPr lang="en-US" sz="1400" dirty="0" smtClean="0">
-                <a:solidFill>
-                  <a:schemeClr val="bg2"/>
-                </a:solidFill>
-                <a:latin typeface="Consolas" pitchFamily="49" charset="0"/>
-                <a:ea typeface="ヒラギノ角ゴ Pro W3" charset="0"/>
-                <a:cs typeface="Consolas" pitchFamily="49" charset="0"/>
-              </a:rPr>
-              <a:t>    s.foo();</a:t>
-            </a:r>
-          </a:p>
-          <a:p>
-            <a:pPr marL="458788" lvl="1" indent="-228600">
-              <a:spcAft>
-                <a:spcPts val="0"/>
-              </a:spcAft>
-              <a:defRPr/>
-            </a:pPr>
-            <a:r>
-              <a:rPr lang="en-US" sz="1400" dirty="0" smtClean="0">
-                <a:solidFill>
-                  <a:schemeClr val="bg2"/>
-                </a:solidFill>
-                <a:latin typeface="Consolas" pitchFamily="49" charset="0"/>
-                <a:ea typeface="ヒラギノ角ゴ Pro W3" charset="0"/>
-                <a:cs typeface="Consolas" pitchFamily="49" charset="0"/>
-              </a:rPr>
-              <a:t>}</a:t>
-            </a:r>
-            <a:endParaRPr lang="en-US" sz="1400" dirty="0"/>
-          </a:p>
-        </p:txBody>
-      </p:sp>
-      <p:sp>
-        <p:nvSpPr>
-          <p:cNvPr id="10" name="Rectangle 9"/>
-          <p:cNvSpPr/>
-          <p:nvPr/>
-        </p:nvSpPr>
-        <p:spPr>
-          <a:xfrm>
-            <a:off x="4427984" y="902786"/>
-            <a:ext cx="5153888" cy="2893100"/>
-          </a:xfrm>
-          <a:prstGeom prst="rect">
-            <a:avLst/>
-          </a:prstGeom>
-        </p:spPr>
-        <p:txBody>
-          <a:bodyPr wrap="square">
-            <a:spAutoFit/>
-          </a:bodyPr>
-          <a:lstStyle/>
-          <a:p>
-            <a:pPr marL="458788" lvl="1" indent="-228600">
-              <a:spcAft>
-                <a:spcPts val="0"/>
-              </a:spcAft>
-              <a:defRPr/>
-            </a:pPr>
-            <a:r>
-              <a:rPr lang="en-US" sz="1400" dirty="0" smtClean="0">
-                <a:solidFill>
-                  <a:schemeClr val="bg2"/>
-                </a:solidFill>
-                <a:latin typeface="Consolas" pitchFamily="49" charset="0"/>
-                <a:ea typeface="ヒラギノ角ゴ Pro W3" charset="0"/>
-                <a:cs typeface="Consolas" pitchFamily="49" charset="0"/>
-              </a:rPr>
-              <a:t>// B.cpp</a:t>
-            </a:r>
-          </a:p>
-          <a:p>
-            <a:pPr marL="458788" lvl="1" indent="-228600">
-              <a:spcAft>
-                <a:spcPts val="0"/>
-              </a:spcAft>
-              <a:defRPr/>
-            </a:pPr>
-            <a:endParaRPr lang="en-US" sz="1400" dirty="0" smtClean="0">
+            <a:r>
+              <a:rPr lang="en-US" sz="1050" dirty="0" smtClean="0">
+                <a:solidFill>
+                  <a:schemeClr val="bg2"/>
+                </a:solidFill>
+                <a:latin typeface="Consolas" pitchFamily="49" charset="0"/>
+                <a:ea typeface="ヒラギノ角ゴ Pro W3" charset="0"/>
+                <a:cs typeface="Consolas" pitchFamily="49" charset="0"/>
+              </a:rPr>
+              <a:t>0000000000400578 &lt;_Z4fooAv&gt;:</a:t>
+            </a:r>
+          </a:p>
+          <a:p>
+            <a:r>
+              <a:rPr lang="en-US" sz="1050" dirty="0" smtClean="0">
+                <a:solidFill>
+                  <a:schemeClr val="bg2"/>
+                </a:solidFill>
+                <a:latin typeface="Consolas" pitchFamily="49" charset="0"/>
+                <a:ea typeface="ヒラギノ角ゴ Pro W3" charset="0"/>
+                <a:cs typeface="Consolas" pitchFamily="49" charset="0"/>
+              </a:rPr>
+              <a:t>  400578:       55                      push   %</a:t>
+            </a:r>
+            <a:r>
+              <a:rPr lang="en-US" sz="1050" dirty="0" err="1" smtClean="0">
+                <a:solidFill>
+                  <a:schemeClr val="bg2"/>
+                </a:solidFill>
+                <a:latin typeface="Consolas" pitchFamily="49" charset="0"/>
+                <a:ea typeface="ヒラギノ角ゴ Pro W3" charset="0"/>
+                <a:cs typeface="Consolas" pitchFamily="49" charset="0"/>
+              </a:rPr>
+              <a:t>rbp</a:t>
+            </a:r>
+            <a:endParaRPr lang="en-US" sz="1050" dirty="0" smtClean="0">
               <a:solidFill>
                 <a:schemeClr val="bg2"/>
               </a:solidFill>
@@ -14154,196 +13362,51 @@
             </a:endParaRPr>
           </a:p>
           <a:p>
-            <a:pPr marL="458788" lvl="1" indent="-228600">
-              <a:spcAft>
-                <a:spcPts val="0"/>
-              </a:spcAft>
-              <a:defRPr/>
-            </a:pPr>
-            <a:r>
-              <a:rPr lang="en-US" sz="1400" dirty="0" smtClean="0">
-                <a:solidFill>
-                  <a:schemeClr val="bg2"/>
-                </a:solidFill>
-                <a:latin typeface="Consolas" pitchFamily="49" charset="0"/>
-                <a:ea typeface="ヒラギノ角ゴ Pro W3" charset="0"/>
-                <a:cs typeface="Consolas" pitchFamily="49" charset="0"/>
-              </a:rPr>
-              <a:t>#include </a:t>
-            </a:r>
-            <a:r>
-              <a:rPr lang="en-US" sz="1400" dirty="0" smtClean="0">
-                <a:solidFill>
-                  <a:schemeClr val="bg2"/>
-                </a:solidFill>
-                <a:latin typeface="Consolas" pitchFamily="49" charset="0"/>
-                <a:ea typeface="ヒラギノ角ゴ Pro W3" charset="0"/>
-                <a:cs typeface="Consolas" pitchFamily="49" charset="0"/>
-              </a:rPr>
-              <a:t>&lt;</a:t>
-            </a:r>
-            <a:r>
-              <a:rPr lang="en-US" sz="1400" dirty="0" err="1" smtClean="0">
-                <a:solidFill>
-                  <a:schemeClr val="bg2"/>
-                </a:solidFill>
-                <a:latin typeface="Consolas" pitchFamily="49" charset="0"/>
-                <a:ea typeface="ヒラギノ角ゴ Pro W3" charset="0"/>
-                <a:cs typeface="Consolas" pitchFamily="49" charset="0"/>
-              </a:rPr>
-              <a:t>stdio.h</a:t>
-            </a:r>
-            <a:r>
-              <a:rPr lang="en-US" sz="1400" dirty="0" smtClean="0">
-                <a:solidFill>
-                  <a:schemeClr val="bg2"/>
-                </a:solidFill>
-                <a:latin typeface="Consolas" pitchFamily="49" charset="0"/>
-                <a:ea typeface="ヒラギノ角ゴ Pro W3" charset="0"/>
-                <a:cs typeface="Consolas" pitchFamily="49" charset="0"/>
-              </a:rPr>
-              <a:t>&gt;</a:t>
-            </a:r>
-          </a:p>
-          <a:p>
-            <a:pPr marL="458788" lvl="1" indent="-228600">
-              <a:spcAft>
-                <a:spcPts val="0"/>
-              </a:spcAft>
-              <a:defRPr/>
-            </a:pPr>
-            <a:r>
-              <a:rPr lang="en-US" sz="1400" dirty="0" err="1" smtClean="0">
-                <a:solidFill>
-                  <a:schemeClr val="bg2"/>
-                </a:solidFill>
-                <a:latin typeface="Consolas" pitchFamily="49" charset="0"/>
-                <a:ea typeface="ヒラギノ角ゴ Pro W3" charset="0"/>
-                <a:cs typeface="Consolas" pitchFamily="49" charset="0"/>
-              </a:rPr>
-              <a:t>struct</a:t>
-            </a:r>
-            <a:r>
-              <a:rPr lang="en-US" sz="1400" dirty="0" smtClean="0">
-                <a:solidFill>
-                  <a:schemeClr val="bg2"/>
-                </a:solidFill>
-                <a:latin typeface="Consolas" pitchFamily="49" charset="0"/>
-                <a:ea typeface="ヒラギノ角ゴ Pro W3" charset="0"/>
-                <a:cs typeface="Consolas" pitchFamily="49" charset="0"/>
-              </a:rPr>
-              <a:t> S</a:t>
-            </a:r>
-          </a:p>
-          <a:p>
-            <a:pPr marL="458788" lvl="1" indent="-228600">
-              <a:spcAft>
-                <a:spcPts val="0"/>
-              </a:spcAft>
-              <a:defRPr/>
-            </a:pPr>
-            <a:r>
-              <a:rPr lang="en-US" sz="1400" dirty="0" smtClean="0">
-                <a:solidFill>
-                  <a:schemeClr val="bg2"/>
-                </a:solidFill>
-                <a:latin typeface="Consolas" pitchFamily="49" charset="0"/>
-                <a:ea typeface="ヒラギノ角ゴ Pro W3" charset="0"/>
-                <a:cs typeface="Consolas" pitchFamily="49" charset="0"/>
-              </a:rPr>
-              <a:t>{</a:t>
-            </a:r>
-          </a:p>
-          <a:p>
-            <a:pPr marL="458788" lvl="1" indent="-228600">
-              <a:spcAft>
-                <a:spcPts val="0"/>
-              </a:spcAft>
-              <a:defRPr/>
-            </a:pPr>
-            <a:r>
-              <a:rPr lang="en-US" sz="1400" dirty="0" smtClean="0">
-                <a:solidFill>
-                  <a:schemeClr val="bg2"/>
-                </a:solidFill>
-                <a:latin typeface="Consolas" pitchFamily="49" charset="0"/>
-                <a:ea typeface="ヒラギノ角ゴ Pro W3" charset="0"/>
-                <a:cs typeface="Consolas" pitchFamily="49" charset="0"/>
-              </a:rPr>
-              <a:t>   void </a:t>
-            </a:r>
-            <a:r>
-              <a:rPr lang="en-US" sz="1400" dirty="0" err="1" smtClean="0">
-                <a:solidFill>
-                  <a:schemeClr val="bg2"/>
-                </a:solidFill>
-                <a:latin typeface="Consolas" pitchFamily="49" charset="0"/>
-                <a:ea typeface="ヒラギノ角ゴ Pro W3" charset="0"/>
-                <a:cs typeface="Consolas" pitchFamily="49" charset="0"/>
-              </a:rPr>
-              <a:t>foo</a:t>
-            </a:r>
-            <a:r>
-              <a:rPr lang="en-US" sz="1400" dirty="0" smtClean="0">
-                <a:solidFill>
-                  <a:schemeClr val="bg2"/>
-                </a:solidFill>
-                <a:latin typeface="Consolas" pitchFamily="49" charset="0"/>
-                <a:ea typeface="ヒラギノ角ゴ Pro W3" charset="0"/>
-                <a:cs typeface="Consolas" pitchFamily="49" charset="0"/>
-              </a:rPr>
-              <a:t>() { </a:t>
-            </a:r>
-            <a:r>
-              <a:rPr lang="en-US" sz="1400" dirty="0" err="1" smtClean="0">
-                <a:solidFill>
-                  <a:schemeClr val="bg2"/>
-                </a:solidFill>
-                <a:latin typeface="Consolas" pitchFamily="49" charset="0"/>
-                <a:ea typeface="ヒラギノ角ゴ Pro W3" charset="0"/>
-                <a:cs typeface="Consolas" pitchFamily="49" charset="0"/>
-              </a:rPr>
-              <a:t>printf</a:t>
-            </a:r>
-            <a:r>
-              <a:rPr lang="en-US" sz="1400" dirty="0" smtClean="0">
-                <a:solidFill>
-                  <a:schemeClr val="bg2"/>
-                </a:solidFill>
-                <a:latin typeface="Consolas" pitchFamily="49" charset="0"/>
-                <a:ea typeface="ヒラギノ角ゴ Pro W3" charset="0"/>
-                <a:cs typeface="Consolas" pitchFamily="49" charset="0"/>
-              </a:rPr>
-              <a:t>("B.cpp\n"); }</a:t>
-            </a:r>
-          </a:p>
-          <a:p>
-            <a:pPr marL="458788" lvl="1" indent="-228600">
-              <a:spcAft>
-                <a:spcPts val="0"/>
-              </a:spcAft>
-              <a:defRPr/>
-            </a:pPr>
-            <a:r>
-              <a:rPr lang="en-US" sz="1400" dirty="0" smtClean="0">
-                <a:solidFill>
-                  <a:schemeClr val="bg2"/>
-                </a:solidFill>
-                <a:latin typeface="Consolas" pitchFamily="49" charset="0"/>
-                <a:ea typeface="ヒラギノ角ゴ Pro W3" charset="0"/>
-                <a:cs typeface="Consolas" pitchFamily="49" charset="0"/>
-              </a:rPr>
-              <a:t>};</a:t>
-            </a:r>
-          </a:p>
-          <a:p>
-            <a:pPr marL="458788" lvl="1" indent="-228600">
-              <a:spcAft>
-                <a:spcPts val="0"/>
-              </a:spcAft>
-              <a:defRPr/>
-            </a:pPr>
-            <a:endParaRPr lang="en-US" sz="1400" dirty="0" smtClean="0">
+            <a:r>
+              <a:rPr lang="en-US" sz="1050" dirty="0" smtClean="0">
+                <a:solidFill>
+                  <a:schemeClr val="bg2"/>
+                </a:solidFill>
+                <a:latin typeface="Consolas" pitchFamily="49" charset="0"/>
+                <a:ea typeface="ヒラギノ角ゴ Pro W3" charset="0"/>
+                <a:cs typeface="Consolas" pitchFamily="49" charset="0"/>
+              </a:rPr>
+              <a:t>  400579:       48 89 e5                </a:t>
+            </a:r>
+            <a:r>
+              <a:rPr lang="en-US" sz="1050" dirty="0" err="1" smtClean="0">
+                <a:solidFill>
+                  <a:schemeClr val="bg2"/>
+                </a:solidFill>
+                <a:latin typeface="Consolas" pitchFamily="49" charset="0"/>
+                <a:ea typeface="ヒラギノ角ゴ Pro W3" charset="0"/>
+                <a:cs typeface="Consolas" pitchFamily="49" charset="0"/>
+              </a:rPr>
+              <a:t>mov</a:t>
+            </a:r>
+            <a:r>
+              <a:rPr lang="en-US" sz="1050" dirty="0" smtClean="0">
+                <a:solidFill>
+                  <a:schemeClr val="bg2"/>
+                </a:solidFill>
+                <a:latin typeface="Consolas" pitchFamily="49" charset="0"/>
+                <a:ea typeface="ヒラギノ角ゴ Pro W3" charset="0"/>
+                <a:cs typeface="Consolas" pitchFamily="49" charset="0"/>
+              </a:rPr>
+              <a:t>    %</a:t>
+            </a:r>
+            <a:r>
+              <a:rPr lang="en-US" sz="1050" dirty="0" err="1" smtClean="0">
+                <a:solidFill>
+                  <a:schemeClr val="bg2"/>
+                </a:solidFill>
+                <a:latin typeface="Consolas" pitchFamily="49" charset="0"/>
+                <a:ea typeface="ヒラギノ角ゴ Pro W3" charset="0"/>
+                <a:cs typeface="Consolas" pitchFamily="49" charset="0"/>
+              </a:rPr>
+              <a:t>rsp,%rbp</a:t>
+            </a:r>
+            <a:endParaRPr lang="en-US" sz="1050" dirty="0" smtClean="0">
               <a:solidFill>
                 <a:schemeClr val="bg2"/>
               </a:solidFill>
@@ -14353,144 +13416,632 @@
             </a:endParaRPr>
           </a:p>
           <a:p>
-            <a:pPr marL="458788" lvl="1" indent="-228600">
-              <a:spcAft>
-                <a:spcPts val="0"/>
-              </a:spcAft>
-              <a:defRPr/>
-            </a:pPr>
-            <a:r>
-              <a:rPr lang="en-US" sz="1400" dirty="0" smtClean="0">
-                <a:solidFill>
-                  <a:schemeClr val="bg2"/>
-                </a:solidFill>
-                <a:latin typeface="Consolas" pitchFamily="49" charset="0"/>
-                <a:ea typeface="ヒラギノ角ゴ Pro W3" charset="0"/>
-                <a:cs typeface="Consolas" pitchFamily="49" charset="0"/>
-              </a:rPr>
-              <a:t>void </a:t>
-            </a:r>
-            <a:r>
-              <a:rPr lang="en-US" sz="1400" dirty="0" err="1" smtClean="0">
-                <a:solidFill>
-                  <a:schemeClr val="bg2"/>
-                </a:solidFill>
-                <a:latin typeface="Consolas" pitchFamily="49" charset="0"/>
-                <a:ea typeface="ヒラギノ角ゴ Pro W3" charset="0"/>
-                <a:cs typeface="Consolas" pitchFamily="49" charset="0"/>
-              </a:rPr>
-              <a:t>fooB</a:t>
-            </a:r>
-            <a:r>
-              <a:rPr lang="en-US" sz="1400" dirty="0" smtClean="0">
-                <a:solidFill>
-                  <a:schemeClr val="bg2"/>
-                </a:solidFill>
-                <a:latin typeface="Consolas" pitchFamily="49" charset="0"/>
-                <a:ea typeface="ヒラギノ角ゴ Pro W3" charset="0"/>
-                <a:cs typeface="Consolas" pitchFamily="49" charset="0"/>
-              </a:rPr>
-              <a:t>() </a:t>
-            </a:r>
-          </a:p>
-          <a:p>
-            <a:pPr marL="458788" lvl="1" indent="-228600">
-              <a:spcAft>
-                <a:spcPts val="0"/>
-              </a:spcAft>
-              <a:defRPr/>
-            </a:pPr>
-            <a:r>
-              <a:rPr lang="en-US" sz="1400" dirty="0" smtClean="0">
-                <a:solidFill>
-                  <a:schemeClr val="bg2"/>
-                </a:solidFill>
-                <a:latin typeface="Consolas" pitchFamily="49" charset="0"/>
-                <a:ea typeface="ヒラギノ角ゴ Pro W3" charset="0"/>
-                <a:cs typeface="Consolas" pitchFamily="49" charset="0"/>
-              </a:rPr>
-              <a:t>{</a:t>
-            </a:r>
-          </a:p>
-          <a:p>
-            <a:pPr marL="458788" lvl="1" indent="-228600">
-              <a:spcAft>
-                <a:spcPts val="0"/>
-              </a:spcAft>
-              <a:defRPr/>
-            </a:pPr>
-            <a:r>
-              <a:rPr lang="en-US" sz="1400" dirty="0" smtClean="0">
-                <a:solidFill>
-                  <a:schemeClr val="bg2"/>
-                </a:solidFill>
-                <a:latin typeface="Consolas" pitchFamily="49" charset="0"/>
-                <a:ea typeface="ヒラギノ角ゴ Pro W3" charset="0"/>
-                <a:cs typeface="Consolas" pitchFamily="49" charset="0"/>
-              </a:rPr>
-              <a:t>    S </a:t>
-            </a:r>
-            <a:r>
-              <a:rPr lang="en-US" sz="1400" dirty="0" err="1" smtClean="0">
-                <a:solidFill>
-                  <a:schemeClr val="bg2"/>
-                </a:solidFill>
-                <a:latin typeface="Consolas" pitchFamily="49" charset="0"/>
-                <a:ea typeface="ヒラギノ角ゴ Pro W3" charset="0"/>
-                <a:cs typeface="Consolas" pitchFamily="49" charset="0"/>
-              </a:rPr>
-              <a:t>s</a:t>
-            </a:r>
-            <a:r>
-              <a:rPr lang="en-US" sz="1400" dirty="0" smtClean="0">
-                <a:solidFill>
-                  <a:schemeClr val="bg2"/>
-                </a:solidFill>
-                <a:latin typeface="Consolas" pitchFamily="49" charset="0"/>
-                <a:ea typeface="ヒラギノ角ゴ Pro W3" charset="0"/>
-                <a:cs typeface="Consolas" pitchFamily="49" charset="0"/>
-              </a:rPr>
-              <a:t>;</a:t>
-            </a:r>
-          </a:p>
-          <a:p>
-            <a:pPr marL="458788" lvl="1" indent="-228600">
-              <a:spcAft>
-                <a:spcPts val="0"/>
-              </a:spcAft>
-              <a:defRPr/>
-            </a:pPr>
-            <a:r>
-              <a:rPr lang="en-US" sz="1400" dirty="0" smtClean="0">
-                <a:solidFill>
-                  <a:schemeClr val="bg2"/>
-                </a:solidFill>
-                <a:latin typeface="Consolas" pitchFamily="49" charset="0"/>
-                <a:ea typeface="ヒラギノ角ゴ Pro W3" charset="0"/>
-                <a:cs typeface="Consolas" pitchFamily="49" charset="0"/>
-              </a:rPr>
-              <a:t>    s.foo();</a:t>
-            </a:r>
-          </a:p>
-          <a:p>
-            <a:pPr marL="458788" lvl="1" indent="-228600">
-              <a:spcAft>
-                <a:spcPts val="0"/>
-              </a:spcAft>
-              <a:defRPr/>
-            </a:pPr>
-            <a:r>
-              <a:rPr lang="en-US" sz="1400" dirty="0" smtClean="0">
-                <a:solidFill>
-                  <a:schemeClr val="bg2"/>
-                </a:solidFill>
-                <a:latin typeface="Consolas" pitchFamily="49" charset="0"/>
-                <a:ea typeface="ヒラギノ角ゴ Pro W3" charset="0"/>
-                <a:cs typeface="Consolas" pitchFamily="49" charset="0"/>
-              </a:rPr>
-              <a:t>}</a:t>
-            </a:r>
-            <a:endParaRPr lang="en-US" sz="1400" dirty="0"/>
+            <a:r>
+              <a:rPr lang="en-US" sz="1050" dirty="0" smtClean="0">
+                <a:solidFill>
+                  <a:schemeClr val="bg2"/>
+                </a:solidFill>
+                <a:latin typeface="Consolas" pitchFamily="49" charset="0"/>
+                <a:ea typeface="ヒラギノ角ゴ Pro W3" charset="0"/>
+                <a:cs typeface="Consolas" pitchFamily="49" charset="0"/>
+              </a:rPr>
+              <a:t>  40057c:       48 83 </a:t>
+            </a:r>
+            <a:r>
+              <a:rPr lang="en-US" sz="1050" dirty="0" err="1" smtClean="0">
+                <a:solidFill>
+                  <a:schemeClr val="bg2"/>
+                </a:solidFill>
+                <a:latin typeface="Consolas" pitchFamily="49" charset="0"/>
+                <a:ea typeface="ヒラギノ角ゴ Pro W3" charset="0"/>
+                <a:cs typeface="Consolas" pitchFamily="49" charset="0"/>
+              </a:rPr>
+              <a:t>ec</a:t>
+            </a:r>
+            <a:r>
+              <a:rPr lang="en-US" sz="1050" dirty="0" smtClean="0">
+                <a:solidFill>
+                  <a:schemeClr val="bg2"/>
+                </a:solidFill>
+                <a:latin typeface="Consolas" pitchFamily="49" charset="0"/>
+                <a:ea typeface="ヒラギノ角ゴ Pro W3" charset="0"/>
+                <a:cs typeface="Consolas" pitchFamily="49" charset="0"/>
+              </a:rPr>
+              <a:t> 10             sub    $0x10,%rsp</a:t>
+            </a:r>
+          </a:p>
+          <a:p>
+            <a:r>
+              <a:rPr lang="en-US" sz="1050" dirty="0" smtClean="0">
+                <a:solidFill>
+                  <a:schemeClr val="bg2"/>
+                </a:solidFill>
+                <a:latin typeface="Consolas" pitchFamily="49" charset="0"/>
+                <a:ea typeface="ヒラギノ角ゴ Pro W3" charset="0"/>
+                <a:cs typeface="Consolas" pitchFamily="49" charset="0"/>
+              </a:rPr>
+              <a:t>  400580:       48 8d 7d ff             lea    0xffffffffffffffff(%</a:t>
+            </a:r>
+            <a:r>
+              <a:rPr lang="en-US" sz="1050" dirty="0" err="1" smtClean="0">
+                <a:solidFill>
+                  <a:schemeClr val="bg2"/>
+                </a:solidFill>
+                <a:latin typeface="Consolas" pitchFamily="49" charset="0"/>
+                <a:ea typeface="ヒラギノ角ゴ Pro W3" charset="0"/>
+                <a:cs typeface="Consolas" pitchFamily="49" charset="0"/>
+              </a:rPr>
+              <a:t>rbp</a:t>
+            </a:r>
+            <a:r>
+              <a:rPr lang="en-US" sz="1050" dirty="0" smtClean="0">
+                <a:solidFill>
+                  <a:schemeClr val="bg2"/>
+                </a:solidFill>
+                <a:latin typeface="Consolas" pitchFamily="49" charset="0"/>
+                <a:ea typeface="ヒラギノ角ゴ Pro W3" charset="0"/>
+                <a:cs typeface="Consolas" pitchFamily="49" charset="0"/>
+              </a:rPr>
+              <a:t>),%</a:t>
+            </a:r>
+            <a:r>
+              <a:rPr lang="en-US" sz="1050" dirty="0" err="1" smtClean="0">
+                <a:solidFill>
+                  <a:schemeClr val="bg2"/>
+                </a:solidFill>
+                <a:latin typeface="Consolas" pitchFamily="49" charset="0"/>
+                <a:ea typeface="ヒラギノ角ゴ Pro W3" charset="0"/>
+                <a:cs typeface="Consolas" pitchFamily="49" charset="0"/>
+              </a:rPr>
+              <a:t>rdi</a:t>
+            </a:r>
+            <a:endParaRPr lang="en-US" sz="1050" dirty="0" smtClean="0">
+              <a:solidFill>
+                <a:schemeClr val="bg2"/>
+              </a:solidFill>
+              <a:latin typeface="Consolas" pitchFamily="49" charset="0"/>
+              <a:ea typeface="ヒラギノ角ゴ Pro W3" charset="0"/>
+              <a:cs typeface="Consolas" pitchFamily="49" charset="0"/>
+            </a:endParaRPr>
+          </a:p>
+          <a:p>
+            <a:r>
+              <a:rPr lang="en-US" sz="1050" dirty="0" smtClean="0">
+                <a:solidFill>
+                  <a:schemeClr val="bg2"/>
+                </a:solidFill>
+                <a:latin typeface="Consolas" pitchFamily="49" charset="0"/>
+                <a:ea typeface="ヒラギノ角ゴ Pro W3" charset="0"/>
+                <a:cs typeface="Consolas" pitchFamily="49" charset="0"/>
+              </a:rPr>
+              <a:t>  400584:       e8 2b 00 00 00          </a:t>
+            </a:r>
+            <a:r>
+              <a:rPr lang="en-US" sz="1050" dirty="0" err="1" smtClean="0">
+                <a:solidFill>
+                  <a:schemeClr val="bg2"/>
+                </a:solidFill>
+                <a:latin typeface="Consolas" pitchFamily="49" charset="0"/>
+                <a:ea typeface="ヒラギノ角ゴ Pro W3" charset="0"/>
+                <a:cs typeface="Consolas" pitchFamily="49" charset="0"/>
+              </a:rPr>
+              <a:t>callq</a:t>
+            </a:r>
+            <a:r>
+              <a:rPr lang="en-US" sz="1050" dirty="0" smtClean="0">
+                <a:solidFill>
+                  <a:schemeClr val="bg2"/>
+                </a:solidFill>
+                <a:latin typeface="Consolas" pitchFamily="49" charset="0"/>
+                <a:ea typeface="ヒラギノ角ゴ Pro W3" charset="0"/>
+                <a:cs typeface="Consolas" pitchFamily="49" charset="0"/>
+              </a:rPr>
+              <a:t>  4005b4 &lt;_ZN1S3fooEv&gt;</a:t>
+            </a:r>
+          </a:p>
+          <a:p>
+            <a:r>
+              <a:rPr lang="en-US" sz="1050" dirty="0" smtClean="0">
+                <a:solidFill>
+                  <a:schemeClr val="bg2"/>
+                </a:solidFill>
+                <a:latin typeface="Consolas" pitchFamily="49" charset="0"/>
+                <a:ea typeface="ヒラギノ角ゴ Pro W3" charset="0"/>
+                <a:cs typeface="Consolas" pitchFamily="49" charset="0"/>
+              </a:rPr>
+              <a:t>  400589:       c9                      </a:t>
+            </a:r>
+            <a:r>
+              <a:rPr lang="en-US" sz="1050" dirty="0" err="1" smtClean="0">
+                <a:solidFill>
+                  <a:schemeClr val="bg2"/>
+                </a:solidFill>
+                <a:latin typeface="Consolas" pitchFamily="49" charset="0"/>
+                <a:ea typeface="ヒラギノ角ゴ Pro W3" charset="0"/>
+                <a:cs typeface="Consolas" pitchFamily="49" charset="0"/>
+              </a:rPr>
+              <a:t>leaveq</a:t>
+            </a:r>
+            <a:endParaRPr lang="en-US" sz="1050" dirty="0" smtClean="0">
+              <a:solidFill>
+                <a:schemeClr val="bg2"/>
+              </a:solidFill>
+              <a:latin typeface="Consolas" pitchFamily="49" charset="0"/>
+              <a:ea typeface="ヒラギノ角ゴ Pro W3" charset="0"/>
+              <a:cs typeface="Consolas" pitchFamily="49" charset="0"/>
+            </a:endParaRPr>
+          </a:p>
+          <a:p>
+            <a:r>
+              <a:rPr lang="en-US" sz="1050" dirty="0" smtClean="0">
+                <a:solidFill>
+                  <a:schemeClr val="bg2"/>
+                </a:solidFill>
+                <a:latin typeface="Consolas" pitchFamily="49" charset="0"/>
+                <a:ea typeface="ヒラギノ角ゴ Pro W3" charset="0"/>
+                <a:cs typeface="Consolas" pitchFamily="49" charset="0"/>
+              </a:rPr>
+              <a:t>  40058a:       c3                      </a:t>
+            </a:r>
+            <a:r>
+              <a:rPr lang="en-US" sz="1050" dirty="0" err="1" smtClean="0">
+                <a:solidFill>
+                  <a:schemeClr val="bg2"/>
+                </a:solidFill>
+                <a:latin typeface="Consolas" pitchFamily="49" charset="0"/>
+                <a:ea typeface="ヒラギノ角ゴ Pro W3" charset="0"/>
+                <a:cs typeface="Consolas" pitchFamily="49" charset="0"/>
+              </a:rPr>
+              <a:t>retq</a:t>
+            </a:r>
+            <a:endParaRPr lang="en-US" sz="1050" dirty="0" smtClean="0">
+              <a:solidFill>
+                <a:schemeClr val="bg2"/>
+              </a:solidFill>
+              <a:latin typeface="Consolas" pitchFamily="49" charset="0"/>
+              <a:ea typeface="ヒラギノ角ゴ Pro W3" charset="0"/>
+              <a:cs typeface="Consolas" pitchFamily="49" charset="0"/>
+            </a:endParaRPr>
+          </a:p>
+          <a:p>
+            <a:r>
+              <a:rPr lang="en-US" sz="1050" dirty="0" smtClean="0">
+                <a:solidFill>
+                  <a:schemeClr val="bg2"/>
+                </a:solidFill>
+                <a:latin typeface="Consolas" pitchFamily="49" charset="0"/>
+                <a:ea typeface="ヒラギノ角ゴ Pro W3" charset="0"/>
+                <a:cs typeface="Consolas" pitchFamily="49" charset="0"/>
+              </a:rPr>
+              <a:t>  40058b:       90                      </a:t>
+            </a:r>
+            <a:r>
+              <a:rPr lang="en-US" sz="1050" dirty="0" err="1" smtClean="0">
+                <a:solidFill>
+                  <a:schemeClr val="bg2"/>
+                </a:solidFill>
+                <a:latin typeface="Consolas" pitchFamily="49" charset="0"/>
+                <a:ea typeface="ヒラギノ角ゴ Pro W3" charset="0"/>
+                <a:cs typeface="Consolas" pitchFamily="49" charset="0"/>
+              </a:rPr>
+              <a:t>nop</a:t>
+            </a:r>
+            <a:endParaRPr lang="en-US" sz="1050" dirty="0" smtClean="0">
+              <a:solidFill>
+                <a:schemeClr val="bg2"/>
+              </a:solidFill>
+              <a:latin typeface="Consolas" pitchFamily="49" charset="0"/>
+              <a:ea typeface="ヒラギノ角ゴ Pro W3" charset="0"/>
+              <a:cs typeface="Consolas" pitchFamily="49" charset="0"/>
+            </a:endParaRPr>
+          </a:p>
+          <a:p>
+            <a:r>
+              <a:rPr lang="en-US" sz="1050" dirty="0" smtClean="0">
+                <a:solidFill>
+                  <a:schemeClr val="bg2"/>
+                </a:solidFill>
+                <a:latin typeface="Consolas" pitchFamily="49" charset="0"/>
+                <a:ea typeface="ヒラギノ角ゴ Pro W3" charset="0"/>
+                <a:cs typeface="Consolas" pitchFamily="49" charset="0"/>
+              </a:rPr>
+              <a:t>...</a:t>
+            </a:r>
+          </a:p>
+          <a:p>
+            <a:r>
+              <a:rPr lang="en-US" sz="1050" dirty="0" smtClean="0">
+                <a:solidFill>
+                  <a:schemeClr val="bg2"/>
+                </a:solidFill>
+                <a:latin typeface="Consolas" pitchFamily="49" charset="0"/>
+                <a:ea typeface="ヒラギノ角ゴ Pro W3" charset="0"/>
+                <a:cs typeface="Consolas" pitchFamily="49" charset="0"/>
+              </a:rPr>
+              <a:t>00000000004005e4 </a:t>
+            </a:r>
+            <a:r>
+              <a:rPr lang="en-US" sz="1050" dirty="0" smtClean="0">
+                <a:solidFill>
+                  <a:schemeClr val="bg2"/>
+                </a:solidFill>
+                <a:latin typeface="Consolas" pitchFamily="49" charset="0"/>
+                <a:ea typeface="ヒラギノ角ゴ Pro W3" charset="0"/>
+                <a:cs typeface="Consolas" pitchFamily="49" charset="0"/>
+              </a:rPr>
+              <a:t>&lt;_Z4fooBv&gt;:</a:t>
+            </a:r>
+          </a:p>
+          <a:p>
+            <a:r>
+              <a:rPr lang="en-US" sz="1050" dirty="0" smtClean="0">
+                <a:solidFill>
+                  <a:schemeClr val="bg2"/>
+                </a:solidFill>
+                <a:latin typeface="Consolas" pitchFamily="49" charset="0"/>
+                <a:ea typeface="ヒラギノ角ゴ Pro W3" charset="0"/>
+                <a:cs typeface="Consolas" pitchFamily="49" charset="0"/>
+              </a:rPr>
+              <a:t>  4005e4:       55                      push   %</a:t>
+            </a:r>
+            <a:r>
+              <a:rPr lang="en-US" sz="1050" dirty="0" err="1" smtClean="0">
+                <a:solidFill>
+                  <a:schemeClr val="bg2"/>
+                </a:solidFill>
+                <a:latin typeface="Consolas" pitchFamily="49" charset="0"/>
+                <a:ea typeface="ヒラギノ角ゴ Pro W3" charset="0"/>
+                <a:cs typeface="Consolas" pitchFamily="49" charset="0"/>
+              </a:rPr>
+              <a:t>rbp</a:t>
+            </a:r>
+            <a:endParaRPr lang="en-US" sz="1050" dirty="0" smtClean="0">
+              <a:solidFill>
+                <a:schemeClr val="bg2"/>
+              </a:solidFill>
+              <a:latin typeface="Consolas" pitchFamily="49" charset="0"/>
+              <a:ea typeface="ヒラギノ角ゴ Pro W3" charset="0"/>
+              <a:cs typeface="Consolas" pitchFamily="49" charset="0"/>
+            </a:endParaRPr>
+          </a:p>
+          <a:p>
+            <a:r>
+              <a:rPr lang="en-US" sz="1050" dirty="0" smtClean="0">
+                <a:solidFill>
+                  <a:schemeClr val="bg2"/>
+                </a:solidFill>
+                <a:latin typeface="Consolas" pitchFamily="49" charset="0"/>
+                <a:ea typeface="ヒラギノ角ゴ Pro W3" charset="0"/>
+                <a:cs typeface="Consolas" pitchFamily="49" charset="0"/>
+              </a:rPr>
+              <a:t>  4005e5:       48 89 e5                </a:t>
+            </a:r>
+            <a:r>
+              <a:rPr lang="en-US" sz="1050" dirty="0" err="1" smtClean="0">
+                <a:solidFill>
+                  <a:schemeClr val="bg2"/>
+                </a:solidFill>
+                <a:latin typeface="Consolas" pitchFamily="49" charset="0"/>
+                <a:ea typeface="ヒラギノ角ゴ Pro W3" charset="0"/>
+                <a:cs typeface="Consolas" pitchFamily="49" charset="0"/>
+              </a:rPr>
+              <a:t>mov</a:t>
+            </a:r>
+            <a:r>
+              <a:rPr lang="en-US" sz="1050" dirty="0" smtClean="0">
+                <a:solidFill>
+                  <a:schemeClr val="bg2"/>
+                </a:solidFill>
+                <a:latin typeface="Consolas" pitchFamily="49" charset="0"/>
+                <a:ea typeface="ヒラギノ角ゴ Pro W3" charset="0"/>
+                <a:cs typeface="Consolas" pitchFamily="49" charset="0"/>
+              </a:rPr>
+              <a:t>    %</a:t>
+            </a:r>
+            <a:r>
+              <a:rPr lang="en-US" sz="1050" dirty="0" err="1" smtClean="0">
+                <a:solidFill>
+                  <a:schemeClr val="bg2"/>
+                </a:solidFill>
+                <a:latin typeface="Consolas" pitchFamily="49" charset="0"/>
+                <a:ea typeface="ヒラギノ角ゴ Pro W3" charset="0"/>
+                <a:cs typeface="Consolas" pitchFamily="49" charset="0"/>
+              </a:rPr>
+              <a:t>rsp,%rbp</a:t>
+            </a:r>
+            <a:endParaRPr lang="en-US" sz="1050" dirty="0" smtClean="0">
+              <a:solidFill>
+                <a:schemeClr val="bg2"/>
+              </a:solidFill>
+              <a:latin typeface="Consolas" pitchFamily="49" charset="0"/>
+              <a:ea typeface="ヒラギノ角ゴ Pro W3" charset="0"/>
+              <a:cs typeface="Consolas" pitchFamily="49" charset="0"/>
+            </a:endParaRPr>
+          </a:p>
+          <a:p>
+            <a:r>
+              <a:rPr lang="en-US" sz="1050" dirty="0" smtClean="0">
+                <a:solidFill>
+                  <a:schemeClr val="bg2"/>
+                </a:solidFill>
+                <a:latin typeface="Consolas" pitchFamily="49" charset="0"/>
+                <a:ea typeface="ヒラギノ角ゴ Pro W3" charset="0"/>
+                <a:cs typeface="Consolas" pitchFamily="49" charset="0"/>
+              </a:rPr>
+              <a:t>  4005e8:       48 83 </a:t>
+            </a:r>
+            <a:r>
+              <a:rPr lang="en-US" sz="1050" dirty="0" err="1" smtClean="0">
+                <a:solidFill>
+                  <a:schemeClr val="bg2"/>
+                </a:solidFill>
+                <a:latin typeface="Consolas" pitchFamily="49" charset="0"/>
+                <a:ea typeface="ヒラギノ角ゴ Pro W3" charset="0"/>
+                <a:cs typeface="Consolas" pitchFamily="49" charset="0"/>
+              </a:rPr>
+              <a:t>ec</a:t>
+            </a:r>
+            <a:r>
+              <a:rPr lang="en-US" sz="1050" dirty="0" smtClean="0">
+                <a:solidFill>
+                  <a:schemeClr val="bg2"/>
+                </a:solidFill>
+                <a:latin typeface="Consolas" pitchFamily="49" charset="0"/>
+                <a:ea typeface="ヒラギノ角ゴ Pro W3" charset="0"/>
+                <a:cs typeface="Consolas" pitchFamily="49" charset="0"/>
+              </a:rPr>
+              <a:t> 10             sub    $0x10,%rsp</a:t>
+            </a:r>
+          </a:p>
+          <a:p>
+            <a:r>
+              <a:rPr lang="en-US" sz="1050" dirty="0" smtClean="0">
+                <a:solidFill>
+                  <a:schemeClr val="bg2"/>
+                </a:solidFill>
+                <a:latin typeface="Consolas" pitchFamily="49" charset="0"/>
+                <a:ea typeface="ヒラギノ角ゴ Pro W3" charset="0"/>
+                <a:cs typeface="Consolas" pitchFamily="49" charset="0"/>
+              </a:rPr>
+              <a:t>  4005ec:       48 8d 7d ff             lea    0xffffffffffffffff(%</a:t>
+            </a:r>
+            <a:r>
+              <a:rPr lang="en-US" sz="1050" dirty="0" err="1" smtClean="0">
+                <a:solidFill>
+                  <a:schemeClr val="bg2"/>
+                </a:solidFill>
+                <a:latin typeface="Consolas" pitchFamily="49" charset="0"/>
+                <a:ea typeface="ヒラギノ角ゴ Pro W3" charset="0"/>
+                <a:cs typeface="Consolas" pitchFamily="49" charset="0"/>
+              </a:rPr>
+              <a:t>rbp</a:t>
+            </a:r>
+            <a:r>
+              <a:rPr lang="en-US" sz="1050" dirty="0" smtClean="0">
+                <a:solidFill>
+                  <a:schemeClr val="bg2"/>
+                </a:solidFill>
+                <a:latin typeface="Consolas" pitchFamily="49" charset="0"/>
+                <a:ea typeface="ヒラギノ角ゴ Pro W3" charset="0"/>
+                <a:cs typeface="Consolas" pitchFamily="49" charset="0"/>
+              </a:rPr>
+              <a:t>),%</a:t>
+            </a:r>
+            <a:r>
+              <a:rPr lang="en-US" sz="1050" dirty="0" err="1" smtClean="0">
+                <a:solidFill>
+                  <a:schemeClr val="bg2"/>
+                </a:solidFill>
+                <a:latin typeface="Consolas" pitchFamily="49" charset="0"/>
+                <a:ea typeface="ヒラギノ角ゴ Pro W3" charset="0"/>
+                <a:cs typeface="Consolas" pitchFamily="49" charset="0"/>
+              </a:rPr>
+              <a:t>rdi</a:t>
+            </a:r>
+            <a:endParaRPr lang="en-US" sz="1050" dirty="0" smtClean="0">
+              <a:solidFill>
+                <a:schemeClr val="bg2"/>
+              </a:solidFill>
+              <a:latin typeface="Consolas" pitchFamily="49" charset="0"/>
+              <a:ea typeface="ヒラギノ角ゴ Pro W3" charset="0"/>
+              <a:cs typeface="Consolas" pitchFamily="49" charset="0"/>
+            </a:endParaRPr>
+          </a:p>
+          <a:p>
+            <a:r>
+              <a:rPr lang="en-US" sz="1050" dirty="0" smtClean="0">
+                <a:solidFill>
+                  <a:schemeClr val="bg2"/>
+                </a:solidFill>
+                <a:latin typeface="Consolas" pitchFamily="49" charset="0"/>
+                <a:ea typeface="ヒラギノ角ゴ Pro W3" charset="0"/>
+                <a:cs typeface="Consolas" pitchFamily="49" charset="0"/>
+              </a:rPr>
+              <a:t>  4005f0:       e8 bf ff </a:t>
+            </a:r>
+            <a:r>
+              <a:rPr lang="en-US" sz="1050" dirty="0" err="1" smtClean="0">
+                <a:solidFill>
+                  <a:schemeClr val="bg2"/>
+                </a:solidFill>
+                <a:latin typeface="Consolas" pitchFamily="49" charset="0"/>
+                <a:ea typeface="ヒラギノ角ゴ Pro W3" charset="0"/>
+                <a:cs typeface="Consolas" pitchFamily="49" charset="0"/>
+              </a:rPr>
+              <a:t>ff</a:t>
+            </a:r>
+            <a:r>
+              <a:rPr lang="en-US" sz="1050" dirty="0" smtClean="0">
+                <a:solidFill>
+                  <a:schemeClr val="bg2"/>
+                </a:solidFill>
+                <a:latin typeface="Consolas" pitchFamily="49" charset="0"/>
+                <a:ea typeface="ヒラギノ角ゴ Pro W3" charset="0"/>
+                <a:cs typeface="Consolas" pitchFamily="49" charset="0"/>
+              </a:rPr>
+              <a:t> </a:t>
+            </a:r>
+            <a:r>
+              <a:rPr lang="en-US" sz="1050" dirty="0" err="1" smtClean="0">
+                <a:solidFill>
+                  <a:schemeClr val="bg2"/>
+                </a:solidFill>
+                <a:latin typeface="Consolas" pitchFamily="49" charset="0"/>
+                <a:ea typeface="ヒラギノ角ゴ Pro W3" charset="0"/>
+                <a:cs typeface="Consolas" pitchFamily="49" charset="0"/>
+              </a:rPr>
+              <a:t>ff</a:t>
+            </a:r>
+            <a:r>
+              <a:rPr lang="en-US" sz="1050" dirty="0" smtClean="0">
+                <a:solidFill>
+                  <a:schemeClr val="bg2"/>
+                </a:solidFill>
+                <a:latin typeface="Consolas" pitchFamily="49" charset="0"/>
+                <a:ea typeface="ヒラギノ角ゴ Pro W3" charset="0"/>
+                <a:cs typeface="Consolas" pitchFamily="49" charset="0"/>
+              </a:rPr>
+              <a:t>          </a:t>
+            </a:r>
+            <a:r>
+              <a:rPr lang="en-US" sz="1050" dirty="0" err="1" smtClean="0">
+                <a:solidFill>
+                  <a:schemeClr val="bg2"/>
+                </a:solidFill>
+                <a:latin typeface="Consolas" pitchFamily="49" charset="0"/>
+                <a:ea typeface="ヒラギノ角ゴ Pro W3" charset="0"/>
+                <a:cs typeface="Consolas" pitchFamily="49" charset="0"/>
+              </a:rPr>
+              <a:t>callq</a:t>
+            </a:r>
+            <a:r>
+              <a:rPr lang="en-US" sz="1050" dirty="0" smtClean="0">
+                <a:solidFill>
+                  <a:schemeClr val="bg2"/>
+                </a:solidFill>
+                <a:latin typeface="Consolas" pitchFamily="49" charset="0"/>
+                <a:ea typeface="ヒラギノ角ゴ Pro W3" charset="0"/>
+                <a:cs typeface="Consolas" pitchFamily="49" charset="0"/>
+              </a:rPr>
+              <a:t>  4005b4 &lt;_ZN1S3fooEv&gt;</a:t>
+            </a:r>
+          </a:p>
+          <a:p>
+            <a:r>
+              <a:rPr lang="en-US" sz="1050" dirty="0" smtClean="0">
+                <a:solidFill>
+                  <a:schemeClr val="bg2"/>
+                </a:solidFill>
+                <a:latin typeface="Consolas" pitchFamily="49" charset="0"/>
+                <a:ea typeface="ヒラギノ角ゴ Pro W3" charset="0"/>
+                <a:cs typeface="Consolas" pitchFamily="49" charset="0"/>
+              </a:rPr>
+              <a:t>  4005f5:       c9                      </a:t>
+            </a:r>
+            <a:r>
+              <a:rPr lang="en-US" sz="1050" dirty="0" err="1" smtClean="0">
+                <a:solidFill>
+                  <a:schemeClr val="bg2"/>
+                </a:solidFill>
+                <a:latin typeface="Consolas" pitchFamily="49" charset="0"/>
+                <a:ea typeface="ヒラギノ角ゴ Pro W3" charset="0"/>
+                <a:cs typeface="Consolas" pitchFamily="49" charset="0"/>
+              </a:rPr>
+              <a:t>leaveq</a:t>
+            </a:r>
+            <a:endParaRPr lang="en-US" sz="1050" dirty="0" smtClean="0">
+              <a:solidFill>
+                <a:schemeClr val="bg2"/>
+              </a:solidFill>
+              <a:latin typeface="Consolas" pitchFamily="49" charset="0"/>
+              <a:ea typeface="ヒラギノ角ゴ Pro W3" charset="0"/>
+              <a:cs typeface="Consolas" pitchFamily="49" charset="0"/>
+            </a:endParaRPr>
+          </a:p>
+          <a:p>
+            <a:r>
+              <a:rPr lang="en-US" sz="1050" dirty="0" smtClean="0">
+                <a:solidFill>
+                  <a:schemeClr val="bg2"/>
+                </a:solidFill>
+                <a:latin typeface="Consolas" pitchFamily="49" charset="0"/>
+                <a:ea typeface="ヒラギノ角ゴ Pro W3" charset="0"/>
+                <a:cs typeface="Consolas" pitchFamily="49" charset="0"/>
+              </a:rPr>
+              <a:t>  4005f6:       c3                      </a:t>
+            </a:r>
+            <a:r>
+              <a:rPr lang="en-US" sz="1050" dirty="0" err="1" smtClean="0">
+                <a:solidFill>
+                  <a:schemeClr val="bg2"/>
+                </a:solidFill>
+                <a:latin typeface="Consolas" pitchFamily="49" charset="0"/>
+                <a:ea typeface="ヒラギノ角ゴ Pro W3" charset="0"/>
+                <a:cs typeface="Consolas" pitchFamily="49" charset="0"/>
+              </a:rPr>
+              <a:t>retq</a:t>
+            </a:r>
+            <a:endParaRPr lang="en-US" sz="1050" dirty="0" smtClean="0">
+              <a:solidFill>
+                <a:schemeClr val="bg2"/>
+              </a:solidFill>
+              <a:latin typeface="Consolas" pitchFamily="49" charset="0"/>
+              <a:ea typeface="ヒラギノ角ゴ Pro W3" charset="0"/>
+              <a:cs typeface="Consolas" pitchFamily="49" charset="0"/>
+            </a:endParaRPr>
+          </a:p>
+          <a:p>
+            <a:r>
+              <a:rPr lang="en-US" sz="1050" dirty="0" smtClean="0">
+                <a:solidFill>
+                  <a:schemeClr val="bg2"/>
+                </a:solidFill>
+                <a:latin typeface="Consolas" pitchFamily="49" charset="0"/>
+                <a:ea typeface="ヒラギノ角ゴ Pro W3" charset="0"/>
+                <a:cs typeface="Consolas" pitchFamily="49" charset="0"/>
+              </a:rPr>
+              <a:t>  4005f7:       90                      </a:t>
+            </a:r>
+            <a:r>
+              <a:rPr lang="en-US" sz="1050" dirty="0" err="1" smtClean="0">
+                <a:solidFill>
+                  <a:schemeClr val="bg2"/>
+                </a:solidFill>
+                <a:latin typeface="Consolas" pitchFamily="49" charset="0"/>
+                <a:ea typeface="ヒラギノ角ゴ Pro W3" charset="0"/>
+                <a:cs typeface="Consolas" pitchFamily="49" charset="0"/>
+              </a:rPr>
+              <a:t>nop</a:t>
+            </a:r>
+            <a:endParaRPr lang="en-US" sz="1050" dirty="0" smtClean="0">
+              <a:solidFill>
+                <a:schemeClr val="bg2"/>
+              </a:solidFill>
+              <a:latin typeface="Consolas" pitchFamily="49" charset="0"/>
+              <a:ea typeface="ヒラギノ角ゴ Pro W3" charset="0"/>
+              <a:cs typeface="Consolas" pitchFamily="49" charset="0"/>
+            </a:endParaRPr>
+          </a:p>
+          <a:p>
+            <a:r>
+              <a:rPr lang="en-US" sz="1050" dirty="0" smtClean="0">
+                <a:solidFill>
+                  <a:schemeClr val="bg2"/>
+                </a:solidFill>
+                <a:latin typeface="Consolas" pitchFamily="49" charset="0"/>
+                <a:ea typeface="ヒラギノ角ゴ Pro W3" charset="0"/>
+                <a:cs typeface="Consolas" pitchFamily="49" charset="0"/>
+              </a:rPr>
+              <a:t>...</a:t>
+            </a:r>
+            <a:endParaRPr lang="en-US" sz="1050" dirty="0" smtClean="0">
+              <a:solidFill>
+                <a:schemeClr val="bg2"/>
+              </a:solidFill>
+              <a:latin typeface="Consolas" pitchFamily="49" charset="0"/>
+              <a:ea typeface="ヒラギノ角ゴ Pro W3" charset="0"/>
+              <a:cs typeface="Consolas" pitchFamily="49" charset="0"/>
+            </a:endParaRPr>
           </a:p>
         </p:txBody>
       </p:sp>
@@ -14531,7 +14082,7 @@
         </p:nvSpPr>
         <p:spPr>
           <a:xfrm>
-            <a:off x="416169" y="435143"/>
+            <a:off x="416169" y="219119"/>
             <a:ext cx="8229600" cy="480423"/>
           </a:xfrm>
         </p:spPr>
@@ -14542,7 +14093,11 @@
             <a:pPr algn="ctr"/>
             <a:r>
               <a:rPr lang="en-US" sz="3200" dirty="0" smtClean="0"/>
-              <a:t>Do linker throws away unused code?</a:t>
+              <a:t>Hereditary </a:t>
+            </a:r>
+            <a:r>
+              <a:rPr lang="en-US" sz="3200" dirty="0" smtClean="0"/>
+              <a:t>disease</a:t>
             </a:r>
             <a:endParaRPr lang="en-US" sz="3200" dirty="0"/>
           </a:p>
@@ -14608,76 +14163,797 @@
       </p:sp>
       <p:sp>
         <p:nvSpPr>
-          <p:cNvPr id="5" name="Content Placeholder 2"/>
-          <p:cNvSpPr txBox="1">
-            <a:spLocks/>
-          </p:cNvSpPr>
+          <p:cNvPr id="11" name="Rectangle 10"/>
+          <p:cNvSpPr/>
           <p:nvPr/>
         </p:nvSpPr>
-        <p:spPr bwMode="auto">
+        <p:spPr>
           <a:xfrm>
-            <a:off x="570520" y="1203598"/>
-            <a:ext cx="8227649" cy="2952328"/>
+            <a:off x="1475656" y="802903"/>
+            <a:ext cx="5788764" cy="3647152"/>
           </a:xfrm>
           <a:prstGeom prst="rect">
             <a:avLst/>
           </a:prstGeom>
-          <a:noFill/>
-          <a:ln w="9525">
-            <a:noFill/>
-            <a:miter lim="800000"/>
-            <a:headEnd/>
-            <a:tailEnd/>
-          </a:ln>
         </p:spPr>
         <p:txBody>
-          <a:bodyPr vert="horz" wrap="square" lIns="0" tIns="0" rIns="0" bIns="0" numCol="1" anchor="t" anchorCtr="0" compatLnSpc="1">
-            <a:prstTxWarp prst="textNoShape">
-              <a:avLst/>
-            </a:prstTxWarp>
+          <a:bodyPr wrap="none">
+            <a:spAutoFit/>
           </a:bodyPr>
           <a:lstStyle/>
           <a:p>
-            <a:pPr marL="458788" marR="0" lvl="1" indent="-228600" algn="l" defTabSz="457200" rtl="0" eaLnBrk="1" fontAlgn="base" latinLnBrk="0" hangingPunct="1">
-              <a:lnSpc>
-                <a:spcPct val="100000"/>
-              </a:lnSpc>
-              <a:spcBef>
-                <a:spcPct val="0"/>
-              </a:spcBef>
-              <a:spcAft>
-                <a:spcPts val="600"/>
-              </a:spcAft>
-              <a:buClrTx/>
-              <a:buSzTx/>
-              <a:buFont typeface="Arial" pitchFamily="34" charset="0"/>
-              <a:buChar char="•"/>
-              <a:tabLst/>
-              <a:defRPr/>
-            </a:pPr>
-            <a:r>
-              <a:rPr lang="en-US" sz="2400" dirty="0" smtClean="0">
-                <a:solidFill>
-                  <a:schemeClr val="bg2"/>
-                </a:solidFill>
-                <a:latin typeface="+mn-lt"/>
-                <a:ea typeface="ヒラギノ角ゴ Pro W3" charset="0"/>
-              </a:rPr>
-              <a:t>Prepare example of another mistake with unused code.</a:t>
-            </a:r>
-            <a:endParaRPr kumimoji="0" lang="en-US" sz="2400" b="0" i="0" u="none" strike="noStrike" kern="1200" cap="none" spc="0" normalizeH="0" baseline="0" noProof="0" dirty="0" smtClean="0">
-              <a:ln>
-                <a:noFill/>
-              </a:ln>
+            <a:r>
+              <a:rPr lang="en-US" sz="1050" dirty="0" smtClean="0">
+                <a:solidFill>
+                  <a:schemeClr val="bg2"/>
+                </a:solidFill>
+                <a:latin typeface="Consolas" pitchFamily="49" charset="0"/>
+                <a:ea typeface="ヒラギノ角ゴ Pro W3" charset="0"/>
+                <a:cs typeface="Consolas" pitchFamily="49" charset="0"/>
+              </a:rPr>
+              <a:t>$ </a:t>
+            </a:r>
+            <a:r>
+              <a:rPr lang="en-US" sz="1050" dirty="0" err="1" smtClean="0">
+                <a:solidFill>
+                  <a:schemeClr val="bg2"/>
+                </a:solidFill>
+                <a:latin typeface="Consolas" pitchFamily="49" charset="0"/>
+                <a:ea typeface="ヒラギノ角ゴ Pro W3" charset="0"/>
+                <a:cs typeface="Consolas" pitchFamily="49" charset="0"/>
+              </a:rPr>
+              <a:t>objdump</a:t>
+            </a:r>
+            <a:r>
+              <a:rPr lang="en-US" sz="1050" dirty="0" smtClean="0">
+                <a:solidFill>
+                  <a:schemeClr val="bg2"/>
+                </a:solidFill>
+                <a:latin typeface="Consolas" pitchFamily="49" charset="0"/>
+                <a:ea typeface="ヒラギノ角ゴ Pro W3" charset="0"/>
+                <a:cs typeface="Consolas" pitchFamily="49" charset="0"/>
+              </a:rPr>
+              <a:t> -d </a:t>
+            </a:r>
+            <a:r>
+              <a:rPr lang="en-US" sz="1050" dirty="0" err="1" smtClean="0">
+                <a:solidFill>
+                  <a:schemeClr val="bg2"/>
+                </a:solidFill>
+                <a:latin typeface="Consolas" pitchFamily="49" charset="0"/>
+                <a:ea typeface="ヒラギノ角ゴ Pro W3" charset="0"/>
+                <a:cs typeface="Consolas" pitchFamily="49" charset="0"/>
+              </a:rPr>
+              <a:t>simpleExample</a:t>
+            </a:r>
+            <a:endParaRPr lang="en-US" sz="1050" dirty="0" smtClean="0">
               <a:solidFill>
                 <a:schemeClr val="bg2"/>
               </a:solidFill>
-              <a:effectLst/>
-              <a:uLnTx/>
-              <a:uFillTx/>
+              <a:latin typeface="Consolas" pitchFamily="49" charset="0"/>
+              <a:ea typeface="ヒラギノ角ゴ Pro W3" charset="0"/>
+              <a:cs typeface="Consolas" pitchFamily="49" charset="0"/>
+            </a:endParaRPr>
+          </a:p>
+          <a:p>
+            <a:endParaRPr lang="en-US" sz="1050" dirty="0" smtClean="0">
+              <a:solidFill>
+                <a:schemeClr val="bg2"/>
+              </a:solidFill>
+              <a:latin typeface="Consolas" pitchFamily="49" charset="0"/>
+              <a:ea typeface="ヒラギノ角ゴ Pro W3" charset="0"/>
+              <a:cs typeface="Consolas" pitchFamily="49" charset="0"/>
+            </a:endParaRPr>
+          </a:p>
+          <a:p>
+            <a:r>
+              <a:rPr lang="en-US" sz="1050" dirty="0" smtClean="0">
+                <a:solidFill>
+                  <a:schemeClr val="bg2"/>
+                </a:solidFill>
+                <a:latin typeface="Consolas" pitchFamily="49" charset="0"/>
+                <a:ea typeface="ヒラギノ角ゴ Pro W3" charset="0"/>
+                <a:cs typeface="Consolas" pitchFamily="49" charset="0"/>
+              </a:rPr>
+              <a:t>...</a:t>
+            </a:r>
+          </a:p>
+          <a:p>
+            <a:r>
+              <a:rPr lang="en-US" sz="1050" dirty="0" smtClean="0">
+                <a:solidFill>
+                  <a:schemeClr val="bg2"/>
+                </a:solidFill>
+                <a:latin typeface="Consolas" pitchFamily="49" charset="0"/>
+                <a:ea typeface="ヒラギノ角ゴ Pro W3" charset="0"/>
+                <a:cs typeface="Consolas" pitchFamily="49" charset="0"/>
+              </a:rPr>
+              <a:t>00000000004005b4 </a:t>
+            </a:r>
+            <a:r>
+              <a:rPr lang="en-US" sz="1050" dirty="0" smtClean="0">
+                <a:solidFill>
+                  <a:schemeClr val="bg2"/>
+                </a:solidFill>
+                <a:latin typeface="Consolas" pitchFamily="49" charset="0"/>
+                <a:ea typeface="ヒラギノ角ゴ Pro W3" charset="0"/>
+                <a:cs typeface="Consolas" pitchFamily="49" charset="0"/>
+              </a:rPr>
+              <a:t>&lt;_ZN1S3fooEv&gt;:</a:t>
+            </a:r>
+          </a:p>
+          <a:p>
+            <a:r>
+              <a:rPr lang="en-US" sz="1050" dirty="0" smtClean="0">
+                <a:solidFill>
+                  <a:schemeClr val="bg2"/>
+                </a:solidFill>
+                <a:latin typeface="Consolas" pitchFamily="49" charset="0"/>
+                <a:ea typeface="ヒラギノ角ゴ Pro W3" charset="0"/>
+                <a:cs typeface="Consolas" pitchFamily="49" charset="0"/>
+              </a:rPr>
+              <a:t>  4005b4:       55                      push   %</a:t>
+            </a:r>
+            <a:r>
+              <a:rPr lang="en-US" sz="1050" dirty="0" err="1" smtClean="0">
+                <a:solidFill>
+                  <a:schemeClr val="bg2"/>
+                </a:solidFill>
+                <a:latin typeface="Consolas" pitchFamily="49" charset="0"/>
+                <a:ea typeface="ヒラギノ角ゴ Pro W3" charset="0"/>
+                <a:cs typeface="Consolas" pitchFamily="49" charset="0"/>
+              </a:rPr>
+              <a:t>rbp</a:t>
+            </a:r>
+            <a:endParaRPr lang="en-US" sz="1050" dirty="0" smtClean="0">
+              <a:solidFill>
+                <a:schemeClr val="bg2"/>
+              </a:solidFill>
+              <a:latin typeface="Consolas" pitchFamily="49" charset="0"/>
+              <a:ea typeface="ヒラギノ角ゴ Pro W3" charset="0"/>
+              <a:cs typeface="Consolas" pitchFamily="49" charset="0"/>
+            </a:endParaRPr>
+          </a:p>
+          <a:p>
+            <a:r>
+              <a:rPr lang="en-US" sz="1050" dirty="0" smtClean="0">
+                <a:solidFill>
+                  <a:schemeClr val="bg2"/>
+                </a:solidFill>
+                <a:latin typeface="Consolas" pitchFamily="49" charset="0"/>
+                <a:ea typeface="ヒラギノ角ゴ Pro W3" charset="0"/>
+                <a:cs typeface="Consolas" pitchFamily="49" charset="0"/>
+              </a:rPr>
+              <a:t>  4005b5:       48 89 e5                </a:t>
+            </a:r>
+            <a:r>
+              <a:rPr lang="en-US" sz="1050" dirty="0" err="1" smtClean="0">
+                <a:solidFill>
+                  <a:schemeClr val="bg2"/>
+                </a:solidFill>
+                <a:latin typeface="Consolas" pitchFamily="49" charset="0"/>
+                <a:ea typeface="ヒラギノ角ゴ Pro W3" charset="0"/>
+                <a:cs typeface="Consolas" pitchFamily="49" charset="0"/>
+              </a:rPr>
+              <a:t>mov</a:t>
+            </a:r>
+            <a:r>
+              <a:rPr lang="en-US" sz="1050" dirty="0" smtClean="0">
+                <a:solidFill>
+                  <a:schemeClr val="bg2"/>
+                </a:solidFill>
+                <a:latin typeface="Consolas" pitchFamily="49" charset="0"/>
+                <a:ea typeface="ヒラギノ角ゴ Pro W3" charset="0"/>
+                <a:cs typeface="Consolas" pitchFamily="49" charset="0"/>
+              </a:rPr>
+              <a:t>    %</a:t>
+            </a:r>
+            <a:r>
+              <a:rPr lang="en-US" sz="1050" dirty="0" err="1" smtClean="0">
+                <a:solidFill>
+                  <a:schemeClr val="bg2"/>
+                </a:solidFill>
+                <a:latin typeface="Consolas" pitchFamily="49" charset="0"/>
+                <a:ea typeface="ヒラギノ角ゴ Pro W3" charset="0"/>
+                <a:cs typeface="Consolas" pitchFamily="49" charset="0"/>
+              </a:rPr>
+              <a:t>rsp,%rbp</a:t>
+            </a:r>
+            <a:endParaRPr lang="en-US" sz="1050" dirty="0" smtClean="0">
+              <a:solidFill>
+                <a:schemeClr val="bg2"/>
+              </a:solidFill>
+              <a:latin typeface="Consolas" pitchFamily="49" charset="0"/>
+              <a:ea typeface="ヒラギノ角ゴ Pro W3" charset="0"/>
+              <a:cs typeface="Consolas" pitchFamily="49" charset="0"/>
+            </a:endParaRPr>
+          </a:p>
+          <a:p>
+            <a:r>
+              <a:rPr lang="en-US" sz="1050" dirty="0" smtClean="0">
+                <a:solidFill>
+                  <a:schemeClr val="bg2"/>
+                </a:solidFill>
+                <a:latin typeface="Consolas" pitchFamily="49" charset="0"/>
+                <a:ea typeface="ヒラギノ角ゴ Pro W3" charset="0"/>
+                <a:cs typeface="Consolas" pitchFamily="49" charset="0"/>
+              </a:rPr>
+              <a:t>  4005b8:       48 83 </a:t>
+            </a:r>
+            <a:r>
+              <a:rPr lang="en-US" sz="1050" dirty="0" err="1" smtClean="0">
+                <a:solidFill>
+                  <a:schemeClr val="bg2"/>
+                </a:solidFill>
+                <a:latin typeface="Consolas" pitchFamily="49" charset="0"/>
+                <a:ea typeface="ヒラギノ角ゴ Pro W3" charset="0"/>
+                <a:cs typeface="Consolas" pitchFamily="49" charset="0"/>
+              </a:rPr>
+              <a:t>ec</a:t>
+            </a:r>
+            <a:r>
+              <a:rPr lang="en-US" sz="1050" dirty="0" smtClean="0">
+                <a:solidFill>
+                  <a:schemeClr val="bg2"/>
+                </a:solidFill>
+                <a:latin typeface="Consolas" pitchFamily="49" charset="0"/>
+                <a:ea typeface="ヒラギノ角ゴ Pro W3" charset="0"/>
+                <a:cs typeface="Consolas" pitchFamily="49" charset="0"/>
+              </a:rPr>
+              <a:t> 10             sub    $0x10,%rsp</a:t>
+            </a:r>
+          </a:p>
+          <a:p>
+            <a:r>
+              <a:rPr lang="en-US" sz="1050" dirty="0" smtClean="0">
+                <a:solidFill>
+                  <a:schemeClr val="bg2"/>
+                </a:solidFill>
+                <a:latin typeface="Consolas" pitchFamily="49" charset="0"/>
+                <a:ea typeface="ヒラギノ角ゴ Pro W3" charset="0"/>
+                <a:cs typeface="Consolas" pitchFamily="49" charset="0"/>
+              </a:rPr>
+              <a:t>  4005bc:       48 89 7d f8             </a:t>
+            </a:r>
+            <a:r>
+              <a:rPr lang="en-US" sz="1050" dirty="0" err="1" smtClean="0">
+                <a:solidFill>
+                  <a:schemeClr val="bg2"/>
+                </a:solidFill>
+                <a:latin typeface="Consolas" pitchFamily="49" charset="0"/>
+                <a:ea typeface="ヒラギノ角ゴ Pro W3" charset="0"/>
+                <a:cs typeface="Consolas" pitchFamily="49" charset="0"/>
+              </a:rPr>
+              <a:t>mov</a:t>
+            </a:r>
+            <a:r>
+              <a:rPr lang="en-US" sz="1050" dirty="0" smtClean="0">
+                <a:solidFill>
+                  <a:schemeClr val="bg2"/>
+                </a:solidFill>
+                <a:latin typeface="Consolas" pitchFamily="49" charset="0"/>
+                <a:ea typeface="ヒラギノ角ゴ Pro W3" charset="0"/>
+                <a:cs typeface="Consolas" pitchFamily="49" charset="0"/>
+              </a:rPr>
+              <a:t>    %rdi,0xfffffffffffffff8(%</a:t>
+            </a:r>
+            <a:r>
+              <a:rPr lang="en-US" sz="1050" dirty="0" err="1" smtClean="0">
+                <a:solidFill>
+                  <a:schemeClr val="bg2"/>
+                </a:solidFill>
+                <a:latin typeface="Consolas" pitchFamily="49" charset="0"/>
+                <a:ea typeface="ヒラギノ角ゴ Pro W3" charset="0"/>
+                <a:cs typeface="Consolas" pitchFamily="49" charset="0"/>
+              </a:rPr>
+              <a:t>rbp</a:t>
+            </a:r>
+            <a:r>
+              <a:rPr lang="en-US" sz="1050" dirty="0" smtClean="0">
+                <a:solidFill>
+                  <a:schemeClr val="bg2"/>
+                </a:solidFill>
+                <a:latin typeface="Consolas" pitchFamily="49" charset="0"/>
+                <a:ea typeface="ヒラギノ角ゴ Pro W3" charset="0"/>
+                <a:cs typeface="Consolas" pitchFamily="49" charset="0"/>
+              </a:rPr>
+              <a:t>)</a:t>
+            </a:r>
+          </a:p>
+          <a:p>
+            <a:r>
+              <a:rPr lang="en-US" sz="1050" dirty="0" smtClean="0">
+                <a:solidFill>
+                  <a:schemeClr val="bg2"/>
+                </a:solidFill>
+                <a:latin typeface="Consolas" pitchFamily="49" charset="0"/>
+                <a:ea typeface="ヒラギノ角ゴ Pro W3" charset="0"/>
+                <a:cs typeface="Consolas" pitchFamily="49" charset="0"/>
+              </a:rPr>
+              <a:t>  4005c0:       bf 08 07 40 00          </a:t>
+            </a:r>
+            <a:r>
+              <a:rPr lang="en-US" sz="1050" dirty="0" err="1" smtClean="0">
+                <a:solidFill>
+                  <a:schemeClr val="bg2"/>
+                </a:solidFill>
+                <a:latin typeface="Consolas" pitchFamily="49" charset="0"/>
+                <a:ea typeface="ヒラギノ角ゴ Pro W3" charset="0"/>
+                <a:cs typeface="Consolas" pitchFamily="49" charset="0"/>
+              </a:rPr>
+              <a:t>mov</a:t>
+            </a:r>
+            <a:r>
+              <a:rPr lang="en-US" sz="1050" dirty="0" smtClean="0">
+                <a:solidFill>
+                  <a:schemeClr val="bg2"/>
+                </a:solidFill>
+                <a:latin typeface="Consolas" pitchFamily="49" charset="0"/>
+                <a:ea typeface="ヒラギノ角ゴ Pro W3" charset="0"/>
+                <a:cs typeface="Consolas" pitchFamily="49" charset="0"/>
+              </a:rPr>
+              <a:t>    $0x400708,%edi</a:t>
+            </a:r>
+          </a:p>
+          <a:p>
+            <a:r>
+              <a:rPr lang="en-US" sz="1050" dirty="0" smtClean="0">
+                <a:solidFill>
+                  <a:schemeClr val="bg2"/>
+                </a:solidFill>
+                <a:latin typeface="Consolas" pitchFamily="49" charset="0"/>
+                <a:ea typeface="ヒラギノ角ゴ Pro W3" charset="0"/>
+                <a:cs typeface="Consolas" pitchFamily="49" charset="0"/>
+              </a:rPr>
+              <a:t>  4005c5:       e8 9e </a:t>
+            </a:r>
+            <a:r>
+              <a:rPr lang="en-US" sz="1050" dirty="0" err="1" smtClean="0">
+                <a:solidFill>
+                  <a:schemeClr val="bg2"/>
+                </a:solidFill>
+                <a:latin typeface="Consolas" pitchFamily="49" charset="0"/>
+                <a:ea typeface="ヒラギノ角ゴ Pro W3" charset="0"/>
+                <a:cs typeface="Consolas" pitchFamily="49" charset="0"/>
+              </a:rPr>
+              <a:t>fe</a:t>
+            </a:r>
+            <a:r>
+              <a:rPr lang="en-US" sz="1050" dirty="0" smtClean="0">
+                <a:solidFill>
+                  <a:schemeClr val="bg2"/>
+                </a:solidFill>
+                <a:latin typeface="Consolas" pitchFamily="49" charset="0"/>
+                <a:ea typeface="ヒラギノ角ゴ Pro W3" charset="0"/>
+                <a:cs typeface="Consolas" pitchFamily="49" charset="0"/>
+              </a:rPr>
+              <a:t> ff </a:t>
+            </a:r>
+            <a:r>
+              <a:rPr lang="en-US" sz="1050" dirty="0" err="1" smtClean="0">
+                <a:solidFill>
+                  <a:schemeClr val="bg2"/>
+                </a:solidFill>
+                <a:latin typeface="Consolas" pitchFamily="49" charset="0"/>
+                <a:ea typeface="ヒラギノ角ゴ Pro W3" charset="0"/>
+                <a:cs typeface="Consolas" pitchFamily="49" charset="0"/>
+              </a:rPr>
+              <a:t>ff</a:t>
+            </a:r>
+            <a:r>
+              <a:rPr lang="en-US" sz="1050" dirty="0" smtClean="0">
+                <a:solidFill>
+                  <a:schemeClr val="bg2"/>
+                </a:solidFill>
+                <a:latin typeface="Consolas" pitchFamily="49" charset="0"/>
+                <a:ea typeface="ヒラギノ角ゴ Pro W3" charset="0"/>
+                <a:cs typeface="Consolas" pitchFamily="49" charset="0"/>
+              </a:rPr>
+              <a:t>          </a:t>
+            </a:r>
+            <a:r>
+              <a:rPr lang="en-US" sz="1050" dirty="0" err="1" smtClean="0">
+                <a:solidFill>
+                  <a:schemeClr val="bg2"/>
+                </a:solidFill>
+                <a:latin typeface="Consolas" pitchFamily="49" charset="0"/>
+                <a:ea typeface="ヒラギノ角ゴ Pro W3" charset="0"/>
+                <a:cs typeface="Consolas" pitchFamily="49" charset="0"/>
+              </a:rPr>
+              <a:t>callq</a:t>
+            </a:r>
+            <a:r>
+              <a:rPr lang="en-US" sz="1050" dirty="0" smtClean="0">
+                <a:solidFill>
+                  <a:schemeClr val="bg2"/>
+                </a:solidFill>
+                <a:latin typeface="Consolas" pitchFamily="49" charset="0"/>
+                <a:ea typeface="ヒラギノ角ゴ Pro W3" charset="0"/>
+                <a:cs typeface="Consolas" pitchFamily="49" charset="0"/>
+              </a:rPr>
+              <a:t>  400468 &lt;</a:t>
+            </a:r>
+            <a:r>
+              <a:rPr lang="en-US" sz="1050" dirty="0" err="1" smtClean="0">
+                <a:solidFill>
+                  <a:schemeClr val="bg2"/>
+                </a:solidFill>
+                <a:latin typeface="Consolas" pitchFamily="49" charset="0"/>
+                <a:ea typeface="ヒラギノ角ゴ Pro W3" charset="0"/>
+                <a:cs typeface="Consolas" pitchFamily="49" charset="0"/>
+              </a:rPr>
+              <a:t>puts@plt</a:t>
+            </a:r>
+            <a:r>
+              <a:rPr lang="en-US" sz="1050" dirty="0" smtClean="0">
+                <a:solidFill>
+                  <a:schemeClr val="bg2"/>
+                </a:solidFill>
+                <a:latin typeface="Consolas" pitchFamily="49" charset="0"/>
+                <a:ea typeface="ヒラギノ角ゴ Pro W3" charset="0"/>
+                <a:cs typeface="Consolas" pitchFamily="49" charset="0"/>
+              </a:rPr>
+              <a:t>&gt;</a:t>
+            </a:r>
+          </a:p>
+          <a:p>
+            <a:r>
+              <a:rPr lang="en-US" sz="1050" dirty="0" smtClean="0">
+                <a:solidFill>
+                  <a:schemeClr val="bg2"/>
+                </a:solidFill>
+                <a:latin typeface="Consolas" pitchFamily="49" charset="0"/>
+                <a:ea typeface="ヒラギノ角ゴ Pro W3" charset="0"/>
+                <a:cs typeface="Consolas" pitchFamily="49" charset="0"/>
+              </a:rPr>
+              <a:t>  4005ca:       c9                      </a:t>
+            </a:r>
+            <a:r>
+              <a:rPr lang="en-US" sz="1050" dirty="0" err="1" smtClean="0">
+                <a:solidFill>
+                  <a:schemeClr val="bg2"/>
+                </a:solidFill>
+                <a:latin typeface="Consolas" pitchFamily="49" charset="0"/>
+                <a:ea typeface="ヒラギノ角ゴ Pro W3" charset="0"/>
+                <a:cs typeface="Consolas" pitchFamily="49" charset="0"/>
+              </a:rPr>
+              <a:t>leaveq</a:t>
+            </a:r>
+            <a:endParaRPr lang="en-US" sz="1050" dirty="0" smtClean="0">
+              <a:solidFill>
+                <a:schemeClr val="bg2"/>
+              </a:solidFill>
+              <a:latin typeface="Consolas" pitchFamily="49" charset="0"/>
+              <a:ea typeface="ヒラギノ角ゴ Pro W3" charset="0"/>
+              <a:cs typeface="Consolas" pitchFamily="49" charset="0"/>
+            </a:endParaRPr>
+          </a:p>
+          <a:p>
+            <a:r>
+              <a:rPr lang="en-US" sz="1050" dirty="0" smtClean="0">
+                <a:solidFill>
+                  <a:schemeClr val="bg2"/>
+                </a:solidFill>
+                <a:latin typeface="Consolas" pitchFamily="49" charset="0"/>
+                <a:ea typeface="ヒラギノ角ゴ Pro W3" charset="0"/>
+                <a:cs typeface="Consolas" pitchFamily="49" charset="0"/>
+              </a:rPr>
+              <a:t>  4005cb:       c3                      </a:t>
+            </a:r>
+            <a:r>
+              <a:rPr lang="en-US" sz="1050" dirty="0" err="1" smtClean="0">
+                <a:solidFill>
+                  <a:schemeClr val="bg2"/>
+                </a:solidFill>
+                <a:latin typeface="Consolas" pitchFamily="49" charset="0"/>
+                <a:ea typeface="ヒラギノ角ゴ Pro W3" charset="0"/>
+                <a:cs typeface="Consolas" pitchFamily="49" charset="0"/>
+              </a:rPr>
+              <a:t>retq</a:t>
+            </a:r>
+            <a:endParaRPr lang="en-US" sz="1050" dirty="0" smtClean="0">
+              <a:solidFill>
+                <a:schemeClr val="bg2"/>
+              </a:solidFill>
+              <a:latin typeface="Consolas" pitchFamily="49" charset="0"/>
+              <a:ea typeface="ヒラギノ角ゴ Pro W3" charset="0"/>
+              <a:cs typeface="Consolas" pitchFamily="49" charset="0"/>
+            </a:endParaRPr>
+          </a:p>
+          <a:p>
+            <a:r>
+              <a:rPr lang="en-US" sz="1050" dirty="0" smtClean="0">
+                <a:solidFill>
+                  <a:schemeClr val="bg2"/>
+                </a:solidFill>
+                <a:latin typeface="Consolas" pitchFamily="49" charset="0"/>
+                <a:ea typeface="ヒラギノ角ゴ Pro W3" charset="0"/>
+                <a:cs typeface="Consolas" pitchFamily="49" charset="0"/>
+              </a:rPr>
+              <a:t>...</a:t>
+            </a:r>
+          </a:p>
+          <a:p>
+            <a:endParaRPr lang="en-US" sz="1050" dirty="0" smtClean="0">
+              <a:solidFill>
+                <a:schemeClr val="bg2"/>
+              </a:solidFill>
+              <a:latin typeface="Consolas" pitchFamily="49" charset="0"/>
+              <a:ea typeface="ヒラギノ角ゴ Pro W3" charset="0"/>
+              <a:cs typeface="Consolas" pitchFamily="49" charset="0"/>
+            </a:endParaRPr>
+          </a:p>
+          <a:p>
+            <a:r>
+              <a:rPr lang="en-US" sz="1050" dirty="0" smtClean="0">
+                <a:solidFill>
+                  <a:schemeClr val="bg2"/>
+                </a:solidFill>
+                <a:latin typeface="Consolas" pitchFamily="49" charset="0"/>
+                <a:ea typeface="ヒラギノ角ゴ Pro W3" charset="0"/>
+                <a:cs typeface="Consolas" pitchFamily="49" charset="0"/>
+              </a:rPr>
+              <a:t>$ </a:t>
+            </a:r>
+            <a:r>
+              <a:rPr lang="en-US" sz="1050" dirty="0" err="1" smtClean="0">
+                <a:solidFill>
+                  <a:schemeClr val="bg2"/>
+                </a:solidFill>
+                <a:latin typeface="Consolas" pitchFamily="49" charset="0"/>
+                <a:ea typeface="ヒラギノ角ゴ Pro W3" charset="0"/>
+                <a:cs typeface="Consolas" pitchFamily="49" charset="0"/>
+              </a:rPr>
+              <a:t>objdump</a:t>
+            </a:r>
+            <a:r>
+              <a:rPr lang="en-US" sz="1050" dirty="0" smtClean="0">
+                <a:solidFill>
+                  <a:schemeClr val="bg2"/>
+                </a:solidFill>
+                <a:latin typeface="Consolas" pitchFamily="49" charset="0"/>
+                <a:ea typeface="ヒラギノ角ゴ Pro W3" charset="0"/>
+                <a:cs typeface="Consolas" pitchFamily="49" charset="0"/>
+              </a:rPr>
+              <a:t> -s </a:t>
+            </a:r>
+            <a:r>
+              <a:rPr lang="en-US" sz="1050" dirty="0" err="1" smtClean="0">
+                <a:solidFill>
+                  <a:schemeClr val="bg2"/>
+                </a:solidFill>
+                <a:latin typeface="Consolas" pitchFamily="49" charset="0"/>
+                <a:ea typeface="ヒラギノ角ゴ Pro W3" charset="0"/>
+                <a:cs typeface="Consolas" pitchFamily="49" charset="0"/>
+              </a:rPr>
+              <a:t>simpleExample</a:t>
+            </a:r>
+            <a:endParaRPr lang="en-US" sz="1050" dirty="0" smtClean="0">
+              <a:solidFill>
+                <a:schemeClr val="bg2"/>
+              </a:solidFill>
+              <a:latin typeface="Consolas" pitchFamily="49" charset="0"/>
+              <a:ea typeface="ヒラギノ角ゴ Pro W3" charset="0"/>
+              <a:cs typeface="Consolas" pitchFamily="49" charset="0"/>
+            </a:endParaRPr>
+          </a:p>
+          <a:p>
+            <a:endParaRPr lang="en-US" sz="1050" dirty="0" smtClean="0">
+              <a:solidFill>
+                <a:schemeClr val="bg2"/>
+              </a:solidFill>
+              <a:latin typeface="Consolas" pitchFamily="49" charset="0"/>
+              <a:ea typeface="ヒラギノ角ゴ Pro W3" charset="0"/>
+              <a:cs typeface="Consolas" pitchFamily="49" charset="0"/>
+            </a:endParaRPr>
+          </a:p>
+          <a:p>
+            <a:r>
+              <a:rPr lang="en-US" sz="1050" dirty="0" smtClean="0">
+                <a:solidFill>
+                  <a:schemeClr val="bg2"/>
+                </a:solidFill>
+                <a:latin typeface="Consolas" pitchFamily="49" charset="0"/>
+                <a:ea typeface="ヒラギノ角ゴ Pro W3" charset="0"/>
+                <a:cs typeface="Consolas" pitchFamily="49" charset="0"/>
+              </a:rPr>
+              <a:t>...</a:t>
+            </a:r>
+          </a:p>
+          <a:p>
+            <a:r>
+              <a:rPr lang="en-US" sz="1050" dirty="0" smtClean="0">
+                <a:solidFill>
+                  <a:schemeClr val="bg2"/>
+                </a:solidFill>
+                <a:latin typeface="Consolas" pitchFamily="49" charset="0"/>
+                <a:ea typeface="ヒラギノ角ゴ Pro W3" charset="0"/>
+                <a:cs typeface="Consolas" pitchFamily="49" charset="0"/>
+              </a:rPr>
+              <a:t>Contents </a:t>
+            </a:r>
+            <a:r>
+              <a:rPr lang="en-US" sz="1050" dirty="0" smtClean="0">
+                <a:solidFill>
+                  <a:schemeClr val="bg2"/>
+                </a:solidFill>
+                <a:latin typeface="Consolas" pitchFamily="49" charset="0"/>
+                <a:ea typeface="ヒラギノ角ゴ Pro W3" charset="0"/>
+                <a:cs typeface="Consolas" pitchFamily="49" charset="0"/>
+              </a:rPr>
+              <a:t>of section .</a:t>
+            </a:r>
+            <a:r>
+              <a:rPr lang="en-US" sz="1050" dirty="0" err="1" smtClean="0">
+                <a:solidFill>
+                  <a:schemeClr val="bg2"/>
+                </a:solidFill>
+                <a:latin typeface="Consolas" pitchFamily="49" charset="0"/>
+                <a:ea typeface="ヒラギノ角ゴ Pro W3" charset="0"/>
+                <a:cs typeface="Consolas" pitchFamily="49" charset="0"/>
+              </a:rPr>
+              <a:t>rodata</a:t>
+            </a:r>
+            <a:r>
+              <a:rPr lang="en-US" sz="1050" dirty="0" smtClean="0">
+                <a:solidFill>
+                  <a:schemeClr val="bg2"/>
+                </a:solidFill>
+                <a:latin typeface="Consolas" pitchFamily="49" charset="0"/>
+                <a:ea typeface="ヒラギノ角ゴ Pro W3" charset="0"/>
+                <a:cs typeface="Consolas" pitchFamily="49" charset="0"/>
+              </a:rPr>
+              <a:t>:</a:t>
+            </a:r>
+          </a:p>
+          <a:p>
+            <a:r>
+              <a:rPr lang="en-US" sz="1050" dirty="0" smtClean="0">
+                <a:solidFill>
+                  <a:schemeClr val="bg2"/>
+                </a:solidFill>
+                <a:latin typeface="Consolas" pitchFamily="49" charset="0"/>
+                <a:ea typeface="ヒラギノ角ゴ Pro W3" charset="0"/>
+                <a:cs typeface="Consolas" pitchFamily="49" charset="0"/>
+              </a:rPr>
+              <a:t> 4006f8 01000200 00000000 00000000 00000000  ................</a:t>
+            </a:r>
+          </a:p>
+          <a:p>
+            <a:r>
+              <a:rPr lang="en-US" sz="1050" dirty="0" smtClean="0">
+                <a:solidFill>
+                  <a:schemeClr val="bg2"/>
+                </a:solidFill>
+                <a:latin typeface="Consolas" pitchFamily="49" charset="0"/>
+                <a:ea typeface="ヒラギノ角ゴ Pro W3" charset="0"/>
+                <a:cs typeface="Consolas" pitchFamily="49" charset="0"/>
+              </a:rPr>
+              <a:t> 400708 412e6370 7000422e 63707000           </a:t>
+            </a:r>
+            <a:r>
+              <a:rPr lang="en-US" sz="1050" dirty="0" err="1" smtClean="0">
+                <a:solidFill>
+                  <a:schemeClr val="bg2"/>
+                </a:solidFill>
+                <a:latin typeface="Consolas" pitchFamily="49" charset="0"/>
+                <a:ea typeface="ヒラギノ角ゴ Pro W3" charset="0"/>
+                <a:cs typeface="Consolas" pitchFamily="49" charset="0"/>
+              </a:rPr>
+              <a:t>A.cpp.B.cpp</a:t>
+            </a:r>
+            <a:r>
+              <a:rPr lang="en-US" sz="1050" dirty="0" smtClean="0">
+                <a:solidFill>
+                  <a:schemeClr val="bg2"/>
+                </a:solidFill>
+                <a:latin typeface="Consolas" pitchFamily="49" charset="0"/>
+                <a:ea typeface="ヒラギノ角ゴ Pro W3" charset="0"/>
+                <a:cs typeface="Consolas" pitchFamily="49" charset="0"/>
+              </a:rPr>
+              <a:t>.</a:t>
+            </a:r>
+          </a:p>
+          <a:p>
+            <a:r>
+              <a:rPr lang="en-US" sz="1050" dirty="0" smtClean="0">
+                <a:solidFill>
+                  <a:schemeClr val="bg2"/>
+                </a:solidFill>
+                <a:latin typeface="Consolas" pitchFamily="49" charset="0"/>
+                <a:ea typeface="ヒラギノ角ゴ Pro W3" charset="0"/>
+                <a:cs typeface="Consolas" pitchFamily="49" charset="0"/>
+              </a:rPr>
+              <a:t>...</a:t>
+            </a:r>
+            <a:endParaRPr lang="en-US" sz="1050" dirty="0" smtClean="0">
+              <a:solidFill>
+                <a:schemeClr val="bg2"/>
+              </a:solidFill>
+              <a:latin typeface="Consolas" pitchFamily="49" charset="0"/>
+              <a:ea typeface="ヒラギノ角ゴ Pro W3" charset="0"/>
+              <a:cs typeface="Consolas" pitchFamily="49" charset="0"/>
+            </a:endParaRPr>
+          </a:p>
+          <a:p>
+            <a:endParaRPr lang="en-US" sz="1050" dirty="0" smtClean="0">
+              <a:solidFill>
+                <a:schemeClr val="bg2"/>
+              </a:solidFill>
+              <a:latin typeface="Consolas" pitchFamily="49" charset="0"/>
+              <a:ea typeface="ヒラギノ角ゴ Pro W3" charset="0"/>
+              <a:cs typeface="Consolas" pitchFamily="49" charset="0"/>
+            </a:endParaRPr>
+          </a:p>
+        </p:txBody>
+      </p:sp>
+      <p:sp>
+        <p:nvSpPr>
+          <p:cNvPr id="7" name="Rectangle 6"/>
+          <p:cNvSpPr/>
+          <p:nvPr/>
+        </p:nvSpPr>
+        <p:spPr>
+          <a:xfrm>
+            <a:off x="1240895" y="4296166"/>
+            <a:ext cx="7867609" cy="307777"/>
+          </a:xfrm>
+          <a:prstGeom prst="rect">
+            <a:avLst/>
+          </a:prstGeom>
+        </p:spPr>
+        <p:txBody>
+          <a:bodyPr wrap="square">
+            <a:spAutoFit/>
+          </a:bodyPr>
+          <a:lstStyle/>
+          <a:p>
+            <a:pPr marL="458788" lvl="1" indent="-228600">
+              <a:spcAft>
+                <a:spcPts val="0"/>
+              </a:spcAft>
+              <a:defRPr/>
+            </a:pPr>
+            <a:r>
+              <a:rPr lang="en-US" sz="1400" i="1" dirty="0" smtClean="0">
+                <a:solidFill>
+                  <a:schemeClr val="bg2"/>
+                </a:solidFill>
+                <a:latin typeface="+mn-lt"/>
+                <a:ea typeface="ヒラギノ角ゴ Pro W3" charset="0"/>
+                <a:cs typeface="Consolas" pitchFamily="49" charset="0"/>
+              </a:rPr>
+              <a:t>Note: If we revert the order of linking object files than we will see “</a:t>
+            </a:r>
+            <a:r>
+              <a:rPr lang="en-US" sz="1400" i="1" dirty="0" err="1" smtClean="0">
+                <a:solidFill>
+                  <a:schemeClr val="bg2"/>
+                </a:solidFill>
+                <a:latin typeface="+mn-lt"/>
+                <a:ea typeface="ヒラギノ角ゴ Pro W3" charset="0"/>
+                <a:cs typeface="Consolas" pitchFamily="49" charset="0"/>
+              </a:rPr>
+              <a:t>B.cpp.A.cpp</a:t>
+            </a:r>
+            <a:r>
+              <a:rPr lang="en-US" sz="1400" i="1" dirty="0" smtClean="0">
+                <a:solidFill>
+                  <a:schemeClr val="bg2"/>
+                </a:solidFill>
+                <a:latin typeface="+mn-lt"/>
+                <a:ea typeface="ヒラギノ角ゴ Pro W3" charset="0"/>
+                <a:cs typeface="Consolas" pitchFamily="49" charset="0"/>
+              </a:rPr>
+              <a:t>.”</a:t>
+            </a:r>
+            <a:endParaRPr lang="en-US" sz="1400" i="1" dirty="0" smtClean="0">
+              <a:solidFill>
+                <a:schemeClr val="bg2"/>
+              </a:solidFill>
               <a:latin typeface="+mn-lt"/>
               <a:ea typeface="ヒラギノ角ゴ Pro W3" charset="0"/>
-              <a:cs typeface="ヒラギノ角ゴ Pro W3"/>
+              <a:cs typeface="Consolas" pitchFamily="49" charset="0"/>
             </a:endParaRPr>
           </a:p>
         </p:txBody>
@@ -14730,7 +15006,7 @@
             <a:pPr algn="ctr"/>
             <a:r>
               <a:rPr lang="en-US" sz="3200" dirty="0" smtClean="0"/>
-              <a:t>Static libraries</a:t>
+              <a:t>Do linker throws away unused code?</a:t>
             </a:r>
             <a:endParaRPr lang="en-US" sz="3200" dirty="0"/>
           </a:p>
@@ -14843,72 +15119,6 @@
               <a:tabLst/>
               <a:defRPr/>
             </a:pPr>
-            <a:endParaRPr kumimoji="0" lang="en-US" sz="2400" b="0" i="0" u="none" strike="noStrike" kern="1200" cap="none" spc="0" normalizeH="0" baseline="0" noProof="0" dirty="0" smtClean="0">
-              <a:ln>
-                <a:noFill/>
-              </a:ln>
-              <a:solidFill>
-                <a:schemeClr val="bg2"/>
-              </a:solidFill>
-              <a:effectLst/>
-              <a:uLnTx/>
-              <a:uFillTx/>
-              <a:latin typeface="+mn-lt"/>
-              <a:ea typeface="ヒラギノ角ゴ Pro W3" charset="0"/>
-              <a:cs typeface="ヒラギノ角ゴ Pro W3"/>
-            </a:endParaRPr>
-          </a:p>
-        </p:txBody>
-      </p:sp>
-      <p:sp>
-        <p:nvSpPr>
-          <p:cNvPr id="7" name="Content Placeholder 2"/>
-          <p:cNvSpPr txBox="1">
-            <a:spLocks/>
-          </p:cNvSpPr>
-          <p:nvPr/>
-        </p:nvSpPr>
-        <p:spPr bwMode="auto">
-          <a:xfrm>
-            <a:off x="722920" y="1355998"/>
-            <a:ext cx="8227649" cy="2952328"/>
-          </a:xfrm>
-          <a:prstGeom prst="rect">
-            <a:avLst/>
-          </a:prstGeom>
-          <a:noFill/>
-          <a:ln w="9525">
-            <a:noFill/>
-            <a:miter lim="800000"/>
-            <a:headEnd/>
-            <a:tailEnd/>
-          </a:ln>
-        </p:spPr>
-        <p:txBody>
-          <a:bodyPr vert="horz" wrap="square" lIns="0" tIns="0" rIns="0" bIns="0" numCol="1" anchor="t" anchorCtr="0" compatLnSpc="1">
-            <a:prstTxWarp prst="textNoShape">
-              <a:avLst/>
-            </a:prstTxWarp>
-          </a:bodyPr>
-          <a:lstStyle/>
-          <a:p>
-            <a:pPr marL="458788" marR="0" lvl="1" indent="-228600" algn="l" defTabSz="457200" rtl="0" eaLnBrk="1" fontAlgn="base" latinLnBrk="0" hangingPunct="1">
-              <a:lnSpc>
-                <a:spcPct val="100000"/>
-              </a:lnSpc>
-              <a:spcBef>
-                <a:spcPct val="0"/>
-              </a:spcBef>
-              <a:spcAft>
-                <a:spcPts val="600"/>
-              </a:spcAft>
-              <a:buClrTx/>
-              <a:buSzTx/>
-              <a:buFont typeface="Arial" pitchFamily="34" charset="0"/>
-              <a:buChar char="•"/>
-              <a:tabLst/>
-              <a:defRPr/>
-            </a:pPr>
             <a:r>
               <a:rPr lang="en-US" sz="2400" dirty="0" smtClean="0">
                 <a:solidFill>
@@ -14917,7 +15127,7 @@
                 <a:latin typeface="+mn-lt"/>
                 <a:ea typeface="ヒラギノ角ゴ Pro W3" charset="0"/>
               </a:rPr>
-              <a:t>Static library is just a collection of object files.</a:t>
+              <a:t>Prepare example of another mistake with unused code.</a:t>
             </a:r>
             <a:endParaRPr kumimoji="0" lang="en-US" sz="2400" b="0" i="0" u="none" strike="noStrike" kern="1200" cap="none" spc="0" normalizeH="0" baseline="0" noProof="0" dirty="0" smtClean="0">
               <a:ln>
@@ -15198,7 +15408,7 @@
             <a:pPr algn="ctr"/>
             <a:r>
               <a:rPr lang="en-US" sz="3200" dirty="0" smtClean="0"/>
-              <a:t>Shared libraries</a:t>
+              <a:t>Static libraries</a:t>
             </a:r>
             <a:endParaRPr lang="en-US" sz="3200" dirty="0"/>
           </a:p>
@@ -15385,27 +15595,7 @@
                 <a:latin typeface="+mn-lt"/>
                 <a:ea typeface="ヒラギノ角ゴ Pro W3" charset="0"/>
               </a:rPr>
-              <a:t>It would be a best approach to have the same copy of </a:t>
-            </a:r>
-            <a:r>
-              <a:rPr lang="en-US" sz="2400" dirty="0" err="1" smtClean="0">
-                <a:solidFill>
-                  <a:schemeClr val="bg2"/>
-                </a:solidFill>
-                <a:latin typeface="+mn-lt"/>
-                <a:ea typeface="ヒラギノ角ゴ Pro W3" charset="0"/>
-              </a:rPr>
-              <a:t>printf</a:t>
-            </a:r>
-            <a:r>
-              <a:rPr lang="en-US" sz="2400" dirty="0" smtClean="0">
-                <a:solidFill>
-                  <a:schemeClr val="bg2"/>
-                </a:solidFill>
-                <a:latin typeface="+mn-lt"/>
-                <a:ea typeface="ヒラギノ角ゴ Pro W3" charset="0"/>
-              </a:rPr>
-              <a:t>() in every executable file in our system. That’s why shared library were invented.</a:t>
+              <a:t>Static library is just a collection of object files.</a:t>
             </a:r>
             <a:endParaRPr kumimoji="0" lang="en-US" sz="2400" b="0" i="0" u="none" strike="noStrike" kern="1200" cap="none" spc="0" normalizeH="0" baseline="0" noProof="0" dirty="0" smtClean="0">
               <a:ln>
@@ -15472,7 +15662,7 @@
             <a:pPr algn="ctr"/>
             <a:r>
               <a:rPr lang="en-US" sz="3200" dirty="0" smtClean="0"/>
-              <a:t>Export from shared library</a:t>
+              <a:t>Shared libraries</a:t>
             </a:r>
             <a:endParaRPr lang="en-US" sz="3200" dirty="0"/>
           </a:p>
@@ -15659,7 +15849,27 @@
                 <a:latin typeface="+mn-lt"/>
                 <a:ea typeface="ヒラギノ角ゴ Pro W3" charset="0"/>
               </a:rPr>
-              <a:t>Name mangling</a:t>
+              <a:t>It would be a best approach to have the same copy of </a:t>
+            </a:r>
+            <a:r>
+              <a:rPr lang="en-US" sz="2400" dirty="0" err="1" smtClean="0">
+                <a:solidFill>
+                  <a:schemeClr val="bg2"/>
+                </a:solidFill>
+                <a:latin typeface="+mn-lt"/>
+                <a:ea typeface="ヒラギノ角ゴ Pro W3" charset="0"/>
+              </a:rPr>
+              <a:t>printf</a:t>
+            </a:r>
+            <a:r>
+              <a:rPr lang="en-US" sz="2400" dirty="0" smtClean="0">
+                <a:solidFill>
+                  <a:schemeClr val="bg2"/>
+                </a:solidFill>
+                <a:latin typeface="+mn-lt"/>
+                <a:ea typeface="ヒラギノ角ゴ Pro W3" charset="0"/>
+              </a:rPr>
+              <a:t>() in every executable file in our system. That’s why shared library were invented.</a:t>
             </a:r>
             <a:endParaRPr kumimoji="0" lang="en-US" sz="2400" b="0" i="0" u="none" strike="noStrike" kern="1200" cap="none" spc="0" normalizeH="0" baseline="0" noProof="0" dirty="0" smtClean="0">
               <a:ln>
@@ -15726,7 +15936,7 @@
             <a:pPr algn="ctr"/>
             <a:r>
               <a:rPr lang="en-US" sz="3200" dirty="0" smtClean="0"/>
-              <a:t>Static linking of dynamic libraries</a:t>
+              <a:t>Export from shared library</a:t>
             </a:r>
             <a:endParaRPr lang="en-US" sz="3200" dirty="0"/>
           </a:p>
@@ -15839,6 +16049,82 @@
               <a:tabLst/>
               <a:defRPr/>
             </a:pPr>
+            <a:endParaRPr kumimoji="0" lang="en-US" sz="2400" b="0" i="0" u="none" strike="noStrike" kern="1200" cap="none" spc="0" normalizeH="0" baseline="0" noProof="0" dirty="0" smtClean="0">
+              <a:ln>
+                <a:noFill/>
+              </a:ln>
+              <a:solidFill>
+                <a:schemeClr val="bg2"/>
+              </a:solidFill>
+              <a:effectLst/>
+              <a:uLnTx/>
+              <a:uFillTx/>
+              <a:latin typeface="+mn-lt"/>
+              <a:ea typeface="ヒラギノ角ゴ Pro W3" charset="0"/>
+              <a:cs typeface="ヒラギノ角ゴ Pro W3"/>
+            </a:endParaRPr>
+          </a:p>
+        </p:txBody>
+      </p:sp>
+      <p:sp>
+        <p:nvSpPr>
+          <p:cNvPr id="7" name="Content Placeholder 2"/>
+          <p:cNvSpPr txBox="1">
+            <a:spLocks/>
+          </p:cNvSpPr>
+          <p:nvPr/>
+        </p:nvSpPr>
+        <p:spPr bwMode="auto">
+          <a:xfrm>
+            <a:off x="722920" y="1355998"/>
+            <a:ext cx="8227649" cy="2952328"/>
+          </a:xfrm>
+          <a:prstGeom prst="rect">
+            <a:avLst/>
+          </a:prstGeom>
+          <a:noFill/>
+          <a:ln w="9525">
+            <a:noFill/>
+            <a:miter lim="800000"/>
+            <a:headEnd/>
+            <a:tailEnd/>
+          </a:ln>
+        </p:spPr>
+        <p:txBody>
+          <a:bodyPr vert="horz" wrap="square" lIns="0" tIns="0" rIns="0" bIns="0" numCol="1" anchor="t" anchorCtr="0" compatLnSpc="1">
+            <a:prstTxWarp prst="textNoShape">
+              <a:avLst/>
+            </a:prstTxWarp>
+          </a:bodyPr>
+          <a:lstStyle/>
+          <a:p>
+            <a:pPr marL="458788" marR="0" lvl="1" indent="-228600" algn="l" defTabSz="457200" rtl="0" eaLnBrk="1" fontAlgn="base" latinLnBrk="0" hangingPunct="1">
+              <a:lnSpc>
+                <a:spcPct val="100000"/>
+              </a:lnSpc>
+              <a:spcBef>
+                <a:spcPct val="0"/>
+              </a:spcBef>
+              <a:spcAft>
+                <a:spcPts val="600"/>
+              </a:spcAft>
+              <a:buClrTx/>
+              <a:buSzTx/>
+              <a:buFont typeface="Arial" pitchFamily="34" charset="0"/>
+              <a:buChar char="•"/>
+              <a:tabLst/>
+              <a:defRPr/>
+            </a:pPr>
+            <a:r>
+              <a:rPr lang="en-US" sz="2400" dirty="0" smtClean="0">
+                <a:solidFill>
+                  <a:schemeClr val="bg2"/>
+                </a:solidFill>
+                <a:latin typeface="+mn-lt"/>
+                <a:ea typeface="ヒラギノ角ゴ Pro W3" charset="0"/>
+              </a:rPr>
+              <a:t>Name mangling</a:t>
+            </a:r>
             <a:endParaRPr kumimoji="0" lang="en-US" sz="2400" b="0" i="0" u="none" strike="noStrike" kern="1200" cap="none" spc="0" normalizeH="0" baseline="0" noProof="0" dirty="0" smtClean="0">
               <a:ln>
                 <a:noFill/>
@@ -15904,7 +16190,7 @@
             <a:pPr algn="ctr"/>
             <a:r>
               <a:rPr lang="en-US" sz="3200" dirty="0" smtClean="0"/>
-              <a:t>Static member mess up</a:t>
+              <a:t>Static linking of dynamic libraries</a:t>
             </a:r>
             <a:endParaRPr lang="en-US" sz="3200" dirty="0"/>
           </a:p>
@@ -16082,7 +16368,7 @@
             <a:pPr algn="ctr"/>
             <a:r>
               <a:rPr lang="en-US" sz="3200" dirty="0" smtClean="0"/>
-              <a:t>My preferable project structure</a:t>
+              <a:t>Static member mess up</a:t>
             </a:r>
             <a:endParaRPr lang="en-US" sz="3200" dirty="0"/>
           </a:p>
@@ -16221,6 +16507,184 @@
 </file>
 
 <file path=ppt/slides/slide25.xml><?xml version="1.0" encoding="utf-8"?>
+<p:sld xmlns:a="http://schemas.openxmlformats.org/drawingml/2006/main" xmlns:r="http://schemas.openxmlformats.org/officeDocument/2006/relationships" xmlns:p="http://schemas.openxmlformats.org/presentationml/2006/main">
+  <p:cSld>
+    <p:spTree>
+      <p:nvGrpSpPr>
+        <p:cNvPr id="1" name=""/>
+        <p:cNvGrpSpPr/>
+        <p:nvPr/>
+      </p:nvGrpSpPr>
+      <p:grpSpPr>
+        <a:xfrm>
+          <a:off x="0" y="0"/>
+          <a:ext cx="0" cy="0"/>
+          <a:chOff x="0" y="0"/>
+          <a:chExt cx="0" cy="0"/>
+        </a:xfrm>
+      </p:grpSpPr>
+      <p:sp>
+        <p:nvSpPr>
+          <p:cNvPr id="2" name="Title 1"/>
+          <p:cNvSpPr>
+            <a:spLocks noGrp="1"/>
+          </p:cNvSpPr>
+          <p:nvPr>
+            <p:ph type="title"/>
+          </p:nvPr>
+        </p:nvSpPr>
+        <p:spPr>
+          <a:xfrm>
+            <a:off x="416169" y="435143"/>
+            <a:ext cx="8229600" cy="480423"/>
+          </a:xfrm>
+        </p:spPr>
+        <p:txBody>
+          <a:bodyPr/>
+          <a:lstStyle/>
+          <a:p>
+            <a:pPr algn="ctr"/>
+            <a:r>
+              <a:rPr lang="en-US" sz="3200" dirty="0" smtClean="0"/>
+              <a:t>My preferable project structure</a:t>
+            </a:r>
+            <a:endParaRPr lang="en-US" sz="3200" dirty="0"/>
+          </a:p>
+        </p:txBody>
+      </p:sp>
+      <p:sp>
+        <p:nvSpPr>
+          <p:cNvPr id="3" name="Content Placeholder 2"/>
+          <p:cNvSpPr>
+            <a:spLocks noGrp="1"/>
+          </p:cNvSpPr>
+          <p:nvPr>
+            <p:ph sz="quarter" idx="13"/>
+          </p:nvPr>
+        </p:nvSpPr>
+        <p:spPr>
+          <a:xfrm>
+            <a:off x="418120" y="1203598"/>
+            <a:ext cx="8227649" cy="2952328"/>
+          </a:xfrm>
+        </p:spPr>
+        <p:txBody>
+          <a:bodyPr/>
+          <a:lstStyle/>
+          <a:p>
+            <a:pPr lvl="1">
+              <a:buNone/>
+            </a:pPr>
+            <a:r>
+              <a:rPr lang="en-US" sz="2400" dirty="0" smtClean="0"/>
+              <a:t> </a:t>
+            </a:r>
+          </a:p>
+        </p:txBody>
+      </p:sp>
+      <p:sp>
+        <p:nvSpPr>
+          <p:cNvPr id="6" name="Footer Placeholder 5"/>
+          <p:cNvSpPr>
+            <a:spLocks noGrp="1"/>
+          </p:cNvSpPr>
+          <p:nvPr>
+            <p:ph type="ftr" sz="quarter" idx="18"/>
+          </p:nvPr>
+        </p:nvSpPr>
+        <p:spPr/>
+        <p:txBody>
+          <a:bodyPr/>
+          <a:lstStyle/>
+          <a:p>
+            <a:pPr algn="l"/>
+            <a:r>
+              <a:rPr lang="en-GB" dirty="0" smtClean="0">
+                <a:solidFill>
+                  <a:schemeClr val="bg2"/>
+                </a:solidFill>
+                <a:cs typeface="Arial" charset="0"/>
+              </a:rPr>
+              <a:t>&lt;Change information classification in footer&gt;</a:t>
+            </a:r>
+          </a:p>
+        </p:txBody>
+      </p:sp>
+      <p:sp>
+        <p:nvSpPr>
+          <p:cNvPr id="5" name="Content Placeholder 2"/>
+          <p:cNvSpPr txBox="1">
+            <a:spLocks/>
+          </p:cNvSpPr>
+          <p:nvPr/>
+        </p:nvSpPr>
+        <p:spPr bwMode="auto">
+          <a:xfrm>
+            <a:off x="570520" y="1203598"/>
+            <a:ext cx="8227649" cy="2952328"/>
+          </a:xfrm>
+          <a:prstGeom prst="rect">
+            <a:avLst/>
+          </a:prstGeom>
+          <a:noFill/>
+          <a:ln w="9525">
+            <a:noFill/>
+            <a:miter lim="800000"/>
+            <a:headEnd/>
+            <a:tailEnd/>
+          </a:ln>
+        </p:spPr>
+        <p:txBody>
+          <a:bodyPr vert="horz" wrap="square" lIns="0" tIns="0" rIns="0" bIns="0" numCol="1" anchor="t" anchorCtr="0" compatLnSpc="1">
+            <a:prstTxWarp prst="textNoShape">
+              <a:avLst/>
+            </a:prstTxWarp>
+          </a:bodyPr>
+          <a:lstStyle/>
+          <a:p>
+            <a:pPr marL="458788" marR="0" lvl="1" indent="-228600" algn="l" defTabSz="457200" rtl="0" eaLnBrk="1" fontAlgn="base" latinLnBrk="0" hangingPunct="1">
+              <a:lnSpc>
+                <a:spcPct val="100000"/>
+              </a:lnSpc>
+              <a:spcBef>
+                <a:spcPct val="0"/>
+              </a:spcBef>
+              <a:spcAft>
+                <a:spcPts val="600"/>
+              </a:spcAft>
+              <a:buClrTx/>
+              <a:buSzTx/>
+              <a:buFont typeface="Arial" pitchFamily="34" charset="0"/>
+              <a:buChar char="•"/>
+              <a:tabLst/>
+              <a:defRPr/>
+            </a:pPr>
+            <a:endParaRPr kumimoji="0" lang="en-US" sz="2400" b="0" i="0" u="none" strike="noStrike" kern="1200" cap="none" spc="0" normalizeH="0" baseline="0" noProof="0" dirty="0" smtClean="0">
+              <a:ln>
+                <a:noFill/>
+              </a:ln>
+              <a:solidFill>
+                <a:schemeClr val="bg2"/>
+              </a:solidFill>
+              <a:effectLst/>
+              <a:uLnTx/>
+              <a:uFillTx/>
+              <a:latin typeface="+mn-lt"/>
+              <a:ea typeface="ヒラギノ角ゴ Pro W3" charset="0"/>
+              <a:cs typeface="ヒラギノ角ゴ Pro W3"/>
+            </a:endParaRPr>
+          </a:p>
+        </p:txBody>
+      </p:sp>
+    </p:spTree>
+  </p:cSld>
+  <p:clrMapOvr>
+    <a:masterClrMapping/>
+  </p:clrMapOvr>
+</p:sld>
+</file>
+
+<file path=ppt/slides/slide26.xml><?xml version="1.0" encoding="utf-8"?>
 <p:sld xmlns:a="http://schemas.openxmlformats.org/drawingml/2006/main" xmlns:r="http://schemas.openxmlformats.org/officeDocument/2006/relationships" xmlns:p="http://schemas.openxmlformats.org/presentationml/2006/main">
   <p:cSld>
     <p:spTree>
@@ -16285,7 +16749,7 @@
 </p:sld>
 </file>
 
-<file path=ppt/slides/slide26.xml><?xml version="1.0" encoding="utf-8"?>
+<file path=ppt/slides/slide27.xml><?xml version="1.0" encoding="utf-8"?>
 <p:sld xmlns:a="http://schemas.openxmlformats.org/drawingml/2006/main" xmlns:r="http://schemas.openxmlformats.org/officeDocument/2006/relationships" xmlns:p="http://schemas.openxmlformats.org/presentationml/2006/main" show="0">
   <p:cSld>
     <p:spTree>
@@ -21193,7 +21657,7 @@
   <a:extraClrSchemeLst/>
   <a:extLst>
     <a:ext uri="{05A4C25C-085E-4340-85A3-A5531E510DB2}">
-      <thm15:themeFamily xmlns="" xmlns:thm15="http://schemas.microsoft.com/office/thememl/2012/main" name="Nokia PowerPoint Template Nokia Pure v12" id="{7AC05BEF-BBDF-4CF1-AA23-A676535EABCE}" vid="{991539CA-B441-4AED-8339-F6770207F6A2}"/>
+      <thm15:themeFamily xmlns:thm15="http://schemas.microsoft.com/office/thememl/2012/main" xmlns="" name="Nokia PowerPoint Template Nokia Pure v12" id="{7AC05BEF-BBDF-4CF1-AA23-A676535EABCE}" vid="{991539CA-B441-4AED-8339-F6770207F6A2}"/>
     </a:ext>
   </a:extLst>
 </a:theme>
@@ -21502,7 +21966,7 @@
   <a:extraClrSchemeLst/>
   <a:extLst>
     <a:ext uri="{05A4C25C-085E-4340-85A3-A5531E510DB2}">
-      <thm15:themeFamily xmlns="" xmlns:thm15="http://schemas.microsoft.com/office/thememl/2012/main" name="Nokia PowerPoint Template Nokia Pure v12" id="{7AC05BEF-BBDF-4CF1-AA23-A676535EABCE}" vid="{AF106B15-0C1E-44CE-A53A-F2CB8A6EA7E7}"/>
+      <thm15:themeFamily xmlns:thm15="http://schemas.microsoft.com/office/thememl/2012/main" xmlns="" name="Nokia PowerPoint Template Nokia Pure v12" id="{7AC05BEF-BBDF-4CF1-AA23-A676535EABCE}" vid="{AF106B15-0C1E-44CE-A53A-F2CB8A6EA7E7}"/>
     </a:ext>
   </a:extLst>
 </a:theme>

--- a/Diving into C++ linker.pptx
+++ b/Diving into C++ linker.pptx
@@ -7,10 +7,10 @@
     <p:sldMasterId id="2147483812" r:id="rId3"/>
   </p:sldMasterIdLst>
   <p:notesMasterIdLst>
-    <p:notesMasterId r:id="rId31"/>
+    <p:notesMasterId r:id="rId37"/>
   </p:notesMasterIdLst>
   <p:handoutMasterIdLst>
-    <p:handoutMasterId r:id="rId32"/>
+    <p:handoutMasterId r:id="rId38"/>
   </p:handoutMasterIdLst>
   <p:sldIdLst>
     <p:sldId id="311" r:id="rId4"/>
@@ -31,20 +31,26 @@
     <p:sldId id="394" r:id="rId19"/>
     <p:sldId id="396" r:id="rId20"/>
     <p:sldId id="397" r:id="rId21"/>
-    <p:sldId id="377" r:id="rId22"/>
-    <p:sldId id="378" r:id="rId23"/>
-    <p:sldId id="383" r:id="rId24"/>
-    <p:sldId id="379" r:id="rId25"/>
-    <p:sldId id="380" r:id="rId26"/>
-    <p:sldId id="381" r:id="rId27"/>
-    <p:sldId id="382" r:id="rId28"/>
-    <p:sldId id="352" r:id="rId29"/>
-    <p:sldId id="364" r:id="rId30"/>
+    <p:sldId id="378" r:id="rId22"/>
+    <p:sldId id="398" r:id="rId23"/>
+    <p:sldId id="377" r:id="rId24"/>
+    <p:sldId id="399" r:id="rId25"/>
+    <p:sldId id="400" r:id="rId26"/>
+    <p:sldId id="401" r:id="rId27"/>
+    <p:sldId id="402" r:id="rId28"/>
+    <p:sldId id="403" r:id="rId29"/>
+    <p:sldId id="383" r:id="rId30"/>
+    <p:sldId id="379" r:id="rId31"/>
+    <p:sldId id="380" r:id="rId32"/>
+    <p:sldId id="381" r:id="rId33"/>
+    <p:sldId id="382" r:id="rId34"/>
+    <p:sldId id="352" r:id="rId35"/>
+    <p:sldId id="364" r:id="rId36"/>
   </p:sldIdLst>
   <p:sldSz cx="9144000" cy="5143500" type="screen16x9"/>
   <p:notesSz cx="6858000" cy="9144000"/>
   <p:custDataLst>
-    <p:tags r:id="rId33"/>
+    <p:tags r:id="rId39"/>
   </p:custDataLst>
   <p:defaultTextStyle>
     <a:defPPr>
@@ -173,7 +179,7 @@
   </p:defaultTextStyle>
   <p:extLst>
     <p:ext uri="{EFAFB233-063F-42B5-8137-9DF3F51BA10A}">
-      <p15:sldGuideLst xmlns:p15="http://schemas.microsoft.com/office/powerpoint/2012/main" xmlns="">
+      <p15:sldGuideLst xmlns="" xmlns:p15="http://schemas.microsoft.com/office/powerpoint/2012/main">
         <p15:guide id="1" orient="horz" pos="1620">
           <p15:clr>
             <a:srgbClr val="A4A3A4"/>
@@ -187,7 +193,7 @@
       </p15:sldGuideLst>
     </p:ext>
     <p:ext uri="{2D200454-40CA-4A62-9FC3-DE9A4176ACB9}">
-      <p15:notesGuideLst xmlns:p15="http://schemas.microsoft.com/office/powerpoint/2012/main" xmlns="">
+      <p15:notesGuideLst xmlns="" xmlns:p15="http://schemas.microsoft.com/office/powerpoint/2012/main">
         <p15:guide id="1" orient="horz" pos="2880">
           <p15:clr>
             <a:srgbClr val="A4A3A4"/>
@@ -315,7 +321,7 @@
               <a:pPr>
                 <a:defRPr/>
               </a:pPr>
-              <a:t>21-Jul-15</a:t>
+              <a:t>22-Jul-15</a:t>
             </a:fld>
             <a:endParaRPr lang="en-US"/>
           </a:p>
@@ -419,7 +425,7 @@
     </p:spTree>
     <p:extLst>
       <p:ext uri="{BB962C8B-B14F-4D97-AF65-F5344CB8AC3E}">
-        <p14:creationId xmlns:p14="http://schemas.microsoft.com/office/powerpoint/2010/main" xmlns="" val="3867598621"/>
+        <p14:creationId xmlns="" xmlns:p14="http://schemas.microsoft.com/office/powerpoint/2010/main" val="3867598621"/>
       </p:ext>
     </p:extLst>
   </p:cSld>
@@ -539,7 +545,7 @@
               <a:pPr>
                 <a:defRPr/>
               </a:pPr>
-              <a:t>21-Jul-15</a:t>
+              <a:t>22-Jul-15</a:t>
             </a:fld>
             <a:endParaRPr lang="en-US"/>
           </a:p>
@@ -740,7 +746,7 @@
     </p:spTree>
     <p:extLst>
       <p:ext uri="{BB962C8B-B14F-4D97-AF65-F5344CB8AC3E}">
-        <p14:creationId xmlns:p14="http://schemas.microsoft.com/office/powerpoint/2010/main" xmlns="" val="977992471"/>
+        <p14:creationId xmlns="" xmlns:p14="http://schemas.microsoft.com/office/powerpoint/2010/main" val="977992471"/>
       </p:ext>
     </p:extLst>
   </p:cSld>
@@ -966,7 +972,7 @@
     </p:spTree>
     <p:extLst>
       <p:ext uri="{BB962C8B-B14F-4D97-AF65-F5344CB8AC3E}">
-        <p14:creationId xmlns:p14="http://schemas.microsoft.com/office/powerpoint/2010/main" xmlns="" val="3180054805"/>
+        <p14:creationId xmlns="" xmlns:p14="http://schemas.microsoft.com/office/powerpoint/2010/main" val="3180054805"/>
       </p:ext>
     </p:extLst>
   </p:cSld>
@@ -1856,7 +1862,7 @@
           <a:blip r:embed="rId3">
             <a:extLst>
               <a:ext uri="{28A0092B-C50C-407E-A947-70E740481C1C}">
-                <a14:useLocalDpi xmlns="" xmlns:a14="http://schemas.microsoft.com/office/drawing/2010/main" val="0"/>
+                <a14:useLocalDpi xmlns:a14="http://schemas.microsoft.com/office/drawing/2010/main" xmlns="" val="0"/>
               </a:ext>
             </a:extLst>
           </a:blip>
@@ -4280,7 +4286,7 @@
               <a:pPr>
                 <a:defRPr/>
               </a:pPr>
-              <a:t>21/07/2015</a:t>
+              <a:t>22/07/2015</a:t>
             </a:fld>
             <a:endParaRPr lang="en-GB" sz="800" dirty="0">
               <a:solidFill>
@@ -6484,7 +6490,7 @@
               <a:pPr>
                 <a:defRPr/>
               </a:pPr>
-              <a:t>21/07/2015</a:t>
+              <a:t>22/07/2015</a:t>
             </a:fld>
             <a:endParaRPr lang="en-GB" sz="800" dirty="0">
               <a:latin typeface="+mn-lt"/>
@@ -9595,18 +9601,7 @@
                 <a:ea typeface="ヒラギノ角ゴ Pro W3" charset="0"/>
                 <a:cs typeface="Consolas" pitchFamily="49" charset="0"/>
               </a:rPr>
-              <a:t>Note: Full description can be found here </a:t>
-            </a:r>
-            <a:r>
-              <a:rPr lang="en-US" sz="1400" i="1" dirty="0" smtClean="0">
-                <a:solidFill>
-                  <a:schemeClr val="bg2"/>
-                </a:solidFill>
-                <a:latin typeface="+mn-lt"/>
-                <a:ea typeface="ヒラギノ角ゴ Pro W3" charset="0"/>
-                <a:cs typeface="Consolas" pitchFamily="49" charset="0"/>
-              </a:rPr>
-              <a:t>https://sourceware.org/binutils/docs/binutils/nm.html</a:t>
+              <a:t>Note: Full description can be found here https://sourceware.org/binutils/docs/binutils/nm.html</a:t>
             </a:r>
           </a:p>
         </p:txBody>
@@ -11495,27 +11490,8 @@
                 <a:ea typeface="ヒラギノ角ゴ Pro W3" charset="0"/>
                 <a:cs typeface="Consolas" pitchFamily="49" charset="0"/>
               </a:rPr>
-              <a:t> </a:t>
-            </a:r>
-            <a:r>
-              <a:rPr lang="en-US" sz="1400" i="1" dirty="0" smtClean="0">
-                <a:solidFill>
-                  <a:schemeClr val="bg2"/>
-                </a:solidFill>
-                <a:latin typeface="+mn-lt"/>
-                <a:ea typeface="ヒラギノ角ゴ Pro W3" charset="0"/>
-                <a:cs typeface="Consolas" pitchFamily="49" charset="0"/>
-              </a:rPr>
-              <a:t>          C++ $</a:t>
-            </a:r>
-            <a:endParaRPr lang="en-US" sz="1400" i="1" dirty="0" smtClean="0">
-              <a:solidFill>
-                <a:schemeClr val="bg2"/>
-              </a:solidFill>
-              <a:latin typeface="+mn-lt"/>
-              <a:ea typeface="ヒラギノ角ゴ Pro W3" charset="0"/>
-              <a:cs typeface="Consolas" pitchFamily="49" charset="0"/>
-            </a:endParaRPr>
+              <a:t>           C++ $</a:t>
+            </a:r>
           </a:p>
         </p:txBody>
       </p:sp>
@@ -12349,11 +12325,7 @@
             <a:pPr algn="ctr"/>
             <a:r>
               <a:rPr lang="en-US" sz="3200" dirty="0" smtClean="0"/>
-              <a:t>Hereditary </a:t>
-            </a:r>
-            <a:r>
-              <a:rPr lang="en-US" sz="3200" dirty="0" smtClean="0"/>
-              <a:t>disease</a:t>
+              <a:t>Hereditary disease</a:t>
             </a:r>
             <a:endParaRPr lang="en-US" sz="3200" dirty="0"/>
           </a:p>
@@ -13151,11 +13123,7 @@
             <a:pPr algn="ctr"/>
             <a:r>
               <a:rPr lang="en-US" sz="3200" dirty="0" smtClean="0"/>
-              <a:t>Hereditary </a:t>
-            </a:r>
-            <a:r>
-              <a:rPr lang="en-US" sz="3200" dirty="0" smtClean="0"/>
-              <a:t>disease</a:t>
+              <a:t>Hereditary disease</a:t>
             </a:r>
             <a:endParaRPr lang="en-US" sz="3200" dirty="0"/>
           </a:p>
@@ -13658,18 +13626,7 @@
                 <a:ea typeface="ヒラギノ角ゴ Pro W3" charset="0"/>
                 <a:cs typeface="Consolas" pitchFamily="49" charset="0"/>
               </a:rPr>
-              <a:t>00000000004005e4 </a:t>
-            </a:r>
-            <a:r>
-              <a:rPr lang="en-US" sz="1050" dirty="0" smtClean="0">
-                <a:solidFill>
-                  <a:schemeClr val="bg2"/>
-                </a:solidFill>
-                <a:latin typeface="Consolas" pitchFamily="49" charset="0"/>
-                <a:ea typeface="ヒラギノ角ゴ Pro W3" charset="0"/>
-                <a:cs typeface="Consolas" pitchFamily="49" charset="0"/>
-              </a:rPr>
-              <a:t>&lt;_Z4fooBv&gt;:</a:t>
+              <a:t>00000000004005e4 &lt;_Z4fooBv&gt;:</a:t>
             </a:r>
           </a:p>
           <a:p>
@@ -14034,14 +13991,6 @@
               </a:rPr>
               <a:t>...</a:t>
             </a:r>
-            <a:endParaRPr lang="en-US" sz="1050" dirty="0" smtClean="0">
-              <a:solidFill>
-                <a:schemeClr val="bg2"/>
-              </a:solidFill>
-              <a:latin typeface="Consolas" pitchFamily="49" charset="0"/>
-              <a:ea typeface="ヒラギノ角ゴ Pro W3" charset="0"/>
-              <a:cs typeface="Consolas" pitchFamily="49" charset="0"/>
-            </a:endParaRPr>
           </a:p>
         </p:txBody>
       </p:sp>
@@ -14093,11 +14042,7 @@
             <a:pPr algn="ctr"/>
             <a:r>
               <a:rPr lang="en-US" sz="3200" dirty="0" smtClean="0"/>
-              <a:t>Hereditary </a:t>
-            </a:r>
-            <a:r>
-              <a:rPr lang="en-US" sz="3200" dirty="0" smtClean="0"/>
-              <a:t>disease</a:t>
+              <a:t>Hereditary disease</a:t>
             </a:r>
             <a:endParaRPr lang="en-US" sz="3200" dirty="0"/>
           </a:p>
@@ -14268,18 +14213,7 @@
                 <a:ea typeface="ヒラギノ角ゴ Pro W3" charset="0"/>
                 <a:cs typeface="Consolas" pitchFamily="49" charset="0"/>
               </a:rPr>
-              <a:t>00000000004005b4 </a:t>
-            </a:r>
-            <a:r>
-              <a:rPr lang="en-US" sz="1050" dirty="0" smtClean="0">
-                <a:solidFill>
-                  <a:schemeClr val="bg2"/>
-                </a:solidFill>
-                <a:latin typeface="Consolas" pitchFamily="49" charset="0"/>
-                <a:ea typeface="ヒラギノ角ゴ Pro W3" charset="0"/>
-                <a:cs typeface="Consolas" pitchFamily="49" charset="0"/>
-              </a:rPr>
-              <a:t>&lt;_ZN1S3fooEv&gt;:</a:t>
+              <a:t>00000000004005b4 &lt;_ZN1S3fooEv&gt;:</a:t>
             </a:r>
           </a:p>
           <a:p>
@@ -14770,7 +14704,18 @@
                 <a:ea typeface="ヒラギノ角ゴ Pro W3" charset="0"/>
                 <a:cs typeface="Consolas" pitchFamily="49" charset="0"/>
               </a:rPr>
-              <a:t>Contents </a:t>
+              <a:t>Contents of section .</a:t>
+            </a:r>
+            <a:r>
+              <a:rPr lang="en-US" sz="1050" dirty="0" err="1" smtClean="0">
+                <a:solidFill>
+                  <a:schemeClr val="bg2"/>
+                </a:solidFill>
+                <a:latin typeface="Consolas" pitchFamily="49" charset="0"/>
+                <a:ea typeface="ヒラギノ角ゴ Pro W3" charset="0"/>
+                <a:cs typeface="Consolas" pitchFamily="49" charset="0"/>
+              </a:rPr>
+              <a:t>rodata</a:t>
             </a:r>
             <a:r>
               <a:rPr lang="en-US" sz="1050" dirty="0" smtClean="0">
@@ -14781,7 +14726,33 @@
                 <a:ea typeface="ヒラギノ角ゴ Pro W3" charset="0"/>
                 <a:cs typeface="Consolas" pitchFamily="49" charset="0"/>
               </a:rPr>
-              <a:t>of section .</a:t>
+              <a:t>:</a:t>
+            </a:r>
+          </a:p>
+          <a:p>
+            <a:r>
+              <a:rPr lang="en-US" sz="1050" dirty="0" smtClean="0">
+                <a:solidFill>
+                  <a:schemeClr val="bg2"/>
+                </a:solidFill>
+                <a:latin typeface="Consolas" pitchFamily="49" charset="0"/>
+                <a:ea typeface="ヒラギノ角ゴ Pro W3" charset="0"/>
+                <a:cs typeface="Consolas" pitchFamily="49" charset="0"/>
+              </a:rPr>
+              <a:t> 4006f8 01000200 00000000 00000000 00000000  ................</a:t>
+            </a:r>
+          </a:p>
+          <a:p>
+            <a:r>
+              <a:rPr lang="en-US" sz="1050" dirty="0" smtClean="0">
+                <a:solidFill>
+                  <a:schemeClr val="bg2"/>
+                </a:solidFill>
+                <a:latin typeface="Consolas" pitchFamily="49" charset="0"/>
+                <a:ea typeface="ヒラギノ角ゴ Pro W3" charset="0"/>
+                <a:cs typeface="Consolas" pitchFamily="49" charset="0"/>
+              </a:rPr>
+              <a:t> 400708 412e6370 7000422e 63707000           </a:t>
             </a:r>
             <a:r>
               <a:rPr lang="en-US" sz="1050" dirty="0" err="1" smtClean="0">
@@ -14792,7 +14763,7 @@
                 <a:ea typeface="ヒラギノ角ゴ Pro W3" charset="0"/>
                 <a:cs typeface="Consolas" pitchFamily="49" charset="0"/>
               </a:rPr>
-              <a:t>rodata</a:t>
+              <a:t>A.cpp.B.cpp</a:t>
             </a:r>
             <a:r>
               <a:rPr lang="en-US" sz="1050" dirty="0" smtClean="0">
@@ -14803,7 +14774,7 @@
                 <a:ea typeface="ヒラギノ角ゴ Pro W3" charset="0"/>
                 <a:cs typeface="Consolas" pitchFamily="49" charset="0"/>
               </a:rPr>
-              <a:t>:</a:t>
+              <a:t>.</a:t>
             </a:r>
           </a:p>
           <a:p>
@@ -14816,64 +14787,8 @@
                 <a:ea typeface="ヒラギノ角ゴ Pro W3" charset="0"/>
                 <a:cs typeface="Consolas" pitchFamily="49" charset="0"/>
               </a:rPr>
-              <a:t> 4006f8 01000200 00000000 00000000 00000000  ................</a:t>
-            </a:r>
-          </a:p>
-          <a:p>
-            <a:r>
-              <a:rPr lang="en-US" sz="1050" dirty="0" smtClean="0">
-                <a:solidFill>
-                  <a:schemeClr val="bg2"/>
-                </a:solidFill>
-                <a:latin typeface="Consolas" pitchFamily="49" charset="0"/>
-                <a:ea typeface="ヒラギノ角ゴ Pro W3" charset="0"/>
-                <a:cs typeface="Consolas" pitchFamily="49" charset="0"/>
-              </a:rPr>
-              <a:t> 400708 412e6370 7000422e 63707000           </a:t>
-            </a:r>
-            <a:r>
-              <a:rPr lang="en-US" sz="1050" dirty="0" err="1" smtClean="0">
-                <a:solidFill>
-                  <a:schemeClr val="bg2"/>
-                </a:solidFill>
-                <a:latin typeface="Consolas" pitchFamily="49" charset="0"/>
-                <a:ea typeface="ヒラギノ角ゴ Pro W3" charset="0"/>
-                <a:cs typeface="Consolas" pitchFamily="49" charset="0"/>
-              </a:rPr>
-              <a:t>A.cpp.B.cpp</a:t>
-            </a:r>
-            <a:r>
-              <a:rPr lang="en-US" sz="1050" dirty="0" smtClean="0">
-                <a:solidFill>
-                  <a:schemeClr val="bg2"/>
-                </a:solidFill>
-                <a:latin typeface="Consolas" pitchFamily="49" charset="0"/>
-                <a:ea typeface="ヒラギノ角ゴ Pro W3" charset="0"/>
-                <a:cs typeface="Consolas" pitchFamily="49" charset="0"/>
-              </a:rPr>
-              <a:t>.</a:t>
-            </a:r>
-          </a:p>
-          <a:p>
-            <a:r>
-              <a:rPr lang="en-US" sz="1050" dirty="0" smtClean="0">
-                <a:solidFill>
-                  <a:schemeClr val="bg2"/>
-                </a:solidFill>
-                <a:latin typeface="Consolas" pitchFamily="49" charset="0"/>
-                <a:ea typeface="ヒラギノ角ゴ Pro W3" charset="0"/>
-                <a:cs typeface="Consolas" pitchFamily="49" charset="0"/>
-              </a:rPr>
               <a:t>...</a:t>
             </a:r>
-            <a:endParaRPr lang="en-US" sz="1050" dirty="0" smtClean="0">
-              <a:solidFill>
-                <a:schemeClr val="bg2"/>
-              </a:solidFill>
-              <a:latin typeface="Consolas" pitchFamily="49" charset="0"/>
-              <a:ea typeface="ヒラギノ角ゴ Pro W3" charset="0"/>
-              <a:cs typeface="Consolas" pitchFamily="49" charset="0"/>
-            </a:endParaRPr>
           </a:p>
           <a:p>
             <a:endParaRPr lang="en-US" sz="1050" dirty="0" smtClean="0">
@@ -14947,14 +14862,6 @@
               </a:rPr>
               <a:t>.”</a:t>
             </a:r>
-            <a:endParaRPr lang="en-US" sz="1400" i="1" dirty="0" smtClean="0">
-              <a:solidFill>
-                <a:schemeClr val="bg2"/>
-              </a:solidFill>
-              <a:latin typeface="+mn-lt"/>
-              <a:ea typeface="ヒラギノ角ゴ Pro W3" charset="0"/>
-              <a:cs typeface="Consolas" pitchFamily="49" charset="0"/>
-            </a:endParaRPr>
           </a:p>
         </p:txBody>
       </p:sp>
@@ -14995,7 +14902,7 @@
         </p:nvSpPr>
         <p:spPr>
           <a:xfrm>
-            <a:off x="416169" y="435143"/>
+            <a:off x="416169" y="363135"/>
             <a:ext cx="8229600" cy="480423"/>
           </a:xfrm>
         </p:spPr>
@@ -15006,7 +14913,7 @@
             <a:pPr algn="ctr"/>
             <a:r>
               <a:rPr lang="en-US" sz="3200" dirty="0" smtClean="0"/>
-              <a:t>Do linker throws away unused code?</a:t>
+              <a:t>Static libraries</a:t>
             </a:r>
             <a:endParaRPr lang="en-US" sz="3200" dirty="0"/>
           </a:p>
@@ -15119,16 +15026,6 @@
               <a:tabLst/>
               <a:defRPr/>
             </a:pPr>
-            <a:r>
-              <a:rPr lang="en-US" sz="2400" dirty="0" smtClean="0">
-                <a:solidFill>
-                  <a:schemeClr val="bg2"/>
-                </a:solidFill>
-                <a:latin typeface="+mn-lt"/>
-                <a:ea typeface="ヒラギノ角ゴ Pro W3" charset="0"/>
-              </a:rPr>
-              <a:t>Prepare example of another mistake with unused code.</a:t>
-            </a:r>
             <a:endParaRPr kumimoji="0" lang="en-US" sz="2400" b="0" i="0" u="none" strike="noStrike" kern="1200" cap="none" spc="0" normalizeH="0" baseline="0" noProof="0" dirty="0" smtClean="0">
               <a:ln>
                 <a:noFill/>
@@ -15146,6 +15043,136 @@
           </a:p>
         </p:txBody>
       </p:sp>
+      <p:sp>
+        <p:nvSpPr>
+          <p:cNvPr id="7" name="Content Placeholder 2"/>
+          <p:cNvSpPr txBox="1">
+            <a:spLocks/>
+          </p:cNvSpPr>
+          <p:nvPr/>
+        </p:nvSpPr>
+        <p:spPr bwMode="auto">
+          <a:xfrm>
+            <a:off x="1168887" y="4236318"/>
+            <a:ext cx="6787489" cy="279648"/>
+          </a:xfrm>
+          <a:prstGeom prst="rect">
+            <a:avLst/>
+          </a:prstGeom>
+          <a:noFill/>
+          <a:ln w="9525">
+            <a:noFill/>
+            <a:miter lim="800000"/>
+            <a:headEnd/>
+            <a:tailEnd/>
+          </a:ln>
+        </p:spPr>
+        <p:txBody>
+          <a:bodyPr vert="horz" wrap="square" lIns="0" tIns="0" rIns="0" bIns="0" numCol="1" anchor="t" anchorCtr="0" compatLnSpc="1">
+            <a:prstTxWarp prst="textNoShape">
+              <a:avLst/>
+            </a:prstTxWarp>
+          </a:bodyPr>
+          <a:lstStyle/>
+          <a:p>
+            <a:pPr marL="458788" marR="0" lvl="1" indent="-228600" algn="l" defTabSz="457200" rtl="0" eaLnBrk="1" fontAlgn="base" latinLnBrk="0" hangingPunct="1">
+              <a:lnSpc>
+                <a:spcPct val="100000"/>
+              </a:lnSpc>
+              <a:spcBef>
+                <a:spcPct val="0"/>
+              </a:spcBef>
+              <a:spcAft>
+                <a:spcPts val="600"/>
+              </a:spcAft>
+              <a:buClrTx/>
+              <a:buSzTx/>
+              <a:tabLst/>
+              <a:defRPr/>
+            </a:pPr>
+            <a:r>
+              <a:rPr lang="en-US" i="1" dirty="0" smtClean="0">
+                <a:solidFill>
+                  <a:schemeClr val="bg2"/>
+                </a:solidFill>
+                <a:latin typeface="+mn-lt"/>
+                <a:ea typeface="ヒラギノ角ゴ Pro W3" charset="0"/>
+              </a:rPr>
+              <a:t>Note: Static </a:t>
+            </a:r>
+            <a:r>
+              <a:rPr lang="en-US" i="1" dirty="0" smtClean="0">
+                <a:solidFill>
+                  <a:schemeClr val="bg2"/>
+                </a:solidFill>
+                <a:latin typeface="+mn-lt"/>
+                <a:ea typeface="ヒラギノ角ゴ Pro W3" charset="0"/>
+              </a:rPr>
+              <a:t>library is just a </a:t>
+            </a:r>
+            <a:r>
+              <a:rPr lang="en-US" i="1" dirty="0" smtClean="0">
+                <a:solidFill>
+                  <a:schemeClr val="bg2"/>
+                </a:solidFill>
+                <a:latin typeface="+mn-lt"/>
+                <a:ea typeface="ヒラギノ角ゴ Pro W3" charset="0"/>
+              </a:rPr>
+              <a:t>collection(archive) </a:t>
+            </a:r>
+            <a:r>
+              <a:rPr lang="en-US" i="1" dirty="0" smtClean="0">
+                <a:solidFill>
+                  <a:schemeClr val="bg2"/>
+                </a:solidFill>
+                <a:latin typeface="+mn-lt"/>
+                <a:ea typeface="ヒラギノ角ゴ Pro W3" charset="0"/>
+              </a:rPr>
+              <a:t>of object files.</a:t>
+            </a:r>
+            <a:endParaRPr kumimoji="0" lang="en-US" b="0" i="1" u="none" strike="noStrike" kern="1200" cap="none" spc="0" normalizeH="0" baseline="0" noProof="0" dirty="0" smtClean="0">
+              <a:ln>
+                <a:noFill/>
+              </a:ln>
+              <a:solidFill>
+                <a:schemeClr val="bg2"/>
+              </a:solidFill>
+              <a:effectLst/>
+              <a:uLnTx/>
+              <a:uFillTx/>
+              <a:latin typeface="+mn-lt"/>
+              <a:ea typeface="ヒラギノ角ゴ Pro W3" charset="0"/>
+              <a:cs typeface="ヒラギノ角ゴ Pro W3"/>
+            </a:endParaRPr>
+          </a:p>
+        </p:txBody>
+      </p:sp>
+      <p:pic>
+        <p:nvPicPr>
+          <p:cNvPr id="3075" name="Picture 3" descr="D:\userdata\bakhvalo\My Documents\GitHub\Linker\Pictures\Static Library.jpg"/>
+          <p:cNvPicPr>
+            <a:picLocks noChangeAspect="1" noChangeArrowheads="1"/>
+          </p:cNvPicPr>
+          <p:nvPr/>
+        </p:nvPicPr>
+        <p:blipFill>
+          <a:blip r:embed="rId2"/>
+          <a:srcRect/>
+          <a:stretch>
+            <a:fillRect/>
+          </a:stretch>
+        </p:blipFill>
+        <p:spPr bwMode="auto">
+          <a:xfrm>
+            <a:off x="1631057" y="915566"/>
+            <a:ext cx="5605239" cy="3306926"/>
+          </a:xfrm>
+          <a:prstGeom prst="rect">
+            <a:avLst/>
+          </a:prstGeom>
+          <a:noFill/>
+        </p:spPr>
+      </p:pic>
     </p:spTree>
   </p:cSld>
   <p:clrMapOvr>
@@ -15397,7 +15424,7 @@
         </p:nvSpPr>
         <p:spPr>
           <a:xfrm>
-            <a:off x="416169" y="435143"/>
+            <a:off x="416169" y="363135"/>
             <a:ext cx="8229600" cy="480423"/>
           </a:xfrm>
         </p:spPr>
@@ -15548,8 +15575,8 @@
         </p:nvSpPr>
         <p:spPr bwMode="auto">
           <a:xfrm>
-            <a:off x="722920" y="1355998"/>
-            <a:ext cx="8227649" cy="2952328"/>
+            <a:off x="251520" y="4236318"/>
+            <a:ext cx="8587689" cy="279648"/>
           </a:xfrm>
           <a:prstGeom prst="rect">
             <a:avLst/>
@@ -15582,22 +15609,40 @@
               </a:spcAft>
               <a:buClrTx/>
               <a:buSzTx/>
-              <a:buFont typeface="Arial" pitchFamily="34" charset="0"/>
-              <a:buChar char="•"/>
               <a:tabLst/>
               <a:defRPr/>
             </a:pPr>
             <a:r>
-              <a:rPr lang="en-US" sz="2400" dirty="0" smtClean="0">
+              <a:rPr lang="en-US" i="1" dirty="0" smtClean="0">
                 <a:solidFill>
                   <a:schemeClr val="bg2"/>
                 </a:solidFill>
                 <a:latin typeface="+mn-lt"/>
                 <a:ea typeface="ヒラギノ角ゴ Pro W3" charset="0"/>
               </a:rPr>
-              <a:t>Static library is just a collection of object files.</a:t>
-            </a:r>
-            <a:endParaRPr kumimoji="0" lang="en-US" sz="2400" b="0" i="0" u="none" strike="noStrike" kern="1200" cap="none" spc="0" normalizeH="0" baseline="0" noProof="0" dirty="0" smtClean="0">
+              <a:t>Note: Static </a:t>
+            </a:r>
+            <a:r>
+              <a:rPr lang="en-US" i="1" dirty="0" smtClean="0">
+                <a:solidFill>
+                  <a:schemeClr val="bg2"/>
+                </a:solidFill>
+                <a:latin typeface="+mn-lt"/>
+                <a:ea typeface="ヒラギノ角ゴ Pro W3" charset="0"/>
+              </a:rPr>
+              <a:t>library </a:t>
+            </a:r>
+            <a:r>
+              <a:rPr lang="en-US" i="1" dirty="0" smtClean="0">
+                <a:solidFill>
+                  <a:schemeClr val="bg2"/>
+                </a:solidFill>
+                <a:latin typeface="+mn-lt"/>
+                <a:ea typeface="ヒラギノ角ゴ Pro W3" charset="0"/>
+              </a:rPr>
+              <a:t>are used like a building blocks for other components</a:t>
+            </a:r>
+            <a:endParaRPr kumimoji="0" lang="en-US" b="0" i="1" u="none" strike="noStrike" kern="1200" cap="none" spc="0" normalizeH="0" baseline="0" noProof="0" dirty="0" smtClean="0">
               <a:ln>
                 <a:noFill/>
               </a:ln>
@@ -15614,6 +15659,32 @@
           </a:p>
         </p:txBody>
       </p:sp>
+      <p:pic>
+        <p:nvPicPr>
+          <p:cNvPr id="4099" name="Picture 3" descr="D:\userdata\bakhvalo\My Documents\GitHub\Linker\Pictures\Static Library2.jpg"/>
+          <p:cNvPicPr>
+            <a:picLocks noChangeAspect="1" noChangeArrowheads="1"/>
+          </p:cNvPicPr>
+          <p:nvPr/>
+        </p:nvPicPr>
+        <p:blipFill>
+          <a:blip r:embed="rId2"/>
+          <a:srcRect/>
+          <a:stretch>
+            <a:fillRect/>
+          </a:stretch>
+        </p:blipFill>
+        <p:spPr bwMode="auto">
+          <a:xfrm>
+            <a:off x="804664" y="771550"/>
+            <a:ext cx="7511752" cy="3418176"/>
+          </a:xfrm>
+          <a:prstGeom prst="rect">
+            <a:avLst/>
+          </a:prstGeom>
+          <a:noFill/>
+        </p:spPr>
+      </p:pic>
     </p:spTree>
   </p:cSld>
   <p:clrMapOvr>
@@ -15662,7 +15733,7 @@
             <a:pPr algn="ctr"/>
             <a:r>
               <a:rPr lang="en-US" sz="3200" dirty="0" smtClean="0"/>
-              <a:t>Shared libraries</a:t>
+              <a:t>Do linker throws away unused code?</a:t>
             </a:r>
             <a:endParaRPr lang="en-US" sz="3200" dirty="0"/>
           </a:p>
@@ -15770,8 +15841,6 @@
               </a:spcAft>
               <a:buClrTx/>
               <a:buSzTx/>
-              <a:buFont typeface="Arial" pitchFamily="34" charset="0"/>
-              <a:buChar char="•"/>
               <a:tabLst/>
               <a:defRPr/>
             </a:pPr>
@@ -15794,96 +15863,546 @@
       </p:sp>
       <p:sp>
         <p:nvSpPr>
-          <p:cNvPr id="7" name="Content Placeholder 2"/>
-          <p:cNvSpPr txBox="1">
-            <a:spLocks/>
-          </p:cNvSpPr>
+          <p:cNvPr id="7" name="Rectangle 6"/>
+          <p:cNvSpPr/>
           <p:nvPr/>
         </p:nvSpPr>
-        <p:spPr bwMode="auto">
+        <p:spPr>
           <a:xfrm>
-            <a:off x="722920" y="1355998"/>
-            <a:ext cx="8227649" cy="2952328"/>
+            <a:off x="432048" y="1332513"/>
+            <a:ext cx="3995936" cy="2031325"/>
           </a:xfrm>
           <a:prstGeom prst="rect">
             <a:avLst/>
           </a:prstGeom>
-          <a:noFill/>
-          <a:ln w="9525">
-            <a:noFill/>
-            <a:miter lim="800000"/>
-            <a:headEnd/>
-            <a:tailEnd/>
-          </a:ln>
         </p:spPr>
         <p:txBody>
-          <a:bodyPr vert="horz" wrap="square" lIns="0" tIns="0" rIns="0" bIns="0" numCol="1" anchor="t" anchorCtr="0" compatLnSpc="1">
-            <a:prstTxWarp prst="textNoShape">
-              <a:avLst/>
-            </a:prstTxWarp>
+          <a:bodyPr wrap="square">
+            <a:spAutoFit/>
           </a:bodyPr>
           <a:lstStyle/>
           <a:p>
-            <a:pPr marL="458788" marR="0" lvl="1" indent="-228600" algn="l" defTabSz="457200" rtl="0" eaLnBrk="1" fontAlgn="base" latinLnBrk="0" hangingPunct="1">
-              <a:lnSpc>
-                <a:spcPct val="100000"/>
-              </a:lnSpc>
-              <a:spcBef>
-                <a:spcPct val="0"/>
-              </a:spcBef>
-              <a:spcAft>
-                <a:spcPts val="600"/>
-              </a:spcAft>
-              <a:buClrTx/>
-              <a:buSzTx/>
-              <a:buFont typeface="Arial" pitchFamily="34" charset="0"/>
-              <a:buChar char="•"/>
-              <a:tabLst/>
-              <a:defRPr/>
-            </a:pPr>
-            <a:r>
-              <a:rPr lang="en-US" sz="2400" dirty="0" smtClean="0">
-                <a:solidFill>
-                  <a:schemeClr val="bg2"/>
-                </a:solidFill>
-                <a:latin typeface="+mn-lt"/>
-                <a:ea typeface="ヒラギノ角ゴ Pro W3" charset="0"/>
-              </a:rPr>
-              <a:t>It would be a best approach to have the same copy of </a:t>
-            </a:r>
-            <a:r>
-              <a:rPr lang="en-US" sz="2400" dirty="0" err="1" smtClean="0">
-                <a:solidFill>
-                  <a:schemeClr val="bg2"/>
-                </a:solidFill>
-                <a:latin typeface="+mn-lt"/>
-                <a:ea typeface="ヒラギノ角ゴ Pro W3" charset="0"/>
-              </a:rPr>
-              <a:t>printf</a:t>
-            </a:r>
-            <a:r>
-              <a:rPr lang="en-US" sz="2400" dirty="0" smtClean="0">
-                <a:solidFill>
-                  <a:schemeClr val="bg2"/>
-                </a:solidFill>
-                <a:latin typeface="+mn-lt"/>
-                <a:ea typeface="ヒラギノ角ゴ Pro W3" charset="0"/>
-              </a:rPr>
-              <a:t>() in every executable file in our system. That’s why shared library were invented.</a:t>
-            </a:r>
-            <a:endParaRPr kumimoji="0" lang="en-US" sz="2400" b="0" i="0" u="none" strike="noStrike" kern="1200" cap="none" spc="0" normalizeH="0" baseline="0" noProof="0" dirty="0" smtClean="0">
-              <a:ln>
-                <a:noFill/>
-              </a:ln>
+            <a:pPr marL="458788" lvl="1" indent="-228600">
+              <a:spcAft>
+                <a:spcPts val="0"/>
+              </a:spcAft>
+              <a:defRPr/>
+            </a:pPr>
+            <a:r>
+              <a:rPr lang="en-US" sz="1400" dirty="0" smtClean="0">
+                <a:solidFill>
+                  <a:schemeClr val="bg2"/>
+                </a:solidFill>
+                <a:latin typeface="Consolas" pitchFamily="49" charset="0"/>
+                <a:ea typeface="ヒラギノ角ゴ Pro W3" charset="0"/>
+                <a:cs typeface="Consolas" pitchFamily="49" charset="0"/>
+              </a:rPr>
+              <a:t>// </a:t>
+            </a:r>
+            <a:r>
+              <a:rPr lang="en-US" sz="1400" dirty="0" err="1" smtClean="0">
+                <a:solidFill>
+                  <a:schemeClr val="bg2"/>
+                </a:solidFill>
+                <a:latin typeface="Consolas" pitchFamily="49" charset="0"/>
+                <a:ea typeface="ヒラギノ角ゴ Pro W3" charset="0"/>
+                <a:cs typeface="Consolas" pitchFamily="49" charset="0"/>
+              </a:rPr>
+              <a:t>Counter.h</a:t>
+            </a:r>
+            <a:endParaRPr lang="en-US" sz="1400" dirty="0" smtClean="0">
               <a:solidFill>
                 <a:schemeClr val="bg2"/>
               </a:solidFill>
-              <a:effectLst/>
-              <a:uLnTx/>
-              <a:uFillTx/>
-              <a:latin typeface="+mn-lt"/>
+              <a:latin typeface="Consolas" pitchFamily="49" charset="0"/>
               <a:ea typeface="ヒラギノ角ゴ Pro W3" charset="0"/>
-              <a:cs typeface="ヒラギノ角ゴ Pro W3"/>
+              <a:cs typeface="Consolas" pitchFamily="49" charset="0"/>
+            </a:endParaRPr>
+          </a:p>
+          <a:p>
+            <a:pPr marL="458788" lvl="1" indent="-228600">
+              <a:spcAft>
+                <a:spcPts val="0"/>
+              </a:spcAft>
+              <a:defRPr/>
+            </a:pPr>
+            <a:endParaRPr lang="en-US" sz="1400" dirty="0" smtClean="0">
+              <a:solidFill>
+                <a:schemeClr val="bg2"/>
+              </a:solidFill>
+              <a:latin typeface="Consolas" pitchFamily="49" charset="0"/>
+              <a:ea typeface="ヒラギノ角ゴ Pro W3" charset="0"/>
+              <a:cs typeface="Consolas" pitchFamily="49" charset="0"/>
+            </a:endParaRPr>
+          </a:p>
+          <a:p>
+            <a:pPr marL="458788" lvl="1" indent="-228600">
+              <a:spcAft>
+                <a:spcPts val="0"/>
+              </a:spcAft>
+              <a:defRPr/>
+            </a:pPr>
+            <a:r>
+              <a:rPr lang="en-US" sz="1400" dirty="0" smtClean="0">
+                <a:solidFill>
+                  <a:schemeClr val="bg2"/>
+                </a:solidFill>
+                <a:latin typeface="Consolas" pitchFamily="49" charset="0"/>
+                <a:ea typeface="ヒラギノ角ゴ Pro W3" charset="0"/>
+                <a:cs typeface="Consolas" pitchFamily="49" charset="0"/>
+              </a:rPr>
+              <a:t>#</a:t>
+            </a:r>
+            <a:r>
+              <a:rPr lang="en-US" sz="1400" dirty="0" err="1" smtClean="0">
+                <a:solidFill>
+                  <a:schemeClr val="bg2"/>
+                </a:solidFill>
+                <a:latin typeface="Consolas" pitchFamily="49" charset="0"/>
+                <a:ea typeface="ヒラギノ角ゴ Pro W3" charset="0"/>
+                <a:cs typeface="Consolas" pitchFamily="49" charset="0"/>
+              </a:rPr>
+              <a:t>pragma</a:t>
+            </a:r>
+            <a:r>
+              <a:rPr lang="en-US" sz="1400" dirty="0" smtClean="0">
+                <a:solidFill>
+                  <a:schemeClr val="bg2"/>
+                </a:solidFill>
+                <a:latin typeface="Consolas" pitchFamily="49" charset="0"/>
+                <a:ea typeface="ヒラギノ角ゴ Pro W3" charset="0"/>
+                <a:cs typeface="Consolas" pitchFamily="49" charset="0"/>
+              </a:rPr>
+              <a:t> once</a:t>
+            </a:r>
+          </a:p>
+          <a:p>
+            <a:pPr marL="458788" lvl="1" indent="-228600">
+              <a:spcAft>
+                <a:spcPts val="0"/>
+              </a:spcAft>
+              <a:defRPr/>
+            </a:pPr>
+            <a:endParaRPr lang="en-US" sz="1400" dirty="0" smtClean="0">
+              <a:solidFill>
+                <a:schemeClr val="bg2"/>
+              </a:solidFill>
+              <a:latin typeface="Consolas" pitchFamily="49" charset="0"/>
+              <a:ea typeface="ヒラギノ角ゴ Pro W3" charset="0"/>
+              <a:cs typeface="Consolas" pitchFamily="49" charset="0"/>
+            </a:endParaRPr>
+          </a:p>
+          <a:p>
+            <a:pPr marL="458788" lvl="1" indent="-228600">
+              <a:spcAft>
+                <a:spcPts val="0"/>
+              </a:spcAft>
+              <a:defRPr/>
+            </a:pPr>
+            <a:r>
+              <a:rPr lang="en-US" sz="1400" dirty="0" err="1" smtClean="0">
+                <a:solidFill>
+                  <a:schemeClr val="bg2"/>
+                </a:solidFill>
+                <a:latin typeface="Consolas" pitchFamily="49" charset="0"/>
+                <a:ea typeface="ヒラギノ角ゴ Pro W3" charset="0"/>
+                <a:cs typeface="Consolas" pitchFamily="49" charset="0"/>
+              </a:rPr>
+              <a:t>struct</a:t>
+            </a:r>
+            <a:r>
+              <a:rPr lang="en-US" sz="1400" dirty="0" smtClean="0">
+                <a:solidFill>
+                  <a:schemeClr val="bg2"/>
+                </a:solidFill>
+                <a:latin typeface="Consolas" pitchFamily="49" charset="0"/>
+                <a:ea typeface="ヒラギノ角ゴ Pro W3" charset="0"/>
+                <a:cs typeface="Consolas" pitchFamily="49" charset="0"/>
+              </a:rPr>
+              <a:t> Counter</a:t>
+            </a:r>
+          </a:p>
+          <a:p>
+            <a:pPr marL="458788" lvl="1" indent="-228600">
+              <a:spcAft>
+                <a:spcPts val="0"/>
+              </a:spcAft>
+              <a:defRPr/>
+            </a:pPr>
+            <a:r>
+              <a:rPr lang="en-US" sz="1400" dirty="0" smtClean="0">
+                <a:solidFill>
+                  <a:schemeClr val="bg2"/>
+                </a:solidFill>
+                <a:latin typeface="Consolas" pitchFamily="49" charset="0"/>
+                <a:ea typeface="ヒラギノ角ゴ Pro W3" charset="0"/>
+                <a:cs typeface="Consolas" pitchFamily="49" charset="0"/>
+              </a:rPr>
+              <a:t>{</a:t>
+            </a:r>
+          </a:p>
+          <a:p>
+            <a:pPr marL="458788" lvl="1" indent="-228600">
+              <a:spcAft>
+                <a:spcPts val="0"/>
+              </a:spcAft>
+              <a:defRPr/>
+            </a:pPr>
+            <a:r>
+              <a:rPr lang="en-US" sz="1400" dirty="0" smtClean="0">
+                <a:solidFill>
+                  <a:schemeClr val="bg2"/>
+                </a:solidFill>
+                <a:latin typeface="Consolas" pitchFamily="49" charset="0"/>
+                <a:ea typeface="ヒラギノ角ゴ Pro W3" charset="0"/>
+                <a:cs typeface="Consolas" pitchFamily="49" charset="0"/>
+              </a:rPr>
+              <a:t>    Counter();</a:t>
+            </a:r>
+          </a:p>
+          <a:p>
+            <a:pPr marL="458788" lvl="1" indent="-228600">
+              <a:spcAft>
+                <a:spcPts val="0"/>
+              </a:spcAft>
+              <a:defRPr/>
+            </a:pPr>
+            <a:r>
+              <a:rPr lang="en-US" sz="1400" dirty="0" smtClean="0">
+                <a:solidFill>
+                  <a:schemeClr val="bg2"/>
+                </a:solidFill>
+                <a:latin typeface="Consolas" pitchFamily="49" charset="0"/>
+                <a:ea typeface="ヒラギノ角ゴ Pro W3" charset="0"/>
+                <a:cs typeface="Consolas" pitchFamily="49" charset="0"/>
+              </a:rPr>
+              <a:t>    static unsigned </a:t>
+            </a:r>
+            <a:r>
+              <a:rPr lang="en-US" sz="1400" dirty="0" err="1" smtClean="0">
+                <a:solidFill>
+                  <a:schemeClr val="bg2"/>
+                </a:solidFill>
+                <a:latin typeface="Consolas" pitchFamily="49" charset="0"/>
+                <a:ea typeface="ヒラギノ角ゴ Pro W3" charset="0"/>
+                <a:cs typeface="Consolas" pitchFamily="49" charset="0"/>
+              </a:rPr>
+              <a:t>int</a:t>
+            </a:r>
+            <a:r>
+              <a:rPr lang="en-US" sz="1400" dirty="0" smtClean="0">
+                <a:solidFill>
+                  <a:schemeClr val="bg2"/>
+                </a:solidFill>
+                <a:latin typeface="Consolas" pitchFamily="49" charset="0"/>
+                <a:ea typeface="ヒラギノ角ゴ Pro W3" charset="0"/>
+                <a:cs typeface="Consolas" pitchFamily="49" charset="0"/>
+              </a:rPr>
+              <a:t> count;</a:t>
+            </a:r>
+          </a:p>
+          <a:p>
+            <a:pPr marL="458788" lvl="1" indent="-228600">
+              <a:spcAft>
+                <a:spcPts val="0"/>
+              </a:spcAft>
+              <a:defRPr/>
+            </a:pPr>
+            <a:r>
+              <a:rPr lang="en-US" sz="1400" dirty="0" smtClean="0">
+                <a:solidFill>
+                  <a:schemeClr val="bg2"/>
+                </a:solidFill>
+                <a:latin typeface="Consolas" pitchFamily="49" charset="0"/>
+                <a:ea typeface="ヒラギノ角ゴ Pro W3" charset="0"/>
+                <a:cs typeface="Consolas" pitchFamily="49" charset="0"/>
+              </a:rPr>
+              <a:t>};</a:t>
+            </a:r>
+          </a:p>
+        </p:txBody>
+      </p:sp>
+      <p:sp>
+        <p:nvSpPr>
+          <p:cNvPr id="8" name="Rectangle 7"/>
+          <p:cNvSpPr/>
+          <p:nvPr/>
+        </p:nvSpPr>
+        <p:spPr>
+          <a:xfrm>
+            <a:off x="4499992" y="1333093"/>
+            <a:ext cx="3995936" cy="2246769"/>
+          </a:xfrm>
+          <a:prstGeom prst="rect">
+            <a:avLst/>
+          </a:prstGeom>
+        </p:spPr>
+        <p:txBody>
+          <a:bodyPr wrap="square">
+            <a:spAutoFit/>
+          </a:bodyPr>
+          <a:lstStyle/>
+          <a:p>
+            <a:pPr marL="458788" lvl="1" indent="-228600">
+              <a:spcAft>
+                <a:spcPts val="0"/>
+              </a:spcAft>
+              <a:defRPr/>
+            </a:pPr>
+            <a:r>
+              <a:rPr lang="en-US" sz="1400" dirty="0" smtClean="0">
+                <a:solidFill>
+                  <a:schemeClr val="bg2"/>
+                </a:solidFill>
+                <a:latin typeface="Consolas" pitchFamily="49" charset="0"/>
+                <a:ea typeface="ヒラギノ角ゴ Pro W3" charset="0"/>
+                <a:cs typeface="Consolas" pitchFamily="49" charset="0"/>
+              </a:rPr>
+              <a:t>// </a:t>
+            </a:r>
+            <a:r>
+              <a:rPr lang="en-US" sz="1400" dirty="0" smtClean="0">
+                <a:solidFill>
+                  <a:schemeClr val="bg2"/>
+                </a:solidFill>
+                <a:latin typeface="Consolas" pitchFamily="49" charset="0"/>
+                <a:ea typeface="ヒラギノ角ゴ Pro W3" charset="0"/>
+                <a:cs typeface="Consolas" pitchFamily="49" charset="0"/>
+              </a:rPr>
+              <a:t>Counter.cpp</a:t>
+            </a:r>
+            <a:endParaRPr lang="en-US" sz="1400" dirty="0" smtClean="0">
+              <a:solidFill>
+                <a:schemeClr val="bg2"/>
+              </a:solidFill>
+              <a:latin typeface="Consolas" pitchFamily="49" charset="0"/>
+              <a:ea typeface="ヒラギノ角ゴ Pro W3" charset="0"/>
+              <a:cs typeface="Consolas" pitchFamily="49" charset="0"/>
+            </a:endParaRPr>
+          </a:p>
+          <a:p>
+            <a:pPr marL="458788" lvl="1" indent="-228600">
+              <a:spcAft>
+                <a:spcPts val="0"/>
+              </a:spcAft>
+              <a:defRPr/>
+            </a:pPr>
+            <a:endParaRPr lang="en-US" sz="1400" dirty="0" smtClean="0">
+              <a:solidFill>
+                <a:schemeClr val="bg2"/>
+              </a:solidFill>
+              <a:latin typeface="Consolas" pitchFamily="49" charset="0"/>
+              <a:ea typeface="ヒラギノ角ゴ Pro W3" charset="0"/>
+              <a:cs typeface="Consolas" pitchFamily="49" charset="0"/>
+            </a:endParaRPr>
+          </a:p>
+          <a:p>
+            <a:pPr marL="458788" lvl="1" indent="-228600">
+              <a:spcAft>
+                <a:spcPts val="0"/>
+              </a:spcAft>
+              <a:defRPr/>
+            </a:pPr>
+            <a:r>
+              <a:rPr lang="en-US" sz="1400" dirty="0" smtClean="0">
+                <a:solidFill>
+                  <a:schemeClr val="bg2"/>
+                </a:solidFill>
+                <a:latin typeface="Consolas" pitchFamily="49" charset="0"/>
+                <a:ea typeface="ヒラギノ角ゴ Pro W3" charset="0"/>
+                <a:cs typeface="Consolas" pitchFamily="49" charset="0"/>
+              </a:rPr>
+              <a:t>#</a:t>
+            </a:r>
+            <a:r>
+              <a:rPr lang="en-US" sz="1400" dirty="0" smtClean="0">
+                <a:solidFill>
+                  <a:schemeClr val="bg2"/>
+                </a:solidFill>
+                <a:latin typeface="Consolas" pitchFamily="49" charset="0"/>
+                <a:ea typeface="ヒラギノ角ゴ Pro W3" charset="0"/>
+                <a:cs typeface="Consolas" pitchFamily="49" charset="0"/>
+              </a:rPr>
+              <a:t>include "</a:t>
+            </a:r>
+            <a:r>
+              <a:rPr lang="en-US" sz="1400" dirty="0" err="1" smtClean="0">
+                <a:solidFill>
+                  <a:schemeClr val="bg2"/>
+                </a:solidFill>
+                <a:latin typeface="Consolas" pitchFamily="49" charset="0"/>
+                <a:ea typeface="ヒラギノ角ゴ Pro W3" charset="0"/>
+                <a:cs typeface="Consolas" pitchFamily="49" charset="0"/>
+              </a:rPr>
+              <a:t>Counter.h</a:t>
+            </a:r>
+            <a:r>
+              <a:rPr lang="en-US" sz="1400" dirty="0" smtClean="0">
+                <a:solidFill>
+                  <a:schemeClr val="bg2"/>
+                </a:solidFill>
+                <a:latin typeface="Consolas" pitchFamily="49" charset="0"/>
+                <a:ea typeface="ヒラギノ角ゴ Pro W3" charset="0"/>
+                <a:cs typeface="Consolas" pitchFamily="49" charset="0"/>
+              </a:rPr>
+              <a:t>"</a:t>
+            </a:r>
+          </a:p>
+          <a:p>
+            <a:pPr marL="458788" lvl="1" indent="-228600">
+              <a:spcAft>
+                <a:spcPts val="0"/>
+              </a:spcAft>
+              <a:defRPr/>
+            </a:pPr>
+            <a:endParaRPr lang="en-US" sz="1400" dirty="0" smtClean="0">
+              <a:solidFill>
+                <a:schemeClr val="bg2"/>
+              </a:solidFill>
+              <a:latin typeface="Consolas" pitchFamily="49" charset="0"/>
+              <a:ea typeface="ヒラギノ角ゴ Pro W3" charset="0"/>
+              <a:cs typeface="Consolas" pitchFamily="49" charset="0"/>
+            </a:endParaRPr>
+          </a:p>
+          <a:p>
+            <a:pPr marL="458788" lvl="1" indent="-228600">
+              <a:spcAft>
+                <a:spcPts val="0"/>
+              </a:spcAft>
+              <a:defRPr/>
+            </a:pPr>
+            <a:r>
+              <a:rPr lang="en-US" sz="1400" dirty="0" smtClean="0">
+                <a:solidFill>
+                  <a:schemeClr val="bg2"/>
+                </a:solidFill>
+                <a:latin typeface="Consolas" pitchFamily="49" charset="0"/>
+                <a:ea typeface="ヒラギノ角ゴ Pro W3" charset="0"/>
+                <a:cs typeface="Consolas" pitchFamily="49" charset="0"/>
+              </a:rPr>
+              <a:t>unsigned </a:t>
+            </a:r>
+            <a:r>
+              <a:rPr lang="en-US" sz="1400" dirty="0" err="1" smtClean="0">
+                <a:solidFill>
+                  <a:schemeClr val="bg2"/>
+                </a:solidFill>
+                <a:latin typeface="Consolas" pitchFamily="49" charset="0"/>
+                <a:ea typeface="ヒラギノ角ゴ Pro W3" charset="0"/>
+                <a:cs typeface="Consolas" pitchFamily="49" charset="0"/>
+              </a:rPr>
+              <a:t>int</a:t>
+            </a:r>
+            <a:r>
+              <a:rPr lang="en-US" sz="1400" dirty="0" smtClean="0">
+                <a:solidFill>
+                  <a:schemeClr val="bg2"/>
+                </a:solidFill>
+                <a:latin typeface="Consolas" pitchFamily="49" charset="0"/>
+                <a:ea typeface="ヒラギノ角ゴ Pro W3" charset="0"/>
+                <a:cs typeface="Consolas" pitchFamily="49" charset="0"/>
+              </a:rPr>
+              <a:t> Counter::count = 0;</a:t>
+            </a:r>
+          </a:p>
+          <a:p>
+            <a:pPr marL="458788" lvl="1" indent="-228600">
+              <a:spcAft>
+                <a:spcPts val="0"/>
+              </a:spcAft>
+              <a:defRPr/>
+            </a:pPr>
+            <a:endParaRPr lang="en-US" sz="1400" dirty="0" smtClean="0">
+              <a:solidFill>
+                <a:schemeClr val="bg2"/>
+              </a:solidFill>
+              <a:latin typeface="Consolas" pitchFamily="49" charset="0"/>
+              <a:ea typeface="ヒラギノ角ゴ Pro W3" charset="0"/>
+              <a:cs typeface="Consolas" pitchFamily="49" charset="0"/>
+            </a:endParaRPr>
+          </a:p>
+          <a:p>
+            <a:pPr marL="458788" lvl="1" indent="-228600">
+              <a:spcAft>
+                <a:spcPts val="0"/>
+              </a:spcAft>
+              <a:defRPr/>
+            </a:pPr>
+            <a:r>
+              <a:rPr lang="en-US" sz="1400" dirty="0" smtClean="0">
+                <a:solidFill>
+                  <a:schemeClr val="bg2"/>
+                </a:solidFill>
+                <a:latin typeface="Consolas" pitchFamily="49" charset="0"/>
+                <a:ea typeface="ヒラギノ角ゴ Pro W3" charset="0"/>
+                <a:cs typeface="Consolas" pitchFamily="49" charset="0"/>
+              </a:rPr>
+              <a:t>Counter::Counter() </a:t>
+            </a:r>
+          </a:p>
+          <a:p>
+            <a:pPr marL="458788" lvl="1" indent="-228600">
+              <a:spcAft>
+                <a:spcPts val="0"/>
+              </a:spcAft>
+              <a:defRPr/>
+            </a:pPr>
+            <a:r>
+              <a:rPr lang="en-US" sz="1400" dirty="0" smtClean="0">
+                <a:solidFill>
+                  <a:schemeClr val="bg2"/>
+                </a:solidFill>
+                <a:latin typeface="Consolas" pitchFamily="49" charset="0"/>
+                <a:ea typeface="ヒラギノ角ゴ Pro W3" charset="0"/>
+                <a:cs typeface="Consolas" pitchFamily="49" charset="0"/>
+              </a:rPr>
+              <a:t>{ </a:t>
+            </a:r>
+          </a:p>
+          <a:p>
+            <a:pPr marL="458788" lvl="1" indent="-228600">
+              <a:spcAft>
+                <a:spcPts val="0"/>
+              </a:spcAft>
+              <a:defRPr/>
+            </a:pPr>
+            <a:r>
+              <a:rPr lang="en-US" sz="1400" dirty="0" smtClean="0">
+                <a:solidFill>
+                  <a:schemeClr val="bg2"/>
+                </a:solidFill>
+                <a:latin typeface="Consolas" pitchFamily="49" charset="0"/>
+                <a:ea typeface="ヒラギノ角ゴ Pro W3" charset="0"/>
+                <a:cs typeface="Consolas" pitchFamily="49" charset="0"/>
+              </a:rPr>
+              <a:t>    ++count; </a:t>
+            </a:r>
+          </a:p>
+          <a:p>
+            <a:pPr marL="458788" lvl="1" indent="-228600">
+              <a:spcAft>
+                <a:spcPts val="0"/>
+              </a:spcAft>
+              <a:defRPr/>
+            </a:pPr>
+            <a:r>
+              <a:rPr lang="en-US" sz="1400" dirty="0" smtClean="0">
+                <a:solidFill>
+                  <a:schemeClr val="bg2"/>
+                </a:solidFill>
+                <a:latin typeface="Consolas" pitchFamily="49" charset="0"/>
+                <a:ea typeface="ヒラギノ角ゴ Pro W3" charset="0"/>
+                <a:cs typeface="Consolas" pitchFamily="49" charset="0"/>
+              </a:rPr>
+              <a:t>}</a:t>
+            </a:r>
+            <a:endParaRPr lang="en-US" sz="1400" dirty="0">
+              <a:solidFill>
+                <a:schemeClr val="bg2"/>
+              </a:solidFill>
+              <a:latin typeface="Consolas" pitchFamily="49" charset="0"/>
+              <a:ea typeface="ヒラギノ角ゴ Pro W3" charset="0"/>
+              <a:cs typeface="Consolas" pitchFamily="49" charset="0"/>
             </a:endParaRPr>
           </a:p>
         </p:txBody>
@@ -15936,7 +16455,7 @@
             <a:pPr algn="ctr"/>
             <a:r>
               <a:rPr lang="en-US" sz="3200" dirty="0" smtClean="0"/>
-              <a:t>Export from shared library</a:t>
+              <a:t>Do linker throws away unused code?</a:t>
             </a:r>
             <a:endParaRPr lang="en-US" sz="3200" dirty="0"/>
           </a:p>
@@ -16044,8 +16563,6 @@
               </a:spcAft>
               <a:buClrTx/>
               <a:buSzTx/>
-              <a:buFont typeface="Arial" pitchFamily="34" charset="0"/>
-              <a:buChar char="•"/>
               <a:tabLst/>
               <a:defRPr/>
             </a:pPr>
@@ -16068,76 +16585,613 @@
       </p:sp>
       <p:sp>
         <p:nvSpPr>
-          <p:cNvPr id="7" name="Content Placeholder 2"/>
-          <p:cNvSpPr txBox="1">
-            <a:spLocks/>
-          </p:cNvSpPr>
+          <p:cNvPr id="7" name="Rectangle 6"/>
+          <p:cNvSpPr/>
           <p:nvPr/>
         </p:nvSpPr>
-        <p:spPr bwMode="auto">
+        <p:spPr>
           <a:xfrm>
-            <a:off x="722920" y="1355998"/>
-            <a:ext cx="8227649" cy="2952328"/>
+            <a:off x="648072" y="1332513"/>
+            <a:ext cx="3995936" cy="2677656"/>
           </a:xfrm>
           <a:prstGeom prst="rect">
             <a:avLst/>
           </a:prstGeom>
-          <a:noFill/>
-          <a:ln w="9525">
-            <a:noFill/>
-            <a:miter lim="800000"/>
-            <a:headEnd/>
-            <a:tailEnd/>
-          </a:ln>
         </p:spPr>
         <p:txBody>
-          <a:bodyPr vert="horz" wrap="square" lIns="0" tIns="0" rIns="0" bIns="0" numCol="1" anchor="t" anchorCtr="0" compatLnSpc="1">
-            <a:prstTxWarp prst="textNoShape">
-              <a:avLst/>
-            </a:prstTxWarp>
+          <a:bodyPr wrap="square">
+            <a:spAutoFit/>
           </a:bodyPr>
           <a:lstStyle/>
           <a:p>
-            <a:pPr marL="458788" marR="0" lvl="1" indent="-228600" algn="l" defTabSz="457200" rtl="0" eaLnBrk="1" fontAlgn="base" latinLnBrk="0" hangingPunct="1">
-              <a:lnSpc>
-                <a:spcPct val="100000"/>
-              </a:lnSpc>
-              <a:spcBef>
-                <a:spcPct val="0"/>
-              </a:spcBef>
-              <a:spcAft>
-                <a:spcPts val="600"/>
-              </a:spcAft>
-              <a:buClrTx/>
-              <a:buSzTx/>
-              <a:buFont typeface="Arial" pitchFamily="34" charset="0"/>
-              <a:buChar char="•"/>
-              <a:tabLst/>
-              <a:defRPr/>
-            </a:pPr>
-            <a:r>
-              <a:rPr lang="en-US" sz="2400" dirty="0" smtClean="0">
-                <a:solidFill>
-                  <a:schemeClr val="bg2"/>
-                </a:solidFill>
-                <a:latin typeface="+mn-lt"/>
-                <a:ea typeface="ヒラギノ角ゴ Pro W3" charset="0"/>
-              </a:rPr>
-              <a:t>Name mangling</a:t>
-            </a:r>
-            <a:endParaRPr kumimoji="0" lang="en-US" sz="2400" b="0" i="0" u="none" strike="noStrike" kern="1200" cap="none" spc="0" normalizeH="0" baseline="0" noProof="0" dirty="0" smtClean="0">
-              <a:ln>
-                <a:noFill/>
-              </a:ln>
+            <a:pPr marL="458788" lvl="1" indent="-228600">
+              <a:spcAft>
+                <a:spcPts val="0"/>
+              </a:spcAft>
+              <a:defRPr/>
+            </a:pPr>
+            <a:r>
+              <a:rPr lang="en-US" sz="1400" dirty="0" smtClean="0">
+                <a:solidFill>
+                  <a:schemeClr val="bg2"/>
+                </a:solidFill>
+                <a:latin typeface="Consolas" pitchFamily="49" charset="0"/>
+                <a:ea typeface="ヒラギノ角ゴ Pro W3" charset="0"/>
+                <a:cs typeface="Consolas" pitchFamily="49" charset="0"/>
+              </a:rPr>
+              <a:t>// </a:t>
+            </a:r>
+            <a:r>
+              <a:rPr lang="en-US" sz="1400" dirty="0" smtClean="0">
+                <a:solidFill>
+                  <a:schemeClr val="bg2"/>
+                </a:solidFill>
+                <a:latin typeface="Consolas" pitchFamily="49" charset="0"/>
+                <a:ea typeface="ヒラギノ角ゴ Pro W3" charset="0"/>
+                <a:cs typeface="Consolas" pitchFamily="49" charset="0"/>
+              </a:rPr>
+              <a:t>A.cpp</a:t>
+            </a:r>
+            <a:endParaRPr lang="en-US" sz="1400" dirty="0" smtClean="0">
               <a:solidFill>
                 <a:schemeClr val="bg2"/>
               </a:solidFill>
-              <a:effectLst/>
-              <a:uLnTx/>
-              <a:uFillTx/>
-              <a:latin typeface="+mn-lt"/>
+              <a:latin typeface="Consolas" pitchFamily="49" charset="0"/>
               <a:ea typeface="ヒラギノ角ゴ Pro W3" charset="0"/>
-              <a:cs typeface="ヒラギノ角ゴ Pro W3"/>
+              <a:cs typeface="Consolas" pitchFamily="49" charset="0"/>
+            </a:endParaRPr>
+          </a:p>
+          <a:p>
+            <a:pPr marL="458788" lvl="1" indent="-228600">
+              <a:spcAft>
+                <a:spcPts val="0"/>
+              </a:spcAft>
+              <a:defRPr/>
+            </a:pPr>
+            <a:endParaRPr lang="en-US" sz="1400" dirty="0" smtClean="0">
+              <a:solidFill>
+                <a:schemeClr val="bg2"/>
+              </a:solidFill>
+              <a:latin typeface="Consolas" pitchFamily="49" charset="0"/>
+              <a:ea typeface="ヒラギノ角ゴ Pro W3" charset="0"/>
+              <a:cs typeface="Consolas" pitchFamily="49" charset="0"/>
+            </a:endParaRPr>
+          </a:p>
+          <a:p>
+            <a:pPr marL="458788" lvl="1" indent="-228600">
+              <a:spcAft>
+                <a:spcPts val="0"/>
+              </a:spcAft>
+              <a:defRPr/>
+            </a:pPr>
+            <a:r>
+              <a:rPr lang="en-US" sz="1400" dirty="0" smtClean="0">
+                <a:solidFill>
+                  <a:schemeClr val="bg2"/>
+                </a:solidFill>
+                <a:latin typeface="Consolas" pitchFamily="49" charset="0"/>
+                <a:ea typeface="ヒラギノ角ゴ Pro W3" charset="0"/>
+                <a:cs typeface="Consolas" pitchFamily="49" charset="0"/>
+              </a:rPr>
+              <a:t>#include "</a:t>
+            </a:r>
+            <a:r>
+              <a:rPr lang="en-US" sz="1400" dirty="0" err="1" smtClean="0">
+                <a:solidFill>
+                  <a:schemeClr val="bg2"/>
+                </a:solidFill>
+                <a:latin typeface="Consolas" pitchFamily="49" charset="0"/>
+                <a:ea typeface="ヒラギノ角ゴ Pro W3" charset="0"/>
+                <a:cs typeface="Consolas" pitchFamily="49" charset="0"/>
+              </a:rPr>
+              <a:t>Counter.h</a:t>
+            </a:r>
+            <a:r>
+              <a:rPr lang="en-US" sz="1400" dirty="0" smtClean="0">
+                <a:solidFill>
+                  <a:schemeClr val="bg2"/>
+                </a:solidFill>
+                <a:latin typeface="Consolas" pitchFamily="49" charset="0"/>
+                <a:ea typeface="ヒラギノ角ゴ Pro W3" charset="0"/>
+                <a:cs typeface="Consolas" pitchFamily="49" charset="0"/>
+              </a:rPr>
+              <a:t>"</a:t>
+            </a:r>
+          </a:p>
+          <a:p>
+            <a:pPr marL="458788" lvl="1" indent="-228600">
+              <a:spcAft>
+                <a:spcPts val="0"/>
+              </a:spcAft>
+              <a:defRPr/>
+            </a:pPr>
+            <a:endParaRPr lang="en-US" sz="1400" dirty="0" smtClean="0">
+              <a:solidFill>
+                <a:schemeClr val="bg2"/>
+              </a:solidFill>
+              <a:latin typeface="Consolas" pitchFamily="49" charset="0"/>
+              <a:ea typeface="ヒラギノ角ゴ Pro W3" charset="0"/>
+              <a:cs typeface="Consolas" pitchFamily="49" charset="0"/>
+            </a:endParaRPr>
+          </a:p>
+          <a:p>
+            <a:pPr marL="458788" lvl="1" indent="-228600">
+              <a:spcAft>
+                <a:spcPts val="0"/>
+              </a:spcAft>
+              <a:defRPr/>
+            </a:pPr>
+            <a:r>
+              <a:rPr lang="en-US" sz="1400" dirty="0" smtClean="0">
+                <a:solidFill>
+                  <a:schemeClr val="bg2"/>
+                </a:solidFill>
+                <a:latin typeface="Consolas" pitchFamily="49" charset="0"/>
+                <a:ea typeface="ヒラギノ角ゴ Pro W3" charset="0"/>
+                <a:cs typeface="Consolas" pitchFamily="49" charset="0"/>
+              </a:rPr>
+              <a:t>static Counter A</a:t>
+            </a:r>
+            <a:r>
+              <a:rPr lang="en-US" sz="1400" dirty="0" smtClean="0">
+                <a:solidFill>
+                  <a:schemeClr val="bg2"/>
+                </a:solidFill>
+                <a:latin typeface="Consolas" pitchFamily="49" charset="0"/>
+                <a:ea typeface="ヒラギノ角ゴ Pro W3" charset="0"/>
+                <a:cs typeface="Consolas" pitchFamily="49" charset="0"/>
+              </a:rPr>
+              <a:t>;</a:t>
+            </a:r>
+          </a:p>
+          <a:p>
+            <a:pPr marL="458788" lvl="1" indent="-228600">
+              <a:spcAft>
+                <a:spcPts val="0"/>
+              </a:spcAft>
+              <a:defRPr/>
+            </a:pPr>
+            <a:endParaRPr lang="en-US" sz="1400" dirty="0" smtClean="0">
+              <a:solidFill>
+                <a:schemeClr val="bg2"/>
+              </a:solidFill>
+              <a:latin typeface="Consolas" pitchFamily="49" charset="0"/>
+              <a:ea typeface="ヒラギノ角ゴ Pro W3" charset="0"/>
+              <a:cs typeface="Consolas" pitchFamily="49" charset="0"/>
+            </a:endParaRPr>
+          </a:p>
+          <a:p>
+            <a:pPr marL="458788" lvl="1" indent="-228600">
+              <a:spcAft>
+                <a:spcPts val="0"/>
+              </a:spcAft>
+              <a:defRPr/>
+            </a:pPr>
+            <a:endParaRPr lang="en-US" sz="1400" dirty="0" smtClean="0">
+              <a:solidFill>
+                <a:schemeClr val="bg2"/>
+              </a:solidFill>
+              <a:latin typeface="Consolas" pitchFamily="49" charset="0"/>
+              <a:ea typeface="ヒラギノ角ゴ Pro W3" charset="0"/>
+              <a:cs typeface="Consolas" pitchFamily="49" charset="0"/>
+            </a:endParaRPr>
+          </a:p>
+          <a:p>
+            <a:pPr marL="458788" lvl="1" indent="-228600">
+              <a:spcAft>
+                <a:spcPts val="0"/>
+              </a:spcAft>
+              <a:defRPr/>
+            </a:pPr>
+            <a:r>
+              <a:rPr lang="en-US" sz="1400" dirty="0" smtClean="0">
+                <a:solidFill>
+                  <a:schemeClr val="bg2"/>
+                </a:solidFill>
+                <a:latin typeface="Consolas" pitchFamily="49" charset="0"/>
+                <a:ea typeface="ヒラギノ角ゴ Pro W3" charset="0"/>
+                <a:cs typeface="Consolas" pitchFamily="49" charset="0"/>
+              </a:rPr>
+              <a:t>// B.cpp</a:t>
+            </a:r>
+          </a:p>
+          <a:p>
+            <a:pPr marL="458788" lvl="1" indent="-228600">
+              <a:spcAft>
+                <a:spcPts val="0"/>
+              </a:spcAft>
+              <a:defRPr/>
+            </a:pPr>
+            <a:endParaRPr lang="en-US" sz="1400" dirty="0" smtClean="0">
+              <a:solidFill>
+                <a:schemeClr val="bg2"/>
+              </a:solidFill>
+              <a:latin typeface="Consolas" pitchFamily="49" charset="0"/>
+              <a:ea typeface="ヒラギノ角ゴ Pro W3" charset="0"/>
+              <a:cs typeface="Consolas" pitchFamily="49" charset="0"/>
+            </a:endParaRPr>
+          </a:p>
+          <a:p>
+            <a:pPr marL="458788" lvl="1" indent="-228600">
+              <a:spcAft>
+                <a:spcPts val="0"/>
+              </a:spcAft>
+              <a:defRPr/>
+            </a:pPr>
+            <a:r>
+              <a:rPr lang="en-US" sz="1400" dirty="0" smtClean="0">
+                <a:solidFill>
+                  <a:schemeClr val="bg2"/>
+                </a:solidFill>
+                <a:latin typeface="Consolas" pitchFamily="49" charset="0"/>
+                <a:ea typeface="ヒラギノ角ゴ Pro W3" charset="0"/>
+                <a:cs typeface="Consolas" pitchFamily="49" charset="0"/>
+              </a:rPr>
+              <a:t>#include "</a:t>
+            </a:r>
+            <a:r>
+              <a:rPr lang="en-US" sz="1400" dirty="0" err="1" smtClean="0">
+                <a:solidFill>
+                  <a:schemeClr val="bg2"/>
+                </a:solidFill>
+                <a:latin typeface="Consolas" pitchFamily="49" charset="0"/>
+                <a:ea typeface="ヒラギノ角ゴ Pro W3" charset="0"/>
+                <a:cs typeface="Consolas" pitchFamily="49" charset="0"/>
+              </a:rPr>
+              <a:t>Counter.h</a:t>
+            </a:r>
+            <a:r>
+              <a:rPr lang="en-US" sz="1400" dirty="0" smtClean="0">
+                <a:solidFill>
+                  <a:schemeClr val="bg2"/>
+                </a:solidFill>
+                <a:latin typeface="Consolas" pitchFamily="49" charset="0"/>
+                <a:ea typeface="ヒラギノ角ゴ Pro W3" charset="0"/>
+                <a:cs typeface="Consolas" pitchFamily="49" charset="0"/>
+              </a:rPr>
+              <a:t>"</a:t>
+            </a:r>
+          </a:p>
+          <a:p>
+            <a:pPr marL="458788" lvl="1" indent="-228600">
+              <a:spcAft>
+                <a:spcPts val="0"/>
+              </a:spcAft>
+              <a:defRPr/>
+            </a:pPr>
+            <a:endParaRPr lang="en-US" sz="1400" dirty="0" smtClean="0">
+              <a:solidFill>
+                <a:schemeClr val="bg2"/>
+              </a:solidFill>
+              <a:latin typeface="Consolas" pitchFamily="49" charset="0"/>
+              <a:ea typeface="ヒラギノ角ゴ Pro W3" charset="0"/>
+              <a:cs typeface="Consolas" pitchFamily="49" charset="0"/>
+            </a:endParaRPr>
+          </a:p>
+          <a:p>
+            <a:pPr marL="458788" lvl="1" indent="-228600">
+              <a:spcAft>
+                <a:spcPts val="0"/>
+              </a:spcAft>
+              <a:defRPr/>
+            </a:pPr>
+            <a:r>
+              <a:rPr lang="en-US" sz="1400" dirty="0" smtClean="0">
+                <a:solidFill>
+                  <a:schemeClr val="bg2"/>
+                </a:solidFill>
+                <a:latin typeface="Consolas" pitchFamily="49" charset="0"/>
+                <a:ea typeface="ヒラギノ角ゴ Pro W3" charset="0"/>
+                <a:cs typeface="Consolas" pitchFamily="49" charset="0"/>
+              </a:rPr>
+              <a:t>static Counter B;</a:t>
+            </a:r>
+            <a:endParaRPr lang="en-US" sz="1400" dirty="0" smtClean="0">
+              <a:solidFill>
+                <a:schemeClr val="bg2"/>
+              </a:solidFill>
+              <a:latin typeface="Consolas" pitchFamily="49" charset="0"/>
+              <a:ea typeface="ヒラギノ角ゴ Pro W3" charset="0"/>
+              <a:cs typeface="Consolas" pitchFamily="49" charset="0"/>
+            </a:endParaRPr>
+          </a:p>
+        </p:txBody>
+      </p:sp>
+      <p:sp>
+        <p:nvSpPr>
+          <p:cNvPr id="8" name="Rectangle 7"/>
+          <p:cNvSpPr/>
+          <p:nvPr/>
+        </p:nvSpPr>
+        <p:spPr>
+          <a:xfrm>
+            <a:off x="4499992" y="1333093"/>
+            <a:ext cx="3995936" cy="2031325"/>
+          </a:xfrm>
+          <a:prstGeom prst="rect">
+            <a:avLst/>
+          </a:prstGeom>
+        </p:spPr>
+        <p:txBody>
+          <a:bodyPr wrap="square">
+            <a:spAutoFit/>
+          </a:bodyPr>
+          <a:lstStyle/>
+          <a:p>
+            <a:pPr marL="458788" lvl="1" indent="-228600">
+              <a:spcAft>
+                <a:spcPts val="0"/>
+              </a:spcAft>
+              <a:defRPr/>
+            </a:pPr>
+            <a:r>
+              <a:rPr lang="en-US" sz="1400" dirty="0" smtClean="0">
+                <a:solidFill>
+                  <a:schemeClr val="bg2"/>
+                </a:solidFill>
+                <a:latin typeface="Consolas" pitchFamily="49" charset="0"/>
+                <a:ea typeface="ヒラギノ角ゴ Pro W3" charset="0"/>
+                <a:cs typeface="Consolas" pitchFamily="49" charset="0"/>
+              </a:rPr>
+              <a:t>// main.cpp</a:t>
+            </a:r>
+            <a:endParaRPr lang="en-US" sz="1400" dirty="0" smtClean="0">
+              <a:solidFill>
+                <a:schemeClr val="bg2"/>
+              </a:solidFill>
+              <a:latin typeface="Consolas" pitchFamily="49" charset="0"/>
+              <a:ea typeface="ヒラギノ角ゴ Pro W3" charset="0"/>
+              <a:cs typeface="Consolas" pitchFamily="49" charset="0"/>
+            </a:endParaRPr>
+          </a:p>
+          <a:p>
+            <a:pPr marL="458788" lvl="1" indent="-228600">
+              <a:spcAft>
+                <a:spcPts val="0"/>
+              </a:spcAft>
+              <a:defRPr/>
+            </a:pPr>
+            <a:endParaRPr lang="en-US" sz="1400" dirty="0" smtClean="0">
+              <a:solidFill>
+                <a:schemeClr val="bg2"/>
+              </a:solidFill>
+              <a:latin typeface="Consolas" pitchFamily="49" charset="0"/>
+              <a:ea typeface="ヒラギノ角ゴ Pro W3" charset="0"/>
+              <a:cs typeface="Consolas" pitchFamily="49" charset="0"/>
+            </a:endParaRPr>
+          </a:p>
+          <a:p>
+            <a:pPr marL="458788" lvl="1" indent="-228600">
+              <a:spcAft>
+                <a:spcPts val="0"/>
+              </a:spcAft>
+              <a:defRPr/>
+            </a:pPr>
+            <a:r>
+              <a:rPr lang="en-US" sz="1400" dirty="0" smtClean="0">
+                <a:solidFill>
+                  <a:schemeClr val="bg2"/>
+                </a:solidFill>
+                <a:latin typeface="Consolas" pitchFamily="49" charset="0"/>
+                <a:ea typeface="ヒラギノ角ゴ Pro W3" charset="0"/>
+                <a:cs typeface="Consolas" pitchFamily="49" charset="0"/>
+              </a:rPr>
+              <a:t>#include "</a:t>
+            </a:r>
+            <a:r>
+              <a:rPr lang="en-US" sz="1400" dirty="0" err="1" smtClean="0">
+                <a:solidFill>
+                  <a:schemeClr val="bg2"/>
+                </a:solidFill>
+                <a:latin typeface="Consolas" pitchFamily="49" charset="0"/>
+                <a:ea typeface="ヒラギノ角ゴ Pro W3" charset="0"/>
+                <a:cs typeface="Consolas" pitchFamily="49" charset="0"/>
+              </a:rPr>
+              <a:t>Counter.h</a:t>
+            </a:r>
+            <a:r>
+              <a:rPr lang="en-US" sz="1400" dirty="0" smtClean="0">
+                <a:solidFill>
+                  <a:schemeClr val="bg2"/>
+                </a:solidFill>
+                <a:latin typeface="Consolas" pitchFamily="49" charset="0"/>
+                <a:ea typeface="ヒラギノ角ゴ Pro W3" charset="0"/>
+                <a:cs typeface="Consolas" pitchFamily="49" charset="0"/>
+              </a:rPr>
+              <a:t>"</a:t>
+            </a:r>
+          </a:p>
+          <a:p>
+            <a:pPr marL="458788" lvl="1" indent="-228600">
+              <a:spcAft>
+                <a:spcPts val="0"/>
+              </a:spcAft>
+              <a:defRPr/>
+            </a:pPr>
+            <a:r>
+              <a:rPr lang="en-US" sz="1400" dirty="0" smtClean="0">
+                <a:solidFill>
+                  <a:schemeClr val="bg2"/>
+                </a:solidFill>
+                <a:latin typeface="Consolas" pitchFamily="49" charset="0"/>
+                <a:ea typeface="ヒラギノ角ゴ Pro W3" charset="0"/>
+                <a:cs typeface="Consolas" pitchFamily="49" charset="0"/>
+              </a:rPr>
+              <a:t>#include &lt;</a:t>
+            </a:r>
+            <a:r>
+              <a:rPr lang="en-US" sz="1400" dirty="0" err="1" smtClean="0">
+                <a:solidFill>
+                  <a:schemeClr val="bg2"/>
+                </a:solidFill>
+                <a:latin typeface="Consolas" pitchFamily="49" charset="0"/>
+                <a:ea typeface="ヒラギノ角ゴ Pro W3" charset="0"/>
+                <a:cs typeface="Consolas" pitchFamily="49" charset="0"/>
+              </a:rPr>
+              <a:t>iostream</a:t>
+            </a:r>
+            <a:r>
+              <a:rPr lang="en-US" sz="1400" dirty="0" smtClean="0">
+                <a:solidFill>
+                  <a:schemeClr val="bg2"/>
+                </a:solidFill>
+                <a:latin typeface="Consolas" pitchFamily="49" charset="0"/>
+                <a:ea typeface="ヒラギノ角ゴ Pro W3" charset="0"/>
+                <a:cs typeface="Consolas" pitchFamily="49" charset="0"/>
+              </a:rPr>
+              <a:t>&gt;</a:t>
+            </a:r>
+          </a:p>
+          <a:p>
+            <a:pPr marL="458788" lvl="1" indent="-228600">
+              <a:spcAft>
+                <a:spcPts val="0"/>
+              </a:spcAft>
+              <a:defRPr/>
+            </a:pPr>
+            <a:endParaRPr lang="en-US" sz="1400" dirty="0" smtClean="0">
+              <a:solidFill>
+                <a:schemeClr val="bg2"/>
+              </a:solidFill>
+              <a:latin typeface="Consolas" pitchFamily="49" charset="0"/>
+              <a:ea typeface="ヒラギノ角ゴ Pro W3" charset="0"/>
+              <a:cs typeface="Consolas" pitchFamily="49" charset="0"/>
+            </a:endParaRPr>
+          </a:p>
+          <a:p>
+            <a:pPr marL="458788" lvl="1" indent="-228600">
+              <a:spcAft>
+                <a:spcPts val="0"/>
+              </a:spcAft>
+              <a:defRPr/>
+            </a:pPr>
+            <a:r>
+              <a:rPr lang="en-US" sz="1400" dirty="0" err="1" smtClean="0">
+                <a:solidFill>
+                  <a:schemeClr val="bg2"/>
+                </a:solidFill>
+                <a:latin typeface="Consolas" pitchFamily="49" charset="0"/>
+                <a:ea typeface="ヒラギノ角ゴ Pro W3" charset="0"/>
+                <a:cs typeface="Consolas" pitchFamily="49" charset="0"/>
+              </a:rPr>
+              <a:t>int</a:t>
+            </a:r>
+            <a:r>
+              <a:rPr lang="en-US" sz="1400" dirty="0" smtClean="0">
+                <a:solidFill>
+                  <a:schemeClr val="bg2"/>
+                </a:solidFill>
+                <a:latin typeface="Consolas" pitchFamily="49" charset="0"/>
+                <a:ea typeface="ヒラギノ角ゴ Pro W3" charset="0"/>
+                <a:cs typeface="Consolas" pitchFamily="49" charset="0"/>
+              </a:rPr>
+              <a:t> main()</a:t>
+            </a:r>
+          </a:p>
+          <a:p>
+            <a:pPr marL="458788" lvl="1" indent="-228600">
+              <a:spcAft>
+                <a:spcPts val="0"/>
+              </a:spcAft>
+              <a:defRPr/>
+            </a:pPr>
+            <a:r>
+              <a:rPr lang="en-US" sz="1400" dirty="0" smtClean="0">
+                <a:solidFill>
+                  <a:schemeClr val="bg2"/>
+                </a:solidFill>
+                <a:latin typeface="Consolas" pitchFamily="49" charset="0"/>
+                <a:ea typeface="ヒラギノ角ゴ Pro W3" charset="0"/>
+                <a:cs typeface="Consolas" pitchFamily="49" charset="0"/>
+              </a:rPr>
+              <a:t>{</a:t>
+            </a:r>
+          </a:p>
+          <a:p>
+            <a:pPr marL="458788" lvl="1" indent="-228600">
+              <a:spcAft>
+                <a:spcPts val="0"/>
+              </a:spcAft>
+              <a:defRPr/>
+            </a:pPr>
+            <a:r>
+              <a:rPr lang="en-US" sz="1400" dirty="0" smtClean="0">
+                <a:solidFill>
+                  <a:schemeClr val="bg2"/>
+                </a:solidFill>
+                <a:latin typeface="Consolas" pitchFamily="49" charset="0"/>
+                <a:ea typeface="ヒラギノ角ゴ Pro W3" charset="0"/>
+                <a:cs typeface="Consolas" pitchFamily="49" charset="0"/>
+              </a:rPr>
+              <a:t>    std::</a:t>
+            </a:r>
+            <a:r>
+              <a:rPr lang="en-US" sz="1400" dirty="0" err="1" smtClean="0">
+                <a:solidFill>
+                  <a:schemeClr val="bg2"/>
+                </a:solidFill>
+                <a:latin typeface="Consolas" pitchFamily="49" charset="0"/>
+                <a:ea typeface="ヒラギノ角ゴ Pro W3" charset="0"/>
+                <a:cs typeface="Consolas" pitchFamily="49" charset="0"/>
+              </a:rPr>
+              <a:t>cout</a:t>
+            </a:r>
+            <a:r>
+              <a:rPr lang="en-US" sz="1400" dirty="0" smtClean="0">
+                <a:solidFill>
+                  <a:schemeClr val="bg2"/>
+                </a:solidFill>
+                <a:latin typeface="Consolas" pitchFamily="49" charset="0"/>
+                <a:ea typeface="ヒラギノ角ゴ Pro W3" charset="0"/>
+                <a:cs typeface="Consolas" pitchFamily="49" charset="0"/>
+              </a:rPr>
+              <a:t> &lt;&lt; Counter::</a:t>
+            </a:r>
+            <a:r>
+              <a:rPr lang="en-US" sz="1400" dirty="0" smtClean="0">
+                <a:solidFill>
+                  <a:schemeClr val="bg2"/>
+                </a:solidFill>
+                <a:latin typeface="Consolas" pitchFamily="49" charset="0"/>
+                <a:ea typeface="ヒラギノ角ゴ Pro W3" charset="0"/>
+                <a:cs typeface="Consolas" pitchFamily="49" charset="0"/>
+              </a:rPr>
+              <a:t>count;</a:t>
+            </a:r>
+            <a:endParaRPr lang="en-US" sz="1400" dirty="0" smtClean="0">
+              <a:solidFill>
+                <a:schemeClr val="bg2"/>
+              </a:solidFill>
+              <a:latin typeface="Consolas" pitchFamily="49" charset="0"/>
+              <a:ea typeface="ヒラギノ角ゴ Pro W3" charset="0"/>
+              <a:cs typeface="Consolas" pitchFamily="49" charset="0"/>
+            </a:endParaRPr>
+          </a:p>
+          <a:p>
+            <a:pPr marL="458788" lvl="1" indent="-228600">
+              <a:spcAft>
+                <a:spcPts val="0"/>
+              </a:spcAft>
+              <a:defRPr/>
+            </a:pPr>
+            <a:r>
+              <a:rPr lang="en-US" sz="1400" dirty="0" smtClean="0">
+                <a:solidFill>
+                  <a:schemeClr val="bg2"/>
+                </a:solidFill>
+                <a:latin typeface="Consolas" pitchFamily="49" charset="0"/>
+                <a:ea typeface="ヒラギノ角ゴ Pro W3" charset="0"/>
+                <a:cs typeface="Consolas" pitchFamily="49" charset="0"/>
+              </a:rPr>
+              <a:t>}</a:t>
+            </a:r>
+            <a:endParaRPr lang="en-US" sz="1400" dirty="0">
+              <a:solidFill>
+                <a:schemeClr val="bg2"/>
+              </a:solidFill>
+              <a:latin typeface="Consolas" pitchFamily="49" charset="0"/>
+              <a:ea typeface="ヒラギノ角ゴ Pro W3" charset="0"/>
+              <a:cs typeface="Consolas" pitchFamily="49" charset="0"/>
             </a:endParaRPr>
           </a:p>
         </p:txBody>
@@ -16190,7 +17244,7 @@
             <a:pPr algn="ctr"/>
             <a:r>
               <a:rPr lang="en-US" sz="3200" dirty="0" smtClean="0"/>
-              <a:t>Static linking of dynamic libraries</a:t>
+              <a:t>Do linker throws away unused code?</a:t>
             </a:r>
             <a:endParaRPr lang="en-US" sz="3200" dirty="0"/>
           </a:p>
@@ -16298,8 +17352,6 @@
               </a:spcAft>
               <a:buClrTx/>
               <a:buSzTx/>
-              <a:buFont typeface="Arial" pitchFamily="34" charset="0"/>
-              <a:buChar char="•"/>
               <a:tabLst/>
               <a:defRPr/>
             </a:pPr>
@@ -16316,6 +17368,646 @@
               <a:latin typeface="+mn-lt"/>
               <a:ea typeface="ヒラギノ角ゴ Pro W3" charset="0"/>
               <a:cs typeface="ヒラギノ角ゴ Pro W3"/>
+            </a:endParaRPr>
+          </a:p>
+        </p:txBody>
+      </p:sp>
+      <p:sp>
+        <p:nvSpPr>
+          <p:cNvPr id="7" name="Rectangle 6"/>
+          <p:cNvSpPr/>
+          <p:nvPr/>
+        </p:nvSpPr>
+        <p:spPr>
+          <a:xfrm>
+            <a:off x="936103" y="1332513"/>
+            <a:ext cx="7020273" cy="1600438"/>
+          </a:xfrm>
+          <a:prstGeom prst="rect">
+            <a:avLst/>
+          </a:prstGeom>
+        </p:spPr>
+        <p:txBody>
+          <a:bodyPr wrap="square">
+            <a:spAutoFit/>
+          </a:bodyPr>
+          <a:lstStyle/>
+          <a:p>
+            <a:pPr marL="458788" lvl="1" indent="-228600">
+              <a:spcAft>
+                <a:spcPts val="0"/>
+              </a:spcAft>
+              <a:defRPr/>
+            </a:pPr>
+            <a:r>
+              <a:rPr lang="en-US" sz="1400" dirty="0" smtClean="0">
+                <a:solidFill>
+                  <a:schemeClr val="bg2"/>
+                </a:solidFill>
+                <a:latin typeface="Consolas" pitchFamily="49" charset="0"/>
+                <a:ea typeface="ヒラギノ角ゴ Pro W3" charset="0"/>
+                <a:cs typeface="Consolas" pitchFamily="49" charset="0"/>
+              </a:rPr>
+              <a:t>$ </a:t>
+            </a:r>
+            <a:r>
+              <a:rPr lang="en-US" sz="1400" dirty="0" smtClean="0">
+                <a:solidFill>
+                  <a:schemeClr val="bg2"/>
+                </a:solidFill>
+                <a:latin typeface="Consolas" pitchFamily="49" charset="0"/>
+                <a:ea typeface="ヒラギノ角ゴ Pro W3" charset="0"/>
+                <a:cs typeface="Consolas" pitchFamily="49" charset="0"/>
+              </a:rPr>
+              <a:t>g</a:t>
+            </a:r>
+            <a:r>
+              <a:rPr lang="en-US" sz="1400" dirty="0" smtClean="0">
+                <a:solidFill>
+                  <a:schemeClr val="bg2"/>
+                </a:solidFill>
+                <a:latin typeface="Consolas" pitchFamily="49" charset="0"/>
+                <a:ea typeface="ヒラギノ角ゴ Pro W3" charset="0"/>
+                <a:cs typeface="Consolas" pitchFamily="49" charset="0"/>
+              </a:rPr>
+              <a:t>++ -c -Wall -</a:t>
+            </a:r>
+            <a:r>
+              <a:rPr lang="en-US" sz="1400" dirty="0" err="1" smtClean="0">
+                <a:solidFill>
+                  <a:schemeClr val="bg2"/>
+                </a:solidFill>
+                <a:latin typeface="Consolas" pitchFamily="49" charset="0"/>
+                <a:ea typeface="ヒラギノ角ゴ Pro W3" charset="0"/>
+                <a:cs typeface="Consolas" pitchFamily="49" charset="0"/>
+              </a:rPr>
+              <a:t>Werror</a:t>
+            </a:r>
+            <a:r>
+              <a:rPr lang="en-US" sz="1400" dirty="0" smtClean="0">
+                <a:solidFill>
+                  <a:schemeClr val="bg2"/>
+                </a:solidFill>
+                <a:latin typeface="Consolas" pitchFamily="49" charset="0"/>
+                <a:ea typeface="ヒラギノ角ゴ Pro W3" charset="0"/>
+                <a:cs typeface="Consolas" pitchFamily="49" charset="0"/>
+              </a:rPr>
+              <a:t> </a:t>
+            </a:r>
+            <a:r>
+              <a:rPr lang="en-US" sz="1400" dirty="0" smtClean="0">
+                <a:solidFill>
+                  <a:schemeClr val="bg2"/>
+                </a:solidFill>
+                <a:latin typeface="Consolas" pitchFamily="49" charset="0"/>
+                <a:ea typeface="ヒラギノ角ゴ Pro W3" charset="0"/>
+                <a:cs typeface="Consolas" pitchFamily="49" charset="0"/>
+              </a:rPr>
+              <a:t>–o </a:t>
+            </a:r>
+            <a:r>
+              <a:rPr lang="en-US" sz="1400" dirty="0" err="1" smtClean="0">
+                <a:solidFill>
+                  <a:schemeClr val="bg2"/>
+                </a:solidFill>
+                <a:latin typeface="Consolas" pitchFamily="49" charset="0"/>
+                <a:ea typeface="ヒラギノ角ゴ Pro W3" charset="0"/>
+                <a:cs typeface="Consolas" pitchFamily="49" charset="0"/>
+              </a:rPr>
+              <a:t>A.o</a:t>
+            </a:r>
+            <a:r>
+              <a:rPr lang="en-US" sz="1400" dirty="0" smtClean="0">
+                <a:solidFill>
+                  <a:schemeClr val="bg2"/>
+                </a:solidFill>
+                <a:latin typeface="Consolas" pitchFamily="49" charset="0"/>
+                <a:ea typeface="ヒラギノ角ゴ Pro W3" charset="0"/>
+                <a:cs typeface="Consolas" pitchFamily="49" charset="0"/>
+              </a:rPr>
+              <a:t> A.cpp</a:t>
+            </a:r>
+            <a:endParaRPr lang="en-US" sz="1400" dirty="0" smtClean="0">
+              <a:solidFill>
+                <a:schemeClr val="bg2"/>
+              </a:solidFill>
+              <a:latin typeface="Consolas" pitchFamily="49" charset="0"/>
+              <a:ea typeface="ヒラギノ角ゴ Pro W3" charset="0"/>
+              <a:cs typeface="Consolas" pitchFamily="49" charset="0"/>
+            </a:endParaRPr>
+          </a:p>
+          <a:p>
+            <a:pPr marL="458788" lvl="1" indent="-228600">
+              <a:spcAft>
+                <a:spcPts val="0"/>
+              </a:spcAft>
+              <a:defRPr/>
+            </a:pPr>
+            <a:r>
+              <a:rPr lang="en-US" sz="1400" dirty="0" smtClean="0">
+                <a:solidFill>
+                  <a:schemeClr val="bg2"/>
+                </a:solidFill>
+                <a:latin typeface="Consolas" pitchFamily="49" charset="0"/>
+                <a:ea typeface="ヒラギノ角ゴ Pro W3" charset="0"/>
+                <a:cs typeface="Consolas" pitchFamily="49" charset="0"/>
+              </a:rPr>
+              <a:t>$ </a:t>
+            </a:r>
+            <a:r>
+              <a:rPr lang="en-US" sz="1400" dirty="0" smtClean="0">
+                <a:solidFill>
+                  <a:schemeClr val="bg2"/>
+                </a:solidFill>
+                <a:latin typeface="Consolas" pitchFamily="49" charset="0"/>
+                <a:ea typeface="ヒラギノ角ゴ Pro W3" charset="0"/>
+                <a:cs typeface="Consolas" pitchFamily="49" charset="0"/>
+              </a:rPr>
+              <a:t>g</a:t>
+            </a:r>
+            <a:r>
+              <a:rPr lang="en-US" sz="1400" dirty="0" smtClean="0">
+                <a:solidFill>
+                  <a:schemeClr val="bg2"/>
+                </a:solidFill>
+                <a:latin typeface="Consolas" pitchFamily="49" charset="0"/>
+                <a:ea typeface="ヒラギノ角ゴ Pro W3" charset="0"/>
+                <a:cs typeface="Consolas" pitchFamily="49" charset="0"/>
+              </a:rPr>
+              <a:t>++ -c -Wall -</a:t>
+            </a:r>
+            <a:r>
+              <a:rPr lang="en-US" sz="1400" dirty="0" err="1" smtClean="0">
+                <a:solidFill>
+                  <a:schemeClr val="bg2"/>
+                </a:solidFill>
+                <a:latin typeface="Consolas" pitchFamily="49" charset="0"/>
+                <a:ea typeface="ヒラギノ角ゴ Pro W3" charset="0"/>
+                <a:cs typeface="Consolas" pitchFamily="49" charset="0"/>
+              </a:rPr>
+              <a:t>Werror</a:t>
+            </a:r>
+            <a:r>
+              <a:rPr lang="en-US" sz="1400" dirty="0" smtClean="0">
+                <a:solidFill>
+                  <a:schemeClr val="bg2"/>
+                </a:solidFill>
+                <a:latin typeface="Consolas" pitchFamily="49" charset="0"/>
+                <a:ea typeface="ヒラギノ角ゴ Pro W3" charset="0"/>
+                <a:cs typeface="Consolas" pitchFamily="49" charset="0"/>
+              </a:rPr>
+              <a:t> -o </a:t>
+            </a:r>
+            <a:r>
+              <a:rPr lang="en-US" sz="1400" dirty="0" err="1" smtClean="0">
+                <a:solidFill>
+                  <a:schemeClr val="bg2"/>
+                </a:solidFill>
+                <a:latin typeface="Consolas" pitchFamily="49" charset="0"/>
+                <a:ea typeface="ヒラギノ角ゴ Pro W3" charset="0"/>
+                <a:cs typeface="Consolas" pitchFamily="49" charset="0"/>
+              </a:rPr>
+              <a:t>B.o</a:t>
+            </a:r>
+            <a:r>
+              <a:rPr lang="en-US" sz="1400" dirty="0" smtClean="0">
+                <a:solidFill>
+                  <a:schemeClr val="bg2"/>
+                </a:solidFill>
+                <a:latin typeface="Consolas" pitchFamily="49" charset="0"/>
+                <a:ea typeface="ヒラギノ角ゴ Pro W3" charset="0"/>
+                <a:cs typeface="Consolas" pitchFamily="49" charset="0"/>
+              </a:rPr>
+              <a:t> B.cpp</a:t>
+            </a:r>
+            <a:endParaRPr lang="en-US" sz="1400" dirty="0" smtClean="0">
+              <a:solidFill>
+                <a:schemeClr val="bg2"/>
+              </a:solidFill>
+              <a:latin typeface="Consolas" pitchFamily="49" charset="0"/>
+              <a:ea typeface="ヒラギノ角ゴ Pro W3" charset="0"/>
+              <a:cs typeface="Consolas" pitchFamily="49" charset="0"/>
+            </a:endParaRPr>
+          </a:p>
+          <a:p>
+            <a:pPr marL="458788" lvl="1" indent="-228600">
+              <a:spcAft>
+                <a:spcPts val="0"/>
+              </a:spcAft>
+              <a:defRPr/>
+            </a:pPr>
+            <a:r>
+              <a:rPr lang="en-US" sz="1400" dirty="0" smtClean="0">
+                <a:solidFill>
+                  <a:schemeClr val="bg2"/>
+                </a:solidFill>
+                <a:latin typeface="Consolas" pitchFamily="49" charset="0"/>
+                <a:ea typeface="ヒラギノ角ゴ Pro W3" charset="0"/>
+                <a:cs typeface="Consolas" pitchFamily="49" charset="0"/>
+              </a:rPr>
+              <a:t>$ </a:t>
+            </a:r>
+            <a:r>
+              <a:rPr lang="en-US" sz="1400" dirty="0" smtClean="0">
+                <a:solidFill>
+                  <a:schemeClr val="bg2"/>
+                </a:solidFill>
+                <a:latin typeface="Consolas" pitchFamily="49" charset="0"/>
+                <a:ea typeface="ヒラギノ角ゴ Pro W3" charset="0"/>
+                <a:cs typeface="Consolas" pitchFamily="49" charset="0"/>
+              </a:rPr>
+              <a:t>g</a:t>
+            </a:r>
+            <a:r>
+              <a:rPr lang="en-US" sz="1400" dirty="0" smtClean="0">
+                <a:solidFill>
+                  <a:schemeClr val="bg2"/>
+                </a:solidFill>
+                <a:latin typeface="Consolas" pitchFamily="49" charset="0"/>
+                <a:ea typeface="ヒラギノ角ゴ Pro W3" charset="0"/>
+                <a:cs typeface="Consolas" pitchFamily="49" charset="0"/>
+              </a:rPr>
+              <a:t>++ -c -Wall -</a:t>
+            </a:r>
+            <a:r>
+              <a:rPr lang="en-US" sz="1400" dirty="0" err="1" smtClean="0">
+                <a:solidFill>
+                  <a:schemeClr val="bg2"/>
+                </a:solidFill>
+                <a:latin typeface="Consolas" pitchFamily="49" charset="0"/>
+                <a:ea typeface="ヒラギノ角ゴ Pro W3" charset="0"/>
+                <a:cs typeface="Consolas" pitchFamily="49" charset="0"/>
+              </a:rPr>
+              <a:t>Werror</a:t>
+            </a:r>
+            <a:r>
+              <a:rPr lang="en-US" sz="1400" dirty="0" smtClean="0">
+                <a:solidFill>
+                  <a:schemeClr val="bg2"/>
+                </a:solidFill>
+                <a:latin typeface="Consolas" pitchFamily="49" charset="0"/>
+                <a:ea typeface="ヒラギノ角ゴ Pro W3" charset="0"/>
+                <a:cs typeface="Consolas" pitchFamily="49" charset="0"/>
+              </a:rPr>
+              <a:t> </a:t>
+            </a:r>
+            <a:r>
+              <a:rPr lang="en-US" sz="1400" dirty="0" smtClean="0">
+                <a:solidFill>
+                  <a:schemeClr val="bg2"/>
+                </a:solidFill>
+                <a:latin typeface="Consolas" pitchFamily="49" charset="0"/>
+                <a:ea typeface="ヒラギノ角ゴ Pro W3" charset="0"/>
+                <a:cs typeface="Consolas" pitchFamily="49" charset="0"/>
+              </a:rPr>
+              <a:t>–o </a:t>
+            </a:r>
+            <a:r>
+              <a:rPr lang="en-US" sz="1400" dirty="0" err="1" smtClean="0">
+                <a:solidFill>
+                  <a:schemeClr val="bg2"/>
+                </a:solidFill>
+                <a:latin typeface="Consolas" pitchFamily="49" charset="0"/>
+                <a:ea typeface="ヒラギノ角ゴ Pro W3" charset="0"/>
+                <a:cs typeface="Consolas" pitchFamily="49" charset="0"/>
+              </a:rPr>
+              <a:t>Counter.o</a:t>
+            </a:r>
+            <a:r>
+              <a:rPr lang="en-US" sz="1400" dirty="0" smtClean="0">
+                <a:solidFill>
+                  <a:schemeClr val="bg2"/>
+                </a:solidFill>
+                <a:latin typeface="Consolas" pitchFamily="49" charset="0"/>
+                <a:ea typeface="ヒラギノ角ゴ Pro W3" charset="0"/>
+                <a:cs typeface="Consolas" pitchFamily="49" charset="0"/>
+              </a:rPr>
+              <a:t> Counter.cpp</a:t>
+            </a:r>
+            <a:endParaRPr lang="en-US" sz="1400" dirty="0" smtClean="0">
+              <a:solidFill>
+                <a:schemeClr val="bg2"/>
+              </a:solidFill>
+              <a:latin typeface="Consolas" pitchFamily="49" charset="0"/>
+              <a:ea typeface="ヒラギノ角ゴ Pro W3" charset="0"/>
+              <a:cs typeface="Consolas" pitchFamily="49" charset="0"/>
+            </a:endParaRPr>
+          </a:p>
+          <a:p>
+            <a:pPr marL="458788" lvl="1" indent="-228600">
+              <a:spcAft>
+                <a:spcPts val="0"/>
+              </a:spcAft>
+              <a:defRPr/>
+            </a:pPr>
+            <a:r>
+              <a:rPr lang="en-US" sz="1400" dirty="0" smtClean="0">
+                <a:solidFill>
+                  <a:schemeClr val="bg2"/>
+                </a:solidFill>
+                <a:latin typeface="Consolas" pitchFamily="49" charset="0"/>
+                <a:ea typeface="ヒラギノ角ゴ Pro W3" charset="0"/>
+                <a:cs typeface="Consolas" pitchFamily="49" charset="0"/>
+              </a:rPr>
+              <a:t>$ </a:t>
+            </a:r>
+            <a:r>
+              <a:rPr lang="en-US" sz="1400" dirty="0" smtClean="0">
+                <a:solidFill>
+                  <a:schemeClr val="bg2"/>
+                </a:solidFill>
+                <a:latin typeface="Consolas" pitchFamily="49" charset="0"/>
+                <a:ea typeface="ヒラギノ角ゴ Pro W3" charset="0"/>
+                <a:cs typeface="Consolas" pitchFamily="49" charset="0"/>
+              </a:rPr>
+              <a:t>g</a:t>
+            </a:r>
+            <a:r>
+              <a:rPr lang="en-US" sz="1400" dirty="0" smtClean="0">
+                <a:solidFill>
+                  <a:schemeClr val="bg2"/>
+                </a:solidFill>
+                <a:latin typeface="Consolas" pitchFamily="49" charset="0"/>
+                <a:ea typeface="ヒラギノ角ゴ Pro W3" charset="0"/>
+                <a:cs typeface="Consolas" pitchFamily="49" charset="0"/>
+              </a:rPr>
+              <a:t>++ -c -Wall -</a:t>
+            </a:r>
+            <a:r>
+              <a:rPr lang="en-US" sz="1400" dirty="0" err="1" smtClean="0">
+                <a:solidFill>
+                  <a:schemeClr val="bg2"/>
+                </a:solidFill>
+                <a:latin typeface="Consolas" pitchFamily="49" charset="0"/>
+                <a:ea typeface="ヒラギノ角ゴ Pro W3" charset="0"/>
+                <a:cs typeface="Consolas" pitchFamily="49" charset="0"/>
+              </a:rPr>
+              <a:t>Werror</a:t>
+            </a:r>
+            <a:r>
+              <a:rPr lang="en-US" sz="1400" dirty="0" smtClean="0">
+                <a:solidFill>
+                  <a:schemeClr val="bg2"/>
+                </a:solidFill>
+                <a:latin typeface="Consolas" pitchFamily="49" charset="0"/>
+                <a:ea typeface="ヒラギノ角ゴ Pro W3" charset="0"/>
+                <a:cs typeface="Consolas" pitchFamily="49" charset="0"/>
+              </a:rPr>
+              <a:t> </a:t>
+            </a:r>
+            <a:r>
+              <a:rPr lang="en-US" sz="1400" dirty="0" smtClean="0">
+                <a:solidFill>
+                  <a:schemeClr val="bg2"/>
+                </a:solidFill>
+                <a:latin typeface="Consolas" pitchFamily="49" charset="0"/>
+                <a:ea typeface="ヒラギノ角ゴ Pro W3" charset="0"/>
+                <a:cs typeface="Consolas" pitchFamily="49" charset="0"/>
+              </a:rPr>
+              <a:t>–o </a:t>
+            </a:r>
+            <a:r>
+              <a:rPr lang="en-US" sz="1400" dirty="0" err="1" smtClean="0">
+                <a:solidFill>
+                  <a:schemeClr val="bg2"/>
+                </a:solidFill>
+                <a:latin typeface="Consolas" pitchFamily="49" charset="0"/>
+                <a:ea typeface="ヒラギノ角ゴ Pro W3" charset="0"/>
+                <a:cs typeface="Consolas" pitchFamily="49" charset="0"/>
+              </a:rPr>
+              <a:t>main.o</a:t>
+            </a:r>
+            <a:r>
+              <a:rPr lang="en-US" sz="1400" dirty="0" smtClean="0">
+                <a:solidFill>
+                  <a:schemeClr val="bg2"/>
+                </a:solidFill>
+                <a:latin typeface="Consolas" pitchFamily="49" charset="0"/>
+                <a:ea typeface="ヒラギノ角ゴ Pro W3" charset="0"/>
+                <a:cs typeface="Consolas" pitchFamily="49" charset="0"/>
+              </a:rPr>
+              <a:t> main.cpp</a:t>
+            </a:r>
+            <a:endParaRPr lang="en-US" sz="1400" dirty="0" smtClean="0">
+              <a:solidFill>
+                <a:schemeClr val="bg2"/>
+              </a:solidFill>
+              <a:latin typeface="Consolas" pitchFamily="49" charset="0"/>
+              <a:ea typeface="ヒラギノ角ゴ Pro W3" charset="0"/>
+              <a:cs typeface="Consolas" pitchFamily="49" charset="0"/>
+            </a:endParaRPr>
+          </a:p>
+          <a:p>
+            <a:pPr marL="458788" lvl="1" indent="-228600">
+              <a:spcAft>
+                <a:spcPts val="0"/>
+              </a:spcAft>
+              <a:defRPr/>
+            </a:pPr>
+            <a:r>
+              <a:rPr lang="en-US" sz="1400" dirty="0" smtClean="0">
+                <a:solidFill>
+                  <a:schemeClr val="bg2"/>
+                </a:solidFill>
+                <a:latin typeface="Consolas" pitchFamily="49" charset="0"/>
+                <a:ea typeface="ヒラギノ角ゴ Pro W3" charset="0"/>
+                <a:cs typeface="Consolas" pitchFamily="49" charset="0"/>
+              </a:rPr>
+              <a:t>$ </a:t>
+            </a:r>
+            <a:r>
+              <a:rPr lang="en-US" sz="1400" dirty="0" smtClean="0">
+                <a:solidFill>
+                  <a:schemeClr val="bg2"/>
+                </a:solidFill>
+                <a:latin typeface="Consolas" pitchFamily="49" charset="0"/>
+                <a:ea typeface="ヒラギノ角ゴ Pro W3" charset="0"/>
+                <a:cs typeface="Consolas" pitchFamily="49" charset="0"/>
+              </a:rPr>
+              <a:t>g++ </a:t>
+            </a:r>
+            <a:r>
+              <a:rPr lang="en-US" sz="1400" dirty="0" smtClean="0">
+                <a:solidFill>
+                  <a:schemeClr val="bg2"/>
+                </a:solidFill>
+                <a:latin typeface="Consolas" pitchFamily="49" charset="0"/>
+                <a:ea typeface="ヒラギノ角ゴ Pro W3" charset="0"/>
+                <a:cs typeface="Consolas" pitchFamily="49" charset="0"/>
+              </a:rPr>
+              <a:t>-o </a:t>
+            </a:r>
+            <a:r>
+              <a:rPr lang="en-US" sz="1400" dirty="0" err="1" smtClean="0">
+                <a:solidFill>
+                  <a:schemeClr val="bg2"/>
+                </a:solidFill>
+                <a:latin typeface="Consolas" pitchFamily="49" charset="0"/>
+                <a:ea typeface="ヒラギノ角ゴ Pro W3" charset="0"/>
+                <a:cs typeface="Consolas" pitchFamily="49" charset="0"/>
+              </a:rPr>
+              <a:t>simpleExample</a:t>
+            </a:r>
+            <a:r>
+              <a:rPr lang="en-US" sz="1400" dirty="0" smtClean="0">
+                <a:solidFill>
+                  <a:schemeClr val="bg2"/>
+                </a:solidFill>
+                <a:latin typeface="Consolas" pitchFamily="49" charset="0"/>
+                <a:ea typeface="ヒラギノ角ゴ Pro W3" charset="0"/>
+                <a:cs typeface="Consolas" pitchFamily="49" charset="0"/>
+              </a:rPr>
+              <a:t> </a:t>
+            </a:r>
+            <a:r>
+              <a:rPr lang="en-US" sz="1400" dirty="0" err="1" smtClean="0">
+                <a:solidFill>
+                  <a:schemeClr val="bg2"/>
+                </a:solidFill>
+                <a:latin typeface="Consolas" pitchFamily="49" charset="0"/>
+                <a:ea typeface="ヒラギノ角ゴ Pro W3" charset="0"/>
+                <a:cs typeface="Consolas" pitchFamily="49" charset="0"/>
+              </a:rPr>
+              <a:t>A.o</a:t>
+            </a:r>
+            <a:r>
+              <a:rPr lang="en-US" sz="1400" dirty="0" smtClean="0">
+                <a:solidFill>
+                  <a:schemeClr val="bg2"/>
+                </a:solidFill>
+                <a:latin typeface="Consolas" pitchFamily="49" charset="0"/>
+                <a:ea typeface="ヒラギノ角ゴ Pro W3" charset="0"/>
+                <a:cs typeface="Consolas" pitchFamily="49" charset="0"/>
+              </a:rPr>
+              <a:t> </a:t>
+            </a:r>
+            <a:r>
+              <a:rPr lang="en-US" sz="1400" dirty="0" err="1" smtClean="0">
+                <a:solidFill>
+                  <a:schemeClr val="bg2"/>
+                </a:solidFill>
+                <a:latin typeface="Consolas" pitchFamily="49" charset="0"/>
+                <a:ea typeface="ヒラギノ角ゴ Pro W3" charset="0"/>
+                <a:cs typeface="Consolas" pitchFamily="49" charset="0"/>
+              </a:rPr>
+              <a:t>B.o</a:t>
+            </a:r>
+            <a:r>
+              <a:rPr lang="en-US" sz="1400" dirty="0" smtClean="0">
+                <a:solidFill>
+                  <a:schemeClr val="bg2"/>
+                </a:solidFill>
+                <a:latin typeface="Consolas" pitchFamily="49" charset="0"/>
+                <a:ea typeface="ヒラギノ角ゴ Pro W3" charset="0"/>
+                <a:cs typeface="Consolas" pitchFamily="49" charset="0"/>
+              </a:rPr>
+              <a:t> </a:t>
+            </a:r>
+            <a:r>
+              <a:rPr lang="en-US" sz="1400" dirty="0" err="1" smtClean="0">
+                <a:solidFill>
+                  <a:schemeClr val="bg2"/>
+                </a:solidFill>
+                <a:latin typeface="Consolas" pitchFamily="49" charset="0"/>
+                <a:ea typeface="ヒラギノ角ゴ Pro W3" charset="0"/>
+                <a:cs typeface="Consolas" pitchFamily="49" charset="0"/>
+              </a:rPr>
+              <a:t>Counter.o</a:t>
+            </a:r>
+            <a:r>
+              <a:rPr lang="en-US" sz="1400" dirty="0" smtClean="0">
+                <a:solidFill>
+                  <a:schemeClr val="bg2"/>
+                </a:solidFill>
+                <a:latin typeface="Consolas" pitchFamily="49" charset="0"/>
+                <a:ea typeface="ヒラギノ角ゴ Pro W3" charset="0"/>
+                <a:cs typeface="Consolas" pitchFamily="49" charset="0"/>
+              </a:rPr>
+              <a:t> </a:t>
+            </a:r>
+            <a:r>
+              <a:rPr lang="en-US" sz="1400" dirty="0" err="1" smtClean="0">
+                <a:solidFill>
+                  <a:schemeClr val="bg2"/>
+                </a:solidFill>
+                <a:latin typeface="Consolas" pitchFamily="49" charset="0"/>
+                <a:ea typeface="ヒラギノ角ゴ Pro W3" charset="0"/>
+                <a:cs typeface="Consolas" pitchFamily="49" charset="0"/>
+              </a:rPr>
+              <a:t>main.o</a:t>
+            </a:r>
+            <a:endParaRPr lang="en-US" sz="1400" dirty="0" smtClean="0">
+              <a:solidFill>
+                <a:schemeClr val="bg2"/>
+              </a:solidFill>
+              <a:latin typeface="Consolas" pitchFamily="49" charset="0"/>
+              <a:ea typeface="ヒラギノ角ゴ Pro W3" charset="0"/>
+              <a:cs typeface="Consolas" pitchFamily="49" charset="0"/>
+            </a:endParaRPr>
+          </a:p>
+          <a:p>
+            <a:pPr marL="458788" lvl="1" indent="-228600">
+              <a:spcAft>
+                <a:spcPts val="0"/>
+              </a:spcAft>
+              <a:defRPr/>
+            </a:pPr>
+            <a:r>
+              <a:rPr lang="en-US" sz="1400" dirty="0" smtClean="0">
+                <a:solidFill>
+                  <a:schemeClr val="bg2"/>
+                </a:solidFill>
+                <a:latin typeface="Consolas" pitchFamily="49" charset="0"/>
+                <a:ea typeface="ヒラギノ角ゴ Pro W3" charset="0"/>
+                <a:cs typeface="Consolas" pitchFamily="49" charset="0"/>
+              </a:rPr>
+              <a:t>$ ./</a:t>
+            </a:r>
+            <a:r>
+              <a:rPr lang="en-US" sz="1400" dirty="0" err="1" smtClean="0">
+                <a:solidFill>
+                  <a:schemeClr val="bg2"/>
+                </a:solidFill>
+                <a:latin typeface="Consolas" pitchFamily="49" charset="0"/>
+                <a:ea typeface="ヒラギノ角ゴ Pro W3" charset="0"/>
+                <a:cs typeface="Consolas" pitchFamily="49" charset="0"/>
+              </a:rPr>
+              <a:t>simpleExample</a:t>
+            </a:r>
+            <a:endParaRPr lang="en-US" sz="1400" dirty="0" smtClean="0">
+              <a:solidFill>
+                <a:schemeClr val="bg2"/>
+              </a:solidFill>
+              <a:latin typeface="Consolas" pitchFamily="49" charset="0"/>
+              <a:ea typeface="ヒラギノ角ゴ Pro W3" charset="0"/>
+              <a:cs typeface="Consolas" pitchFamily="49" charset="0"/>
+            </a:endParaRPr>
+          </a:p>
+          <a:p>
+            <a:pPr marL="458788" lvl="1" indent="-228600">
+              <a:spcAft>
+                <a:spcPts val="0"/>
+              </a:spcAft>
+              <a:defRPr/>
+            </a:pPr>
+            <a:r>
+              <a:rPr lang="en-US" sz="1400" dirty="0" smtClean="0">
+                <a:solidFill>
+                  <a:schemeClr val="bg2"/>
+                </a:solidFill>
+                <a:latin typeface="Consolas" pitchFamily="49" charset="0"/>
+                <a:ea typeface="ヒラギノ角ゴ Pro W3" charset="0"/>
+                <a:cs typeface="Consolas" pitchFamily="49" charset="0"/>
+              </a:rPr>
+              <a:t>2</a:t>
+            </a:r>
+            <a:endParaRPr lang="en-US" sz="1400" dirty="0" smtClean="0">
+              <a:solidFill>
+                <a:schemeClr val="bg2"/>
+              </a:solidFill>
+              <a:latin typeface="Consolas" pitchFamily="49" charset="0"/>
+              <a:ea typeface="ヒラギノ角ゴ Pro W3" charset="0"/>
+              <a:cs typeface="Consolas" pitchFamily="49" charset="0"/>
             </a:endParaRPr>
           </a:p>
         </p:txBody>
@@ -16368,7 +18060,7 @@
             <a:pPr algn="ctr"/>
             <a:r>
               <a:rPr lang="en-US" sz="3200" dirty="0" smtClean="0"/>
-              <a:t>Static member mess up</a:t>
+              <a:t>Do linker throws away unused code?</a:t>
             </a:r>
             <a:endParaRPr lang="en-US" sz="3200" dirty="0"/>
           </a:p>
@@ -16476,12 +18168,831 @@
               </a:spcAft>
               <a:buClrTx/>
               <a:buSzTx/>
-              <a:buFont typeface="Arial" pitchFamily="34" charset="0"/>
-              <a:buChar char="•"/>
               <a:tabLst/>
               <a:defRPr/>
             </a:pPr>
             <a:endParaRPr kumimoji="0" lang="en-US" sz="2400" b="0" i="0" u="none" strike="noStrike" kern="1200" cap="none" spc="0" normalizeH="0" baseline="0" noProof="0" dirty="0" smtClean="0">
+              <a:ln>
+                <a:noFill/>
+              </a:ln>
+              <a:solidFill>
+                <a:schemeClr val="bg2"/>
+              </a:solidFill>
+              <a:effectLst/>
+              <a:uLnTx/>
+              <a:uFillTx/>
+              <a:latin typeface="+mn-lt"/>
+              <a:ea typeface="ヒラギノ角ゴ Pro W3" charset="0"/>
+              <a:cs typeface="ヒラギノ角ゴ Pro W3"/>
+            </a:endParaRPr>
+          </a:p>
+        </p:txBody>
+      </p:sp>
+      <p:sp>
+        <p:nvSpPr>
+          <p:cNvPr id="7" name="Rectangle 6"/>
+          <p:cNvSpPr/>
+          <p:nvPr/>
+        </p:nvSpPr>
+        <p:spPr>
+          <a:xfrm>
+            <a:off x="936103" y="1763400"/>
+            <a:ext cx="7020273" cy="1600438"/>
+          </a:xfrm>
+          <a:prstGeom prst="rect">
+            <a:avLst/>
+          </a:prstGeom>
+        </p:spPr>
+        <p:txBody>
+          <a:bodyPr wrap="square">
+            <a:spAutoFit/>
+          </a:bodyPr>
+          <a:lstStyle/>
+          <a:p>
+            <a:pPr marL="458788" lvl="1" indent="-228600">
+              <a:spcAft>
+                <a:spcPts val="0"/>
+              </a:spcAft>
+              <a:defRPr/>
+            </a:pPr>
+            <a:r>
+              <a:rPr lang="en-US" sz="1400" dirty="0" smtClean="0">
+                <a:solidFill>
+                  <a:schemeClr val="bg2"/>
+                </a:solidFill>
+                <a:latin typeface="Consolas" pitchFamily="49" charset="0"/>
+                <a:ea typeface="ヒラギノ角ゴ Pro W3" charset="0"/>
+                <a:cs typeface="Consolas" pitchFamily="49" charset="0"/>
+              </a:rPr>
+              <a:t>$ </a:t>
+            </a:r>
+            <a:r>
+              <a:rPr lang="en-US" sz="1400" dirty="0" smtClean="0">
+                <a:solidFill>
+                  <a:schemeClr val="bg2"/>
+                </a:solidFill>
+                <a:latin typeface="Consolas" pitchFamily="49" charset="0"/>
+                <a:ea typeface="ヒラギノ角ゴ Pro W3" charset="0"/>
+                <a:cs typeface="Consolas" pitchFamily="49" charset="0"/>
+              </a:rPr>
+              <a:t>g</a:t>
+            </a:r>
+            <a:r>
+              <a:rPr lang="en-US" sz="1400" dirty="0" smtClean="0">
+                <a:solidFill>
+                  <a:schemeClr val="bg2"/>
+                </a:solidFill>
+                <a:latin typeface="Consolas" pitchFamily="49" charset="0"/>
+                <a:ea typeface="ヒラギノ角ゴ Pro W3" charset="0"/>
+                <a:cs typeface="Consolas" pitchFamily="49" charset="0"/>
+              </a:rPr>
+              <a:t>++ -c -Wall -</a:t>
+            </a:r>
+            <a:r>
+              <a:rPr lang="en-US" sz="1400" dirty="0" err="1" smtClean="0">
+                <a:solidFill>
+                  <a:schemeClr val="bg2"/>
+                </a:solidFill>
+                <a:latin typeface="Consolas" pitchFamily="49" charset="0"/>
+                <a:ea typeface="ヒラギノ角ゴ Pro W3" charset="0"/>
+                <a:cs typeface="Consolas" pitchFamily="49" charset="0"/>
+              </a:rPr>
+              <a:t>Werror</a:t>
+            </a:r>
+            <a:r>
+              <a:rPr lang="en-US" sz="1400" dirty="0" smtClean="0">
+                <a:solidFill>
+                  <a:schemeClr val="bg2"/>
+                </a:solidFill>
+                <a:latin typeface="Consolas" pitchFamily="49" charset="0"/>
+                <a:ea typeface="ヒラギノ角ゴ Pro W3" charset="0"/>
+                <a:cs typeface="Consolas" pitchFamily="49" charset="0"/>
+              </a:rPr>
+              <a:t> </a:t>
+            </a:r>
+            <a:r>
+              <a:rPr lang="en-US" sz="1400" dirty="0" smtClean="0">
+                <a:solidFill>
+                  <a:schemeClr val="bg2"/>
+                </a:solidFill>
+                <a:latin typeface="Consolas" pitchFamily="49" charset="0"/>
+                <a:ea typeface="ヒラギノ角ゴ Pro W3" charset="0"/>
+                <a:cs typeface="Consolas" pitchFamily="49" charset="0"/>
+              </a:rPr>
+              <a:t>–o </a:t>
+            </a:r>
+            <a:r>
+              <a:rPr lang="en-US" sz="1400" dirty="0" err="1" smtClean="0">
+                <a:solidFill>
+                  <a:schemeClr val="bg2"/>
+                </a:solidFill>
+                <a:latin typeface="Consolas" pitchFamily="49" charset="0"/>
+                <a:ea typeface="ヒラギノ角ゴ Pro W3" charset="0"/>
+                <a:cs typeface="Consolas" pitchFamily="49" charset="0"/>
+              </a:rPr>
+              <a:t>A.o</a:t>
+            </a:r>
+            <a:r>
+              <a:rPr lang="en-US" sz="1400" dirty="0" smtClean="0">
+                <a:solidFill>
+                  <a:schemeClr val="bg2"/>
+                </a:solidFill>
+                <a:latin typeface="Consolas" pitchFamily="49" charset="0"/>
+                <a:ea typeface="ヒラギノ角ゴ Pro W3" charset="0"/>
+                <a:cs typeface="Consolas" pitchFamily="49" charset="0"/>
+              </a:rPr>
+              <a:t> A.cpp</a:t>
+            </a:r>
+            <a:endParaRPr lang="en-US" sz="1400" dirty="0" smtClean="0">
+              <a:solidFill>
+                <a:schemeClr val="bg2"/>
+              </a:solidFill>
+              <a:latin typeface="Consolas" pitchFamily="49" charset="0"/>
+              <a:ea typeface="ヒラギノ角ゴ Pro W3" charset="0"/>
+              <a:cs typeface="Consolas" pitchFamily="49" charset="0"/>
+            </a:endParaRPr>
+          </a:p>
+          <a:p>
+            <a:pPr marL="458788" lvl="1" indent="-228600">
+              <a:spcAft>
+                <a:spcPts val="0"/>
+              </a:spcAft>
+              <a:defRPr/>
+            </a:pPr>
+            <a:r>
+              <a:rPr lang="en-US" sz="1400" dirty="0" smtClean="0">
+                <a:solidFill>
+                  <a:schemeClr val="bg2"/>
+                </a:solidFill>
+                <a:latin typeface="Consolas" pitchFamily="49" charset="0"/>
+                <a:ea typeface="ヒラギノ角ゴ Pro W3" charset="0"/>
+                <a:cs typeface="Consolas" pitchFamily="49" charset="0"/>
+              </a:rPr>
+              <a:t>$ </a:t>
+            </a:r>
+            <a:r>
+              <a:rPr lang="en-US" sz="1400" dirty="0" smtClean="0">
+                <a:solidFill>
+                  <a:schemeClr val="bg2"/>
+                </a:solidFill>
+                <a:latin typeface="Consolas" pitchFamily="49" charset="0"/>
+                <a:ea typeface="ヒラギノ角ゴ Pro W3" charset="0"/>
+                <a:cs typeface="Consolas" pitchFamily="49" charset="0"/>
+              </a:rPr>
+              <a:t>g</a:t>
+            </a:r>
+            <a:r>
+              <a:rPr lang="en-US" sz="1400" dirty="0" smtClean="0">
+                <a:solidFill>
+                  <a:schemeClr val="bg2"/>
+                </a:solidFill>
+                <a:latin typeface="Consolas" pitchFamily="49" charset="0"/>
+                <a:ea typeface="ヒラギノ角ゴ Pro W3" charset="0"/>
+                <a:cs typeface="Consolas" pitchFamily="49" charset="0"/>
+              </a:rPr>
+              <a:t>++ -c -Wall -</a:t>
+            </a:r>
+            <a:r>
+              <a:rPr lang="en-US" sz="1400" dirty="0" err="1" smtClean="0">
+                <a:solidFill>
+                  <a:schemeClr val="bg2"/>
+                </a:solidFill>
+                <a:latin typeface="Consolas" pitchFamily="49" charset="0"/>
+                <a:ea typeface="ヒラギノ角ゴ Pro W3" charset="0"/>
+                <a:cs typeface="Consolas" pitchFamily="49" charset="0"/>
+              </a:rPr>
+              <a:t>Werror</a:t>
+            </a:r>
+            <a:r>
+              <a:rPr lang="en-US" sz="1400" dirty="0" smtClean="0">
+                <a:solidFill>
+                  <a:schemeClr val="bg2"/>
+                </a:solidFill>
+                <a:latin typeface="Consolas" pitchFamily="49" charset="0"/>
+                <a:ea typeface="ヒラギノ角ゴ Pro W3" charset="0"/>
+                <a:cs typeface="Consolas" pitchFamily="49" charset="0"/>
+              </a:rPr>
+              <a:t> </a:t>
+            </a:r>
+            <a:r>
+              <a:rPr lang="en-US" sz="1400" dirty="0" smtClean="0">
+                <a:solidFill>
+                  <a:schemeClr val="bg2"/>
+                </a:solidFill>
+                <a:latin typeface="Consolas" pitchFamily="49" charset="0"/>
+                <a:ea typeface="ヒラギノ角ゴ Pro W3" charset="0"/>
+                <a:cs typeface="Consolas" pitchFamily="49" charset="0"/>
+              </a:rPr>
+              <a:t>–o </a:t>
+            </a:r>
+            <a:r>
+              <a:rPr lang="en-US" sz="1400" dirty="0" err="1" smtClean="0">
+                <a:solidFill>
+                  <a:schemeClr val="bg2"/>
+                </a:solidFill>
+                <a:latin typeface="Consolas" pitchFamily="49" charset="0"/>
+                <a:ea typeface="ヒラギノ角ゴ Pro W3" charset="0"/>
+                <a:cs typeface="Consolas" pitchFamily="49" charset="0"/>
+              </a:rPr>
+              <a:t>B.o</a:t>
+            </a:r>
+            <a:r>
+              <a:rPr lang="en-US" sz="1400" dirty="0" smtClean="0">
+                <a:solidFill>
+                  <a:schemeClr val="bg2"/>
+                </a:solidFill>
+                <a:latin typeface="Consolas" pitchFamily="49" charset="0"/>
+                <a:ea typeface="ヒラギノ角ゴ Pro W3" charset="0"/>
+                <a:cs typeface="Consolas" pitchFamily="49" charset="0"/>
+              </a:rPr>
+              <a:t> B.cpp</a:t>
+            </a:r>
+            <a:endParaRPr lang="en-US" sz="1400" dirty="0" smtClean="0">
+              <a:solidFill>
+                <a:schemeClr val="bg2"/>
+              </a:solidFill>
+              <a:latin typeface="Consolas" pitchFamily="49" charset="0"/>
+              <a:ea typeface="ヒラギノ角ゴ Pro W3" charset="0"/>
+              <a:cs typeface="Consolas" pitchFamily="49" charset="0"/>
+            </a:endParaRPr>
+          </a:p>
+          <a:p>
+            <a:pPr marL="458788" lvl="1" indent="-228600">
+              <a:spcAft>
+                <a:spcPts val="0"/>
+              </a:spcAft>
+              <a:defRPr/>
+            </a:pPr>
+            <a:r>
+              <a:rPr lang="en-US" sz="1400" dirty="0" smtClean="0">
+                <a:solidFill>
+                  <a:schemeClr val="bg2"/>
+                </a:solidFill>
+                <a:latin typeface="Consolas" pitchFamily="49" charset="0"/>
+                <a:ea typeface="ヒラギノ角ゴ Pro W3" charset="0"/>
+                <a:cs typeface="Consolas" pitchFamily="49" charset="0"/>
+              </a:rPr>
+              <a:t>$ </a:t>
+            </a:r>
+            <a:r>
+              <a:rPr lang="en-US" sz="1400" dirty="0" smtClean="0">
+                <a:solidFill>
+                  <a:schemeClr val="bg2"/>
+                </a:solidFill>
+                <a:latin typeface="Consolas" pitchFamily="49" charset="0"/>
+                <a:ea typeface="ヒラギノ角ゴ Pro W3" charset="0"/>
+                <a:cs typeface="Consolas" pitchFamily="49" charset="0"/>
+              </a:rPr>
+              <a:t>g</a:t>
+            </a:r>
+            <a:r>
+              <a:rPr lang="en-US" sz="1400" dirty="0" smtClean="0">
+                <a:solidFill>
+                  <a:schemeClr val="bg2"/>
+                </a:solidFill>
+                <a:latin typeface="Consolas" pitchFamily="49" charset="0"/>
+                <a:ea typeface="ヒラギノ角ゴ Pro W3" charset="0"/>
+                <a:cs typeface="Consolas" pitchFamily="49" charset="0"/>
+              </a:rPr>
+              <a:t>++ -c -Wall -</a:t>
+            </a:r>
+            <a:r>
+              <a:rPr lang="en-US" sz="1400" dirty="0" err="1" smtClean="0">
+                <a:solidFill>
+                  <a:schemeClr val="bg2"/>
+                </a:solidFill>
+                <a:latin typeface="Consolas" pitchFamily="49" charset="0"/>
+                <a:ea typeface="ヒラギノ角ゴ Pro W3" charset="0"/>
+                <a:cs typeface="Consolas" pitchFamily="49" charset="0"/>
+              </a:rPr>
+              <a:t>Werror</a:t>
+            </a:r>
+            <a:r>
+              <a:rPr lang="en-US" sz="1400" dirty="0" smtClean="0">
+                <a:solidFill>
+                  <a:schemeClr val="bg2"/>
+                </a:solidFill>
+                <a:latin typeface="Consolas" pitchFamily="49" charset="0"/>
+                <a:ea typeface="ヒラギノ角ゴ Pro W3" charset="0"/>
+                <a:cs typeface="Consolas" pitchFamily="49" charset="0"/>
+              </a:rPr>
+              <a:t> </a:t>
+            </a:r>
+            <a:r>
+              <a:rPr lang="en-US" sz="1400" dirty="0" smtClean="0">
+                <a:solidFill>
+                  <a:schemeClr val="bg2"/>
+                </a:solidFill>
+                <a:latin typeface="Consolas" pitchFamily="49" charset="0"/>
+                <a:ea typeface="ヒラギノ角ゴ Pro W3" charset="0"/>
+                <a:cs typeface="Consolas" pitchFamily="49" charset="0"/>
+              </a:rPr>
+              <a:t>–o </a:t>
+            </a:r>
+            <a:r>
+              <a:rPr lang="en-US" sz="1400" dirty="0" err="1" smtClean="0">
+                <a:solidFill>
+                  <a:schemeClr val="bg2"/>
+                </a:solidFill>
+                <a:latin typeface="Consolas" pitchFamily="49" charset="0"/>
+                <a:ea typeface="ヒラギノ角ゴ Pro W3" charset="0"/>
+                <a:cs typeface="Consolas" pitchFamily="49" charset="0"/>
+              </a:rPr>
+              <a:t>Counter.o</a:t>
+            </a:r>
+            <a:r>
+              <a:rPr lang="en-US" sz="1400" dirty="0" smtClean="0">
+                <a:solidFill>
+                  <a:schemeClr val="bg2"/>
+                </a:solidFill>
+                <a:latin typeface="Consolas" pitchFamily="49" charset="0"/>
+                <a:ea typeface="ヒラギノ角ゴ Pro W3" charset="0"/>
+                <a:cs typeface="Consolas" pitchFamily="49" charset="0"/>
+              </a:rPr>
+              <a:t> Counter.cpp</a:t>
+            </a:r>
+            <a:endParaRPr lang="en-US" sz="1400" dirty="0" smtClean="0">
+              <a:solidFill>
+                <a:schemeClr val="bg2"/>
+              </a:solidFill>
+              <a:latin typeface="Consolas" pitchFamily="49" charset="0"/>
+              <a:ea typeface="ヒラギノ角ゴ Pro W3" charset="0"/>
+              <a:cs typeface="Consolas" pitchFamily="49" charset="0"/>
+            </a:endParaRPr>
+          </a:p>
+          <a:p>
+            <a:pPr marL="458788" lvl="1" indent="-228600">
+              <a:spcAft>
+                <a:spcPts val="0"/>
+              </a:spcAft>
+              <a:defRPr/>
+            </a:pPr>
+            <a:r>
+              <a:rPr lang="en-US" sz="1400" dirty="0" smtClean="0">
+                <a:solidFill>
+                  <a:srgbClr val="00B050"/>
+                </a:solidFill>
+                <a:latin typeface="Consolas" pitchFamily="49" charset="0"/>
+                <a:ea typeface="ヒラギノ角ゴ Pro W3" charset="0"/>
+                <a:cs typeface="Consolas" pitchFamily="49" charset="0"/>
+              </a:rPr>
+              <a:t>$ </a:t>
+            </a:r>
+            <a:r>
+              <a:rPr lang="en-US" sz="1400" dirty="0" err="1" smtClean="0">
+                <a:solidFill>
+                  <a:srgbClr val="00B050"/>
+                </a:solidFill>
+                <a:latin typeface="Consolas" pitchFamily="49" charset="0"/>
+                <a:ea typeface="ヒラギノ角ゴ Pro W3" charset="0"/>
+                <a:cs typeface="Consolas" pitchFamily="49" charset="0"/>
+              </a:rPr>
+              <a:t>ar</a:t>
+            </a:r>
+            <a:r>
+              <a:rPr lang="en-US" sz="1400" dirty="0" smtClean="0">
+                <a:solidFill>
+                  <a:srgbClr val="00B050"/>
+                </a:solidFill>
+                <a:latin typeface="Consolas" pitchFamily="49" charset="0"/>
+                <a:ea typeface="ヒラギノ角ゴ Pro W3" charset="0"/>
+                <a:cs typeface="Consolas" pitchFamily="49" charset="0"/>
+              </a:rPr>
+              <a:t> </a:t>
+            </a:r>
+            <a:r>
+              <a:rPr lang="en-US" sz="1400" dirty="0" err="1" smtClean="0">
+                <a:solidFill>
+                  <a:srgbClr val="00B050"/>
+                </a:solidFill>
+                <a:latin typeface="Consolas" pitchFamily="49" charset="0"/>
+                <a:ea typeface="ヒラギノ角ゴ Pro W3" charset="0"/>
+                <a:cs typeface="Consolas" pitchFamily="49" charset="0"/>
+              </a:rPr>
+              <a:t>rcs</a:t>
+            </a:r>
+            <a:r>
+              <a:rPr lang="en-US" sz="1400" dirty="0" smtClean="0">
+                <a:solidFill>
+                  <a:srgbClr val="00B050"/>
+                </a:solidFill>
+                <a:latin typeface="Consolas" pitchFamily="49" charset="0"/>
+                <a:ea typeface="ヒラギノ角ゴ Pro W3" charset="0"/>
+                <a:cs typeface="Consolas" pitchFamily="49" charset="0"/>
+              </a:rPr>
+              <a:t> </a:t>
+            </a:r>
+            <a:r>
+              <a:rPr lang="en-US" sz="1400" dirty="0" err="1" smtClean="0">
+                <a:solidFill>
+                  <a:srgbClr val="00B050"/>
+                </a:solidFill>
+                <a:latin typeface="Consolas" pitchFamily="49" charset="0"/>
+                <a:ea typeface="ヒラギノ角ゴ Pro W3" charset="0"/>
+                <a:cs typeface="Consolas" pitchFamily="49" charset="0"/>
+              </a:rPr>
+              <a:t>libStaticlib.a</a:t>
+            </a:r>
+            <a:r>
+              <a:rPr lang="en-US" sz="1400" dirty="0" smtClean="0">
+                <a:solidFill>
+                  <a:srgbClr val="00B050"/>
+                </a:solidFill>
+                <a:latin typeface="Consolas" pitchFamily="49" charset="0"/>
+                <a:ea typeface="ヒラギノ角ゴ Pro W3" charset="0"/>
+                <a:cs typeface="Consolas" pitchFamily="49" charset="0"/>
+              </a:rPr>
+              <a:t> </a:t>
+            </a:r>
+            <a:r>
+              <a:rPr lang="en-US" sz="1400" dirty="0" err="1" smtClean="0">
+                <a:solidFill>
+                  <a:srgbClr val="00B050"/>
+                </a:solidFill>
+                <a:latin typeface="Consolas" pitchFamily="49" charset="0"/>
+                <a:ea typeface="ヒラギノ角ゴ Pro W3" charset="0"/>
+                <a:cs typeface="Consolas" pitchFamily="49" charset="0"/>
+              </a:rPr>
+              <a:t>A.o</a:t>
+            </a:r>
+            <a:r>
+              <a:rPr lang="en-US" sz="1400" dirty="0" smtClean="0">
+                <a:solidFill>
+                  <a:srgbClr val="00B050"/>
+                </a:solidFill>
+                <a:latin typeface="Consolas" pitchFamily="49" charset="0"/>
+                <a:ea typeface="ヒラギノ角ゴ Pro W3" charset="0"/>
+                <a:cs typeface="Consolas" pitchFamily="49" charset="0"/>
+              </a:rPr>
+              <a:t> </a:t>
+            </a:r>
+            <a:r>
+              <a:rPr lang="en-US" sz="1400" dirty="0" err="1" smtClean="0">
+                <a:solidFill>
+                  <a:srgbClr val="00B050"/>
+                </a:solidFill>
+                <a:latin typeface="Consolas" pitchFamily="49" charset="0"/>
+                <a:ea typeface="ヒラギノ角ゴ Pro W3" charset="0"/>
+                <a:cs typeface="Consolas" pitchFamily="49" charset="0"/>
+              </a:rPr>
+              <a:t>B.o</a:t>
+            </a:r>
+            <a:r>
+              <a:rPr lang="en-US" sz="1400" dirty="0" smtClean="0">
+                <a:solidFill>
+                  <a:srgbClr val="00B050"/>
+                </a:solidFill>
+                <a:latin typeface="Consolas" pitchFamily="49" charset="0"/>
+                <a:ea typeface="ヒラギノ角ゴ Pro W3" charset="0"/>
+                <a:cs typeface="Consolas" pitchFamily="49" charset="0"/>
+              </a:rPr>
+              <a:t> </a:t>
+            </a:r>
+            <a:r>
+              <a:rPr lang="en-US" sz="1400" dirty="0" err="1" smtClean="0">
+                <a:solidFill>
+                  <a:srgbClr val="00B050"/>
+                </a:solidFill>
+                <a:latin typeface="Consolas" pitchFamily="49" charset="0"/>
+                <a:ea typeface="ヒラギノ角ゴ Pro W3" charset="0"/>
+                <a:cs typeface="Consolas" pitchFamily="49" charset="0"/>
+              </a:rPr>
+              <a:t>Counter.o</a:t>
+            </a:r>
+            <a:endParaRPr lang="en-US" sz="1400" dirty="0" smtClean="0">
+              <a:solidFill>
+                <a:srgbClr val="00B050"/>
+              </a:solidFill>
+              <a:latin typeface="Consolas" pitchFamily="49" charset="0"/>
+              <a:ea typeface="ヒラギノ角ゴ Pro W3" charset="0"/>
+              <a:cs typeface="Consolas" pitchFamily="49" charset="0"/>
+            </a:endParaRPr>
+          </a:p>
+          <a:p>
+            <a:pPr marL="458788" lvl="1" indent="-228600">
+              <a:spcAft>
+                <a:spcPts val="0"/>
+              </a:spcAft>
+              <a:defRPr/>
+            </a:pPr>
+            <a:r>
+              <a:rPr lang="en-US" sz="1400" dirty="0" smtClean="0">
+                <a:solidFill>
+                  <a:schemeClr val="bg2"/>
+                </a:solidFill>
+                <a:latin typeface="Consolas" pitchFamily="49" charset="0"/>
+                <a:ea typeface="ヒラギノ角ゴ Pro W3" charset="0"/>
+                <a:cs typeface="Consolas" pitchFamily="49" charset="0"/>
+              </a:rPr>
+              <a:t>$ </a:t>
+            </a:r>
+            <a:r>
+              <a:rPr lang="en-US" sz="1400" dirty="0" smtClean="0">
+                <a:solidFill>
+                  <a:schemeClr val="bg2"/>
+                </a:solidFill>
+                <a:latin typeface="Consolas" pitchFamily="49" charset="0"/>
+                <a:ea typeface="ヒラギノ角ゴ Pro W3" charset="0"/>
+                <a:cs typeface="Consolas" pitchFamily="49" charset="0"/>
+              </a:rPr>
+              <a:t>g</a:t>
+            </a:r>
+            <a:r>
+              <a:rPr lang="en-US" sz="1400" dirty="0" smtClean="0">
+                <a:solidFill>
+                  <a:schemeClr val="bg2"/>
+                </a:solidFill>
+                <a:latin typeface="Consolas" pitchFamily="49" charset="0"/>
+                <a:ea typeface="ヒラギノ角ゴ Pro W3" charset="0"/>
+                <a:cs typeface="Consolas" pitchFamily="49" charset="0"/>
+              </a:rPr>
+              <a:t>++ </a:t>
+            </a:r>
+            <a:r>
+              <a:rPr lang="en-US" sz="1400" dirty="0" smtClean="0">
+                <a:solidFill>
+                  <a:schemeClr val="bg2"/>
+                </a:solidFill>
+                <a:latin typeface="Consolas" pitchFamily="49" charset="0"/>
+                <a:ea typeface="ヒラギノ角ゴ Pro W3" charset="0"/>
+                <a:cs typeface="Consolas" pitchFamily="49" charset="0"/>
+              </a:rPr>
+              <a:t>-</a:t>
+            </a:r>
+            <a:r>
+              <a:rPr lang="en-US" sz="1400" dirty="0" smtClean="0">
+                <a:solidFill>
+                  <a:schemeClr val="bg2"/>
+                </a:solidFill>
+                <a:latin typeface="Consolas" pitchFamily="49" charset="0"/>
+                <a:ea typeface="ヒラギノ角ゴ Pro W3" charset="0"/>
+                <a:cs typeface="Consolas" pitchFamily="49" charset="0"/>
+              </a:rPr>
+              <a:t>o </a:t>
+            </a:r>
+            <a:r>
+              <a:rPr lang="en-US" sz="1400" dirty="0" err="1" smtClean="0">
+                <a:solidFill>
+                  <a:schemeClr val="bg2"/>
+                </a:solidFill>
+                <a:latin typeface="Consolas" pitchFamily="49" charset="0"/>
+                <a:ea typeface="ヒラギノ角ゴ Pro W3" charset="0"/>
+                <a:cs typeface="Consolas" pitchFamily="49" charset="0"/>
+              </a:rPr>
+              <a:t>simpleExample</a:t>
+            </a:r>
+            <a:r>
+              <a:rPr lang="en-US" sz="1400" dirty="0" smtClean="0">
+                <a:solidFill>
+                  <a:schemeClr val="bg2"/>
+                </a:solidFill>
+                <a:latin typeface="Consolas" pitchFamily="49" charset="0"/>
+                <a:ea typeface="ヒラギノ角ゴ Pro W3" charset="0"/>
+                <a:cs typeface="Consolas" pitchFamily="49" charset="0"/>
+              </a:rPr>
+              <a:t> </a:t>
+            </a:r>
+            <a:r>
+              <a:rPr lang="en-US" sz="1400" dirty="0" smtClean="0">
+                <a:solidFill>
+                  <a:schemeClr val="bg2"/>
+                </a:solidFill>
+                <a:latin typeface="Consolas" pitchFamily="49" charset="0"/>
+                <a:ea typeface="ヒラギノ角ゴ Pro W3" charset="0"/>
+                <a:cs typeface="Consolas" pitchFamily="49" charset="0"/>
+              </a:rPr>
+              <a:t>main.cpp </a:t>
+            </a:r>
+            <a:r>
+              <a:rPr lang="en-US" sz="1400" dirty="0" smtClean="0">
+                <a:solidFill>
+                  <a:srgbClr val="00B050"/>
+                </a:solidFill>
+                <a:latin typeface="Consolas" pitchFamily="49" charset="0"/>
+                <a:ea typeface="ヒラギノ角ゴ Pro W3" charset="0"/>
+                <a:cs typeface="Consolas" pitchFamily="49" charset="0"/>
+              </a:rPr>
+              <a:t>-L</a:t>
+            </a:r>
+            <a:r>
+              <a:rPr lang="en-US" sz="1400" dirty="0" smtClean="0">
+                <a:solidFill>
+                  <a:srgbClr val="00B050"/>
+                </a:solidFill>
+                <a:latin typeface="Consolas" pitchFamily="49" charset="0"/>
+                <a:ea typeface="ヒラギノ角ゴ Pro W3" charset="0"/>
+                <a:cs typeface="Consolas" pitchFamily="49" charset="0"/>
+              </a:rPr>
+              <a:t>./ </a:t>
+            </a:r>
+            <a:r>
+              <a:rPr lang="en-US" sz="1400" dirty="0" smtClean="0">
+                <a:solidFill>
+                  <a:srgbClr val="00B050"/>
+                </a:solidFill>
+                <a:latin typeface="Consolas" pitchFamily="49" charset="0"/>
+                <a:ea typeface="ヒラギノ角ゴ Pro W3" charset="0"/>
+                <a:cs typeface="Consolas" pitchFamily="49" charset="0"/>
+              </a:rPr>
+              <a:t>-</a:t>
+            </a:r>
+            <a:r>
+              <a:rPr lang="en-US" sz="1400" dirty="0" err="1" smtClean="0">
+                <a:solidFill>
+                  <a:srgbClr val="00B050"/>
+                </a:solidFill>
+                <a:latin typeface="Consolas" pitchFamily="49" charset="0"/>
+                <a:ea typeface="ヒラギノ角ゴ Pro W3" charset="0"/>
+                <a:cs typeface="Consolas" pitchFamily="49" charset="0"/>
+              </a:rPr>
+              <a:t>lStaticlib</a:t>
+            </a:r>
+            <a:endParaRPr lang="en-US" sz="1400" dirty="0" smtClean="0">
+              <a:solidFill>
+                <a:srgbClr val="00B050"/>
+              </a:solidFill>
+              <a:latin typeface="Consolas" pitchFamily="49" charset="0"/>
+              <a:ea typeface="ヒラギノ角ゴ Pro W3" charset="0"/>
+              <a:cs typeface="Consolas" pitchFamily="49" charset="0"/>
+            </a:endParaRPr>
+          </a:p>
+          <a:p>
+            <a:pPr marL="458788" lvl="1" indent="-228600">
+              <a:spcAft>
+                <a:spcPts val="0"/>
+              </a:spcAft>
+              <a:defRPr/>
+            </a:pPr>
+            <a:r>
+              <a:rPr lang="en-US" sz="1400" dirty="0" smtClean="0">
+                <a:solidFill>
+                  <a:schemeClr val="bg2"/>
+                </a:solidFill>
+                <a:latin typeface="Consolas" pitchFamily="49" charset="0"/>
+                <a:ea typeface="ヒラギノ角ゴ Pro W3" charset="0"/>
+                <a:cs typeface="Consolas" pitchFamily="49" charset="0"/>
+              </a:rPr>
+              <a:t>$ ./</a:t>
+            </a:r>
+            <a:r>
+              <a:rPr lang="en-US" sz="1400" dirty="0" err="1" smtClean="0">
+                <a:solidFill>
+                  <a:schemeClr val="bg2"/>
+                </a:solidFill>
+                <a:latin typeface="Consolas" pitchFamily="49" charset="0"/>
+                <a:ea typeface="ヒラギノ角ゴ Pro W3" charset="0"/>
+                <a:cs typeface="Consolas" pitchFamily="49" charset="0"/>
+              </a:rPr>
+              <a:t>simpleExample</a:t>
+            </a:r>
+            <a:endParaRPr lang="en-US" sz="1400" dirty="0" smtClean="0">
+              <a:solidFill>
+                <a:schemeClr val="bg2"/>
+              </a:solidFill>
+              <a:latin typeface="Consolas" pitchFamily="49" charset="0"/>
+              <a:ea typeface="ヒラギノ角ゴ Pro W3" charset="0"/>
+              <a:cs typeface="Consolas" pitchFamily="49" charset="0"/>
+            </a:endParaRPr>
+          </a:p>
+          <a:p>
+            <a:pPr marL="458788" lvl="1" indent="-228600">
+              <a:spcAft>
+                <a:spcPts val="0"/>
+              </a:spcAft>
+              <a:defRPr/>
+            </a:pPr>
+            <a:r>
+              <a:rPr lang="en-US" sz="1400" dirty="0" smtClean="0">
+                <a:solidFill>
+                  <a:srgbClr val="00B050"/>
+                </a:solidFill>
+                <a:latin typeface="Consolas" pitchFamily="49" charset="0"/>
+                <a:ea typeface="ヒラギノ角ゴ Pro W3" charset="0"/>
+                <a:cs typeface="Consolas" pitchFamily="49" charset="0"/>
+              </a:rPr>
+              <a:t>0</a:t>
+            </a:r>
+          </a:p>
+        </p:txBody>
+      </p:sp>
+      <p:sp>
+        <p:nvSpPr>
+          <p:cNvPr id="8" name="Content Placeholder 2"/>
+          <p:cNvSpPr txBox="1">
+            <a:spLocks/>
+          </p:cNvSpPr>
+          <p:nvPr/>
+        </p:nvSpPr>
+        <p:spPr bwMode="auto">
+          <a:xfrm>
+            <a:off x="1024871" y="1211982"/>
+            <a:ext cx="6643473" cy="279648"/>
+          </a:xfrm>
+          <a:prstGeom prst="rect">
+            <a:avLst/>
+          </a:prstGeom>
+          <a:noFill/>
+          <a:ln w="9525">
+            <a:noFill/>
+            <a:miter lim="800000"/>
+            <a:headEnd/>
+            <a:tailEnd/>
+          </a:ln>
+        </p:spPr>
+        <p:txBody>
+          <a:bodyPr vert="horz" wrap="square" lIns="0" tIns="0" rIns="0" bIns="0" numCol="1" anchor="t" anchorCtr="0" compatLnSpc="1">
+            <a:prstTxWarp prst="textNoShape">
+              <a:avLst/>
+            </a:prstTxWarp>
+          </a:bodyPr>
+          <a:lstStyle/>
+          <a:p>
+            <a:pPr marL="458788" marR="0" lvl="1" indent="-228600" algn="l" defTabSz="457200" rtl="0" eaLnBrk="1" fontAlgn="base" latinLnBrk="0" hangingPunct="1">
+              <a:lnSpc>
+                <a:spcPct val="100000"/>
+              </a:lnSpc>
+              <a:spcBef>
+                <a:spcPct val="0"/>
+              </a:spcBef>
+              <a:spcAft>
+                <a:spcPts val="600"/>
+              </a:spcAft>
+              <a:buClrTx/>
+              <a:buSzTx/>
+              <a:tabLst/>
+              <a:defRPr/>
+            </a:pPr>
+            <a:r>
+              <a:rPr lang="en-US" dirty="0" smtClean="0">
+                <a:solidFill>
+                  <a:schemeClr val="bg2"/>
+                </a:solidFill>
+                <a:latin typeface="+mn-lt"/>
+                <a:ea typeface="ヒラギノ角ゴ Pro W3" charset="0"/>
+              </a:rPr>
+              <a:t>Now we will ship </a:t>
+            </a:r>
+            <a:r>
+              <a:rPr lang="en-US" dirty="0" err="1" smtClean="0">
+                <a:solidFill>
+                  <a:schemeClr val="bg2"/>
+                </a:solidFill>
+                <a:latin typeface="+mn-lt"/>
+                <a:ea typeface="ヒラギノ角ゴ Pro W3" charset="0"/>
+              </a:rPr>
+              <a:t>A.o</a:t>
+            </a:r>
+            <a:r>
+              <a:rPr lang="en-US" dirty="0" smtClean="0">
+                <a:solidFill>
+                  <a:schemeClr val="bg2"/>
+                </a:solidFill>
+                <a:latin typeface="+mn-lt"/>
+                <a:ea typeface="ヒラギノ角ゴ Pro W3" charset="0"/>
+              </a:rPr>
+              <a:t>, </a:t>
+            </a:r>
+            <a:r>
+              <a:rPr lang="en-US" dirty="0" err="1" smtClean="0">
+                <a:solidFill>
+                  <a:schemeClr val="bg2"/>
+                </a:solidFill>
+                <a:latin typeface="+mn-lt"/>
+                <a:ea typeface="ヒラギノ角ゴ Pro W3" charset="0"/>
+              </a:rPr>
+              <a:t>B.o</a:t>
+            </a:r>
+            <a:r>
+              <a:rPr lang="en-US" dirty="0" smtClean="0">
+                <a:solidFill>
+                  <a:schemeClr val="bg2"/>
+                </a:solidFill>
+                <a:latin typeface="+mn-lt"/>
+                <a:ea typeface="ヒラギノ角ゴ Pro W3" charset="0"/>
+              </a:rPr>
+              <a:t> and </a:t>
+            </a:r>
+            <a:r>
+              <a:rPr lang="en-US" dirty="0" err="1" smtClean="0">
+                <a:solidFill>
+                  <a:schemeClr val="bg2"/>
+                </a:solidFill>
+                <a:latin typeface="+mn-lt"/>
+                <a:ea typeface="ヒラギノ角ゴ Pro W3" charset="0"/>
+              </a:rPr>
+              <a:t>main.o</a:t>
+            </a:r>
+            <a:r>
+              <a:rPr lang="en-US" dirty="0" smtClean="0">
+                <a:solidFill>
+                  <a:schemeClr val="bg2"/>
+                </a:solidFill>
+                <a:latin typeface="+mn-lt"/>
+                <a:ea typeface="ヒラギノ角ゴ Pro W3" charset="0"/>
+              </a:rPr>
+              <a:t> as a static library:</a:t>
+            </a:r>
+            <a:endParaRPr kumimoji="0" lang="en-US" b="0" u="none" strike="noStrike" kern="1200" cap="none" spc="0" normalizeH="0" baseline="0" noProof="0" dirty="0" smtClean="0">
               <a:ln>
                 <a:noFill/>
               </a:ln>
@@ -16546,7 +19057,7 @@
             <a:pPr algn="ctr"/>
             <a:r>
               <a:rPr lang="en-US" sz="3200" dirty="0" smtClean="0"/>
-              <a:t>My preferable project structure</a:t>
+              <a:t>Do linker throws away unused code?</a:t>
             </a:r>
             <a:endParaRPr lang="en-US" sz="3200" dirty="0"/>
           </a:p>
@@ -16654,8 +19165,6 @@
               </a:spcAft>
               <a:buClrTx/>
               <a:buSzTx/>
-              <a:buFont typeface="Arial" pitchFamily="34" charset="0"/>
-              <a:buChar char="•"/>
               <a:tabLst/>
               <a:defRPr/>
             </a:pPr>
@@ -16676,6 +19185,808 @@
           </a:p>
         </p:txBody>
       </p:sp>
+      <p:sp>
+        <p:nvSpPr>
+          <p:cNvPr id="7" name="Rectangle 6"/>
+          <p:cNvSpPr/>
+          <p:nvPr/>
+        </p:nvSpPr>
+        <p:spPr>
+          <a:xfrm>
+            <a:off x="936103" y="2051432"/>
+            <a:ext cx="7020273" cy="1600438"/>
+          </a:xfrm>
+          <a:prstGeom prst="rect">
+            <a:avLst/>
+          </a:prstGeom>
+        </p:spPr>
+        <p:txBody>
+          <a:bodyPr wrap="square">
+            <a:spAutoFit/>
+          </a:bodyPr>
+          <a:lstStyle/>
+          <a:p>
+            <a:pPr marL="458788" lvl="1" indent="-228600">
+              <a:spcAft>
+                <a:spcPts val="0"/>
+              </a:spcAft>
+              <a:defRPr/>
+            </a:pPr>
+            <a:r>
+              <a:rPr lang="en-US" sz="1400" dirty="0" smtClean="0">
+                <a:solidFill>
+                  <a:schemeClr val="bg2"/>
+                </a:solidFill>
+                <a:latin typeface="Consolas" pitchFamily="49" charset="0"/>
+                <a:ea typeface="ヒラギノ角ゴ Pro W3" charset="0"/>
+                <a:cs typeface="Consolas" pitchFamily="49" charset="0"/>
+              </a:rPr>
+              <a:t>$ </a:t>
+            </a:r>
+            <a:r>
+              <a:rPr lang="en-US" sz="1400" dirty="0" smtClean="0">
+                <a:solidFill>
+                  <a:schemeClr val="bg2"/>
+                </a:solidFill>
+                <a:latin typeface="Consolas" pitchFamily="49" charset="0"/>
+                <a:ea typeface="ヒラギノ角ゴ Pro W3" charset="0"/>
+                <a:cs typeface="Consolas" pitchFamily="49" charset="0"/>
+              </a:rPr>
+              <a:t>g</a:t>
+            </a:r>
+            <a:r>
+              <a:rPr lang="en-US" sz="1400" dirty="0" smtClean="0">
+                <a:solidFill>
+                  <a:schemeClr val="bg2"/>
+                </a:solidFill>
+                <a:latin typeface="Consolas" pitchFamily="49" charset="0"/>
+                <a:ea typeface="ヒラギノ角ゴ Pro W3" charset="0"/>
+                <a:cs typeface="Consolas" pitchFamily="49" charset="0"/>
+              </a:rPr>
+              <a:t>++ -c -Wall -</a:t>
+            </a:r>
+            <a:r>
+              <a:rPr lang="en-US" sz="1400" dirty="0" err="1" smtClean="0">
+                <a:solidFill>
+                  <a:schemeClr val="bg2"/>
+                </a:solidFill>
+                <a:latin typeface="Consolas" pitchFamily="49" charset="0"/>
+                <a:ea typeface="ヒラギノ角ゴ Pro W3" charset="0"/>
+                <a:cs typeface="Consolas" pitchFamily="49" charset="0"/>
+              </a:rPr>
+              <a:t>Werror</a:t>
+            </a:r>
+            <a:r>
+              <a:rPr lang="en-US" sz="1400" dirty="0" smtClean="0">
+                <a:solidFill>
+                  <a:schemeClr val="bg2"/>
+                </a:solidFill>
+                <a:latin typeface="Consolas" pitchFamily="49" charset="0"/>
+                <a:ea typeface="ヒラギノ角ゴ Pro W3" charset="0"/>
+                <a:cs typeface="Consolas" pitchFamily="49" charset="0"/>
+              </a:rPr>
+              <a:t> </a:t>
+            </a:r>
+            <a:r>
+              <a:rPr lang="en-US" sz="1400" dirty="0" smtClean="0">
+                <a:solidFill>
+                  <a:schemeClr val="bg2"/>
+                </a:solidFill>
+                <a:latin typeface="Consolas" pitchFamily="49" charset="0"/>
+                <a:ea typeface="ヒラギノ角ゴ Pro W3" charset="0"/>
+                <a:cs typeface="Consolas" pitchFamily="49" charset="0"/>
+              </a:rPr>
+              <a:t>–o </a:t>
+            </a:r>
+            <a:r>
+              <a:rPr lang="en-US" sz="1400" dirty="0" err="1" smtClean="0">
+                <a:solidFill>
+                  <a:schemeClr val="bg2"/>
+                </a:solidFill>
+                <a:latin typeface="Consolas" pitchFamily="49" charset="0"/>
+                <a:ea typeface="ヒラギノ角ゴ Pro W3" charset="0"/>
+                <a:cs typeface="Consolas" pitchFamily="49" charset="0"/>
+              </a:rPr>
+              <a:t>A.o</a:t>
+            </a:r>
+            <a:r>
+              <a:rPr lang="en-US" sz="1400" dirty="0" smtClean="0">
+                <a:solidFill>
+                  <a:schemeClr val="bg2"/>
+                </a:solidFill>
+                <a:latin typeface="Consolas" pitchFamily="49" charset="0"/>
+                <a:ea typeface="ヒラギノ角ゴ Pro W3" charset="0"/>
+                <a:cs typeface="Consolas" pitchFamily="49" charset="0"/>
+              </a:rPr>
+              <a:t> A.cpp</a:t>
+            </a:r>
+            <a:endParaRPr lang="en-US" sz="1400" dirty="0" smtClean="0">
+              <a:solidFill>
+                <a:schemeClr val="bg2"/>
+              </a:solidFill>
+              <a:latin typeface="Consolas" pitchFamily="49" charset="0"/>
+              <a:ea typeface="ヒラギノ角ゴ Pro W3" charset="0"/>
+              <a:cs typeface="Consolas" pitchFamily="49" charset="0"/>
+            </a:endParaRPr>
+          </a:p>
+          <a:p>
+            <a:pPr marL="458788" lvl="1" indent="-228600">
+              <a:spcAft>
+                <a:spcPts val="0"/>
+              </a:spcAft>
+              <a:defRPr/>
+            </a:pPr>
+            <a:r>
+              <a:rPr lang="en-US" sz="1400" dirty="0" smtClean="0">
+                <a:solidFill>
+                  <a:schemeClr val="bg2"/>
+                </a:solidFill>
+                <a:latin typeface="Consolas" pitchFamily="49" charset="0"/>
+                <a:ea typeface="ヒラギノ角ゴ Pro W3" charset="0"/>
+                <a:cs typeface="Consolas" pitchFamily="49" charset="0"/>
+              </a:rPr>
+              <a:t>$ </a:t>
+            </a:r>
+            <a:r>
+              <a:rPr lang="en-US" sz="1400" dirty="0" smtClean="0">
+                <a:solidFill>
+                  <a:schemeClr val="bg2"/>
+                </a:solidFill>
+                <a:latin typeface="Consolas" pitchFamily="49" charset="0"/>
+                <a:ea typeface="ヒラギノ角ゴ Pro W3" charset="0"/>
+                <a:cs typeface="Consolas" pitchFamily="49" charset="0"/>
+              </a:rPr>
+              <a:t>g</a:t>
+            </a:r>
+            <a:r>
+              <a:rPr lang="en-US" sz="1400" dirty="0" smtClean="0">
+                <a:solidFill>
+                  <a:schemeClr val="bg2"/>
+                </a:solidFill>
+                <a:latin typeface="Consolas" pitchFamily="49" charset="0"/>
+                <a:ea typeface="ヒラギノ角ゴ Pro W3" charset="0"/>
+                <a:cs typeface="Consolas" pitchFamily="49" charset="0"/>
+              </a:rPr>
+              <a:t>++ -c -Wall -</a:t>
+            </a:r>
+            <a:r>
+              <a:rPr lang="en-US" sz="1400" dirty="0" err="1" smtClean="0">
+                <a:solidFill>
+                  <a:schemeClr val="bg2"/>
+                </a:solidFill>
+                <a:latin typeface="Consolas" pitchFamily="49" charset="0"/>
+                <a:ea typeface="ヒラギノ角ゴ Pro W3" charset="0"/>
+                <a:cs typeface="Consolas" pitchFamily="49" charset="0"/>
+              </a:rPr>
+              <a:t>Werror</a:t>
+            </a:r>
+            <a:r>
+              <a:rPr lang="en-US" sz="1400" dirty="0" smtClean="0">
+                <a:solidFill>
+                  <a:schemeClr val="bg2"/>
+                </a:solidFill>
+                <a:latin typeface="Consolas" pitchFamily="49" charset="0"/>
+                <a:ea typeface="ヒラギノ角ゴ Pro W3" charset="0"/>
+                <a:cs typeface="Consolas" pitchFamily="49" charset="0"/>
+              </a:rPr>
+              <a:t> </a:t>
+            </a:r>
+            <a:r>
+              <a:rPr lang="en-US" sz="1400" dirty="0" smtClean="0">
+                <a:solidFill>
+                  <a:schemeClr val="bg2"/>
+                </a:solidFill>
+                <a:latin typeface="Consolas" pitchFamily="49" charset="0"/>
+                <a:ea typeface="ヒラギノ角ゴ Pro W3" charset="0"/>
+                <a:cs typeface="Consolas" pitchFamily="49" charset="0"/>
+              </a:rPr>
+              <a:t>–o </a:t>
+            </a:r>
+            <a:r>
+              <a:rPr lang="en-US" sz="1400" dirty="0" err="1" smtClean="0">
+                <a:solidFill>
+                  <a:schemeClr val="bg2"/>
+                </a:solidFill>
+                <a:latin typeface="Consolas" pitchFamily="49" charset="0"/>
+                <a:ea typeface="ヒラギノ角ゴ Pro W3" charset="0"/>
+                <a:cs typeface="Consolas" pitchFamily="49" charset="0"/>
+              </a:rPr>
+              <a:t>B.o</a:t>
+            </a:r>
+            <a:r>
+              <a:rPr lang="en-US" sz="1400" dirty="0" smtClean="0">
+                <a:solidFill>
+                  <a:schemeClr val="bg2"/>
+                </a:solidFill>
+                <a:latin typeface="Consolas" pitchFamily="49" charset="0"/>
+                <a:ea typeface="ヒラギノ角ゴ Pro W3" charset="0"/>
+                <a:cs typeface="Consolas" pitchFamily="49" charset="0"/>
+              </a:rPr>
+              <a:t> B.cpp</a:t>
+            </a:r>
+            <a:endParaRPr lang="en-US" sz="1400" dirty="0" smtClean="0">
+              <a:solidFill>
+                <a:schemeClr val="bg2"/>
+              </a:solidFill>
+              <a:latin typeface="Consolas" pitchFamily="49" charset="0"/>
+              <a:ea typeface="ヒラギノ角ゴ Pro W3" charset="0"/>
+              <a:cs typeface="Consolas" pitchFamily="49" charset="0"/>
+            </a:endParaRPr>
+          </a:p>
+          <a:p>
+            <a:pPr marL="458788" lvl="1" indent="-228600">
+              <a:spcAft>
+                <a:spcPts val="0"/>
+              </a:spcAft>
+              <a:defRPr/>
+            </a:pPr>
+            <a:r>
+              <a:rPr lang="en-US" sz="1400" dirty="0" smtClean="0">
+                <a:solidFill>
+                  <a:schemeClr val="bg2"/>
+                </a:solidFill>
+                <a:latin typeface="Consolas" pitchFamily="49" charset="0"/>
+                <a:ea typeface="ヒラギノ角ゴ Pro W3" charset="0"/>
+                <a:cs typeface="Consolas" pitchFamily="49" charset="0"/>
+              </a:rPr>
+              <a:t>$ </a:t>
+            </a:r>
+            <a:r>
+              <a:rPr lang="en-US" sz="1400" dirty="0" smtClean="0">
+                <a:solidFill>
+                  <a:schemeClr val="bg2"/>
+                </a:solidFill>
+                <a:latin typeface="Consolas" pitchFamily="49" charset="0"/>
+                <a:ea typeface="ヒラギノ角ゴ Pro W3" charset="0"/>
+                <a:cs typeface="Consolas" pitchFamily="49" charset="0"/>
+              </a:rPr>
+              <a:t>g</a:t>
+            </a:r>
+            <a:r>
+              <a:rPr lang="en-US" sz="1400" dirty="0" smtClean="0">
+                <a:solidFill>
+                  <a:schemeClr val="bg2"/>
+                </a:solidFill>
+                <a:latin typeface="Consolas" pitchFamily="49" charset="0"/>
+                <a:ea typeface="ヒラギノ角ゴ Pro W3" charset="0"/>
+                <a:cs typeface="Consolas" pitchFamily="49" charset="0"/>
+              </a:rPr>
+              <a:t>++ -c -Wall -</a:t>
+            </a:r>
+            <a:r>
+              <a:rPr lang="en-US" sz="1400" dirty="0" err="1" smtClean="0">
+                <a:solidFill>
+                  <a:schemeClr val="bg2"/>
+                </a:solidFill>
+                <a:latin typeface="Consolas" pitchFamily="49" charset="0"/>
+                <a:ea typeface="ヒラギノ角ゴ Pro W3" charset="0"/>
+                <a:cs typeface="Consolas" pitchFamily="49" charset="0"/>
+              </a:rPr>
+              <a:t>Werror</a:t>
+            </a:r>
+            <a:r>
+              <a:rPr lang="en-US" sz="1400" dirty="0" smtClean="0">
+                <a:solidFill>
+                  <a:schemeClr val="bg2"/>
+                </a:solidFill>
+                <a:latin typeface="Consolas" pitchFamily="49" charset="0"/>
+                <a:ea typeface="ヒラギノ角ゴ Pro W3" charset="0"/>
+                <a:cs typeface="Consolas" pitchFamily="49" charset="0"/>
+              </a:rPr>
+              <a:t> </a:t>
+            </a:r>
+            <a:r>
+              <a:rPr lang="en-US" sz="1400" dirty="0" smtClean="0">
+                <a:solidFill>
+                  <a:schemeClr val="bg2"/>
+                </a:solidFill>
+                <a:latin typeface="Consolas" pitchFamily="49" charset="0"/>
+                <a:ea typeface="ヒラギノ角ゴ Pro W3" charset="0"/>
+                <a:cs typeface="Consolas" pitchFamily="49" charset="0"/>
+              </a:rPr>
+              <a:t>–o </a:t>
+            </a:r>
+            <a:r>
+              <a:rPr lang="en-US" sz="1400" dirty="0" err="1" smtClean="0">
+                <a:solidFill>
+                  <a:schemeClr val="bg2"/>
+                </a:solidFill>
+                <a:latin typeface="Consolas" pitchFamily="49" charset="0"/>
+                <a:ea typeface="ヒラギノ角ゴ Pro W3" charset="0"/>
+                <a:cs typeface="Consolas" pitchFamily="49" charset="0"/>
+              </a:rPr>
+              <a:t>Counter.o</a:t>
+            </a:r>
+            <a:r>
+              <a:rPr lang="en-US" sz="1400" dirty="0" smtClean="0">
+                <a:solidFill>
+                  <a:schemeClr val="bg2"/>
+                </a:solidFill>
+                <a:latin typeface="Consolas" pitchFamily="49" charset="0"/>
+                <a:ea typeface="ヒラギノ角ゴ Pro W3" charset="0"/>
+                <a:cs typeface="Consolas" pitchFamily="49" charset="0"/>
+              </a:rPr>
+              <a:t> Counter.cpp</a:t>
+            </a:r>
+            <a:endParaRPr lang="en-US" sz="1400" dirty="0" smtClean="0">
+              <a:solidFill>
+                <a:schemeClr val="bg2"/>
+              </a:solidFill>
+              <a:latin typeface="Consolas" pitchFamily="49" charset="0"/>
+              <a:ea typeface="ヒラギノ角ゴ Pro W3" charset="0"/>
+              <a:cs typeface="Consolas" pitchFamily="49" charset="0"/>
+            </a:endParaRPr>
+          </a:p>
+          <a:p>
+            <a:pPr marL="458788" lvl="1" indent="-228600">
+              <a:spcAft>
+                <a:spcPts val="0"/>
+              </a:spcAft>
+              <a:defRPr/>
+            </a:pPr>
+            <a:r>
+              <a:rPr lang="en-US" sz="1400" dirty="0" smtClean="0">
+                <a:solidFill>
+                  <a:schemeClr val="bg2"/>
+                </a:solidFill>
+                <a:latin typeface="Consolas" pitchFamily="49" charset="0"/>
+                <a:ea typeface="ヒラギノ角ゴ Pro W3" charset="0"/>
+                <a:cs typeface="Consolas" pitchFamily="49" charset="0"/>
+              </a:rPr>
+              <a:t>$ </a:t>
+            </a:r>
+            <a:r>
+              <a:rPr lang="en-US" sz="1400" dirty="0" err="1" smtClean="0">
+                <a:solidFill>
+                  <a:schemeClr val="bg2"/>
+                </a:solidFill>
+                <a:latin typeface="Consolas" pitchFamily="49" charset="0"/>
+                <a:ea typeface="ヒラギノ角ゴ Pro W3" charset="0"/>
+                <a:cs typeface="Consolas" pitchFamily="49" charset="0"/>
+              </a:rPr>
+              <a:t>ar</a:t>
+            </a:r>
+            <a:r>
+              <a:rPr lang="en-US" sz="1400" dirty="0" smtClean="0">
+                <a:solidFill>
+                  <a:schemeClr val="bg2"/>
+                </a:solidFill>
+                <a:latin typeface="Consolas" pitchFamily="49" charset="0"/>
+                <a:ea typeface="ヒラギノ角ゴ Pro W3" charset="0"/>
+                <a:cs typeface="Consolas" pitchFamily="49" charset="0"/>
+              </a:rPr>
+              <a:t> </a:t>
+            </a:r>
+            <a:r>
+              <a:rPr lang="en-US" sz="1400" dirty="0" err="1" smtClean="0">
+                <a:solidFill>
+                  <a:schemeClr val="bg2"/>
+                </a:solidFill>
+                <a:latin typeface="Consolas" pitchFamily="49" charset="0"/>
+                <a:ea typeface="ヒラギノ角ゴ Pro W3" charset="0"/>
+                <a:cs typeface="Consolas" pitchFamily="49" charset="0"/>
+              </a:rPr>
+              <a:t>rcs</a:t>
+            </a:r>
+            <a:r>
+              <a:rPr lang="en-US" sz="1400" dirty="0" smtClean="0">
+                <a:solidFill>
+                  <a:schemeClr val="bg2"/>
+                </a:solidFill>
+                <a:latin typeface="Consolas" pitchFamily="49" charset="0"/>
+                <a:ea typeface="ヒラギノ角ゴ Pro W3" charset="0"/>
+                <a:cs typeface="Consolas" pitchFamily="49" charset="0"/>
+              </a:rPr>
+              <a:t> </a:t>
+            </a:r>
+            <a:r>
+              <a:rPr lang="en-US" sz="1400" dirty="0" err="1" smtClean="0">
+                <a:solidFill>
+                  <a:schemeClr val="bg2"/>
+                </a:solidFill>
+                <a:latin typeface="Consolas" pitchFamily="49" charset="0"/>
+                <a:ea typeface="ヒラギノ角ゴ Pro W3" charset="0"/>
+                <a:cs typeface="Consolas" pitchFamily="49" charset="0"/>
+              </a:rPr>
+              <a:t>libStaticlib.a</a:t>
+            </a:r>
+            <a:r>
+              <a:rPr lang="en-US" sz="1400" dirty="0" smtClean="0">
+                <a:solidFill>
+                  <a:schemeClr val="bg2"/>
+                </a:solidFill>
+                <a:latin typeface="Consolas" pitchFamily="49" charset="0"/>
+                <a:ea typeface="ヒラギノ角ゴ Pro W3" charset="0"/>
+                <a:cs typeface="Consolas" pitchFamily="49" charset="0"/>
+              </a:rPr>
+              <a:t> </a:t>
+            </a:r>
+            <a:r>
+              <a:rPr lang="en-US" sz="1400" dirty="0" err="1" smtClean="0">
+                <a:solidFill>
+                  <a:schemeClr val="bg2"/>
+                </a:solidFill>
+                <a:latin typeface="Consolas" pitchFamily="49" charset="0"/>
+                <a:ea typeface="ヒラギノ角ゴ Pro W3" charset="0"/>
+                <a:cs typeface="Consolas" pitchFamily="49" charset="0"/>
+              </a:rPr>
+              <a:t>A.o</a:t>
+            </a:r>
+            <a:r>
+              <a:rPr lang="en-US" sz="1400" dirty="0" smtClean="0">
+                <a:solidFill>
+                  <a:schemeClr val="bg2"/>
+                </a:solidFill>
+                <a:latin typeface="Consolas" pitchFamily="49" charset="0"/>
+                <a:ea typeface="ヒラギノ角ゴ Pro W3" charset="0"/>
+                <a:cs typeface="Consolas" pitchFamily="49" charset="0"/>
+              </a:rPr>
+              <a:t> </a:t>
+            </a:r>
+            <a:r>
+              <a:rPr lang="en-US" sz="1400" dirty="0" err="1" smtClean="0">
+                <a:solidFill>
+                  <a:schemeClr val="bg2"/>
+                </a:solidFill>
+                <a:latin typeface="Consolas" pitchFamily="49" charset="0"/>
+                <a:ea typeface="ヒラギノ角ゴ Pro W3" charset="0"/>
+                <a:cs typeface="Consolas" pitchFamily="49" charset="0"/>
+              </a:rPr>
+              <a:t>B.o</a:t>
+            </a:r>
+            <a:r>
+              <a:rPr lang="en-US" sz="1400" dirty="0" smtClean="0">
+                <a:solidFill>
+                  <a:schemeClr val="bg2"/>
+                </a:solidFill>
+                <a:latin typeface="Consolas" pitchFamily="49" charset="0"/>
+                <a:ea typeface="ヒラギノ角ゴ Pro W3" charset="0"/>
+                <a:cs typeface="Consolas" pitchFamily="49" charset="0"/>
+              </a:rPr>
+              <a:t> </a:t>
+            </a:r>
+            <a:r>
+              <a:rPr lang="en-US" sz="1400" dirty="0" err="1" smtClean="0">
+                <a:solidFill>
+                  <a:schemeClr val="bg2"/>
+                </a:solidFill>
+                <a:latin typeface="Consolas" pitchFamily="49" charset="0"/>
+                <a:ea typeface="ヒラギノ角ゴ Pro W3" charset="0"/>
+                <a:cs typeface="Consolas" pitchFamily="49" charset="0"/>
+              </a:rPr>
+              <a:t>Counter.o</a:t>
+            </a:r>
+            <a:endParaRPr lang="en-US" sz="1400" dirty="0" smtClean="0">
+              <a:solidFill>
+                <a:schemeClr val="bg2"/>
+              </a:solidFill>
+              <a:latin typeface="Consolas" pitchFamily="49" charset="0"/>
+              <a:ea typeface="ヒラギノ角ゴ Pro W3" charset="0"/>
+              <a:cs typeface="Consolas" pitchFamily="49" charset="0"/>
+            </a:endParaRPr>
+          </a:p>
+          <a:p>
+            <a:pPr marL="458788" lvl="1" indent="-228600">
+              <a:spcAft>
+                <a:spcPts val="0"/>
+              </a:spcAft>
+              <a:defRPr/>
+            </a:pPr>
+            <a:r>
+              <a:rPr lang="en-US" sz="1400" dirty="0" smtClean="0">
+                <a:solidFill>
+                  <a:schemeClr val="bg2"/>
+                </a:solidFill>
+                <a:latin typeface="Consolas" pitchFamily="49" charset="0"/>
+                <a:ea typeface="ヒラギノ角ゴ Pro W3" charset="0"/>
+                <a:cs typeface="Consolas" pitchFamily="49" charset="0"/>
+              </a:rPr>
+              <a:t>$ g++ -o </a:t>
+            </a:r>
+            <a:r>
+              <a:rPr lang="en-US" sz="1400" dirty="0" err="1" smtClean="0">
+                <a:solidFill>
+                  <a:schemeClr val="bg2"/>
+                </a:solidFill>
+                <a:latin typeface="Consolas" pitchFamily="49" charset="0"/>
+                <a:ea typeface="ヒラギノ角ゴ Pro W3" charset="0"/>
+                <a:cs typeface="Consolas" pitchFamily="49" charset="0"/>
+              </a:rPr>
+              <a:t>simpleExample</a:t>
+            </a:r>
+            <a:r>
+              <a:rPr lang="en-US" sz="1400" dirty="0" smtClean="0">
+                <a:solidFill>
+                  <a:schemeClr val="bg2"/>
+                </a:solidFill>
+                <a:latin typeface="Consolas" pitchFamily="49" charset="0"/>
+                <a:ea typeface="ヒラギノ角ゴ Pro W3" charset="0"/>
+                <a:cs typeface="Consolas" pitchFamily="49" charset="0"/>
+              </a:rPr>
+              <a:t> main.cpp -L./ -</a:t>
+            </a:r>
+            <a:r>
+              <a:rPr lang="en-US" sz="1400" dirty="0" err="1" smtClean="0">
+                <a:solidFill>
+                  <a:schemeClr val="bg2"/>
+                </a:solidFill>
+                <a:latin typeface="Consolas" pitchFamily="49" charset="0"/>
+                <a:ea typeface="ヒラギノ角ゴ Pro W3" charset="0"/>
+                <a:cs typeface="Consolas" pitchFamily="49" charset="0"/>
+              </a:rPr>
+              <a:t>lStaticlib</a:t>
+            </a:r>
+            <a:r>
+              <a:rPr lang="en-US" sz="1400" dirty="0" smtClean="0">
+                <a:solidFill>
+                  <a:schemeClr val="bg2"/>
+                </a:solidFill>
+                <a:latin typeface="Consolas" pitchFamily="49" charset="0"/>
+                <a:ea typeface="ヒラギノ角ゴ Pro W3" charset="0"/>
+                <a:cs typeface="Consolas" pitchFamily="49" charset="0"/>
+              </a:rPr>
+              <a:t> </a:t>
+            </a:r>
+            <a:r>
+              <a:rPr lang="en-US" sz="1400" dirty="0" err="1" smtClean="0">
+                <a:solidFill>
+                  <a:srgbClr val="00B050"/>
+                </a:solidFill>
+                <a:latin typeface="Consolas" pitchFamily="49" charset="0"/>
+                <a:ea typeface="ヒラギノ角ゴ Pro W3" charset="0"/>
+                <a:cs typeface="Consolas" pitchFamily="49" charset="0"/>
+              </a:rPr>
+              <a:t>A.o</a:t>
+            </a:r>
+            <a:endParaRPr lang="en-US" sz="1400" dirty="0" smtClean="0">
+              <a:solidFill>
+                <a:srgbClr val="00B050"/>
+              </a:solidFill>
+              <a:latin typeface="Consolas" pitchFamily="49" charset="0"/>
+              <a:ea typeface="ヒラギノ角ゴ Pro W3" charset="0"/>
+              <a:cs typeface="Consolas" pitchFamily="49" charset="0"/>
+            </a:endParaRPr>
+          </a:p>
+          <a:p>
+            <a:pPr marL="458788" lvl="1" indent="-228600">
+              <a:spcAft>
+                <a:spcPts val="0"/>
+              </a:spcAft>
+              <a:defRPr/>
+            </a:pPr>
+            <a:r>
+              <a:rPr lang="en-US" sz="1400" dirty="0" smtClean="0">
+                <a:solidFill>
+                  <a:schemeClr val="bg2"/>
+                </a:solidFill>
+                <a:latin typeface="Consolas" pitchFamily="49" charset="0"/>
+                <a:ea typeface="ヒラギノ角ゴ Pro W3" charset="0"/>
+                <a:cs typeface="Consolas" pitchFamily="49" charset="0"/>
+              </a:rPr>
+              <a:t>$ ./</a:t>
+            </a:r>
+            <a:r>
+              <a:rPr lang="en-US" sz="1400" dirty="0" err="1" smtClean="0">
+                <a:solidFill>
+                  <a:schemeClr val="bg2"/>
+                </a:solidFill>
+                <a:latin typeface="Consolas" pitchFamily="49" charset="0"/>
+                <a:ea typeface="ヒラギノ角ゴ Pro W3" charset="0"/>
+                <a:cs typeface="Consolas" pitchFamily="49" charset="0"/>
+              </a:rPr>
+              <a:t>simpleExample</a:t>
+            </a:r>
+            <a:endParaRPr lang="en-US" sz="1400" dirty="0" smtClean="0">
+              <a:solidFill>
+                <a:schemeClr val="bg2"/>
+              </a:solidFill>
+              <a:latin typeface="Consolas" pitchFamily="49" charset="0"/>
+              <a:ea typeface="ヒラギノ角ゴ Pro W3" charset="0"/>
+              <a:cs typeface="Consolas" pitchFamily="49" charset="0"/>
+            </a:endParaRPr>
+          </a:p>
+          <a:p>
+            <a:pPr marL="458788" lvl="1" indent="-228600">
+              <a:spcAft>
+                <a:spcPts val="0"/>
+              </a:spcAft>
+              <a:defRPr/>
+            </a:pPr>
+            <a:r>
+              <a:rPr lang="en-US" sz="1400" dirty="0" smtClean="0">
+                <a:solidFill>
+                  <a:srgbClr val="00B050"/>
+                </a:solidFill>
+                <a:latin typeface="Consolas" pitchFamily="49" charset="0"/>
+                <a:ea typeface="ヒラギノ角ゴ Pro W3" charset="0"/>
+                <a:cs typeface="Consolas" pitchFamily="49" charset="0"/>
+              </a:rPr>
+              <a:t>1</a:t>
+            </a:r>
+            <a:endParaRPr lang="en-US" sz="1400" dirty="0" smtClean="0">
+              <a:solidFill>
+                <a:srgbClr val="00B050"/>
+              </a:solidFill>
+              <a:latin typeface="Consolas" pitchFamily="49" charset="0"/>
+              <a:ea typeface="ヒラギノ角ゴ Pro W3" charset="0"/>
+              <a:cs typeface="Consolas" pitchFamily="49" charset="0"/>
+            </a:endParaRPr>
+          </a:p>
+        </p:txBody>
+      </p:sp>
+      <p:sp>
+        <p:nvSpPr>
+          <p:cNvPr id="8" name="Content Placeholder 2"/>
+          <p:cNvSpPr txBox="1">
+            <a:spLocks/>
+          </p:cNvSpPr>
+          <p:nvPr/>
+        </p:nvSpPr>
+        <p:spPr bwMode="auto">
+          <a:xfrm>
+            <a:off x="1024871" y="1211982"/>
+            <a:ext cx="6643473" cy="279648"/>
+          </a:xfrm>
+          <a:prstGeom prst="rect">
+            <a:avLst/>
+          </a:prstGeom>
+          <a:noFill/>
+          <a:ln w="9525">
+            <a:noFill/>
+            <a:miter lim="800000"/>
+            <a:headEnd/>
+            <a:tailEnd/>
+          </a:ln>
+        </p:spPr>
+        <p:txBody>
+          <a:bodyPr vert="horz" wrap="square" lIns="0" tIns="0" rIns="0" bIns="0" numCol="1" anchor="t" anchorCtr="0" compatLnSpc="1">
+            <a:prstTxWarp prst="textNoShape">
+              <a:avLst/>
+            </a:prstTxWarp>
+          </a:bodyPr>
+          <a:lstStyle/>
+          <a:p>
+            <a:pPr marL="573088" marR="0" lvl="1" indent="-342900" algn="l" defTabSz="457200" rtl="0" eaLnBrk="1" fontAlgn="base" latinLnBrk="0" hangingPunct="1">
+              <a:lnSpc>
+                <a:spcPct val="100000"/>
+              </a:lnSpc>
+              <a:spcBef>
+                <a:spcPct val="0"/>
+              </a:spcBef>
+              <a:spcAft>
+                <a:spcPts val="600"/>
+              </a:spcAft>
+              <a:buClrTx/>
+              <a:buSzTx/>
+              <a:buAutoNum type="arabicPeriod"/>
+              <a:tabLst/>
+              <a:defRPr/>
+            </a:pPr>
+            <a:r>
+              <a:rPr lang="en-US" dirty="0" err="1" smtClean="0">
+                <a:solidFill>
+                  <a:schemeClr val="bg2"/>
+                </a:solidFill>
+                <a:latin typeface="+mn-lt"/>
+                <a:ea typeface="ヒラギノ角ゴ Pro W3" charset="0"/>
+              </a:rPr>
+              <a:t>A.o</a:t>
+            </a:r>
+            <a:r>
+              <a:rPr lang="en-US" dirty="0" smtClean="0">
+                <a:solidFill>
+                  <a:schemeClr val="bg2"/>
+                </a:solidFill>
+                <a:latin typeface="+mn-lt"/>
+                <a:ea typeface="ヒラギノ角ゴ Pro W3" charset="0"/>
+              </a:rPr>
+              <a:t>, </a:t>
+            </a:r>
+            <a:r>
+              <a:rPr lang="en-US" dirty="0" err="1" smtClean="0">
+                <a:solidFill>
+                  <a:schemeClr val="bg2"/>
+                </a:solidFill>
+                <a:latin typeface="+mn-lt"/>
+                <a:ea typeface="ヒラギノ角ゴ Pro W3" charset="0"/>
+              </a:rPr>
+              <a:t>B.o</a:t>
+            </a:r>
+            <a:r>
+              <a:rPr lang="en-US" dirty="0" smtClean="0">
+                <a:solidFill>
+                  <a:schemeClr val="bg2"/>
+                </a:solidFill>
+                <a:latin typeface="+mn-lt"/>
+                <a:ea typeface="ヒラギノ角ゴ Pro W3" charset="0"/>
+              </a:rPr>
+              <a:t> and </a:t>
+            </a:r>
+            <a:r>
+              <a:rPr lang="en-US" dirty="0" err="1" smtClean="0">
+                <a:solidFill>
+                  <a:schemeClr val="bg2"/>
+                </a:solidFill>
+                <a:latin typeface="+mn-lt"/>
+                <a:ea typeface="ヒラギノ角ゴ Pro W3" charset="0"/>
+              </a:rPr>
+              <a:t>main.o</a:t>
+            </a:r>
+            <a:r>
+              <a:rPr lang="en-US" dirty="0" smtClean="0">
+                <a:solidFill>
+                  <a:schemeClr val="bg2"/>
+                </a:solidFill>
+                <a:latin typeface="+mn-lt"/>
+                <a:ea typeface="ヒラギノ角ゴ Pro W3" charset="0"/>
+              </a:rPr>
+              <a:t> are included in static library.</a:t>
+            </a:r>
+          </a:p>
+          <a:p>
+            <a:pPr marL="573088" marR="0" lvl="1" indent="-342900" algn="l" defTabSz="457200" rtl="0" eaLnBrk="1" fontAlgn="base" latinLnBrk="0" hangingPunct="1">
+              <a:lnSpc>
+                <a:spcPct val="100000"/>
+              </a:lnSpc>
+              <a:spcBef>
+                <a:spcPct val="0"/>
+              </a:spcBef>
+              <a:spcAft>
+                <a:spcPts val="600"/>
+              </a:spcAft>
+              <a:buClrTx/>
+              <a:buSzTx/>
+              <a:buAutoNum type="arabicPeriod"/>
+              <a:tabLst/>
+              <a:defRPr/>
+            </a:pPr>
+            <a:r>
+              <a:rPr lang="en-US" noProof="0" dirty="0" smtClean="0">
+                <a:solidFill>
+                  <a:schemeClr val="bg2"/>
+                </a:solidFill>
+                <a:latin typeface="+mn-lt"/>
+                <a:ea typeface="ヒラギノ角ゴ Pro W3" charset="0"/>
+              </a:rPr>
+              <a:t>Explicitly add </a:t>
+            </a:r>
+            <a:r>
+              <a:rPr lang="en-US" noProof="0" dirty="0" err="1" smtClean="0">
+                <a:solidFill>
+                  <a:schemeClr val="bg2"/>
+                </a:solidFill>
+                <a:latin typeface="+mn-lt"/>
+                <a:ea typeface="ヒラギノ角ゴ Pro W3" charset="0"/>
+              </a:rPr>
+              <a:t>A.o</a:t>
+            </a:r>
+            <a:r>
+              <a:rPr lang="en-US" noProof="0" dirty="0" smtClean="0">
+                <a:solidFill>
+                  <a:schemeClr val="bg2"/>
+                </a:solidFill>
+                <a:latin typeface="+mn-lt"/>
+                <a:ea typeface="ヒラギノ角ゴ Pro W3" charset="0"/>
+              </a:rPr>
+              <a:t> for the linker.</a:t>
+            </a:r>
+            <a:endParaRPr kumimoji="0" lang="en-US" b="0" u="none" strike="noStrike" kern="1200" cap="none" spc="0" normalizeH="0" baseline="0" noProof="0" dirty="0" smtClean="0">
+              <a:ln>
+                <a:noFill/>
+              </a:ln>
+              <a:solidFill>
+                <a:schemeClr val="bg2"/>
+              </a:solidFill>
+              <a:effectLst/>
+              <a:uLnTx/>
+              <a:uFillTx/>
+              <a:latin typeface="+mn-lt"/>
+              <a:ea typeface="ヒラギノ角ゴ Pro W3" charset="0"/>
+              <a:cs typeface="ヒラギノ角ゴ Pro W3"/>
+            </a:endParaRPr>
+          </a:p>
+        </p:txBody>
+      </p:sp>
     </p:spTree>
   </p:cSld>
   <p:clrMapOvr>
@@ -16685,6 +19996,2743 @@
 </file>
 
 <file path=ppt/slides/slide26.xml><?xml version="1.0" encoding="utf-8"?>
+<p:sld xmlns:a="http://schemas.openxmlformats.org/drawingml/2006/main" xmlns:r="http://schemas.openxmlformats.org/officeDocument/2006/relationships" xmlns:p="http://schemas.openxmlformats.org/presentationml/2006/main">
+  <p:cSld>
+    <p:spTree>
+      <p:nvGrpSpPr>
+        <p:cNvPr id="1" name=""/>
+        <p:cNvGrpSpPr/>
+        <p:nvPr/>
+      </p:nvGrpSpPr>
+      <p:grpSpPr>
+        <a:xfrm>
+          <a:off x="0" y="0"/>
+          <a:ext cx="0" cy="0"/>
+          <a:chOff x="0" y="0"/>
+          <a:chExt cx="0" cy="0"/>
+        </a:xfrm>
+      </p:grpSpPr>
+      <p:sp>
+        <p:nvSpPr>
+          <p:cNvPr id="2" name="Title 1"/>
+          <p:cNvSpPr>
+            <a:spLocks noGrp="1"/>
+          </p:cNvSpPr>
+          <p:nvPr>
+            <p:ph type="title"/>
+          </p:nvPr>
+        </p:nvSpPr>
+        <p:spPr>
+          <a:xfrm>
+            <a:off x="416169" y="435143"/>
+            <a:ext cx="8229600" cy="480423"/>
+          </a:xfrm>
+        </p:spPr>
+        <p:txBody>
+          <a:bodyPr/>
+          <a:lstStyle/>
+          <a:p>
+            <a:pPr algn="ctr"/>
+            <a:r>
+              <a:rPr lang="en-US" sz="3200" dirty="0" smtClean="0"/>
+              <a:t>Do linker throws away unused code?</a:t>
+            </a:r>
+            <a:endParaRPr lang="en-US" sz="3200" dirty="0"/>
+          </a:p>
+        </p:txBody>
+      </p:sp>
+      <p:sp>
+        <p:nvSpPr>
+          <p:cNvPr id="3" name="Content Placeholder 2"/>
+          <p:cNvSpPr>
+            <a:spLocks noGrp="1"/>
+          </p:cNvSpPr>
+          <p:nvPr>
+            <p:ph sz="quarter" idx="13"/>
+          </p:nvPr>
+        </p:nvSpPr>
+        <p:spPr>
+          <a:xfrm>
+            <a:off x="418120" y="1203598"/>
+            <a:ext cx="8227649" cy="2952328"/>
+          </a:xfrm>
+        </p:spPr>
+        <p:txBody>
+          <a:bodyPr/>
+          <a:lstStyle/>
+          <a:p>
+            <a:pPr lvl="1">
+              <a:buNone/>
+            </a:pPr>
+            <a:r>
+              <a:rPr lang="en-US" sz="2400" dirty="0" smtClean="0"/>
+              <a:t> </a:t>
+            </a:r>
+          </a:p>
+        </p:txBody>
+      </p:sp>
+      <p:sp>
+        <p:nvSpPr>
+          <p:cNvPr id="6" name="Footer Placeholder 5"/>
+          <p:cNvSpPr>
+            <a:spLocks noGrp="1"/>
+          </p:cNvSpPr>
+          <p:nvPr>
+            <p:ph type="ftr" sz="quarter" idx="18"/>
+          </p:nvPr>
+        </p:nvSpPr>
+        <p:spPr/>
+        <p:txBody>
+          <a:bodyPr/>
+          <a:lstStyle/>
+          <a:p>
+            <a:pPr algn="l"/>
+            <a:r>
+              <a:rPr lang="en-GB" dirty="0" smtClean="0">
+                <a:solidFill>
+                  <a:schemeClr val="bg2"/>
+                </a:solidFill>
+                <a:cs typeface="Arial" charset="0"/>
+              </a:rPr>
+              <a:t>&lt;Change information classification in footer&gt;</a:t>
+            </a:r>
+          </a:p>
+        </p:txBody>
+      </p:sp>
+      <p:sp>
+        <p:nvSpPr>
+          <p:cNvPr id="5" name="Content Placeholder 2"/>
+          <p:cNvSpPr txBox="1">
+            <a:spLocks/>
+          </p:cNvSpPr>
+          <p:nvPr/>
+        </p:nvSpPr>
+        <p:spPr bwMode="auto">
+          <a:xfrm>
+            <a:off x="570520" y="1203598"/>
+            <a:ext cx="8227649" cy="2952328"/>
+          </a:xfrm>
+          <a:prstGeom prst="rect">
+            <a:avLst/>
+          </a:prstGeom>
+          <a:noFill/>
+          <a:ln w="9525">
+            <a:noFill/>
+            <a:miter lim="800000"/>
+            <a:headEnd/>
+            <a:tailEnd/>
+          </a:ln>
+        </p:spPr>
+        <p:txBody>
+          <a:bodyPr vert="horz" wrap="square" lIns="0" tIns="0" rIns="0" bIns="0" numCol="1" anchor="t" anchorCtr="0" compatLnSpc="1">
+            <a:prstTxWarp prst="textNoShape">
+              <a:avLst/>
+            </a:prstTxWarp>
+          </a:bodyPr>
+          <a:lstStyle/>
+          <a:p>
+            <a:pPr marL="458788" marR="0" lvl="1" indent="-228600" algn="l" defTabSz="457200" rtl="0" eaLnBrk="1" fontAlgn="base" latinLnBrk="0" hangingPunct="1">
+              <a:lnSpc>
+                <a:spcPct val="100000"/>
+              </a:lnSpc>
+              <a:spcBef>
+                <a:spcPct val="0"/>
+              </a:spcBef>
+              <a:spcAft>
+                <a:spcPts val="600"/>
+              </a:spcAft>
+              <a:buClrTx/>
+              <a:buSzTx/>
+              <a:tabLst/>
+              <a:defRPr/>
+            </a:pPr>
+            <a:endParaRPr kumimoji="0" lang="en-US" sz="2400" b="0" i="0" u="none" strike="noStrike" kern="1200" cap="none" spc="0" normalizeH="0" baseline="0" noProof="0" dirty="0" smtClean="0">
+              <a:ln>
+                <a:noFill/>
+              </a:ln>
+              <a:solidFill>
+                <a:schemeClr val="bg2"/>
+              </a:solidFill>
+              <a:effectLst/>
+              <a:uLnTx/>
+              <a:uFillTx/>
+              <a:latin typeface="+mn-lt"/>
+              <a:ea typeface="ヒラギノ角ゴ Pro W3" charset="0"/>
+              <a:cs typeface="ヒラギノ角ゴ Pro W3"/>
+            </a:endParaRPr>
+          </a:p>
+        </p:txBody>
+      </p:sp>
+      <p:sp>
+        <p:nvSpPr>
+          <p:cNvPr id="7" name="Rectangle 6"/>
+          <p:cNvSpPr/>
+          <p:nvPr/>
+        </p:nvSpPr>
+        <p:spPr>
+          <a:xfrm>
+            <a:off x="936103" y="2051432"/>
+            <a:ext cx="7020273" cy="1815882"/>
+          </a:xfrm>
+          <a:prstGeom prst="rect">
+            <a:avLst/>
+          </a:prstGeom>
+        </p:spPr>
+        <p:txBody>
+          <a:bodyPr wrap="square">
+            <a:spAutoFit/>
+          </a:bodyPr>
+          <a:lstStyle/>
+          <a:p>
+            <a:pPr marL="458788" lvl="1" indent="-228600">
+              <a:spcAft>
+                <a:spcPts val="0"/>
+              </a:spcAft>
+              <a:defRPr/>
+            </a:pPr>
+            <a:r>
+              <a:rPr lang="en-US" sz="1400" dirty="0" smtClean="0">
+                <a:solidFill>
+                  <a:schemeClr val="bg2"/>
+                </a:solidFill>
+                <a:latin typeface="Consolas" pitchFamily="49" charset="0"/>
+                <a:ea typeface="ヒラギノ角ゴ Pro W3" charset="0"/>
+                <a:cs typeface="Consolas" pitchFamily="49" charset="0"/>
+              </a:rPr>
+              <a:t>$ </a:t>
+            </a:r>
+            <a:r>
+              <a:rPr lang="en-US" sz="1400" dirty="0" smtClean="0">
+                <a:solidFill>
+                  <a:schemeClr val="bg2"/>
+                </a:solidFill>
+                <a:latin typeface="Consolas" pitchFamily="49" charset="0"/>
+                <a:ea typeface="ヒラギノ角ゴ Pro W3" charset="0"/>
+                <a:cs typeface="Consolas" pitchFamily="49" charset="0"/>
+              </a:rPr>
+              <a:t>g</a:t>
+            </a:r>
+            <a:r>
+              <a:rPr lang="en-US" sz="1400" dirty="0" smtClean="0">
+                <a:solidFill>
+                  <a:schemeClr val="bg2"/>
+                </a:solidFill>
+                <a:latin typeface="Consolas" pitchFamily="49" charset="0"/>
+                <a:ea typeface="ヒラギノ角ゴ Pro W3" charset="0"/>
+                <a:cs typeface="Consolas" pitchFamily="49" charset="0"/>
+              </a:rPr>
+              <a:t>++ -c -Wall -</a:t>
+            </a:r>
+            <a:r>
+              <a:rPr lang="en-US" sz="1400" dirty="0" err="1" smtClean="0">
+                <a:solidFill>
+                  <a:schemeClr val="bg2"/>
+                </a:solidFill>
+                <a:latin typeface="Consolas" pitchFamily="49" charset="0"/>
+                <a:ea typeface="ヒラギノ角ゴ Pro W3" charset="0"/>
+                <a:cs typeface="Consolas" pitchFamily="49" charset="0"/>
+              </a:rPr>
+              <a:t>Werror</a:t>
+            </a:r>
+            <a:r>
+              <a:rPr lang="en-US" sz="1400" dirty="0" smtClean="0">
+                <a:solidFill>
+                  <a:schemeClr val="bg2"/>
+                </a:solidFill>
+                <a:latin typeface="Consolas" pitchFamily="49" charset="0"/>
+                <a:ea typeface="ヒラギノ角ゴ Pro W3" charset="0"/>
+                <a:cs typeface="Consolas" pitchFamily="49" charset="0"/>
+              </a:rPr>
+              <a:t> </a:t>
+            </a:r>
+            <a:r>
+              <a:rPr lang="en-US" sz="1400" dirty="0" smtClean="0">
+                <a:solidFill>
+                  <a:schemeClr val="bg2"/>
+                </a:solidFill>
+                <a:latin typeface="Consolas" pitchFamily="49" charset="0"/>
+                <a:ea typeface="ヒラギノ角ゴ Pro W3" charset="0"/>
+                <a:cs typeface="Consolas" pitchFamily="49" charset="0"/>
+              </a:rPr>
+              <a:t>–o </a:t>
+            </a:r>
+            <a:r>
+              <a:rPr lang="en-US" sz="1400" dirty="0" err="1" smtClean="0">
+                <a:solidFill>
+                  <a:schemeClr val="bg2"/>
+                </a:solidFill>
+                <a:latin typeface="Consolas" pitchFamily="49" charset="0"/>
+                <a:ea typeface="ヒラギノ角ゴ Pro W3" charset="0"/>
+                <a:cs typeface="Consolas" pitchFamily="49" charset="0"/>
+              </a:rPr>
+              <a:t>A.o</a:t>
+            </a:r>
+            <a:r>
+              <a:rPr lang="en-US" sz="1400" dirty="0" smtClean="0">
+                <a:solidFill>
+                  <a:schemeClr val="bg2"/>
+                </a:solidFill>
+                <a:latin typeface="Consolas" pitchFamily="49" charset="0"/>
+                <a:ea typeface="ヒラギノ角ゴ Pro W3" charset="0"/>
+                <a:cs typeface="Consolas" pitchFamily="49" charset="0"/>
+              </a:rPr>
+              <a:t> A.cpp</a:t>
+            </a:r>
+            <a:endParaRPr lang="en-US" sz="1400" dirty="0" smtClean="0">
+              <a:solidFill>
+                <a:schemeClr val="bg2"/>
+              </a:solidFill>
+              <a:latin typeface="Consolas" pitchFamily="49" charset="0"/>
+              <a:ea typeface="ヒラギノ角ゴ Pro W3" charset="0"/>
+              <a:cs typeface="Consolas" pitchFamily="49" charset="0"/>
+            </a:endParaRPr>
+          </a:p>
+          <a:p>
+            <a:pPr marL="458788" lvl="1" indent="-228600">
+              <a:spcAft>
+                <a:spcPts val="0"/>
+              </a:spcAft>
+              <a:defRPr/>
+            </a:pPr>
+            <a:r>
+              <a:rPr lang="en-US" sz="1400" dirty="0" smtClean="0">
+                <a:solidFill>
+                  <a:schemeClr val="bg2"/>
+                </a:solidFill>
+                <a:latin typeface="Consolas" pitchFamily="49" charset="0"/>
+                <a:ea typeface="ヒラギノ角ゴ Pro W3" charset="0"/>
+                <a:cs typeface="Consolas" pitchFamily="49" charset="0"/>
+              </a:rPr>
+              <a:t>$ </a:t>
+            </a:r>
+            <a:r>
+              <a:rPr lang="en-US" sz="1400" dirty="0" smtClean="0">
+                <a:solidFill>
+                  <a:schemeClr val="bg2"/>
+                </a:solidFill>
+                <a:latin typeface="Consolas" pitchFamily="49" charset="0"/>
+                <a:ea typeface="ヒラギノ角ゴ Pro W3" charset="0"/>
+                <a:cs typeface="Consolas" pitchFamily="49" charset="0"/>
+              </a:rPr>
+              <a:t>g</a:t>
+            </a:r>
+            <a:r>
+              <a:rPr lang="en-US" sz="1400" dirty="0" smtClean="0">
+                <a:solidFill>
+                  <a:schemeClr val="bg2"/>
+                </a:solidFill>
+                <a:latin typeface="Consolas" pitchFamily="49" charset="0"/>
+                <a:ea typeface="ヒラギノ角ゴ Pro W3" charset="0"/>
+                <a:cs typeface="Consolas" pitchFamily="49" charset="0"/>
+              </a:rPr>
+              <a:t>++ -c -Wall -</a:t>
+            </a:r>
+            <a:r>
+              <a:rPr lang="en-US" sz="1400" dirty="0" err="1" smtClean="0">
+                <a:solidFill>
+                  <a:schemeClr val="bg2"/>
+                </a:solidFill>
+                <a:latin typeface="Consolas" pitchFamily="49" charset="0"/>
+                <a:ea typeface="ヒラギノ角ゴ Pro W3" charset="0"/>
+                <a:cs typeface="Consolas" pitchFamily="49" charset="0"/>
+              </a:rPr>
+              <a:t>Werror</a:t>
+            </a:r>
+            <a:r>
+              <a:rPr lang="en-US" sz="1400" dirty="0" smtClean="0">
+                <a:solidFill>
+                  <a:schemeClr val="bg2"/>
+                </a:solidFill>
+                <a:latin typeface="Consolas" pitchFamily="49" charset="0"/>
+                <a:ea typeface="ヒラギノ角ゴ Pro W3" charset="0"/>
+                <a:cs typeface="Consolas" pitchFamily="49" charset="0"/>
+              </a:rPr>
+              <a:t> </a:t>
+            </a:r>
+            <a:r>
+              <a:rPr lang="en-US" sz="1400" dirty="0" smtClean="0">
+                <a:solidFill>
+                  <a:schemeClr val="bg2"/>
+                </a:solidFill>
+                <a:latin typeface="Consolas" pitchFamily="49" charset="0"/>
+                <a:ea typeface="ヒラギノ角ゴ Pro W3" charset="0"/>
+                <a:cs typeface="Consolas" pitchFamily="49" charset="0"/>
+              </a:rPr>
+              <a:t>–o </a:t>
+            </a:r>
+            <a:r>
+              <a:rPr lang="en-US" sz="1400" dirty="0" err="1" smtClean="0">
+                <a:solidFill>
+                  <a:schemeClr val="bg2"/>
+                </a:solidFill>
+                <a:latin typeface="Consolas" pitchFamily="49" charset="0"/>
+                <a:ea typeface="ヒラギノ角ゴ Pro W3" charset="0"/>
+                <a:cs typeface="Consolas" pitchFamily="49" charset="0"/>
+              </a:rPr>
+              <a:t>B.o</a:t>
+            </a:r>
+            <a:r>
+              <a:rPr lang="en-US" sz="1400" dirty="0" smtClean="0">
+                <a:solidFill>
+                  <a:schemeClr val="bg2"/>
+                </a:solidFill>
+                <a:latin typeface="Consolas" pitchFamily="49" charset="0"/>
+                <a:ea typeface="ヒラギノ角ゴ Pro W3" charset="0"/>
+                <a:cs typeface="Consolas" pitchFamily="49" charset="0"/>
+              </a:rPr>
+              <a:t> B.cpp</a:t>
+            </a:r>
+            <a:endParaRPr lang="en-US" sz="1400" dirty="0" smtClean="0">
+              <a:solidFill>
+                <a:schemeClr val="bg2"/>
+              </a:solidFill>
+              <a:latin typeface="Consolas" pitchFamily="49" charset="0"/>
+              <a:ea typeface="ヒラギノ角ゴ Pro W3" charset="0"/>
+              <a:cs typeface="Consolas" pitchFamily="49" charset="0"/>
+            </a:endParaRPr>
+          </a:p>
+          <a:p>
+            <a:pPr marL="458788" lvl="1" indent="-228600">
+              <a:spcAft>
+                <a:spcPts val="0"/>
+              </a:spcAft>
+              <a:defRPr/>
+            </a:pPr>
+            <a:r>
+              <a:rPr lang="en-US" sz="1400" dirty="0" smtClean="0">
+                <a:solidFill>
+                  <a:schemeClr val="bg2"/>
+                </a:solidFill>
+                <a:latin typeface="Consolas" pitchFamily="49" charset="0"/>
+                <a:ea typeface="ヒラギノ角ゴ Pro W3" charset="0"/>
+                <a:cs typeface="Consolas" pitchFamily="49" charset="0"/>
+              </a:rPr>
+              <a:t>$ </a:t>
+            </a:r>
+            <a:r>
+              <a:rPr lang="en-US" sz="1400" dirty="0" smtClean="0">
+                <a:solidFill>
+                  <a:schemeClr val="bg2"/>
+                </a:solidFill>
+                <a:latin typeface="Consolas" pitchFamily="49" charset="0"/>
+                <a:ea typeface="ヒラギノ角ゴ Pro W3" charset="0"/>
+                <a:cs typeface="Consolas" pitchFamily="49" charset="0"/>
+              </a:rPr>
+              <a:t>g</a:t>
+            </a:r>
+            <a:r>
+              <a:rPr lang="en-US" sz="1400" dirty="0" smtClean="0">
+                <a:solidFill>
+                  <a:schemeClr val="bg2"/>
+                </a:solidFill>
+                <a:latin typeface="Consolas" pitchFamily="49" charset="0"/>
+                <a:ea typeface="ヒラギノ角ゴ Pro W3" charset="0"/>
+                <a:cs typeface="Consolas" pitchFamily="49" charset="0"/>
+              </a:rPr>
+              <a:t>++ -c -Wall -</a:t>
+            </a:r>
+            <a:r>
+              <a:rPr lang="en-US" sz="1400" dirty="0" err="1" smtClean="0">
+                <a:solidFill>
+                  <a:schemeClr val="bg2"/>
+                </a:solidFill>
+                <a:latin typeface="Consolas" pitchFamily="49" charset="0"/>
+                <a:ea typeface="ヒラギノ角ゴ Pro W3" charset="0"/>
+                <a:cs typeface="Consolas" pitchFamily="49" charset="0"/>
+              </a:rPr>
+              <a:t>Werror</a:t>
+            </a:r>
+            <a:r>
+              <a:rPr lang="en-US" sz="1400" dirty="0" smtClean="0">
+                <a:solidFill>
+                  <a:schemeClr val="bg2"/>
+                </a:solidFill>
+                <a:latin typeface="Consolas" pitchFamily="49" charset="0"/>
+                <a:ea typeface="ヒラギノ角ゴ Pro W3" charset="0"/>
+                <a:cs typeface="Consolas" pitchFamily="49" charset="0"/>
+              </a:rPr>
+              <a:t> </a:t>
+            </a:r>
+            <a:r>
+              <a:rPr lang="en-US" sz="1400" dirty="0" smtClean="0">
+                <a:solidFill>
+                  <a:schemeClr val="bg2"/>
+                </a:solidFill>
+                <a:latin typeface="Consolas" pitchFamily="49" charset="0"/>
+                <a:ea typeface="ヒラギノ角ゴ Pro W3" charset="0"/>
+                <a:cs typeface="Consolas" pitchFamily="49" charset="0"/>
+              </a:rPr>
+              <a:t>–o </a:t>
+            </a:r>
+            <a:r>
+              <a:rPr lang="en-US" sz="1400" dirty="0" err="1" smtClean="0">
+                <a:solidFill>
+                  <a:schemeClr val="bg2"/>
+                </a:solidFill>
+                <a:latin typeface="Consolas" pitchFamily="49" charset="0"/>
+                <a:ea typeface="ヒラギノ角ゴ Pro W3" charset="0"/>
+                <a:cs typeface="Consolas" pitchFamily="49" charset="0"/>
+              </a:rPr>
+              <a:t>Counter.o</a:t>
+            </a:r>
+            <a:r>
+              <a:rPr lang="en-US" sz="1400" dirty="0" smtClean="0">
+                <a:solidFill>
+                  <a:schemeClr val="bg2"/>
+                </a:solidFill>
+                <a:latin typeface="Consolas" pitchFamily="49" charset="0"/>
+                <a:ea typeface="ヒラギノ角ゴ Pro W3" charset="0"/>
+                <a:cs typeface="Consolas" pitchFamily="49" charset="0"/>
+              </a:rPr>
+              <a:t> Counter.cpp</a:t>
+            </a:r>
+            <a:endParaRPr lang="en-US" sz="1400" dirty="0" smtClean="0">
+              <a:solidFill>
+                <a:schemeClr val="bg2"/>
+              </a:solidFill>
+              <a:latin typeface="Consolas" pitchFamily="49" charset="0"/>
+              <a:ea typeface="ヒラギノ角ゴ Pro W3" charset="0"/>
+              <a:cs typeface="Consolas" pitchFamily="49" charset="0"/>
+            </a:endParaRPr>
+          </a:p>
+          <a:p>
+            <a:pPr marL="458788" lvl="1" indent="-228600">
+              <a:spcAft>
+                <a:spcPts val="0"/>
+              </a:spcAft>
+              <a:defRPr/>
+            </a:pPr>
+            <a:r>
+              <a:rPr lang="en-US" sz="1400" dirty="0" smtClean="0">
+                <a:solidFill>
+                  <a:schemeClr val="bg2"/>
+                </a:solidFill>
+                <a:latin typeface="Consolas" pitchFamily="49" charset="0"/>
+                <a:ea typeface="ヒラギノ角ゴ Pro W3" charset="0"/>
+                <a:cs typeface="Consolas" pitchFamily="49" charset="0"/>
+              </a:rPr>
+              <a:t>$ </a:t>
+            </a:r>
+            <a:r>
+              <a:rPr lang="en-US" sz="1400" dirty="0" err="1" smtClean="0">
+                <a:solidFill>
+                  <a:schemeClr val="bg2"/>
+                </a:solidFill>
+                <a:latin typeface="Consolas" pitchFamily="49" charset="0"/>
+                <a:ea typeface="ヒラギノ角ゴ Pro W3" charset="0"/>
+                <a:cs typeface="Consolas" pitchFamily="49" charset="0"/>
+              </a:rPr>
+              <a:t>ar</a:t>
+            </a:r>
+            <a:r>
+              <a:rPr lang="en-US" sz="1400" dirty="0" smtClean="0">
+                <a:solidFill>
+                  <a:schemeClr val="bg2"/>
+                </a:solidFill>
+                <a:latin typeface="Consolas" pitchFamily="49" charset="0"/>
+                <a:ea typeface="ヒラギノ角ゴ Pro W3" charset="0"/>
+                <a:cs typeface="Consolas" pitchFamily="49" charset="0"/>
+              </a:rPr>
+              <a:t> </a:t>
+            </a:r>
+            <a:r>
+              <a:rPr lang="en-US" sz="1400" dirty="0" err="1" smtClean="0">
+                <a:solidFill>
+                  <a:schemeClr val="bg2"/>
+                </a:solidFill>
+                <a:latin typeface="Consolas" pitchFamily="49" charset="0"/>
+                <a:ea typeface="ヒラギノ角ゴ Pro W3" charset="0"/>
+                <a:cs typeface="Consolas" pitchFamily="49" charset="0"/>
+              </a:rPr>
+              <a:t>rcs</a:t>
+            </a:r>
+            <a:r>
+              <a:rPr lang="en-US" sz="1400" dirty="0" smtClean="0">
+                <a:solidFill>
+                  <a:schemeClr val="bg2"/>
+                </a:solidFill>
+                <a:latin typeface="Consolas" pitchFamily="49" charset="0"/>
+                <a:ea typeface="ヒラギノ角ゴ Pro W3" charset="0"/>
+                <a:cs typeface="Consolas" pitchFamily="49" charset="0"/>
+              </a:rPr>
+              <a:t> </a:t>
+            </a:r>
+            <a:r>
+              <a:rPr lang="en-US" sz="1400" dirty="0" err="1" smtClean="0">
+                <a:solidFill>
+                  <a:schemeClr val="bg2"/>
+                </a:solidFill>
+                <a:latin typeface="Consolas" pitchFamily="49" charset="0"/>
+                <a:ea typeface="ヒラギノ角ゴ Pro W3" charset="0"/>
+                <a:cs typeface="Consolas" pitchFamily="49" charset="0"/>
+              </a:rPr>
+              <a:t>libStaticlib.a</a:t>
+            </a:r>
+            <a:r>
+              <a:rPr lang="en-US" sz="1400" dirty="0" smtClean="0">
+                <a:solidFill>
+                  <a:schemeClr val="bg2"/>
+                </a:solidFill>
+                <a:latin typeface="Consolas" pitchFamily="49" charset="0"/>
+                <a:ea typeface="ヒラギノ角ゴ Pro W3" charset="0"/>
+                <a:cs typeface="Consolas" pitchFamily="49" charset="0"/>
+              </a:rPr>
+              <a:t> </a:t>
+            </a:r>
+            <a:r>
+              <a:rPr lang="en-US" sz="1400" dirty="0" err="1" smtClean="0">
+                <a:solidFill>
+                  <a:schemeClr val="bg2"/>
+                </a:solidFill>
+                <a:latin typeface="Consolas" pitchFamily="49" charset="0"/>
+                <a:ea typeface="ヒラギノ角ゴ Pro W3" charset="0"/>
+                <a:cs typeface="Consolas" pitchFamily="49" charset="0"/>
+              </a:rPr>
+              <a:t>A.o</a:t>
+            </a:r>
+            <a:r>
+              <a:rPr lang="en-US" sz="1400" dirty="0" smtClean="0">
+                <a:solidFill>
+                  <a:schemeClr val="bg2"/>
+                </a:solidFill>
+                <a:latin typeface="Consolas" pitchFamily="49" charset="0"/>
+                <a:ea typeface="ヒラギノ角ゴ Pro W3" charset="0"/>
+                <a:cs typeface="Consolas" pitchFamily="49" charset="0"/>
+              </a:rPr>
+              <a:t> </a:t>
+            </a:r>
+            <a:r>
+              <a:rPr lang="en-US" sz="1400" dirty="0" err="1" smtClean="0">
+                <a:solidFill>
+                  <a:schemeClr val="bg2"/>
+                </a:solidFill>
+                <a:latin typeface="Consolas" pitchFamily="49" charset="0"/>
+                <a:ea typeface="ヒラギノ角ゴ Pro W3" charset="0"/>
+                <a:cs typeface="Consolas" pitchFamily="49" charset="0"/>
+              </a:rPr>
+              <a:t>B.o</a:t>
+            </a:r>
+            <a:r>
+              <a:rPr lang="en-US" sz="1400" dirty="0" smtClean="0">
+                <a:solidFill>
+                  <a:schemeClr val="bg2"/>
+                </a:solidFill>
+                <a:latin typeface="Consolas" pitchFamily="49" charset="0"/>
+                <a:ea typeface="ヒラギノ角ゴ Pro W3" charset="0"/>
+                <a:cs typeface="Consolas" pitchFamily="49" charset="0"/>
+              </a:rPr>
+              <a:t> </a:t>
+            </a:r>
+            <a:r>
+              <a:rPr lang="en-US" sz="1400" dirty="0" err="1" smtClean="0">
+                <a:solidFill>
+                  <a:schemeClr val="bg2"/>
+                </a:solidFill>
+                <a:latin typeface="Consolas" pitchFamily="49" charset="0"/>
+                <a:ea typeface="ヒラギノ角ゴ Pro W3" charset="0"/>
+                <a:cs typeface="Consolas" pitchFamily="49" charset="0"/>
+              </a:rPr>
+              <a:t>Counter.o</a:t>
+            </a:r>
+            <a:endParaRPr lang="en-US" sz="1400" dirty="0" smtClean="0">
+              <a:solidFill>
+                <a:schemeClr val="bg2"/>
+              </a:solidFill>
+              <a:latin typeface="Consolas" pitchFamily="49" charset="0"/>
+              <a:ea typeface="ヒラギノ角ゴ Pro W3" charset="0"/>
+              <a:cs typeface="Consolas" pitchFamily="49" charset="0"/>
+            </a:endParaRPr>
+          </a:p>
+          <a:p>
+            <a:pPr marL="458788" lvl="1" indent="-228600">
+              <a:spcAft>
+                <a:spcPts val="0"/>
+              </a:spcAft>
+              <a:defRPr/>
+            </a:pPr>
+            <a:r>
+              <a:rPr lang="en-US" sz="1400" dirty="0" smtClean="0">
+                <a:solidFill>
+                  <a:schemeClr val="bg2"/>
+                </a:solidFill>
+                <a:latin typeface="Consolas" pitchFamily="49" charset="0"/>
+                <a:ea typeface="ヒラギノ角ゴ Pro W3" charset="0"/>
+                <a:cs typeface="Consolas" pitchFamily="49" charset="0"/>
+              </a:rPr>
+              <a:t>$ g++ -o </a:t>
+            </a:r>
+            <a:r>
+              <a:rPr lang="en-US" sz="1400" dirty="0" err="1" smtClean="0">
+                <a:solidFill>
+                  <a:schemeClr val="bg2"/>
+                </a:solidFill>
+                <a:latin typeface="Consolas" pitchFamily="49" charset="0"/>
+                <a:ea typeface="ヒラギノ角ゴ Pro W3" charset="0"/>
+                <a:cs typeface="Consolas" pitchFamily="49" charset="0"/>
+              </a:rPr>
+              <a:t>simpleExample</a:t>
+            </a:r>
+            <a:r>
+              <a:rPr lang="en-US" sz="1400" dirty="0" smtClean="0">
+                <a:solidFill>
+                  <a:schemeClr val="bg2"/>
+                </a:solidFill>
+                <a:latin typeface="Consolas" pitchFamily="49" charset="0"/>
+                <a:ea typeface="ヒラギノ角ゴ Pro W3" charset="0"/>
+                <a:cs typeface="Consolas" pitchFamily="49" charset="0"/>
+              </a:rPr>
+              <a:t> main.cpp -L./ </a:t>
+            </a:r>
+            <a:r>
+              <a:rPr lang="en-US" sz="1400" dirty="0" smtClean="0">
+                <a:solidFill>
+                  <a:srgbClr val="00B050"/>
+                </a:solidFill>
+                <a:latin typeface="Consolas" pitchFamily="49" charset="0"/>
+                <a:ea typeface="ヒラギノ角ゴ Pro W3" charset="0"/>
+                <a:cs typeface="Consolas" pitchFamily="49" charset="0"/>
+              </a:rPr>
+              <a:t>-</a:t>
+            </a:r>
+            <a:r>
+              <a:rPr lang="en-US" sz="1400" dirty="0" err="1" smtClean="0">
+                <a:solidFill>
+                  <a:srgbClr val="00B050"/>
+                </a:solidFill>
+                <a:latin typeface="Consolas" pitchFamily="49" charset="0"/>
+                <a:ea typeface="ヒラギノ角ゴ Pro W3" charset="0"/>
+                <a:cs typeface="Consolas" pitchFamily="49" charset="0"/>
+              </a:rPr>
+              <a:t>Wl</a:t>
+            </a:r>
+            <a:r>
+              <a:rPr lang="en-US" sz="1400" dirty="0" smtClean="0">
+                <a:solidFill>
+                  <a:srgbClr val="00B050"/>
+                </a:solidFill>
+                <a:latin typeface="Consolas" pitchFamily="49" charset="0"/>
+                <a:ea typeface="ヒラギノ角ゴ Pro W3" charset="0"/>
+                <a:cs typeface="Consolas" pitchFamily="49" charset="0"/>
+              </a:rPr>
+              <a:t>,--whole-archive </a:t>
+            </a:r>
+            <a:r>
+              <a:rPr lang="en-US" sz="1400" dirty="0" smtClean="0">
+                <a:solidFill>
+                  <a:srgbClr val="00B050"/>
+                </a:solidFill>
+                <a:latin typeface="Consolas" pitchFamily="49" charset="0"/>
+                <a:ea typeface="ヒラギノ角ゴ Pro W3" charset="0"/>
+                <a:cs typeface="Consolas" pitchFamily="49" charset="0"/>
+              </a:rPr>
+              <a:t>-</a:t>
+            </a:r>
+            <a:r>
+              <a:rPr lang="en-US" sz="1400" dirty="0" err="1" smtClean="0">
+                <a:solidFill>
+                  <a:srgbClr val="00B050"/>
+                </a:solidFill>
+                <a:latin typeface="Consolas" pitchFamily="49" charset="0"/>
+                <a:ea typeface="ヒラギノ角ゴ Pro W3" charset="0"/>
+                <a:cs typeface="Consolas" pitchFamily="49" charset="0"/>
+              </a:rPr>
+              <a:t>lStaticlib</a:t>
+            </a:r>
+            <a:r>
+              <a:rPr lang="en-US" sz="1400" dirty="0" smtClean="0">
+                <a:solidFill>
+                  <a:srgbClr val="00B050"/>
+                </a:solidFill>
+                <a:latin typeface="Consolas" pitchFamily="49" charset="0"/>
+                <a:ea typeface="ヒラギノ角ゴ Pro W3" charset="0"/>
+                <a:cs typeface="Consolas" pitchFamily="49" charset="0"/>
+              </a:rPr>
+              <a:t> </a:t>
+            </a:r>
+            <a:r>
+              <a:rPr lang="en-US" sz="1400" dirty="0" smtClean="0">
+                <a:solidFill>
+                  <a:srgbClr val="00B050"/>
+                </a:solidFill>
+                <a:latin typeface="Consolas" pitchFamily="49" charset="0"/>
+                <a:ea typeface="ヒラギノ角ゴ Pro W3" charset="0"/>
+                <a:cs typeface="Consolas" pitchFamily="49" charset="0"/>
+              </a:rPr>
+              <a:t>-</a:t>
+            </a:r>
+            <a:r>
+              <a:rPr lang="en-US" sz="1400" dirty="0" err="1" smtClean="0">
+                <a:solidFill>
+                  <a:srgbClr val="00B050"/>
+                </a:solidFill>
+                <a:latin typeface="Consolas" pitchFamily="49" charset="0"/>
+                <a:ea typeface="ヒラギノ角ゴ Pro W3" charset="0"/>
+                <a:cs typeface="Consolas" pitchFamily="49" charset="0"/>
+              </a:rPr>
+              <a:t>Wl</a:t>
+            </a:r>
+            <a:r>
+              <a:rPr lang="en-US" sz="1400" dirty="0" smtClean="0">
+                <a:solidFill>
+                  <a:srgbClr val="00B050"/>
+                </a:solidFill>
+                <a:latin typeface="Consolas" pitchFamily="49" charset="0"/>
+                <a:ea typeface="ヒラギノ角ゴ Pro W3" charset="0"/>
+                <a:cs typeface="Consolas" pitchFamily="49" charset="0"/>
+              </a:rPr>
+              <a:t>,-no-whole-archive</a:t>
+            </a:r>
+          </a:p>
+          <a:p>
+            <a:pPr marL="458788" lvl="1" indent="-228600">
+              <a:spcAft>
+                <a:spcPts val="0"/>
+              </a:spcAft>
+              <a:defRPr/>
+            </a:pPr>
+            <a:r>
+              <a:rPr lang="en-US" sz="1400" dirty="0" smtClean="0">
+                <a:solidFill>
+                  <a:schemeClr val="bg2"/>
+                </a:solidFill>
+                <a:latin typeface="Consolas" pitchFamily="49" charset="0"/>
+                <a:ea typeface="ヒラギノ角ゴ Pro W3" charset="0"/>
+                <a:cs typeface="Consolas" pitchFamily="49" charset="0"/>
+              </a:rPr>
+              <a:t>$ ./</a:t>
+            </a:r>
+            <a:r>
+              <a:rPr lang="en-US" sz="1400" dirty="0" err="1" smtClean="0">
+                <a:solidFill>
+                  <a:schemeClr val="bg2"/>
+                </a:solidFill>
+                <a:latin typeface="Consolas" pitchFamily="49" charset="0"/>
+                <a:ea typeface="ヒラギノ角ゴ Pro W3" charset="0"/>
+                <a:cs typeface="Consolas" pitchFamily="49" charset="0"/>
+              </a:rPr>
+              <a:t>simpleExample</a:t>
+            </a:r>
+            <a:endParaRPr lang="en-US" sz="1400" dirty="0" smtClean="0">
+              <a:solidFill>
+                <a:schemeClr val="bg2"/>
+              </a:solidFill>
+              <a:latin typeface="Consolas" pitchFamily="49" charset="0"/>
+              <a:ea typeface="ヒラギノ角ゴ Pro W3" charset="0"/>
+              <a:cs typeface="Consolas" pitchFamily="49" charset="0"/>
+            </a:endParaRPr>
+          </a:p>
+          <a:p>
+            <a:pPr marL="458788" lvl="1" indent="-228600">
+              <a:spcAft>
+                <a:spcPts val="0"/>
+              </a:spcAft>
+              <a:defRPr/>
+            </a:pPr>
+            <a:r>
+              <a:rPr lang="en-US" sz="1400" dirty="0" smtClean="0">
+                <a:solidFill>
+                  <a:srgbClr val="00B050"/>
+                </a:solidFill>
+                <a:latin typeface="Consolas" pitchFamily="49" charset="0"/>
+                <a:ea typeface="ヒラギノ角ゴ Pro W3" charset="0"/>
+                <a:cs typeface="Consolas" pitchFamily="49" charset="0"/>
+              </a:rPr>
+              <a:t>2</a:t>
+            </a:r>
+            <a:endParaRPr lang="en-US" sz="1400" dirty="0" smtClean="0">
+              <a:solidFill>
+                <a:srgbClr val="00B050"/>
+              </a:solidFill>
+              <a:latin typeface="Consolas" pitchFamily="49" charset="0"/>
+              <a:ea typeface="ヒラギノ角ゴ Pro W3" charset="0"/>
+              <a:cs typeface="Consolas" pitchFamily="49" charset="0"/>
+            </a:endParaRPr>
+          </a:p>
+        </p:txBody>
+      </p:sp>
+      <p:sp>
+        <p:nvSpPr>
+          <p:cNvPr id="8" name="Content Placeholder 2"/>
+          <p:cNvSpPr txBox="1">
+            <a:spLocks/>
+          </p:cNvSpPr>
+          <p:nvPr/>
+        </p:nvSpPr>
+        <p:spPr bwMode="auto">
+          <a:xfrm>
+            <a:off x="1024871" y="1211982"/>
+            <a:ext cx="6643473" cy="279648"/>
+          </a:xfrm>
+          <a:prstGeom prst="rect">
+            <a:avLst/>
+          </a:prstGeom>
+          <a:noFill/>
+          <a:ln w="9525">
+            <a:noFill/>
+            <a:miter lim="800000"/>
+            <a:headEnd/>
+            <a:tailEnd/>
+          </a:ln>
+        </p:spPr>
+        <p:txBody>
+          <a:bodyPr vert="horz" wrap="square" lIns="0" tIns="0" rIns="0" bIns="0" numCol="1" anchor="t" anchorCtr="0" compatLnSpc="1">
+            <a:prstTxWarp prst="textNoShape">
+              <a:avLst/>
+            </a:prstTxWarp>
+          </a:bodyPr>
+          <a:lstStyle/>
+          <a:p>
+            <a:pPr marL="573088" marR="0" lvl="1" indent="-342900" algn="l" defTabSz="457200" rtl="0" eaLnBrk="1" fontAlgn="base" latinLnBrk="0" hangingPunct="1">
+              <a:lnSpc>
+                <a:spcPct val="100000"/>
+              </a:lnSpc>
+              <a:spcBef>
+                <a:spcPct val="0"/>
+              </a:spcBef>
+              <a:spcAft>
+                <a:spcPts val="600"/>
+              </a:spcAft>
+              <a:buClrTx/>
+              <a:buSzTx/>
+              <a:buAutoNum type="arabicPeriod"/>
+              <a:tabLst/>
+              <a:defRPr/>
+            </a:pPr>
+            <a:r>
+              <a:rPr lang="en-US" dirty="0" err="1" smtClean="0">
+                <a:solidFill>
+                  <a:schemeClr val="bg2"/>
+                </a:solidFill>
+                <a:latin typeface="+mn-lt"/>
+                <a:ea typeface="ヒラギノ角ゴ Pro W3" charset="0"/>
+              </a:rPr>
+              <a:t>A.o</a:t>
+            </a:r>
+            <a:r>
+              <a:rPr lang="en-US" dirty="0" smtClean="0">
+                <a:solidFill>
+                  <a:schemeClr val="bg2"/>
+                </a:solidFill>
+                <a:latin typeface="+mn-lt"/>
+                <a:ea typeface="ヒラギノ角ゴ Pro W3" charset="0"/>
+              </a:rPr>
+              <a:t>, </a:t>
+            </a:r>
+            <a:r>
+              <a:rPr lang="en-US" dirty="0" err="1" smtClean="0">
+                <a:solidFill>
+                  <a:schemeClr val="bg2"/>
+                </a:solidFill>
+                <a:latin typeface="+mn-lt"/>
+                <a:ea typeface="ヒラギノ角ゴ Pro W3" charset="0"/>
+              </a:rPr>
+              <a:t>B.o</a:t>
+            </a:r>
+            <a:r>
+              <a:rPr lang="en-US" dirty="0" smtClean="0">
+                <a:solidFill>
+                  <a:schemeClr val="bg2"/>
+                </a:solidFill>
+                <a:latin typeface="+mn-lt"/>
+                <a:ea typeface="ヒラギノ角ゴ Pro W3" charset="0"/>
+              </a:rPr>
+              <a:t> and </a:t>
+            </a:r>
+            <a:r>
+              <a:rPr lang="en-US" dirty="0" err="1" smtClean="0">
+                <a:solidFill>
+                  <a:schemeClr val="bg2"/>
+                </a:solidFill>
+                <a:latin typeface="+mn-lt"/>
+                <a:ea typeface="ヒラギノ角ゴ Pro W3" charset="0"/>
+              </a:rPr>
+              <a:t>main.o</a:t>
+            </a:r>
+            <a:r>
+              <a:rPr lang="en-US" dirty="0" smtClean="0">
+                <a:solidFill>
+                  <a:schemeClr val="bg2"/>
+                </a:solidFill>
+                <a:latin typeface="+mn-lt"/>
+                <a:ea typeface="ヒラギノ角ゴ Pro W3" charset="0"/>
+              </a:rPr>
+              <a:t> are included in static library.</a:t>
+            </a:r>
+          </a:p>
+          <a:p>
+            <a:pPr marL="573088" marR="0" lvl="1" indent="-342900" algn="l" defTabSz="457200" rtl="0" eaLnBrk="1" fontAlgn="base" latinLnBrk="0" hangingPunct="1">
+              <a:lnSpc>
+                <a:spcPct val="100000"/>
+              </a:lnSpc>
+              <a:spcBef>
+                <a:spcPct val="0"/>
+              </a:spcBef>
+              <a:spcAft>
+                <a:spcPts val="600"/>
+              </a:spcAft>
+              <a:buClrTx/>
+              <a:buSzTx/>
+              <a:buAutoNum type="arabicPeriod"/>
+              <a:tabLst/>
+              <a:defRPr/>
+            </a:pPr>
+            <a:r>
+              <a:rPr lang="en-US" noProof="0" dirty="0" smtClean="0">
+                <a:solidFill>
+                  <a:schemeClr val="bg2"/>
+                </a:solidFill>
+                <a:latin typeface="+mn-lt"/>
+                <a:ea typeface="ヒラギノ角ゴ Pro W3" charset="0"/>
+              </a:rPr>
+              <a:t>Forcing linker to include all object files from static library.</a:t>
+            </a:r>
+            <a:endParaRPr kumimoji="0" lang="en-US" b="0" u="none" strike="noStrike" kern="1200" cap="none" spc="0" normalizeH="0" baseline="0" noProof="0" dirty="0" smtClean="0">
+              <a:ln>
+                <a:noFill/>
+              </a:ln>
+              <a:solidFill>
+                <a:schemeClr val="bg2"/>
+              </a:solidFill>
+              <a:effectLst/>
+              <a:uLnTx/>
+              <a:uFillTx/>
+              <a:latin typeface="+mn-lt"/>
+              <a:ea typeface="ヒラギノ角ゴ Pro W3" charset="0"/>
+              <a:cs typeface="ヒラギノ角ゴ Pro W3"/>
+            </a:endParaRPr>
+          </a:p>
+        </p:txBody>
+      </p:sp>
+      <p:sp>
+        <p:nvSpPr>
+          <p:cNvPr id="9" name="Content Placeholder 2"/>
+          <p:cNvSpPr txBox="1">
+            <a:spLocks/>
+          </p:cNvSpPr>
+          <p:nvPr/>
+        </p:nvSpPr>
+        <p:spPr bwMode="auto">
+          <a:xfrm>
+            <a:off x="952863" y="4164310"/>
+            <a:ext cx="6355441" cy="279648"/>
+          </a:xfrm>
+          <a:prstGeom prst="rect">
+            <a:avLst/>
+          </a:prstGeom>
+          <a:noFill/>
+          <a:ln w="9525">
+            <a:noFill/>
+            <a:miter lim="800000"/>
+            <a:headEnd/>
+            <a:tailEnd/>
+          </a:ln>
+        </p:spPr>
+        <p:txBody>
+          <a:bodyPr vert="horz" wrap="square" lIns="0" tIns="0" rIns="0" bIns="0" numCol="1" anchor="t" anchorCtr="0" compatLnSpc="1">
+            <a:prstTxWarp prst="textNoShape">
+              <a:avLst/>
+            </a:prstTxWarp>
+          </a:bodyPr>
+          <a:lstStyle/>
+          <a:p>
+            <a:pPr marL="458788" marR="0" lvl="1" indent="-228600" algn="l" defTabSz="457200" rtl="0" eaLnBrk="1" fontAlgn="base" latinLnBrk="0" hangingPunct="1">
+              <a:lnSpc>
+                <a:spcPct val="100000"/>
+              </a:lnSpc>
+              <a:spcBef>
+                <a:spcPct val="0"/>
+              </a:spcBef>
+              <a:spcAft>
+                <a:spcPts val="600"/>
+              </a:spcAft>
+              <a:buClrTx/>
+              <a:buSzTx/>
+              <a:tabLst/>
+              <a:defRPr/>
+            </a:pPr>
+            <a:r>
+              <a:rPr lang="en-US" i="1" dirty="0" smtClean="0">
+                <a:solidFill>
+                  <a:schemeClr val="bg2"/>
+                </a:solidFill>
+                <a:latin typeface="+mn-lt"/>
+                <a:ea typeface="ヒラギノ角ゴ Pro W3" charset="0"/>
+              </a:rPr>
+              <a:t>Note: be careful with that option.</a:t>
+            </a:r>
+          </a:p>
+        </p:txBody>
+      </p:sp>
+    </p:spTree>
+  </p:cSld>
+  <p:clrMapOvr>
+    <a:masterClrMapping/>
+  </p:clrMapOvr>
+</p:sld>
+</file>
+
+<file path=ppt/slides/slide27.xml><?xml version="1.0" encoding="utf-8"?>
+<p:sld xmlns:a="http://schemas.openxmlformats.org/drawingml/2006/main" xmlns:r="http://schemas.openxmlformats.org/officeDocument/2006/relationships" xmlns:p="http://schemas.openxmlformats.org/presentationml/2006/main">
+  <p:cSld>
+    <p:spTree>
+      <p:nvGrpSpPr>
+        <p:cNvPr id="1" name=""/>
+        <p:cNvGrpSpPr/>
+        <p:nvPr/>
+      </p:nvGrpSpPr>
+      <p:grpSpPr>
+        <a:xfrm>
+          <a:off x="0" y="0"/>
+          <a:ext cx="0" cy="0"/>
+          <a:chOff x="0" y="0"/>
+          <a:chExt cx="0" cy="0"/>
+        </a:xfrm>
+      </p:grpSpPr>
+      <p:sp>
+        <p:nvSpPr>
+          <p:cNvPr id="2" name="Title 1"/>
+          <p:cNvSpPr>
+            <a:spLocks noGrp="1"/>
+          </p:cNvSpPr>
+          <p:nvPr>
+            <p:ph type="title"/>
+          </p:nvPr>
+        </p:nvSpPr>
+        <p:spPr>
+          <a:xfrm>
+            <a:off x="416169" y="435143"/>
+            <a:ext cx="8229600" cy="480423"/>
+          </a:xfrm>
+        </p:spPr>
+        <p:txBody>
+          <a:bodyPr/>
+          <a:lstStyle/>
+          <a:p>
+            <a:pPr algn="ctr"/>
+            <a:r>
+              <a:rPr lang="en-US" sz="3200" dirty="0" smtClean="0"/>
+              <a:t>Shared libraries</a:t>
+            </a:r>
+            <a:endParaRPr lang="en-US" sz="3200" dirty="0"/>
+          </a:p>
+        </p:txBody>
+      </p:sp>
+      <p:sp>
+        <p:nvSpPr>
+          <p:cNvPr id="3" name="Content Placeholder 2"/>
+          <p:cNvSpPr>
+            <a:spLocks noGrp="1"/>
+          </p:cNvSpPr>
+          <p:nvPr>
+            <p:ph sz="quarter" idx="13"/>
+          </p:nvPr>
+        </p:nvSpPr>
+        <p:spPr>
+          <a:xfrm>
+            <a:off x="418120" y="1203598"/>
+            <a:ext cx="8227649" cy="2952328"/>
+          </a:xfrm>
+        </p:spPr>
+        <p:txBody>
+          <a:bodyPr/>
+          <a:lstStyle/>
+          <a:p>
+            <a:pPr lvl="1">
+              <a:buNone/>
+            </a:pPr>
+            <a:r>
+              <a:rPr lang="en-US" sz="2400" dirty="0" smtClean="0"/>
+              <a:t> </a:t>
+            </a:r>
+          </a:p>
+        </p:txBody>
+      </p:sp>
+      <p:sp>
+        <p:nvSpPr>
+          <p:cNvPr id="6" name="Footer Placeholder 5"/>
+          <p:cNvSpPr>
+            <a:spLocks noGrp="1"/>
+          </p:cNvSpPr>
+          <p:nvPr>
+            <p:ph type="ftr" sz="quarter" idx="18"/>
+          </p:nvPr>
+        </p:nvSpPr>
+        <p:spPr/>
+        <p:txBody>
+          <a:bodyPr/>
+          <a:lstStyle/>
+          <a:p>
+            <a:pPr algn="l"/>
+            <a:r>
+              <a:rPr lang="en-GB" dirty="0" smtClean="0">
+                <a:solidFill>
+                  <a:schemeClr val="bg2"/>
+                </a:solidFill>
+                <a:cs typeface="Arial" charset="0"/>
+              </a:rPr>
+              <a:t>&lt;Change information classification in footer&gt;</a:t>
+            </a:r>
+          </a:p>
+        </p:txBody>
+      </p:sp>
+      <p:sp>
+        <p:nvSpPr>
+          <p:cNvPr id="5" name="Content Placeholder 2"/>
+          <p:cNvSpPr txBox="1">
+            <a:spLocks/>
+          </p:cNvSpPr>
+          <p:nvPr/>
+        </p:nvSpPr>
+        <p:spPr bwMode="auto">
+          <a:xfrm>
+            <a:off x="570520" y="1203598"/>
+            <a:ext cx="8227649" cy="2952328"/>
+          </a:xfrm>
+          <a:prstGeom prst="rect">
+            <a:avLst/>
+          </a:prstGeom>
+          <a:noFill/>
+          <a:ln w="9525">
+            <a:noFill/>
+            <a:miter lim="800000"/>
+            <a:headEnd/>
+            <a:tailEnd/>
+          </a:ln>
+        </p:spPr>
+        <p:txBody>
+          <a:bodyPr vert="horz" wrap="square" lIns="0" tIns="0" rIns="0" bIns="0" numCol="1" anchor="t" anchorCtr="0" compatLnSpc="1">
+            <a:prstTxWarp prst="textNoShape">
+              <a:avLst/>
+            </a:prstTxWarp>
+          </a:bodyPr>
+          <a:lstStyle/>
+          <a:p>
+            <a:pPr marL="458788" marR="0" lvl="1" indent="-228600" algn="l" defTabSz="457200" rtl="0" eaLnBrk="1" fontAlgn="base" latinLnBrk="0" hangingPunct="1">
+              <a:lnSpc>
+                <a:spcPct val="100000"/>
+              </a:lnSpc>
+              <a:spcBef>
+                <a:spcPct val="0"/>
+              </a:spcBef>
+              <a:spcAft>
+                <a:spcPts val="600"/>
+              </a:spcAft>
+              <a:buClrTx/>
+              <a:buSzTx/>
+              <a:buFont typeface="Arial" pitchFamily="34" charset="0"/>
+              <a:buChar char="•"/>
+              <a:tabLst/>
+              <a:defRPr/>
+            </a:pPr>
+            <a:endParaRPr kumimoji="0" lang="en-US" sz="2400" b="0" i="0" u="none" strike="noStrike" kern="1200" cap="none" spc="0" normalizeH="0" baseline="0" noProof="0" dirty="0" smtClean="0">
+              <a:ln>
+                <a:noFill/>
+              </a:ln>
+              <a:solidFill>
+                <a:schemeClr val="bg2"/>
+              </a:solidFill>
+              <a:effectLst/>
+              <a:uLnTx/>
+              <a:uFillTx/>
+              <a:latin typeface="+mn-lt"/>
+              <a:ea typeface="ヒラギノ角ゴ Pro W3" charset="0"/>
+              <a:cs typeface="ヒラギノ角ゴ Pro W3"/>
+            </a:endParaRPr>
+          </a:p>
+        </p:txBody>
+      </p:sp>
+      <p:sp>
+        <p:nvSpPr>
+          <p:cNvPr id="7" name="Content Placeholder 2"/>
+          <p:cNvSpPr txBox="1">
+            <a:spLocks/>
+          </p:cNvSpPr>
+          <p:nvPr/>
+        </p:nvSpPr>
+        <p:spPr bwMode="auto">
+          <a:xfrm>
+            <a:off x="722920" y="1355998"/>
+            <a:ext cx="8227649" cy="2952328"/>
+          </a:xfrm>
+          <a:prstGeom prst="rect">
+            <a:avLst/>
+          </a:prstGeom>
+          <a:noFill/>
+          <a:ln w="9525">
+            <a:noFill/>
+            <a:miter lim="800000"/>
+            <a:headEnd/>
+            <a:tailEnd/>
+          </a:ln>
+        </p:spPr>
+        <p:txBody>
+          <a:bodyPr vert="horz" wrap="square" lIns="0" tIns="0" rIns="0" bIns="0" numCol="1" anchor="t" anchorCtr="0" compatLnSpc="1">
+            <a:prstTxWarp prst="textNoShape">
+              <a:avLst/>
+            </a:prstTxWarp>
+          </a:bodyPr>
+          <a:lstStyle/>
+          <a:p>
+            <a:pPr marL="458788" marR="0" lvl="1" indent="-228600" algn="l" defTabSz="457200" rtl="0" eaLnBrk="1" fontAlgn="base" latinLnBrk="0" hangingPunct="1">
+              <a:lnSpc>
+                <a:spcPct val="100000"/>
+              </a:lnSpc>
+              <a:spcBef>
+                <a:spcPct val="0"/>
+              </a:spcBef>
+              <a:spcAft>
+                <a:spcPts val="600"/>
+              </a:spcAft>
+              <a:buClrTx/>
+              <a:buSzTx/>
+              <a:buFont typeface="Arial" pitchFamily="34" charset="0"/>
+              <a:buChar char="•"/>
+              <a:tabLst/>
+              <a:defRPr/>
+            </a:pPr>
+            <a:r>
+              <a:rPr lang="en-US" sz="2400" dirty="0" smtClean="0">
+                <a:solidFill>
+                  <a:schemeClr val="bg2"/>
+                </a:solidFill>
+                <a:latin typeface="+mn-lt"/>
+                <a:ea typeface="ヒラギノ角ゴ Pro W3" charset="0"/>
+              </a:rPr>
+              <a:t>It would be a best approach to have the same copy of </a:t>
+            </a:r>
+            <a:r>
+              <a:rPr lang="en-US" sz="2400" dirty="0" err="1" smtClean="0">
+                <a:solidFill>
+                  <a:schemeClr val="bg2"/>
+                </a:solidFill>
+                <a:latin typeface="+mn-lt"/>
+                <a:ea typeface="ヒラギノ角ゴ Pro W3" charset="0"/>
+              </a:rPr>
+              <a:t>printf</a:t>
+            </a:r>
+            <a:r>
+              <a:rPr lang="en-US" sz="2400" dirty="0" smtClean="0">
+                <a:solidFill>
+                  <a:schemeClr val="bg2"/>
+                </a:solidFill>
+                <a:latin typeface="+mn-lt"/>
+                <a:ea typeface="ヒラギノ角ゴ Pro W3" charset="0"/>
+              </a:rPr>
+              <a:t>() in every executable file in our system. That’s why shared library were invented.</a:t>
+            </a:r>
+            <a:endParaRPr kumimoji="0" lang="en-US" sz="2400" b="0" i="0" u="none" strike="noStrike" kern="1200" cap="none" spc="0" normalizeH="0" baseline="0" noProof="0" dirty="0" smtClean="0">
+              <a:ln>
+                <a:noFill/>
+              </a:ln>
+              <a:solidFill>
+                <a:schemeClr val="bg2"/>
+              </a:solidFill>
+              <a:effectLst/>
+              <a:uLnTx/>
+              <a:uFillTx/>
+              <a:latin typeface="+mn-lt"/>
+              <a:ea typeface="ヒラギノ角ゴ Pro W3" charset="0"/>
+              <a:cs typeface="ヒラギノ角ゴ Pro W3"/>
+            </a:endParaRPr>
+          </a:p>
+        </p:txBody>
+      </p:sp>
+    </p:spTree>
+  </p:cSld>
+  <p:clrMapOvr>
+    <a:masterClrMapping/>
+  </p:clrMapOvr>
+</p:sld>
+</file>
+
+<file path=ppt/slides/slide28.xml><?xml version="1.0" encoding="utf-8"?>
+<p:sld xmlns:a="http://schemas.openxmlformats.org/drawingml/2006/main" xmlns:r="http://schemas.openxmlformats.org/officeDocument/2006/relationships" xmlns:p="http://schemas.openxmlformats.org/presentationml/2006/main">
+  <p:cSld>
+    <p:spTree>
+      <p:nvGrpSpPr>
+        <p:cNvPr id="1" name=""/>
+        <p:cNvGrpSpPr/>
+        <p:nvPr/>
+      </p:nvGrpSpPr>
+      <p:grpSpPr>
+        <a:xfrm>
+          <a:off x="0" y="0"/>
+          <a:ext cx="0" cy="0"/>
+          <a:chOff x="0" y="0"/>
+          <a:chExt cx="0" cy="0"/>
+        </a:xfrm>
+      </p:grpSpPr>
+      <p:sp>
+        <p:nvSpPr>
+          <p:cNvPr id="2" name="Title 1"/>
+          <p:cNvSpPr>
+            <a:spLocks noGrp="1"/>
+          </p:cNvSpPr>
+          <p:nvPr>
+            <p:ph type="title"/>
+          </p:nvPr>
+        </p:nvSpPr>
+        <p:spPr>
+          <a:xfrm>
+            <a:off x="416169" y="435143"/>
+            <a:ext cx="8229600" cy="480423"/>
+          </a:xfrm>
+        </p:spPr>
+        <p:txBody>
+          <a:bodyPr/>
+          <a:lstStyle/>
+          <a:p>
+            <a:pPr algn="ctr"/>
+            <a:r>
+              <a:rPr lang="en-US" sz="3200" dirty="0" smtClean="0"/>
+              <a:t>Export from shared library</a:t>
+            </a:r>
+            <a:endParaRPr lang="en-US" sz="3200" dirty="0"/>
+          </a:p>
+        </p:txBody>
+      </p:sp>
+      <p:sp>
+        <p:nvSpPr>
+          <p:cNvPr id="3" name="Content Placeholder 2"/>
+          <p:cNvSpPr>
+            <a:spLocks noGrp="1"/>
+          </p:cNvSpPr>
+          <p:nvPr>
+            <p:ph sz="quarter" idx="13"/>
+          </p:nvPr>
+        </p:nvSpPr>
+        <p:spPr>
+          <a:xfrm>
+            <a:off x="418120" y="1203598"/>
+            <a:ext cx="8227649" cy="2952328"/>
+          </a:xfrm>
+        </p:spPr>
+        <p:txBody>
+          <a:bodyPr/>
+          <a:lstStyle/>
+          <a:p>
+            <a:pPr lvl="1">
+              <a:buNone/>
+            </a:pPr>
+            <a:r>
+              <a:rPr lang="en-US" sz="2400" dirty="0" smtClean="0"/>
+              <a:t> </a:t>
+            </a:r>
+          </a:p>
+        </p:txBody>
+      </p:sp>
+      <p:sp>
+        <p:nvSpPr>
+          <p:cNvPr id="6" name="Footer Placeholder 5"/>
+          <p:cNvSpPr>
+            <a:spLocks noGrp="1"/>
+          </p:cNvSpPr>
+          <p:nvPr>
+            <p:ph type="ftr" sz="quarter" idx="18"/>
+          </p:nvPr>
+        </p:nvSpPr>
+        <p:spPr/>
+        <p:txBody>
+          <a:bodyPr/>
+          <a:lstStyle/>
+          <a:p>
+            <a:pPr algn="l"/>
+            <a:r>
+              <a:rPr lang="en-GB" dirty="0" smtClean="0">
+                <a:solidFill>
+                  <a:schemeClr val="bg2"/>
+                </a:solidFill>
+                <a:cs typeface="Arial" charset="0"/>
+              </a:rPr>
+              <a:t>&lt;Change information classification in footer&gt;</a:t>
+            </a:r>
+          </a:p>
+        </p:txBody>
+      </p:sp>
+      <p:sp>
+        <p:nvSpPr>
+          <p:cNvPr id="5" name="Content Placeholder 2"/>
+          <p:cNvSpPr txBox="1">
+            <a:spLocks/>
+          </p:cNvSpPr>
+          <p:nvPr/>
+        </p:nvSpPr>
+        <p:spPr bwMode="auto">
+          <a:xfrm>
+            <a:off x="570520" y="1203598"/>
+            <a:ext cx="8227649" cy="2952328"/>
+          </a:xfrm>
+          <a:prstGeom prst="rect">
+            <a:avLst/>
+          </a:prstGeom>
+          <a:noFill/>
+          <a:ln w="9525">
+            <a:noFill/>
+            <a:miter lim="800000"/>
+            <a:headEnd/>
+            <a:tailEnd/>
+          </a:ln>
+        </p:spPr>
+        <p:txBody>
+          <a:bodyPr vert="horz" wrap="square" lIns="0" tIns="0" rIns="0" bIns="0" numCol="1" anchor="t" anchorCtr="0" compatLnSpc="1">
+            <a:prstTxWarp prst="textNoShape">
+              <a:avLst/>
+            </a:prstTxWarp>
+          </a:bodyPr>
+          <a:lstStyle/>
+          <a:p>
+            <a:pPr marL="458788" marR="0" lvl="1" indent="-228600" algn="l" defTabSz="457200" rtl="0" eaLnBrk="1" fontAlgn="base" latinLnBrk="0" hangingPunct="1">
+              <a:lnSpc>
+                <a:spcPct val="100000"/>
+              </a:lnSpc>
+              <a:spcBef>
+                <a:spcPct val="0"/>
+              </a:spcBef>
+              <a:spcAft>
+                <a:spcPts val="600"/>
+              </a:spcAft>
+              <a:buClrTx/>
+              <a:buSzTx/>
+              <a:buFont typeface="Arial" pitchFamily="34" charset="0"/>
+              <a:buChar char="•"/>
+              <a:tabLst/>
+              <a:defRPr/>
+            </a:pPr>
+            <a:endParaRPr kumimoji="0" lang="en-US" sz="2400" b="0" i="0" u="none" strike="noStrike" kern="1200" cap="none" spc="0" normalizeH="0" baseline="0" noProof="0" dirty="0" smtClean="0">
+              <a:ln>
+                <a:noFill/>
+              </a:ln>
+              <a:solidFill>
+                <a:schemeClr val="bg2"/>
+              </a:solidFill>
+              <a:effectLst/>
+              <a:uLnTx/>
+              <a:uFillTx/>
+              <a:latin typeface="+mn-lt"/>
+              <a:ea typeface="ヒラギノ角ゴ Pro W3" charset="0"/>
+              <a:cs typeface="ヒラギノ角ゴ Pro W3"/>
+            </a:endParaRPr>
+          </a:p>
+        </p:txBody>
+      </p:sp>
+      <p:sp>
+        <p:nvSpPr>
+          <p:cNvPr id="7" name="Content Placeholder 2"/>
+          <p:cNvSpPr txBox="1">
+            <a:spLocks/>
+          </p:cNvSpPr>
+          <p:nvPr/>
+        </p:nvSpPr>
+        <p:spPr bwMode="auto">
+          <a:xfrm>
+            <a:off x="722920" y="1355998"/>
+            <a:ext cx="8227649" cy="2952328"/>
+          </a:xfrm>
+          <a:prstGeom prst="rect">
+            <a:avLst/>
+          </a:prstGeom>
+          <a:noFill/>
+          <a:ln w="9525">
+            <a:noFill/>
+            <a:miter lim="800000"/>
+            <a:headEnd/>
+            <a:tailEnd/>
+          </a:ln>
+        </p:spPr>
+        <p:txBody>
+          <a:bodyPr vert="horz" wrap="square" lIns="0" tIns="0" rIns="0" bIns="0" numCol="1" anchor="t" anchorCtr="0" compatLnSpc="1">
+            <a:prstTxWarp prst="textNoShape">
+              <a:avLst/>
+            </a:prstTxWarp>
+          </a:bodyPr>
+          <a:lstStyle/>
+          <a:p>
+            <a:pPr marL="458788" marR="0" lvl="1" indent="-228600" algn="l" defTabSz="457200" rtl="0" eaLnBrk="1" fontAlgn="base" latinLnBrk="0" hangingPunct="1">
+              <a:lnSpc>
+                <a:spcPct val="100000"/>
+              </a:lnSpc>
+              <a:spcBef>
+                <a:spcPct val="0"/>
+              </a:spcBef>
+              <a:spcAft>
+                <a:spcPts val="600"/>
+              </a:spcAft>
+              <a:buClrTx/>
+              <a:buSzTx/>
+              <a:buFont typeface="Arial" pitchFamily="34" charset="0"/>
+              <a:buChar char="•"/>
+              <a:tabLst/>
+              <a:defRPr/>
+            </a:pPr>
+            <a:r>
+              <a:rPr lang="en-US" sz="2400" dirty="0" smtClean="0">
+                <a:solidFill>
+                  <a:schemeClr val="bg2"/>
+                </a:solidFill>
+                <a:latin typeface="+mn-lt"/>
+                <a:ea typeface="ヒラギノ角ゴ Pro W3" charset="0"/>
+              </a:rPr>
+              <a:t>Name mangling</a:t>
+            </a:r>
+            <a:endParaRPr kumimoji="0" lang="en-US" sz="2400" b="0" i="0" u="none" strike="noStrike" kern="1200" cap="none" spc="0" normalizeH="0" baseline="0" noProof="0" dirty="0" smtClean="0">
+              <a:ln>
+                <a:noFill/>
+              </a:ln>
+              <a:solidFill>
+                <a:schemeClr val="bg2"/>
+              </a:solidFill>
+              <a:effectLst/>
+              <a:uLnTx/>
+              <a:uFillTx/>
+              <a:latin typeface="+mn-lt"/>
+              <a:ea typeface="ヒラギノ角ゴ Pro W3" charset="0"/>
+              <a:cs typeface="ヒラギノ角ゴ Pro W3"/>
+            </a:endParaRPr>
+          </a:p>
+        </p:txBody>
+      </p:sp>
+    </p:spTree>
+  </p:cSld>
+  <p:clrMapOvr>
+    <a:masterClrMapping/>
+  </p:clrMapOvr>
+</p:sld>
+</file>
+
+<file path=ppt/slides/slide29.xml><?xml version="1.0" encoding="utf-8"?>
+<p:sld xmlns:a="http://schemas.openxmlformats.org/drawingml/2006/main" xmlns:r="http://schemas.openxmlformats.org/officeDocument/2006/relationships" xmlns:p="http://schemas.openxmlformats.org/presentationml/2006/main">
+  <p:cSld>
+    <p:spTree>
+      <p:nvGrpSpPr>
+        <p:cNvPr id="1" name=""/>
+        <p:cNvGrpSpPr/>
+        <p:nvPr/>
+      </p:nvGrpSpPr>
+      <p:grpSpPr>
+        <a:xfrm>
+          <a:off x="0" y="0"/>
+          <a:ext cx="0" cy="0"/>
+          <a:chOff x="0" y="0"/>
+          <a:chExt cx="0" cy="0"/>
+        </a:xfrm>
+      </p:grpSpPr>
+      <p:sp>
+        <p:nvSpPr>
+          <p:cNvPr id="2" name="Title 1"/>
+          <p:cNvSpPr>
+            <a:spLocks noGrp="1"/>
+          </p:cNvSpPr>
+          <p:nvPr>
+            <p:ph type="title"/>
+          </p:nvPr>
+        </p:nvSpPr>
+        <p:spPr>
+          <a:xfrm>
+            <a:off x="416169" y="435143"/>
+            <a:ext cx="8229600" cy="480423"/>
+          </a:xfrm>
+        </p:spPr>
+        <p:txBody>
+          <a:bodyPr/>
+          <a:lstStyle/>
+          <a:p>
+            <a:pPr algn="ctr"/>
+            <a:r>
+              <a:rPr lang="en-US" sz="3200" dirty="0" smtClean="0"/>
+              <a:t>Static linking of dynamic libraries</a:t>
+            </a:r>
+            <a:endParaRPr lang="en-US" sz="3200" dirty="0"/>
+          </a:p>
+        </p:txBody>
+      </p:sp>
+      <p:sp>
+        <p:nvSpPr>
+          <p:cNvPr id="3" name="Content Placeholder 2"/>
+          <p:cNvSpPr>
+            <a:spLocks noGrp="1"/>
+          </p:cNvSpPr>
+          <p:nvPr>
+            <p:ph sz="quarter" idx="13"/>
+          </p:nvPr>
+        </p:nvSpPr>
+        <p:spPr>
+          <a:xfrm>
+            <a:off x="418120" y="1203598"/>
+            <a:ext cx="8227649" cy="2952328"/>
+          </a:xfrm>
+        </p:spPr>
+        <p:txBody>
+          <a:bodyPr/>
+          <a:lstStyle/>
+          <a:p>
+            <a:pPr lvl="1">
+              <a:buNone/>
+            </a:pPr>
+            <a:r>
+              <a:rPr lang="en-US" sz="2400" dirty="0" smtClean="0"/>
+              <a:t> </a:t>
+            </a:r>
+          </a:p>
+        </p:txBody>
+      </p:sp>
+      <p:sp>
+        <p:nvSpPr>
+          <p:cNvPr id="6" name="Footer Placeholder 5"/>
+          <p:cNvSpPr>
+            <a:spLocks noGrp="1"/>
+          </p:cNvSpPr>
+          <p:nvPr>
+            <p:ph type="ftr" sz="quarter" idx="18"/>
+          </p:nvPr>
+        </p:nvSpPr>
+        <p:spPr/>
+        <p:txBody>
+          <a:bodyPr/>
+          <a:lstStyle/>
+          <a:p>
+            <a:pPr algn="l"/>
+            <a:r>
+              <a:rPr lang="en-GB" dirty="0" smtClean="0">
+                <a:solidFill>
+                  <a:schemeClr val="bg2"/>
+                </a:solidFill>
+                <a:cs typeface="Arial" charset="0"/>
+              </a:rPr>
+              <a:t>&lt;Change information classification in footer&gt;</a:t>
+            </a:r>
+          </a:p>
+        </p:txBody>
+      </p:sp>
+      <p:sp>
+        <p:nvSpPr>
+          <p:cNvPr id="5" name="Content Placeholder 2"/>
+          <p:cNvSpPr txBox="1">
+            <a:spLocks/>
+          </p:cNvSpPr>
+          <p:nvPr/>
+        </p:nvSpPr>
+        <p:spPr bwMode="auto">
+          <a:xfrm>
+            <a:off x="570520" y="1203598"/>
+            <a:ext cx="8227649" cy="2952328"/>
+          </a:xfrm>
+          <a:prstGeom prst="rect">
+            <a:avLst/>
+          </a:prstGeom>
+          <a:noFill/>
+          <a:ln w="9525">
+            <a:noFill/>
+            <a:miter lim="800000"/>
+            <a:headEnd/>
+            <a:tailEnd/>
+          </a:ln>
+        </p:spPr>
+        <p:txBody>
+          <a:bodyPr vert="horz" wrap="square" lIns="0" tIns="0" rIns="0" bIns="0" numCol="1" anchor="t" anchorCtr="0" compatLnSpc="1">
+            <a:prstTxWarp prst="textNoShape">
+              <a:avLst/>
+            </a:prstTxWarp>
+          </a:bodyPr>
+          <a:lstStyle/>
+          <a:p>
+            <a:pPr marL="458788" marR="0" lvl="1" indent="-228600" algn="l" defTabSz="457200" rtl="0" eaLnBrk="1" fontAlgn="base" latinLnBrk="0" hangingPunct="1">
+              <a:lnSpc>
+                <a:spcPct val="100000"/>
+              </a:lnSpc>
+              <a:spcBef>
+                <a:spcPct val="0"/>
+              </a:spcBef>
+              <a:spcAft>
+                <a:spcPts val="600"/>
+              </a:spcAft>
+              <a:buClrTx/>
+              <a:buSzTx/>
+              <a:buFont typeface="Arial" pitchFamily="34" charset="0"/>
+              <a:buChar char="•"/>
+              <a:tabLst/>
+              <a:defRPr/>
+            </a:pPr>
+            <a:endParaRPr kumimoji="0" lang="en-US" sz="2400" b="0" i="0" u="none" strike="noStrike" kern="1200" cap="none" spc="0" normalizeH="0" baseline="0" noProof="0" dirty="0" smtClean="0">
+              <a:ln>
+                <a:noFill/>
+              </a:ln>
+              <a:solidFill>
+                <a:schemeClr val="bg2"/>
+              </a:solidFill>
+              <a:effectLst/>
+              <a:uLnTx/>
+              <a:uFillTx/>
+              <a:latin typeface="+mn-lt"/>
+              <a:ea typeface="ヒラギノ角ゴ Pro W3" charset="0"/>
+              <a:cs typeface="ヒラギノ角ゴ Pro W3"/>
+            </a:endParaRPr>
+          </a:p>
+        </p:txBody>
+      </p:sp>
+    </p:spTree>
+  </p:cSld>
+  <p:clrMapOvr>
+    <a:masterClrMapping/>
+  </p:clrMapOvr>
+</p:sld>
+</file>
+
+<file path=ppt/slides/slide3.xml><?xml version="1.0" encoding="utf-8"?>
+<p:sld xmlns:a="http://schemas.openxmlformats.org/drawingml/2006/main" xmlns:r="http://schemas.openxmlformats.org/officeDocument/2006/relationships" xmlns:p="http://schemas.openxmlformats.org/presentationml/2006/main">
+  <p:cSld>
+    <p:spTree>
+      <p:nvGrpSpPr>
+        <p:cNvPr id="1" name=""/>
+        <p:cNvGrpSpPr/>
+        <p:nvPr/>
+      </p:nvGrpSpPr>
+      <p:grpSpPr>
+        <a:xfrm>
+          <a:off x="0" y="0"/>
+          <a:ext cx="0" cy="0"/>
+          <a:chOff x="0" y="0"/>
+          <a:chExt cx="0" cy="0"/>
+        </a:xfrm>
+      </p:grpSpPr>
+      <p:sp>
+        <p:nvSpPr>
+          <p:cNvPr id="2" name="Title 1"/>
+          <p:cNvSpPr>
+            <a:spLocks noGrp="1"/>
+          </p:cNvSpPr>
+          <p:nvPr>
+            <p:ph type="title"/>
+          </p:nvPr>
+        </p:nvSpPr>
+        <p:spPr>
+          <a:xfrm>
+            <a:off x="416169" y="435143"/>
+            <a:ext cx="8229600" cy="480423"/>
+          </a:xfrm>
+        </p:spPr>
+        <p:txBody>
+          <a:bodyPr/>
+          <a:lstStyle/>
+          <a:p>
+            <a:pPr algn="ctr"/>
+            <a:r>
+              <a:rPr lang="en-US" sz="3200" dirty="0" smtClean="0"/>
+              <a:t>Preprocessing</a:t>
+            </a:r>
+            <a:endParaRPr lang="en-US" sz="3200" dirty="0"/>
+          </a:p>
+        </p:txBody>
+      </p:sp>
+      <p:sp>
+        <p:nvSpPr>
+          <p:cNvPr id="3" name="Content Placeholder 2"/>
+          <p:cNvSpPr>
+            <a:spLocks noGrp="1"/>
+          </p:cNvSpPr>
+          <p:nvPr>
+            <p:ph sz="quarter" idx="13"/>
+          </p:nvPr>
+        </p:nvSpPr>
+        <p:spPr>
+          <a:xfrm>
+            <a:off x="418120" y="1347614"/>
+            <a:ext cx="8227649" cy="2952328"/>
+          </a:xfrm>
+        </p:spPr>
+        <p:txBody>
+          <a:bodyPr/>
+          <a:lstStyle/>
+          <a:p>
+            <a:pPr lvl="1">
+              <a:buNone/>
+            </a:pPr>
+            <a:r>
+              <a:rPr lang="en-US" sz="2400" dirty="0" smtClean="0"/>
+              <a:t> </a:t>
+            </a:r>
+          </a:p>
+        </p:txBody>
+      </p:sp>
+      <p:sp>
+        <p:nvSpPr>
+          <p:cNvPr id="6" name="Footer Placeholder 5"/>
+          <p:cNvSpPr>
+            <a:spLocks noGrp="1"/>
+          </p:cNvSpPr>
+          <p:nvPr>
+            <p:ph type="ftr" sz="quarter" idx="18"/>
+          </p:nvPr>
+        </p:nvSpPr>
+        <p:spPr/>
+        <p:txBody>
+          <a:bodyPr/>
+          <a:lstStyle/>
+          <a:p>
+            <a:pPr algn="l"/>
+            <a:r>
+              <a:rPr lang="en-GB" dirty="0" smtClean="0">
+                <a:solidFill>
+                  <a:schemeClr val="bg2"/>
+                </a:solidFill>
+                <a:cs typeface="Arial" charset="0"/>
+              </a:rPr>
+              <a:t>&lt;Change information classification in footer&gt;</a:t>
+            </a:r>
+          </a:p>
+        </p:txBody>
+      </p:sp>
+      <p:sp>
+        <p:nvSpPr>
+          <p:cNvPr id="5" name="Content Placeholder 2"/>
+          <p:cNvSpPr txBox="1">
+            <a:spLocks/>
+          </p:cNvSpPr>
+          <p:nvPr/>
+        </p:nvSpPr>
+        <p:spPr bwMode="auto">
+          <a:xfrm>
+            <a:off x="642528" y="1779662"/>
+            <a:ext cx="3497424" cy="2376264"/>
+          </a:xfrm>
+          <a:prstGeom prst="rect">
+            <a:avLst/>
+          </a:prstGeom>
+          <a:noFill/>
+          <a:ln w="9525">
+            <a:noFill/>
+            <a:miter lim="800000"/>
+            <a:headEnd/>
+            <a:tailEnd/>
+          </a:ln>
+        </p:spPr>
+        <p:txBody>
+          <a:bodyPr vert="horz" wrap="square" lIns="0" tIns="0" rIns="0" bIns="0" numCol="1" anchor="t" anchorCtr="0" compatLnSpc="1">
+            <a:prstTxWarp prst="textNoShape">
+              <a:avLst/>
+            </a:prstTxWarp>
+          </a:bodyPr>
+          <a:lstStyle/>
+          <a:p>
+            <a:pPr marL="458788" lvl="1" indent="-228600">
+              <a:spcAft>
+                <a:spcPts val="0"/>
+              </a:spcAft>
+              <a:defRPr/>
+            </a:pPr>
+            <a:r>
+              <a:rPr lang="en-US" sz="1400" dirty="0" smtClean="0">
+                <a:solidFill>
+                  <a:schemeClr val="bg2"/>
+                </a:solidFill>
+                <a:latin typeface="Consolas" pitchFamily="49" charset="0"/>
+                <a:ea typeface="ヒラギノ角ゴ Pro W3" charset="0"/>
+                <a:cs typeface="Consolas" pitchFamily="49" charset="0"/>
+              </a:rPr>
+              <a:t>// A.cpp</a:t>
+            </a:r>
+          </a:p>
+          <a:p>
+            <a:pPr marL="458788" lvl="1" indent="-228600">
+              <a:spcAft>
+                <a:spcPts val="0"/>
+              </a:spcAft>
+              <a:defRPr/>
+            </a:pPr>
+            <a:endParaRPr lang="en-US" sz="1400" dirty="0" smtClean="0">
+              <a:solidFill>
+                <a:schemeClr val="bg2"/>
+              </a:solidFill>
+              <a:latin typeface="Consolas" pitchFamily="49" charset="0"/>
+              <a:ea typeface="ヒラギノ角ゴ Pro W3" charset="0"/>
+              <a:cs typeface="Consolas" pitchFamily="49" charset="0"/>
+            </a:endParaRPr>
+          </a:p>
+          <a:p>
+            <a:pPr marL="458788" lvl="1" indent="-228600">
+              <a:spcAft>
+                <a:spcPts val="0"/>
+              </a:spcAft>
+              <a:defRPr/>
+            </a:pPr>
+            <a:r>
+              <a:rPr lang="en-US" sz="1400" dirty="0" smtClean="0">
+                <a:solidFill>
+                  <a:schemeClr val="bg2"/>
+                </a:solidFill>
+                <a:latin typeface="Consolas" pitchFamily="49" charset="0"/>
+                <a:ea typeface="ヒラギノ角ゴ Pro W3" charset="0"/>
+                <a:cs typeface="Consolas" pitchFamily="49" charset="0"/>
+              </a:rPr>
+              <a:t>#define UNUSED_VAR(x) (void)x</a:t>
+            </a:r>
+          </a:p>
+          <a:p>
+            <a:pPr marL="458788" lvl="1" indent="-228600">
+              <a:spcAft>
+                <a:spcPts val="0"/>
+              </a:spcAft>
+              <a:defRPr/>
+            </a:pPr>
+            <a:endParaRPr lang="en-US" sz="1400" dirty="0" smtClean="0">
+              <a:solidFill>
+                <a:schemeClr val="bg2"/>
+              </a:solidFill>
+              <a:latin typeface="Consolas" pitchFamily="49" charset="0"/>
+              <a:ea typeface="ヒラギノ角ゴ Pro W3" charset="0"/>
+              <a:cs typeface="Consolas" pitchFamily="49" charset="0"/>
+            </a:endParaRPr>
+          </a:p>
+          <a:p>
+            <a:pPr marL="458788" lvl="1" indent="-228600">
+              <a:spcAft>
+                <a:spcPts val="0"/>
+              </a:spcAft>
+              <a:defRPr/>
+            </a:pPr>
+            <a:r>
+              <a:rPr lang="en-US" sz="1400" dirty="0" smtClean="0">
+                <a:solidFill>
+                  <a:schemeClr val="bg2"/>
+                </a:solidFill>
+                <a:latin typeface="Consolas" pitchFamily="49" charset="0"/>
+                <a:ea typeface="ヒラギノ角ゴ Pro W3" charset="0"/>
+                <a:cs typeface="Consolas" pitchFamily="49" charset="0"/>
+              </a:rPr>
+              <a:t>void A()</a:t>
+            </a:r>
+          </a:p>
+          <a:p>
+            <a:pPr marL="458788" lvl="1" indent="-228600">
+              <a:spcAft>
+                <a:spcPts val="0"/>
+              </a:spcAft>
+              <a:defRPr/>
+            </a:pPr>
+            <a:r>
+              <a:rPr lang="en-US" sz="1400" dirty="0" smtClean="0">
+                <a:solidFill>
+                  <a:schemeClr val="bg2"/>
+                </a:solidFill>
+                <a:latin typeface="Consolas" pitchFamily="49" charset="0"/>
+                <a:ea typeface="ヒラギノ角ゴ Pro W3" charset="0"/>
+                <a:cs typeface="Consolas" pitchFamily="49" charset="0"/>
+              </a:rPr>
+              <a:t>{</a:t>
+            </a:r>
+          </a:p>
+          <a:p>
+            <a:pPr marL="458788" lvl="1" indent="-228600">
+              <a:spcAft>
+                <a:spcPts val="0"/>
+              </a:spcAft>
+              <a:defRPr/>
+            </a:pPr>
+            <a:r>
+              <a:rPr lang="en-US" sz="1400" dirty="0" smtClean="0">
+                <a:solidFill>
+                  <a:schemeClr val="bg2"/>
+                </a:solidFill>
+                <a:latin typeface="Consolas" pitchFamily="49" charset="0"/>
+                <a:ea typeface="ヒラギノ角ゴ Pro W3" charset="0"/>
+                <a:cs typeface="Consolas" pitchFamily="49" charset="0"/>
+              </a:rPr>
+              <a:t>    </a:t>
+            </a:r>
+            <a:r>
+              <a:rPr lang="en-US" sz="1400" dirty="0" err="1" smtClean="0">
+                <a:solidFill>
+                  <a:schemeClr val="bg2"/>
+                </a:solidFill>
+                <a:latin typeface="Consolas" pitchFamily="49" charset="0"/>
+                <a:ea typeface="ヒラギノ角ゴ Pro W3" charset="0"/>
+                <a:cs typeface="Consolas" pitchFamily="49" charset="0"/>
+              </a:rPr>
+              <a:t>int</a:t>
+            </a:r>
+            <a:r>
+              <a:rPr lang="en-US" sz="1400" dirty="0" smtClean="0">
+                <a:solidFill>
+                  <a:schemeClr val="bg2"/>
+                </a:solidFill>
+                <a:latin typeface="Consolas" pitchFamily="49" charset="0"/>
+                <a:ea typeface="ヒラギノ角ゴ Pro W3" charset="0"/>
+                <a:cs typeface="Consolas" pitchFamily="49" charset="0"/>
+              </a:rPr>
+              <a:t> a;</a:t>
+            </a:r>
+          </a:p>
+          <a:p>
+            <a:pPr marL="458788" lvl="1" indent="-228600">
+              <a:spcAft>
+                <a:spcPts val="0"/>
+              </a:spcAft>
+              <a:defRPr/>
+            </a:pPr>
+            <a:r>
+              <a:rPr lang="en-US" sz="1400" dirty="0" smtClean="0">
+                <a:solidFill>
+                  <a:schemeClr val="bg2"/>
+                </a:solidFill>
+                <a:latin typeface="Consolas" pitchFamily="49" charset="0"/>
+                <a:ea typeface="ヒラギノ角ゴ Pro W3" charset="0"/>
+                <a:cs typeface="Consolas" pitchFamily="49" charset="0"/>
+              </a:rPr>
+              <a:t>    UNUSED_VAR(a);</a:t>
+            </a:r>
+          </a:p>
+          <a:p>
+            <a:pPr marL="458788" lvl="1" indent="-228600">
+              <a:spcAft>
+                <a:spcPts val="0"/>
+              </a:spcAft>
+              <a:defRPr/>
+            </a:pPr>
+            <a:r>
+              <a:rPr lang="en-US" sz="1400" dirty="0" smtClean="0">
+                <a:solidFill>
+                  <a:schemeClr val="bg2"/>
+                </a:solidFill>
+                <a:latin typeface="Consolas" pitchFamily="49" charset="0"/>
+                <a:ea typeface="ヒラギノ角ゴ Pro W3" charset="0"/>
+                <a:cs typeface="Consolas" pitchFamily="49" charset="0"/>
+              </a:rPr>
+              <a:t>}</a:t>
+            </a:r>
+          </a:p>
+          <a:p>
+            <a:pPr marL="458788" lvl="1" indent="-228600">
+              <a:spcAft>
+                <a:spcPts val="0"/>
+              </a:spcAft>
+              <a:defRPr/>
+            </a:pPr>
+            <a:endParaRPr lang="en-US" sz="1200" dirty="0" smtClean="0">
+              <a:solidFill>
+                <a:schemeClr val="bg2"/>
+              </a:solidFill>
+              <a:latin typeface="Consolas" pitchFamily="49" charset="0"/>
+              <a:ea typeface="ヒラギノ角ゴ Pro W3" charset="0"/>
+              <a:cs typeface="Consolas" pitchFamily="49" charset="0"/>
+            </a:endParaRPr>
+          </a:p>
+        </p:txBody>
+      </p:sp>
+      <p:sp>
+        <p:nvSpPr>
+          <p:cNvPr id="7" name="Rectangle 6"/>
+          <p:cNvSpPr/>
+          <p:nvPr/>
+        </p:nvSpPr>
+        <p:spPr>
+          <a:xfrm>
+            <a:off x="570520" y="968410"/>
+            <a:ext cx="1579278" cy="523220"/>
+          </a:xfrm>
+          <a:prstGeom prst="rect">
+            <a:avLst/>
+          </a:prstGeom>
+        </p:spPr>
+        <p:txBody>
+          <a:bodyPr wrap="none">
+            <a:spAutoFit/>
+          </a:bodyPr>
+          <a:lstStyle/>
+          <a:p>
+            <a:pPr lvl="1">
+              <a:buNone/>
+            </a:pPr>
+            <a:r>
+              <a:rPr lang="en-US" sz="2800" u="sng" dirty="0" smtClean="0">
+                <a:solidFill>
+                  <a:schemeClr val="bg2"/>
+                </a:solidFill>
+                <a:latin typeface="+mn-lt"/>
+                <a:ea typeface="ヒラギノ角ゴ Pro W3" charset="0"/>
+              </a:rPr>
+              <a:t>Input:</a:t>
+            </a:r>
+          </a:p>
+        </p:txBody>
+      </p:sp>
+      <p:sp>
+        <p:nvSpPr>
+          <p:cNvPr id="8" name="Rectangle 7"/>
+          <p:cNvSpPr/>
+          <p:nvPr/>
+        </p:nvSpPr>
+        <p:spPr>
+          <a:xfrm>
+            <a:off x="5184576" y="1779662"/>
+            <a:ext cx="4572000" cy="1600438"/>
+          </a:xfrm>
+          <a:prstGeom prst="rect">
+            <a:avLst/>
+          </a:prstGeom>
+        </p:spPr>
+        <p:txBody>
+          <a:bodyPr wrap="square">
+            <a:spAutoFit/>
+          </a:bodyPr>
+          <a:lstStyle/>
+          <a:p>
+            <a:pPr marL="458788" lvl="1" indent="-228600">
+              <a:spcAft>
+                <a:spcPts val="0"/>
+              </a:spcAft>
+              <a:defRPr/>
+            </a:pPr>
+            <a:r>
+              <a:rPr lang="en-US" sz="1400" dirty="0" smtClean="0">
+                <a:solidFill>
+                  <a:schemeClr val="bg2"/>
+                </a:solidFill>
+                <a:latin typeface="Consolas" pitchFamily="49" charset="0"/>
+                <a:ea typeface="ヒラギノ角ゴ Pro W3" charset="0"/>
+                <a:cs typeface="Consolas" pitchFamily="49" charset="0"/>
+              </a:rPr>
+              <a:t>$ g++ -E -P A.cpp</a:t>
+            </a:r>
+          </a:p>
+          <a:p>
+            <a:pPr marL="458788" lvl="1" indent="-228600">
+              <a:spcAft>
+                <a:spcPts val="0"/>
+              </a:spcAft>
+              <a:defRPr/>
+            </a:pPr>
+            <a:r>
+              <a:rPr lang="en-US" sz="1400" dirty="0" smtClean="0">
+                <a:solidFill>
+                  <a:schemeClr val="bg2"/>
+                </a:solidFill>
+                <a:latin typeface="Consolas" pitchFamily="49" charset="0"/>
+                <a:ea typeface="ヒラギノ角ゴ Pro W3" charset="0"/>
+                <a:cs typeface="Consolas" pitchFamily="49" charset="0"/>
+              </a:rPr>
+              <a:t>	</a:t>
+            </a:r>
+          </a:p>
+          <a:p>
+            <a:pPr marL="458788" lvl="1" indent="-228600">
+              <a:spcAft>
+                <a:spcPts val="0"/>
+              </a:spcAft>
+              <a:defRPr/>
+            </a:pPr>
+            <a:r>
+              <a:rPr lang="en-US" sz="1400" dirty="0" smtClean="0">
+                <a:solidFill>
+                  <a:schemeClr val="bg2"/>
+                </a:solidFill>
+                <a:latin typeface="Consolas" pitchFamily="49" charset="0"/>
+                <a:ea typeface="ヒラギノ角ゴ Pro W3" charset="0"/>
+                <a:cs typeface="Consolas" pitchFamily="49" charset="0"/>
+              </a:rPr>
+              <a:t>void A()</a:t>
+            </a:r>
+          </a:p>
+          <a:p>
+            <a:pPr marL="458788" lvl="1" indent="-228600">
+              <a:spcAft>
+                <a:spcPts val="0"/>
+              </a:spcAft>
+              <a:defRPr/>
+            </a:pPr>
+            <a:r>
+              <a:rPr lang="en-US" sz="1400" dirty="0" smtClean="0">
+                <a:solidFill>
+                  <a:schemeClr val="bg2"/>
+                </a:solidFill>
+                <a:latin typeface="Consolas" pitchFamily="49" charset="0"/>
+                <a:ea typeface="ヒラギノ角ゴ Pro W3" charset="0"/>
+                <a:cs typeface="Consolas" pitchFamily="49" charset="0"/>
+              </a:rPr>
+              <a:t>{</a:t>
+            </a:r>
+          </a:p>
+          <a:p>
+            <a:pPr marL="458788" lvl="1" indent="-228600">
+              <a:spcAft>
+                <a:spcPts val="0"/>
+              </a:spcAft>
+              <a:defRPr/>
+            </a:pPr>
+            <a:r>
+              <a:rPr lang="en-US" sz="1400" dirty="0" smtClean="0">
+                <a:solidFill>
+                  <a:schemeClr val="bg2"/>
+                </a:solidFill>
+                <a:latin typeface="Consolas" pitchFamily="49" charset="0"/>
+                <a:ea typeface="ヒラギノ角ゴ Pro W3" charset="0"/>
+                <a:cs typeface="Consolas" pitchFamily="49" charset="0"/>
+              </a:rPr>
+              <a:t>    </a:t>
+            </a:r>
+            <a:r>
+              <a:rPr lang="en-US" sz="1400" dirty="0" err="1" smtClean="0">
+                <a:solidFill>
+                  <a:schemeClr val="bg2"/>
+                </a:solidFill>
+                <a:latin typeface="Consolas" pitchFamily="49" charset="0"/>
+                <a:ea typeface="ヒラギノ角ゴ Pro W3" charset="0"/>
+                <a:cs typeface="Consolas" pitchFamily="49" charset="0"/>
+              </a:rPr>
+              <a:t>int</a:t>
+            </a:r>
+            <a:r>
+              <a:rPr lang="en-US" sz="1400" dirty="0" smtClean="0">
+                <a:solidFill>
+                  <a:schemeClr val="bg2"/>
+                </a:solidFill>
+                <a:latin typeface="Consolas" pitchFamily="49" charset="0"/>
+                <a:ea typeface="ヒラギノ角ゴ Pro W3" charset="0"/>
+                <a:cs typeface="Consolas" pitchFamily="49" charset="0"/>
+              </a:rPr>
+              <a:t> a;</a:t>
+            </a:r>
+          </a:p>
+          <a:p>
+            <a:pPr marL="458788" lvl="1" indent="-228600">
+              <a:spcAft>
+                <a:spcPts val="0"/>
+              </a:spcAft>
+              <a:defRPr/>
+            </a:pPr>
+            <a:r>
+              <a:rPr lang="en-US" sz="1400" dirty="0" smtClean="0">
+                <a:solidFill>
+                  <a:schemeClr val="bg2"/>
+                </a:solidFill>
+                <a:latin typeface="Consolas" pitchFamily="49" charset="0"/>
+                <a:ea typeface="ヒラギノ角ゴ Pro W3" charset="0"/>
+                <a:cs typeface="Consolas" pitchFamily="49" charset="0"/>
+              </a:rPr>
+              <a:t>    (void)a;</a:t>
+            </a:r>
+          </a:p>
+          <a:p>
+            <a:pPr marL="458788" lvl="1" indent="-228600">
+              <a:spcAft>
+                <a:spcPts val="0"/>
+              </a:spcAft>
+              <a:defRPr/>
+            </a:pPr>
+            <a:r>
+              <a:rPr lang="en-US" sz="1400" dirty="0" smtClean="0">
+                <a:solidFill>
+                  <a:schemeClr val="bg2"/>
+                </a:solidFill>
+                <a:latin typeface="Consolas" pitchFamily="49" charset="0"/>
+                <a:ea typeface="ヒラギノ角ゴ Pro W3" charset="0"/>
+                <a:cs typeface="Consolas" pitchFamily="49" charset="0"/>
+              </a:rPr>
+              <a:t>}</a:t>
+            </a:r>
+          </a:p>
+        </p:txBody>
+      </p:sp>
+      <p:sp>
+        <p:nvSpPr>
+          <p:cNvPr id="9" name="Rectangle 8"/>
+          <p:cNvSpPr/>
+          <p:nvPr/>
+        </p:nvSpPr>
+        <p:spPr>
+          <a:xfrm>
+            <a:off x="5411631" y="1040418"/>
+            <a:ext cx="1896673" cy="523220"/>
+          </a:xfrm>
+          <a:prstGeom prst="rect">
+            <a:avLst/>
+          </a:prstGeom>
+        </p:spPr>
+        <p:txBody>
+          <a:bodyPr wrap="none">
+            <a:spAutoFit/>
+          </a:bodyPr>
+          <a:lstStyle/>
+          <a:p>
+            <a:pPr lvl="1">
+              <a:buNone/>
+            </a:pPr>
+            <a:r>
+              <a:rPr lang="en-US" sz="2800" u="sng" dirty="0" smtClean="0">
+                <a:solidFill>
+                  <a:schemeClr val="bg2"/>
+                </a:solidFill>
+                <a:latin typeface="+mn-lt"/>
+                <a:ea typeface="ヒラギノ角ゴ Pro W3" charset="0"/>
+              </a:rPr>
+              <a:t>Output:</a:t>
+            </a:r>
+          </a:p>
+        </p:txBody>
+      </p:sp>
+    </p:spTree>
+  </p:cSld>
+  <p:clrMapOvr>
+    <a:masterClrMapping/>
+  </p:clrMapOvr>
+</p:sld>
+</file>
+
+<file path=ppt/slides/slide30.xml><?xml version="1.0" encoding="utf-8"?>
+<p:sld xmlns:a="http://schemas.openxmlformats.org/drawingml/2006/main" xmlns:r="http://schemas.openxmlformats.org/officeDocument/2006/relationships" xmlns:p="http://schemas.openxmlformats.org/presentationml/2006/main">
+  <p:cSld>
+    <p:spTree>
+      <p:nvGrpSpPr>
+        <p:cNvPr id="1" name=""/>
+        <p:cNvGrpSpPr/>
+        <p:nvPr/>
+      </p:nvGrpSpPr>
+      <p:grpSpPr>
+        <a:xfrm>
+          <a:off x="0" y="0"/>
+          <a:ext cx="0" cy="0"/>
+          <a:chOff x="0" y="0"/>
+          <a:chExt cx="0" cy="0"/>
+        </a:xfrm>
+      </p:grpSpPr>
+      <p:sp>
+        <p:nvSpPr>
+          <p:cNvPr id="2" name="Title 1"/>
+          <p:cNvSpPr>
+            <a:spLocks noGrp="1"/>
+          </p:cNvSpPr>
+          <p:nvPr>
+            <p:ph type="title"/>
+          </p:nvPr>
+        </p:nvSpPr>
+        <p:spPr>
+          <a:xfrm>
+            <a:off x="416169" y="435143"/>
+            <a:ext cx="8229600" cy="480423"/>
+          </a:xfrm>
+        </p:spPr>
+        <p:txBody>
+          <a:bodyPr/>
+          <a:lstStyle/>
+          <a:p>
+            <a:pPr algn="ctr"/>
+            <a:r>
+              <a:rPr lang="en-US" sz="3200" dirty="0" smtClean="0"/>
+              <a:t>Static member mess up</a:t>
+            </a:r>
+            <a:endParaRPr lang="en-US" sz="3200" dirty="0"/>
+          </a:p>
+        </p:txBody>
+      </p:sp>
+      <p:sp>
+        <p:nvSpPr>
+          <p:cNvPr id="3" name="Content Placeholder 2"/>
+          <p:cNvSpPr>
+            <a:spLocks noGrp="1"/>
+          </p:cNvSpPr>
+          <p:nvPr>
+            <p:ph sz="quarter" idx="13"/>
+          </p:nvPr>
+        </p:nvSpPr>
+        <p:spPr>
+          <a:xfrm>
+            <a:off x="418120" y="1203598"/>
+            <a:ext cx="8227649" cy="2952328"/>
+          </a:xfrm>
+        </p:spPr>
+        <p:txBody>
+          <a:bodyPr/>
+          <a:lstStyle/>
+          <a:p>
+            <a:pPr lvl="1">
+              <a:buNone/>
+            </a:pPr>
+            <a:r>
+              <a:rPr lang="en-US" sz="2400" dirty="0" smtClean="0"/>
+              <a:t> </a:t>
+            </a:r>
+          </a:p>
+        </p:txBody>
+      </p:sp>
+      <p:sp>
+        <p:nvSpPr>
+          <p:cNvPr id="6" name="Footer Placeholder 5"/>
+          <p:cNvSpPr>
+            <a:spLocks noGrp="1"/>
+          </p:cNvSpPr>
+          <p:nvPr>
+            <p:ph type="ftr" sz="quarter" idx="18"/>
+          </p:nvPr>
+        </p:nvSpPr>
+        <p:spPr/>
+        <p:txBody>
+          <a:bodyPr/>
+          <a:lstStyle/>
+          <a:p>
+            <a:pPr algn="l"/>
+            <a:r>
+              <a:rPr lang="en-GB" dirty="0" smtClean="0">
+                <a:solidFill>
+                  <a:schemeClr val="bg2"/>
+                </a:solidFill>
+                <a:cs typeface="Arial" charset="0"/>
+              </a:rPr>
+              <a:t>&lt;Change information classification in footer&gt;</a:t>
+            </a:r>
+          </a:p>
+        </p:txBody>
+      </p:sp>
+      <p:sp>
+        <p:nvSpPr>
+          <p:cNvPr id="5" name="Content Placeholder 2"/>
+          <p:cNvSpPr txBox="1">
+            <a:spLocks/>
+          </p:cNvSpPr>
+          <p:nvPr/>
+        </p:nvSpPr>
+        <p:spPr bwMode="auto">
+          <a:xfrm>
+            <a:off x="570520" y="1203598"/>
+            <a:ext cx="8227649" cy="2952328"/>
+          </a:xfrm>
+          <a:prstGeom prst="rect">
+            <a:avLst/>
+          </a:prstGeom>
+          <a:noFill/>
+          <a:ln w="9525">
+            <a:noFill/>
+            <a:miter lim="800000"/>
+            <a:headEnd/>
+            <a:tailEnd/>
+          </a:ln>
+        </p:spPr>
+        <p:txBody>
+          <a:bodyPr vert="horz" wrap="square" lIns="0" tIns="0" rIns="0" bIns="0" numCol="1" anchor="t" anchorCtr="0" compatLnSpc="1">
+            <a:prstTxWarp prst="textNoShape">
+              <a:avLst/>
+            </a:prstTxWarp>
+          </a:bodyPr>
+          <a:lstStyle/>
+          <a:p>
+            <a:pPr marL="458788" marR="0" lvl="1" indent="-228600" algn="l" defTabSz="457200" rtl="0" eaLnBrk="1" fontAlgn="base" latinLnBrk="0" hangingPunct="1">
+              <a:lnSpc>
+                <a:spcPct val="100000"/>
+              </a:lnSpc>
+              <a:spcBef>
+                <a:spcPct val="0"/>
+              </a:spcBef>
+              <a:spcAft>
+                <a:spcPts val="600"/>
+              </a:spcAft>
+              <a:buClrTx/>
+              <a:buSzTx/>
+              <a:buFont typeface="Arial" pitchFamily="34" charset="0"/>
+              <a:buChar char="•"/>
+              <a:tabLst/>
+              <a:defRPr/>
+            </a:pPr>
+            <a:endParaRPr kumimoji="0" lang="en-US" sz="2400" b="0" i="0" u="none" strike="noStrike" kern="1200" cap="none" spc="0" normalizeH="0" baseline="0" noProof="0" dirty="0" smtClean="0">
+              <a:ln>
+                <a:noFill/>
+              </a:ln>
+              <a:solidFill>
+                <a:schemeClr val="bg2"/>
+              </a:solidFill>
+              <a:effectLst/>
+              <a:uLnTx/>
+              <a:uFillTx/>
+              <a:latin typeface="+mn-lt"/>
+              <a:ea typeface="ヒラギノ角ゴ Pro W3" charset="0"/>
+              <a:cs typeface="ヒラギノ角ゴ Pro W3"/>
+            </a:endParaRPr>
+          </a:p>
+        </p:txBody>
+      </p:sp>
+    </p:spTree>
+  </p:cSld>
+  <p:clrMapOvr>
+    <a:masterClrMapping/>
+  </p:clrMapOvr>
+</p:sld>
+</file>
+
+<file path=ppt/slides/slide31.xml><?xml version="1.0" encoding="utf-8"?>
+<p:sld xmlns:a="http://schemas.openxmlformats.org/drawingml/2006/main" xmlns:r="http://schemas.openxmlformats.org/officeDocument/2006/relationships" xmlns:p="http://schemas.openxmlformats.org/presentationml/2006/main">
+  <p:cSld>
+    <p:spTree>
+      <p:nvGrpSpPr>
+        <p:cNvPr id="1" name=""/>
+        <p:cNvGrpSpPr/>
+        <p:nvPr/>
+      </p:nvGrpSpPr>
+      <p:grpSpPr>
+        <a:xfrm>
+          <a:off x="0" y="0"/>
+          <a:ext cx="0" cy="0"/>
+          <a:chOff x="0" y="0"/>
+          <a:chExt cx="0" cy="0"/>
+        </a:xfrm>
+      </p:grpSpPr>
+      <p:sp>
+        <p:nvSpPr>
+          <p:cNvPr id="2" name="Title 1"/>
+          <p:cNvSpPr>
+            <a:spLocks noGrp="1"/>
+          </p:cNvSpPr>
+          <p:nvPr>
+            <p:ph type="title"/>
+          </p:nvPr>
+        </p:nvSpPr>
+        <p:spPr>
+          <a:xfrm>
+            <a:off x="416169" y="435143"/>
+            <a:ext cx="8229600" cy="480423"/>
+          </a:xfrm>
+        </p:spPr>
+        <p:txBody>
+          <a:bodyPr/>
+          <a:lstStyle/>
+          <a:p>
+            <a:pPr algn="ctr"/>
+            <a:r>
+              <a:rPr lang="en-US" sz="3200" dirty="0" smtClean="0"/>
+              <a:t>My preferable project structure</a:t>
+            </a:r>
+            <a:endParaRPr lang="en-US" sz="3200" dirty="0"/>
+          </a:p>
+        </p:txBody>
+      </p:sp>
+      <p:sp>
+        <p:nvSpPr>
+          <p:cNvPr id="3" name="Content Placeholder 2"/>
+          <p:cNvSpPr>
+            <a:spLocks noGrp="1"/>
+          </p:cNvSpPr>
+          <p:nvPr>
+            <p:ph sz="quarter" idx="13"/>
+          </p:nvPr>
+        </p:nvSpPr>
+        <p:spPr>
+          <a:xfrm>
+            <a:off x="418120" y="1203598"/>
+            <a:ext cx="8227649" cy="2952328"/>
+          </a:xfrm>
+        </p:spPr>
+        <p:txBody>
+          <a:bodyPr/>
+          <a:lstStyle/>
+          <a:p>
+            <a:pPr lvl="1">
+              <a:buNone/>
+            </a:pPr>
+            <a:r>
+              <a:rPr lang="en-US" sz="2400" dirty="0" smtClean="0"/>
+              <a:t> </a:t>
+            </a:r>
+          </a:p>
+        </p:txBody>
+      </p:sp>
+      <p:sp>
+        <p:nvSpPr>
+          <p:cNvPr id="6" name="Footer Placeholder 5"/>
+          <p:cNvSpPr>
+            <a:spLocks noGrp="1"/>
+          </p:cNvSpPr>
+          <p:nvPr>
+            <p:ph type="ftr" sz="quarter" idx="18"/>
+          </p:nvPr>
+        </p:nvSpPr>
+        <p:spPr/>
+        <p:txBody>
+          <a:bodyPr/>
+          <a:lstStyle/>
+          <a:p>
+            <a:pPr algn="l"/>
+            <a:r>
+              <a:rPr lang="en-GB" dirty="0" smtClean="0">
+                <a:solidFill>
+                  <a:schemeClr val="bg2"/>
+                </a:solidFill>
+                <a:cs typeface="Arial" charset="0"/>
+              </a:rPr>
+              <a:t>&lt;Change information classification in footer&gt;</a:t>
+            </a:r>
+          </a:p>
+        </p:txBody>
+      </p:sp>
+      <p:sp>
+        <p:nvSpPr>
+          <p:cNvPr id="5" name="Content Placeholder 2"/>
+          <p:cNvSpPr txBox="1">
+            <a:spLocks/>
+          </p:cNvSpPr>
+          <p:nvPr/>
+        </p:nvSpPr>
+        <p:spPr bwMode="auto">
+          <a:xfrm>
+            <a:off x="570520" y="1203598"/>
+            <a:ext cx="8227649" cy="2952328"/>
+          </a:xfrm>
+          <a:prstGeom prst="rect">
+            <a:avLst/>
+          </a:prstGeom>
+          <a:noFill/>
+          <a:ln w="9525">
+            <a:noFill/>
+            <a:miter lim="800000"/>
+            <a:headEnd/>
+            <a:tailEnd/>
+          </a:ln>
+        </p:spPr>
+        <p:txBody>
+          <a:bodyPr vert="horz" wrap="square" lIns="0" tIns="0" rIns="0" bIns="0" numCol="1" anchor="t" anchorCtr="0" compatLnSpc="1">
+            <a:prstTxWarp prst="textNoShape">
+              <a:avLst/>
+            </a:prstTxWarp>
+          </a:bodyPr>
+          <a:lstStyle/>
+          <a:p>
+            <a:pPr marL="458788" marR="0" lvl="1" indent="-228600" algn="l" defTabSz="457200" rtl="0" eaLnBrk="1" fontAlgn="base" latinLnBrk="0" hangingPunct="1">
+              <a:lnSpc>
+                <a:spcPct val="100000"/>
+              </a:lnSpc>
+              <a:spcBef>
+                <a:spcPct val="0"/>
+              </a:spcBef>
+              <a:spcAft>
+                <a:spcPts val="600"/>
+              </a:spcAft>
+              <a:buClrTx/>
+              <a:buSzTx/>
+              <a:buFont typeface="Arial" pitchFamily="34" charset="0"/>
+              <a:buChar char="•"/>
+              <a:tabLst/>
+              <a:defRPr/>
+            </a:pPr>
+            <a:endParaRPr kumimoji="0" lang="en-US" sz="2400" b="0" i="0" u="none" strike="noStrike" kern="1200" cap="none" spc="0" normalizeH="0" baseline="0" noProof="0" dirty="0" smtClean="0">
+              <a:ln>
+                <a:noFill/>
+              </a:ln>
+              <a:solidFill>
+                <a:schemeClr val="bg2"/>
+              </a:solidFill>
+              <a:effectLst/>
+              <a:uLnTx/>
+              <a:uFillTx/>
+              <a:latin typeface="+mn-lt"/>
+              <a:ea typeface="ヒラギノ角ゴ Pro W3" charset="0"/>
+              <a:cs typeface="ヒラギノ角ゴ Pro W3"/>
+            </a:endParaRPr>
+          </a:p>
+        </p:txBody>
+      </p:sp>
+    </p:spTree>
+  </p:cSld>
+  <p:clrMapOvr>
+    <a:masterClrMapping/>
+  </p:clrMapOvr>
+</p:sld>
+</file>
+
+<file path=ppt/slides/slide32.xml><?xml version="1.0" encoding="utf-8"?>
 <p:sld xmlns:a="http://schemas.openxmlformats.org/drawingml/2006/main" xmlns:r="http://schemas.openxmlformats.org/officeDocument/2006/relationships" xmlns:p="http://schemas.openxmlformats.org/presentationml/2006/main">
   <p:cSld>
     <p:spTree>
@@ -16749,7 +22797,7 @@
 </p:sld>
 </file>
 
-<file path=ppt/slides/slide27.xml><?xml version="1.0" encoding="utf-8"?>
+<file path=ppt/slides/slide33.xml><?xml version="1.0" encoding="utf-8"?>
 <p:sld xmlns:a="http://schemas.openxmlformats.org/drawingml/2006/main" xmlns:r="http://schemas.openxmlformats.org/officeDocument/2006/relationships" xmlns:p="http://schemas.openxmlformats.org/presentationml/2006/main" show="0">
   <p:cSld>
     <p:spTree>
@@ -17141,605 +23189,6 @@
       </p:par>
     </p:tnLst>
   </p:timing>
-</p:sld>
-</file>
-
-<file path=ppt/slides/slide3.xml><?xml version="1.0" encoding="utf-8"?>
-<p:sld xmlns:a="http://schemas.openxmlformats.org/drawingml/2006/main" xmlns:r="http://schemas.openxmlformats.org/officeDocument/2006/relationships" xmlns:p="http://schemas.openxmlformats.org/presentationml/2006/main">
-  <p:cSld>
-    <p:spTree>
-      <p:nvGrpSpPr>
-        <p:cNvPr id="1" name=""/>
-        <p:cNvGrpSpPr/>
-        <p:nvPr/>
-      </p:nvGrpSpPr>
-      <p:grpSpPr>
-        <a:xfrm>
-          <a:off x="0" y="0"/>
-          <a:ext cx="0" cy="0"/>
-          <a:chOff x="0" y="0"/>
-          <a:chExt cx="0" cy="0"/>
-        </a:xfrm>
-      </p:grpSpPr>
-      <p:sp>
-        <p:nvSpPr>
-          <p:cNvPr id="2" name="Title 1"/>
-          <p:cNvSpPr>
-            <a:spLocks noGrp="1"/>
-          </p:cNvSpPr>
-          <p:nvPr>
-            <p:ph type="title"/>
-          </p:nvPr>
-        </p:nvSpPr>
-        <p:spPr>
-          <a:xfrm>
-            <a:off x="416169" y="435143"/>
-            <a:ext cx="8229600" cy="480423"/>
-          </a:xfrm>
-        </p:spPr>
-        <p:txBody>
-          <a:bodyPr/>
-          <a:lstStyle/>
-          <a:p>
-            <a:pPr algn="ctr"/>
-            <a:r>
-              <a:rPr lang="en-US" sz="3200" dirty="0" smtClean="0"/>
-              <a:t>Preprocessing</a:t>
-            </a:r>
-            <a:endParaRPr lang="en-US" sz="3200" dirty="0"/>
-          </a:p>
-        </p:txBody>
-      </p:sp>
-      <p:sp>
-        <p:nvSpPr>
-          <p:cNvPr id="3" name="Content Placeholder 2"/>
-          <p:cNvSpPr>
-            <a:spLocks noGrp="1"/>
-          </p:cNvSpPr>
-          <p:nvPr>
-            <p:ph sz="quarter" idx="13"/>
-          </p:nvPr>
-        </p:nvSpPr>
-        <p:spPr>
-          <a:xfrm>
-            <a:off x="418120" y="1347614"/>
-            <a:ext cx="8227649" cy="2952328"/>
-          </a:xfrm>
-        </p:spPr>
-        <p:txBody>
-          <a:bodyPr/>
-          <a:lstStyle/>
-          <a:p>
-            <a:pPr lvl="1">
-              <a:buNone/>
-            </a:pPr>
-            <a:r>
-              <a:rPr lang="en-US" sz="2400" dirty="0" smtClean="0"/>
-              <a:t> </a:t>
-            </a:r>
-          </a:p>
-        </p:txBody>
-      </p:sp>
-      <p:sp>
-        <p:nvSpPr>
-          <p:cNvPr id="6" name="Footer Placeholder 5"/>
-          <p:cNvSpPr>
-            <a:spLocks noGrp="1"/>
-          </p:cNvSpPr>
-          <p:nvPr>
-            <p:ph type="ftr" sz="quarter" idx="18"/>
-          </p:nvPr>
-        </p:nvSpPr>
-        <p:spPr/>
-        <p:txBody>
-          <a:bodyPr/>
-          <a:lstStyle/>
-          <a:p>
-            <a:pPr algn="l"/>
-            <a:r>
-              <a:rPr lang="en-GB" dirty="0" smtClean="0">
-                <a:solidFill>
-                  <a:schemeClr val="bg2"/>
-                </a:solidFill>
-                <a:cs typeface="Arial" charset="0"/>
-              </a:rPr>
-              <a:t>&lt;Change information classification in footer&gt;</a:t>
-            </a:r>
-          </a:p>
-        </p:txBody>
-      </p:sp>
-      <p:sp>
-        <p:nvSpPr>
-          <p:cNvPr id="5" name="Content Placeholder 2"/>
-          <p:cNvSpPr txBox="1">
-            <a:spLocks/>
-          </p:cNvSpPr>
-          <p:nvPr/>
-        </p:nvSpPr>
-        <p:spPr bwMode="auto">
-          <a:xfrm>
-            <a:off x="642528" y="1779662"/>
-            <a:ext cx="3497424" cy="2376264"/>
-          </a:xfrm>
-          <a:prstGeom prst="rect">
-            <a:avLst/>
-          </a:prstGeom>
-          <a:noFill/>
-          <a:ln w="9525">
-            <a:noFill/>
-            <a:miter lim="800000"/>
-            <a:headEnd/>
-            <a:tailEnd/>
-          </a:ln>
-        </p:spPr>
-        <p:txBody>
-          <a:bodyPr vert="horz" wrap="square" lIns="0" tIns="0" rIns="0" bIns="0" numCol="1" anchor="t" anchorCtr="0" compatLnSpc="1">
-            <a:prstTxWarp prst="textNoShape">
-              <a:avLst/>
-            </a:prstTxWarp>
-          </a:bodyPr>
-          <a:lstStyle/>
-          <a:p>
-            <a:pPr marL="458788" lvl="1" indent="-228600">
-              <a:spcAft>
-                <a:spcPts val="0"/>
-              </a:spcAft>
-              <a:defRPr/>
-            </a:pPr>
-            <a:r>
-              <a:rPr lang="en-US" sz="1400" dirty="0" smtClean="0">
-                <a:solidFill>
-                  <a:schemeClr val="bg2"/>
-                </a:solidFill>
-                <a:latin typeface="Consolas" pitchFamily="49" charset="0"/>
-                <a:ea typeface="ヒラギノ角ゴ Pro W3" charset="0"/>
-                <a:cs typeface="Consolas" pitchFamily="49" charset="0"/>
-              </a:rPr>
-              <a:t>// A.cpp</a:t>
-            </a:r>
-          </a:p>
-          <a:p>
-            <a:pPr marL="458788" lvl="1" indent="-228600">
-              <a:spcAft>
-                <a:spcPts val="0"/>
-              </a:spcAft>
-              <a:defRPr/>
-            </a:pPr>
-            <a:endParaRPr lang="en-US" sz="1400" dirty="0" smtClean="0">
-              <a:solidFill>
-                <a:schemeClr val="bg2"/>
-              </a:solidFill>
-              <a:latin typeface="Consolas" pitchFamily="49" charset="0"/>
-              <a:ea typeface="ヒラギノ角ゴ Pro W3" charset="0"/>
-              <a:cs typeface="Consolas" pitchFamily="49" charset="0"/>
-            </a:endParaRPr>
-          </a:p>
-          <a:p>
-            <a:pPr marL="458788" lvl="1" indent="-228600">
-              <a:spcAft>
-                <a:spcPts val="0"/>
-              </a:spcAft>
-              <a:defRPr/>
-            </a:pPr>
-            <a:r>
-              <a:rPr lang="en-US" sz="1400" dirty="0" smtClean="0">
-                <a:solidFill>
-                  <a:schemeClr val="bg2"/>
-                </a:solidFill>
-                <a:latin typeface="Consolas" pitchFamily="49" charset="0"/>
-                <a:ea typeface="ヒラギノ角ゴ Pro W3" charset="0"/>
-                <a:cs typeface="Consolas" pitchFamily="49" charset="0"/>
-              </a:rPr>
-              <a:t>#define UNUSED_VAR(x) (void)x</a:t>
-            </a:r>
-          </a:p>
-          <a:p>
-            <a:pPr marL="458788" lvl="1" indent="-228600">
-              <a:spcAft>
-                <a:spcPts val="0"/>
-              </a:spcAft>
-              <a:defRPr/>
-            </a:pPr>
-            <a:endParaRPr lang="en-US" sz="1400" dirty="0" smtClean="0">
-              <a:solidFill>
-                <a:schemeClr val="bg2"/>
-              </a:solidFill>
-              <a:latin typeface="Consolas" pitchFamily="49" charset="0"/>
-              <a:ea typeface="ヒラギノ角ゴ Pro W3" charset="0"/>
-              <a:cs typeface="Consolas" pitchFamily="49" charset="0"/>
-            </a:endParaRPr>
-          </a:p>
-          <a:p>
-            <a:pPr marL="458788" lvl="1" indent="-228600">
-              <a:spcAft>
-                <a:spcPts val="0"/>
-              </a:spcAft>
-              <a:defRPr/>
-            </a:pPr>
-            <a:r>
-              <a:rPr lang="en-US" sz="1400" dirty="0" smtClean="0">
-                <a:solidFill>
-                  <a:schemeClr val="bg2"/>
-                </a:solidFill>
-                <a:latin typeface="Consolas" pitchFamily="49" charset="0"/>
-                <a:ea typeface="ヒラギノ角ゴ Pro W3" charset="0"/>
-                <a:cs typeface="Consolas" pitchFamily="49" charset="0"/>
-              </a:rPr>
-              <a:t>void A()</a:t>
-            </a:r>
-          </a:p>
-          <a:p>
-            <a:pPr marL="458788" lvl="1" indent="-228600">
-              <a:spcAft>
-                <a:spcPts val="0"/>
-              </a:spcAft>
-              <a:defRPr/>
-            </a:pPr>
-            <a:r>
-              <a:rPr lang="en-US" sz="1400" dirty="0" smtClean="0">
-                <a:solidFill>
-                  <a:schemeClr val="bg2"/>
-                </a:solidFill>
-                <a:latin typeface="Consolas" pitchFamily="49" charset="0"/>
-                <a:ea typeface="ヒラギノ角ゴ Pro W3" charset="0"/>
-                <a:cs typeface="Consolas" pitchFamily="49" charset="0"/>
-              </a:rPr>
-              <a:t>{</a:t>
-            </a:r>
-          </a:p>
-          <a:p>
-            <a:pPr marL="458788" lvl="1" indent="-228600">
-              <a:spcAft>
-                <a:spcPts val="0"/>
-              </a:spcAft>
-              <a:defRPr/>
-            </a:pPr>
-            <a:r>
-              <a:rPr lang="en-US" sz="1400" dirty="0" smtClean="0">
-                <a:solidFill>
-                  <a:schemeClr val="bg2"/>
-                </a:solidFill>
-                <a:latin typeface="Consolas" pitchFamily="49" charset="0"/>
-                <a:ea typeface="ヒラギノ角ゴ Pro W3" charset="0"/>
-                <a:cs typeface="Consolas" pitchFamily="49" charset="0"/>
-              </a:rPr>
-              <a:t>    </a:t>
-            </a:r>
-            <a:r>
-              <a:rPr lang="en-US" sz="1400" dirty="0" err="1" smtClean="0">
-                <a:solidFill>
-                  <a:schemeClr val="bg2"/>
-                </a:solidFill>
-                <a:latin typeface="Consolas" pitchFamily="49" charset="0"/>
-                <a:ea typeface="ヒラギノ角ゴ Pro W3" charset="0"/>
-                <a:cs typeface="Consolas" pitchFamily="49" charset="0"/>
-              </a:rPr>
-              <a:t>int</a:t>
-            </a:r>
-            <a:r>
-              <a:rPr lang="en-US" sz="1400" dirty="0" smtClean="0">
-                <a:solidFill>
-                  <a:schemeClr val="bg2"/>
-                </a:solidFill>
-                <a:latin typeface="Consolas" pitchFamily="49" charset="0"/>
-                <a:ea typeface="ヒラギノ角ゴ Pro W3" charset="0"/>
-                <a:cs typeface="Consolas" pitchFamily="49" charset="0"/>
-              </a:rPr>
-              <a:t> a;</a:t>
-            </a:r>
-          </a:p>
-          <a:p>
-            <a:pPr marL="458788" lvl="1" indent="-228600">
-              <a:spcAft>
-                <a:spcPts val="0"/>
-              </a:spcAft>
-              <a:defRPr/>
-            </a:pPr>
-            <a:r>
-              <a:rPr lang="en-US" sz="1400" dirty="0" smtClean="0">
-                <a:solidFill>
-                  <a:schemeClr val="bg2"/>
-                </a:solidFill>
-                <a:latin typeface="Consolas" pitchFamily="49" charset="0"/>
-                <a:ea typeface="ヒラギノ角ゴ Pro W3" charset="0"/>
-                <a:cs typeface="Consolas" pitchFamily="49" charset="0"/>
-              </a:rPr>
-              <a:t>    UNUSED_VAR(a);</a:t>
-            </a:r>
-          </a:p>
-          <a:p>
-            <a:pPr marL="458788" lvl="1" indent="-228600">
-              <a:spcAft>
-                <a:spcPts val="0"/>
-              </a:spcAft>
-              <a:defRPr/>
-            </a:pPr>
-            <a:r>
-              <a:rPr lang="en-US" sz="1400" dirty="0" smtClean="0">
-                <a:solidFill>
-                  <a:schemeClr val="bg2"/>
-                </a:solidFill>
-                <a:latin typeface="Consolas" pitchFamily="49" charset="0"/>
-                <a:ea typeface="ヒラギノ角ゴ Pro W3" charset="0"/>
-                <a:cs typeface="Consolas" pitchFamily="49" charset="0"/>
-              </a:rPr>
-              <a:t>}</a:t>
-            </a:r>
-          </a:p>
-          <a:p>
-            <a:pPr marL="458788" lvl="1" indent="-228600">
-              <a:spcAft>
-                <a:spcPts val="0"/>
-              </a:spcAft>
-              <a:defRPr/>
-            </a:pPr>
-            <a:endParaRPr lang="en-US" sz="1200" dirty="0" smtClean="0">
-              <a:solidFill>
-                <a:schemeClr val="bg2"/>
-              </a:solidFill>
-              <a:latin typeface="Consolas" pitchFamily="49" charset="0"/>
-              <a:ea typeface="ヒラギノ角ゴ Pro W3" charset="0"/>
-              <a:cs typeface="Consolas" pitchFamily="49" charset="0"/>
-            </a:endParaRPr>
-          </a:p>
-        </p:txBody>
-      </p:sp>
-      <p:sp>
-        <p:nvSpPr>
-          <p:cNvPr id="7" name="Rectangle 6"/>
-          <p:cNvSpPr/>
-          <p:nvPr/>
-        </p:nvSpPr>
-        <p:spPr>
-          <a:xfrm>
-            <a:off x="570520" y="968410"/>
-            <a:ext cx="1579278" cy="523220"/>
-          </a:xfrm>
-          <a:prstGeom prst="rect">
-            <a:avLst/>
-          </a:prstGeom>
-        </p:spPr>
-        <p:txBody>
-          <a:bodyPr wrap="none">
-            <a:spAutoFit/>
-          </a:bodyPr>
-          <a:lstStyle/>
-          <a:p>
-            <a:pPr lvl="1">
-              <a:buNone/>
-            </a:pPr>
-            <a:r>
-              <a:rPr lang="en-US" sz="2800" u="sng" dirty="0" smtClean="0">
-                <a:solidFill>
-                  <a:schemeClr val="bg2"/>
-                </a:solidFill>
-                <a:latin typeface="+mn-lt"/>
-                <a:ea typeface="ヒラギノ角ゴ Pro W3" charset="0"/>
-              </a:rPr>
-              <a:t>Input:</a:t>
-            </a:r>
-          </a:p>
-        </p:txBody>
-      </p:sp>
-      <p:sp>
-        <p:nvSpPr>
-          <p:cNvPr id="8" name="Rectangle 7"/>
-          <p:cNvSpPr/>
-          <p:nvPr/>
-        </p:nvSpPr>
-        <p:spPr>
-          <a:xfrm>
-            <a:off x="5184576" y="1779662"/>
-            <a:ext cx="4572000" cy="1600438"/>
-          </a:xfrm>
-          <a:prstGeom prst="rect">
-            <a:avLst/>
-          </a:prstGeom>
-        </p:spPr>
-        <p:txBody>
-          <a:bodyPr wrap="square">
-            <a:spAutoFit/>
-          </a:bodyPr>
-          <a:lstStyle/>
-          <a:p>
-            <a:pPr marL="458788" lvl="1" indent="-228600">
-              <a:spcAft>
-                <a:spcPts val="0"/>
-              </a:spcAft>
-              <a:defRPr/>
-            </a:pPr>
-            <a:r>
-              <a:rPr lang="en-US" sz="1400" dirty="0" smtClean="0">
-                <a:solidFill>
-                  <a:schemeClr val="bg2"/>
-                </a:solidFill>
-                <a:latin typeface="Consolas" pitchFamily="49" charset="0"/>
-                <a:ea typeface="ヒラギノ角ゴ Pro W3" charset="0"/>
-                <a:cs typeface="Consolas" pitchFamily="49" charset="0"/>
-              </a:rPr>
-              <a:t>$ g++ -E -P A.cpp</a:t>
-            </a:r>
-          </a:p>
-          <a:p>
-            <a:pPr marL="458788" lvl="1" indent="-228600">
-              <a:spcAft>
-                <a:spcPts val="0"/>
-              </a:spcAft>
-              <a:defRPr/>
-            </a:pPr>
-            <a:r>
-              <a:rPr lang="en-US" sz="1400" dirty="0" smtClean="0">
-                <a:solidFill>
-                  <a:schemeClr val="bg2"/>
-                </a:solidFill>
-                <a:latin typeface="Consolas" pitchFamily="49" charset="0"/>
-                <a:ea typeface="ヒラギノ角ゴ Pro W3" charset="0"/>
-                <a:cs typeface="Consolas" pitchFamily="49" charset="0"/>
-              </a:rPr>
-              <a:t>	</a:t>
-            </a:r>
-          </a:p>
-          <a:p>
-            <a:pPr marL="458788" lvl="1" indent="-228600">
-              <a:spcAft>
-                <a:spcPts val="0"/>
-              </a:spcAft>
-              <a:defRPr/>
-            </a:pPr>
-            <a:r>
-              <a:rPr lang="en-US" sz="1400" dirty="0" smtClean="0">
-                <a:solidFill>
-                  <a:schemeClr val="bg2"/>
-                </a:solidFill>
-                <a:latin typeface="Consolas" pitchFamily="49" charset="0"/>
-                <a:ea typeface="ヒラギノ角ゴ Pro W3" charset="0"/>
-                <a:cs typeface="Consolas" pitchFamily="49" charset="0"/>
-              </a:rPr>
-              <a:t>void A()</a:t>
-            </a:r>
-          </a:p>
-          <a:p>
-            <a:pPr marL="458788" lvl="1" indent="-228600">
-              <a:spcAft>
-                <a:spcPts val="0"/>
-              </a:spcAft>
-              <a:defRPr/>
-            </a:pPr>
-            <a:r>
-              <a:rPr lang="en-US" sz="1400" dirty="0" smtClean="0">
-                <a:solidFill>
-                  <a:schemeClr val="bg2"/>
-                </a:solidFill>
-                <a:latin typeface="Consolas" pitchFamily="49" charset="0"/>
-                <a:ea typeface="ヒラギノ角ゴ Pro W3" charset="0"/>
-                <a:cs typeface="Consolas" pitchFamily="49" charset="0"/>
-              </a:rPr>
-              <a:t>{</a:t>
-            </a:r>
-          </a:p>
-          <a:p>
-            <a:pPr marL="458788" lvl="1" indent="-228600">
-              <a:spcAft>
-                <a:spcPts val="0"/>
-              </a:spcAft>
-              <a:defRPr/>
-            </a:pPr>
-            <a:r>
-              <a:rPr lang="en-US" sz="1400" dirty="0" smtClean="0">
-                <a:solidFill>
-                  <a:schemeClr val="bg2"/>
-                </a:solidFill>
-                <a:latin typeface="Consolas" pitchFamily="49" charset="0"/>
-                <a:ea typeface="ヒラギノ角ゴ Pro W3" charset="0"/>
-                <a:cs typeface="Consolas" pitchFamily="49" charset="0"/>
-              </a:rPr>
-              <a:t>    </a:t>
-            </a:r>
-            <a:r>
-              <a:rPr lang="en-US" sz="1400" dirty="0" err="1" smtClean="0">
-                <a:solidFill>
-                  <a:schemeClr val="bg2"/>
-                </a:solidFill>
-                <a:latin typeface="Consolas" pitchFamily="49" charset="0"/>
-                <a:ea typeface="ヒラギノ角ゴ Pro W3" charset="0"/>
-                <a:cs typeface="Consolas" pitchFamily="49" charset="0"/>
-              </a:rPr>
-              <a:t>int</a:t>
-            </a:r>
-            <a:r>
-              <a:rPr lang="en-US" sz="1400" dirty="0" smtClean="0">
-                <a:solidFill>
-                  <a:schemeClr val="bg2"/>
-                </a:solidFill>
-                <a:latin typeface="Consolas" pitchFamily="49" charset="0"/>
-                <a:ea typeface="ヒラギノ角ゴ Pro W3" charset="0"/>
-                <a:cs typeface="Consolas" pitchFamily="49" charset="0"/>
-              </a:rPr>
-              <a:t> a;</a:t>
-            </a:r>
-          </a:p>
-          <a:p>
-            <a:pPr marL="458788" lvl="1" indent="-228600">
-              <a:spcAft>
-                <a:spcPts val="0"/>
-              </a:spcAft>
-              <a:defRPr/>
-            </a:pPr>
-            <a:r>
-              <a:rPr lang="en-US" sz="1400" dirty="0" smtClean="0">
-                <a:solidFill>
-                  <a:schemeClr val="bg2"/>
-                </a:solidFill>
-                <a:latin typeface="Consolas" pitchFamily="49" charset="0"/>
-                <a:ea typeface="ヒラギノ角ゴ Pro W3" charset="0"/>
-                <a:cs typeface="Consolas" pitchFamily="49" charset="0"/>
-              </a:rPr>
-              <a:t>    (void)a;</a:t>
-            </a:r>
-          </a:p>
-          <a:p>
-            <a:pPr marL="458788" lvl="1" indent="-228600">
-              <a:spcAft>
-                <a:spcPts val="0"/>
-              </a:spcAft>
-              <a:defRPr/>
-            </a:pPr>
-            <a:r>
-              <a:rPr lang="en-US" sz="1400" dirty="0" smtClean="0">
-                <a:solidFill>
-                  <a:schemeClr val="bg2"/>
-                </a:solidFill>
-                <a:latin typeface="Consolas" pitchFamily="49" charset="0"/>
-                <a:ea typeface="ヒラギノ角ゴ Pro W3" charset="0"/>
-                <a:cs typeface="Consolas" pitchFamily="49" charset="0"/>
-              </a:rPr>
-              <a:t>}</a:t>
-            </a:r>
-          </a:p>
-        </p:txBody>
-      </p:sp>
-      <p:sp>
-        <p:nvSpPr>
-          <p:cNvPr id="9" name="Rectangle 8"/>
-          <p:cNvSpPr/>
-          <p:nvPr/>
-        </p:nvSpPr>
-        <p:spPr>
-          <a:xfrm>
-            <a:off x="5411631" y="1040418"/>
-            <a:ext cx="1896673" cy="523220"/>
-          </a:xfrm>
-          <a:prstGeom prst="rect">
-            <a:avLst/>
-          </a:prstGeom>
-        </p:spPr>
-        <p:txBody>
-          <a:bodyPr wrap="none">
-            <a:spAutoFit/>
-          </a:bodyPr>
-          <a:lstStyle/>
-          <a:p>
-            <a:pPr lvl="1">
-              <a:buNone/>
-            </a:pPr>
-            <a:r>
-              <a:rPr lang="en-US" sz="2800" u="sng" dirty="0" smtClean="0">
-                <a:solidFill>
-                  <a:schemeClr val="bg2"/>
-                </a:solidFill>
-                <a:latin typeface="+mn-lt"/>
-                <a:ea typeface="ヒラギノ角ゴ Pro W3" charset="0"/>
-              </a:rPr>
-              <a:t>Output:</a:t>
-            </a:r>
-          </a:p>
-        </p:txBody>
-      </p:sp>
-    </p:spTree>
-  </p:cSld>
-  <p:clrMapOvr>
-    <a:masterClrMapping/>
-  </p:clrMapOvr>
 </p:sld>
 </file>
 
@@ -21657,7 +27106,7 @@
   <a:extraClrSchemeLst/>
   <a:extLst>
     <a:ext uri="{05A4C25C-085E-4340-85A3-A5531E510DB2}">
-      <thm15:themeFamily xmlns:thm15="http://schemas.microsoft.com/office/thememl/2012/main" xmlns="" name="Nokia PowerPoint Template Nokia Pure v12" id="{7AC05BEF-BBDF-4CF1-AA23-A676535EABCE}" vid="{991539CA-B441-4AED-8339-F6770207F6A2}"/>
+      <thm15:themeFamily xmlns="" xmlns:thm15="http://schemas.microsoft.com/office/thememl/2012/main" name="Nokia PowerPoint Template Nokia Pure v12" id="{7AC05BEF-BBDF-4CF1-AA23-A676535EABCE}" vid="{991539CA-B441-4AED-8339-F6770207F6A2}"/>
     </a:ext>
   </a:extLst>
 </a:theme>
@@ -21966,7 +27415,7 @@
   <a:extraClrSchemeLst/>
   <a:extLst>
     <a:ext uri="{05A4C25C-085E-4340-85A3-A5531E510DB2}">
-      <thm15:themeFamily xmlns:thm15="http://schemas.microsoft.com/office/thememl/2012/main" xmlns="" name="Nokia PowerPoint Template Nokia Pure v12" id="{7AC05BEF-BBDF-4CF1-AA23-A676535EABCE}" vid="{AF106B15-0C1E-44CE-A53A-F2CB8A6EA7E7}"/>
+      <thm15:themeFamily xmlns="" xmlns:thm15="http://schemas.microsoft.com/office/thememl/2012/main" name="Nokia PowerPoint Template Nokia Pure v12" id="{7AC05BEF-BBDF-4CF1-AA23-A676535EABCE}" vid="{AF106B15-0C1E-44CE-A53A-F2CB8A6EA7E7}"/>
     </a:ext>
   </a:extLst>
 </a:theme>

--- a/Diving into C++ linker.pptx
+++ b/Diving into C++ linker.pptx
@@ -201,7 +201,7 @@
   </p:defaultTextStyle>
   <p:extLst>
     <p:ext uri="{EFAFB233-063F-42B5-8137-9DF3F51BA10A}">
-      <p15:sldGuideLst xmlns="" xmlns:p15="http://schemas.microsoft.com/office/powerpoint/2012/main">
+      <p15:sldGuideLst xmlns:p15="http://schemas.microsoft.com/office/powerpoint/2012/main" xmlns="">
         <p15:guide id="1" orient="horz" pos="1620">
           <p15:clr>
             <a:srgbClr val="A4A3A4"/>
@@ -215,7 +215,7 @@
       </p15:sldGuideLst>
     </p:ext>
     <p:ext uri="{2D200454-40CA-4A62-9FC3-DE9A4176ACB9}">
-      <p15:notesGuideLst xmlns="" xmlns:p15="http://schemas.microsoft.com/office/powerpoint/2012/main">
+      <p15:notesGuideLst xmlns:p15="http://schemas.microsoft.com/office/powerpoint/2012/main" xmlns="">
         <p15:guide id="1" orient="horz" pos="2880">
           <p15:clr>
             <a:srgbClr val="A4A3A4"/>
@@ -343,7 +343,7 @@
               <a:pPr>
                 <a:defRPr/>
               </a:pPr>
-              <a:t>27-Jul-15</a:t>
+              <a:t>28-Jul-15</a:t>
             </a:fld>
             <a:endParaRPr lang="en-US"/>
           </a:p>
@@ -447,7 +447,7 @@
     </p:spTree>
     <p:extLst>
       <p:ext uri="{BB962C8B-B14F-4D97-AF65-F5344CB8AC3E}">
-        <p14:creationId xmlns="" xmlns:p14="http://schemas.microsoft.com/office/powerpoint/2010/main" val="3867598621"/>
+        <p14:creationId xmlns:p14="http://schemas.microsoft.com/office/powerpoint/2010/main" xmlns="" val="3867598621"/>
       </p:ext>
     </p:extLst>
   </p:cSld>
@@ -567,7 +567,7 @@
               <a:pPr>
                 <a:defRPr/>
               </a:pPr>
-              <a:t>27-Jul-15</a:t>
+              <a:t>28-Jul-15</a:t>
             </a:fld>
             <a:endParaRPr lang="en-US"/>
           </a:p>
@@ -768,7 +768,7 @@
     </p:spTree>
     <p:extLst>
       <p:ext uri="{BB962C8B-B14F-4D97-AF65-F5344CB8AC3E}">
-        <p14:creationId xmlns="" xmlns:p14="http://schemas.microsoft.com/office/powerpoint/2010/main" val="977992471"/>
+        <p14:creationId xmlns:p14="http://schemas.microsoft.com/office/powerpoint/2010/main" xmlns="" val="977992471"/>
       </p:ext>
     </p:extLst>
   </p:cSld>
@@ -994,7 +994,7 @@
     </p:spTree>
     <p:extLst>
       <p:ext uri="{BB962C8B-B14F-4D97-AF65-F5344CB8AC3E}">
-        <p14:creationId xmlns="" xmlns:p14="http://schemas.microsoft.com/office/powerpoint/2010/main" val="3180054805"/>
+        <p14:creationId xmlns:p14="http://schemas.microsoft.com/office/powerpoint/2010/main" xmlns="" val="3180054805"/>
       </p:ext>
     </p:extLst>
   </p:cSld>
@@ -1099,7 +1099,7 @@
     </p:spTree>
     <p:extLst>
       <p:ext uri="{BB962C8B-B14F-4D97-AF65-F5344CB8AC3E}">
-        <p14:creationId xmlns="" xmlns:p14="http://schemas.microsoft.com/office/powerpoint/2010/main" val="3180054805"/>
+        <p14:creationId xmlns:p14="http://schemas.microsoft.com/office/powerpoint/2010/main" xmlns="" val="3180054805"/>
       </p:ext>
     </p:extLst>
   </p:cSld>
@@ -1378,7 +1378,7 @@
     </p:spTree>
     <p:extLst>
       <p:ext uri="{BB962C8B-B14F-4D97-AF65-F5344CB8AC3E}">
-        <p14:creationId xmlns="" xmlns:p14="http://schemas.microsoft.com/office/powerpoint/2010/main" val="3180054805"/>
+        <p14:creationId xmlns:p14="http://schemas.microsoft.com/office/powerpoint/2010/main" xmlns="" val="3180054805"/>
       </p:ext>
     </p:extLst>
   </p:cSld>
@@ -1434,14 +1434,6 @@
           </a:bodyPr>
           <a:lstStyle/>
           <a:p>
-            <a:r>
-              <a:rPr lang="en-US" dirty="0" smtClean="0"/>
-              <a:t>Dynamic libraries</a:t>
-            </a:r>
-            <a:r>
-              <a:rPr lang="en-US" baseline="0" dirty="0" smtClean="0"/>
-              <a:t> also can be used like building blocks for different processes but they can be shared in runtime.</a:t>
-            </a:r>
             <a:endParaRPr lang="en-US" dirty="0"/>
           </a:p>
         </p:txBody>
@@ -1529,45 +1521,6 @@
           </a:bodyPr>
           <a:lstStyle/>
           <a:p>
-            <a:r>
-              <a:rPr lang="en-US" dirty="0" smtClean="0"/>
-              <a:t>Static libraries allow you to call any methods from the libraries</a:t>
-            </a:r>
-            <a:r>
-              <a:rPr lang="en-US" baseline="0" dirty="0" smtClean="0"/>
-              <a:t> you want and C++ syntax allow you to do.</a:t>
-            </a:r>
-            <a:endParaRPr lang="en-US" dirty="0" smtClean="0"/>
-          </a:p>
-          <a:p>
-            <a:r>
-              <a:rPr lang="en-US" dirty="0" smtClean="0"/>
-              <a:t>By default shared libraries do not export all the symbols. In Linux it is done automatically , but not in Windows. In Win you should do it manually.</a:t>
-            </a:r>
-          </a:p>
-          <a:p>
-            <a:r>
-              <a:rPr lang="en-US" dirty="0" smtClean="0"/>
-              <a:t>We</a:t>
-            </a:r>
-            <a:r>
-              <a:rPr lang="en-US" baseline="0" dirty="0" smtClean="0"/>
-              <a:t> can consider </a:t>
-            </a:r>
-            <a:r>
-              <a:rPr lang="en-US" baseline="0" dirty="0" err="1" smtClean="0"/>
-              <a:t>dll</a:t>
-            </a:r>
-            <a:r>
-              <a:rPr lang="en-US" baseline="0" dirty="0" smtClean="0"/>
-              <a:t> as an API. You can share those functions that you want.</a:t>
-            </a:r>
-          </a:p>
-          <a:p>
-            <a:r>
-              <a:rPr lang="en-US" baseline="0" dirty="0" smtClean="0"/>
-              <a:t>To specify export symbols…</a:t>
-            </a:r>
             <a:endParaRPr lang="en-US" dirty="0"/>
           </a:p>
         </p:txBody>
@@ -1655,14 +1608,6 @@
           </a:bodyPr>
           <a:lstStyle/>
           <a:p>
-            <a:r>
-              <a:rPr lang="en-US" dirty="0" smtClean="0"/>
-              <a:t>On Linux</a:t>
-            </a:r>
-            <a:r>
-              <a:rPr lang="en-US" baseline="0" dirty="0" smtClean="0"/>
-              <a:t> there is no difference from static library linking.</a:t>
-            </a:r>
             <a:endParaRPr lang="en-US" dirty="0"/>
           </a:p>
         </p:txBody>
@@ -1750,14 +1695,6 @@
           </a:bodyPr>
           <a:lstStyle/>
           <a:p>
-            <a:r>
-              <a:rPr lang="en-US" dirty="0" smtClean="0"/>
-              <a:t>On Linux</a:t>
-            </a:r>
-            <a:r>
-              <a:rPr lang="en-US" baseline="0" dirty="0" smtClean="0"/>
-              <a:t> there is no difference from static library linking.</a:t>
-            </a:r>
             <a:endParaRPr lang="en-US" dirty="0"/>
           </a:p>
         </p:txBody>
@@ -2907,7 +2844,7 @@
           <a:blip r:embed="rId3">
             <a:extLst>
               <a:ext uri="{28A0092B-C50C-407E-A947-70E740481C1C}">
-                <a14:useLocalDpi xmlns:a14="http://schemas.microsoft.com/office/drawing/2010/main" xmlns="" val="0"/>
+                <a14:useLocalDpi xmlns="" xmlns:a14="http://schemas.microsoft.com/office/drawing/2010/main" val="0"/>
               </a:ext>
             </a:extLst>
           </a:blip>
@@ -3125,7 +3062,7 @@
           <a:blip r:embed="rId3">
             <a:extLst>
               <a:ext uri="{28A0092B-C50C-407E-A947-70E740481C1C}">
-                <a14:useLocalDpi xmlns:a14="http://schemas.microsoft.com/office/drawing/2010/main" xmlns="" val="0"/>
+                <a14:useLocalDpi xmlns="" xmlns:a14="http://schemas.microsoft.com/office/drawing/2010/main" val="0"/>
               </a:ext>
             </a:extLst>
           </a:blip>
@@ -5416,7 +5353,7 @@
               <a:pPr>
                 <a:defRPr/>
               </a:pPr>
-              <a:t>27/07/2015</a:t>
+              <a:t>28/07/2015</a:t>
             </a:fld>
             <a:endParaRPr lang="en-GB" sz="800" dirty="0">
               <a:solidFill>
@@ -7621,7 +7558,7 @@
               <a:pPr>
                 <a:defRPr/>
               </a:pPr>
-              <a:t>27/07/2015</a:t>
+              <a:t>28/07/2015</a:t>
             </a:fld>
             <a:endParaRPr lang="en-GB" sz="800" dirty="0">
               <a:latin typeface="+mn-lt"/>
@@ -14864,27 +14801,7 @@
                 <a:ea typeface="ヒラギノ角ゴ Pro W3" charset="0"/>
                 <a:cs typeface="Consolas" pitchFamily="49" charset="0"/>
               </a:rPr>
-              <a:t>According to </a:t>
-            </a:r>
-            <a:r>
-              <a:rPr lang="en-US" sz="1400" dirty="0" smtClean="0">
-                <a:solidFill>
-                  <a:schemeClr val="bg2"/>
-                </a:solidFill>
-                <a:ea typeface="ヒラギノ角ゴ Pro W3" charset="0"/>
-                <a:cs typeface="Consolas" pitchFamily="49" charset="0"/>
-              </a:rPr>
-              <a:t>C++ standard (ISO/IEC N4527</a:t>
-            </a:r>
-            <a:r>
-              <a:rPr lang="en-US" sz="1400" dirty="0" smtClean="0">
-                <a:solidFill>
-                  <a:schemeClr val="bg2"/>
-                </a:solidFill>
-                <a:ea typeface="ヒラギノ角ゴ Pro W3" charset="0"/>
-                <a:cs typeface="Consolas" pitchFamily="49" charset="0"/>
-              </a:rPr>
-              <a:t>):</a:t>
+              <a:t>According to C++ standard (ISO/IEC N4527):</a:t>
             </a:r>
           </a:p>
           <a:p>
@@ -14918,8 +14835,16 @@
                 <a:ea typeface="ヒラギノ角ゴ Pro W3" charset="0"/>
                 <a:cs typeface="Consolas" pitchFamily="49" charset="0"/>
               </a:rPr>
-              <a:t>§3.2 One definition </a:t>
-            </a:r>
+              <a:t>§3.2 One definition rule</a:t>
+            </a:r>
+          </a:p>
+          <a:p>
+            <a:pPr marL="458788" lvl="1" indent="-228600">
+              <a:spcAft>
+                <a:spcPts val="0"/>
+              </a:spcAft>
+              <a:defRPr/>
+            </a:pPr>
             <a:r>
               <a:rPr lang="en-US" sz="1400" i="1" dirty="0" smtClean="0">
                 <a:solidFill>
@@ -14929,7 +14854,7 @@
                 <a:ea typeface="ヒラギノ角ゴ Pro W3" charset="0"/>
                 <a:cs typeface="Consolas" pitchFamily="49" charset="0"/>
               </a:rPr>
-              <a:t>rule</a:t>
+              <a:t>...</a:t>
             </a:r>
           </a:p>
           <a:p>
@@ -14948,70 +14873,7 @@
                 <a:ea typeface="ヒラギノ角ゴ Pro W3" charset="0"/>
                 <a:cs typeface="Consolas" pitchFamily="49" charset="0"/>
               </a:rPr>
-              <a:t>...</a:t>
-            </a:r>
-          </a:p>
-          <a:p>
-            <a:pPr marL="458788" lvl="1" indent="-228600">
-              <a:spcAft>
-                <a:spcPts val="0"/>
-              </a:spcAft>
-              <a:defRPr/>
-            </a:pPr>
-            <a:r>
-              <a:rPr lang="en-US" sz="1400" i="1" dirty="0" smtClean="0">
-                <a:solidFill>
-                  <a:schemeClr val="bg2"/>
-                </a:solidFill>
-                <a:latin typeface="+mn-lt"/>
-                <a:ea typeface="ヒラギノ角ゴ Pro W3" charset="0"/>
-                <a:cs typeface="Consolas" pitchFamily="49" charset="0"/>
-              </a:rPr>
-              <a:t>(6)There can be more than one definition of a class type </a:t>
-            </a:r>
-            <a:r>
-              <a:rPr lang="en-US" sz="1400" i="1" dirty="0" smtClean="0">
-                <a:solidFill>
-                  <a:schemeClr val="bg2"/>
-                </a:solidFill>
-                <a:latin typeface="+mn-lt"/>
-                <a:ea typeface="ヒラギノ角ゴ Pro W3" charset="0"/>
-                <a:cs typeface="Consolas" pitchFamily="49" charset="0"/>
-              </a:rPr>
-              <a:t>(…) with external </a:t>
-            </a:r>
-            <a:r>
-              <a:rPr lang="en-US" sz="1400" i="1" dirty="0" smtClean="0">
-                <a:solidFill>
-                  <a:schemeClr val="bg2"/>
-                </a:solidFill>
-                <a:latin typeface="+mn-lt"/>
-                <a:ea typeface="ヒラギノ角ゴ Pro W3" charset="0"/>
-                <a:cs typeface="Consolas" pitchFamily="49" charset="0"/>
-              </a:rPr>
-              <a:t>linkage. … </a:t>
-            </a:r>
-            <a:r>
-              <a:rPr lang="en-US" sz="1400" i="1" dirty="0" smtClean="0">
-                <a:solidFill>
-                  <a:schemeClr val="bg2"/>
-                </a:solidFill>
-                <a:latin typeface="+mn-lt"/>
-                <a:ea typeface="ヒラギノ角ゴ Pro W3" charset="0"/>
-                <a:cs typeface="Consolas" pitchFamily="49" charset="0"/>
-              </a:rPr>
-              <a:t>Given such </a:t>
-            </a:r>
-            <a:r>
-              <a:rPr lang="en-US" sz="1400" i="1" dirty="0" smtClean="0">
-                <a:solidFill>
-                  <a:schemeClr val="bg2"/>
-                </a:solidFill>
-                <a:latin typeface="+mn-lt"/>
-                <a:ea typeface="ヒラギノ角ゴ Pro W3" charset="0"/>
-                <a:cs typeface="Consolas" pitchFamily="49" charset="0"/>
-              </a:rPr>
-              <a:t>an entity named D defined in more than one translation unit, then:</a:t>
+              <a:t>(6)There can be more than one definition of a class type (…) with external linkage. … Given such an entity named D defined in more than one translation unit, then:</a:t>
             </a:r>
           </a:p>
           <a:p>
@@ -15084,95 +14946,7 @@
                 <a:ea typeface="ヒラギノ角ゴ Pro W3" charset="0"/>
                 <a:cs typeface="Consolas" pitchFamily="49" charset="0"/>
               </a:rPr>
-              <a:t>If the definitions of D satisfy all these </a:t>
-            </a:r>
-            <a:r>
-              <a:rPr lang="en-US" sz="1400" i="1" dirty="0" smtClean="0">
-                <a:solidFill>
-                  <a:schemeClr val="bg2"/>
-                </a:solidFill>
-                <a:latin typeface="+mn-lt"/>
-                <a:ea typeface="ヒラギノ角ゴ Pro W3" charset="0"/>
-                <a:cs typeface="Consolas" pitchFamily="49" charset="0"/>
-              </a:rPr>
-              <a:t>requirements, then </a:t>
-            </a:r>
-            <a:r>
-              <a:rPr lang="en-US" sz="1400" i="1" dirty="0" smtClean="0">
-                <a:solidFill>
-                  <a:schemeClr val="bg2"/>
-                </a:solidFill>
-                <a:latin typeface="+mn-lt"/>
-                <a:ea typeface="ヒラギノ角ゴ Pro W3" charset="0"/>
-                <a:cs typeface="Consolas" pitchFamily="49" charset="0"/>
-              </a:rPr>
-              <a:t>the behavior is as if there were </a:t>
-            </a:r>
-            <a:r>
-              <a:rPr lang="en-US" sz="1400" i="1" dirty="0" smtClean="0">
-                <a:solidFill>
-                  <a:schemeClr val="bg2"/>
-                </a:solidFill>
-                <a:latin typeface="+mn-lt"/>
-                <a:ea typeface="ヒラギノ角ゴ Pro W3" charset="0"/>
-                <a:cs typeface="Consolas" pitchFamily="49" charset="0"/>
-              </a:rPr>
-              <a:t>a single </a:t>
-            </a:r>
-            <a:r>
-              <a:rPr lang="en-US" sz="1400" i="1" dirty="0" smtClean="0">
-                <a:solidFill>
-                  <a:schemeClr val="bg2"/>
-                </a:solidFill>
-                <a:latin typeface="+mn-lt"/>
-                <a:ea typeface="ヒラギノ角ゴ Pro W3" charset="0"/>
-                <a:cs typeface="Consolas" pitchFamily="49" charset="0"/>
-              </a:rPr>
-              <a:t>definition of </a:t>
-            </a:r>
-            <a:r>
-              <a:rPr lang="en-US" sz="1400" i="1" dirty="0" smtClean="0">
-                <a:solidFill>
-                  <a:schemeClr val="bg2"/>
-                </a:solidFill>
-                <a:latin typeface="+mn-lt"/>
-                <a:ea typeface="ヒラギノ角ゴ Pro W3" charset="0"/>
-                <a:cs typeface="Consolas" pitchFamily="49" charset="0"/>
-              </a:rPr>
-              <a:t>D</a:t>
-            </a:r>
-            <a:r>
-              <a:rPr lang="en-US" sz="1400" i="1" dirty="0" smtClean="0">
-                <a:solidFill>
-                  <a:schemeClr val="bg2"/>
-                </a:solidFill>
-                <a:latin typeface="+mn-lt"/>
-                <a:ea typeface="ヒラギノ角ゴ Pro W3" charset="0"/>
-                <a:cs typeface="Consolas" pitchFamily="49" charset="0"/>
-              </a:rPr>
-              <a:t>. If the definitions of D do not satisfy </a:t>
-            </a:r>
-            <a:r>
-              <a:rPr lang="en-US" sz="1400" i="1" dirty="0" smtClean="0">
-                <a:solidFill>
-                  <a:schemeClr val="bg2"/>
-                </a:solidFill>
-                <a:latin typeface="+mn-lt"/>
-                <a:ea typeface="ヒラギノ角ゴ Pro W3" charset="0"/>
-                <a:cs typeface="Consolas" pitchFamily="49" charset="0"/>
-              </a:rPr>
-              <a:t>these requirements</a:t>
-            </a:r>
-            <a:r>
-              <a:rPr lang="en-US" sz="1400" i="1" dirty="0" smtClean="0">
-                <a:solidFill>
-                  <a:schemeClr val="bg2"/>
-                </a:solidFill>
-                <a:latin typeface="+mn-lt"/>
-                <a:ea typeface="ヒラギノ角ゴ Pro W3" charset="0"/>
-                <a:cs typeface="Consolas" pitchFamily="49" charset="0"/>
-              </a:rPr>
-              <a:t>, then the behavior is undefined.</a:t>
+              <a:t>If the definitions of D satisfy all these requirements, then the behavior is as if there were a single definition of D. If the definitions of D do not satisfy these requirements, then the behavior is undefined.</a:t>
             </a:r>
             <a:endParaRPr lang="en-US" sz="3200" i="1" dirty="0" smtClean="0">
               <a:solidFill>
@@ -15233,14 +15007,7 @@
                 <a:latin typeface="+mn-lt"/>
                 <a:hlinkClick r:id="rId3"/>
               </a:rPr>
-              <a:t>http</a:t>
-            </a:r>
-            <a:r>
-              <a:rPr lang="en-US" dirty="0" smtClean="0">
-                <a:latin typeface="+mn-lt"/>
-                <a:hlinkClick r:id="rId3"/>
-              </a:rPr>
-              <a:t>://open-std.org/JTC1/SC22/WG21/docs/papers/2015/n4527.pdf</a:t>
+              <a:t>http://open-std.org/JTC1/SC22/WG21/docs/papers/2015/n4527.pdf</a:t>
             </a:r>
             <a:endParaRPr lang="en-US" dirty="0">
               <a:latin typeface="+mn-lt"/>
@@ -18024,18 +17791,7 @@
                 <a:ea typeface="ヒラギノ角ゴ Pro W3" charset="0"/>
                 <a:cs typeface="Consolas" pitchFamily="49" charset="0"/>
               </a:rPr>
-              <a:t>$ </a:t>
-            </a:r>
-            <a:r>
-              <a:rPr lang="en-US" sz="1400" dirty="0" smtClean="0">
-                <a:solidFill>
-                  <a:schemeClr val="bg2"/>
-                </a:solidFill>
-                <a:latin typeface="Consolas" pitchFamily="49" charset="0"/>
-                <a:ea typeface="ヒラギノ角ゴ Pro W3" charset="0"/>
-                <a:cs typeface="Consolas" pitchFamily="49" charset="0"/>
-              </a:rPr>
-              <a:t>./</a:t>
+              <a:t>$ ./</a:t>
             </a:r>
             <a:r>
               <a:rPr lang="en-US" sz="1400" dirty="0" err="1" smtClean="0">
@@ -18856,17 +18612,7 @@
                 <a:latin typeface="+mn-lt"/>
                 <a:ea typeface="ヒラギノ角ゴ Pro W3" charset="0"/>
               </a:rPr>
-              <a:t> </a:t>
-            </a:r>
-            <a:r>
-              <a:rPr lang="en-US" dirty="0" smtClean="0">
-                <a:solidFill>
-                  <a:schemeClr val="bg2"/>
-                </a:solidFill>
-                <a:latin typeface="+mn-lt"/>
-                <a:ea typeface="ヒラギノ角ゴ Pro W3" charset="0"/>
-              </a:rPr>
-              <a:t>as a static library:</a:t>
+              <a:t> as a static library:</a:t>
             </a:r>
             <a:endParaRPr kumimoji="0" lang="en-US" b="0" u="none" strike="noStrike" kern="1200" cap="none" spc="0" normalizeH="0" baseline="0" noProof="0" dirty="0" smtClean="0">
               <a:ln>
@@ -19665,17 +19411,7 @@
                 <a:latin typeface="+mn-lt"/>
                 <a:ea typeface="ヒラギノ角ゴ Pro W3" charset="0"/>
               </a:rPr>
-              <a:t> </a:t>
-            </a:r>
-            <a:r>
-              <a:rPr lang="en-US" dirty="0" smtClean="0">
-                <a:solidFill>
-                  <a:schemeClr val="bg2"/>
-                </a:solidFill>
-                <a:latin typeface="+mn-lt"/>
-                <a:ea typeface="ヒラギノ角ゴ Pro W3" charset="0"/>
-              </a:rPr>
-              <a:t>are included in static library.</a:t>
+              <a:t> are included in static library.</a:t>
             </a:r>
           </a:p>
           <a:p>
@@ -20721,13 +20457,6 @@
               </a:rPr>
               <a:t>End of part1.</a:t>
             </a:r>
-            <a:endParaRPr lang="en-US" sz="5500" dirty="0" smtClean="0">
-              <a:solidFill>
-                <a:schemeClr val="tx1"/>
-              </a:solidFill>
-              <a:ea typeface="ヒラギノ角ゴ Pro W3"/>
-              <a:cs typeface="ヒラギノ角ゴ Pro W3"/>
-            </a:endParaRPr>
           </a:p>
         </p:txBody>
       </p:sp>
@@ -24887,7 +24616,7 @@
         </p:nvSpPr>
         <p:spPr>
           <a:xfrm>
-            <a:off x="632194" y="843558"/>
+            <a:off x="632194" y="1190238"/>
             <a:ext cx="8476310" cy="2677656"/>
           </a:xfrm>
           <a:prstGeom prst="rect">
@@ -25344,7 +25073,7 @@
         </p:nvSpPr>
         <p:spPr>
           <a:xfrm>
-            <a:off x="632194" y="843558"/>
+            <a:off x="632194" y="1047383"/>
             <a:ext cx="8476310" cy="3108543"/>
           </a:xfrm>
           <a:prstGeom prst="rect">
@@ -25934,7 +25663,7 @@
         </p:nvSpPr>
         <p:spPr>
           <a:xfrm>
-            <a:off x="632194" y="1115908"/>
+            <a:off x="632194" y="1331932"/>
             <a:ext cx="8476310" cy="1815882"/>
           </a:xfrm>
           <a:prstGeom prst="rect">
@@ -39264,10 +38993,6 @@
               </a:rPr>
               <a:t>...</a:t>
             </a:r>
-            <a:endParaRPr lang="en-US" sz="1200" dirty="0" smtClean="0">
-              <a:latin typeface="Consolas" pitchFamily="49" charset="0"/>
-              <a:cs typeface="Consolas" pitchFamily="49" charset="0"/>
-            </a:endParaRPr>
           </a:p>
           <a:p>
             <a:pPr lvl="1">
@@ -39441,40 +39166,7 @@
                 <a:ea typeface="ヒラギノ角ゴ Pro W3" charset="0"/>
                 <a:cs typeface="Consolas" pitchFamily="49" charset="0"/>
               </a:rPr>
-              <a:t>Note: Full description can </a:t>
-            </a:r>
-            <a:r>
-              <a:rPr lang="en-US" sz="1400" i="1" dirty="0" smtClean="0">
-                <a:solidFill>
-                  <a:schemeClr val="bg2"/>
-                </a:solidFill>
-                <a:latin typeface="+mn-lt"/>
-                <a:ea typeface="ヒラギノ角ゴ Pro W3" charset="0"/>
-                <a:cs typeface="Consolas" pitchFamily="49" charset="0"/>
-              </a:rPr>
-              <a:t>be </a:t>
-            </a:r>
-            <a:r>
-              <a:rPr lang="en-US" sz="1400" i="1" dirty="0" smtClean="0">
-                <a:solidFill>
-                  <a:schemeClr val="bg2"/>
-                </a:solidFill>
-                <a:latin typeface="+mn-lt"/>
-                <a:ea typeface="ヒラギノ角ゴ Pro W3" charset="0"/>
-                <a:cs typeface="Consolas" pitchFamily="49" charset="0"/>
-              </a:rPr>
-              <a:t>found </a:t>
-            </a:r>
-            <a:r>
-              <a:rPr lang="en-US" sz="1400" i="1" dirty="0" smtClean="0">
-                <a:solidFill>
-                  <a:schemeClr val="bg2"/>
-                </a:solidFill>
-                <a:latin typeface="+mn-lt"/>
-                <a:ea typeface="ヒラギノ角ゴ Pro W3" charset="0"/>
-                <a:cs typeface="Consolas" pitchFamily="49" charset="0"/>
-              </a:rPr>
-              <a:t>here </a:t>
+              <a:t>Note: Full description can be found here </a:t>
             </a:r>
             <a:r>
               <a:rPr lang="en-US" sz="1400" i="1" dirty="0" smtClean="0">
@@ -39945,18 +39637,7 @@
                 <a:ea typeface="ヒラギノ角ゴ Pro W3" charset="0"/>
                 <a:cs typeface="Consolas" pitchFamily="49" charset="0"/>
               </a:rPr>
-              <a:t>// </a:t>
-            </a:r>
-            <a:r>
-              <a:rPr lang="en-US" sz="1400" dirty="0" smtClean="0">
-                <a:solidFill>
-                  <a:schemeClr val="bg2"/>
-                </a:solidFill>
-                <a:latin typeface="Consolas" pitchFamily="49" charset="0"/>
-                <a:ea typeface="ヒラギノ角ゴ Pro W3" charset="0"/>
-                <a:cs typeface="Consolas" pitchFamily="49" charset="0"/>
-              </a:rPr>
-              <a:t>main.cpp</a:t>
+              <a:t>// main.cpp</a:t>
             </a:r>
           </a:p>
           <a:p>
@@ -41397,7 +41078,7 @@
   <a:extraClrSchemeLst/>
   <a:extLst>
     <a:ext uri="{05A4C25C-085E-4340-85A3-A5531E510DB2}">
-      <thm15:themeFamily xmlns="" xmlns:thm15="http://schemas.microsoft.com/office/thememl/2012/main" name="Nokia PowerPoint Template Nokia Pure v12" id="{7AC05BEF-BBDF-4CF1-AA23-A676535EABCE}" vid="{991539CA-B441-4AED-8339-F6770207F6A2}"/>
+      <thm15:themeFamily xmlns:thm15="http://schemas.microsoft.com/office/thememl/2012/main" xmlns="" name="Nokia PowerPoint Template Nokia Pure v12" id="{7AC05BEF-BBDF-4CF1-AA23-A676535EABCE}" vid="{991539CA-B441-4AED-8339-F6770207F6A2}"/>
     </a:ext>
   </a:extLst>
 </a:theme>
@@ -41706,7 +41387,7 @@
   <a:extraClrSchemeLst/>
   <a:extLst>
     <a:ext uri="{05A4C25C-085E-4340-85A3-A5531E510DB2}">
-      <thm15:themeFamily xmlns="" xmlns:thm15="http://schemas.microsoft.com/office/thememl/2012/main" name="Nokia PowerPoint Template Nokia Pure v12" id="{7AC05BEF-BBDF-4CF1-AA23-A676535EABCE}" vid="{AF106B15-0C1E-44CE-A53A-F2CB8A6EA7E7}"/>
+      <thm15:themeFamily xmlns:thm15="http://schemas.microsoft.com/office/thememl/2012/main" xmlns="" name="Nokia PowerPoint Template Nokia Pure v12" id="{7AC05BEF-BBDF-4CF1-AA23-A676535EABCE}" vid="{AF106B15-0C1E-44CE-A53A-F2CB8A6EA7E7}"/>
     </a:ext>
   </a:extLst>
 </a:theme>

--- a/Diving into C++ linker.pptx
+++ b/Diving into C++ linker.pptx
@@ -201,7 +201,7 @@
   </p:defaultTextStyle>
   <p:extLst>
     <p:ext uri="{EFAFB233-063F-42B5-8137-9DF3F51BA10A}">
-      <p15:sldGuideLst xmlns:p15="http://schemas.microsoft.com/office/powerpoint/2012/main" xmlns="">
+      <p15:sldGuideLst xmlns="" xmlns:p15="http://schemas.microsoft.com/office/powerpoint/2012/main">
         <p15:guide id="1" orient="horz" pos="1620">
           <p15:clr>
             <a:srgbClr val="A4A3A4"/>
@@ -215,7 +215,7 @@
       </p15:sldGuideLst>
     </p:ext>
     <p:ext uri="{2D200454-40CA-4A62-9FC3-DE9A4176ACB9}">
-      <p15:notesGuideLst xmlns:p15="http://schemas.microsoft.com/office/powerpoint/2012/main" xmlns="">
+      <p15:notesGuideLst xmlns="" xmlns:p15="http://schemas.microsoft.com/office/powerpoint/2012/main">
         <p15:guide id="1" orient="horz" pos="2880">
           <p15:clr>
             <a:srgbClr val="A4A3A4"/>
@@ -447,7 +447,7 @@
     </p:spTree>
     <p:extLst>
       <p:ext uri="{BB962C8B-B14F-4D97-AF65-F5344CB8AC3E}">
-        <p14:creationId xmlns:p14="http://schemas.microsoft.com/office/powerpoint/2010/main" xmlns="" val="3867598621"/>
+        <p14:creationId xmlns="" xmlns:p14="http://schemas.microsoft.com/office/powerpoint/2010/main" val="3867598621"/>
       </p:ext>
     </p:extLst>
   </p:cSld>
@@ -768,7 +768,7 @@
     </p:spTree>
     <p:extLst>
       <p:ext uri="{BB962C8B-B14F-4D97-AF65-F5344CB8AC3E}">
-        <p14:creationId xmlns:p14="http://schemas.microsoft.com/office/powerpoint/2010/main" xmlns="" val="977992471"/>
+        <p14:creationId xmlns="" xmlns:p14="http://schemas.microsoft.com/office/powerpoint/2010/main" val="977992471"/>
       </p:ext>
     </p:extLst>
   </p:cSld>
@@ -994,7 +994,7 @@
     </p:spTree>
     <p:extLst>
       <p:ext uri="{BB962C8B-B14F-4D97-AF65-F5344CB8AC3E}">
-        <p14:creationId xmlns:p14="http://schemas.microsoft.com/office/powerpoint/2010/main" xmlns="" val="3180054805"/>
+        <p14:creationId xmlns="" xmlns:p14="http://schemas.microsoft.com/office/powerpoint/2010/main" val="3180054805"/>
       </p:ext>
     </p:extLst>
   </p:cSld>
@@ -1099,7 +1099,7 @@
     </p:spTree>
     <p:extLst>
       <p:ext uri="{BB962C8B-B14F-4D97-AF65-F5344CB8AC3E}">
-        <p14:creationId xmlns:p14="http://schemas.microsoft.com/office/powerpoint/2010/main" xmlns="" val="3180054805"/>
+        <p14:creationId xmlns="" xmlns:p14="http://schemas.microsoft.com/office/powerpoint/2010/main" val="3180054805"/>
       </p:ext>
     </p:extLst>
   </p:cSld>
@@ -1378,7 +1378,7 @@
     </p:spTree>
     <p:extLst>
       <p:ext uri="{BB962C8B-B14F-4D97-AF65-F5344CB8AC3E}">
-        <p14:creationId xmlns:p14="http://schemas.microsoft.com/office/powerpoint/2010/main" xmlns="" val="3180054805"/>
+        <p14:creationId xmlns="" xmlns:p14="http://schemas.microsoft.com/office/powerpoint/2010/main" val="3180054805"/>
       </p:ext>
     </p:extLst>
   </p:cSld>
@@ -2844,7 +2844,7 @@
           <a:blip r:embed="rId3">
             <a:extLst>
               <a:ext uri="{28A0092B-C50C-407E-A947-70E740481C1C}">
-                <a14:useLocalDpi xmlns="" xmlns:a14="http://schemas.microsoft.com/office/drawing/2010/main" val="0"/>
+                <a14:useLocalDpi xmlns:a14="http://schemas.microsoft.com/office/drawing/2010/main" xmlns="" val="0"/>
               </a:ext>
             </a:extLst>
           </a:blip>
@@ -3062,7 +3062,7 @@
           <a:blip r:embed="rId3">
             <a:extLst>
               <a:ext uri="{28A0092B-C50C-407E-A947-70E740481C1C}">
-                <a14:useLocalDpi xmlns="" xmlns:a14="http://schemas.microsoft.com/office/drawing/2010/main" val="0"/>
+                <a14:useLocalDpi xmlns:a14="http://schemas.microsoft.com/office/drawing/2010/main" xmlns="" val="0"/>
               </a:ext>
             </a:extLst>
           </a:blip>
@@ -29903,7 +29903,29 @@
                 <a:ea typeface="ヒラギノ角ゴ Pro W3" charset="0"/>
                 <a:cs typeface="Consolas" pitchFamily="49" charset="0"/>
               </a:rPr>
-              <a:t>$ LD_LIBRARY_PATH=&lt;path to </a:t>
+              <a:t>$ </a:t>
+            </a:r>
+            <a:r>
+              <a:rPr lang="en-US" sz="1400" dirty="0" smtClean="0">
+                <a:solidFill>
+                  <a:schemeClr val="bg2"/>
+                </a:solidFill>
+                <a:latin typeface="Consolas" pitchFamily="49" charset="0"/>
+                <a:ea typeface="ヒラギノ角ゴ Pro W3" charset="0"/>
+                <a:cs typeface="Consolas" pitchFamily="49" charset="0"/>
+              </a:rPr>
+              <a:t>LD_LIBRARY_PATH = &lt;</a:t>
+            </a:r>
+            <a:r>
+              <a:rPr lang="en-US" sz="1400" dirty="0" smtClean="0">
+                <a:solidFill>
+                  <a:schemeClr val="bg2"/>
+                </a:solidFill>
+                <a:latin typeface="Consolas" pitchFamily="49" charset="0"/>
+                <a:ea typeface="ヒラギノ角ゴ Pro W3" charset="0"/>
+                <a:cs typeface="Consolas" pitchFamily="49" charset="0"/>
+              </a:rPr>
+              <a:t>path to </a:t>
             </a:r>
             <a:r>
               <a:rPr lang="en-US" sz="1400" dirty="0" err="1" smtClean="0">
@@ -31859,12 +31881,23 @@
                 <a:ea typeface="ヒラギノ角ゴ Pro W3" charset="0"/>
                 <a:cs typeface="Consolas" pitchFamily="49" charset="0"/>
               </a:rPr>
-              <a:t>$ g++ -shared -</a:t>
+              <a:t>$ g++ -shared </a:t>
+            </a:r>
+            <a:r>
+              <a:rPr lang="en-US" sz="1400" dirty="0" smtClean="0">
+                <a:solidFill>
+                  <a:srgbClr val="00B050"/>
+                </a:solidFill>
+                <a:latin typeface="Consolas" pitchFamily="49" charset="0"/>
+                <a:ea typeface="ヒラギノ角ゴ Pro W3" charset="0"/>
+                <a:cs typeface="Consolas" pitchFamily="49" charset="0"/>
+              </a:rPr>
+              <a:t>-</a:t>
             </a:r>
             <a:r>
               <a:rPr lang="en-US" sz="1400" dirty="0" err="1" smtClean="0">
                 <a:solidFill>
-                  <a:schemeClr val="bg2"/>
+                  <a:srgbClr val="00B050"/>
                 </a:solidFill>
                 <a:latin typeface="Consolas" pitchFamily="49" charset="0"/>
                 <a:ea typeface="ヒラギノ角ゴ Pro W3" charset="0"/>
@@ -31875,7 +31908,7 @@
             <a:r>
               <a:rPr lang="en-US" sz="1400" dirty="0" smtClean="0">
                 <a:solidFill>
-                  <a:schemeClr val="bg2"/>
+                  <a:srgbClr val="00B050"/>
                 </a:solidFill>
                 <a:latin typeface="Consolas" pitchFamily="49" charset="0"/>
                 <a:ea typeface="ヒラギノ角ゴ Pro W3" charset="0"/>
@@ -31886,7 +31919,7 @@
             <a:r>
               <a:rPr lang="en-US" sz="1400" dirty="0" err="1" smtClean="0">
                 <a:solidFill>
-                  <a:schemeClr val="bg2"/>
+                  <a:srgbClr val="00B050"/>
                 </a:solidFill>
                 <a:latin typeface="Consolas" pitchFamily="49" charset="0"/>
                 <a:ea typeface="ヒラギノ角ゴ Pro W3" charset="0"/>
@@ -31897,7 +31930,7 @@
             <a:r>
               <a:rPr lang="en-US" sz="1400" dirty="0" smtClean="0">
                 <a:solidFill>
-                  <a:schemeClr val="bg2"/>
+                  <a:srgbClr val="00B050"/>
                 </a:solidFill>
                 <a:latin typeface="Consolas" pitchFamily="49" charset="0"/>
                 <a:ea typeface="ヒラギノ角ゴ Pro W3" charset="0"/>
@@ -31908,7 +31941,7 @@
             <a:r>
               <a:rPr lang="en-US" sz="1400" dirty="0" err="1" smtClean="0">
                 <a:solidFill>
-                  <a:schemeClr val="bg2"/>
+                  <a:srgbClr val="00B050"/>
                 </a:solidFill>
                 <a:latin typeface="Consolas" pitchFamily="49" charset="0"/>
                 <a:ea typeface="ヒラギノ角ゴ Pro W3" charset="0"/>
@@ -31919,13 +31952,24 @@
             <a:r>
               <a:rPr lang="en-US" sz="1400" dirty="0" smtClean="0">
                 <a:solidFill>
-                  <a:schemeClr val="bg2"/>
-                </a:solidFill>
-                <a:latin typeface="Consolas" pitchFamily="49" charset="0"/>
-                <a:ea typeface="ヒラギノ角ゴ Pro W3" charset="0"/>
-                <a:cs typeface="Consolas" pitchFamily="49" charset="0"/>
-              </a:rPr>
-              <a:t> -o </a:t>
+                  <a:srgbClr val="00B050"/>
+                </a:solidFill>
+                <a:latin typeface="Consolas" pitchFamily="49" charset="0"/>
+                <a:ea typeface="ヒラギノ角ゴ Pro W3" charset="0"/>
+                <a:cs typeface="Consolas" pitchFamily="49" charset="0"/>
+              </a:rPr>
+              <a:t> </a:t>
+            </a:r>
+            <a:r>
+              <a:rPr lang="en-US" sz="1400" dirty="0" smtClean="0">
+                <a:solidFill>
+                  <a:schemeClr val="bg2"/>
+                </a:solidFill>
+                <a:latin typeface="Consolas" pitchFamily="49" charset="0"/>
+                <a:ea typeface="ヒラギノ角ゴ Pro W3" charset="0"/>
+                <a:cs typeface="Consolas" pitchFamily="49" charset="0"/>
+              </a:rPr>
+              <a:t>-o </a:t>
             </a:r>
             <a:r>
               <a:rPr lang="en-US" sz="1400" dirty="0" err="1" smtClean="0">
@@ -41078,7 +41122,7 @@
   <a:extraClrSchemeLst/>
   <a:extLst>
     <a:ext uri="{05A4C25C-085E-4340-85A3-A5531E510DB2}">
-      <thm15:themeFamily xmlns:thm15="http://schemas.microsoft.com/office/thememl/2012/main" xmlns="" name="Nokia PowerPoint Template Nokia Pure v12" id="{7AC05BEF-BBDF-4CF1-AA23-A676535EABCE}" vid="{991539CA-B441-4AED-8339-F6770207F6A2}"/>
+      <thm15:themeFamily xmlns="" xmlns:thm15="http://schemas.microsoft.com/office/thememl/2012/main" name="Nokia PowerPoint Template Nokia Pure v12" id="{7AC05BEF-BBDF-4CF1-AA23-A676535EABCE}" vid="{991539CA-B441-4AED-8339-F6770207F6A2}"/>
     </a:ext>
   </a:extLst>
 </a:theme>
@@ -41387,7 +41431,7 @@
   <a:extraClrSchemeLst/>
   <a:extLst>
     <a:ext uri="{05A4C25C-085E-4340-85A3-A5531E510DB2}">
-      <thm15:themeFamily xmlns:thm15="http://schemas.microsoft.com/office/thememl/2012/main" xmlns="" name="Nokia PowerPoint Template Nokia Pure v12" id="{7AC05BEF-BBDF-4CF1-AA23-A676535EABCE}" vid="{AF106B15-0C1E-44CE-A53A-F2CB8A6EA7E7}"/>
+      <thm15:themeFamily xmlns="" xmlns:thm15="http://schemas.microsoft.com/office/thememl/2012/main" name="Nokia PowerPoint Template Nokia Pure v12" id="{7AC05BEF-BBDF-4CF1-AA23-A676535EABCE}" vid="{AF106B15-0C1E-44CE-A53A-F2CB8A6EA7E7}"/>
     </a:ext>
   </a:extLst>
 </a:theme>

--- a/Diving into C++ linker.pptx
+++ b/Diving into C++ linker.pptx
@@ -7,10 +7,10 @@
     <p:sldMasterId id="2147483812" r:id="rId3"/>
   </p:sldMasterIdLst>
   <p:notesMasterIdLst>
-    <p:notesMasterId r:id="rId59"/>
+    <p:notesMasterId r:id="rId60"/>
   </p:notesMasterIdLst>
   <p:handoutMasterIdLst>
-    <p:handoutMasterId r:id="rId60"/>
+    <p:handoutMasterId r:id="rId61"/>
   </p:handoutMasterIdLst>
   <p:sldIdLst>
     <p:sldId id="311" r:id="rId4"/>
@@ -66,13 +66,14 @@
     <p:sldId id="417" r:id="rId54"/>
     <p:sldId id="418" r:id="rId55"/>
     <p:sldId id="382" r:id="rId56"/>
-    <p:sldId id="419" r:id="rId57"/>
-    <p:sldId id="364" r:id="rId58"/>
+    <p:sldId id="432" r:id="rId57"/>
+    <p:sldId id="419" r:id="rId58"/>
+    <p:sldId id="364" r:id="rId59"/>
   </p:sldIdLst>
   <p:sldSz cx="9144000" cy="5143500" type="screen16x9"/>
   <p:notesSz cx="6858000" cy="9144000"/>
   <p:custDataLst>
-    <p:tags r:id="rId61"/>
+    <p:tags r:id="rId62"/>
   </p:custDataLst>
   <p:defaultTextStyle>
     <a:defPPr>
@@ -343,7 +344,7 @@
               <a:pPr>
                 <a:defRPr/>
               </a:pPr>
-              <a:t>28-Jul-15</a:t>
+              <a:t>29-Jul-15</a:t>
             </a:fld>
             <a:endParaRPr lang="en-US"/>
           </a:p>
@@ -567,7 +568,7 @@
               <a:pPr>
                 <a:defRPr/>
               </a:pPr>
-              <a:t>28-Jul-15</a:t>
+              <a:t>29-Jul-15</a:t>
             </a:fld>
             <a:endParaRPr lang="en-US"/>
           </a:p>
@@ -1090,7 +1091,7 @@
               <a:pPr>
                 <a:defRPr/>
               </a:pPr>
-              <a:t>54</a:t>
+              <a:t>55</a:t>
             </a:fld>
             <a:endParaRPr lang="en-US"/>
           </a:p>
@@ -5353,7 +5354,7 @@
               <a:pPr>
                 <a:defRPr/>
               </a:pPr>
-              <a:t>28/07/2015</a:t>
+              <a:t>29/07/2015</a:t>
             </a:fld>
             <a:endParaRPr lang="en-GB" sz="800" dirty="0">
               <a:solidFill>
@@ -7558,7 +7559,7 @@
               <a:pPr>
                 <a:defRPr/>
               </a:pPr>
-              <a:t>28/07/2015</a:t>
+              <a:t>29/07/2015</a:t>
             </a:fld>
             <a:endParaRPr lang="en-GB" sz="800" dirty="0">
               <a:latin typeface="+mn-lt"/>
@@ -9344,7 +9345,7 @@
             <a:pPr algn="ctr"/>
             <a:r>
               <a:rPr lang="en-US" sz="3200" dirty="0" smtClean="0"/>
-              <a:t>Hereditary disease</a:t>
+              <a:t>Rules without enforcement</a:t>
             </a:r>
             <a:endParaRPr lang="en-US" sz="3200" dirty="0"/>
           </a:p>
@@ -10712,7 +10713,7 @@
             <a:pPr algn="ctr"/>
             <a:r>
               <a:rPr lang="en-US" sz="3200" dirty="0" smtClean="0"/>
-              <a:t>Hereditary disease</a:t>
+              <a:t>Rules without enforcement</a:t>
             </a:r>
             <a:endParaRPr lang="en-US" sz="3200" dirty="0"/>
           </a:p>
@@ -11233,7 +11234,7 @@
             <a:pPr algn="ctr"/>
             <a:r>
               <a:rPr lang="en-US" sz="3200" dirty="0" smtClean="0"/>
-              <a:t>Hereditary disease</a:t>
+              <a:t>Rules without enforcement</a:t>
             </a:r>
             <a:endParaRPr lang="en-US" sz="3200" dirty="0"/>
           </a:p>
@@ -12015,7 +12016,7 @@
             <a:pPr algn="ctr"/>
             <a:r>
               <a:rPr lang="en-US" sz="3200" dirty="0" smtClean="0"/>
-              <a:t>Hereditary disease</a:t>
+              <a:t>Rules without enforcement</a:t>
             </a:r>
             <a:endParaRPr lang="en-US" sz="3200" dirty="0"/>
           </a:p>
@@ -12813,7 +12814,7 @@
             <a:pPr algn="ctr"/>
             <a:r>
               <a:rPr lang="en-US" sz="3200" dirty="0" smtClean="0"/>
-              <a:t>Hereditary disease</a:t>
+              <a:t>Rules without enforcement</a:t>
             </a:r>
             <a:endParaRPr lang="en-US" sz="3200" dirty="0"/>
           </a:p>
@@ -13776,7 +13777,7 @@
             <a:pPr algn="ctr"/>
             <a:r>
               <a:rPr lang="en-US" sz="3200" dirty="0" smtClean="0"/>
-              <a:t>Hereditary disease</a:t>
+              <a:t>Rules without enforcement</a:t>
             </a:r>
             <a:endParaRPr lang="en-US" sz="3200" dirty="0"/>
           </a:p>
@@ -14702,7 +14703,7 @@
             <a:pPr algn="ctr"/>
             <a:r>
               <a:rPr lang="en-US" sz="3200" dirty="0" smtClean="0"/>
-              <a:t>Hereditary disease</a:t>
+              <a:t>Rules without enforcement</a:t>
             </a:r>
             <a:endParaRPr lang="en-US" sz="3200" dirty="0"/>
           </a:p>
@@ -29903,29 +29904,7 @@
                 <a:ea typeface="ヒラギノ角ゴ Pro W3" charset="0"/>
                 <a:cs typeface="Consolas" pitchFamily="49" charset="0"/>
               </a:rPr>
-              <a:t>$ </a:t>
-            </a:r>
-            <a:r>
-              <a:rPr lang="en-US" sz="1400" dirty="0" smtClean="0">
-                <a:solidFill>
-                  <a:schemeClr val="bg2"/>
-                </a:solidFill>
-                <a:latin typeface="Consolas" pitchFamily="49" charset="0"/>
-                <a:ea typeface="ヒラギノ角ゴ Pro W3" charset="0"/>
-                <a:cs typeface="Consolas" pitchFamily="49" charset="0"/>
-              </a:rPr>
-              <a:t>LD_LIBRARY_PATH = &lt;</a:t>
-            </a:r>
-            <a:r>
-              <a:rPr lang="en-US" sz="1400" dirty="0" smtClean="0">
-                <a:solidFill>
-                  <a:schemeClr val="bg2"/>
-                </a:solidFill>
-                <a:latin typeface="Consolas" pitchFamily="49" charset="0"/>
-                <a:ea typeface="ヒラギノ角ゴ Pro W3" charset="0"/>
-                <a:cs typeface="Consolas" pitchFamily="49" charset="0"/>
-              </a:rPr>
-              <a:t>path to </a:t>
+              <a:t>$ LD_LIBRARY_PATH = &lt;path to </a:t>
             </a:r>
             <a:r>
               <a:rPr lang="en-US" sz="1400" dirty="0" err="1" smtClean="0">
@@ -38241,6 +38220,470 @@
       </p:grpSpPr>
       <p:sp>
         <p:nvSpPr>
+          <p:cNvPr id="2" name="Title 1"/>
+          <p:cNvSpPr>
+            <a:spLocks noGrp="1"/>
+          </p:cNvSpPr>
+          <p:nvPr>
+            <p:ph type="title"/>
+          </p:nvPr>
+        </p:nvSpPr>
+        <p:spPr>
+          <a:xfrm>
+            <a:off x="416169" y="435143"/>
+            <a:ext cx="8229600" cy="480423"/>
+          </a:xfrm>
+        </p:spPr>
+        <p:txBody>
+          <a:bodyPr/>
+          <a:lstStyle/>
+          <a:p>
+            <a:pPr algn="ctr"/>
+            <a:r>
+              <a:rPr lang="en-US" sz="3200" dirty="0" smtClean="0"/>
+              <a:t>References</a:t>
+            </a:r>
+            <a:endParaRPr lang="en-US" sz="3200" dirty="0"/>
+          </a:p>
+        </p:txBody>
+      </p:sp>
+      <p:sp>
+        <p:nvSpPr>
+          <p:cNvPr id="3" name="Content Placeholder 2"/>
+          <p:cNvSpPr>
+            <a:spLocks noGrp="1"/>
+          </p:cNvSpPr>
+          <p:nvPr>
+            <p:ph sz="quarter" idx="13"/>
+          </p:nvPr>
+        </p:nvSpPr>
+        <p:spPr>
+          <a:xfrm>
+            <a:off x="418120" y="1203598"/>
+            <a:ext cx="8227649" cy="2952328"/>
+          </a:xfrm>
+        </p:spPr>
+        <p:txBody>
+          <a:bodyPr/>
+          <a:lstStyle/>
+          <a:p>
+            <a:pPr lvl="1">
+              <a:buNone/>
+            </a:pPr>
+            <a:r>
+              <a:rPr lang="en-US" sz="2400" dirty="0" smtClean="0"/>
+              <a:t> </a:t>
+            </a:r>
+          </a:p>
+        </p:txBody>
+      </p:sp>
+      <p:sp>
+        <p:nvSpPr>
+          <p:cNvPr id="6" name="Footer Placeholder 5"/>
+          <p:cNvSpPr>
+            <a:spLocks noGrp="1"/>
+          </p:cNvSpPr>
+          <p:nvPr>
+            <p:ph type="ftr" sz="quarter" idx="18"/>
+          </p:nvPr>
+        </p:nvSpPr>
+        <p:spPr/>
+        <p:txBody>
+          <a:bodyPr/>
+          <a:lstStyle/>
+          <a:p>
+            <a:pPr algn="l"/>
+            <a:r>
+              <a:rPr lang="en-GB" dirty="0" smtClean="0">
+                <a:solidFill>
+                  <a:schemeClr val="bg2"/>
+                </a:solidFill>
+                <a:cs typeface="Arial" charset="0"/>
+              </a:rPr>
+              <a:t>&lt;Change information classification in footer&gt;</a:t>
+            </a:r>
+          </a:p>
+        </p:txBody>
+      </p:sp>
+      <p:sp>
+        <p:nvSpPr>
+          <p:cNvPr id="5" name="Content Placeholder 2"/>
+          <p:cNvSpPr txBox="1">
+            <a:spLocks/>
+          </p:cNvSpPr>
+          <p:nvPr/>
+        </p:nvSpPr>
+        <p:spPr bwMode="auto">
+          <a:xfrm>
+            <a:off x="570520" y="1203598"/>
+            <a:ext cx="8227649" cy="2952328"/>
+          </a:xfrm>
+          <a:prstGeom prst="rect">
+            <a:avLst/>
+          </a:prstGeom>
+          <a:noFill/>
+          <a:ln w="9525">
+            <a:noFill/>
+            <a:miter lim="800000"/>
+            <a:headEnd/>
+            <a:tailEnd/>
+          </a:ln>
+        </p:spPr>
+        <p:txBody>
+          <a:bodyPr vert="horz" wrap="square" lIns="0" tIns="0" rIns="0" bIns="0" numCol="1" anchor="t" anchorCtr="0" compatLnSpc="1">
+            <a:prstTxWarp prst="textNoShape">
+              <a:avLst/>
+            </a:prstTxWarp>
+          </a:bodyPr>
+          <a:lstStyle/>
+          <a:p>
+            <a:pPr marL="458788" marR="0" lvl="1" indent="-228600" algn="l" defTabSz="457200" rtl="0" eaLnBrk="1" fontAlgn="base" latinLnBrk="0" hangingPunct="1">
+              <a:lnSpc>
+                <a:spcPct val="100000"/>
+              </a:lnSpc>
+              <a:spcBef>
+                <a:spcPct val="0"/>
+              </a:spcBef>
+              <a:spcAft>
+                <a:spcPts val="600"/>
+              </a:spcAft>
+              <a:buClrTx/>
+              <a:buSzTx/>
+              <a:buFont typeface="Arial" pitchFamily="34" charset="0"/>
+              <a:buChar char="•"/>
+              <a:tabLst/>
+              <a:defRPr/>
+            </a:pPr>
+            <a:endParaRPr kumimoji="0" lang="en-US" sz="2400" b="0" i="0" u="none" strike="noStrike" kern="1200" cap="none" spc="0" normalizeH="0" baseline="0" noProof="0" dirty="0" smtClean="0">
+              <a:ln>
+                <a:noFill/>
+              </a:ln>
+              <a:solidFill>
+                <a:schemeClr val="bg2"/>
+              </a:solidFill>
+              <a:effectLst/>
+              <a:uLnTx/>
+              <a:uFillTx/>
+              <a:latin typeface="+mn-lt"/>
+              <a:ea typeface="ヒラギノ角ゴ Pro W3" charset="0"/>
+              <a:cs typeface="ヒラギノ角ゴ Pro W3"/>
+            </a:endParaRPr>
+          </a:p>
+        </p:txBody>
+      </p:sp>
+      <p:sp>
+        <p:nvSpPr>
+          <p:cNvPr id="7" name="Rectangle 6"/>
+          <p:cNvSpPr/>
+          <p:nvPr/>
+        </p:nvSpPr>
+        <p:spPr>
+          <a:xfrm>
+            <a:off x="418120" y="1187336"/>
+            <a:ext cx="8553787" cy="1815882"/>
+          </a:xfrm>
+          <a:prstGeom prst="rect">
+            <a:avLst/>
+          </a:prstGeom>
+        </p:spPr>
+        <p:txBody>
+          <a:bodyPr wrap="square">
+            <a:spAutoFit/>
+          </a:bodyPr>
+          <a:lstStyle/>
+          <a:p>
+            <a:pPr marL="342900" indent="-342900" fontAlgn="t">
+              <a:buFontTx/>
+              <a:buAutoNum type="arabicPeriod"/>
+            </a:pPr>
+            <a:r>
+              <a:rPr lang="en-US" sz="1400" dirty="0" smtClean="0">
+                <a:solidFill>
+                  <a:srgbClr val="68717A"/>
+                </a:solidFill>
+                <a:latin typeface="Nokia Pure Headline Light"/>
+                <a:ea typeface="ヒラギノ角ゴ Pro W3" charset="0"/>
+                <a:cs typeface="ヒラギノ角ゴ Pro W3" charset="0"/>
+              </a:rPr>
+              <a:t>Sources for all examples that we covered you can find </a:t>
+            </a:r>
+            <a:r>
+              <a:rPr lang="en-US" sz="1400" dirty="0" smtClean="0">
+                <a:solidFill>
+                  <a:srgbClr val="68717A"/>
+                </a:solidFill>
+                <a:latin typeface="Nokia Pure Headline Light"/>
+                <a:ea typeface="ヒラギノ角ゴ Pro W3" charset="0"/>
+                <a:cs typeface="ヒラギノ角ゴ Pro W3" charset="0"/>
+              </a:rPr>
+              <a:t>under this link: </a:t>
+            </a:r>
+            <a:r>
+              <a:rPr lang="en-US" sz="1400" dirty="0" smtClean="0">
+                <a:solidFill>
+                  <a:srgbClr val="68717A"/>
+                </a:solidFill>
+                <a:latin typeface="Nokia Pure Headline Light"/>
+                <a:ea typeface="ヒラギノ角ゴ Pro W3" charset="0"/>
+                <a:cs typeface="ヒラギノ角ゴ Pro W3" charset="0"/>
+                <a:hlinkClick r:id="rId2"/>
+              </a:rPr>
+              <a:t>https://github.com/dendibakh/Linker</a:t>
+            </a:r>
+            <a:r>
+              <a:rPr lang="en-US" sz="1400" dirty="0" smtClean="0">
+                <a:solidFill>
+                  <a:srgbClr val="68717A"/>
+                </a:solidFill>
+                <a:latin typeface="Nokia Pure Headline Light"/>
+                <a:ea typeface="ヒラギノ角ゴ Pro W3" charset="0"/>
+                <a:cs typeface="ヒラギノ角ゴ Pro W3" charset="0"/>
+              </a:rPr>
+              <a:t>.</a:t>
+            </a:r>
+            <a:r>
+              <a:rPr lang="en-US" sz="1400" dirty="0" smtClean="0">
+                <a:solidFill>
+                  <a:srgbClr val="68717A"/>
+                </a:solidFill>
+                <a:latin typeface="Nokia Pure Headline Light"/>
+                <a:ea typeface="ヒラギノ角ゴ Pro W3" charset="0"/>
+                <a:cs typeface="ヒラギノ角ゴ Pro W3" charset="0"/>
+              </a:rPr>
+              <a:t/>
+            </a:r>
+            <a:br>
+              <a:rPr lang="en-US" sz="1400" dirty="0" smtClean="0">
+                <a:solidFill>
+                  <a:srgbClr val="68717A"/>
+                </a:solidFill>
+                <a:latin typeface="Nokia Pure Headline Light"/>
+                <a:ea typeface="ヒラギノ角ゴ Pro W3" charset="0"/>
+                <a:cs typeface="ヒラギノ角ゴ Pro W3" charset="0"/>
+              </a:rPr>
+            </a:br>
+            <a:endParaRPr lang="en-US" sz="1400" dirty="0" smtClean="0">
+              <a:solidFill>
+                <a:srgbClr val="68717A"/>
+              </a:solidFill>
+              <a:latin typeface="Nokia Pure Headline Light"/>
+              <a:ea typeface="ヒラギノ角ゴ Pro W3" charset="0"/>
+              <a:cs typeface="ヒラギノ角ゴ Pro W3" charset="0"/>
+            </a:endParaRPr>
+          </a:p>
+          <a:p>
+            <a:pPr marL="342900" indent="-342900" fontAlgn="t">
+              <a:buFontTx/>
+              <a:buAutoNum type="arabicPeriod"/>
+            </a:pPr>
+            <a:r>
+              <a:rPr lang="en-US" sz="1400" dirty="0" smtClean="0">
+                <a:solidFill>
+                  <a:srgbClr val="68717A"/>
+                </a:solidFill>
+                <a:latin typeface="Nokia Pure Headline Light"/>
+                <a:ea typeface="ヒラギノ角ゴ Pro W3" charset="0"/>
+                <a:cs typeface="ヒラギノ角ゴ Pro W3" charset="0"/>
+              </a:rPr>
+              <a:t>David </a:t>
+            </a:r>
+            <a:r>
+              <a:rPr lang="en-US" sz="1400" dirty="0" err="1" smtClean="0">
+                <a:solidFill>
+                  <a:srgbClr val="68717A"/>
+                </a:solidFill>
+                <a:latin typeface="Nokia Pure Headline Light"/>
+                <a:ea typeface="ヒラギノ角ゴ Pro W3" charset="0"/>
+                <a:cs typeface="ヒラギノ角ゴ Pro W3" charset="0"/>
+              </a:rPr>
+              <a:t>Drysdale</a:t>
+            </a:r>
+            <a:r>
+              <a:rPr lang="en-US" sz="1400" dirty="0" smtClean="0">
+                <a:solidFill>
+                  <a:srgbClr val="68717A"/>
+                </a:solidFill>
+                <a:latin typeface="Nokia Pure Headline Light"/>
+                <a:ea typeface="ヒラギノ角ゴ Pro W3" charset="0"/>
+                <a:cs typeface="ヒラギノ角ゴ Pro W3" charset="0"/>
+              </a:rPr>
+              <a:t>, Beginner's guide to linkers </a:t>
+            </a:r>
+            <a:r>
+              <a:rPr lang="en-US" sz="1400" dirty="0" smtClean="0">
+                <a:solidFill>
+                  <a:srgbClr val="68717A"/>
+                </a:solidFill>
+                <a:latin typeface="Nokia Pure Headline Light"/>
+                <a:ea typeface="ヒラギノ角ゴ Pro W3" charset="0"/>
+                <a:cs typeface="ヒラギノ角ゴ Pro W3" charset="0"/>
+              </a:rPr>
+              <a:t> (</a:t>
+            </a:r>
+            <a:r>
+              <a:rPr lang="en-US" sz="1400" dirty="0" smtClean="0">
+                <a:solidFill>
+                  <a:srgbClr val="68717A"/>
+                </a:solidFill>
+                <a:latin typeface="Nokia Pure Headline Light"/>
+                <a:ea typeface="ヒラギノ角ゴ Pro W3" charset="0"/>
+                <a:cs typeface="ヒラギノ角ゴ Pro W3" charset="0"/>
+                <a:hlinkClick r:id="rId3"/>
+              </a:rPr>
+              <a:t>http</a:t>
+            </a:r>
+            <a:r>
+              <a:rPr lang="en-US" sz="1400" dirty="0" smtClean="0">
+                <a:solidFill>
+                  <a:srgbClr val="68717A"/>
+                </a:solidFill>
+                <a:latin typeface="Nokia Pure Headline Light"/>
+                <a:ea typeface="ヒラギノ角ゴ Pro W3" charset="0"/>
+                <a:cs typeface="ヒラギノ角ゴ Pro W3" charset="0"/>
+                <a:hlinkClick r:id="rId3"/>
+              </a:rPr>
+              <a:t>://</a:t>
+            </a:r>
+            <a:r>
+              <a:rPr lang="en-US" sz="1400" dirty="0" smtClean="0">
+                <a:solidFill>
+                  <a:srgbClr val="68717A"/>
+                </a:solidFill>
+                <a:latin typeface="Nokia Pure Headline Light"/>
+                <a:ea typeface="ヒラギノ角ゴ Pro W3" charset="0"/>
+                <a:cs typeface="ヒラギノ角ゴ Pro W3" charset="0"/>
+                <a:hlinkClick r:id="rId3"/>
+              </a:rPr>
+              <a:t>www.lurklurk.org/linkers/linkers.html</a:t>
+            </a:r>
+            <a:r>
+              <a:rPr lang="en-US" sz="1400" dirty="0" smtClean="0">
+                <a:solidFill>
+                  <a:srgbClr val="68717A"/>
+                </a:solidFill>
+                <a:latin typeface="Nokia Pure Headline Light"/>
+                <a:ea typeface="ヒラギノ角ゴ Pro W3" charset="0"/>
+                <a:cs typeface="ヒラギノ角ゴ Pro W3" charset="0"/>
+              </a:rPr>
+              <a:t>).</a:t>
+            </a:r>
+            <a:endParaRPr lang="en-US" sz="1400" dirty="0" smtClean="0">
+              <a:solidFill>
+                <a:srgbClr val="68717A"/>
+              </a:solidFill>
+              <a:latin typeface="Nokia Pure Headline Light"/>
+              <a:ea typeface="ヒラギノ角ゴ Pro W3" charset="0"/>
+              <a:cs typeface="ヒラギノ角ゴ Pro W3" charset="0"/>
+            </a:endParaRPr>
+          </a:p>
+          <a:p>
+            <a:pPr marL="342900" indent="-342900" fontAlgn="t">
+              <a:buAutoNum type="arabicPeriod"/>
+            </a:pPr>
+            <a:endParaRPr lang="en-US" sz="1400" dirty="0" smtClean="0">
+              <a:solidFill>
+                <a:srgbClr val="68717A"/>
+              </a:solidFill>
+              <a:latin typeface="Nokia Pure Headline Light"/>
+              <a:ea typeface="ヒラギノ角ゴ Pro W3" charset="0"/>
+              <a:cs typeface="ヒラギノ角ゴ Pro W3" charset="0"/>
+            </a:endParaRPr>
+          </a:p>
+          <a:p>
+            <a:pPr marL="342900" indent="-342900" fontAlgn="t">
+              <a:buAutoNum type="arabicPeriod"/>
+            </a:pPr>
+            <a:r>
+              <a:rPr lang="en-US" sz="1400" dirty="0" smtClean="0">
+                <a:solidFill>
+                  <a:srgbClr val="68717A"/>
+                </a:solidFill>
+                <a:latin typeface="Nokia Pure Headline Light"/>
+                <a:ea typeface="ヒラギノ角ゴ Pro W3" charset="0"/>
+                <a:cs typeface="ヒラギノ角ゴ Pro W3" charset="0"/>
+                <a:hlinkClick r:id="rId4"/>
+              </a:rPr>
+              <a:t>https://sourceware.org/binutils/docs/binutils</a:t>
+            </a:r>
+            <a:r>
+              <a:rPr lang="en-US" sz="1400" dirty="0" smtClean="0">
+                <a:solidFill>
+                  <a:srgbClr val="68717A"/>
+                </a:solidFill>
+                <a:latin typeface="Nokia Pure Headline Light"/>
+                <a:ea typeface="ヒラギノ角ゴ Pro W3" charset="0"/>
+                <a:cs typeface="ヒラギノ角ゴ Pro W3" charset="0"/>
+              </a:rPr>
+              <a:t>.</a:t>
+            </a:r>
+          </a:p>
+          <a:p>
+            <a:pPr marL="342900" indent="-342900" fontAlgn="t">
+              <a:buAutoNum type="arabicPeriod"/>
+            </a:pPr>
+            <a:endParaRPr lang="en-US" sz="1400" dirty="0" smtClean="0">
+              <a:solidFill>
+                <a:srgbClr val="68717A"/>
+              </a:solidFill>
+              <a:latin typeface="Nokia Pure Headline Light"/>
+              <a:ea typeface="ヒラギノ角ゴ Pro W3" charset="0"/>
+              <a:cs typeface="ヒラギノ角ゴ Pro W3" charset="0"/>
+            </a:endParaRPr>
+          </a:p>
+          <a:p>
+            <a:pPr marL="342900" indent="-342900" fontAlgn="t">
+              <a:buAutoNum type="arabicPeriod"/>
+            </a:pPr>
+            <a:r>
+              <a:rPr lang="en-US" sz="1400" dirty="0" smtClean="0">
+                <a:solidFill>
+                  <a:srgbClr val="68717A"/>
+                </a:solidFill>
+                <a:latin typeface="Nokia Pure Headline Light"/>
+                <a:ea typeface="ヒラギノ角ゴ Pro W3" charset="0"/>
+                <a:cs typeface="ヒラギノ角ゴ Pro W3" charset="0"/>
+                <a:hlinkClick r:id="rId5"/>
+              </a:rPr>
+              <a:t>http://stackoverflow.com/questions/31495877/i-receive-different-results-on-unix-and-win-when-use-static-members-with-static</a:t>
+            </a:r>
+            <a:endParaRPr lang="en-US" sz="1400" dirty="0" smtClean="0">
+              <a:solidFill>
+                <a:srgbClr val="68717A"/>
+              </a:solidFill>
+              <a:latin typeface="Nokia Pure Headline Light"/>
+              <a:ea typeface="ヒラギノ角ゴ Pro W3" charset="0"/>
+              <a:cs typeface="ヒラギノ角ゴ Pro W3" charset="0"/>
+            </a:endParaRPr>
+          </a:p>
+        </p:txBody>
+      </p:sp>
+    </p:spTree>
+  </p:cSld>
+  <p:clrMapOvr>
+    <a:masterClrMapping/>
+  </p:clrMapOvr>
+</p:sld>
+</file>
+
+<file path=ppt/slides/slide55.xml><?xml version="1.0" encoding="utf-8"?>
+<p:sld xmlns:a="http://schemas.openxmlformats.org/drawingml/2006/main" xmlns:r="http://schemas.openxmlformats.org/officeDocument/2006/relationships" xmlns:p="http://schemas.openxmlformats.org/presentationml/2006/main">
+  <p:cSld>
+    <p:spTree>
+      <p:nvGrpSpPr>
+        <p:cNvPr id="1" name=""/>
+        <p:cNvGrpSpPr/>
+        <p:nvPr/>
+      </p:nvGrpSpPr>
+      <p:grpSpPr>
+        <a:xfrm>
+          <a:off x="0" y="0"/>
+          <a:ext cx="0" cy="0"/>
+          <a:chOff x="0" y="0"/>
+          <a:chExt cx="0" cy="0"/>
+        </a:xfrm>
+      </p:grpSpPr>
+      <p:sp>
+        <p:nvSpPr>
           <p:cNvPr id="13313" name="Text Placeholder 5"/>
           <p:cNvSpPr>
             <a:spLocks noGrp="1"/>
@@ -38371,7 +38814,7 @@
 </p:sld>
 </file>
 
-<file path=ppt/slides/slide55.xml><?xml version="1.0" encoding="utf-8"?>
+<file path=ppt/slides/slide56.xml><?xml version="1.0" encoding="utf-8"?>
 <p:sld xmlns:a="http://schemas.openxmlformats.org/drawingml/2006/main" xmlns:r="http://schemas.openxmlformats.org/officeDocument/2006/relationships" xmlns:p="http://schemas.openxmlformats.org/presentationml/2006/main" show="0">
   <p:cSld>
     <p:spTree>

--- a/Diving into C++ linker.pptx
+++ b/Diving into C++ linker.pptx
@@ -38380,7 +38380,7 @@
         <p:spPr>
           <a:xfrm>
             <a:off x="418120" y="1187336"/>
-            <a:ext cx="8553787" cy="1815882"/>
+            <a:ext cx="8553787" cy="2246769"/>
           </a:xfrm>
           <a:prstGeom prst="rect">
             <a:avLst/>
@@ -38591,8 +38591,53 @@
           </a:p>
           <a:p>
             <a:pPr marL="342900" indent="-342900" fontAlgn="t">
+              <a:buFontTx/>
               <a:buAutoNum type="arabicPeriod"/>
             </a:pPr>
+            <a:r>
+              <a:rPr lang="en-US" sz="1400" dirty="0" smtClean="0">
+                <a:solidFill>
+                  <a:srgbClr val="68717A"/>
+                </a:solidFill>
+                <a:latin typeface="Nokia Pure Headline Light"/>
+                <a:ea typeface="ヒラギノ角ゴ Pro W3" charset="0"/>
+                <a:cs typeface="ヒラギノ角ゴ Pro W3" charset="0"/>
+              </a:rPr>
+              <a:t>Alexander </a:t>
+            </a:r>
+            <a:r>
+              <a:rPr lang="en-US" sz="1400" dirty="0" err="1" smtClean="0">
+                <a:solidFill>
+                  <a:srgbClr val="68717A"/>
+                </a:solidFill>
+                <a:latin typeface="Nokia Pure Headline Light"/>
+                <a:ea typeface="ヒラギノ角ゴ Pro W3" charset="0"/>
+                <a:cs typeface="ヒラギノ角ゴ Pro W3" charset="0"/>
+              </a:rPr>
+              <a:t>Bernauer</a:t>
+            </a:r>
+            <a:r>
+              <a:rPr lang="en-US" sz="1400" dirty="0" smtClean="0">
+                <a:solidFill>
+                  <a:srgbClr val="68717A"/>
+                </a:solidFill>
+                <a:latin typeface="Nokia Pure Headline Light"/>
+                <a:ea typeface="ヒラギノ角ゴ Pro W3" charset="0"/>
+                <a:cs typeface="ヒラギノ角ゴ Pro W3" charset="0"/>
+              </a:rPr>
+              <a:t> </a:t>
+            </a:r>
+            <a:r>
+              <a:rPr lang="en-US" sz="1400" dirty="0" smtClean="0">
+                <a:solidFill>
+                  <a:srgbClr val="68717A"/>
+                </a:solidFill>
+                <a:latin typeface="Nokia Pure Headline Light"/>
+                <a:ea typeface="ヒラギノ角ゴ Pro W3" charset="0"/>
+                <a:cs typeface="ヒラギノ角ゴ Pro W3" charset="0"/>
+              </a:rPr>
+              <a:t>‘s blog (</a:t>
+            </a:r>
             <a:r>
               <a:rPr lang="en-US" sz="1400" dirty="0" smtClean="0">
                 <a:solidFill>
@@ -38603,7 +38648,7 @@
                 <a:cs typeface="ヒラギノ角ゴ Pro W3" charset="0"/>
                 <a:hlinkClick r:id="rId4"/>
               </a:rPr>
-              <a:t>https://sourceware.org/binutils/docs/binutils</a:t>
+              <a:t>http</a:t>
             </a:r>
             <a:r>
               <a:rPr lang="en-US" sz="1400" dirty="0" smtClean="0">
@@ -38613,14 +38658,33 @@
                 <a:latin typeface="Nokia Pure Headline Light"/>
                 <a:ea typeface="ヒラギノ角ゴ Pro W3" charset="0"/>
                 <a:cs typeface="ヒラギノ角ゴ Pro W3" charset="0"/>
-              </a:rPr>
-              <a:t>.</a:t>
-            </a:r>
-          </a:p>
-          <a:p>
-            <a:pPr marL="342900" indent="-342900" fontAlgn="t">
-              <a:buAutoNum type="arabicPeriod"/>
-            </a:pPr>
+                <a:hlinkClick r:id="rId4"/>
+              </a:rPr>
+              <a:t>://blog.copton.net/articles/linker</a:t>
+            </a:r>
+            <a:r>
+              <a:rPr lang="en-US" sz="1400" dirty="0" smtClean="0">
+                <a:solidFill>
+                  <a:srgbClr val="68717A"/>
+                </a:solidFill>
+                <a:latin typeface="Nokia Pure Headline Light"/>
+                <a:ea typeface="ヒラギノ角ゴ Pro W3" charset="0"/>
+                <a:cs typeface="ヒラギノ角ゴ Pro W3" charset="0"/>
+                <a:hlinkClick r:id="rId4"/>
+              </a:rPr>
+              <a:t>/</a:t>
+            </a:r>
+            <a:r>
+              <a:rPr lang="en-US" sz="1400" dirty="0" smtClean="0">
+                <a:solidFill>
+                  <a:srgbClr val="68717A"/>
+                </a:solidFill>
+                <a:latin typeface="Nokia Pure Headline Light"/>
+                <a:ea typeface="ヒラギノ角ゴ Pro W3" charset="0"/>
+                <a:cs typeface="ヒラギノ角ゴ Pro W3" charset="0"/>
+              </a:rPr>
+              <a:t>).</a:t>
+            </a:r>
             <a:endParaRPr lang="en-US" sz="1400" dirty="0" smtClean="0">
               <a:solidFill>
                 <a:srgbClr val="68717A"/>
@@ -38634,18 +38698,6 @@
             <a:pPr marL="342900" indent="-342900" fontAlgn="t">
               <a:buAutoNum type="arabicPeriod"/>
             </a:pPr>
-            <a:r>
-              <a:rPr lang="en-US" sz="1400" dirty="0" smtClean="0">
-                <a:solidFill>
-                  <a:srgbClr val="68717A"/>
-                </a:solidFill>
-                <a:latin typeface="Nokia Pure Headline Light"/>
-                <a:ea typeface="ヒラギノ角ゴ Pro W3" charset="0"/>
-                <a:cs typeface="ヒラギノ角ゴ Pro W3" charset="0"/>
-                <a:hlinkClick r:id="rId5"/>
-              </a:rPr>
-              <a:t>http://stackoverflow.com/questions/31495877/i-receive-different-results-on-unix-and-win-when-use-static-members-with-static</a:t>
-            </a:r>
             <a:endParaRPr lang="en-US" sz="1400" dirty="0" smtClean="0">
               <a:solidFill>
                 <a:srgbClr val="68717A"/>
@@ -38654,6 +38706,86 @@
               <a:ea typeface="ヒラギノ角ゴ Pro W3" charset="0"/>
               <a:cs typeface="ヒラギノ角ゴ Pro W3" charset="0"/>
             </a:endParaRPr>
+          </a:p>
+          <a:p>
+            <a:pPr marL="342900" indent="-342900" fontAlgn="t">
+              <a:buFontTx/>
+              <a:buAutoNum type="arabicPeriod"/>
+            </a:pPr>
+            <a:r>
+              <a:rPr lang="en-US" sz="1400" dirty="0" smtClean="0">
+                <a:solidFill>
+                  <a:srgbClr val="68717A"/>
+                </a:solidFill>
+                <a:latin typeface="Nokia Pure Headline Light"/>
+                <a:ea typeface="ヒラギノ角ゴ Pro W3" charset="0"/>
+                <a:cs typeface="ヒラギノ角ゴ Pro W3" charset="0"/>
+                <a:hlinkClick r:id="rId5"/>
+              </a:rPr>
+              <a:t>http://stackoverflow.com/questions/31495877/i-receive-different-results-on-unix-and-win-when-use-static-members-with-static</a:t>
+            </a:r>
+            <a:endParaRPr lang="en-US" sz="1400" dirty="0" smtClean="0">
+              <a:solidFill>
+                <a:srgbClr val="68717A"/>
+              </a:solidFill>
+              <a:latin typeface="Nokia Pure Headline Light"/>
+              <a:ea typeface="ヒラギノ角ゴ Pro W3" charset="0"/>
+              <a:cs typeface="ヒラギノ角ゴ Pro W3" charset="0"/>
+            </a:endParaRPr>
+          </a:p>
+          <a:p>
+            <a:pPr marL="342900" indent="-342900" fontAlgn="t">
+              <a:buAutoNum type="arabicPeriod"/>
+            </a:pPr>
+            <a:endParaRPr lang="en-US" sz="1400" dirty="0" smtClean="0">
+              <a:solidFill>
+                <a:srgbClr val="68717A"/>
+              </a:solidFill>
+              <a:latin typeface="Nokia Pure Headline Light"/>
+              <a:ea typeface="ヒラギノ角ゴ Pro W3" charset="0"/>
+              <a:cs typeface="ヒラギノ角ゴ Pro W3" charset="0"/>
+              <a:hlinkClick r:id="rId6"/>
+            </a:endParaRPr>
+          </a:p>
+          <a:p>
+            <a:pPr marL="342900" indent="-342900" fontAlgn="t">
+              <a:buAutoNum type="arabicPeriod"/>
+            </a:pPr>
+            <a:r>
+              <a:rPr lang="en-US" sz="1400" dirty="0" smtClean="0">
+                <a:solidFill>
+                  <a:srgbClr val="68717A"/>
+                </a:solidFill>
+                <a:latin typeface="Nokia Pure Headline Light"/>
+                <a:ea typeface="ヒラギノ角ゴ Pro W3" charset="0"/>
+                <a:cs typeface="ヒラギノ角ゴ Pro W3" charset="0"/>
+                <a:hlinkClick r:id="rId6"/>
+              </a:rPr>
+              <a:t>https</a:t>
+            </a:r>
+            <a:r>
+              <a:rPr lang="en-US" sz="1400" dirty="0" smtClean="0">
+                <a:solidFill>
+                  <a:srgbClr val="68717A"/>
+                </a:solidFill>
+                <a:latin typeface="Nokia Pure Headline Light"/>
+                <a:ea typeface="ヒラギノ角ゴ Pro W3" charset="0"/>
+                <a:cs typeface="ヒラギノ角ゴ Pro W3" charset="0"/>
+                <a:hlinkClick r:id="rId6"/>
+              </a:rPr>
+              <a:t>://sourceware.org/binutils/docs/binutils</a:t>
+            </a:r>
+            <a:r>
+              <a:rPr lang="en-US" sz="1400" dirty="0" smtClean="0">
+                <a:solidFill>
+                  <a:srgbClr val="68717A"/>
+                </a:solidFill>
+                <a:latin typeface="Nokia Pure Headline Light"/>
+                <a:ea typeface="ヒラギノ角ゴ Pro W3" charset="0"/>
+                <a:cs typeface="ヒラギノ角ゴ Pro W3" charset="0"/>
+              </a:rPr>
+              <a:t>.</a:t>
+            </a:r>
           </a:p>
         </p:txBody>
       </p:sp>
@@ -39972,7 +40104,7 @@
         </p:nvSpPr>
         <p:spPr>
           <a:xfrm>
-            <a:off x="864096" y="1131590"/>
+            <a:off x="864096" y="1059582"/>
             <a:ext cx="3059832" cy="3600986"/>
           </a:xfrm>
           <a:prstGeom prst="rect">

--- a/Diving into C++ linker.pptx
+++ b/Diving into C++ linker.pptx
@@ -202,7 +202,7 @@
   </p:defaultTextStyle>
   <p:extLst>
     <p:ext uri="{EFAFB233-063F-42B5-8137-9DF3F51BA10A}">
-      <p15:sldGuideLst xmlns="" xmlns:p15="http://schemas.microsoft.com/office/powerpoint/2012/main">
+      <p15:sldGuideLst xmlns:p15="http://schemas.microsoft.com/office/powerpoint/2012/main">
         <p15:guide id="1" orient="horz" pos="1620">
           <p15:clr>
             <a:srgbClr val="A4A3A4"/>
@@ -216,7 +216,7 @@
       </p15:sldGuideLst>
     </p:ext>
     <p:ext uri="{2D200454-40CA-4A62-9FC3-DE9A4176ACB9}">
-      <p15:notesGuideLst xmlns="" xmlns:p15="http://schemas.microsoft.com/office/powerpoint/2012/main">
+      <p15:notesGuideLst xmlns:p15="http://schemas.microsoft.com/office/powerpoint/2012/main">
         <p15:guide id="1" orient="horz" pos="2880">
           <p15:clr>
             <a:srgbClr val="A4A3A4"/>
@@ -344,7 +344,7 @@
               <a:pPr>
                 <a:defRPr/>
               </a:pPr>
-              <a:t>29-Jul-15</a:t>
+              <a:t>21-Oct-15</a:t>
             </a:fld>
             <a:endParaRPr lang="en-US"/>
           </a:p>
@@ -448,7 +448,7 @@
     </p:spTree>
     <p:extLst>
       <p:ext uri="{BB962C8B-B14F-4D97-AF65-F5344CB8AC3E}">
-        <p14:creationId xmlns="" xmlns:p14="http://schemas.microsoft.com/office/powerpoint/2010/main" val="3867598621"/>
+        <p14:creationId xmlns:p14="http://schemas.microsoft.com/office/powerpoint/2010/main" val="3867598621"/>
       </p:ext>
     </p:extLst>
   </p:cSld>
@@ -568,7 +568,7 @@
               <a:pPr>
                 <a:defRPr/>
               </a:pPr>
-              <a:t>29-Jul-15</a:t>
+              <a:t>21-Oct-15</a:t>
             </a:fld>
             <a:endParaRPr lang="en-US"/>
           </a:p>
@@ -769,7 +769,7 @@
     </p:spTree>
     <p:extLst>
       <p:ext uri="{BB962C8B-B14F-4D97-AF65-F5344CB8AC3E}">
-        <p14:creationId xmlns="" xmlns:p14="http://schemas.microsoft.com/office/powerpoint/2010/main" val="977992471"/>
+        <p14:creationId xmlns:p14="http://schemas.microsoft.com/office/powerpoint/2010/main" val="977992471"/>
       </p:ext>
     </p:extLst>
   </p:cSld>
@@ -995,7 +995,7 @@
     </p:spTree>
     <p:extLst>
       <p:ext uri="{BB962C8B-B14F-4D97-AF65-F5344CB8AC3E}">
-        <p14:creationId xmlns="" xmlns:p14="http://schemas.microsoft.com/office/powerpoint/2010/main" val="3180054805"/>
+        <p14:creationId xmlns:p14="http://schemas.microsoft.com/office/powerpoint/2010/main" val="3180054805"/>
       </p:ext>
     </p:extLst>
   </p:cSld>
@@ -1100,7 +1100,7 @@
     </p:spTree>
     <p:extLst>
       <p:ext uri="{BB962C8B-B14F-4D97-AF65-F5344CB8AC3E}">
-        <p14:creationId xmlns="" xmlns:p14="http://schemas.microsoft.com/office/powerpoint/2010/main" val="3180054805"/>
+        <p14:creationId xmlns:p14="http://schemas.microsoft.com/office/powerpoint/2010/main" val="3180054805"/>
       </p:ext>
     </p:extLst>
   </p:cSld>
@@ -1190,6 +1190,11 @@
         </p:txBody>
       </p:sp>
     </p:spTree>
+    <p:extLst>
+      <p:ext uri="{BB962C8B-B14F-4D97-AF65-F5344CB8AC3E}">
+        <p14:creationId xmlns:p14="http://schemas.microsoft.com/office/powerpoint/2010/main" val="366301519"/>
+      </p:ext>
+    </p:extLst>
   </p:cSld>
   <p:clrMapOvr>
     <a:masterClrMapping/>
@@ -1277,6 +1282,11 @@
         </p:txBody>
       </p:sp>
     </p:spTree>
+    <p:extLst>
+      <p:ext uri="{BB962C8B-B14F-4D97-AF65-F5344CB8AC3E}">
+        <p14:creationId xmlns:p14="http://schemas.microsoft.com/office/powerpoint/2010/main" val="1095651687"/>
+      </p:ext>
+    </p:extLst>
   </p:cSld>
   <p:clrMapOvr>
     <a:masterClrMapping/>
@@ -1379,7 +1389,7 @@
     </p:spTree>
     <p:extLst>
       <p:ext uri="{BB962C8B-B14F-4D97-AF65-F5344CB8AC3E}">
-        <p14:creationId xmlns="" xmlns:p14="http://schemas.microsoft.com/office/powerpoint/2010/main" val="3180054805"/>
+        <p14:creationId xmlns:p14="http://schemas.microsoft.com/office/powerpoint/2010/main" val="3180054805"/>
       </p:ext>
     </p:extLst>
   </p:cSld>
@@ -1469,6 +1479,11 @@
         </p:txBody>
       </p:sp>
     </p:spTree>
+    <p:extLst>
+      <p:ext uri="{BB962C8B-B14F-4D97-AF65-F5344CB8AC3E}">
+        <p14:creationId xmlns:p14="http://schemas.microsoft.com/office/powerpoint/2010/main" val="865917852"/>
+      </p:ext>
+    </p:extLst>
   </p:cSld>
   <p:clrMapOvr>
     <a:masterClrMapping/>
@@ -1556,6 +1571,11 @@
         </p:txBody>
       </p:sp>
     </p:spTree>
+    <p:extLst>
+      <p:ext uri="{BB962C8B-B14F-4D97-AF65-F5344CB8AC3E}">
+        <p14:creationId xmlns:p14="http://schemas.microsoft.com/office/powerpoint/2010/main" val="4019969800"/>
+      </p:ext>
+    </p:extLst>
   </p:cSld>
   <p:clrMapOvr>
     <a:masterClrMapping/>
@@ -1643,6 +1663,11 @@
         </p:txBody>
       </p:sp>
     </p:spTree>
+    <p:extLst>
+      <p:ext uri="{BB962C8B-B14F-4D97-AF65-F5344CB8AC3E}">
+        <p14:creationId xmlns:p14="http://schemas.microsoft.com/office/powerpoint/2010/main" val="212770868"/>
+      </p:ext>
+    </p:extLst>
   </p:cSld>
   <p:clrMapOvr>
     <a:masterClrMapping/>
@@ -1730,6 +1755,11 @@
         </p:txBody>
       </p:sp>
     </p:spTree>
+    <p:extLst>
+      <p:ext uri="{BB962C8B-B14F-4D97-AF65-F5344CB8AC3E}">
+        <p14:creationId xmlns:p14="http://schemas.microsoft.com/office/powerpoint/2010/main" val="735278785"/>
+      </p:ext>
+    </p:extLst>
   </p:cSld>
   <p:clrMapOvr>
     <a:masterClrMapping/>
@@ -1825,6 +1855,11 @@
         </p:txBody>
       </p:sp>
     </p:spTree>
+    <p:extLst>
+      <p:ext uri="{BB962C8B-B14F-4D97-AF65-F5344CB8AC3E}">
+        <p14:creationId xmlns:p14="http://schemas.microsoft.com/office/powerpoint/2010/main" val="338756043"/>
+      </p:ext>
+    </p:extLst>
   </p:cSld>
   <p:clrMapOvr>
     <a:masterClrMapping/>
@@ -2845,7 +2880,7 @@
           <a:blip r:embed="rId3">
             <a:extLst>
               <a:ext uri="{28A0092B-C50C-407E-A947-70E740481C1C}">
-                <a14:useLocalDpi xmlns:a14="http://schemas.microsoft.com/office/drawing/2010/main" xmlns="" val="0"/>
+                <a14:useLocalDpi xmlns:a14="http://schemas.microsoft.com/office/drawing/2010/main" val="0"/>
               </a:ext>
             </a:extLst>
           </a:blip>
@@ -3063,7 +3098,7 @@
           <a:blip r:embed="rId3">
             <a:extLst>
               <a:ext uri="{28A0092B-C50C-407E-A947-70E740481C1C}">
-                <a14:useLocalDpi xmlns:a14="http://schemas.microsoft.com/office/drawing/2010/main" xmlns="" val="0"/>
+                <a14:useLocalDpi xmlns:a14="http://schemas.microsoft.com/office/drawing/2010/main" val="0"/>
               </a:ext>
             </a:extLst>
           </a:blip>
@@ -3515,7 +3550,11 @@
           <p:cNvGraphicFramePr>
             <a:graphicFrameLocks noChangeAspect="1"/>
           </p:cNvGraphicFramePr>
-          <p:nvPr/>
+          <p:nvPr>
+            <p:custDataLst>
+              <p:tags r:id="rId8"/>
+            </p:custDataLst>
+          </p:nvPr>
         </p:nvGraphicFramePr>
         <p:xfrm>
           <a:off x="1587" y="1588"/>
@@ -3523,9 +3562,59 @@
         </p:xfrm>
         <a:graphic>
           <a:graphicData uri="http://schemas.openxmlformats.org/presentationml/2006/ole">
-            <p:oleObj spid="_x0000_s2050" name="think-cell Slide" r:id="rId8" imgW="360" imgH="360" progId="">
-              <p:embed/>
-            </p:oleObj>
+            <mc:AlternateContent xmlns:mc="http://schemas.openxmlformats.org/markup-compatibility/2006">
+              <mc:Choice xmlns:v="urn:schemas-microsoft-com:vml" Requires="v">
+                <p:oleObj spid="_x0000_s2052" name="think-cell Slide" r:id="rId9" imgW="360" imgH="360" progId="">
+                  <p:embed/>
+                </p:oleObj>
+              </mc:Choice>
+              <mc:Fallback>
+                <p:oleObj name="think-cell Slide" r:id="rId9" imgW="360" imgH="360" progId="">
+                  <p:embed/>
+                  <p:pic>
+                    <p:nvPicPr>
+                      <p:cNvPr id="0" name="Picture 2" hidden="1"/>
+                      <p:cNvPicPr>
+                        <a:picLocks noChangeAspect="1" noChangeArrowheads="1"/>
+                      </p:cNvPicPr>
+                      <p:nvPr/>
+                    </p:nvPicPr>
+                    <p:blipFill>
+                      <a:blip r:embed="rId10">
+                        <a:extLst>
+                          <a:ext uri="{28A0092B-C50C-407E-A947-70E740481C1C}">
+                            <a14:useLocalDpi xmlns:a14="http://schemas.microsoft.com/office/drawing/2010/main" val="0"/>
+                          </a:ext>
+                        </a:extLst>
+                      </a:blip>
+                      <a:srcRect/>
+                      <a:stretch>
+                        <a:fillRect/>
+                      </a:stretch>
+                    </p:blipFill>
+                    <p:spPr bwMode="auto">
+                      <a:xfrm>
+                        <a:off x="1587" y="1588"/>
+                        <a:ext cx="1587" cy="1587"/>
+                      </a:xfrm>
+                      <a:prstGeom prst="rect">
+                        <a:avLst/>
+                      </a:prstGeom>
+                      <a:noFill/>
+                      <a:extLst>
+                        <a:ext uri="{909E8E84-426E-40DD-AFC4-6F175D3DCCD1}">
+                          <a14:hiddenFill xmlns:a14="http://schemas.microsoft.com/office/drawing/2010/main">
+                            <a:solidFill>
+                              <a:srgbClr val="FFFFFF"/>
+                            </a:solidFill>
+                          </a14:hiddenFill>
+                        </a:ext>
+                      </a:extLst>
+                    </p:spPr>
+                  </p:pic>
+                </p:oleObj>
+              </mc:Fallback>
+            </mc:AlternateContent>
           </a:graphicData>
         </a:graphic>
       </p:graphicFrame>
@@ -5005,7 +5094,7 @@
           <p:nvPr/>
         </p:nvPicPr>
         <p:blipFill>
-          <a:blip r:embed="rId9"/>
+          <a:blip r:embed="rId11"/>
           <a:srcRect/>
           <a:stretch>
             <a:fillRect/>
@@ -5354,7 +5443,7 @@
               <a:pPr>
                 <a:defRPr/>
               </a:pPr>
-              <a:t>29/07/2015</a:t>
+              <a:t>21/10/2015</a:t>
             </a:fld>
             <a:endParaRPr lang="en-GB" sz="800" dirty="0">
               <a:solidFill>
@@ -7559,7 +7648,7 @@
               <a:pPr>
                 <a:defRPr/>
               </a:pPr>
-              <a:t>29/07/2015</a:t>
+              <a:t>21/10/2015</a:t>
             </a:fld>
             <a:endParaRPr lang="en-GB" sz="800" dirty="0">
               <a:latin typeface="+mn-lt"/>
@@ -9302,6 +9391,13 @@
   <p:clrMapOvr>
     <a:masterClrMapping/>
   </p:clrMapOvr>
+  <p:timing>
+    <p:tnLst>
+      <p:par>
+        <p:cTn id="1" dur="indefinite" restart="never" nodeType="tmRoot"/>
+      </p:par>
+    </p:tnLst>
+  </p:timing>
 </p:sld>
 </file>
 
@@ -10670,6 +10766,13 @@
   <p:clrMapOvr>
     <a:masterClrMapping/>
   </p:clrMapOvr>
+  <p:timing>
+    <p:tnLst>
+      <p:par>
+        <p:cTn id="1" dur="indefinite" restart="never" nodeType="tmRoot"/>
+      </p:par>
+    </p:tnLst>
+  </p:timing>
 </p:sld>
 </file>
 
@@ -11191,6 +11294,13 @@
   <p:clrMapOvr>
     <a:masterClrMapping/>
   </p:clrMapOvr>
+  <p:timing>
+    <p:tnLst>
+      <p:par>
+        <p:cTn id="1" dur="indefinite" restart="never" nodeType="tmRoot"/>
+      </p:par>
+    </p:tnLst>
+  </p:timing>
 </p:sld>
 </file>
 
@@ -11973,6 +12083,13 @@
   <p:clrMapOvr>
     <a:masterClrMapping/>
   </p:clrMapOvr>
+  <p:timing>
+    <p:tnLst>
+      <p:par>
+        <p:cTn id="1" dur="indefinite" restart="never" nodeType="tmRoot"/>
+      </p:par>
+    </p:tnLst>
+  </p:timing>
 </p:sld>
 </file>
 
@@ -12771,6 +12888,13 @@
   <p:clrMapOvr>
     <a:masterClrMapping/>
   </p:clrMapOvr>
+  <p:timing>
+    <p:tnLst>
+      <p:par>
+        <p:cTn id="1" dur="indefinite" restart="never" nodeType="tmRoot"/>
+      </p:par>
+    </p:tnLst>
+  </p:timing>
 </p:sld>
 </file>
 
@@ -13734,6 +13858,13 @@
   <p:clrMapOvr>
     <a:masterClrMapping/>
   </p:clrMapOvr>
+  <p:timing>
+    <p:tnLst>
+      <p:par>
+        <p:cTn id="1" dur="indefinite" restart="never" nodeType="tmRoot"/>
+      </p:par>
+    </p:tnLst>
+  </p:timing>
 </p:sld>
 </file>
 
@@ -14660,6 +14791,13 @@
   <p:clrMapOvr>
     <a:masterClrMapping/>
   </p:clrMapOvr>
+  <p:timing>
+    <p:tnLst>
+      <p:par>
+        <p:cTn id="1" dur="indefinite" restart="never" nodeType="tmRoot"/>
+      </p:par>
+    </p:tnLst>
+  </p:timing>
 </p:sld>
 </file>
 
@@ -15021,6 +15159,13 @@
   <p:clrMapOvr>
     <a:masterClrMapping/>
   </p:clrMapOvr>
+  <p:timing>
+    <p:tnLst>
+      <p:par>
+        <p:cTn id="1" dur="indefinite" restart="never" nodeType="tmRoot"/>
+      </p:par>
+    </p:tnLst>
+  </p:timing>
 </p:sld>
 </file>
 
@@ -15299,6 +15444,13 @@
   <p:clrMapOvr>
     <a:masterClrMapping/>
   </p:clrMapOvr>
+  <p:timing>
+    <p:tnLst>
+      <p:par>
+        <p:cTn id="1" dur="indefinite" restart="never" nodeType="tmRoot"/>
+      </p:par>
+    </p:tnLst>
+  </p:timing>
 </p:sld>
 </file>
 
@@ -15577,6 +15729,13 @@
   <p:clrMapOvr>
     <a:masterClrMapping/>
   </p:clrMapOvr>
+  <p:timing>
+    <p:tnLst>
+      <p:par>
+        <p:cTn id="1" dur="indefinite" restart="never" nodeType="tmRoot"/>
+      </p:par>
+    </p:tnLst>
+  </p:timing>
 </p:sld>
 </file>
 
@@ -15791,6 +15950,13 @@
   <p:clrMapOvr>
     <a:masterClrMapping/>
   </p:clrMapOvr>
+  <p:timing>
+    <p:tnLst>
+      <p:par>
+        <p:cTn id="1" dur="indefinite" restart="never" nodeType="tmRoot"/>
+      </p:par>
+    </p:tnLst>
+  </p:timing>
 </p:sld>
 </file>
 
@@ -16483,6 +16649,13 @@
   <p:clrMapOvr>
     <a:masterClrMapping/>
   </p:clrMapOvr>
+  <p:timing>
+    <p:tnLst>
+      <p:par>
+        <p:cTn id="1" dur="indefinite" restart="never" nodeType="tmRoot"/>
+      </p:par>
+    </p:tnLst>
+  </p:timing>
 </p:sld>
 </file>
 
@@ -20407,6 +20580,13 @@
   <p:clrMapOvr>
     <a:masterClrMapping/>
   </p:clrMapOvr>
+  <p:timing>
+    <p:tnLst>
+      <p:par>
+        <p:cTn id="1" dur="indefinite" restart="never" nodeType="tmRoot"/>
+      </p:par>
+    </p:tnLst>
+  </p:timing>
 </p:sld>
 </file>
 
@@ -21016,6 +21196,13 @@
   <p:clrMapOvr>
     <a:masterClrMapping/>
   </p:clrMapOvr>
+  <p:timing>
+    <p:tnLst>
+      <p:par>
+        <p:cTn id="1" dur="indefinite" restart="never" nodeType="tmRoot"/>
+      </p:par>
+    </p:tnLst>
+  </p:timing>
 </p:sld>
 </file>
 
@@ -22332,6 +22519,13 @@
   <p:clrMapOvr>
     <a:masterClrMapping/>
   </p:clrMapOvr>
+  <p:timing>
+    <p:tnLst>
+      <p:par>
+        <p:cTn id="1" dur="indefinite" restart="never" nodeType="tmRoot"/>
+      </p:par>
+    </p:tnLst>
+  </p:timing>
 </p:sld>
 </file>
 
@@ -24436,6 +24630,13 @@
   <p:clrMapOvr>
     <a:masterClrMapping/>
   </p:clrMapOvr>
+  <p:timing>
+    <p:tnLst>
+      <p:par>
+        <p:cTn id="1" dur="indefinite" restart="never" nodeType="tmRoot"/>
+      </p:par>
+    </p:tnLst>
+  </p:timing>
 </p:sld>
 </file>
 
@@ -24893,6 +25094,13 @@
   <p:clrMapOvr>
     <a:masterClrMapping/>
   </p:clrMapOvr>
+  <p:timing>
+    <p:tnLst>
+      <p:par>
+        <p:cTn id="1" dur="indefinite" restart="never" nodeType="tmRoot"/>
+      </p:par>
+    </p:tnLst>
+  </p:timing>
 </p:sld>
 </file>
 
@@ -25483,6 +25691,13 @@
   <p:clrMapOvr>
     <a:masterClrMapping/>
   </p:clrMapOvr>
+  <p:timing>
+    <p:tnLst>
+      <p:par>
+        <p:cTn id="1" dur="indefinite" restart="never" nodeType="tmRoot"/>
+      </p:par>
+    </p:tnLst>
+  </p:timing>
 </p:sld>
 </file>
 
@@ -27336,6 +27551,13 @@
   <p:clrMapOvr>
     <a:masterClrMapping/>
   </p:clrMapOvr>
+  <p:timing>
+    <p:tnLst>
+      <p:par>
+        <p:cTn id="1" dur="indefinite" restart="never" nodeType="tmRoot"/>
+      </p:par>
+    </p:tnLst>
+  </p:timing>
 </p:sld>
 </file>
 
@@ -28001,6 +28223,13 @@
   <p:clrMapOvr>
     <a:masterClrMapping/>
   </p:clrMapOvr>
+  <p:timing>
+    <p:tnLst>
+      <p:par>
+        <p:cTn id="1" dur="indefinite" restart="never" nodeType="tmRoot"/>
+      </p:par>
+    </p:tnLst>
+  </p:timing>
 </p:sld>
 </file>
 
@@ -30314,6 +30543,13 @@
   <p:clrMapOvr>
     <a:masterClrMapping/>
   </p:clrMapOvr>
+  <p:timing>
+    <p:tnLst>
+      <p:par>
+        <p:cTn id="1" dur="indefinite" restart="never" nodeType="tmRoot"/>
+      </p:par>
+    </p:tnLst>
+  </p:timing>
 </p:sld>
 </file>
 
@@ -30945,6 +31181,13 @@
   <p:clrMapOvr>
     <a:masterClrMapping/>
   </p:clrMapOvr>
+  <p:timing>
+    <p:tnLst>
+      <p:par>
+        <p:cTn id="1" dur="indefinite" restart="never" nodeType="tmRoot"/>
+      </p:par>
+    </p:tnLst>
+  </p:timing>
 </p:sld>
 </file>
 
@@ -31553,6 +31796,13 @@
   <p:clrMapOvr>
     <a:masterClrMapping/>
   </p:clrMapOvr>
+  <p:timing>
+    <p:tnLst>
+      <p:par>
+        <p:cTn id="1" dur="indefinite" restart="never" nodeType="tmRoot"/>
+      </p:par>
+    </p:tnLst>
+  </p:timing>
 </p:sld>
 </file>
 
@@ -32302,6 +32552,13 @@
   <p:clrMapOvr>
     <a:masterClrMapping/>
   </p:clrMapOvr>
+  <p:timing>
+    <p:tnLst>
+      <p:par>
+        <p:cTn id="1" dur="indefinite" restart="never" nodeType="tmRoot"/>
+      </p:par>
+    </p:tnLst>
+  </p:timing>
 </p:sld>
 </file>
 
@@ -33197,6 +33454,13 @@
   <p:clrMapOvr>
     <a:masterClrMapping/>
   </p:clrMapOvr>
+  <p:timing>
+    <p:tnLst>
+      <p:par>
+        <p:cTn id="1" dur="indefinite" restart="never" nodeType="tmRoot"/>
+      </p:par>
+    </p:tnLst>
+  </p:timing>
 </p:sld>
 </file>
 
@@ -33401,6 +33665,13 @@
   <p:clrMapOvr>
     <a:masterClrMapping/>
   </p:clrMapOvr>
+  <p:timing>
+    <p:tnLst>
+      <p:par>
+        <p:cTn id="1" dur="indefinite" restart="never" nodeType="tmRoot"/>
+      </p:par>
+    </p:tnLst>
+  </p:timing>
 </p:sld>
 </file>
 
@@ -33605,6 +33876,13 @@
   <p:clrMapOvr>
     <a:masterClrMapping/>
   </p:clrMapOvr>
+  <p:timing>
+    <p:tnLst>
+      <p:par>
+        <p:cTn id="1" dur="indefinite" restart="never" nodeType="tmRoot"/>
+      </p:par>
+    </p:tnLst>
+  </p:timing>
 </p:sld>
 </file>
 
@@ -35240,6 +35518,13 @@
   <p:clrMapOvr>
     <a:masterClrMapping/>
   </p:clrMapOvr>
+  <p:timing>
+    <p:tnLst>
+      <p:par>
+        <p:cTn id="1" dur="indefinite" restart="never" nodeType="tmRoot"/>
+      </p:par>
+    </p:tnLst>
+  </p:timing>
 </p:sld>
 </file>
 
@@ -36578,6 +36863,13 @@
   <p:clrMapOvr>
     <a:masterClrMapping/>
   </p:clrMapOvr>
+  <p:timing>
+    <p:tnLst>
+      <p:par>
+        <p:cTn id="1" dur="indefinite" restart="never" nodeType="tmRoot"/>
+      </p:par>
+    </p:tnLst>
+  </p:timing>
 </p:sld>
 </file>
 
@@ -37330,6 +37622,13 @@
   <p:clrMapOvr>
     <a:masterClrMapping/>
   </p:clrMapOvr>
+  <p:timing>
+    <p:tnLst>
+      <p:par>
+        <p:cTn id="1" dur="indefinite" restart="never" nodeType="tmRoot"/>
+      </p:par>
+    </p:tnLst>
+  </p:timing>
 </p:sld>
 </file>
 
@@ -38380,7 +38679,7 @@
         <p:spPr>
           <a:xfrm>
             <a:off x="418120" y="1187336"/>
-            <a:ext cx="8553787" cy="2246769"/>
+            <a:ext cx="8553787" cy="2954655"/>
           </a:xfrm>
           <a:prstGeom prst="rect">
             <a:avLst/>
@@ -38405,10 +38704,10 @@
                 <a:ea typeface="ヒラギノ角ゴ Pro W3" charset="0"/>
                 <a:cs typeface="ヒラギノ角ゴ Pro W3" charset="0"/>
               </a:rPr>
-              <a:t>Sources for all examples that we covered you can find </a:t>
-            </a:r>
-            <a:r>
-              <a:rPr lang="en-US" sz="1400" dirty="0" smtClean="0">
+              <a:t>“Advanced </a:t>
+            </a:r>
+            <a:r>
+              <a:rPr lang="en-US" sz="1400" dirty="0">
                 <a:solidFill>
                   <a:srgbClr val="68717A"/>
                 </a:solidFill>
@@ -38416,7 +38715,51 @@
                 <a:ea typeface="ヒラギノ角ゴ Pro W3" charset="0"/>
                 <a:cs typeface="ヒラギノ角ゴ Pro W3" charset="0"/>
               </a:rPr>
-              <a:t>under this link: </a:t>
+              <a:t>C and C++ </a:t>
+            </a:r>
+            <a:r>
+              <a:rPr lang="en-US" sz="1400" dirty="0">
+                <a:solidFill>
+                  <a:srgbClr val="68717A"/>
+                </a:solidFill>
+                <a:latin typeface="Nokia Pure Headline Light"/>
+                <a:ea typeface="ヒラギノ角ゴ Pro W3" charset="0"/>
+                <a:cs typeface="ヒラギノ角ゴ Pro W3" charset="0"/>
+              </a:rPr>
+              <a:t>Compiling” Milan </a:t>
+            </a:r>
+            <a:r>
+              <a:rPr lang="en-US" sz="1400" dirty="0" err="1">
+                <a:solidFill>
+                  <a:srgbClr val="68717A"/>
+                </a:solidFill>
+                <a:latin typeface="Nokia Pure Headline Light"/>
+                <a:ea typeface="ヒラギノ角ゴ Pro W3" charset="0"/>
+                <a:cs typeface="ヒラギノ角ゴ Pro W3" charset="0"/>
+              </a:rPr>
+              <a:t>Stevanovic</a:t>
+            </a:r>
+            <a:r>
+              <a:rPr lang="en-US" sz="1400" dirty="0">
+                <a:solidFill>
+                  <a:srgbClr val="68717A"/>
+                </a:solidFill>
+                <a:latin typeface="Nokia Pure Headline Light"/>
+                <a:ea typeface="ヒラギノ角ゴ Pro W3" charset="0"/>
+                <a:cs typeface="ヒラギノ角ゴ Pro W3" charset="0"/>
+              </a:rPr>
+              <a:t> </a:t>
+            </a:r>
+            <a:r>
+              <a:rPr lang="en-US" sz="1400" dirty="0" smtClean="0">
+                <a:solidFill>
+                  <a:srgbClr val="68717A"/>
+                </a:solidFill>
+                <a:latin typeface="Nokia Pure Headline Light"/>
+                <a:ea typeface="ヒラギノ角ゴ Pro W3" charset="0"/>
+                <a:cs typeface="ヒラギノ角ゴ Pro W3" charset="0"/>
+              </a:rPr>
+              <a:t>(</a:t>
             </a:r>
             <a:r>
               <a:rPr lang="en-US" sz="1400" dirty="0" smtClean="0">
@@ -38428,10 +38771,96 @@
                 <a:cs typeface="ヒラギノ角ゴ Pro W3" charset="0"/>
                 <a:hlinkClick r:id="rId2"/>
               </a:rPr>
+              <a:t>http</a:t>
+            </a:r>
+            <a:r>
+              <a:rPr lang="en-US" sz="1400" dirty="0">
+                <a:solidFill>
+                  <a:srgbClr val="68717A"/>
+                </a:solidFill>
+                <a:latin typeface="Nokia Pure Headline Light"/>
+                <a:ea typeface="ヒラギノ角ゴ Pro W3" charset="0"/>
+                <a:cs typeface="ヒラギノ角ゴ Pro W3" charset="0"/>
+                <a:hlinkClick r:id="rId2"/>
+              </a:rPr>
+              <a:t>://</a:t>
+            </a:r>
+            <a:r>
+              <a:rPr lang="en-US" sz="1400" dirty="0" smtClean="0">
+                <a:solidFill>
+                  <a:srgbClr val="68717A"/>
+                </a:solidFill>
+                <a:latin typeface="Nokia Pure Headline Light"/>
+                <a:ea typeface="ヒラギノ角ゴ Pro W3" charset="0"/>
+                <a:cs typeface="ヒラギノ角ゴ Pro W3" charset="0"/>
+                <a:hlinkClick r:id="rId2"/>
+              </a:rPr>
+              <a:t>www.amazon.com/Advanced-C-Compiling-Milan-Stevanovic/dp/1430266678</a:t>
+            </a:r>
+            <a:r>
+              <a:rPr lang="en-US" sz="1400" dirty="0" smtClean="0">
+                <a:solidFill>
+                  <a:srgbClr val="68717A"/>
+                </a:solidFill>
+                <a:latin typeface="Nokia Pure Headline Light"/>
+                <a:ea typeface="ヒラギノ角ゴ Pro W3" charset="0"/>
+                <a:cs typeface="ヒラギノ角ゴ Pro W3" charset="0"/>
+              </a:rPr>
+              <a:t>).</a:t>
+            </a:r>
+            <a:endParaRPr lang="en-US" sz="1400" dirty="0" smtClean="0">
+              <a:solidFill>
+                <a:srgbClr val="68717A"/>
+              </a:solidFill>
+              <a:latin typeface="Nokia Pure Headline Light"/>
+              <a:ea typeface="ヒラギノ角ゴ Pro W3" charset="0"/>
+              <a:cs typeface="ヒラギノ角ゴ Pro W3" charset="0"/>
+            </a:endParaRPr>
+          </a:p>
+          <a:p>
+            <a:pPr marL="342900" indent="-342900" fontAlgn="t">
+              <a:buFontTx/>
+              <a:buAutoNum type="arabicPeriod"/>
+            </a:pPr>
+            <a:endParaRPr lang="en-US" sz="1400" dirty="0">
+              <a:solidFill>
+                <a:srgbClr val="68717A"/>
+              </a:solidFill>
+              <a:latin typeface="Nokia Pure Headline Light"/>
+              <a:ea typeface="ヒラギノ角ゴ Pro W3" charset="0"/>
+              <a:cs typeface="ヒラギノ角ゴ Pro W3" charset="0"/>
+            </a:endParaRPr>
+          </a:p>
+          <a:p>
+            <a:pPr marL="342900" indent="-342900" fontAlgn="t">
+              <a:buFontTx/>
+              <a:buAutoNum type="arabicPeriod"/>
+            </a:pPr>
+            <a:r>
+              <a:rPr lang="en-US" sz="1400" dirty="0">
+                <a:solidFill>
+                  <a:srgbClr val="68717A"/>
+                </a:solidFill>
+                <a:latin typeface="Nokia Pure Headline Light"/>
+                <a:ea typeface="ヒラギノ角ゴ Pro W3" charset="0"/>
+                <a:cs typeface="ヒラギノ角ゴ Pro W3" charset="0"/>
+              </a:rPr>
+              <a:t>Sources for all examples that we covered you can find under this link: </a:t>
+            </a:r>
+            <a:r>
+              <a:rPr lang="en-US" sz="1400" dirty="0">
+                <a:solidFill>
+                  <a:srgbClr val="68717A"/>
+                </a:solidFill>
+                <a:latin typeface="Nokia Pure Headline Light"/>
+                <a:ea typeface="ヒラギノ角ゴ Pro W3" charset="0"/>
+                <a:cs typeface="ヒラギノ角ゴ Pro W3" charset="0"/>
+                <a:hlinkClick r:id="rId3"/>
+              </a:rPr>
               <a:t>https://github.com/dendibakh/Linker</a:t>
             </a:r>
             <a:r>
-              <a:rPr lang="en-US" sz="1400" dirty="0" smtClean="0">
+              <a:rPr lang="en-US" sz="1400" dirty="0">
                 <a:solidFill>
                   <a:srgbClr val="68717A"/>
                 </a:solidFill>
@@ -38485,18 +38914,19 @@
                 <a:ea typeface="ヒラギノ角ゴ Pro W3" charset="0"/>
                 <a:cs typeface="ヒラギノ角ゴ Pro W3" charset="0"/>
               </a:rPr>
-              <a:t>David </a:t>
-            </a:r>
-            <a:r>
-              <a:rPr lang="en-US" sz="1400" dirty="0" err="1" smtClean="0">
+              <a:t>David Drysdale, Beginner's guide to linkers  (</a:t>
+            </a:r>
+            <a:r>
+              <a:rPr lang="en-US" sz="1400" dirty="0" smtClean="0">
                 <a:solidFill>
                   <a:srgbClr val="68717A"/>
                 </a:solidFill>
                 <a:latin typeface="Nokia Pure Headline Light"/>
                 <a:ea typeface="ヒラギノ角ゴ Pro W3" charset="0"/>
                 <a:cs typeface="ヒラギノ角ゴ Pro W3" charset="0"/>
-              </a:rPr>
-              <a:t>Drysdale</a:t>
+                <a:hlinkClick r:id="rId4"/>
+              </a:rPr>
+              <a:t>http://www.lurklurk.org/linkers/linkers.html</a:t>
             </a:r>
             <a:r>
               <a:rPr lang="en-US" sz="1400" dirty="0" smtClean="0">
@@ -38507,66 +38937,13 @@
                 <a:ea typeface="ヒラギノ角ゴ Pro W3" charset="0"/>
                 <a:cs typeface="ヒラギノ角ゴ Pro W3" charset="0"/>
               </a:rPr>
-              <a:t>, Beginner's guide to linkers </a:t>
-            </a:r>
-            <a:r>
-              <a:rPr lang="en-US" sz="1400" dirty="0" smtClean="0">
-                <a:solidFill>
-                  <a:srgbClr val="68717A"/>
-                </a:solidFill>
-                <a:latin typeface="Nokia Pure Headline Light"/>
-                <a:ea typeface="ヒラギノ角ゴ Pro W3" charset="0"/>
-                <a:cs typeface="ヒラギノ角ゴ Pro W3" charset="0"/>
-              </a:rPr>
-              <a:t> (</a:t>
-            </a:r>
-            <a:r>
-              <a:rPr lang="en-US" sz="1400" dirty="0" smtClean="0">
-                <a:solidFill>
-                  <a:srgbClr val="68717A"/>
-                </a:solidFill>
-                <a:latin typeface="Nokia Pure Headline Light"/>
-                <a:ea typeface="ヒラギノ角ゴ Pro W3" charset="0"/>
-                <a:cs typeface="ヒラギノ角ゴ Pro W3" charset="0"/>
-                <a:hlinkClick r:id="rId3"/>
-              </a:rPr>
-              <a:t>http</a:t>
-            </a:r>
-            <a:r>
-              <a:rPr lang="en-US" sz="1400" dirty="0" smtClean="0">
-                <a:solidFill>
-                  <a:srgbClr val="68717A"/>
-                </a:solidFill>
-                <a:latin typeface="Nokia Pure Headline Light"/>
-                <a:ea typeface="ヒラギノ角ゴ Pro W3" charset="0"/>
-                <a:cs typeface="ヒラギノ角ゴ Pro W3" charset="0"/>
-                <a:hlinkClick r:id="rId3"/>
-              </a:rPr>
-              <a:t>://</a:t>
-            </a:r>
-            <a:r>
-              <a:rPr lang="en-US" sz="1400" dirty="0" smtClean="0">
-                <a:solidFill>
-                  <a:srgbClr val="68717A"/>
-                </a:solidFill>
-                <a:latin typeface="Nokia Pure Headline Light"/>
-                <a:ea typeface="ヒラギノ角ゴ Pro W3" charset="0"/>
-                <a:cs typeface="ヒラギノ角ゴ Pro W3" charset="0"/>
-                <a:hlinkClick r:id="rId3"/>
-              </a:rPr>
-              <a:t>www.lurklurk.org/linkers/linkers.html</a:t>
-            </a:r>
-            <a:r>
-              <a:rPr lang="en-US" sz="1400" dirty="0" smtClean="0">
-                <a:solidFill>
-                  <a:srgbClr val="68717A"/>
-                </a:solidFill>
-                <a:latin typeface="Nokia Pure Headline Light"/>
-                <a:ea typeface="ヒラギノ角ゴ Pro W3" charset="0"/>
-                <a:cs typeface="ヒラギノ角ゴ Pro W3" charset="0"/>
-              </a:rPr>
               <a:t>).</a:t>
             </a:r>
+          </a:p>
+          <a:p>
+            <a:pPr marL="342900" indent="-342900" fontAlgn="t">
+              <a:buAutoNum type="arabicPeriod"/>
+            </a:pPr>
             <a:endParaRPr lang="en-US" sz="1400" dirty="0" smtClean="0">
               <a:solidFill>
                 <a:srgbClr val="68717A"/>
@@ -38578,6 +38955,79 @@
           </a:p>
           <a:p>
             <a:pPr marL="342900" indent="-342900" fontAlgn="t">
+              <a:buFontTx/>
+              <a:buAutoNum type="arabicPeriod"/>
+            </a:pPr>
+            <a:r>
+              <a:rPr lang="en-US" sz="1400" dirty="0" smtClean="0">
+                <a:solidFill>
+                  <a:srgbClr val="68717A"/>
+                </a:solidFill>
+                <a:latin typeface="Nokia Pure Headline Light"/>
+                <a:ea typeface="ヒラギノ角ゴ Pro W3" charset="0"/>
+                <a:cs typeface="ヒラギノ角ゴ Pro W3" charset="0"/>
+              </a:rPr>
+              <a:t>Alexander </a:t>
+            </a:r>
+            <a:r>
+              <a:rPr lang="en-US" sz="1400" dirty="0" err="1" smtClean="0">
+                <a:solidFill>
+                  <a:srgbClr val="68717A"/>
+                </a:solidFill>
+                <a:latin typeface="Nokia Pure Headline Light"/>
+                <a:ea typeface="ヒラギノ角ゴ Pro W3" charset="0"/>
+                <a:cs typeface="ヒラギノ角ゴ Pro W3" charset="0"/>
+              </a:rPr>
+              <a:t>Bernauer‘s</a:t>
+            </a:r>
+            <a:r>
+              <a:rPr lang="en-US" sz="1400" dirty="0" smtClean="0">
+                <a:solidFill>
+                  <a:srgbClr val="68717A"/>
+                </a:solidFill>
+                <a:latin typeface="Nokia Pure Headline Light"/>
+                <a:ea typeface="ヒラギノ角ゴ Pro W3" charset="0"/>
+                <a:cs typeface="ヒラギノ角ゴ Pro W3" charset="0"/>
+              </a:rPr>
+              <a:t> </a:t>
+            </a:r>
+            <a:r>
+              <a:rPr lang="en-US" sz="1400" dirty="0" smtClean="0">
+                <a:solidFill>
+                  <a:srgbClr val="68717A"/>
+                </a:solidFill>
+                <a:latin typeface="Nokia Pure Headline Light"/>
+                <a:ea typeface="ヒラギノ角ゴ Pro W3" charset="0"/>
+                <a:cs typeface="ヒラギノ角ゴ Pro W3" charset="0"/>
+              </a:rPr>
+              <a:t>blog (</a:t>
+            </a:r>
+            <a:r>
+              <a:rPr lang="en-US" sz="1400" dirty="0" smtClean="0">
+                <a:solidFill>
+                  <a:srgbClr val="68717A"/>
+                </a:solidFill>
+                <a:latin typeface="Nokia Pure Headline Light"/>
+                <a:ea typeface="ヒラギノ角ゴ Pro W3" charset="0"/>
+                <a:cs typeface="ヒラギノ角ゴ Pro W3" charset="0"/>
+                <a:hlinkClick r:id="rId5"/>
+              </a:rPr>
+              <a:t>http://blog.copton.net/articles/linker/</a:t>
+            </a:r>
+            <a:r>
+              <a:rPr lang="en-US" sz="1400" dirty="0" smtClean="0">
+                <a:solidFill>
+                  <a:srgbClr val="68717A"/>
+                </a:solidFill>
+                <a:latin typeface="Nokia Pure Headline Light"/>
+                <a:ea typeface="ヒラギノ角ゴ Pro W3" charset="0"/>
+                <a:cs typeface="ヒラギノ角ゴ Pro W3" charset="0"/>
+              </a:rPr>
+              <a:t>).</a:t>
+            </a:r>
+          </a:p>
+          <a:p>
+            <a:pPr marL="342900" indent="-342900" fontAlgn="t">
               <a:buAutoNum type="arabicPeriod"/>
             </a:pPr>
             <a:endParaRPr lang="en-US" sz="1400" dirty="0" smtClean="0">
@@ -38602,88 +39052,9 @@
                 <a:latin typeface="Nokia Pure Headline Light"/>
                 <a:ea typeface="ヒラギノ角ゴ Pro W3" charset="0"/>
                 <a:cs typeface="ヒラギノ角ゴ Pro W3" charset="0"/>
-              </a:rPr>
-              <a:t>Alexander </a:t>
-            </a:r>
-            <a:r>
-              <a:rPr lang="en-US" sz="1400" dirty="0" err="1" smtClean="0">
-                <a:solidFill>
-                  <a:srgbClr val="68717A"/>
-                </a:solidFill>
-                <a:latin typeface="Nokia Pure Headline Light"/>
-                <a:ea typeface="ヒラギノ角ゴ Pro W3" charset="0"/>
-                <a:cs typeface="ヒラギノ角ゴ Pro W3" charset="0"/>
-              </a:rPr>
-              <a:t>Bernauer</a:t>
-            </a:r>
-            <a:r>
-              <a:rPr lang="en-US" sz="1400" dirty="0" smtClean="0">
-                <a:solidFill>
-                  <a:srgbClr val="68717A"/>
-                </a:solidFill>
-                <a:latin typeface="Nokia Pure Headline Light"/>
-                <a:ea typeface="ヒラギノ角ゴ Pro W3" charset="0"/>
-                <a:cs typeface="ヒラギノ角ゴ Pro W3" charset="0"/>
-              </a:rPr>
-              <a:t> </a:t>
-            </a:r>
-            <a:r>
-              <a:rPr lang="en-US" sz="1400" dirty="0" smtClean="0">
-                <a:solidFill>
-                  <a:srgbClr val="68717A"/>
-                </a:solidFill>
-                <a:latin typeface="Nokia Pure Headline Light"/>
-                <a:ea typeface="ヒラギノ角ゴ Pro W3" charset="0"/>
-                <a:cs typeface="ヒラギノ角ゴ Pro W3" charset="0"/>
-              </a:rPr>
-              <a:t>‘s blog (</a:t>
-            </a:r>
-            <a:r>
-              <a:rPr lang="en-US" sz="1400" dirty="0" smtClean="0">
-                <a:solidFill>
-                  <a:srgbClr val="68717A"/>
-                </a:solidFill>
-                <a:latin typeface="Nokia Pure Headline Light"/>
-                <a:ea typeface="ヒラギノ角ゴ Pro W3" charset="0"/>
-                <a:cs typeface="ヒラギノ角ゴ Pro W3" charset="0"/>
-                <a:hlinkClick r:id="rId4"/>
-              </a:rPr>
-              <a:t>http</a:t>
-            </a:r>
-            <a:r>
-              <a:rPr lang="en-US" sz="1400" dirty="0" smtClean="0">
-                <a:solidFill>
-                  <a:srgbClr val="68717A"/>
-                </a:solidFill>
-                <a:latin typeface="Nokia Pure Headline Light"/>
-                <a:ea typeface="ヒラギノ角ゴ Pro W3" charset="0"/>
-                <a:cs typeface="ヒラギノ角ゴ Pro W3" charset="0"/>
-                <a:hlinkClick r:id="rId4"/>
-              </a:rPr>
-              <a:t>://blog.copton.net/articles/linker</a:t>
-            </a:r>
-            <a:r>
-              <a:rPr lang="en-US" sz="1400" dirty="0" smtClean="0">
-                <a:solidFill>
-                  <a:srgbClr val="68717A"/>
-                </a:solidFill>
-                <a:latin typeface="Nokia Pure Headline Light"/>
-                <a:ea typeface="ヒラギノ角ゴ Pro W3" charset="0"/>
-                <a:cs typeface="ヒラギノ角ゴ Pro W3" charset="0"/>
-                <a:hlinkClick r:id="rId4"/>
-              </a:rPr>
-              <a:t>/</a:t>
-            </a:r>
-            <a:r>
-              <a:rPr lang="en-US" sz="1400" dirty="0" smtClean="0">
-                <a:solidFill>
-                  <a:srgbClr val="68717A"/>
-                </a:solidFill>
-                <a:latin typeface="Nokia Pure Headline Light"/>
-                <a:ea typeface="ヒラギノ角ゴ Pro W3" charset="0"/>
-                <a:cs typeface="ヒラギノ角ゴ Pro W3" charset="0"/>
-              </a:rPr>
-              <a:t>).</a:t>
+                <a:hlinkClick r:id="rId6"/>
+              </a:rPr>
+              <a:t>http://stackoverflow.com/questions/31495877/i-receive-different-results-on-unix-and-win-when-use-static-members-with-static</a:t>
             </a:r>
             <a:endParaRPr lang="en-US" sz="1400" dirty="0" smtClean="0">
               <a:solidFill>
@@ -38705,52 +39076,13 @@
               <a:latin typeface="Nokia Pure Headline Light"/>
               <a:ea typeface="ヒラギノ角ゴ Pro W3" charset="0"/>
               <a:cs typeface="ヒラギノ角ゴ Pro W3" charset="0"/>
-            </a:endParaRPr>
-          </a:p>
-          <a:p>
-            <a:pPr marL="342900" indent="-342900" fontAlgn="t">
-              <a:buFontTx/>
-              <a:buAutoNum type="arabicPeriod"/>
-            </a:pPr>
-            <a:r>
-              <a:rPr lang="en-US" sz="1400" dirty="0" smtClean="0">
-                <a:solidFill>
-                  <a:srgbClr val="68717A"/>
-                </a:solidFill>
-                <a:latin typeface="Nokia Pure Headline Light"/>
-                <a:ea typeface="ヒラギノ角ゴ Pro W3" charset="0"/>
-                <a:cs typeface="ヒラギノ角ゴ Pro W3" charset="0"/>
-                <a:hlinkClick r:id="rId5"/>
-              </a:rPr>
-              <a:t>http://stackoverflow.com/questions/31495877/i-receive-different-results-on-unix-and-win-when-use-static-members-with-static</a:t>
-            </a:r>
-            <a:endParaRPr lang="en-US" sz="1400" dirty="0" smtClean="0">
-              <a:solidFill>
-                <a:srgbClr val="68717A"/>
-              </a:solidFill>
-              <a:latin typeface="Nokia Pure Headline Light"/>
-              <a:ea typeface="ヒラギノ角ゴ Pro W3" charset="0"/>
-              <a:cs typeface="ヒラギノ角ゴ Pro W3" charset="0"/>
+              <a:hlinkClick r:id="rId7"/>
             </a:endParaRPr>
           </a:p>
           <a:p>
             <a:pPr marL="342900" indent="-342900" fontAlgn="t">
               <a:buAutoNum type="arabicPeriod"/>
             </a:pPr>
-            <a:endParaRPr lang="en-US" sz="1400" dirty="0" smtClean="0">
-              <a:solidFill>
-                <a:srgbClr val="68717A"/>
-              </a:solidFill>
-              <a:latin typeface="Nokia Pure Headline Light"/>
-              <a:ea typeface="ヒラギノ角ゴ Pro W3" charset="0"/>
-              <a:cs typeface="ヒラギノ角ゴ Pro W3" charset="0"/>
-              <a:hlinkClick r:id="rId6"/>
-            </a:endParaRPr>
-          </a:p>
-          <a:p>
-            <a:pPr marL="342900" indent="-342900" fontAlgn="t">
-              <a:buAutoNum type="arabicPeriod"/>
-            </a:pPr>
             <a:r>
               <a:rPr lang="en-US" sz="1400" dirty="0" smtClean="0">
                 <a:solidFill>
@@ -38759,21 +39091,9 @@
                 <a:latin typeface="Nokia Pure Headline Light"/>
                 <a:ea typeface="ヒラギノ角ゴ Pro W3" charset="0"/>
                 <a:cs typeface="ヒラギノ角ゴ Pro W3" charset="0"/>
-                <a:hlinkClick r:id="rId6"/>
-              </a:rPr>
-              <a:t>https</a:t>
-            </a:r>
-            <a:r>
-              <a:rPr lang="en-US" sz="1400" dirty="0" smtClean="0">
-                <a:solidFill>
-                  <a:srgbClr val="68717A"/>
-                </a:solidFill>
-                <a:latin typeface="Nokia Pure Headline Light"/>
-                <a:ea typeface="ヒラギノ角ゴ Pro W3" charset="0"/>
-                <a:cs typeface="ヒラギノ角ゴ Pro W3" charset="0"/>
-                <a:hlinkClick r:id="rId6"/>
-              </a:rPr>
-              <a:t>://sourceware.org/binutils/docs/binutils</a:t>
+                <a:hlinkClick r:id="rId7"/>
+              </a:rPr>
+              <a:t>https://sourceware.org/binutils/docs/binutils</a:t>
             </a:r>
             <a:r>
               <a:rPr lang="en-US" sz="1400" dirty="0" smtClean="0">
@@ -38794,6 +39114,13 @@
   <p:clrMapOvr>
     <a:masterClrMapping/>
   </p:clrMapOvr>
+  <p:timing>
+    <p:tnLst>
+      <p:par>
+        <p:cTn id="1" dur="indefinite" restart="never" nodeType="tmRoot"/>
+      </p:par>
+    </p:tnLst>
+  </p:timing>
 </p:sld>
 </file>
 
@@ -39953,6 +40280,13 @@
   <p:clrMapOvr>
     <a:masterClrMapping/>
   </p:clrMapOvr>
+  <p:timing>
+    <p:tnLst>
+      <p:par>
+        <p:cTn id="1" dur="indefinite" restart="never" nodeType="tmRoot"/>
+      </p:par>
+    </p:tnLst>
+  </p:timing>
 </p:sld>
 </file>
 
@@ -40515,6 +40849,13 @@
   <p:clrMapOvr>
     <a:masterClrMapping/>
   </p:clrMapOvr>
+  <p:timing>
+    <p:tnLst>
+      <p:par>
+        <p:cTn id="1" dur="indefinite" restart="never" nodeType="tmRoot"/>
+      </p:par>
+    </p:tnLst>
+  </p:timing>
 </p:sld>
 </file>
 
@@ -41400,12 +41741,25 @@
   <p:clrMapOvr>
     <a:masterClrMapping/>
   </p:clrMapOvr>
+  <p:timing>
+    <p:tnLst>
+      <p:par>
+        <p:cTn id="1" dur="indefinite" restart="never" nodeType="tmRoot"/>
+      </p:par>
+    </p:tnLst>
+  </p:timing>
 </p:sld>
 </file>
 
 <file path=ppt/tags/tag1.xml><?xml version="1.0" encoding="utf-8"?>
 <p:tagLst xmlns:a="http://schemas.openxmlformats.org/drawingml/2006/main" xmlns:r="http://schemas.openxmlformats.org/officeDocument/2006/relationships" xmlns:p="http://schemas.openxmlformats.org/presentationml/2006/main">
   <p:tag name="THINKCELLUNDODONOTDELETE" val="0"/>
+</p:tagLst>
+</file>
+
+<file path=ppt/tags/tag2.xml><?xml version="1.0" encoding="utf-8"?>
+<p:tagLst xmlns:a="http://schemas.openxmlformats.org/drawingml/2006/main" xmlns:r="http://schemas.openxmlformats.org/officeDocument/2006/relationships" xmlns:p="http://schemas.openxmlformats.org/presentationml/2006/main">
+  <p:tag name="THINKCELLSHAPEDONOTDELETE" val="thinkcellActiveDocDoNotDelete"/>
 </p:tagLst>
 </file>
 
@@ -41697,7 +42051,7 @@
   <a:extraClrSchemeLst/>
   <a:extLst>
     <a:ext uri="{05A4C25C-085E-4340-85A3-A5531E510DB2}">
-      <thm15:themeFamily xmlns="" xmlns:thm15="http://schemas.microsoft.com/office/thememl/2012/main" name="Nokia PowerPoint Template Nokia Pure v12" id="{7AC05BEF-BBDF-4CF1-AA23-A676535EABCE}" vid="{991539CA-B441-4AED-8339-F6770207F6A2}"/>
+      <thm15:themeFamily xmlns:thm15="http://schemas.microsoft.com/office/thememl/2012/main" name="Nokia PowerPoint Template Nokia Pure v12" id="{7AC05BEF-BBDF-4CF1-AA23-A676535EABCE}" vid="{991539CA-B441-4AED-8339-F6770207F6A2}"/>
     </a:ext>
   </a:extLst>
 </a:theme>
@@ -42006,7 +42360,7 @@
   <a:extraClrSchemeLst/>
   <a:extLst>
     <a:ext uri="{05A4C25C-085E-4340-85A3-A5531E510DB2}">
-      <thm15:themeFamily xmlns="" xmlns:thm15="http://schemas.microsoft.com/office/thememl/2012/main" name="Nokia PowerPoint Template Nokia Pure v12" id="{7AC05BEF-BBDF-4CF1-AA23-A676535EABCE}" vid="{AF106B15-0C1E-44CE-A53A-F2CB8A6EA7E7}"/>
+      <thm15:themeFamily xmlns:thm15="http://schemas.microsoft.com/office/thememl/2012/main" name="Nokia PowerPoint Template Nokia Pure v12" id="{7AC05BEF-BBDF-4CF1-AA23-A676535EABCE}" vid="{AF106B15-0C1E-44CE-A53A-F2CB8A6EA7E7}"/>
     </a:ext>
   </a:extLst>
 </a:theme>
